--- a/Presentation/CS679Presentation2.pptx
+++ b/Presentation/CS679Presentation2.pptx
@@ -5,7 +5,7 @@
     <p:sldMasterId id="2147483648" r:id="rId1"/>
   </p:sldMasterIdLst>
   <p:notesMasterIdLst>
-    <p:notesMasterId r:id="rId15"/>
+    <p:notesMasterId r:id="rId16"/>
   </p:notesMasterIdLst>
   <p:sldIdLst>
     <p:sldId id="256" r:id="rId2"/>
@@ -18,9 +18,10 @@
     <p:sldId id="264" r:id="rId9"/>
     <p:sldId id="269" r:id="rId10"/>
     <p:sldId id="265" r:id="rId11"/>
-    <p:sldId id="266" r:id="rId12"/>
-    <p:sldId id="263" r:id="rId13"/>
-    <p:sldId id="261" r:id="rId14"/>
+    <p:sldId id="263" r:id="rId12"/>
+    <p:sldId id="272" r:id="rId13"/>
+    <p:sldId id="273" r:id="rId14"/>
+    <p:sldId id="261" r:id="rId15"/>
   </p:sldIdLst>
   <p:sldSz cx="9144000" cy="6858000" type="screen4x3"/>
   <p:notesSz cx="6858000" cy="9144000"/>
@@ -204,7 +205,7 @@
           <a:p>
             <a:fld id="{47375328-351C-4DED-94A3-E91F3E1B8B68}" type="datetimeFigureOut">
               <a:rPr lang="en-US" smtClean="0"/>
-              <a:t>4/2/2015</a:t>
+              <a:t>4/9/2015</a:t>
             </a:fld>
             <a:endParaRPr lang="en-US"/>
           </a:p>
@@ -737,7 +738,7 @@
           <a:p>
             <a:fld id="{4C8834C2-7B47-694D-87BD-9D1EC16573D1}" type="datetimeFigureOut">
               <a:rPr lang="en-US" smtClean="0"/>
-              <a:t>4/2/2015</a:t>
+              <a:t>4/9/2015</a:t>
             </a:fld>
             <a:endParaRPr lang="en-US"/>
           </a:p>
@@ -907,7 +908,7 @@
           <a:p>
             <a:fld id="{4C8834C2-7B47-694D-87BD-9D1EC16573D1}" type="datetimeFigureOut">
               <a:rPr lang="en-US" smtClean="0"/>
-              <a:t>4/2/2015</a:t>
+              <a:t>4/9/2015</a:t>
             </a:fld>
             <a:endParaRPr lang="en-US"/>
           </a:p>
@@ -1087,7 +1088,7 @@
           <a:p>
             <a:fld id="{4C8834C2-7B47-694D-87BD-9D1EC16573D1}" type="datetimeFigureOut">
               <a:rPr lang="en-US" smtClean="0"/>
-              <a:t>4/2/2015</a:t>
+              <a:t>4/9/2015</a:t>
             </a:fld>
             <a:endParaRPr lang="en-US"/>
           </a:p>
@@ -1257,7 +1258,7 @@
           <a:p>
             <a:fld id="{4C8834C2-7B47-694D-87BD-9D1EC16573D1}" type="datetimeFigureOut">
               <a:rPr lang="en-US" smtClean="0"/>
-              <a:t>4/2/2015</a:t>
+              <a:t>4/9/2015</a:t>
             </a:fld>
             <a:endParaRPr lang="en-US"/>
           </a:p>
@@ -1503,7 +1504,7 @@
           <a:p>
             <a:fld id="{4C8834C2-7B47-694D-87BD-9D1EC16573D1}" type="datetimeFigureOut">
               <a:rPr lang="en-US" smtClean="0"/>
-              <a:t>4/2/2015</a:t>
+              <a:t>4/9/2015</a:t>
             </a:fld>
             <a:endParaRPr lang="en-US"/>
           </a:p>
@@ -1791,7 +1792,7 @@
           <a:p>
             <a:fld id="{4C8834C2-7B47-694D-87BD-9D1EC16573D1}" type="datetimeFigureOut">
               <a:rPr lang="en-US" smtClean="0"/>
-              <a:t>4/2/2015</a:t>
+              <a:t>4/9/2015</a:t>
             </a:fld>
             <a:endParaRPr lang="en-US"/>
           </a:p>
@@ -2213,7 +2214,7 @@
           <a:p>
             <a:fld id="{4C8834C2-7B47-694D-87BD-9D1EC16573D1}" type="datetimeFigureOut">
               <a:rPr lang="en-US" smtClean="0"/>
-              <a:t>4/2/2015</a:t>
+              <a:t>4/9/2015</a:t>
             </a:fld>
             <a:endParaRPr lang="en-US"/>
           </a:p>
@@ -2331,7 +2332,7 @@
           <a:p>
             <a:fld id="{4C8834C2-7B47-694D-87BD-9D1EC16573D1}" type="datetimeFigureOut">
               <a:rPr lang="en-US" smtClean="0"/>
-              <a:t>4/2/2015</a:t>
+              <a:t>4/9/2015</a:t>
             </a:fld>
             <a:endParaRPr lang="en-US"/>
           </a:p>
@@ -2426,7 +2427,7 @@
           <a:p>
             <a:fld id="{4C8834C2-7B47-694D-87BD-9D1EC16573D1}" type="datetimeFigureOut">
               <a:rPr lang="en-US" smtClean="0"/>
-              <a:t>4/2/2015</a:t>
+              <a:t>4/9/2015</a:t>
             </a:fld>
             <a:endParaRPr lang="en-US"/>
           </a:p>
@@ -2703,7 +2704,7 @@
           <a:p>
             <a:fld id="{4C8834C2-7B47-694D-87BD-9D1EC16573D1}" type="datetimeFigureOut">
               <a:rPr lang="en-US" smtClean="0"/>
-              <a:t>4/2/2015</a:t>
+              <a:t>4/9/2015</a:t>
             </a:fld>
             <a:endParaRPr lang="en-US"/>
           </a:p>
@@ -2956,7 +2957,7 @@
           <a:p>
             <a:fld id="{4C8834C2-7B47-694D-87BD-9D1EC16573D1}" type="datetimeFigureOut">
               <a:rPr lang="en-US" smtClean="0"/>
-              <a:t>4/2/2015</a:t>
+              <a:t>4/9/2015</a:t>
             </a:fld>
             <a:endParaRPr lang="en-US"/>
           </a:p>
@@ -3169,7 +3170,7 @@
           <a:p>
             <a:fld id="{4C8834C2-7B47-694D-87BD-9D1EC16573D1}" type="datetimeFigureOut">
               <a:rPr lang="en-US" smtClean="0"/>
-              <a:t>4/2/2015</a:t>
+              <a:t>4/9/2015</a:t>
             </a:fld>
             <a:endParaRPr lang="en-US"/>
           </a:p>
@@ -3712,10 +3713,14 @@
           <a:lstStyle/>
           <a:p>
             <a:r>
-              <a:rPr lang="en-US" sz="3200" dirty="0" smtClean="0"/>
-              <a:t>Registration, ML Estimation, and CRLB</a:t>
-            </a:r>
-            <a:endParaRPr lang="en-US" sz="3200" dirty="0"/>
+              <a:rPr lang="en-US" sz="2400" dirty="0" smtClean="0"/>
+              <a:t>Registration, ML Estimation, and </a:t>
+            </a:r>
+            <a:r>
+              <a:rPr lang="en-US" sz="2400" dirty="0" smtClean="0"/>
+              <a:t>Objective Function</a:t>
+            </a:r>
+            <a:endParaRPr lang="en-US" sz="2400" dirty="0"/>
           </a:p>
         </p:txBody>
       </p:sp>
@@ -3742,7 +3747,7 @@
           <a:graphicData uri="http://schemas.openxmlformats.org/presentationml/2006/ole">
             <mc:AlternateContent xmlns:mc="http://schemas.openxmlformats.org/markup-compatibility/2006">
               <mc:Choice xmlns:v="urn:schemas-microsoft-com:vml" Requires="v">
-                <p:oleObj spid="_x0000_s3137" name="Equation" r:id="rId3" imgW="1689100" imgH="241300" progId="Equation.3">
+                <p:oleObj spid="_x0000_s3157" name="Equation" r:id="rId3" imgW="1689100" imgH="241300" progId="Equation.3">
                   <p:embed/>
                 </p:oleObj>
               </mc:Choice>
@@ -3799,7 +3804,7 @@
           <a:graphicData uri="http://schemas.openxmlformats.org/presentationml/2006/ole">
             <mc:AlternateContent xmlns:mc="http://schemas.openxmlformats.org/markup-compatibility/2006">
               <mc:Choice xmlns:v="urn:schemas-microsoft-com:vml" Requires="v">
-                <p:oleObj spid="_x0000_s3138" name="Equation" r:id="rId5" imgW="2895600" imgH="241300" progId="Equation.3">
+                <p:oleObj spid="_x0000_s3158" name="Equation" r:id="rId5" imgW="2895600" imgH="241300" progId="Equation.3">
                   <p:embed/>
                 </p:oleObj>
               </mc:Choice>
@@ -3856,7 +3861,7 @@
           <a:graphicData uri="http://schemas.openxmlformats.org/presentationml/2006/ole">
             <mc:AlternateContent xmlns:mc="http://schemas.openxmlformats.org/markup-compatibility/2006">
               <mc:Choice xmlns:v="urn:schemas-microsoft-com:vml" Requires="v">
-                <p:oleObj spid="_x0000_s3139" name="Equation" r:id="rId7" imgW="4673520" imgH="431640" progId="Equation.3">
+                <p:oleObj spid="_x0000_s3159" name="Equation" r:id="rId7" imgW="4673520" imgH="431640" progId="Equation.3">
                   <p:embed/>
                 </p:oleObj>
               </mc:Choice>
@@ -3933,13 +3938,17 @@
         </p:nvSpPr>
         <p:spPr>
           <a:xfrm>
-            <a:off x="6776413" y="2245589"/>
-            <a:ext cx="1600118" cy="646331"/>
+            <a:off x="7152519" y="5662526"/>
+            <a:ext cx="1600118" cy="830997"/>
           </a:xfrm>
           <a:prstGeom prst="rect">
             <a:avLst/>
           </a:prstGeom>
-          <a:noFill/>
+          <a:solidFill>
+            <a:schemeClr val="bg1">
+              <a:lumMod val="95000"/>
+            </a:schemeClr>
+          </a:solidFill>
         </p:spPr>
         <p:txBody>
           <a:bodyPr wrap="none" rtlCol="0">
@@ -3959,7 +3968,6 @@
               <a:rPr lang="en-US" sz="1200" dirty="0" smtClean="0"/>
               <a:t>)=truth </a:t>
             </a:r>
-            <a:endParaRPr lang="en-US" sz="1200" dirty="0" smtClean="0"/>
           </a:p>
           <a:p>
             <a:r>
@@ -3990,7 +3998,21 @@
             </a:r>
             <a:r>
               <a:rPr lang="en-US" sz="1200" dirty="0" smtClean="0"/>
-              <a:t>)=Gaussian noise</a:t>
+              <a:t>)=Gaussian </a:t>
+            </a:r>
+            <a:r>
+              <a:rPr lang="en-US" sz="1200" dirty="0" smtClean="0"/>
+              <a:t>noise</a:t>
+            </a:r>
+          </a:p>
+          <a:p>
+            <a:r>
+              <a:rPr lang="en-US" sz="1200" dirty="0" smtClean="0"/>
+              <a:t>Image: </a:t>
+            </a:r>
+            <a:r>
+              <a:rPr lang="en-US" sz="1200" dirty="0" err="1" smtClean="0"/>
+              <a:t>Matlab</a:t>
             </a:r>
             <a:endParaRPr lang="en-US" sz="1200" dirty="0"/>
           </a:p>
@@ -4043,7 +4065,7 @@
           </a:prstGeom>
           <a:ln>
             <a:solidFill>
-              <a:schemeClr val="tx1"/>
+              <a:srgbClr val="00B050"/>
             </a:solidFill>
             <a:tailEnd type="arrow"/>
           </a:ln>
@@ -4079,7 +4101,7 @@
           </a:prstGeom>
           <a:ln>
             <a:solidFill>
-              <a:schemeClr val="tx1"/>
+              <a:srgbClr val="FF0000"/>
             </a:solidFill>
             <a:tailEnd type="arrow"/>
           </a:ln>
@@ -4329,7 +4351,7 @@
           <a:graphicData uri="http://schemas.openxmlformats.org/presentationml/2006/ole">
             <mc:AlternateContent xmlns:mc="http://schemas.openxmlformats.org/markup-compatibility/2006">
               <mc:Choice xmlns:v="urn:schemas-microsoft-com:vml" Requires="v">
-                <p:oleObj spid="_x0000_s3140" name="Equation" r:id="rId10" imgW="2438280" imgH="533160" progId="Equation.3">
+                <p:oleObj spid="_x0000_s3160" name="Equation" r:id="rId10" imgW="2438280" imgH="533160" progId="Equation.3">
                   <p:embed/>
                 </p:oleObj>
               </mc:Choice>
@@ -4417,74 +4439,2717 @@
           <a:lstStyle/>
           <a:p>
             <a:r>
+              <a:rPr lang="en-US" i="1" dirty="0" smtClean="0"/>
+              <a:t>Deriving J(</a:t>
+            </a:r>
+            <a:r>
+              <a:rPr lang="el-GR" i="1" dirty="0" smtClean="0"/>
+              <a:t>Φ</a:t>
+            </a:r>
+            <a:r>
+              <a:rPr lang="en-US" i="1" dirty="0" smtClean="0"/>
+              <a:t>)</a:t>
+            </a:r>
+            <a:r>
               <a:rPr lang="en-US" dirty="0" smtClean="0"/>
-              <a:t>FIM</a:t>
+              <a:t> = FIM</a:t>
             </a:r>
             <a:endParaRPr lang="en-US" dirty="0"/>
           </a:p>
         </p:txBody>
       </p:sp>
-      <p:graphicFrame>
-        <p:nvGraphicFramePr>
-          <p:cNvPr id="7" name="Object 6"/>
-          <p:cNvGraphicFramePr>
-            <a:graphicFrameLocks noChangeAspect="1"/>
-          </p:cNvGraphicFramePr>
-          <p:nvPr>
-            <p:extLst>
-              <p:ext uri="{D42A27DB-BD31-4B8C-83A1-F6EECF244321}">
-                <p14:modId xmlns:p14="http://schemas.microsoft.com/office/powerpoint/2010/main" val="3303953382"/>
-              </p:ext>
-            </p:extLst>
-          </p:nvPr>
-        </p:nvGraphicFramePr>
-        <p:xfrm>
-          <a:off x="1248054" y="1753920"/>
-          <a:ext cx="2578951" cy="1113638"/>
-        </p:xfrm>
-        <a:graphic>
-          <a:graphicData uri="http://schemas.openxmlformats.org/presentationml/2006/ole">
-            <mc:AlternateContent xmlns:mc="http://schemas.openxmlformats.org/markup-compatibility/2006">
-              <mc:Choice xmlns:v="urn:schemas-microsoft-com:vml" Requires="v">
-                <p:oleObj spid="_x0000_s5129" name="Equation" r:id="rId3" imgW="1117440" imgH="482400" progId="Equation.3">
-                  <p:embed/>
-                </p:oleObj>
-              </mc:Choice>
-              <mc:Fallback>
-                <p:oleObj name="Equation" r:id="rId3" imgW="1117440" imgH="482400" progId="Equation.3">
-                  <p:embed/>
-                  <p:pic>
-                    <p:nvPicPr>
-                      <p:cNvPr id="0" name=""/>
-                      <p:cNvPicPr/>
-                      <p:nvPr/>
-                    </p:nvPicPr>
-                    <p:blipFill>
-                      <a:blip r:embed="rId4"/>
-                      <a:stretch>
-                        <a:fillRect/>
-                      </a:stretch>
-                    </p:blipFill>
-                    <p:spPr>
-                      <a:xfrm>
-                        <a:off x="1248054" y="1753920"/>
-                        <a:ext cx="2578951" cy="1113638"/>
-                      </a:xfrm>
-                      <a:prstGeom prst="rect">
-                        <a:avLst/>
-                      </a:prstGeom>
-                    </p:spPr>
-                  </p:pic>
-                </p:oleObj>
-              </mc:Fallback>
-            </mc:AlternateContent>
-          </a:graphicData>
-        </a:graphic>
-      </p:graphicFrame>
+      <mc:AlternateContent xmlns:mc="http://schemas.openxmlformats.org/markup-compatibility/2006">
+        <mc:Choice xmlns:a14="http://schemas.microsoft.com/office/drawing/2010/main" Requires="a14">
+          <p:sp>
+            <p:nvSpPr>
+              <p:cNvPr id="3" name="TextBox 2"/>
+              <p:cNvSpPr txBox="1"/>
+              <p:nvPr/>
+            </p:nvSpPr>
+            <p:spPr>
+              <a:xfrm>
+                <a:off x="2059229" y="1787137"/>
+                <a:ext cx="4213974" cy="972702"/>
+              </a:xfrm>
+              <a:prstGeom prst="rect">
+                <a:avLst/>
+              </a:prstGeom>
+              <a:noFill/>
+            </p:spPr>
+            <p:txBody>
+              <a:bodyPr wrap="none" rtlCol="0">
+                <a:spAutoFit/>
+              </a:bodyPr>
+              <a:lstStyle/>
+              <a:p>
+                <a14:m>
+                  <m:oMathPara xmlns:m="http://schemas.openxmlformats.org/officeDocument/2006/math">
+                    <m:oMathParaPr>
+                      <m:jc m:val="centerGroup"/>
+                    </m:oMathParaPr>
+                    <m:oMath xmlns:m="http://schemas.openxmlformats.org/officeDocument/2006/math">
+                      <m:f>
+                        <m:fPr>
+                          <m:ctrlPr>
+                            <a:rPr lang="en-US" i="1" smtClean="0">
+                              <a:latin typeface="Cambria Math"/>
+                            </a:rPr>
+                          </m:ctrlPr>
+                        </m:fPr>
+                        <m:num>
+                          <m:sSup>
+                            <m:sSupPr>
+                              <m:ctrlPr>
+                                <a:rPr lang="en-US" i="1" smtClean="0">
+                                  <a:latin typeface="Cambria Math"/>
+                                </a:rPr>
+                              </m:ctrlPr>
+                            </m:sSupPr>
+                            <m:e>
+                              <m:r>
+                                <a:rPr lang="en-US" i="1">
+                                  <a:latin typeface="Cambria Math"/>
+                                </a:rPr>
+                                <m:t>𝜕</m:t>
+                              </m:r>
+                            </m:e>
+                            <m:sup>
+                              <m:r>
+                                <a:rPr lang="en-US" b="0" i="1" smtClean="0">
+                                  <a:latin typeface="Cambria Math"/>
+                                </a:rPr>
+                                <m:t>2</m:t>
+                              </m:r>
+                            </m:sup>
+                          </m:sSup>
+                          <m:r>
+                            <m:rPr>
+                              <m:sty m:val="p"/>
+                            </m:rPr>
+                            <a:rPr lang="en-US" b="0" i="0" smtClean="0">
+                              <a:latin typeface="Cambria Math"/>
+                            </a:rPr>
+                            <m:t>ln</m:t>
+                          </m:r>
+                          <m:r>
+                            <a:rPr lang="en-US" b="0" i="1" smtClean="0">
+                              <a:latin typeface="Cambria Math"/>
+                            </a:rPr>
+                            <m:t>⁡(</m:t>
+                          </m:r>
+                          <m:r>
+                            <a:rPr lang="en-US" b="0" i="1" smtClean="0">
+                              <a:latin typeface="Cambria Math"/>
+                            </a:rPr>
+                            <m:t>𝑃</m:t>
+                          </m:r>
+                          <m:d>
+                            <m:dPr>
+                              <m:ctrlPr>
+                                <a:rPr lang="en-US" b="0" i="1" smtClean="0">
+                                  <a:latin typeface="Cambria Math"/>
+                                </a:rPr>
+                              </m:ctrlPr>
+                            </m:dPr>
+                            <m:e>
+                              <m:r>
+                                <a:rPr lang="en-US" b="0" i="1" smtClean="0">
+                                  <a:latin typeface="Cambria Math"/>
+                                </a:rPr>
+                                <m:t>𝑧</m:t>
+                              </m:r>
+                              <m:r>
+                                <a:rPr lang="en-US" b="0" i="1" smtClean="0">
+                                  <a:latin typeface="Cambria Math"/>
+                                </a:rPr>
+                                <m:t>;</m:t>
+                              </m:r>
+                              <m:r>
+                                <a:rPr lang="en-US" b="0" i="1" smtClean="0">
+                                  <a:latin typeface="Cambria Math"/>
+                                </a:rPr>
+                                <m:t>𝑣</m:t>
+                              </m:r>
+                            </m:e>
+                          </m:d>
+                          <m:r>
+                            <a:rPr lang="en-US" b="0" i="1" smtClean="0">
+                              <a:latin typeface="Cambria Math"/>
+                            </a:rPr>
+                            <m:t>)</m:t>
+                          </m:r>
+                        </m:num>
+                        <m:den>
+                          <m:r>
+                            <a:rPr lang="en-US" i="1" smtClean="0">
+                              <a:latin typeface="Cambria Math"/>
+                            </a:rPr>
+                            <m:t>𝜕</m:t>
+                          </m:r>
+                          <m:sSubSup>
+                            <m:sSubSupPr>
+                              <m:ctrlPr>
+                                <a:rPr lang="en-US" i="1" smtClean="0">
+                                  <a:latin typeface="Cambria Math"/>
+                                </a:rPr>
+                              </m:ctrlPr>
+                            </m:sSubSupPr>
+                            <m:e>
+                              <m:r>
+                                <a:rPr lang="en-US" b="0" i="1" smtClean="0">
+                                  <a:latin typeface="Cambria Math"/>
+                                </a:rPr>
+                                <m:t>𝑣</m:t>
+                              </m:r>
+                            </m:e>
+                            <m:sub>
+                              <m:r>
+                                <a:rPr lang="en-US" b="0" i="1" smtClean="0">
+                                  <a:latin typeface="Cambria Math"/>
+                                </a:rPr>
+                                <m:t>𝑖</m:t>
+                              </m:r>
+                            </m:sub>
+                            <m:sup>
+                              <m:r>
+                                <a:rPr lang="en-US" b="0" i="1" smtClean="0">
+                                  <a:latin typeface="Cambria Math"/>
+                                </a:rPr>
+                                <m:t>2</m:t>
+                              </m:r>
+                            </m:sup>
+                          </m:sSubSup>
+                        </m:den>
+                      </m:f>
+                      <m:r>
+                        <a:rPr lang="en-US" b="0" i="1" smtClean="0">
+                          <a:latin typeface="Cambria Math"/>
+                        </a:rPr>
+                        <m:t>=</m:t>
+                      </m:r>
+                      <m:f>
+                        <m:fPr>
+                          <m:ctrlPr>
+                            <a:rPr lang="en-US" b="0" i="1" smtClean="0">
+                              <a:latin typeface="Cambria Math"/>
+                            </a:rPr>
+                          </m:ctrlPr>
+                        </m:fPr>
+                        <m:num>
+                          <m:r>
+                            <a:rPr lang="en-US" b="0" i="1" smtClean="0">
+                              <a:latin typeface="Cambria Math"/>
+                            </a:rPr>
+                            <m:t>𝜕</m:t>
+                          </m:r>
+                        </m:num>
+                        <m:den>
+                          <m:r>
+                            <a:rPr lang="en-US" b="0" i="1" smtClean="0">
+                              <a:latin typeface="Cambria Math"/>
+                            </a:rPr>
+                            <m:t>𝜕</m:t>
+                          </m:r>
+                          <m:sSub>
+                            <m:sSubPr>
+                              <m:ctrlPr>
+                                <a:rPr lang="en-US" i="1">
+                                  <a:latin typeface="Cambria Math"/>
+                                </a:rPr>
+                              </m:ctrlPr>
+                            </m:sSubPr>
+                            <m:e>
+                              <m:r>
+                                <a:rPr lang="en-US" i="1">
+                                  <a:latin typeface="Cambria Math"/>
+                                </a:rPr>
+                                <m:t>𝑣</m:t>
+                              </m:r>
+                            </m:e>
+                            <m:sub>
+                              <m:r>
+                                <a:rPr lang="en-US" i="1">
+                                  <a:latin typeface="Cambria Math"/>
+                                </a:rPr>
+                                <m:t>𝑖</m:t>
+                              </m:r>
+                            </m:sub>
+                          </m:sSub>
+                        </m:den>
+                      </m:f>
+                      <m:d>
+                        <m:dPr>
+                          <m:begChr m:val="["/>
+                          <m:endChr m:val="]"/>
+                          <m:ctrlPr>
+                            <a:rPr lang="en-US" b="0" i="1" smtClean="0">
+                              <a:latin typeface="Cambria Math"/>
+                            </a:rPr>
+                          </m:ctrlPr>
+                        </m:dPr>
+                        <m:e>
+                          <m:f>
+                            <m:fPr>
+                              <m:ctrlPr>
+                                <a:rPr lang="en-US" b="0" i="1" smtClean="0">
+                                  <a:latin typeface="Cambria Math"/>
+                                </a:rPr>
+                              </m:ctrlPr>
+                            </m:fPr>
+                            <m:num>
+                              <m:r>
+                                <a:rPr lang="en-US" b="0" i="1" smtClean="0">
+                                  <a:latin typeface="Cambria Math"/>
+                                </a:rPr>
+                                <m:t>1</m:t>
+                              </m:r>
+                            </m:num>
+                            <m:den>
+                              <m:sSup>
+                                <m:sSupPr>
+                                  <m:ctrlPr>
+                                    <a:rPr lang="en-US" b="0" i="1" smtClean="0">
+                                      <a:latin typeface="Cambria Math"/>
+                                    </a:rPr>
+                                  </m:ctrlPr>
+                                </m:sSupPr>
+                                <m:e>
+                                  <m:r>
+                                    <a:rPr lang="en-US" i="1">
+                                      <a:latin typeface="Cambria Math"/>
+                                      <a:ea typeface="Cambria Math"/>
+                                    </a:rPr>
+                                    <m:t>𝜎</m:t>
+                                  </m:r>
+                                </m:e>
+                                <m:sup>
+                                  <m:r>
+                                    <a:rPr lang="en-US" b="0" i="1" smtClean="0">
+                                      <a:latin typeface="Cambria Math"/>
+                                    </a:rPr>
+                                    <m:t>2</m:t>
+                                  </m:r>
+                                </m:sup>
+                              </m:sSup>
+                            </m:den>
+                          </m:f>
+                          <m:nary>
+                            <m:naryPr>
+                              <m:chr m:val="∑"/>
+                              <m:supHide m:val="on"/>
+                              <m:ctrlPr>
+                                <a:rPr lang="en-US" b="0" i="1" smtClean="0">
+                                  <a:latin typeface="Cambria Math"/>
+                                </a:rPr>
+                              </m:ctrlPr>
+                            </m:naryPr>
+                            <m:sub>
+                              <m:r>
+                                <m:rPr>
+                                  <m:brk m:alnAt="7"/>
+                                </m:rPr>
+                                <a:rPr lang="en-US" b="0" i="1" smtClean="0">
+                                  <a:latin typeface="Cambria Math"/>
+                                </a:rPr>
+                                <m:t>𝑚</m:t>
+                              </m:r>
+                              <m:r>
+                                <a:rPr lang="en-US" b="0" i="1" smtClean="0">
+                                  <a:latin typeface="Cambria Math"/>
+                                </a:rPr>
+                                <m:t>,</m:t>
+                              </m:r>
+                              <m:r>
+                                <a:rPr lang="en-US" b="0" i="1" smtClean="0">
+                                  <a:latin typeface="Cambria Math"/>
+                                </a:rPr>
+                                <m:t>𝑛</m:t>
+                              </m:r>
+                            </m:sub>
+                            <m:sup/>
+                            <m:e>
+                              <m:d>
+                                <m:dPr>
+                                  <m:ctrlPr>
+                                    <a:rPr lang="el-GR" i="1">
+                                      <a:latin typeface="Cambria Math"/>
+                                      <a:ea typeface="Cambria Math"/>
+                                    </a:rPr>
+                                  </m:ctrlPr>
+                                </m:dPr>
+                                <m:e>
+                                  <m:sSub>
+                                    <m:sSubPr>
+                                      <m:ctrlPr>
+                                        <a:rPr lang="el-GR" i="1">
+                                          <a:latin typeface="Cambria Math"/>
+                                          <a:ea typeface="Cambria Math"/>
+                                        </a:rPr>
+                                      </m:ctrlPr>
+                                    </m:sSubPr>
+                                    <m:e>
+                                      <m:r>
+                                        <a:rPr lang="en-US" i="1">
+                                          <a:latin typeface="Cambria Math"/>
+                                          <a:ea typeface="Cambria Math"/>
+                                        </a:rPr>
+                                        <m:t>𝑧</m:t>
+                                      </m:r>
+                                    </m:e>
+                                    <m:sub>
+                                      <m:r>
+                                        <a:rPr lang="en-US" i="1">
+                                          <a:latin typeface="Cambria Math"/>
+                                          <a:ea typeface="Cambria Math"/>
+                                        </a:rPr>
+                                        <m:t>2</m:t>
+                                      </m:r>
+                                    </m:sub>
+                                  </m:sSub>
+                                  <m:r>
+                                    <a:rPr lang="en-US" i="1">
+                                      <a:latin typeface="Cambria Math"/>
+                                      <a:ea typeface="Cambria Math"/>
+                                    </a:rPr>
+                                    <m:t>−</m:t>
+                                  </m:r>
+                                  <m:acc>
+                                    <m:accPr>
+                                      <m:chr m:val="̃"/>
+                                      <m:ctrlPr>
+                                        <a:rPr lang="en-US" i="1">
+                                          <a:latin typeface="Cambria Math"/>
+                                          <a:ea typeface="Cambria Math"/>
+                                        </a:rPr>
+                                      </m:ctrlPr>
+                                    </m:accPr>
+                                    <m:e>
+                                      <m:r>
+                                        <a:rPr lang="en-US" i="1">
+                                          <a:latin typeface="Cambria Math"/>
+                                          <a:ea typeface="Cambria Math"/>
+                                        </a:rPr>
+                                        <m:t>𝑓</m:t>
+                                      </m:r>
+                                    </m:e>
+                                  </m:acc>
+                                </m:e>
+                              </m:d>
+                              <m:f>
+                                <m:fPr>
+                                  <m:ctrlPr>
+                                    <a:rPr lang="en-US" i="1">
+                                      <a:latin typeface="Cambria Math"/>
+                                      <a:ea typeface="Cambria Math"/>
+                                    </a:rPr>
+                                  </m:ctrlPr>
+                                </m:fPr>
+                                <m:num>
+                                  <m:r>
+                                    <a:rPr lang="en-US" i="1">
+                                      <a:latin typeface="Cambria Math"/>
+                                      <a:ea typeface="Cambria Math"/>
+                                    </a:rPr>
+                                    <m:t>𝜕</m:t>
+                                  </m:r>
+                                  <m:acc>
+                                    <m:accPr>
+                                      <m:chr m:val="̃"/>
+                                      <m:ctrlPr>
+                                        <a:rPr lang="en-US" i="1">
+                                          <a:latin typeface="Cambria Math"/>
+                                          <a:ea typeface="Cambria Math"/>
+                                        </a:rPr>
+                                      </m:ctrlPr>
+                                    </m:accPr>
+                                    <m:e>
+                                      <m:r>
+                                        <a:rPr lang="en-US" i="1">
+                                          <a:latin typeface="Cambria Math"/>
+                                          <a:ea typeface="Cambria Math"/>
+                                        </a:rPr>
+                                        <m:t>𝑓</m:t>
+                                      </m:r>
+                                    </m:e>
+                                  </m:acc>
+                                </m:num>
+                                <m:den>
+                                  <m:r>
+                                    <a:rPr lang="en-US" i="1">
+                                      <a:latin typeface="Cambria Math"/>
+                                      <a:ea typeface="Cambria Math"/>
+                                    </a:rPr>
+                                    <m:t>𝜕</m:t>
+                                  </m:r>
+                                  <m:sSub>
+                                    <m:sSubPr>
+                                      <m:ctrlPr>
+                                        <a:rPr lang="en-US" i="1">
+                                          <a:latin typeface="Cambria Math"/>
+                                        </a:rPr>
+                                      </m:ctrlPr>
+                                    </m:sSubPr>
+                                    <m:e>
+                                      <m:r>
+                                        <a:rPr lang="en-US" i="1">
+                                          <a:latin typeface="Cambria Math"/>
+                                        </a:rPr>
+                                        <m:t>𝑣</m:t>
+                                      </m:r>
+                                    </m:e>
+                                    <m:sub>
+                                      <m:r>
+                                        <a:rPr lang="en-US" i="1">
+                                          <a:latin typeface="Cambria Math"/>
+                                        </a:rPr>
+                                        <m:t>𝑖</m:t>
+                                      </m:r>
+                                    </m:sub>
+                                  </m:sSub>
+                                </m:den>
+                              </m:f>
+                            </m:e>
+                          </m:nary>
+                        </m:e>
+                      </m:d>
+                    </m:oMath>
+                  </m:oMathPara>
+                </a14:m>
+                <a:endParaRPr lang="en-US" dirty="0"/>
+              </a:p>
+            </p:txBody>
+          </p:sp>
+        </mc:Choice>
+        <mc:Fallback>
+          <p:sp>
+            <p:nvSpPr>
+              <p:cNvPr id="3" name="TextBox 2"/>
+              <p:cNvSpPr txBox="1">
+                <a:spLocks noRot="1" noChangeAspect="1" noMove="1" noResize="1" noEditPoints="1" noAdjustHandles="1" noChangeArrowheads="1" noChangeShapeType="1" noTextEdit="1"/>
+              </p:cNvSpPr>
+              <p:nvPr/>
+            </p:nvSpPr>
+            <p:spPr>
+              <a:xfrm>
+                <a:off x="2059229" y="1787137"/>
+                <a:ext cx="4213974" cy="972702"/>
+              </a:xfrm>
+              <a:prstGeom prst="rect">
+                <a:avLst/>
+              </a:prstGeom>
+              <a:blipFill rotWithShape="1">
+                <a:blip r:embed="rId2"/>
+                <a:stretch>
+                  <a:fillRect/>
+                </a:stretch>
+              </a:blipFill>
+            </p:spPr>
+            <p:txBody>
+              <a:bodyPr/>
+              <a:lstStyle/>
+              <a:p>
+                <a:r>
+                  <a:rPr lang="en-US">
+                    <a:noFill/>
+                  </a:rPr>
+                  <a:t> </a:t>
+                </a:r>
+              </a:p>
+            </p:txBody>
+          </p:sp>
+        </mc:Fallback>
+      </mc:AlternateContent>
+      <mc:AlternateContent xmlns:mc="http://schemas.openxmlformats.org/markup-compatibility/2006">
+        <mc:Choice xmlns:a14="http://schemas.microsoft.com/office/drawing/2010/main" Requires="a14">
+          <p:sp>
+            <p:nvSpPr>
+              <p:cNvPr id="5" name="TextBox 4"/>
+              <p:cNvSpPr txBox="1"/>
+              <p:nvPr/>
+            </p:nvSpPr>
+            <p:spPr>
+              <a:xfrm>
+                <a:off x="1075334" y="3351528"/>
+                <a:ext cx="3475054" cy="787716"/>
+              </a:xfrm>
+              <a:prstGeom prst="rect">
+                <a:avLst/>
+              </a:prstGeom>
+              <a:noFill/>
+            </p:spPr>
+            <p:txBody>
+              <a:bodyPr wrap="none" rtlCol="0">
+                <a:spAutoFit/>
+              </a:bodyPr>
+              <a:lstStyle/>
+              <a:p>
+                <a14:m>
+                  <m:oMathPara xmlns:m="http://schemas.openxmlformats.org/officeDocument/2006/math">
+                    <m:oMathParaPr>
+                      <m:jc m:val="centerGroup"/>
+                    </m:oMathParaPr>
+                    <m:oMath xmlns:m="http://schemas.openxmlformats.org/officeDocument/2006/math">
+                      <m:r>
+                        <a:rPr lang="en-US" b="0" i="1" smtClean="0">
+                          <a:latin typeface="Cambria Math"/>
+                        </a:rPr>
+                        <m:t>−</m:t>
+                      </m:r>
+                      <m:r>
+                        <a:rPr lang="en-US" b="0" i="1" smtClean="0">
+                          <a:latin typeface="Cambria Math"/>
+                        </a:rPr>
+                        <m:t>𝐸</m:t>
+                      </m:r>
+                      <m:d>
+                        <m:dPr>
+                          <m:begChr m:val="{"/>
+                          <m:endChr m:val="}"/>
+                          <m:ctrlPr>
+                            <a:rPr lang="en-US" b="0" i="1" smtClean="0">
+                              <a:latin typeface="Cambria Math"/>
+                            </a:rPr>
+                          </m:ctrlPr>
+                        </m:dPr>
+                        <m:e>
+                          <m:f>
+                            <m:fPr>
+                              <m:ctrlPr>
+                                <a:rPr lang="en-US" i="1">
+                                  <a:latin typeface="Cambria Math"/>
+                                </a:rPr>
+                              </m:ctrlPr>
+                            </m:fPr>
+                            <m:num>
+                              <m:sSup>
+                                <m:sSupPr>
+                                  <m:ctrlPr>
+                                    <a:rPr lang="en-US" i="1">
+                                      <a:latin typeface="Cambria Math"/>
+                                    </a:rPr>
+                                  </m:ctrlPr>
+                                </m:sSupPr>
+                                <m:e>
+                                  <m:r>
+                                    <a:rPr lang="en-US" i="1">
+                                      <a:latin typeface="Cambria Math"/>
+                                    </a:rPr>
+                                    <m:t>𝜕</m:t>
+                                  </m:r>
+                                </m:e>
+                                <m:sup>
+                                  <m:r>
+                                    <a:rPr lang="en-US" i="1">
+                                      <a:latin typeface="Cambria Math"/>
+                                    </a:rPr>
+                                    <m:t>2</m:t>
+                                  </m:r>
+                                </m:sup>
+                              </m:sSup>
+                              <m:r>
+                                <m:rPr>
+                                  <m:sty m:val="p"/>
+                                </m:rPr>
+                                <a:rPr lang="en-US">
+                                  <a:latin typeface="Cambria Math"/>
+                                </a:rPr>
+                                <m:t>ln</m:t>
+                              </m:r>
+                              <m:r>
+                                <a:rPr lang="en-US" i="1">
+                                  <a:latin typeface="Cambria Math"/>
+                                </a:rPr>
+                                <m:t>⁡(</m:t>
+                              </m:r>
+                              <m:r>
+                                <a:rPr lang="en-US" i="1">
+                                  <a:latin typeface="Cambria Math"/>
+                                </a:rPr>
+                                <m:t>𝑃</m:t>
+                              </m:r>
+                              <m:d>
+                                <m:dPr>
+                                  <m:ctrlPr>
+                                    <a:rPr lang="en-US" i="1">
+                                      <a:latin typeface="Cambria Math"/>
+                                    </a:rPr>
+                                  </m:ctrlPr>
+                                </m:dPr>
+                                <m:e>
+                                  <m:r>
+                                    <a:rPr lang="en-US" i="1">
+                                      <a:latin typeface="Cambria Math"/>
+                                    </a:rPr>
+                                    <m:t>𝑧</m:t>
+                                  </m:r>
+                                  <m:r>
+                                    <a:rPr lang="en-US" i="1">
+                                      <a:latin typeface="Cambria Math"/>
+                                    </a:rPr>
+                                    <m:t>;</m:t>
+                                  </m:r>
+                                  <m:r>
+                                    <a:rPr lang="en-US" i="1">
+                                      <a:latin typeface="Cambria Math"/>
+                                    </a:rPr>
+                                    <m:t>𝑣</m:t>
+                                  </m:r>
+                                </m:e>
+                              </m:d>
+                              <m:r>
+                                <a:rPr lang="en-US" i="1">
+                                  <a:latin typeface="Cambria Math"/>
+                                </a:rPr>
+                                <m:t>)</m:t>
+                              </m:r>
+                            </m:num>
+                            <m:den>
+                              <m:r>
+                                <a:rPr lang="en-US" i="1">
+                                  <a:latin typeface="Cambria Math"/>
+                                </a:rPr>
+                                <m:t>𝜕</m:t>
+                              </m:r>
+                              <m:sSubSup>
+                                <m:sSubSupPr>
+                                  <m:ctrlPr>
+                                    <a:rPr lang="en-US" i="1">
+                                      <a:latin typeface="Cambria Math"/>
+                                    </a:rPr>
+                                  </m:ctrlPr>
+                                </m:sSubSupPr>
+                                <m:e>
+                                  <m:r>
+                                    <a:rPr lang="en-US" i="1">
+                                      <a:latin typeface="Cambria Math"/>
+                                    </a:rPr>
+                                    <m:t>𝑣</m:t>
+                                  </m:r>
+                                </m:e>
+                                <m:sub>
+                                  <m:r>
+                                    <a:rPr lang="en-US" b="0" i="1" smtClean="0">
+                                      <a:latin typeface="Cambria Math"/>
+                                    </a:rPr>
+                                    <m:t>1</m:t>
+                                  </m:r>
+                                </m:sub>
+                                <m:sup>
+                                  <m:r>
+                                    <a:rPr lang="en-US" i="1">
+                                      <a:latin typeface="Cambria Math"/>
+                                    </a:rPr>
+                                    <m:t>2</m:t>
+                                  </m:r>
+                                </m:sup>
+                              </m:sSubSup>
+                            </m:den>
+                          </m:f>
+                        </m:e>
+                      </m:d>
+                      <m:r>
+                        <a:rPr lang="en-US" b="0" i="1" smtClean="0">
+                          <a:latin typeface="Cambria Math"/>
+                        </a:rPr>
+                        <m:t>=</m:t>
+                      </m:r>
+                      <m:sSup>
+                        <m:sSupPr>
+                          <m:ctrlPr>
+                            <a:rPr lang="en-US" b="0" i="1" smtClean="0">
+                              <a:latin typeface="Cambria Math"/>
+                            </a:rPr>
+                          </m:ctrlPr>
+                        </m:sSupPr>
+                        <m:e>
+                          <m:f>
+                            <m:fPr>
+                              <m:ctrlPr>
+                                <a:rPr lang="en-US" i="1">
+                                  <a:latin typeface="Cambria Math"/>
+                                </a:rPr>
+                              </m:ctrlPr>
+                            </m:fPr>
+                            <m:num>
+                              <m:r>
+                                <a:rPr lang="en-US" i="1">
+                                  <a:latin typeface="Cambria Math"/>
+                                </a:rPr>
+                                <m:t>1</m:t>
+                              </m:r>
+                            </m:num>
+                            <m:den>
+                              <m:sSup>
+                                <m:sSupPr>
+                                  <m:ctrlPr>
+                                    <a:rPr lang="en-US" i="1">
+                                      <a:latin typeface="Cambria Math"/>
+                                    </a:rPr>
+                                  </m:ctrlPr>
+                                </m:sSupPr>
+                                <m:e>
+                                  <m:r>
+                                    <a:rPr lang="en-US" i="1">
+                                      <a:latin typeface="Cambria Math"/>
+                                      <a:ea typeface="Cambria Math"/>
+                                    </a:rPr>
+                                    <m:t>𝜎</m:t>
+                                  </m:r>
+                                </m:e>
+                                <m:sup>
+                                  <m:r>
+                                    <a:rPr lang="en-US" i="1">
+                                      <a:latin typeface="Cambria Math"/>
+                                    </a:rPr>
+                                    <m:t>2</m:t>
+                                  </m:r>
+                                </m:sup>
+                              </m:sSup>
+                            </m:den>
+                          </m:f>
+                          <m:d>
+                            <m:dPr>
+                              <m:ctrlPr>
+                                <a:rPr lang="en-US" i="1">
+                                  <a:latin typeface="Cambria Math"/>
+                                </a:rPr>
+                              </m:ctrlPr>
+                            </m:dPr>
+                            <m:e>
+                              <m:f>
+                                <m:fPr>
+                                  <m:ctrlPr>
+                                    <a:rPr lang="en-US" i="1">
+                                      <a:latin typeface="Cambria Math"/>
+                                      <a:ea typeface="Cambria Math"/>
+                                    </a:rPr>
+                                  </m:ctrlPr>
+                                </m:fPr>
+                                <m:num>
+                                  <m:r>
+                                    <a:rPr lang="en-US" i="1">
+                                      <a:latin typeface="Cambria Math"/>
+                                      <a:ea typeface="Cambria Math"/>
+                                    </a:rPr>
+                                    <m:t>𝜕</m:t>
+                                  </m:r>
+                                  <m:acc>
+                                    <m:accPr>
+                                      <m:chr m:val="̃"/>
+                                      <m:ctrlPr>
+                                        <a:rPr lang="en-US" i="1">
+                                          <a:latin typeface="Cambria Math"/>
+                                          <a:ea typeface="Cambria Math"/>
+                                        </a:rPr>
+                                      </m:ctrlPr>
+                                    </m:accPr>
+                                    <m:e>
+                                      <m:r>
+                                        <a:rPr lang="en-US" i="1">
+                                          <a:latin typeface="Cambria Math"/>
+                                          <a:ea typeface="Cambria Math"/>
+                                        </a:rPr>
+                                        <m:t>𝑓</m:t>
+                                      </m:r>
+                                    </m:e>
+                                  </m:acc>
+                                </m:num>
+                                <m:den>
+                                  <m:r>
+                                    <a:rPr lang="en-US" i="1">
+                                      <a:latin typeface="Cambria Math"/>
+                                      <a:ea typeface="Cambria Math"/>
+                                    </a:rPr>
+                                    <m:t>𝜕</m:t>
+                                  </m:r>
+                                  <m:sSub>
+                                    <m:sSubPr>
+                                      <m:ctrlPr>
+                                        <a:rPr lang="en-US" i="1">
+                                          <a:latin typeface="Cambria Math"/>
+                                        </a:rPr>
+                                      </m:ctrlPr>
+                                    </m:sSubPr>
+                                    <m:e>
+                                      <m:r>
+                                        <a:rPr lang="en-US" i="1">
+                                          <a:latin typeface="Cambria Math"/>
+                                        </a:rPr>
+                                        <m:t>𝑣</m:t>
+                                      </m:r>
+                                    </m:e>
+                                    <m:sub>
+                                      <m:r>
+                                        <a:rPr lang="en-US" b="0" i="1" smtClean="0">
+                                          <a:latin typeface="Cambria Math"/>
+                                        </a:rPr>
+                                        <m:t>1</m:t>
+                                      </m:r>
+                                    </m:sub>
+                                  </m:sSub>
+                                </m:den>
+                              </m:f>
+                            </m:e>
+                          </m:d>
+                        </m:e>
+                        <m:sup>
+                          <m:r>
+                            <a:rPr lang="en-US" b="0" i="1" smtClean="0">
+                              <a:latin typeface="Cambria Math"/>
+                            </a:rPr>
+                            <m:t>2</m:t>
+                          </m:r>
+                        </m:sup>
+                      </m:sSup>
+                    </m:oMath>
+                  </m:oMathPara>
+                </a14:m>
+                <a:endParaRPr lang="en-US" dirty="0"/>
+              </a:p>
+            </p:txBody>
+          </p:sp>
+        </mc:Choice>
+        <mc:Fallback>
+          <p:sp>
+            <p:nvSpPr>
+              <p:cNvPr id="5" name="TextBox 4"/>
+              <p:cNvSpPr txBox="1">
+                <a:spLocks noRot="1" noChangeAspect="1" noMove="1" noResize="1" noEditPoints="1" noAdjustHandles="1" noChangeArrowheads="1" noChangeShapeType="1" noTextEdit="1"/>
+              </p:cNvSpPr>
+              <p:nvPr/>
+            </p:nvSpPr>
+            <p:spPr>
+              <a:xfrm>
+                <a:off x="1075334" y="3351528"/>
+                <a:ext cx="3475054" cy="787716"/>
+              </a:xfrm>
+              <a:prstGeom prst="rect">
+                <a:avLst/>
+              </a:prstGeom>
+              <a:blipFill rotWithShape="1">
+                <a:blip r:embed="rId3"/>
+                <a:stretch>
+                  <a:fillRect/>
+                </a:stretch>
+              </a:blipFill>
+            </p:spPr>
+            <p:txBody>
+              <a:bodyPr/>
+              <a:lstStyle/>
+              <a:p>
+                <a:r>
+                  <a:rPr lang="en-US">
+                    <a:noFill/>
+                  </a:rPr>
+                  <a:t> </a:t>
+                </a:r>
+              </a:p>
+            </p:txBody>
+          </p:sp>
+        </mc:Fallback>
+      </mc:AlternateContent>
+      <p:sp>
+        <p:nvSpPr>
+          <p:cNvPr id="6" name="TextBox 5"/>
+          <p:cNvSpPr txBox="1"/>
+          <p:nvPr/>
+        </p:nvSpPr>
+        <p:spPr>
+          <a:xfrm>
+            <a:off x="848540" y="1417638"/>
+            <a:ext cx="2549224" cy="369332"/>
+          </a:xfrm>
+          <a:prstGeom prst="rect">
+            <a:avLst/>
+          </a:prstGeom>
+          <a:noFill/>
+        </p:spPr>
+        <p:txBody>
+          <a:bodyPr wrap="none" rtlCol="0">
+            <a:spAutoFit/>
+          </a:bodyPr>
+          <a:lstStyle/>
+          <a:p>
+            <a:r>
+              <a:rPr lang="en-US" dirty="0" smtClean="0"/>
+              <a:t>Gradient of log likelihood</a:t>
+            </a:r>
+            <a:endParaRPr lang="en-US" dirty="0"/>
+          </a:p>
+        </p:txBody>
+      </p:sp>
+      <p:cxnSp>
+        <p:nvCxnSpPr>
+          <p:cNvPr id="9" name="Straight Connector 8"/>
+          <p:cNvCxnSpPr/>
+          <p:nvPr/>
+        </p:nvCxnSpPr>
+        <p:spPr>
+          <a:xfrm>
+            <a:off x="534010" y="2889504"/>
+            <a:ext cx="7805318" cy="7315"/>
+          </a:xfrm>
+          <a:prstGeom prst="line">
+            <a:avLst/>
+          </a:prstGeom>
+          <a:ln>
+            <a:prstDash val="sysDash"/>
+          </a:ln>
+        </p:spPr>
+        <p:style>
+          <a:lnRef idx="2">
+            <a:schemeClr val="accent1"/>
+          </a:lnRef>
+          <a:fillRef idx="0">
+            <a:schemeClr val="accent1"/>
+          </a:fillRef>
+          <a:effectRef idx="1">
+            <a:schemeClr val="accent1"/>
+          </a:effectRef>
+          <a:fontRef idx="minor">
+            <a:schemeClr val="tx1"/>
+          </a:fontRef>
+        </p:style>
+      </p:cxnSp>
+      <p:sp>
+        <p:nvSpPr>
+          <p:cNvPr id="10" name="TextBox 9"/>
+          <p:cNvSpPr txBox="1"/>
+          <p:nvPr/>
+        </p:nvSpPr>
+        <p:spPr>
+          <a:xfrm>
+            <a:off x="848540" y="2999232"/>
+            <a:ext cx="2677400" cy="369332"/>
+          </a:xfrm>
+          <a:prstGeom prst="rect">
+            <a:avLst/>
+          </a:prstGeom>
+          <a:noFill/>
+        </p:spPr>
+        <p:txBody>
+          <a:bodyPr wrap="none" rtlCol="0">
+            <a:spAutoFit/>
+          </a:bodyPr>
+          <a:lstStyle/>
+          <a:p>
+            <a:r>
+              <a:rPr lang="en-US" dirty="0" smtClean="0"/>
+              <a:t>Expected value of gradient</a:t>
+            </a:r>
+            <a:endParaRPr lang="en-US" dirty="0"/>
+          </a:p>
+        </p:txBody>
+      </p:sp>
+      <mc:AlternateContent xmlns:mc="http://schemas.openxmlformats.org/markup-compatibility/2006">
+        <mc:Choice xmlns:a14="http://schemas.microsoft.com/office/drawing/2010/main" Requires="a14">
+          <p:sp>
+            <p:nvSpPr>
+              <p:cNvPr id="11" name="TextBox 10"/>
+              <p:cNvSpPr txBox="1"/>
+              <p:nvPr/>
+            </p:nvSpPr>
+            <p:spPr>
+              <a:xfrm>
+                <a:off x="4864274" y="3378409"/>
+                <a:ext cx="3540328" cy="787716"/>
+              </a:xfrm>
+              <a:prstGeom prst="rect">
+                <a:avLst/>
+              </a:prstGeom>
+              <a:noFill/>
+            </p:spPr>
+            <p:txBody>
+              <a:bodyPr wrap="none" rtlCol="0">
+                <a:spAutoFit/>
+              </a:bodyPr>
+              <a:lstStyle/>
+              <a:p>
+                <a14:m>
+                  <m:oMathPara xmlns:m="http://schemas.openxmlformats.org/officeDocument/2006/math">
+                    <m:oMathParaPr>
+                      <m:jc m:val="centerGroup"/>
+                    </m:oMathParaPr>
+                    <m:oMath xmlns:m="http://schemas.openxmlformats.org/officeDocument/2006/math">
+                      <m:r>
+                        <a:rPr lang="en-US" b="0" i="1" smtClean="0">
+                          <a:latin typeface="Cambria Math"/>
+                        </a:rPr>
+                        <m:t>−</m:t>
+                      </m:r>
+                      <m:r>
+                        <a:rPr lang="en-US" b="0" i="1" smtClean="0">
+                          <a:latin typeface="Cambria Math"/>
+                        </a:rPr>
+                        <m:t>𝐸</m:t>
+                      </m:r>
+                      <m:d>
+                        <m:dPr>
+                          <m:begChr m:val="{"/>
+                          <m:endChr m:val="}"/>
+                          <m:ctrlPr>
+                            <a:rPr lang="en-US" b="0" i="1" smtClean="0">
+                              <a:latin typeface="Cambria Math"/>
+                            </a:rPr>
+                          </m:ctrlPr>
+                        </m:dPr>
+                        <m:e>
+                          <m:f>
+                            <m:fPr>
+                              <m:ctrlPr>
+                                <a:rPr lang="en-US" i="1">
+                                  <a:latin typeface="Cambria Math"/>
+                                </a:rPr>
+                              </m:ctrlPr>
+                            </m:fPr>
+                            <m:num>
+                              <m:sSup>
+                                <m:sSupPr>
+                                  <m:ctrlPr>
+                                    <a:rPr lang="en-US" i="1">
+                                      <a:latin typeface="Cambria Math"/>
+                                    </a:rPr>
+                                  </m:ctrlPr>
+                                </m:sSupPr>
+                                <m:e>
+                                  <m:r>
+                                    <a:rPr lang="en-US" i="1">
+                                      <a:latin typeface="Cambria Math"/>
+                                    </a:rPr>
+                                    <m:t>𝜕</m:t>
+                                  </m:r>
+                                </m:e>
+                                <m:sup>
+                                  <m:r>
+                                    <a:rPr lang="en-US" i="1">
+                                      <a:latin typeface="Cambria Math"/>
+                                    </a:rPr>
+                                    <m:t>2</m:t>
+                                  </m:r>
+                                </m:sup>
+                              </m:sSup>
+                              <m:r>
+                                <m:rPr>
+                                  <m:sty m:val="p"/>
+                                </m:rPr>
+                                <a:rPr lang="en-US">
+                                  <a:latin typeface="Cambria Math"/>
+                                </a:rPr>
+                                <m:t>ln</m:t>
+                              </m:r>
+                              <m:r>
+                                <a:rPr lang="en-US" i="1">
+                                  <a:latin typeface="Cambria Math"/>
+                                </a:rPr>
+                                <m:t>⁡(</m:t>
+                              </m:r>
+                              <m:r>
+                                <a:rPr lang="en-US" i="1">
+                                  <a:latin typeface="Cambria Math"/>
+                                </a:rPr>
+                                <m:t>𝑃</m:t>
+                              </m:r>
+                              <m:d>
+                                <m:dPr>
+                                  <m:ctrlPr>
+                                    <a:rPr lang="en-US" i="1">
+                                      <a:latin typeface="Cambria Math"/>
+                                    </a:rPr>
+                                  </m:ctrlPr>
+                                </m:dPr>
+                                <m:e>
+                                  <m:r>
+                                    <a:rPr lang="en-US" i="1">
+                                      <a:latin typeface="Cambria Math"/>
+                                    </a:rPr>
+                                    <m:t>𝑧</m:t>
+                                  </m:r>
+                                  <m:r>
+                                    <a:rPr lang="en-US" i="1">
+                                      <a:latin typeface="Cambria Math"/>
+                                    </a:rPr>
+                                    <m:t>;</m:t>
+                                  </m:r>
+                                  <m:r>
+                                    <a:rPr lang="en-US" i="1">
+                                      <a:latin typeface="Cambria Math"/>
+                                    </a:rPr>
+                                    <m:t>𝑣</m:t>
+                                  </m:r>
+                                </m:e>
+                              </m:d>
+                              <m:r>
+                                <a:rPr lang="en-US" i="1">
+                                  <a:latin typeface="Cambria Math"/>
+                                </a:rPr>
+                                <m:t>)</m:t>
+                              </m:r>
+                            </m:num>
+                            <m:den>
+                              <m:r>
+                                <a:rPr lang="en-US" i="1">
+                                  <a:latin typeface="Cambria Math"/>
+                                </a:rPr>
+                                <m:t>𝜕</m:t>
+                              </m:r>
+                              <m:sSubSup>
+                                <m:sSubSupPr>
+                                  <m:ctrlPr>
+                                    <a:rPr lang="en-US" i="1">
+                                      <a:latin typeface="Cambria Math"/>
+                                    </a:rPr>
+                                  </m:ctrlPr>
+                                </m:sSubSupPr>
+                                <m:e>
+                                  <m:r>
+                                    <a:rPr lang="en-US" i="1">
+                                      <a:latin typeface="Cambria Math"/>
+                                    </a:rPr>
+                                    <m:t>𝑣</m:t>
+                                  </m:r>
+                                </m:e>
+                                <m:sub>
+                                  <m:r>
+                                    <a:rPr lang="en-US" b="0" i="1" smtClean="0">
+                                      <a:latin typeface="Cambria Math"/>
+                                    </a:rPr>
+                                    <m:t>2</m:t>
+                                  </m:r>
+                                </m:sub>
+                                <m:sup>
+                                  <m:r>
+                                    <a:rPr lang="en-US" i="1">
+                                      <a:latin typeface="Cambria Math"/>
+                                    </a:rPr>
+                                    <m:t>2</m:t>
+                                  </m:r>
+                                </m:sup>
+                              </m:sSubSup>
+                            </m:den>
+                          </m:f>
+                        </m:e>
+                      </m:d>
+                      <m:r>
+                        <a:rPr lang="en-US" b="0" i="1" smtClean="0">
+                          <a:latin typeface="Cambria Math"/>
+                        </a:rPr>
+                        <m:t>=</m:t>
+                      </m:r>
+                      <m:sSup>
+                        <m:sSupPr>
+                          <m:ctrlPr>
+                            <a:rPr lang="en-US" b="0" i="1" smtClean="0">
+                              <a:latin typeface="Cambria Math"/>
+                            </a:rPr>
+                          </m:ctrlPr>
+                        </m:sSupPr>
+                        <m:e>
+                          <m:f>
+                            <m:fPr>
+                              <m:ctrlPr>
+                                <a:rPr lang="en-US" i="1">
+                                  <a:latin typeface="Cambria Math"/>
+                                </a:rPr>
+                              </m:ctrlPr>
+                            </m:fPr>
+                            <m:num>
+                              <m:r>
+                                <a:rPr lang="en-US" i="1">
+                                  <a:latin typeface="Cambria Math"/>
+                                </a:rPr>
+                                <m:t>1</m:t>
+                              </m:r>
+                            </m:num>
+                            <m:den>
+                              <m:sSup>
+                                <m:sSupPr>
+                                  <m:ctrlPr>
+                                    <a:rPr lang="en-US" i="1">
+                                      <a:latin typeface="Cambria Math"/>
+                                    </a:rPr>
+                                  </m:ctrlPr>
+                                </m:sSupPr>
+                                <m:e>
+                                  <m:r>
+                                    <a:rPr lang="en-US" i="1">
+                                      <a:latin typeface="Cambria Math"/>
+                                      <a:ea typeface="Cambria Math"/>
+                                    </a:rPr>
+                                    <m:t>𝜎</m:t>
+                                  </m:r>
+                                </m:e>
+                                <m:sup>
+                                  <m:r>
+                                    <a:rPr lang="en-US" i="1">
+                                      <a:latin typeface="Cambria Math"/>
+                                    </a:rPr>
+                                    <m:t>2</m:t>
+                                  </m:r>
+                                </m:sup>
+                              </m:sSup>
+                            </m:den>
+                          </m:f>
+                          <m:d>
+                            <m:dPr>
+                              <m:ctrlPr>
+                                <a:rPr lang="en-US" i="1">
+                                  <a:latin typeface="Cambria Math"/>
+                                </a:rPr>
+                              </m:ctrlPr>
+                            </m:dPr>
+                            <m:e>
+                              <m:f>
+                                <m:fPr>
+                                  <m:ctrlPr>
+                                    <a:rPr lang="en-US" i="1">
+                                      <a:latin typeface="Cambria Math"/>
+                                      <a:ea typeface="Cambria Math"/>
+                                    </a:rPr>
+                                  </m:ctrlPr>
+                                </m:fPr>
+                                <m:num>
+                                  <m:r>
+                                    <a:rPr lang="en-US" i="1">
+                                      <a:latin typeface="Cambria Math"/>
+                                      <a:ea typeface="Cambria Math"/>
+                                    </a:rPr>
+                                    <m:t>𝜕</m:t>
+                                  </m:r>
+                                  <m:acc>
+                                    <m:accPr>
+                                      <m:chr m:val="̃"/>
+                                      <m:ctrlPr>
+                                        <a:rPr lang="en-US" i="1">
+                                          <a:latin typeface="Cambria Math"/>
+                                          <a:ea typeface="Cambria Math"/>
+                                        </a:rPr>
+                                      </m:ctrlPr>
+                                    </m:accPr>
+                                    <m:e>
+                                      <m:r>
+                                        <a:rPr lang="en-US" i="1">
+                                          <a:latin typeface="Cambria Math"/>
+                                          <a:ea typeface="Cambria Math"/>
+                                        </a:rPr>
+                                        <m:t>𝑓</m:t>
+                                      </m:r>
+                                    </m:e>
+                                  </m:acc>
+                                </m:num>
+                                <m:den>
+                                  <m:r>
+                                    <a:rPr lang="en-US" i="1">
+                                      <a:latin typeface="Cambria Math"/>
+                                      <a:ea typeface="Cambria Math"/>
+                                    </a:rPr>
+                                    <m:t>𝜕</m:t>
+                                  </m:r>
+                                  <m:sSub>
+                                    <m:sSubPr>
+                                      <m:ctrlPr>
+                                        <a:rPr lang="en-US" i="1">
+                                          <a:latin typeface="Cambria Math"/>
+                                        </a:rPr>
+                                      </m:ctrlPr>
+                                    </m:sSubPr>
+                                    <m:e>
+                                      <m:r>
+                                        <a:rPr lang="en-US" i="1">
+                                          <a:latin typeface="Cambria Math"/>
+                                        </a:rPr>
+                                        <m:t>𝑣</m:t>
+                                      </m:r>
+                                    </m:e>
+                                    <m:sub>
+                                      <m:r>
+                                        <a:rPr lang="en-US" b="0" i="1" smtClean="0">
+                                          <a:latin typeface="Cambria Math"/>
+                                        </a:rPr>
+                                        <m:t>2</m:t>
+                                      </m:r>
+                                    </m:sub>
+                                  </m:sSub>
+                                </m:den>
+                              </m:f>
+                            </m:e>
+                          </m:d>
+                        </m:e>
+                        <m:sup>
+                          <m:r>
+                            <a:rPr lang="en-US" b="0" i="1" smtClean="0">
+                              <a:latin typeface="Cambria Math"/>
+                            </a:rPr>
+                            <m:t>2</m:t>
+                          </m:r>
+                        </m:sup>
+                      </m:sSup>
+                    </m:oMath>
+                  </m:oMathPara>
+                </a14:m>
+                <a:endParaRPr lang="en-US" dirty="0"/>
+              </a:p>
+            </p:txBody>
+          </p:sp>
+        </mc:Choice>
+        <mc:Fallback>
+          <p:sp>
+            <p:nvSpPr>
+              <p:cNvPr id="11" name="TextBox 10"/>
+              <p:cNvSpPr txBox="1">
+                <a:spLocks noRot="1" noChangeAspect="1" noMove="1" noResize="1" noEditPoints="1" noAdjustHandles="1" noChangeArrowheads="1" noChangeShapeType="1" noTextEdit="1"/>
+              </p:cNvSpPr>
+              <p:nvPr/>
+            </p:nvSpPr>
+            <p:spPr>
+              <a:xfrm>
+                <a:off x="4864274" y="3378409"/>
+                <a:ext cx="3540328" cy="787716"/>
+              </a:xfrm>
+              <a:prstGeom prst="rect">
+                <a:avLst/>
+              </a:prstGeom>
+              <a:blipFill rotWithShape="1">
+                <a:blip r:embed="rId4"/>
+                <a:stretch>
+                  <a:fillRect/>
+                </a:stretch>
+              </a:blipFill>
+            </p:spPr>
+            <p:txBody>
+              <a:bodyPr/>
+              <a:lstStyle/>
+              <a:p>
+                <a:r>
+                  <a:rPr lang="en-US">
+                    <a:noFill/>
+                  </a:rPr>
+                  <a:t> </a:t>
+                </a:r>
+              </a:p>
+            </p:txBody>
+          </p:sp>
+        </mc:Fallback>
+      </mc:AlternateContent>
+      <mc:AlternateContent xmlns:mc="http://schemas.openxmlformats.org/markup-compatibility/2006">
+        <mc:Choice xmlns:a14="http://schemas.microsoft.com/office/drawing/2010/main" Requires="a14">
+          <p:sp>
+            <p:nvSpPr>
+              <p:cNvPr id="12" name="TextBox 11"/>
+              <p:cNvSpPr txBox="1"/>
+              <p:nvPr/>
+            </p:nvSpPr>
+            <p:spPr>
+              <a:xfrm>
+                <a:off x="2237995" y="4298151"/>
+                <a:ext cx="4035207" cy="733021"/>
+              </a:xfrm>
+              <a:prstGeom prst="rect">
+                <a:avLst/>
+              </a:prstGeom>
+              <a:noFill/>
+            </p:spPr>
+            <p:txBody>
+              <a:bodyPr wrap="none" rtlCol="0">
+                <a:spAutoFit/>
+              </a:bodyPr>
+              <a:lstStyle/>
+              <a:p>
+                <a14:m>
+                  <m:oMathPara xmlns:m="http://schemas.openxmlformats.org/officeDocument/2006/math">
+                    <m:oMathParaPr>
+                      <m:jc m:val="centerGroup"/>
+                    </m:oMathParaPr>
+                    <m:oMath xmlns:m="http://schemas.openxmlformats.org/officeDocument/2006/math">
+                      <m:r>
+                        <a:rPr lang="en-US" b="0" i="1" smtClean="0">
+                          <a:latin typeface="Cambria Math"/>
+                        </a:rPr>
+                        <m:t>−</m:t>
+                      </m:r>
+                      <m:r>
+                        <a:rPr lang="en-US" b="0" i="1" smtClean="0">
+                          <a:latin typeface="Cambria Math"/>
+                        </a:rPr>
+                        <m:t>𝐸</m:t>
+                      </m:r>
+                      <m:d>
+                        <m:dPr>
+                          <m:begChr m:val="{"/>
+                          <m:endChr m:val="}"/>
+                          <m:ctrlPr>
+                            <a:rPr lang="en-US" b="0" i="1" smtClean="0">
+                              <a:latin typeface="Cambria Math"/>
+                            </a:rPr>
+                          </m:ctrlPr>
+                        </m:dPr>
+                        <m:e>
+                          <m:f>
+                            <m:fPr>
+                              <m:ctrlPr>
+                                <a:rPr lang="en-US" i="1">
+                                  <a:latin typeface="Cambria Math"/>
+                                </a:rPr>
+                              </m:ctrlPr>
+                            </m:fPr>
+                            <m:num>
+                              <m:sSup>
+                                <m:sSupPr>
+                                  <m:ctrlPr>
+                                    <a:rPr lang="en-US" i="1">
+                                      <a:latin typeface="Cambria Math"/>
+                                    </a:rPr>
+                                  </m:ctrlPr>
+                                </m:sSupPr>
+                                <m:e>
+                                  <m:r>
+                                    <a:rPr lang="en-US" i="1">
+                                      <a:latin typeface="Cambria Math"/>
+                                    </a:rPr>
+                                    <m:t>𝜕</m:t>
+                                  </m:r>
+                                </m:e>
+                                <m:sup>
+                                  <m:r>
+                                    <a:rPr lang="en-US" i="1">
+                                      <a:latin typeface="Cambria Math"/>
+                                    </a:rPr>
+                                    <m:t>2</m:t>
+                                  </m:r>
+                                </m:sup>
+                              </m:sSup>
+                              <m:r>
+                                <m:rPr>
+                                  <m:sty m:val="p"/>
+                                </m:rPr>
+                                <a:rPr lang="en-US">
+                                  <a:latin typeface="Cambria Math"/>
+                                </a:rPr>
+                                <m:t>ln</m:t>
+                              </m:r>
+                              <m:r>
+                                <a:rPr lang="en-US" i="1">
+                                  <a:latin typeface="Cambria Math"/>
+                                </a:rPr>
+                                <m:t>⁡(</m:t>
+                              </m:r>
+                              <m:r>
+                                <a:rPr lang="en-US" i="1">
+                                  <a:latin typeface="Cambria Math"/>
+                                </a:rPr>
+                                <m:t>𝑃</m:t>
+                              </m:r>
+                              <m:d>
+                                <m:dPr>
+                                  <m:ctrlPr>
+                                    <a:rPr lang="en-US" i="1">
+                                      <a:latin typeface="Cambria Math"/>
+                                    </a:rPr>
+                                  </m:ctrlPr>
+                                </m:dPr>
+                                <m:e>
+                                  <m:r>
+                                    <a:rPr lang="en-US" i="1">
+                                      <a:latin typeface="Cambria Math"/>
+                                    </a:rPr>
+                                    <m:t>𝑧</m:t>
+                                  </m:r>
+                                  <m:r>
+                                    <a:rPr lang="en-US" i="1">
+                                      <a:latin typeface="Cambria Math"/>
+                                    </a:rPr>
+                                    <m:t>;</m:t>
+                                  </m:r>
+                                  <m:r>
+                                    <a:rPr lang="en-US" i="1">
+                                      <a:latin typeface="Cambria Math"/>
+                                    </a:rPr>
+                                    <m:t>𝑣</m:t>
+                                  </m:r>
+                                </m:e>
+                              </m:d>
+                              <m:r>
+                                <a:rPr lang="en-US" i="1">
+                                  <a:latin typeface="Cambria Math"/>
+                                </a:rPr>
+                                <m:t>)</m:t>
+                              </m:r>
+                            </m:num>
+                            <m:den>
+                              <m:r>
+                                <a:rPr lang="en-US" i="1">
+                                  <a:latin typeface="Cambria Math"/>
+                                </a:rPr>
+                                <m:t>𝜕</m:t>
+                              </m:r>
+                              <m:sSubSup>
+                                <m:sSubSupPr>
+                                  <m:ctrlPr>
+                                    <a:rPr lang="en-US" i="1">
+                                      <a:latin typeface="Cambria Math"/>
+                                    </a:rPr>
+                                  </m:ctrlPr>
+                                </m:sSubSupPr>
+                                <m:e>
+                                  <m:r>
+                                    <a:rPr lang="en-US" i="1">
+                                      <a:latin typeface="Cambria Math"/>
+                                    </a:rPr>
+                                    <m:t>𝑣</m:t>
+                                  </m:r>
+                                </m:e>
+                                <m:sub>
+                                  <m:r>
+                                    <a:rPr lang="en-US" b="0" i="1" smtClean="0">
+                                      <a:latin typeface="Cambria Math"/>
+                                    </a:rPr>
+                                    <m:t>1</m:t>
+                                  </m:r>
+                                </m:sub>
+                                <m:sup/>
+                              </m:sSubSup>
+                              <m:sSubSup>
+                                <m:sSubSupPr>
+                                  <m:ctrlPr>
+                                    <a:rPr lang="en-US" i="1">
+                                      <a:latin typeface="Cambria Math"/>
+                                    </a:rPr>
+                                  </m:ctrlPr>
+                                </m:sSubSupPr>
+                                <m:e>
+                                  <m:r>
+                                    <a:rPr lang="en-US" i="1">
+                                      <a:latin typeface="Cambria Math"/>
+                                    </a:rPr>
+                                    <m:t>𝑣</m:t>
+                                  </m:r>
+                                </m:e>
+                                <m:sub>
+                                  <m:r>
+                                    <a:rPr lang="en-US" b="0" i="1" smtClean="0">
+                                      <a:latin typeface="Cambria Math"/>
+                                    </a:rPr>
+                                    <m:t>2</m:t>
+                                  </m:r>
+                                </m:sub>
+                                <m:sup/>
+                              </m:sSubSup>
+                            </m:den>
+                          </m:f>
+                        </m:e>
+                      </m:d>
+                      <m:r>
+                        <a:rPr lang="en-US" b="0" i="1" smtClean="0">
+                          <a:latin typeface="Cambria Math"/>
+                        </a:rPr>
+                        <m:t>=</m:t>
+                      </m:r>
+                      <m:f>
+                        <m:fPr>
+                          <m:ctrlPr>
+                            <a:rPr lang="en-US" i="1">
+                              <a:latin typeface="Cambria Math"/>
+                            </a:rPr>
+                          </m:ctrlPr>
+                        </m:fPr>
+                        <m:num>
+                          <m:r>
+                            <a:rPr lang="en-US" i="1">
+                              <a:latin typeface="Cambria Math"/>
+                            </a:rPr>
+                            <m:t>1</m:t>
+                          </m:r>
+                        </m:num>
+                        <m:den>
+                          <m:sSup>
+                            <m:sSupPr>
+                              <m:ctrlPr>
+                                <a:rPr lang="en-US" i="1">
+                                  <a:latin typeface="Cambria Math"/>
+                                </a:rPr>
+                              </m:ctrlPr>
+                            </m:sSupPr>
+                            <m:e>
+                              <m:r>
+                                <a:rPr lang="en-US" i="1">
+                                  <a:latin typeface="Cambria Math"/>
+                                  <a:ea typeface="Cambria Math"/>
+                                </a:rPr>
+                                <m:t>𝜎</m:t>
+                              </m:r>
+                            </m:e>
+                            <m:sup>
+                              <m:r>
+                                <a:rPr lang="en-US" i="1">
+                                  <a:latin typeface="Cambria Math"/>
+                                </a:rPr>
+                                <m:t>2</m:t>
+                              </m:r>
+                            </m:sup>
+                          </m:sSup>
+                        </m:den>
+                      </m:f>
+                      <m:d>
+                        <m:dPr>
+                          <m:ctrlPr>
+                            <a:rPr lang="en-US" i="1">
+                              <a:latin typeface="Cambria Math"/>
+                            </a:rPr>
+                          </m:ctrlPr>
+                        </m:dPr>
+                        <m:e>
+                          <m:f>
+                            <m:fPr>
+                              <m:ctrlPr>
+                                <a:rPr lang="en-US" i="1">
+                                  <a:latin typeface="Cambria Math"/>
+                                  <a:ea typeface="Cambria Math"/>
+                                </a:rPr>
+                              </m:ctrlPr>
+                            </m:fPr>
+                            <m:num>
+                              <m:r>
+                                <a:rPr lang="en-US" i="1">
+                                  <a:latin typeface="Cambria Math"/>
+                                  <a:ea typeface="Cambria Math"/>
+                                </a:rPr>
+                                <m:t>𝜕</m:t>
+                              </m:r>
+                              <m:acc>
+                                <m:accPr>
+                                  <m:chr m:val="̃"/>
+                                  <m:ctrlPr>
+                                    <a:rPr lang="en-US" i="1">
+                                      <a:latin typeface="Cambria Math"/>
+                                      <a:ea typeface="Cambria Math"/>
+                                    </a:rPr>
+                                  </m:ctrlPr>
+                                </m:accPr>
+                                <m:e>
+                                  <m:r>
+                                    <a:rPr lang="en-US" i="1">
+                                      <a:latin typeface="Cambria Math"/>
+                                      <a:ea typeface="Cambria Math"/>
+                                    </a:rPr>
+                                    <m:t>𝑓</m:t>
+                                  </m:r>
+                                </m:e>
+                              </m:acc>
+                            </m:num>
+                            <m:den>
+                              <m:r>
+                                <a:rPr lang="en-US" i="1">
+                                  <a:latin typeface="Cambria Math"/>
+                                  <a:ea typeface="Cambria Math"/>
+                                </a:rPr>
+                                <m:t>𝜕</m:t>
+                              </m:r>
+                              <m:sSub>
+                                <m:sSubPr>
+                                  <m:ctrlPr>
+                                    <a:rPr lang="en-US" i="1">
+                                      <a:latin typeface="Cambria Math"/>
+                                    </a:rPr>
+                                  </m:ctrlPr>
+                                </m:sSubPr>
+                                <m:e>
+                                  <m:r>
+                                    <a:rPr lang="en-US" i="1">
+                                      <a:latin typeface="Cambria Math"/>
+                                    </a:rPr>
+                                    <m:t>𝑣</m:t>
+                                  </m:r>
+                                </m:e>
+                                <m:sub>
+                                  <m:r>
+                                    <a:rPr lang="en-US" i="1">
+                                      <a:latin typeface="Cambria Math"/>
+                                    </a:rPr>
+                                    <m:t>1</m:t>
+                                  </m:r>
+                                </m:sub>
+                              </m:sSub>
+                            </m:den>
+                          </m:f>
+                        </m:e>
+                      </m:d>
+                      <m:d>
+                        <m:dPr>
+                          <m:ctrlPr>
+                            <a:rPr lang="en-US" i="1">
+                              <a:latin typeface="Cambria Math"/>
+                            </a:rPr>
+                          </m:ctrlPr>
+                        </m:dPr>
+                        <m:e>
+                          <m:f>
+                            <m:fPr>
+                              <m:ctrlPr>
+                                <a:rPr lang="en-US" i="1">
+                                  <a:latin typeface="Cambria Math"/>
+                                  <a:ea typeface="Cambria Math"/>
+                                </a:rPr>
+                              </m:ctrlPr>
+                            </m:fPr>
+                            <m:num>
+                              <m:r>
+                                <a:rPr lang="en-US" i="1">
+                                  <a:latin typeface="Cambria Math"/>
+                                  <a:ea typeface="Cambria Math"/>
+                                </a:rPr>
+                                <m:t>𝜕</m:t>
+                              </m:r>
+                              <m:acc>
+                                <m:accPr>
+                                  <m:chr m:val="̃"/>
+                                  <m:ctrlPr>
+                                    <a:rPr lang="en-US" i="1">
+                                      <a:latin typeface="Cambria Math"/>
+                                      <a:ea typeface="Cambria Math"/>
+                                    </a:rPr>
+                                  </m:ctrlPr>
+                                </m:accPr>
+                                <m:e>
+                                  <m:r>
+                                    <a:rPr lang="en-US" i="1">
+                                      <a:latin typeface="Cambria Math"/>
+                                      <a:ea typeface="Cambria Math"/>
+                                    </a:rPr>
+                                    <m:t>𝑓</m:t>
+                                  </m:r>
+                                </m:e>
+                              </m:acc>
+                            </m:num>
+                            <m:den>
+                              <m:r>
+                                <a:rPr lang="en-US" i="1">
+                                  <a:latin typeface="Cambria Math"/>
+                                  <a:ea typeface="Cambria Math"/>
+                                </a:rPr>
+                                <m:t>𝜕</m:t>
+                              </m:r>
+                              <m:sSub>
+                                <m:sSubPr>
+                                  <m:ctrlPr>
+                                    <a:rPr lang="en-US" i="1">
+                                      <a:latin typeface="Cambria Math"/>
+                                    </a:rPr>
+                                  </m:ctrlPr>
+                                </m:sSubPr>
+                                <m:e>
+                                  <m:r>
+                                    <a:rPr lang="en-US" i="1">
+                                      <a:latin typeface="Cambria Math"/>
+                                    </a:rPr>
+                                    <m:t>𝑣</m:t>
+                                  </m:r>
+                                </m:e>
+                                <m:sub>
+                                  <m:r>
+                                    <a:rPr lang="en-US" i="1">
+                                      <a:latin typeface="Cambria Math"/>
+                                    </a:rPr>
+                                    <m:t>2</m:t>
+                                  </m:r>
+                                </m:sub>
+                              </m:sSub>
+                            </m:den>
+                          </m:f>
+                        </m:e>
+                      </m:d>
+                    </m:oMath>
+                  </m:oMathPara>
+                </a14:m>
+                <a:endParaRPr lang="en-US" dirty="0"/>
+              </a:p>
+            </p:txBody>
+          </p:sp>
+        </mc:Choice>
+        <mc:Fallback>
+          <p:sp>
+            <p:nvSpPr>
+              <p:cNvPr id="12" name="TextBox 11"/>
+              <p:cNvSpPr txBox="1">
+                <a:spLocks noRot="1" noChangeAspect="1" noMove="1" noResize="1" noEditPoints="1" noAdjustHandles="1" noChangeArrowheads="1" noChangeShapeType="1" noTextEdit="1"/>
+              </p:cNvSpPr>
+              <p:nvPr/>
+            </p:nvSpPr>
+            <p:spPr>
+              <a:xfrm>
+                <a:off x="2237995" y="4298151"/>
+                <a:ext cx="4035207" cy="733021"/>
+              </a:xfrm>
+              <a:prstGeom prst="rect">
+                <a:avLst/>
+              </a:prstGeom>
+              <a:blipFill rotWithShape="1">
+                <a:blip r:embed="rId5"/>
+                <a:stretch>
+                  <a:fillRect/>
+                </a:stretch>
+              </a:blipFill>
+            </p:spPr>
+            <p:txBody>
+              <a:bodyPr/>
+              <a:lstStyle/>
+              <a:p>
+                <a:r>
+                  <a:rPr lang="en-US">
+                    <a:noFill/>
+                  </a:rPr>
+                  <a:t> </a:t>
+                </a:r>
+              </a:p>
+            </p:txBody>
+          </p:sp>
+        </mc:Fallback>
+      </mc:AlternateContent>
+      <p:cxnSp>
+        <p:nvCxnSpPr>
+          <p:cNvPr id="13" name="Straight Connector 12"/>
+          <p:cNvCxnSpPr/>
+          <p:nvPr/>
+        </p:nvCxnSpPr>
+        <p:spPr>
+          <a:xfrm>
+            <a:off x="563604" y="5185257"/>
+            <a:ext cx="7805318" cy="7315"/>
+          </a:xfrm>
+          <a:prstGeom prst="line">
+            <a:avLst/>
+          </a:prstGeom>
+          <a:ln>
+            <a:prstDash val="sysDash"/>
+          </a:ln>
+        </p:spPr>
+        <p:style>
+          <a:lnRef idx="2">
+            <a:schemeClr val="accent1"/>
+          </a:lnRef>
+          <a:fillRef idx="0">
+            <a:schemeClr val="accent1"/>
+          </a:fillRef>
+          <a:effectRef idx="1">
+            <a:schemeClr val="accent1"/>
+          </a:effectRef>
+          <a:fontRef idx="minor">
+            <a:schemeClr val="tx1"/>
+          </a:fontRef>
+        </p:style>
+      </p:cxnSp>
+      <mc:AlternateContent xmlns:mc="http://schemas.openxmlformats.org/markup-compatibility/2006">
+        <mc:Choice xmlns:a14="http://schemas.microsoft.com/office/drawing/2010/main" Requires="a14">
+          <p:sp>
+            <p:nvSpPr>
+              <p:cNvPr id="14" name="Rectangle 13"/>
+              <p:cNvSpPr/>
+              <p:nvPr/>
+            </p:nvSpPr>
+            <p:spPr>
+              <a:xfrm>
+                <a:off x="1427591" y="5712566"/>
+                <a:ext cx="3031023" cy="557653"/>
+              </a:xfrm>
+              <a:prstGeom prst="rect">
+                <a:avLst/>
+              </a:prstGeom>
+            </p:spPr>
+            <p:txBody>
+              <a:bodyPr wrap="none">
+                <a:spAutoFit/>
+              </a:bodyPr>
+              <a:lstStyle/>
+              <a:p>
+                <a14:m>
+                  <m:oMath xmlns:m="http://schemas.openxmlformats.org/officeDocument/2006/math">
+                    <m:f>
+                      <m:fPr>
+                        <m:ctrlPr>
+                          <a:rPr lang="en-US" i="1" smtClean="0">
+                            <a:latin typeface="Cambria Math"/>
+                            <a:ea typeface="Cambria Math"/>
+                          </a:rPr>
+                        </m:ctrlPr>
+                      </m:fPr>
+                      <m:num>
+                        <m:r>
+                          <a:rPr lang="en-US" i="1">
+                            <a:latin typeface="Cambria Math"/>
+                            <a:ea typeface="Cambria Math"/>
+                          </a:rPr>
+                          <m:t>𝜕</m:t>
+                        </m:r>
+                        <m:acc>
+                          <m:accPr>
+                            <m:chr m:val="̃"/>
+                            <m:ctrlPr>
+                              <a:rPr lang="en-US" i="1">
+                                <a:latin typeface="Cambria Math"/>
+                                <a:ea typeface="Cambria Math"/>
+                              </a:rPr>
+                            </m:ctrlPr>
+                          </m:accPr>
+                          <m:e>
+                            <m:r>
+                              <a:rPr lang="en-US" i="1">
+                                <a:latin typeface="Cambria Math"/>
+                                <a:ea typeface="Cambria Math"/>
+                              </a:rPr>
+                              <m:t>𝑓</m:t>
+                            </m:r>
+                          </m:e>
+                        </m:acc>
+                      </m:num>
+                      <m:den>
+                        <m:r>
+                          <a:rPr lang="en-US" i="1">
+                            <a:latin typeface="Cambria Math"/>
+                            <a:ea typeface="Cambria Math"/>
+                          </a:rPr>
+                          <m:t>𝜕</m:t>
+                        </m:r>
+                        <m:sSub>
+                          <m:sSubPr>
+                            <m:ctrlPr>
+                              <a:rPr lang="en-US" i="1">
+                                <a:latin typeface="Cambria Math"/>
+                              </a:rPr>
+                            </m:ctrlPr>
+                          </m:sSubPr>
+                          <m:e>
+                            <m:r>
+                              <a:rPr lang="en-US" i="1">
+                                <a:latin typeface="Cambria Math"/>
+                              </a:rPr>
+                              <m:t>𝑣</m:t>
+                            </m:r>
+                          </m:e>
+                          <m:sub>
+                            <m:r>
+                              <a:rPr lang="en-US" i="1">
+                                <a:latin typeface="Cambria Math"/>
+                              </a:rPr>
+                              <m:t>1</m:t>
+                            </m:r>
+                          </m:sub>
+                        </m:sSub>
+                      </m:den>
+                    </m:f>
+                  </m:oMath>
+                </a14:m>
+                <a:r>
+                  <a:rPr lang="en-US" dirty="0" smtClean="0"/>
+                  <a:t>=</a:t>
+                </a:r>
+                <a:r>
+                  <a:rPr lang="en-US" dirty="0">
+                    <a:ea typeface="Cambria Math"/>
+                  </a:rPr>
+                  <a:t> </a:t>
+                </a:r>
+                <a14:m>
+                  <m:oMath xmlns:m="http://schemas.openxmlformats.org/officeDocument/2006/math">
+                    <m:f>
+                      <m:fPr>
+                        <m:ctrlPr>
+                          <a:rPr lang="en-US" i="1">
+                            <a:latin typeface="Cambria Math"/>
+                            <a:ea typeface="Cambria Math"/>
+                          </a:rPr>
+                        </m:ctrlPr>
+                      </m:fPr>
+                      <m:num>
+                        <m:r>
+                          <a:rPr lang="en-US" i="1">
+                            <a:latin typeface="Cambria Math"/>
+                            <a:ea typeface="Cambria Math"/>
+                          </a:rPr>
+                          <m:t>𝜕</m:t>
+                        </m:r>
+                        <m:acc>
+                          <m:accPr>
+                            <m:chr m:val="̃"/>
+                            <m:ctrlPr>
+                              <a:rPr lang="en-US" i="1">
+                                <a:latin typeface="Cambria Math"/>
+                                <a:ea typeface="Cambria Math"/>
+                              </a:rPr>
+                            </m:ctrlPr>
+                          </m:accPr>
+                          <m:e>
+                            <m:r>
+                              <a:rPr lang="en-US" i="1">
+                                <a:latin typeface="Cambria Math"/>
+                                <a:ea typeface="Cambria Math"/>
+                              </a:rPr>
+                              <m:t>𝑓</m:t>
+                            </m:r>
+                          </m:e>
+                        </m:acc>
+                      </m:num>
+                      <m:den>
+                        <m:r>
+                          <a:rPr lang="en-US" i="1">
+                            <a:latin typeface="Cambria Math"/>
+                            <a:ea typeface="Cambria Math"/>
+                          </a:rPr>
+                          <m:t>𝜕</m:t>
+                        </m:r>
+                        <m:r>
+                          <a:rPr lang="en-US" b="0" i="1" smtClean="0">
+                            <a:latin typeface="Cambria Math"/>
+                            <a:ea typeface="Cambria Math"/>
+                          </a:rPr>
+                          <m:t>𝑥</m:t>
+                        </m:r>
+                      </m:den>
+                    </m:f>
+                    <m:r>
+                      <a:rPr lang="en-US" b="0" i="1" smtClean="0">
+                        <a:latin typeface="Cambria Math"/>
+                      </a:rPr>
+                      <m:t>=</m:t>
+                    </m:r>
+                    <m:sSub>
+                      <m:sSubPr>
+                        <m:ctrlPr>
+                          <a:rPr lang="en-US" b="0" i="1" smtClean="0">
+                            <a:latin typeface="Cambria Math"/>
+                          </a:rPr>
+                        </m:ctrlPr>
+                      </m:sSubPr>
+                      <m:e>
+                        <m:r>
+                          <a:rPr lang="en-US" b="0" i="1" smtClean="0">
+                            <a:latin typeface="Cambria Math"/>
+                          </a:rPr>
+                          <m:t>𝑓</m:t>
+                        </m:r>
+                      </m:e>
+                      <m:sub>
+                        <m:r>
+                          <a:rPr lang="en-US" b="0" i="1" smtClean="0">
+                            <a:latin typeface="Cambria Math"/>
+                          </a:rPr>
+                          <m:t>𝑥</m:t>
+                        </m:r>
+                      </m:sub>
+                    </m:sSub>
+                    <m:r>
+                      <a:rPr lang="en-US" b="0" i="1" smtClean="0">
+                        <a:latin typeface="Cambria Math"/>
+                      </a:rPr>
+                      <m:t>(</m:t>
+                    </m:r>
+                    <m:r>
+                      <a:rPr lang="en-US" b="0" i="1" smtClean="0">
+                        <a:latin typeface="Cambria Math"/>
+                      </a:rPr>
+                      <m:t>𝑚</m:t>
+                    </m:r>
+                    <m:r>
+                      <a:rPr lang="en-US" b="0" i="1" smtClean="0">
+                        <a:latin typeface="Cambria Math"/>
+                      </a:rPr>
+                      <m:t>−</m:t>
+                    </m:r>
+                    <m:sSub>
+                      <m:sSubPr>
+                        <m:ctrlPr>
+                          <a:rPr lang="en-US" b="0" i="1" smtClean="0">
+                            <a:latin typeface="Cambria Math"/>
+                          </a:rPr>
+                        </m:ctrlPr>
+                      </m:sSubPr>
+                      <m:e>
+                        <m:r>
+                          <a:rPr lang="en-US" b="0" i="1" smtClean="0">
+                            <a:latin typeface="Cambria Math"/>
+                          </a:rPr>
+                          <m:t>𝑣</m:t>
+                        </m:r>
+                      </m:e>
+                      <m:sub>
+                        <m:r>
+                          <a:rPr lang="en-US" b="0" i="1" smtClean="0">
+                            <a:latin typeface="Cambria Math"/>
+                          </a:rPr>
+                          <m:t>1</m:t>
+                        </m:r>
+                      </m:sub>
+                    </m:sSub>
+                    <m:r>
+                      <a:rPr lang="en-US" b="0" i="1" smtClean="0">
+                        <a:latin typeface="Cambria Math"/>
+                      </a:rPr>
+                      <m:t>,</m:t>
+                    </m:r>
+                    <m:r>
+                      <a:rPr lang="en-US" b="0" i="1" smtClean="0">
+                        <a:latin typeface="Cambria Math"/>
+                      </a:rPr>
+                      <m:t>𝑚</m:t>
+                    </m:r>
+                    <m:r>
+                      <a:rPr lang="en-US" b="0" i="1" smtClean="0">
+                        <a:latin typeface="Cambria Math"/>
+                      </a:rPr>
+                      <m:t>−</m:t>
+                    </m:r>
+                    <m:sSub>
+                      <m:sSubPr>
+                        <m:ctrlPr>
+                          <a:rPr lang="en-US" b="0" i="1" smtClean="0">
+                            <a:latin typeface="Cambria Math"/>
+                          </a:rPr>
+                        </m:ctrlPr>
+                      </m:sSubPr>
+                      <m:e>
+                        <m:r>
+                          <a:rPr lang="en-US" b="0" i="1" smtClean="0">
+                            <a:latin typeface="Cambria Math"/>
+                          </a:rPr>
+                          <m:t>𝑣</m:t>
+                        </m:r>
+                      </m:e>
+                      <m:sub>
+                        <m:r>
+                          <a:rPr lang="en-US" b="0" i="1" smtClean="0">
+                            <a:latin typeface="Cambria Math"/>
+                          </a:rPr>
+                          <m:t>2</m:t>
+                        </m:r>
+                      </m:sub>
+                    </m:sSub>
+                    <m:r>
+                      <a:rPr lang="en-US" b="0" i="1" smtClean="0">
+                        <a:latin typeface="Cambria Math"/>
+                      </a:rPr>
+                      <m:t>)</m:t>
+                    </m:r>
+                  </m:oMath>
+                </a14:m>
+                <a:endParaRPr lang="en-US" dirty="0"/>
+              </a:p>
+            </p:txBody>
+          </p:sp>
+        </mc:Choice>
+        <mc:Fallback>
+          <p:sp>
+            <p:nvSpPr>
+              <p:cNvPr id="14" name="Rectangle 13"/>
+              <p:cNvSpPr>
+                <a:spLocks noRot="1" noChangeAspect="1" noMove="1" noResize="1" noEditPoints="1" noAdjustHandles="1" noChangeArrowheads="1" noChangeShapeType="1" noTextEdit="1"/>
+              </p:cNvSpPr>
+              <p:nvPr/>
+            </p:nvSpPr>
+            <p:spPr>
+              <a:xfrm>
+                <a:off x="1427591" y="5712566"/>
+                <a:ext cx="3031023" cy="557653"/>
+              </a:xfrm>
+              <a:prstGeom prst="rect">
+                <a:avLst/>
+              </a:prstGeom>
+              <a:blipFill rotWithShape="1">
+                <a:blip r:embed="rId6"/>
+                <a:stretch>
+                  <a:fillRect/>
+                </a:stretch>
+              </a:blipFill>
+            </p:spPr>
+            <p:txBody>
+              <a:bodyPr/>
+              <a:lstStyle/>
+              <a:p>
+                <a:r>
+                  <a:rPr lang="en-US">
+                    <a:noFill/>
+                  </a:rPr>
+                  <a:t> </a:t>
+                </a:r>
+              </a:p>
+            </p:txBody>
+          </p:sp>
+        </mc:Fallback>
+      </mc:AlternateContent>
+      <mc:AlternateContent xmlns:mc="http://schemas.openxmlformats.org/markup-compatibility/2006">
+        <mc:Choice xmlns:a14="http://schemas.microsoft.com/office/drawing/2010/main" Requires="a14">
+          <p:sp>
+            <p:nvSpPr>
+              <p:cNvPr id="15" name="Rectangle 14"/>
+              <p:cNvSpPr/>
+              <p:nvPr/>
+            </p:nvSpPr>
+            <p:spPr>
+              <a:xfrm>
+                <a:off x="4886219" y="5712565"/>
+                <a:ext cx="3129446" cy="557653"/>
+              </a:xfrm>
+              <a:prstGeom prst="rect">
+                <a:avLst/>
+              </a:prstGeom>
+            </p:spPr>
+            <p:txBody>
+              <a:bodyPr wrap="none">
+                <a:spAutoFit/>
+              </a:bodyPr>
+              <a:lstStyle/>
+              <a:p>
+                <a14:m>
+                  <m:oMath xmlns:m="http://schemas.openxmlformats.org/officeDocument/2006/math">
+                    <m:f>
+                      <m:fPr>
+                        <m:ctrlPr>
+                          <a:rPr lang="en-US" i="1" smtClean="0">
+                            <a:latin typeface="Cambria Math"/>
+                            <a:ea typeface="Cambria Math"/>
+                          </a:rPr>
+                        </m:ctrlPr>
+                      </m:fPr>
+                      <m:num>
+                        <m:r>
+                          <a:rPr lang="en-US" i="1">
+                            <a:latin typeface="Cambria Math"/>
+                            <a:ea typeface="Cambria Math"/>
+                          </a:rPr>
+                          <m:t>𝜕</m:t>
+                        </m:r>
+                        <m:acc>
+                          <m:accPr>
+                            <m:chr m:val="̃"/>
+                            <m:ctrlPr>
+                              <a:rPr lang="en-US" i="1">
+                                <a:latin typeface="Cambria Math"/>
+                                <a:ea typeface="Cambria Math"/>
+                              </a:rPr>
+                            </m:ctrlPr>
+                          </m:accPr>
+                          <m:e>
+                            <m:r>
+                              <a:rPr lang="en-US" i="1">
+                                <a:latin typeface="Cambria Math"/>
+                                <a:ea typeface="Cambria Math"/>
+                              </a:rPr>
+                              <m:t>𝑓</m:t>
+                            </m:r>
+                          </m:e>
+                        </m:acc>
+                      </m:num>
+                      <m:den>
+                        <m:r>
+                          <a:rPr lang="en-US" i="1">
+                            <a:latin typeface="Cambria Math"/>
+                            <a:ea typeface="Cambria Math"/>
+                          </a:rPr>
+                          <m:t>𝜕</m:t>
+                        </m:r>
+                        <m:sSub>
+                          <m:sSubPr>
+                            <m:ctrlPr>
+                              <a:rPr lang="en-US" i="1">
+                                <a:latin typeface="Cambria Math"/>
+                              </a:rPr>
+                            </m:ctrlPr>
+                          </m:sSubPr>
+                          <m:e>
+                            <m:r>
+                              <a:rPr lang="en-US" i="1">
+                                <a:latin typeface="Cambria Math"/>
+                              </a:rPr>
+                              <m:t>𝑣</m:t>
+                            </m:r>
+                          </m:e>
+                          <m:sub>
+                            <m:r>
+                              <a:rPr lang="en-US" b="0" i="1" smtClean="0">
+                                <a:latin typeface="Cambria Math"/>
+                              </a:rPr>
+                              <m:t>2</m:t>
+                            </m:r>
+                          </m:sub>
+                        </m:sSub>
+                      </m:den>
+                    </m:f>
+                  </m:oMath>
+                </a14:m>
+                <a:r>
+                  <a:rPr lang="en-US" dirty="0" smtClean="0"/>
+                  <a:t>=</a:t>
+                </a:r>
+                <a:r>
+                  <a:rPr lang="en-US" dirty="0">
+                    <a:ea typeface="Cambria Math"/>
+                  </a:rPr>
+                  <a:t> </a:t>
+                </a:r>
+                <a14:m>
+                  <m:oMath xmlns:m="http://schemas.openxmlformats.org/officeDocument/2006/math">
+                    <m:f>
+                      <m:fPr>
+                        <m:ctrlPr>
+                          <a:rPr lang="en-US" i="1">
+                            <a:latin typeface="Cambria Math"/>
+                            <a:ea typeface="Cambria Math"/>
+                          </a:rPr>
+                        </m:ctrlPr>
+                      </m:fPr>
+                      <m:num>
+                        <m:r>
+                          <a:rPr lang="en-US" i="1">
+                            <a:latin typeface="Cambria Math"/>
+                            <a:ea typeface="Cambria Math"/>
+                          </a:rPr>
+                          <m:t>𝜕</m:t>
+                        </m:r>
+                        <m:acc>
+                          <m:accPr>
+                            <m:chr m:val="̃"/>
+                            <m:ctrlPr>
+                              <a:rPr lang="en-US" i="1">
+                                <a:latin typeface="Cambria Math"/>
+                                <a:ea typeface="Cambria Math"/>
+                              </a:rPr>
+                            </m:ctrlPr>
+                          </m:accPr>
+                          <m:e>
+                            <m:r>
+                              <a:rPr lang="en-US" i="1">
+                                <a:latin typeface="Cambria Math"/>
+                                <a:ea typeface="Cambria Math"/>
+                              </a:rPr>
+                              <m:t>𝑓</m:t>
+                            </m:r>
+                          </m:e>
+                        </m:acc>
+                      </m:num>
+                      <m:den>
+                        <m:r>
+                          <a:rPr lang="en-US" i="1">
+                            <a:latin typeface="Cambria Math"/>
+                            <a:ea typeface="Cambria Math"/>
+                          </a:rPr>
+                          <m:t>𝜕</m:t>
+                        </m:r>
+                        <m:r>
+                          <a:rPr lang="en-US" b="0" i="1" smtClean="0">
+                            <a:latin typeface="Cambria Math"/>
+                            <a:ea typeface="Cambria Math"/>
+                          </a:rPr>
+                          <m:t>𝑦</m:t>
+                        </m:r>
+                      </m:den>
+                    </m:f>
+                    <m:r>
+                      <a:rPr lang="en-US" b="0" i="1" smtClean="0">
+                        <a:latin typeface="Cambria Math"/>
+                      </a:rPr>
+                      <m:t>=</m:t>
+                    </m:r>
+                    <m:sSub>
+                      <m:sSubPr>
+                        <m:ctrlPr>
+                          <a:rPr lang="en-US" b="0" i="1" smtClean="0">
+                            <a:latin typeface="Cambria Math"/>
+                          </a:rPr>
+                        </m:ctrlPr>
+                      </m:sSubPr>
+                      <m:e>
+                        <m:r>
+                          <a:rPr lang="en-US" b="0" i="1" smtClean="0">
+                            <a:latin typeface="Cambria Math"/>
+                          </a:rPr>
+                          <m:t>𝑓</m:t>
+                        </m:r>
+                      </m:e>
+                      <m:sub>
+                        <m:r>
+                          <a:rPr lang="en-US" b="0" i="1" smtClean="0">
+                            <a:latin typeface="Cambria Math"/>
+                          </a:rPr>
+                          <m:t>𝑦</m:t>
+                        </m:r>
+                      </m:sub>
+                    </m:sSub>
+                    <m:r>
+                      <a:rPr lang="en-US" b="0" i="1" smtClean="0">
+                        <a:latin typeface="Cambria Math"/>
+                      </a:rPr>
+                      <m:t>(</m:t>
+                    </m:r>
+                    <m:r>
+                      <a:rPr lang="en-US" b="0" i="1" smtClean="0">
+                        <a:latin typeface="Cambria Math"/>
+                      </a:rPr>
+                      <m:t>𝑚</m:t>
+                    </m:r>
+                    <m:r>
+                      <a:rPr lang="en-US" b="0" i="1" smtClean="0">
+                        <a:latin typeface="Cambria Math"/>
+                      </a:rPr>
+                      <m:t>−</m:t>
+                    </m:r>
+                    <m:sSub>
+                      <m:sSubPr>
+                        <m:ctrlPr>
+                          <a:rPr lang="en-US" b="0" i="1" smtClean="0">
+                            <a:latin typeface="Cambria Math"/>
+                          </a:rPr>
+                        </m:ctrlPr>
+                      </m:sSubPr>
+                      <m:e>
+                        <m:r>
+                          <a:rPr lang="en-US" b="0" i="1" smtClean="0">
+                            <a:latin typeface="Cambria Math"/>
+                          </a:rPr>
+                          <m:t>𝑣</m:t>
+                        </m:r>
+                      </m:e>
+                      <m:sub>
+                        <m:r>
+                          <a:rPr lang="en-US" b="0" i="1" smtClean="0">
+                            <a:latin typeface="Cambria Math"/>
+                          </a:rPr>
+                          <m:t>1</m:t>
+                        </m:r>
+                      </m:sub>
+                    </m:sSub>
+                    <m:r>
+                      <a:rPr lang="en-US" b="0" i="1" smtClean="0">
+                        <a:latin typeface="Cambria Math"/>
+                      </a:rPr>
+                      <m:t>,</m:t>
+                    </m:r>
+                    <m:r>
+                      <a:rPr lang="en-US" b="0" i="1" smtClean="0">
+                        <a:latin typeface="Cambria Math"/>
+                      </a:rPr>
+                      <m:t>𝑚</m:t>
+                    </m:r>
+                    <m:r>
+                      <a:rPr lang="en-US" b="0" i="1" smtClean="0">
+                        <a:latin typeface="Cambria Math"/>
+                      </a:rPr>
+                      <m:t>−</m:t>
+                    </m:r>
+                    <m:sSub>
+                      <m:sSubPr>
+                        <m:ctrlPr>
+                          <a:rPr lang="en-US" b="0" i="1" smtClean="0">
+                            <a:latin typeface="Cambria Math"/>
+                          </a:rPr>
+                        </m:ctrlPr>
+                      </m:sSubPr>
+                      <m:e>
+                        <m:r>
+                          <a:rPr lang="en-US" b="0" i="1" smtClean="0">
+                            <a:latin typeface="Cambria Math"/>
+                          </a:rPr>
+                          <m:t>𝑣</m:t>
+                        </m:r>
+                      </m:e>
+                      <m:sub>
+                        <m:r>
+                          <a:rPr lang="en-US" b="0" i="1" smtClean="0">
+                            <a:latin typeface="Cambria Math"/>
+                          </a:rPr>
+                          <m:t>2</m:t>
+                        </m:r>
+                      </m:sub>
+                    </m:sSub>
+                    <m:r>
+                      <a:rPr lang="en-US" b="0" i="1" smtClean="0">
+                        <a:latin typeface="Cambria Math"/>
+                      </a:rPr>
+                      <m:t>)</m:t>
+                    </m:r>
+                  </m:oMath>
+                </a14:m>
+                <a:endParaRPr lang="en-US" dirty="0"/>
+              </a:p>
+            </p:txBody>
+          </p:sp>
+        </mc:Choice>
+        <mc:Fallback>
+          <p:sp>
+            <p:nvSpPr>
+              <p:cNvPr id="15" name="Rectangle 14"/>
+              <p:cNvSpPr>
+                <a:spLocks noRot="1" noChangeAspect="1" noMove="1" noResize="1" noEditPoints="1" noAdjustHandles="1" noChangeArrowheads="1" noChangeShapeType="1" noTextEdit="1"/>
+              </p:cNvSpPr>
+              <p:nvPr/>
+            </p:nvSpPr>
+            <p:spPr>
+              <a:xfrm>
+                <a:off x="4886219" y="5712565"/>
+                <a:ext cx="3129446" cy="557653"/>
+              </a:xfrm>
+              <a:prstGeom prst="rect">
+                <a:avLst/>
+              </a:prstGeom>
+              <a:blipFill rotWithShape="1">
+                <a:blip r:embed="rId7"/>
+                <a:stretch>
+                  <a:fillRect/>
+                </a:stretch>
+              </a:blipFill>
+            </p:spPr>
+            <p:txBody>
+              <a:bodyPr/>
+              <a:lstStyle/>
+              <a:p>
+                <a:r>
+                  <a:rPr lang="en-US">
+                    <a:noFill/>
+                  </a:rPr>
+                  <a:t> </a:t>
+                </a:r>
+              </a:p>
+            </p:txBody>
+          </p:sp>
+        </mc:Fallback>
+      </mc:AlternateContent>
+      <mc:AlternateContent xmlns:mc="http://schemas.openxmlformats.org/markup-compatibility/2006">
+        <mc:Choice xmlns:a14="http://schemas.microsoft.com/office/drawing/2010/main" Requires="a14">
+          <p:sp>
+            <p:nvSpPr>
+              <p:cNvPr id="16" name="TextBox 15"/>
+              <p:cNvSpPr txBox="1"/>
+              <p:nvPr/>
+            </p:nvSpPr>
+            <p:spPr>
+              <a:xfrm>
+                <a:off x="848540" y="5254234"/>
+                <a:ext cx="2782428" cy="369332"/>
+              </a:xfrm>
+              <a:prstGeom prst="rect">
+                <a:avLst/>
+              </a:prstGeom>
+              <a:noFill/>
+            </p:spPr>
+            <p:txBody>
+              <a:bodyPr wrap="none" rtlCol="0">
+                <a:spAutoFit/>
+              </a:bodyPr>
+              <a:lstStyle/>
+              <a:p>
+                <a:r>
+                  <a:rPr lang="en-US" dirty="0" smtClean="0"/>
+                  <a:t>Equating </a:t>
+                </a:r>
+                <a14:m>
+                  <m:oMath xmlns:m="http://schemas.openxmlformats.org/officeDocument/2006/math">
+                    <m:sSub>
+                      <m:sSubPr>
+                        <m:ctrlPr>
+                          <a:rPr lang="en-US" i="1" dirty="0" smtClean="0">
+                            <a:latin typeface="Cambria Math"/>
+                          </a:rPr>
+                        </m:ctrlPr>
+                      </m:sSubPr>
+                      <m:e>
+                        <m:r>
+                          <a:rPr lang="en-US" b="0" i="1" dirty="0" smtClean="0">
+                            <a:latin typeface="Cambria Math"/>
+                          </a:rPr>
+                          <m:t>𝑣</m:t>
+                        </m:r>
+                      </m:e>
+                      <m:sub>
+                        <m:r>
+                          <a:rPr lang="en-US" b="0" i="1" dirty="0" smtClean="0">
+                            <a:latin typeface="Cambria Math"/>
+                          </a:rPr>
+                          <m:t>1</m:t>
+                        </m:r>
+                      </m:sub>
+                    </m:sSub>
+                  </m:oMath>
+                </a14:m>
+                <a:r>
+                  <a:rPr lang="en-US" dirty="0" smtClean="0"/>
+                  <a:t> to x and </a:t>
+                </a:r>
+                <a14:m>
+                  <m:oMath xmlns:m="http://schemas.openxmlformats.org/officeDocument/2006/math">
+                    <m:sSub>
+                      <m:sSubPr>
+                        <m:ctrlPr>
+                          <a:rPr lang="en-US" i="1" dirty="0">
+                            <a:latin typeface="Cambria Math"/>
+                          </a:rPr>
+                        </m:ctrlPr>
+                      </m:sSubPr>
+                      <m:e>
+                        <m:r>
+                          <a:rPr lang="en-US" i="1" dirty="0">
+                            <a:latin typeface="Cambria Math"/>
+                          </a:rPr>
+                          <m:t>𝑣</m:t>
+                        </m:r>
+                      </m:e>
+                      <m:sub>
+                        <m:r>
+                          <a:rPr lang="en-US" b="0" i="1" dirty="0" smtClean="0">
+                            <a:latin typeface="Cambria Math"/>
+                          </a:rPr>
+                          <m:t>2</m:t>
+                        </m:r>
+                      </m:sub>
+                    </m:sSub>
+                  </m:oMath>
+                </a14:m>
+                <a:r>
+                  <a:rPr lang="en-US" dirty="0" smtClean="0"/>
+                  <a:t> to y</a:t>
+                </a:r>
+                <a:endParaRPr lang="en-US" dirty="0"/>
+              </a:p>
+            </p:txBody>
+          </p:sp>
+        </mc:Choice>
+        <mc:Fallback>
+          <p:sp>
+            <p:nvSpPr>
+              <p:cNvPr id="16" name="TextBox 15"/>
+              <p:cNvSpPr txBox="1">
+                <a:spLocks noRot="1" noChangeAspect="1" noMove="1" noResize="1" noEditPoints="1" noAdjustHandles="1" noChangeArrowheads="1" noChangeShapeType="1" noTextEdit="1"/>
+              </p:cNvSpPr>
+              <p:nvPr/>
+            </p:nvSpPr>
+            <p:spPr>
+              <a:xfrm>
+                <a:off x="848540" y="5254234"/>
+                <a:ext cx="2782428" cy="369332"/>
+              </a:xfrm>
+              <a:prstGeom prst="rect">
+                <a:avLst/>
+              </a:prstGeom>
+              <a:blipFill rotWithShape="1">
+                <a:blip r:embed="rId8"/>
+                <a:stretch>
+                  <a:fillRect l="-1751" t="-8197" r="-875" b="-24590"/>
+                </a:stretch>
+              </a:blipFill>
+            </p:spPr>
+            <p:txBody>
+              <a:bodyPr/>
+              <a:lstStyle/>
+              <a:p>
+                <a:r>
+                  <a:rPr lang="en-US">
+                    <a:noFill/>
+                  </a:rPr>
+                  <a:t> </a:t>
+                </a:r>
+              </a:p>
+            </p:txBody>
+          </p:sp>
+        </mc:Fallback>
+      </mc:AlternateContent>
     </p:spTree>
     <p:extLst>
       <p:ext uri="{BB962C8B-B14F-4D97-AF65-F5344CB8AC3E}">
-        <p14:creationId xmlns:p14="http://schemas.microsoft.com/office/powerpoint/2010/main" val="3464072098"/>
+        <p14:creationId xmlns:p14="http://schemas.microsoft.com/office/powerpoint/2010/main" val="2616029592"/>
       </p:ext>
     </p:extLst>
   </p:cSld>
@@ -4527,17 +7192,2067 @@
           <a:lstStyle/>
           <a:p>
             <a:r>
+              <a:rPr lang="en-US" i="1" dirty="0" smtClean="0"/>
+              <a:t>The </a:t>
+            </a:r>
+            <a:r>
               <a:rPr lang="en-US" dirty="0" smtClean="0"/>
-              <a:t>CRLB</a:t>
+              <a:t>FIM</a:t>
             </a:r>
             <a:endParaRPr lang="en-US" dirty="0"/>
           </a:p>
         </p:txBody>
       </p:sp>
+      <mc:AlternateContent xmlns:mc="http://schemas.openxmlformats.org/markup-compatibility/2006">
+        <mc:Choice xmlns:a14="http://schemas.microsoft.com/office/drawing/2010/main" Requires="a14">
+          <p:sp>
+            <p:nvSpPr>
+              <p:cNvPr id="14" name="Rectangle 13"/>
+              <p:cNvSpPr/>
+              <p:nvPr/>
+            </p:nvSpPr>
+            <p:spPr>
+              <a:xfrm>
+                <a:off x="1427591" y="1860734"/>
+                <a:ext cx="3031023" cy="557653"/>
+              </a:xfrm>
+              <a:prstGeom prst="rect">
+                <a:avLst/>
+              </a:prstGeom>
+            </p:spPr>
+            <p:txBody>
+              <a:bodyPr wrap="none">
+                <a:spAutoFit/>
+              </a:bodyPr>
+              <a:lstStyle/>
+              <a:p>
+                <a14:m>
+                  <m:oMath xmlns:m="http://schemas.openxmlformats.org/officeDocument/2006/math">
+                    <m:f>
+                      <m:fPr>
+                        <m:ctrlPr>
+                          <a:rPr lang="en-US" i="1" smtClean="0">
+                            <a:latin typeface="Cambria Math"/>
+                            <a:ea typeface="Cambria Math"/>
+                          </a:rPr>
+                        </m:ctrlPr>
+                      </m:fPr>
+                      <m:num>
+                        <m:r>
+                          <a:rPr lang="en-US" i="1">
+                            <a:latin typeface="Cambria Math"/>
+                            <a:ea typeface="Cambria Math"/>
+                          </a:rPr>
+                          <m:t>𝜕</m:t>
+                        </m:r>
+                        <m:acc>
+                          <m:accPr>
+                            <m:chr m:val="̃"/>
+                            <m:ctrlPr>
+                              <a:rPr lang="en-US" i="1">
+                                <a:latin typeface="Cambria Math"/>
+                                <a:ea typeface="Cambria Math"/>
+                              </a:rPr>
+                            </m:ctrlPr>
+                          </m:accPr>
+                          <m:e>
+                            <m:r>
+                              <a:rPr lang="en-US" i="1">
+                                <a:latin typeface="Cambria Math"/>
+                                <a:ea typeface="Cambria Math"/>
+                              </a:rPr>
+                              <m:t>𝑓</m:t>
+                            </m:r>
+                          </m:e>
+                        </m:acc>
+                      </m:num>
+                      <m:den>
+                        <m:r>
+                          <a:rPr lang="en-US" i="1">
+                            <a:latin typeface="Cambria Math"/>
+                            <a:ea typeface="Cambria Math"/>
+                          </a:rPr>
+                          <m:t>𝜕</m:t>
+                        </m:r>
+                        <m:sSub>
+                          <m:sSubPr>
+                            <m:ctrlPr>
+                              <a:rPr lang="en-US" i="1">
+                                <a:latin typeface="Cambria Math"/>
+                              </a:rPr>
+                            </m:ctrlPr>
+                          </m:sSubPr>
+                          <m:e>
+                            <m:r>
+                              <a:rPr lang="en-US" i="1">
+                                <a:latin typeface="Cambria Math"/>
+                              </a:rPr>
+                              <m:t>𝑣</m:t>
+                            </m:r>
+                          </m:e>
+                          <m:sub>
+                            <m:r>
+                              <a:rPr lang="en-US" i="1">
+                                <a:latin typeface="Cambria Math"/>
+                              </a:rPr>
+                              <m:t>1</m:t>
+                            </m:r>
+                          </m:sub>
+                        </m:sSub>
+                      </m:den>
+                    </m:f>
+                  </m:oMath>
+                </a14:m>
+                <a:r>
+                  <a:rPr lang="en-US" dirty="0" smtClean="0"/>
+                  <a:t>=</a:t>
+                </a:r>
+                <a:r>
+                  <a:rPr lang="en-US" dirty="0">
+                    <a:ea typeface="Cambria Math"/>
+                  </a:rPr>
+                  <a:t> </a:t>
+                </a:r>
+                <a14:m>
+                  <m:oMath xmlns:m="http://schemas.openxmlformats.org/officeDocument/2006/math">
+                    <m:f>
+                      <m:fPr>
+                        <m:ctrlPr>
+                          <a:rPr lang="en-US" i="1">
+                            <a:latin typeface="Cambria Math"/>
+                            <a:ea typeface="Cambria Math"/>
+                          </a:rPr>
+                        </m:ctrlPr>
+                      </m:fPr>
+                      <m:num>
+                        <m:r>
+                          <a:rPr lang="en-US" i="1">
+                            <a:latin typeface="Cambria Math"/>
+                            <a:ea typeface="Cambria Math"/>
+                          </a:rPr>
+                          <m:t>𝜕</m:t>
+                        </m:r>
+                        <m:acc>
+                          <m:accPr>
+                            <m:chr m:val="̃"/>
+                            <m:ctrlPr>
+                              <a:rPr lang="en-US" i="1">
+                                <a:latin typeface="Cambria Math"/>
+                                <a:ea typeface="Cambria Math"/>
+                              </a:rPr>
+                            </m:ctrlPr>
+                          </m:accPr>
+                          <m:e>
+                            <m:r>
+                              <a:rPr lang="en-US" i="1">
+                                <a:latin typeface="Cambria Math"/>
+                                <a:ea typeface="Cambria Math"/>
+                              </a:rPr>
+                              <m:t>𝑓</m:t>
+                            </m:r>
+                          </m:e>
+                        </m:acc>
+                      </m:num>
+                      <m:den>
+                        <m:r>
+                          <a:rPr lang="en-US" i="1">
+                            <a:latin typeface="Cambria Math"/>
+                            <a:ea typeface="Cambria Math"/>
+                          </a:rPr>
+                          <m:t>𝜕</m:t>
+                        </m:r>
+                        <m:r>
+                          <a:rPr lang="en-US" b="0" i="1" smtClean="0">
+                            <a:latin typeface="Cambria Math"/>
+                            <a:ea typeface="Cambria Math"/>
+                          </a:rPr>
+                          <m:t>𝑥</m:t>
+                        </m:r>
+                      </m:den>
+                    </m:f>
+                    <m:r>
+                      <a:rPr lang="en-US" b="0" i="1" smtClean="0">
+                        <a:latin typeface="Cambria Math"/>
+                      </a:rPr>
+                      <m:t>=</m:t>
+                    </m:r>
+                    <m:sSub>
+                      <m:sSubPr>
+                        <m:ctrlPr>
+                          <a:rPr lang="en-US" b="0" i="1" smtClean="0">
+                            <a:latin typeface="Cambria Math"/>
+                          </a:rPr>
+                        </m:ctrlPr>
+                      </m:sSubPr>
+                      <m:e>
+                        <m:r>
+                          <a:rPr lang="en-US" b="0" i="1" smtClean="0">
+                            <a:latin typeface="Cambria Math"/>
+                          </a:rPr>
+                          <m:t>𝑓</m:t>
+                        </m:r>
+                      </m:e>
+                      <m:sub>
+                        <m:r>
+                          <a:rPr lang="en-US" b="0" i="1" smtClean="0">
+                            <a:latin typeface="Cambria Math"/>
+                          </a:rPr>
+                          <m:t>𝑥</m:t>
+                        </m:r>
+                      </m:sub>
+                    </m:sSub>
+                    <m:r>
+                      <a:rPr lang="en-US" b="0" i="1" smtClean="0">
+                        <a:latin typeface="Cambria Math"/>
+                      </a:rPr>
+                      <m:t>(</m:t>
+                    </m:r>
+                    <m:r>
+                      <a:rPr lang="en-US" b="0" i="1" smtClean="0">
+                        <a:latin typeface="Cambria Math"/>
+                      </a:rPr>
+                      <m:t>𝑚</m:t>
+                    </m:r>
+                    <m:r>
+                      <a:rPr lang="en-US" b="0" i="1" smtClean="0">
+                        <a:latin typeface="Cambria Math"/>
+                      </a:rPr>
+                      <m:t>−</m:t>
+                    </m:r>
+                    <m:sSub>
+                      <m:sSubPr>
+                        <m:ctrlPr>
+                          <a:rPr lang="en-US" b="0" i="1" smtClean="0">
+                            <a:latin typeface="Cambria Math"/>
+                          </a:rPr>
+                        </m:ctrlPr>
+                      </m:sSubPr>
+                      <m:e>
+                        <m:r>
+                          <a:rPr lang="en-US" b="0" i="1" smtClean="0">
+                            <a:latin typeface="Cambria Math"/>
+                          </a:rPr>
+                          <m:t>𝑣</m:t>
+                        </m:r>
+                      </m:e>
+                      <m:sub>
+                        <m:r>
+                          <a:rPr lang="en-US" b="0" i="1" smtClean="0">
+                            <a:latin typeface="Cambria Math"/>
+                          </a:rPr>
+                          <m:t>1</m:t>
+                        </m:r>
+                      </m:sub>
+                    </m:sSub>
+                    <m:r>
+                      <a:rPr lang="en-US" b="0" i="1" smtClean="0">
+                        <a:latin typeface="Cambria Math"/>
+                      </a:rPr>
+                      <m:t>,</m:t>
+                    </m:r>
+                    <m:r>
+                      <a:rPr lang="en-US" b="0" i="1" smtClean="0">
+                        <a:latin typeface="Cambria Math"/>
+                      </a:rPr>
+                      <m:t>𝑚</m:t>
+                    </m:r>
+                    <m:r>
+                      <a:rPr lang="en-US" b="0" i="1" smtClean="0">
+                        <a:latin typeface="Cambria Math"/>
+                      </a:rPr>
+                      <m:t>−</m:t>
+                    </m:r>
+                    <m:sSub>
+                      <m:sSubPr>
+                        <m:ctrlPr>
+                          <a:rPr lang="en-US" b="0" i="1" smtClean="0">
+                            <a:latin typeface="Cambria Math"/>
+                          </a:rPr>
+                        </m:ctrlPr>
+                      </m:sSubPr>
+                      <m:e>
+                        <m:r>
+                          <a:rPr lang="en-US" b="0" i="1" smtClean="0">
+                            <a:latin typeface="Cambria Math"/>
+                          </a:rPr>
+                          <m:t>𝑣</m:t>
+                        </m:r>
+                      </m:e>
+                      <m:sub>
+                        <m:r>
+                          <a:rPr lang="en-US" b="0" i="1" smtClean="0">
+                            <a:latin typeface="Cambria Math"/>
+                          </a:rPr>
+                          <m:t>2</m:t>
+                        </m:r>
+                      </m:sub>
+                    </m:sSub>
+                    <m:r>
+                      <a:rPr lang="en-US" b="0" i="1" smtClean="0">
+                        <a:latin typeface="Cambria Math"/>
+                      </a:rPr>
+                      <m:t>)</m:t>
+                    </m:r>
+                  </m:oMath>
+                </a14:m>
+                <a:endParaRPr lang="en-US" dirty="0"/>
+              </a:p>
+            </p:txBody>
+          </p:sp>
+        </mc:Choice>
+        <mc:Fallback>
+          <p:sp>
+            <p:nvSpPr>
+              <p:cNvPr id="14" name="Rectangle 13"/>
+              <p:cNvSpPr>
+                <a:spLocks noRot="1" noChangeAspect="1" noMove="1" noResize="1" noEditPoints="1" noAdjustHandles="1" noChangeArrowheads="1" noChangeShapeType="1" noTextEdit="1"/>
+              </p:cNvSpPr>
+              <p:nvPr/>
+            </p:nvSpPr>
+            <p:spPr>
+              <a:xfrm>
+                <a:off x="1427591" y="1860734"/>
+                <a:ext cx="3031023" cy="557653"/>
+              </a:xfrm>
+              <a:prstGeom prst="rect">
+                <a:avLst/>
+              </a:prstGeom>
+              <a:blipFill rotWithShape="1">
+                <a:blip r:embed="rId2"/>
+                <a:stretch>
+                  <a:fillRect/>
+                </a:stretch>
+              </a:blipFill>
+            </p:spPr>
+            <p:txBody>
+              <a:bodyPr/>
+              <a:lstStyle/>
+              <a:p>
+                <a:r>
+                  <a:rPr lang="en-US">
+                    <a:noFill/>
+                  </a:rPr>
+                  <a:t> </a:t>
+                </a:r>
+              </a:p>
+            </p:txBody>
+          </p:sp>
+        </mc:Fallback>
+      </mc:AlternateContent>
+      <mc:AlternateContent xmlns:mc="http://schemas.openxmlformats.org/markup-compatibility/2006">
+        <mc:Choice xmlns:a14="http://schemas.microsoft.com/office/drawing/2010/main" Requires="a14">
+          <p:sp>
+            <p:nvSpPr>
+              <p:cNvPr id="15" name="Rectangle 14"/>
+              <p:cNvSpPr/>
+              <p:nvPr/>
+            </p:nvSpPr>
+            <p:spPr>
+              <a:xfrm>
+                <a:off x="4886219" y="1860733"/>
+                <a:ext cx="3129446" cy="557653"/>
+              </a:xfrm>
+              <a:prstGeom prst="rect">
+                <a:avLst/>
+              </a:prstGeom>
+            </p:spPr>
+            <p:txBody>
+              <a:bodyPr wrap="none">
+                <a:spAutoFit/>
+              </a:bodyPr>
+              <a:lstStyle/>
+              <a:p>
+                <a14:m>
+                  <m:oMath xmlns:m="http://schemas.openxmlformats.org/officeDocument/2006/math">
+                    <m:f>
+                      <m:fPr>
+                        <m:ctrlPr>
+                          <a:rPr lang="en-US" i="1" smtClean="0">
+                            <a:latin typeface="Cambria Math"/>
+                            <a:ea typeface="Cambria Math"/>
+                          </a:rPr>
+                        </m:ctrlPr>
+                      </m:fPr>
+                      <m:num>
+                        <m:r>
+                          <a:rPr lang="en-US" i="1">
+                            <a:latin typeface="Cambria Math"/>
+                            <a:ea typeface="Cambria Math"/>
+                          </a:rPr>
+                          <m:t>𝜕</m:t>
+                        </m:r>
+                        <m:acc>
+                          <m:accPr>
+                            <m:chr m:val="̃"/>
+                            <m:ctrlPr>
+                              <a:rPr lang="en-US" i="1">
+                                <a:latin typeface="Cambria Math"/>
+                                <a:ea typeface="Cambria Math"/>
+                              </a:rPr>
+                            </m:ctrlPr>
+                          </m:accPr>
+                          <m:e>
+                            <m:r>
+                              <a:rPr lang="en-US" i="1">
+                                <a:latin typeface="Cambria Math"/>
+                                <a:ea typeface="Cambria Math"/>
+                              </a:rPr>
+                              <m:t>𝑓</m:t>
+                            </m:r>
+                          </m:e>
+                        </m:acc>
+                      </m:num>
+                      <m:den>
+                        <m:r>
+                          <a:rPr lang="en-US" i="1">
+                            <a:latin typeface="Cambria Math"/>
+                            <a:ea typeface="Cambria Math"/>
+                          </a:rPr>
+                          <m:t>𝜕</m:t>
+                        </m:r>
+                        <m:sSub>
+                          <m:sSubPr>
+                            <m:ctrlPr>
+                              <a:rPr lang="en-US" i="1">
+                                <a:latin typeface="Cambria Math"/>
+                              </a:rPr>
+                            </m:ctrlPr>
+                          </m:sSubPr>
+                          <m:e>
+                            <m:r>
+                              <a:rPr lang="en-US" i="1">
+                                <a:latin typeface="Cambria Math"/>
+                              </a:rPr>
+                              <m:t>𝑣</m:t>
+                            </m:r>
+                          </m:e>
+                          <m:sub>
+                            <m:r>
+                              <a:rPr lang="en-US" b="0" i="1" smtClean="0">
+                                <a:latin typeface="Cambria Math"/>
+                              </a:rPr>
+                              <m:t>2</m:t>
+                            </m:r>
+                          </m:sub>
+                        </m:sSub>
+                      </m:den>
+                    </m:f>
+                  </m:oMath>
+                </a14:m>
+                <a:r>
+                  <a:rPr lang="en-US" dirty="0" smtClean="0"/>
+                  <a:t>=</a:t>
+                </a:r>
+                <a:r>
+                  <a:rPr lang="en-US" dirty="0">
+                    <a:ea typeface="Cambria Math"/>
+                  </a:rPr>
+                  <a:t> </a:t>
+                </a:r>
+                <a14:m>
+                  <m:oMath xmlns:m="http://schemas.openxmlformats.org/officeDocument/2006/math">
+                    <m:f>
+                      <m:fPr>
+                        <m:ctrlPr>
+                          <a:rPr lang="en-US" i="1">
+                            <a:latin typeface="Cambria Math"/>
+                            <a:ea typeface="Cambria Math"/>
+                          </a:rPr>
+                        </m:ctrlPr>
+                      </m:fPr>
+                      <m:num>
+                        <m:r>
+                          <a:rPr lang="en-US" i="1">
+                            <a:latin typeface="Cambria Math"/>
+                            <a:ea typeface="Cambria Math"/>
+                          </a:rPr>
+                          <m:t>𝜕</m:t>
+                        </m:r>
+                        <m:acc>
+                          <m:accPr>
+                            <m:chr m:val="̃"/>
+                            <m:ctrlPr>
+                              <a:rPr lang="en-US" i="1">
+                                <a:latin typeface="Cambria Math"/>
+                                <a:ea typeface="Cambria Math"/>
+                              </a:rPr>
+                            </m:ctrlPr>
+                          </m:accPr>
+                          <m:e>
+                            <m:r>
+                              <a:rPr lang="en-US" i="1">
+                                <a:latin typeface="Cambria Math"/>
+                                <a:ea typeface="Cambria Math"/>
+                              </a:rPr>
+                              <m:t>𝑓</m:t>
+                            </m:r>
+                          </m:e>
+                        </m:acc>
+                      </m:num>
+                      <m:den>
+                        <m:r>
+                          <a:rPr lang="en-US" i="1">
+                            <a:latin typeface="Cambria Math"/>
+                            <a:ea typeface="Cambria Math"/>
+                          </a:rPr>
+                          <m:t>𝜕</m:t>
+                        </m:r>
+                        <m:r>
+                          <a:rPr lang="en-US" b="0" i="1" smtClean="0">
+                            <a:latin typeface="Cambria Math"/>
+                            <a:ea typeface="Cambria Math"/>
+                          </a:rPr>
+                          <m:t>𝑦</m:t>
+                        </m:r>
+                      </m:den>
+                    </m:f>
+                    <m:r>
+                      <a:rPr lang="en-US" b="0" i="1" smtClean="0">
+                        <a:latin typeface="Cambria Math"/>
+                      </a:rPr>
+                      <m:t>=</m:t>
+                    </m:r>
+                    <m:sSub>
+                      <m:sSubPr>
+                        <m:ctrlPr>
+                          <a:rPr lang="en-US" b="0" i="1" smtClean="0">
+                            <a:latin typeface="Cambria Math"/>
+                          </a:rPr>
+                        </m:ctrlPr>
+                      </m:sSubPr>
+                      <m:e>
+                        <m:r>
+                          <a:rPr lang="en-US" b="0" i="1" smtClean="0">
+                            <a:latin typeface="Cambria Math"/>
+                          </a:rPr>
+                          <m:t>𝑓</m:t>
+                        </m:r>
+                      </m:e>
+                      <m:sub>
+                        <m:r>
+                          <a:rPr lang="en-US" b="0" i="1" smtClean="0">
+                            <a:latin typeface="Cambria Math"/>
+                          </a:rPr>
+                          <m:t>𝑦</m:t>
+                        </m:r>
+                      </m:sub>
+                    </m:sSub>
+                    <m:r>
+                      <a:rPr lang="en-US" b="0" i="1" smtClean="0">
+                        <a:latin typeface="Cambria Math"/>
+                      </a:rPr>
+                      <m:t>(</m:t>
+                    </m:r>
+                    <m:r>
+                      <a:rPr lang="en-US" b="0" i="1" smtClean="0">
+                        <a:latin typeface="Cambria Math"/>
+                      </a:rPr>
+                      <m:t>𝑚</m:t>
+                    </m:r>
+                    <m:r>
+                      <a:rPr lang="en-US" b="0" i="1" smtClean="0">
+                        <a:latin typeface="Cambria Math"/>
+                      </a:rPr>
+                      <m:t>−</m:t>
+                    </m:r>
+                    <m:sSub>
+                      <m:sSubPr>
+                        <m:ctrlPr>
+                          <a:rPr lang="en-US" b="0" i="1" smtClean="0">
+                            <a:latin typeface="Cambria Math"/>
+                          </a:rPr>
+                        </m:ctrlPr>
+                      </m:sSubPr>
+                      <m:e>
+                        <m:r>
+                          <a:rPr lang="en-US" b="0" i="1" smtClean="0">
+                            <a:latin typeface="Cambria Math"/>
+                          </a:rPr>
+                          <m:t>𝑣</m:t>
+                        </m:r>
+                      </m:e>
+                      <m:sub>
+                        <m:r>
+                          <a:rPr lang="en-US" b="0" i="1" smtClean="0">
+                            <a:latin typeface="Cambria Math"/>
+                          </a:rPr>
+                          <m:t>1</m:t>
+                        </m:r>
+                      </m:sub>
+                    </m:sSub>
+                    <m:r>
+                      <a:rPr lang="en-US" b="0" i="1" smtClean="0">
+                        <a:latin typeface="Cambria Math"/>
+                      </a:rPr>
+                      <m:t>,</m:t>
+                    </m:r>
+                    <m:r>
+                      <a:rPr lang="en-US" b="0" i="1" smtClean="0">
+                        <a:latin typeface="Cambria Math"/>
+                      </a:rPr>
+                      <m:t>𝑚</m:t>
+                    </m:r>
+                    <m:r>
+                      <a:rPr lang="en-US" b="0" i="1" smtClean="0">
+                        <a:latin typeface="Cambria Math"/>
+                      </a:rPr>
+                      <m:t>−</m:t>
+                    </m:r>
+                    <m:sSub>
+                      <m:sSubPr>
+                        <m:ctrlPr>
+                          <a:rPr lang="en-US" b="0" i="1" smtClean="0">
+                            <a:latin typeface="Cambria Math"/>
+                          </a:rPr>
+                        </m:ctrlPr>
+                      </m:sSubPr>
+                      <m:e>
+                        <m:r>
+                          <a:rPr lang="en-US" b="0" i="1" smtClean="0">
+                            <a:latin typeface="Cambria Math"/>
+                          </a:rPr>
+                          <m:t>𝑣</m:t>
+                        </m:r>
+                      </m:e>
+                      <m:sub>
+                        <m:r>
+                          <a:rPr lang="en-US" b="0" i="1" smtClean="0">
+                            <a:latin typeface="Cambria Math"/>
+                          </a:rPr>
+                          <m:t>2</m:t>
+                        </m:r>
+                      </m:sub>
+                    </m:sSub>
+                    <m:r>
+                      <a:rPr lang="en-US" b="0" i="1" smtClean="0">
+                        <a:latin typeface="Cambria Math"/>
+                      </a:rPr>
+                      <m:t>)</m:t>
+                    </m:r>
+                  </m:oMath>
+                </a14:m>
+                <a:endParaRPr lang="en-US" dirty="0"/>
+              </a:p>
+            </p:txBody>
+          </p:sp>
+        </mc:Choice>
+        <mc:Fallback>
+          <p:sp>
+            <p:nvSpPr>
+              <p:cNvPr id="15" name="Rectangle 14"/>
+              <p:cNvSpPr>
+                <a:spLocks noRot="1" noChangeAspect="1" noMove="1" noResize="1" noEditPoints="1" noAdjustHandles="1" noChangeArrowheads="1" noChangeShapeType="1" noTextEdit="1"/>
+              </p:cNvSpPr>
+              <p:nvPr/>
+            </p:nvSpPr>
+            <p:spPr>
+              <a:xfrm>
+                <a:off x="4886219" y="1860733"/>
+                <a:ext cx="3129446" cy="557653"/>
+              </a:xfrm>
+              <a:prstGeom prst="rect">
+                <a:avLst/>
+              </a:prstGeom>
+              <a:blipFill rotWithShape="1">
+                <a:blip r:embed="rId3"/>
+                <a:stretch>
+                  <a:fillRect/>
+                </a:stretch>
+              </a:blipFill>
+            </p:spPr>
+            <p:txBody>
+              <a:bodyPr/>
+              <a:lstStyle/>
+              <a:p>
+                <a:r>
+                  <a:rPr lang="en-US">
+                    <a:noFill/>
+                  </a:rPr>
+                  <a:t> </a:t>
+                </a:r>
+              </a:p>
+            </p:txBody>
+          </p:sp>
+        </mc:Fallback>
+      </mc:AlternateContent>
+      <p:sp>
+        <p:nvSpPr>
+          <p:cNvPr id="16" name="TextBox 15"/>
+          <p:cNvSpPr txBox="1"/>
+          <p:nvPr/>
+        </p:nvSpPr>
+        <p:spPr>
+          <a:xfrm>
+            <a:off x="848540" y="1402402"/>
+            <a:ext cx="722634" cy="369332"/>
+          </a:xfrm>
+          <a:prstGeom prst="rect">
+            <a:avLst/>
+          </a:prstGeom>
+          <a:noFill/>
+        </p:spPr>
+        <p:txBody>
+          <a:bodyPr wrap="none" rtlCol="0">
+            <a:spAutoFit/>
+          </a:bodyPr>
+          <a:lstStyle/>
+          <a:p>
+            <a:r>
+              <a:rPr lang="en-US" dirty="0" smtClean="0"/>
+              <a:t>Given</a:t>
+            </a:r>
+            <a:endParaRPr lang="en-US" dirty="0"/>
+          </a:p>
+        </p:txBody>
+      </p:sp>
+      <p:sp>
+        <p:nvSpPr>
+          <p:cNvPr id="17" name="TextBox 16"/>
+          <p:cNvSpPr txBox="1"/>
+          <p:nvPr/>
+        </p:nvSpPr>
+        <p:spPr>
+          <a:xfrm>
+            <a:off x="848540" y="2652082"/>
+            <a:ext cx="1196161" cy="369332"/>
+          </a:xfrm>
+          <a:prstGeom prst="rect">
+            <a:avLst/>
+          </a:prstGeom>
+          <a:noFill/>
+        </p:spPr>
+        <p:txBody>
+          <a:bodyPr wrap="none" rtlCol="0">
+            <a:spAutoFit/>
+          </a:bodyPr>
+          <a:lstStyle/>
+          <a:p>
+            <a:r>
+              <a:rPr lang="en-US" dirty="0" smtClean="0"/>
+              <a:t>The FIM is </a:t>
+            </a:r>
+            <a:endParaRPr lang="en-US" dirty="0"/>
+          </a:p>
+        </p:txBody>
+      </p:sp>
+      <mc:AlternateContent xmlns:mc="http://schemas.openxmlformats.org/markup-compatibility/2006">
+        <mc:Choice xmlns:a14="http://schemas.microsoft.com/office/drawing/2010/main" Requires="a14">
+          <p:sp>
+            <p:nvSpPr>
+              <p:cNvPr id="4" name="TextBox 3"/>
+              <p:cNvSpPr txBox="1"/>
+              <p:nvPr/>
+            </p:nvSpPr>
+            <p:spPr>
+              <a:xfrm>
+                <a:off x="1567619" y="3229661"/>
+                <a:ext cx="2171941" cy="612796"/>
+              </a:xfrm>
+              <a:prstGeom prst="rect">
+                <a:avLst/>
+              </a:prstGeom>
+              <a:noFill/>
+            </p:spPr>
+            <p:txBody>
+              <a:bodyPr wrap="none" rtlCol="0">
+                <a:spAutoFit/>
+              </a:bodyPr>
+              <a:lstStyle/>
+              <a:p>
+                <a14:m>
+                  <m:oMathPara xmlns:m="http://schemas.openxmlformats.org/officeDocument/2006/math">
+                    <m:oMathParaPr>
+                      <m:jc m:val="centerGroup"/>
+                    </m:oMathParaPr>
+                    <m:oMath xmlns:m="http://schemas.openxmlformats.org/officeDocument/2006/math">
+                      <m:r>
+                        <a:rPr lang="en-US" b="0" i="1" smtClean="0">
+                          <a:latin typeface="Cambria Math"/>
+                        </a:rPr>
+                        <m:t>𝐽</m:t>
+                      </m:r>
+                      <m:d>
+                        <m:dPr>
+                          <m:ctrlPr>
+                            <a:rPr lang="en-US" b="0" i="1" smtClean="0">
+                              <a:latin typeface="Cambria Math"/>
+                            </a:rPr>
+                          </m:ctrlPr>
+                        </m:dPr>
+                        <m:e>
+                          <m:r>
+                            <a:rPr lang="en-US" b="0" i="1" smtClean="0">
+                              <a:latin typeface="Cambria Math"/>
+                            </a:rPr>
+                            <m:t>𝑣</m:t>
+                          </m:r>
+                        </m:e>
+                      </m:d>
+                      <m:r>
+                        <a:rPr lang="en-US" b="0" i="1" smtClean="0">
+                          <a:latin typeface="Cambria Math"/>
+                        </a:rPr>
+                        <m:t>=</m:t>
+                      </m:r>
+                      <m:f>
+                        <m:fPr>
+                          <m:ctrlPr>
+                            <a:rPr lang="en-US" b="0" i="1" smtClean="0">
+                              <a:latin typeface="Cambria Math"/>
+                            </a:rPr>
+                          </m:ctrlPr>
+                        </m:fPr>
+                        <m:num>
+                          <m:r>
+                            <a:rPr lang="en-US" b="0" i="1" smtClean="0">
+                              <a:latin typeface="Cambria Math"/>
+                            </a:rPr>
+                            <m:t>1</m:t>
+                          </m:r>
+                        </m:num>
+                        <m:den>
+                          <m:sSup>
+                            <m:sSupPr>
+                              <m:ctrlPr>
+                                <a:rPr lang="en-US" b="0" i="1" smtClean="0">
+                                  <a:latin typeface="Cambria Math"/>
+                                </a:rPr>
+                              </m:ctrlPr>
+                            </m:sSupPr>
+                            <m:e>
+                              <m:r>
+                                <a:rPr lang="en-US" b="0" i="1" smtClean="0">
+                                  <a:latin typeface="Cambria Math"/>
+                                  <a:ea typeface="Cambria Math"/>
+                                </a:rPr>
+                                <m:t>𝜎</m:t>
+                              </m:r>
+                            </m:e>
+                            <m:sup>
+                              <m:r>
+                                <a:rPr lang="en-US" b="0" i="1" smtClean="0">
+                                  <a:latin typeface="Cambria Math"/>
+                                </a:rPr>
+                                <m:t>2</m:t>
+                              </m:r>
+                            </m:sup>
+                          </m:sSup>
+                        </m:den>
+                      </m:f>
+                      <m:d>
+                        <m:dPr>
+                          <m:begChr m:val="["/>
+                          <m:endChr m:val="]"/>
+                          <m:ctrlPr>
+                            <a:rPr lang="en-US" b="0" i="1" smtClean="0">
+                              <a:latin typeface="Cambria Math"/>
+                            </a:rPr>
+                          </m:ctrlPr>
+                        </m:dPr>
+                        <m:e>
+                          <m:m>
+                            <m:mPr>
+                              <m:mcs>
+                                <m:mc>
+                                  <m:mcPr>
+                                    <m:count m:val="2"/>
+                                    <m:mcJc m:val="center"/>
+                                  </m:mcPr>
+                                </m:mc>
+                              </m:mcs>
+                              <m:ctrlPr>
+                                <a:rPr lang="en-US" b="0" i="1" smtClean="0">
+                                  <a:latin typeface="Cambria Math"/>
+                                </a:rPr>
+                              </m:ctrlPr>
+                            </m:mPr>
+                            <m:mr>
+                              <m:e>
+                                <m:sSub>
+                                  <m:sSubPr>
+                                    <m:ctrlPr>
+                                      <a:rPr lang="en-US" b="0" i="1" smtClean="0">
+                                        <a:latin typeface="Cambria Math"/>
+                                      </a:rPr>
+                                    </m:ctrlPr>
+                                  </m:sSubPr>
+                                  <m:e>
+                                    <m:r>
+                                      <a:rPr lang="en-US" b="0" i="1" smtClean="0">
+                                        <a:latin typeface="Cambria Math"/>
+                                      </a:rPr>
+                                      <m:t>𝑎</m:t>
+                                    </m:r>
+                                  </m:e>
+                                  <m:sub>
+                                    <m:r>
+                                      <a:rPr lang="en-US" b="0" i="1" smtClean="0">
+                                        <a:latin typeface="Cambria Math"/>
+                                      </a:rPr>
+                                      <m:t>1</m:t>
+                                    </m:r>
+                                  </m:sub>
+                                </m:sSub>
+                              </m:e>
+                              <m:e>
+                                <m:sSub>
+                                  <m:sSubPr>
+                                    <m:ctrlPr>
+                                      <a:rPr lang="en-US" i="1">
+                                        <a:latin typeface="Cambria Math"/>
+                                      </a:rPr>
+                                    </m:ctrlPr>
+                                  </m:sSubPr>
+                                  <m:e>
+                                    <m:r>
+                                      <a:rPr lang="en-US" i="1">
+                                        <a:latin typeface="Cambria Math"/>
+                                      </a:rPr>
+                                      <m:t>𝑎</m:t>
+                                    </m:r>
+                                  </m:e>
+                                  <m:sub>
+                                    <m:r>
+                                      <a:rPr lang="en-US" b="0" i="1" smtClean="0">
+                                        <a:latin typeface="Cambria Math"/>
+                                      </a:rPr>
+                                      <m:t>2</m:t>
+                                    </m:r>
+                                  </m:sub>
+                                </m:sSub>
+                              </m:e>
+                            </m:mr>
+                            <m:mr>
+                              <m:e>
+                                <m:sSub>
+                                  <m:sSubPr>
+                                    <m:ctrlPr>
+                                      <a:rPr lang="en-US" i="1">
+                                        <a:latin typeface="Cambria Math"/>
+                                      </a:rPr>
+                                    </m:ctrlPr>
+                                  </m:sSubPr>
+                                  <m:e>
+                                    <m:r>
+                                      <a:rPr lang="en-US" i="1">
+                                        <a:latin typeface="Cambria Math"/>
+                                      </a:rPr>
+                                      <m:t>𝑎</m:t>
+                                    </m:r>
+                                  </m:e>
+                                  <m:sub>
+                                    <m:r>
+                                      <a:rPr lang="en-US" b="0" i="1" smtClean="0">
+                                        <a:latin typeface="Cambria Math"/>
+                                      </a:rPr>
+                                      <m:t>3</m:t>
+                                    </m:r>
+                                  </m:sub>
+                                </m:sSub>
+                              </m:e>
+                              <m:e>
+                                <m:sSub>
+                                  <m:sSubPr>
+                                    <m:ctrlPr>
+                                      <a:rPr lang="en-US" i="1">
+                                        <a:latin typeface="Cambria Math"/>
+                                      </a:rPr>
+                                    </m:ctrlPr>
+                                  </m:sSubPr>
+                                  <m:e>
+                                    <m:r>
+                                      <a:rPr lang="en-US" i="1">
+                                        <a:latin typeface="Cambria Math"/>
+                                      </a:rPr>
+                                      <m:t>𝑎</m:t>
+                                    </m:r>
+                                  </m:e>
+                                  <m:sub>
+                                    <m:r>
+                                      <a:rPr lang="en-US" b="0" i="1" smtClean="0">
+                                        <a:latin typeface="Cambria Math"/>
+                                      </a:rPr>
+                                      <m:t>4</m:t>
+                                    </m:r>
+                                  </m:sub>
+                                </m:sSub>
+                              </m:e>
+                            </m:mr>
+                          </m:m>
+                        </m:e>
+                      </m:d>
+                    </m:oMath>
+                  </m:oMathPara>
+                </a14:m>
+                <a:endParaRPr lang="en-US" dirty="0"/>
+              </a:p>
+            </p:txBody>
+          </p:sp>
+        </mc:Choice>
+        <mc:Fallback>
+          <p:sp>
+            <p:nvSpPr>
+              <p:cNvPr id="4" name="TextBox 3"/>
+              <p:cNvSpPr txBox="1">
+                <a:spLocks noRot="1" noChangeAspect="1" noMove="1" noResize="1" noEditPoints="1" noAdjustHandles="1" noChangeArrowheads="1" noChangeShapeType="1" noTextEdit="1"/>
+              </p:cNvSpPr>
+              <p:nvPr/>
+            </p:nvSpPr>
+            <p:spPr>
+              <a:xfrm>
+                <a:off x="1567619" y="3229661"/>
+                <a:ext cx="2171941" cy="612796"/>
+              </a:xfrm>
+              <a:prstGeom prst="rect">
+                <a:avLst/>
+              </a:prstGeom>
+              <a:blipFill rotWithShape="1">
+                <a:blip r:embed="rId4"/>
+                <a:stretch>
+                  <a:fillRect/>
+                </a:stretch>
+              </a:blipFill>
+            </p:spPr>
+            <p:txBody>
+              <a:bodyPr/>
+              <a:lstStyle/>
+              <a:p>
+                <a:r>
+                  <a:rPr lang="en-US">
+                    <a:noFill/>
+                  </a:rPr>
+                  <a:t> </a:t>
+                </a:r>
+              </a:p>
+            </p:txBody>
+          </p:sp>
+        </mc:Fallback>
+      </mc:AlternateContent>
+      <mc:AlternateContent xmlns:mc="http://schemas.openxmlformats.org/markup-compatibility/2006">
+        <mc:Choice xmlns:a14="http://schemas.microsoft.com/office/drawing/2010/main" Requires="a14">
+          <p:sp>
+            <p:nvSpPr>
+              <p:cNvPr id="7" name="TextBox 6"/>
+              <p:cNvSpPr txBox="1"/>
+              <p:nvPr/>
+            </p:nvSpPr>
+            <p:spPr>
+              <a:xfrm>
+                <a:off x="1353903" y="4514697"/>
+                <a:ext cx="2983061" cy="785728"/>
+              </a:xfrm>
+              <a:prstGeom prst="rect">
+                <a:avLst/>
+              </a:prstGeom>
+              <a:noFill/>
+            </p:spPr>
+            <p:txBody>
+              <a:bodyPr wrap="none" rtlCol="0">
+                <a:spAutoFit/>
+              </a:bodyPr>
+              <a:lstStyle/>
+              <a:p>
+                <a14:m>
+                  <m:oMathPara xmlns:m="http://schemas.openxmlformats.org/officeDocument/2006/math">
+                    <m:oMathParaPr>
+                      <m:jc m:val="centerGroup"/>
+                    </m:oMathParaPr>
+                    <m:oMath xmlns:m="http://schemas.openxmlformats.org/officeDocument/2006/math">
+                      <m:sSub>
+                        <m:sSubPr>
+                          <m:ctrlPr>
+                            <a:rPr lang="en-US" i="1" smtClean="0">
+                              <a:latin typeface="Cambria Math"/>
+                            </a:rPr>
+                          </m:ctrlPr>
+                        </m:sSubPr>
+                        <m:e>
+                          <m:r>
+                            <a:rPr lang="en-US" i="1">
+                              <a:latin typeface="Cambria Math"/>
+                            </a:rPr>
+                            <m:t>𝑎</m:t>
+                          </m:r>
+                        </m:e>
+                        <m:sub>
+                          <m:r>
+                            <a:rPr lang="en-US" i="1">
+                              <a:latin typeface="Cambria Math"/>
+                            </a:rPr>
+                            <m:t>1</m:t>
+                          </m:r>
+                        </m:sub>
+                      </m:sSub>
+                      <m:r>
+                        <a:rPr lang="en-US" b="0" i="1" smtClean="0">
+                          <a:latin typeface="Cambria Math"/>
+                        </a:rPr>
+                        <m:t>=</m:t>
+                      </m:r>
+                      <m:nary>
+                        <m:naryPr>
+                          <m:chr m:val="∑"/>
+                          <m:supHide m:val="on"/>
+                          <m:ctrlPr>
+                            <a:rPr lang="en-US" b="0" i="1" smtClean="0">
+                              <a:latin typeface="Cambria Math"/>
+                            </a:rPr>
+                          </m:ctrlPr>
+                        </m:naryPr>
+                        <m:sub>
+                          <m:r>
+                            <m:rPr>
+                              <m:brk m:alnAt="7"/>
+                            </m:rPr>
+                            <a:rPr lang="en-US" b="0" i="1" smtClean="0">
+                              <a:latin typeface="Cambria Math"/>
+                            </a:rPr>
+                            <m:t>𝑚</m:t>
+                          </m:r>
+                          <m:r>
+                            <a:rPr lang="en-US" b="0" i="1" smtClean="0">
+                              <a:latin typeface="Cambria Math"/>
+                            </a:rPr>
+                            <m:t>,</m:t>
+                          </m:r>
+                          <m:r>
+                            <a:rPr lang="en-US" b="0" i="1" smtClean="0">
+                              <a:latin typeface="Cambria Math"/>
+                            </a:rPr>
+                            <m:t>𝑛</m:t>
+                          </m:r>
+                        </m:sub>
+                        <m:sup/>
+                        <m:e>
+                          <m:sSubSup>
+                            <m:sSubSupPr>
+                              <m:ctrlPr>
+                                <a:rPr lang="en-US" b="0" i="1" smtClean="0">
+                                  <a:latin typeface="Cambria Math"/>
+                                </a:rPr>
+                              </m:ctrlPr>
+                            </m:sSubSupPr>
+                            <m:e>
+                              <m:r>
+                                <a:rPr lang="en-US" b="0" i="1" smtClean="0">
+                                  <a:latin typeface="Cambria Math"/>
+                                </a:rPr>
+                                <m:t>𝑓</m:t>
+                              </m:r>
+                            </m:e>
+                            <m:sub>
+                              <m:r>
+                                <a:rPr lang="en-US" b="0" i="1" smtClean="0">
+                                  <a:latin typeface="Cambria Math"/>
+                                </a:rPr>
+                                <m:t>𝑥</m:t>
+                              </m:r>
+                            </m:sub>
+                            <m:sup>
+                              <m:r>
+                                <a:rPr lang="en-US" b="0" i="1" smtClean="0">
+                                  <a:latin typeface="Cambria Math"/>
+                                </a:rPr>
+                                <m:t>2</m:t>
+                              </m:r>
+                            </m:sup>
+                          </m:sSubSup>
+                          <m:r>
+                            <a:rPr lang="en-US" b="0" i="1" smtClean="0">
+                              <a:latin typeface="Cambria Math"/>
+                            </a:rPr>
+                            <m:t>(</m:t>
+                          </m:r>
+                          <m:r>
+                            <a:rPr lang="en-US" i="1">
+                              <a:latin typeface="Cambria Math"/>
+                            </a:rPr>
+                            <m:t>𝑚</m:t>
+                          </m:r>
+                          <m:r>
+                            <a:rPr lang="en-US" i="1">
+                              <a:latin typeface="Cambria Math"/>
+                            </a:rPr>
+                            <m:t>−</m:t>
+                          </m:r>
+                          <m:sSub>
+                            <m:sSubPr>
+                              <m:ctrlPr>
+                                <a:rPr lang="en-US" i="1">
+                                  <a:latin typeface="Cambria Math"/>
+                                </a:rPr>
+                              </m:ctrlPr>
+                            </m:sSubPr>
+                            <m:e>
+                              <m:r>
+                                <a:rPr lang="en-US" i="1">
+                                  <a:latin typeface="Cambria Math"/>
+                                </a:rPr>
+                                <m:t>𝑣</m:t>
+                              </m:r>
+                            </m:e>
+                            <m:sub>
+                              <m:r>
+                                <a:rPr lang="en-US" i="1">
+                                  <a:latin typeface="Cambria Math"/>
+                                </a:rPr>
+                                <m:t>1</m:t>
+                              </m:r>
+                            </m:sub>
+                          </m:sSub>
+                          <m:r>
+                            <a:rPr lang="en-US" i="1">
+                              <a:latin typeface="Cambria Math"/>
+                            </a:rPr>
+                            <m:t>,</m:t>
+                          </m:r>
+                          <m:r>
+                            <a:rPr lang="en-US" b="0" i="1" smtClean="0">
+                              <a:latin typeface="Cambria Math"/>
+                            </a:rPr>
+                            <m:t>𝑛</m:t>
+                          </m:r>
+                          <m:r>
+                            <a:rPr lang="en-US" i="1">
+                              <a:latin typeface="Cambria Math"/>
+                            </a:rPr>
+                            <m:t>−</m:t>
+                          </m:r>
+                          <m:sSub>
+                            <m:sSubPr>
+                              <m:ctrlPr>
+                                <a:rPr lang="en-US" i="1">
+                                  <a:latin typeface="Cambria Math"/>
+                                </a:rPr>
+                              </m:ctrlPr>
+                            </m:sSubPr>
+                            <m:e>
+                              <m:r>
+                                <a:rPr lang="en-US" i="1">
+                                  <a:latin typeface="Cambria Math"/>
+                                </a:rPr>
+                                <m:t>𝑣</m:t>
+                              </m:r>
+                            </m:e>
+                            <m:sub>
+                              <m:r>
+                                <a:rPr lang="en-US" i="1">
+                                  <a:latin typeface="Cambria Math"/>
+                                </a:rPr>
+                                <m:t>2</m:t>
+                              </m:r>
+                            </m:sub>
+                          </m:sSub>
+                          <m:r>
+                            <a:rPr lang="en-US" b="0" i="1" smtClean="0">
+                              <a:latin typeface="Cambria Math"/>
+                            </a:rPr>
+                            <m:t>)</m:t>
+                          </m:r>
+                        </m:e>
+                      </m:nary>
+                    </m:oMath>
+                  </m:oMathPara>
+                </a14:m>
+                <a:endParaRPr lang="en-US" dirty="0"/>
+              </a:p>
+            </p:txBody>
+          </p:sp>
+        </mc:Choice>
+        <mc:Fallback>
+          <p:sp>
+            <p:nvSpPr>
+              <p:cNvPr id="7" name="TextBox 6"/>
+              <p:cNvSpPr txBox="1">
+                <a:spLocks noRot="1" noChangeAspect="1" noMove="1" noResize="1" noEditPoints="1" noAdjustHandles="1" noChangeArrowheads="1" noChangeShapeType="1" noTextEdit="1"/>
+              </p:cNvSpPr>
+              <p:nvPr/>
+            </p:nvSpPr>
+            <p:spPr>
+              <a:xfrm>
+                <a:off x="1353903" y="4514697"/>
+                <a:ext cx="2983061" cy="785728"/>
+              </a:xfrm>
+              <a:prstGeom prst="rect">
+                <a:avLst/>
+              </a:prstGeom>
+              <a:blipFill rotWithShape="1">
+                <a:blip r:embed="rId5"/>
+                <a:stretch>
+                  <a:fillRect/>
+                </a:stretch>
+              </a:blipFill>
+            </p:spPr>
+            <p:txBody>
+              <a:bodyPr/>
+              <a:lstStyle/>
+              <a:p>
+                <a:r>
+                  <a:rPr lang="en-US">
+                    <a:noFill/>
+                  </a:rPr>
+                  <a:t> </a:t>
+                </a:r>
+              </a:p>
+            </p:txBody>
+          </p:sp>
+        </mc:Fallback>
+      </mc:AlternateContent>
+      <mc:AlternateContent xmlns:mc="http://schemas.openxmlformats.org/markup-compatibility/2006">
+        <mc:Choice xmlns:a14="http://schemas.microsoft.com/office/drawing/2010/main" Requires="a14">
+          <p:sp>
+            <p:nvSpPr>
+              <p:cNvPr id="18" name="TextBox 17"/>
+              <p:cNvSpPr txBox="1"/>
+              <p:nvPr/>
+            </p:nvSpPr>
+            <p:spPr>
+              <a:xfrm>
+                <a:off x="4695558" y="4496409"/>
+                <a:ext cx="2988382" cy="785728"/>
+              </a:xfrm>
+              <a:prstGeom prst="rect">
+                <a:avLst/>
+              </a:prstGeom>
+              <a:noFill/>
+            </p:spPr>
+            <p:txBody>
+              <a:bodyPr wrap="none" rtlCol="0">
+                <a:spAutoFit/>
+              </a:bodyPr>
+              <a:lstStyle/>
+              <a:p>
+                <a14:m>
+                  <m:oMathPara xmlns:m="http://schemas.openxmlformats.org/officeDocument/2006/math">
+                    <m:oMathParaPr>
+                      <m:jc m:val="centerGroup"/>
+                    </m:oMathParaPr>
+                    <m:oMath xmlns:m="http://schemas.openxmlformats.org/officeDocument/2006/math">
+                      <m:sSub>
+                        <m:sSubPr>
+                          <m:ctrlPr>
+                            <a:rPr lang="en-US" i="1" smtClean="0">
+                              <a:latin typeface="Cambria Math"/>
+                            </a:rPr>
+                          </m:ctrlPr>
+                        </m:sSubPr>
+                        <m:e>
+                          <m:r>
+                            <a:rPr lang="en-US" i="1">
+                              <a:latin typeface="Cambria Math"/>
+                            </a:rPr>
+                            <m:t>𝑎</m:t>
+                          </m:r>
+                        </m:e>
+                        <m:sub>
+                          <m:r>
+                            <a:rPr lang="en-US" b="0" i="1" smtClean="0">
+                              <a:latin typeface="Cambria Math"/>
+                            </a:rPr>
+                            <m:t>3</m:t>
+                          </m:r>
+                        </m:sub>
+                      </m:sSub>
+                      <m:r>
+                        <a:rPr lang="en-US" b="0" i="1" smtClean="0">
+                          <a:latin typeface="Cambria Math"/>
+                        </a:rPr>
+                        <m:t>=</m:t>
+                      </m:r>
+                      <m:nary>
+                        <m:naryPr>
+                          <m:chr m:val="∑"/>
+                          <m:supHide m:val="on"/>
+                          <m:ctrlPr>
+                            <a:rPr lang="en-US" b="0" i="1" smtClean="0">
+                              <a:latin typeface="Cambria Math"/>
+                            </a:rPr>
+                          </m:ctrlPr>
+                        </m:naryPr>
+                        <m:sub>
+                          <m:r>
+                            <m:rPr>
+                              <m:brk m:alnAt="7"/>
+                            </m:rPr>
+                            <a:rPr lang="en-US" b="0" i="1" smtClean="0">
+                              <a:latin typeface="Cambria Math"/>
+                            </a:rPr>
+                            <m:t>𝑚</m:t>
+                          </m:r>
+                          <m:r>
+                            <a:rPr lang="en-US" b="0" i="1" smtClean="0">
+                              <a:latin typeface="Cambria Math"/>
+                            </a:rPr>
+                            <m:t>,</m:t>
+                          </m:r>
+                          <m:r>
+                            <a:rPr lang="en-US" b="0" i="1" smtClean="0">
+                              <a:latin typeface="Cambria Math"/>
+                            </a:rPr>
+                            <m:t>𝑛</m:t>
+                          </m:r>
+                        </m:sub>
+                        <m:sup/>
+                        <m:e>
+                          <m:sSubSup>
+                            <m:sSubSupPr>
+                              <m:ctrlPr>
+                                <a:rPr lang="en-US" b="0" i="1" smtClean="0">
+                                  <a:latin typeface="Cambria Math"/>
+                                </a:rPr>
+                              </m:ctrlPr>
+                            </m:sSubSupPr>
+                            <m:e>
+                              <m:r>
+                                <a:rPr lang="en-US" b="0" i="1" smtClean="0">
+                                  <a:latin typeface="Cambria Math"/>
+                                </a:rPr>
+                                <m:t>𝑓</m:t>
+                              </m:r>
+                            </m:e>
+                            <m:sub>
+                              <m:r>
+                                <a:rPr lang="en-US" b="0" i="1" smtClean="0">
+                                  <a:latin typeface="Cambria Math"/>
+                                </a:rPr>
+                                <m:t>𝑦</m:t>
+                              </m:r>
+                            </m:sub>
+                            <m:sup>
+                              <m:r>
+                                <a:rPr lang="en-US" b="0" i="1" smtClean="0">
+                                  <a:latin typeface="Cambria Math"/>
+                                </a:rPr>
+                                <m:t>2</m:t>
+                              </m:r>
+                            </m:sup>
+                          </m:sSubSup>
+                          <m:r>
+                            <a:rPr lang="en-US" b="0" i="1" smtClean="0">
+                              <a:latin typeface="Cambria Math"/>
+                            </a:rPr>
+                            <m:t>(</m:t>
+                          </m:r>
+                          <m:r>
+                            <a:rPr lang="en-US" i="1">
+                              <a:latin typeface="Cambria Math"/>
+                            </a:rPr>
+                            <m:t>𝑚</m:t>
+                          </m:r>
+                          <m:r>
+                            <a:rPr lang="en-US" i="1">
+                              <a:latin typeface="Cambria Math"/>
+                            </a:rPr>
+                            <m:t>−</m:t>
+                          </m:r>
+                          <m:sSub>
+                            <m:sSubPr>
+                              <m:ctrlPr>
+                                <a:rPr lang="en-US" i="1">
+                                  <a:latin typeface="Cambria Math"/>
+                                </a:rPr>
+                              </m:ctrlPr>
+                            </m:sSubPr>
+                            <m:e>
+                              <m:r>
+                                <a:rPr lang="en-US" i="1">
+                                  <a:latin typeface="Cambria Math"/>
+                                </a:rPr>
+                                <m:t>𝑣</m:t>
+                              </m:r>
+                            </m:e>
+                            <m:sub>
+                              <m:r>
+                                <a:rPr lang="en-US" i="1">
+                                  <a:latin typeface="Cambria Math"/>
+                                </a:rPr>
+                                <m:t>1</m:t>
+                              </m:r>
+                            </m:sub>
+                          </m:sSub>
+                          <m:r>
+                            <a:rPr lang="en-US" i="1">
+                              <a:latin typeface="Cambria Math"/>
+                            </a:rPr>
+                            <m:t>,</m:t>
+                          </m:r>
+                          <m:r>
+                            <a:rPr lang="en-US" b="0" i="1" smtClean="0">
+                              <a:latin typeface="Cambria Math"/>
+                            </a:rPr>
+                            <m:t>𝑛</m:t>
+                          </m:r>
+                          <m:r>
+                            <a:rPr lang="en-US" i="1">
+                              <a:latin typeface="Cambria Math"/>
+                            </a:rPr>
+                            <m:t>−</m:t>
+                          </m:r>
+                          <m:sSub>
+                            <m:sSubPr>
+                              <m:ctrlPr>
+                                <a:rPr lang="en-US" i="1">
+                                  <a:latin typeface="Cambria Math"/>
+                                </a:rPr>
+                              </m:ctrlPr>
+                            </m:sSubPr>
+                            <m:e>
+                              <m:r>
+                                <a:rPr lang="en-US" i="1">
+                                  <a:latin typeface="Cambria Math"/>
+                                </a:rPr>
+                                <m:t>𝑣</m:t>
+                              </m:r>
+                            </m:e>
+                            <m:sub>
+                              <m:r>
+                                <a:rPr lang="en-US" i="1">
+                                  <a:latin typeface="Cambria Math"/>
+                                </a:rPr>
+                                <m:t>2</m:t>
+                              </m:r>
+                            </m:sub>
+                          </m:sSub>
+                          <m:r>
+                            <a:rPr lang="en-US" b="0" i="1" smtClean="0">
+                              <a:latin typeface="Cambria Math"/>
+                            </a:rPr>
+                            <m:t>)</m:t>
+                          </m:r>
+                        </m:e>
+                      </m:nary>
+                    </m:oMath>
+                  </m:oMathPara>
+                </a14:m>
+                <a:endParaRPr lang="en-US" dirty="0"/>
+              </a:p>
+            </p:txBody>
+          </p:sp>
+        </mc:Choice>
+        <mc:Fallback>
+          <p:sp>
+            <p:nvSpPr>
+              <p:cNvPr id="18" name="TextBox 17"/>
+              <p:cNvSpPr txBox="1">
+                <a:spLocks noRot="1" noChangeAspect="1" noMove="1" noResize="1" noEditPoints="1" noAdjustHandles="1" noChangeArrowheads="1" noChangeShapeType="1" noTextEdit="1"/>
+              </p:cNvSpPr>
+              <p:nvPr/>
+            </p:nvSpPr>
+            <p:spPr>
+              <a:xfrm>
+                <a:off x="4695558" y="4496409"/>
+                <a:ext cx="2988382" cy="785728"/>
+              </a:xfrm>
+              <a:prstGeom prst="rect">
+                <a:avLst/>
+              </a:prstGeom>
+              <a:blipFill rotWithShape="1">
+                <a:blip r:embed="rId6"/>
+                <a:stretch>
+                  <a:fillRect/>
+                </a:stretch>
+              </a:blipFill>
+            </p:spPr>
+            <p:txBody>
+              <a:bodyPr/>
+              <a:lstStyle/>
+              <a:p>
+                <a:r>
+                  <a:rPr lang="en-US">
+                    <a:noFill/>
+                  </a:rPr>
+                  <a:t> </a:t>
+                </a:r>
+              </a:p>
+            </p:txBody>
+          </p:sp>
+        </mc:Fallback>
+      </mc:AlternateContent>
+      <mc:AlternateContent xmlns:mc="http://schemas.openxmlformats.org/markup-compatibility/2006">
+        <mc:Choice xmlns:a14="http://schemas.microsoft.com/office/drawing/2010/main" Requires="a14">
+          <p:sp>
+            <p:nvSpPr>
+              <p:cNvPr id="19" name="TextBox 18"/>
+              <p:cNvSpPr txBox="1"/>
+              <p:nvPr/>
+            </p:nvSpPr>
+            <p:spPr>
+              <a:xfrm>
+                <a:off x="2044701" y="5533948"/>
+                <a:ext cx="4937057" cy="785728"/>
+              </a:xfrm>
+              <a:prstGeom prst="rect">
+                <a:avLst/>
+              </a:prstGeom>
+              <a:noFill/>
+            </p:spPr>
+            <p:txBody>
+              <a:bodyPr wrap="none" rtlCol="0">
+                <a:spAutoFit/>
+              </a:bodyPr>
+              <a:lstStyle/>
+              <a:p>
+                <a14:m>
+                  <m:oMathPara xmlns:m="http://schemas.openxmlformats.org/officeDocument/2006/math">
+                    <m:oMathParaPr>
+                      <m:jc m:val="centerGroup"/>
+                    </m:oMathParaPr>
+                    <m:oMath xmlns:m="http://schemas.openxmlformats.org/officeDocument/2006/math">
+                      <m:sSub>
+                        <m:sSubPr>
+                          <m:ctrlPr>
+                            <a:rPr lang="en-US" i="1" smtClean="0">
+                              <a:latin typeface="Cambria Math"/>
+                            </a:rPr>
+                          </m:ctrlPr>
+                        </m:sSubPr>
+                        <m:e>
+                          <m:r>
+                            <a:rPr lang="en-US" i="1">
+                              <a:latin typeface="Cambria Math"/>
+                            </a:rPr>
+                            <m:t>𝑎</m:t>
+                          </m:r>
+                        </m:e>
+                        <m:sub>
+                          <m:r>
+                            <a:rPr lang="en-US" b="0" i="1" smtClean="0">
+                              <a:latin typeface="Cambria Math"/>
+                            </a:rPr>
+                            <m:t>2</m:t>
+                          </m:r>
+                        </m:sub>
+                      </m:sSub>
+                      <m:r>
+                        <a:rPr lang="en-US" b="0" i="1" smtClean="0">
+                          <a:latin typeface="Cambria Math"/>
+                        </a:rPr>
+                        <m:t>=</m:t>
+                      </m:r>
+                      <m:nary>
+                        <m:naryPr>
+                          <m:chr m:val="∑"/>
+                          <m:supHide m:val="on"/>
+                          <m:ctrlPr>
+                            <a:rPr lang="en-US" b="0" i="1" smtClean="0">
+                              <a:latin typeface="Cambria Math"/>
+                            </a:rPr>
+                          </m:ctrlPr>
+                        </m:naryPr>
+                        <m:sub>
+                          <m:r>
+                            <m:rPr>
+                              <m:brk m:alnAt="7"/>
+                            </m:rPr>
+                            <a:rPr lang="en-US" b="0" i="1" smtClean="0">
+                              <a:latin typeface="Cambria Math"/>
+                            </a:rPr>
+                            <m:t>𝑚</m:t>
+                          </m:r>
+                          <m:r>
+                            <a:rPr lang="en-US" b="0" i="1" smtClean="0">
+                              <a:latin typeface="Cambria Math"/>
+                            </a:rPr>
+                            <m:t>,</m:t>
+                          </m:r>
+                          <m:r>
+                            <a:rPr lang="en-US" b="0" i="1" smtClean="0">
+                              <a:latin typeface="Cambria Math"/>
+                            </a:rPr>
+                            <m:t>𝑛</m:t>
+                          </m:r>
+                        </m:sub>
+                        <m:sup/>
+                        <m:e>
+                          <m:r>
+                            <a:rPr lang="en-US" b="0" i="1" smtClean="0">
+                              <a:latin typeface="Cambria Math"/>
+                            </a:rPr>
+                            <m:t> </m:t>
+                          </m:r>
+                          <m:sSub>
+                            <m:sSubPr>
+                              <m:ctrlPr>
+                                <a:rPr lang="en-US" b="0" i="1" smtClean="0">
+                                  <a:latin typeface="Cambria Math"/>
+                                </a:rPr>
+                              </m:ctrlPr>
+                            </m:sSubPr>
+                            <m:e>
+                              <m:r>
+                                <a:rPr lang="en-US" b="0" i="1" smtClean="0">
+                                  <a:latin typeface="Cambria Math"/>
+                                </a:rPr>
+                                <m:t>𝑓</m:t>
+                              </m:r>
+                            </m:e>
+                            <m:sub>
+                              <m:r>
+                                <a:rPr lang="en-US" b="0" i="1" smtClean="0">
+                                  <a:latin typeface="Cambria Math"/>
+                                </a:rPr>
+                                <m:t>𝑥</m:t>
+                              </m:r>
+                            </m:sub>
+                          </m:sSub>
+                          <m:r>
+                            <a:rPr lang="en-US" b="0" i="1" smtClean="0">
+                              <a:latin typeface="Cambria Math"/>
+                            </a:rPr>
+                            <m:t>(</m:t>
+                          </m:r>
+                          <m:r>
+                            <a:rPr lang="en-US" i="1">
+                              <a:latin typeface="Cambria Math"/>
+                            </a:rPr>
+                            <m:t>𝑚</m:t>
+                          </m:r>
+                          <m:r>
+                            <a:rPr lang="en-US" i="1">
+                              <a:latin typeface="Cambria Math"/>
+                            </a:rPr>
+                            <m:t>−</m:t>
+                          </m:r>
+                          <m:sSub>
+                            <m:sSubPr>
+                              <m:ctrlPr>
+                                <a:rPr lang="en-US" i="1">
+                                  <a:latin typeface="Cambria Math"/>
+                                </a:rPr>
+                              </m:ctrlPr>
+                            </m:sSubPr>
+                            <m:e>
+                              <m:r>
+                                <a:rPr lang="en-US" i="1">
+                                  <a:latin typeface="Cambria Math"/>
+                                </a:rPr>
+                                <m:t>𝑣</m:t>
+                              </m:r>
+                            </m:e>
+                            <m:sub>
+                              <m:r>
+                                <a:rPr lang="en-US" i="1">
+                                  <a:latin typeface="Cambria Math"/>
+                                </a:rPr>
+                                <m:t>1</m:t>
+                              </m:r>
+                            </m:sub>
+                          </m:sSub>
+                          <m:r>
+                            <a:rPr lang="en-US" i="1">
+                              <a:latin typeface="Cambria Math"/>
+                            </a:rPr>
+                            <m:t>,</m:t>
+                          </m:r>
+                          <m:r>
+                            <a:rPr lang="en-US" b="0" i="1" smtClean="0">
+                              <a:latin typeface="Cambria Math"/>
+                            </a:rPr>
+                            <m:t>𝑛</m:t>
+                          </m:r>
+                          <m:r>
+                            <a:rPr lang="en-US" i="1">
+                              <a:latin typeface="Cambria Math"/>
+                            </a:rPr>
+                            <m:t>−</m:t>
+                          </m:r>
+                          <m:sSub>
+                            <m:sSubPr>
+                              <m:ctrlPr>
+                                <a:rPr lang="en-US" i="1">
+                                  <a:latin typeface="Cambria Math"/>
+                                </a:rPr>
+                              </m:ctrlPr>
+                            </m:sSubPr>
+                            <m:e>
+                              <m:r>
+                                <a:rPr lang="en-US" i="1">
+                                  <a:latin typeface="Cambria Math"/>
+                                </a:rPr>
+                                <m:t>𝑣</m:t>
+                              </m:r>
+                            </m:e>
+                            <m:sub>
+                              <m:r>
+                                <a:rPr lang="en-US" i="1">
+                                  <a:latin typeface="Cambria Math"/>
+                                </a:rPr>
+                                <m:t>2</m:t>
+                              </m:r>
+                            </m:sub>
+                          </m:sSub>
+                          <m:r>
+                            <a:rPr lang="en-US" b="0" i="1" smtClean="0">
+                              <a:latin typeface="Cambria Math"/>
+                            </a:rPr>
+                            <m:t>)</m:t>
+                          </m:r>
+                        </m:e>
+                      </m:nary>
+                      <m:sSub>
+                        <m:sSubPr>
+                          <m:ctrlPr>
+                            <a:rPr lang="en-US" i="1">
+                              <a:latin typeface="Cambria Math"/>
+                            </a:rPr>
+                          </m:ctrlPr>
+                        </m:sSubPr>
+                        <m:e>
+                          <m:r>
+                            <a:rPr lang="en-US" i="1">
+                              <a:latin typeface="Cambria Math"/>
+                            </a:rPr>
+                            <m:t>𝑓</m:t>
+                          </m:r>
+                        </m:e>
+                        <m:sub>
+                          <m:r>
+                            <a:rPr lang="en-US" b="0" i="1" smtClean="0">
+                              <a:latin typeface="Cambria Math"/>
+                            </a:rPr>
+                            <m:t>𝑦</m:t>
+                          </m:r>
+                        </m:sub>
+                      </m:sSub>
+                      <m:r>
+                        <a:rPr lang="en-US" i="1">
+                          <a:latin typeface="Cambria Math"/>
+                        </a:rPr>
+                        <m:t>(</m:t>
+                      </m:r>
+                      <m:r>
+                        <a:rPr lang="en-US" i="1">
+                          <a:latin typeface="Cambria Math"/>
+                        </a:rPr>
+                        <m:t>𝑚</m:t>
+                      </m:r>
+                      <m:r>
+                        <a:rPr lang="en-US" i="1">
+                          <a:latin typeface="Cambria Math"/>
+                        </a:rPr>
+                        <m:t>−</m:t>
+                      </m:r>
+                      <m:sSub>
+                        <m:sSubPr>
+                          <m:ctrlPr>
+                            <a:rPr lang="en-US" i="1">
+                              <a:latin typeface="Cambria Math"/>
+                            </a:rPr>
+                          </m:ctrlPr>
+                        </m:sSubPr>
+                        <m:e>
+                          <m:r>
+                            <a:rPr lang="en-US" i="1">
+                              <a:latin typeface="Cambria Math"/>
+                            </a:rPr>
+                            <m:t>𝑣</m:t>
+                          </m:r>
+                        </m:e>
+                        <m:sub>
+                          <m:r>
+                            <a:rPr lang="en-US" i="1">
+                              <a:latin typeface="Cambria Math"/>
+                            </a:rPr>
+                            <m:t>1</m:t>
+                          </m:r>
+                        </m:sub>
+                      </m:sSub>
+                      <m:r>
+                        <a:rPr lang="en-US" i="1">
+                          <a:latin typeface="Cambria Math"/>
+                        </a:rPr>
+                        <m:t>,</m:t>
+                      </m:r>
+                      <m:r>
+                        <a:rPr lang="en-US" i="1">
+                          <a:latin typeface="Cambria Math"/>
+                        </a:rPr>
+                        <m:t>𝑛</m:t>
+                      </m:r>
+                      <m:r>
+                        <a:rPr lang="en-US" i="1">
+                          <a:latin typeface="Cambria Math"/>
+                        </a:rPr>
+                        <m:t>−</m:t>
+                      </m:r>
+                      <m:sSub>
+                        <m:sSubPr>
+                          <m:ctrlPr>
+                            <a:rPr lang="en-US" i="1">
+                              <a:latin typeface="Cambria Math"/>
+                            </a:rPr>
+                          </m:ctrlPr>
+                        </m:sSubPr>
+                        <m:e>
+                          <m:r>
+                            <a:rPr lang="en-US" i="1">
+                              <a:latin typeface="Cambria Math"/>
+                            </a:rPr>
+                            <m:t>𝑣</m:t>
+                          </m:r>
+                        </m:e>
+                        <m:sub>
+                          <m:r>
+                            <a:rPr lang="en-US" i="1">
+                              <a:latin typeface="Cambria Math"/>
+                            </a:rPr>
+                            <m:t>2</m:t>
+                          </m:r>
+                        </m:sub>
+                      </m:sSub>
+                      <m:r>
+                        <a:rPr lang="en-US" i="1">
+                          <a:latin typeface="Cambria Math"/>
+                        </a:rPr>
+                        <m:t>)</m:t>
+                      </m:r>
+                    </m:oMath>
+                  </m:oMathPara>
+                </a14:m>
+                <a:endParaRPr lang="en-US" dirty="0"/>
+              </a:p>
+            </p:txBody>
+          </p:sp>
+        </mc:Choice>
+        <mc:Fallback>
+          <p:sp>
+            <p:nvSpPr>
+              <p:cNvPr id="19" name="TextBox 18"/>
+              <p:cNvSpPr txBox="1">
+                <a:spLocks noRot="1" noChangeAspect="1" noMove="1" noResize="1" noEditPoints="1" noAdjustHandles="1" noChangeArrowheads="1" noChangeShapeType="1" noTextEdit="1"/>
+              </p:cNvSpPr>
+              <p:nvPr/>
+            </p:nvSpPr>
+            <p:spPr>
+              <a:xfrm>
+                <a:off x="2044701" y="5533948"/>
+                <a:ext cx="4937057" cy="785728"/>
+              </a:xfrm>
+              <a:prstGeom prst="rect">
+                <a:avLst/>
+              </a:prstGeom>
+              <a:blipFill rotWithShape="1">
+                <a:blip r:embed="rId7"/>
+                <a:stretch>
+                  <a:fillRect/>
+                </a:stretch>
+              </a:blipFill>
+            </p:spPr>
+            <p:txBody>
+              <a:bodyPr/>
+              <a:lstStyle/>
+              <a:p>
+                <a:r>
+                  <a:rPr lang="en-US">
+                    <a:noFill/>
+                  </a:rPr>
+                  <a:t> </a:t>
+                </a:r>
+              </a:p>
+            </p:txBody>
+          </p:sp>
+        </mc:Fallback>
+      </mc:AlternateContent>
+      <p:sp>
+        <p:nvSpPr>
+          <p:cNvPr id="20" name="TextBox 19"/>
+          <p:cNvSpPr txBox="1"/>
+          <p:nvPr/>
+        </p:nvSpPr>
+        <p:spPr>
+          <a:xfrm>
+            <a:off x="944079" y="3989630"/>
+            <a:ext cx="819648" cy="369332"/>
+          </a:xfrm>
+          <a:prstGeom prst="rect">
+            <a:avLst/>
+          </a:prstGeom>
+          <a:noFill/>
+        </p:spPr>
+        <p:txBody>
+          <a:bodyPr wrap="none" rtlCol="0">
+            <a:spAutoFit/>
+          </a:bodyPr>
+          <a:lstStyle/>
+          <a:p>
+            <a:r>
+              <a:rPr lang="en-US" dirty="0" smtClean="0"/>
+              <a:t>Where</a:t>
+            </a:r>
+            <a:endParaRPr lang="en-US" dirty="0"/>
+          </a:p>
+        </p:txBody>
+      </p:sp>
+      <p:cxnSp>
+        <p:nvCxnSpPr>
+          <p:cNvPr id="21" name="Straight Connector 20"/>
+          <p:cNvCxnSpPr/>
+          <p:nvPr/>
+        </p:nvCxnSpPr>
+        <p:spPr>
+          <a:xfrm>
+            <a:off x="2128723" y="2829433"/>
+            <a:ext cx="6210605" cy="0"/>
+          </a:xfrm>
+          <a:prstGeom prst="line">
+            <a:avLst/>
+          </a:prstGeom>
+          <a:ln>
+            <a:prstDash val="sysDash"/>
+          </a:ln>
+        </p:spPr>
+        <p:style>
+          <a:lnRef idx="2">
+            <a:schemeClr val="accent1"/>
+          </a:lnRef>
+          <a:fillRef idx="0">
+            <a:schemeClr val="accent1"/>
+          </a:fillRef>
+          <a:effectRef idx="1">
+            <a:schemeClr val="accent1"/>
+          </a:effectRef>
+          <a:fontRef idx="minor">
+            <a:schemeClr val="tx1"/>
+          </a:fontRef>
+        </p:style>
+      </p:cxnSp>
+      <p:cxnSp>
+        <p:nvCxnSpPr>
+          <p:cNvPr id="22" name="Straight Connector 21"/>
+          <p:cNvCxnSpPr/>
+          <p:nvPr/>
+        </p:nvCxnSpPr>
+        <p:spPr>
+          <a:xfrm>
+            <a:off x="2200656" y="4171527"/>
+            <a:ext cx="6210605" cy="0"/>
+          </a:xfrm>
+          <a:prstGeom prst="line">
+            <a:avLst/>
+          </a:prstGeom>
+          <a:ln>
+            <a:prstDash val="sysDash"/>
+          </a:ln>
+        </p:spPr>
+        <p:style>
+          <a:lnRef idx="2">
+            <a:schemeClr val="accent1"/>
+          </a:lnRef>
+          <a:fillRef idx="0">
+            <a:schemeClr val="accent1"/>
+          </a:fillRef>
+          <a:effectRef idx="1">
+            <a:schemeClr val="accent1"/>
+          </a:effectRef>
+          <a:fontRef idx="minor">
+            <a:schemeClr val="tx1"/>
+          </a:fontRef>
+        </p:style>
+      </p:cxnSp>
     </p:spTree>
     <p:extLst>
       <p:ext uri="{BB962C8B-B14F-4D97-AF65-F5344CB8AC3E}">
-        <p14:creationId xmlns:p14="http://schemas.microsoft.com/office/powerpoint/2010/main" val="2616029592"/>
+        <p14:creationId xmlns:p14="http://schemas.microsoft.com/office/powerpoint/2010/main" val="201507785"/>
       </p:ext>
     </p:extLst>
   </p:cSld>
@@ -4548,6 +9263,59 @@
 </file>
 
 <file path=ppt/slides/slide13.xml><?xml version="1.0" encoding="utf-8"?>
+<p:sld xmlns:a="http://schemas.openxmlformats.org/drawingml/2006/main" xmlns:r="http://schemas.openxmlformats.org/officeDocument/2006/relationships" xmlns:p="http://schemas.openxmlformats.org/presentationml/2006/main">
+  <p:cSld>
+    <p:spTree>
+      <p:nvGrpSpPr>
+        <p:cNvPr id="1" name=""/>
+        <p:cNvGrpSpPr/>
+        <p:nvPr/>
+      </p:nvGrpSpPr>
+      <p:grpSpPr>
+        <a:xfrm>
+          <a:off x="0" y="0"/>
+          <a:ext cx="0" cy="0"/>
+          <a:chOff x="0" y="0"/>
+          <a:chExt cx="0" cy="0"/>
+        </a:xfrm>
+      </p:grpSpPr>
+      <p:sp>
+        <p:nvSpPr>
+          <p:cNvPr id="2" name="Title 1"/>
+          <p:cNvSpPr>
+            <a:spLocks noGrp="1"/>
+          </p:cNvSpPr>
+          <p:nvPr>
+            <p:ph type="title"/>
+          </p:nvPr>
+        </p:nvSpPr>
+        <p:spPr/>
+        <p:txBody>
+          <a:bodyPr/>
+          <a:lstStyle/>
+          <a:p>
+            <a:r>
+              <a:rPr lang="en-US" dirty="0" smtClean="0"/>
+              <a:t>Results</a:t>
+            </a:r>
+            <a:endParaRPr lang="en-US" dirty="0"/>
+          </a:p>
+        </p:txBody>
+      </p:sp>
+    </p:spTree>
+    <p:extLst>
+      <p:ext uri="{BB962C8B-B14F-4D97-AF65-F5344CB8AC3E}">
+        <p14:creationId xmlns:p14="http://schemas.microsoft.com/office/powerpoint/2010/main" val="3465710065"/>
+      </p:ext>
+    </p:extLst>
+  </p:cSld>
+  <p:clrMapOvr>
+    <a:masterClrMapping/>
+  </p:clrMapOvr>
+</p:sld>
+</file>
+
+<file path=ppt/slides/slide14.xml><?xml version="1.0" encoding="utf-8"?>
 <p:sld xmlns:a="http://schemas.openxmlformats.org/drawingml/2006/main" xmlns:r="http://schemas.openxmlformats.org/officeDocument/2006/relationships" xmlns:p="http://schemas.openxmlformats.org/presentationml/2006/main">
   <p:cSld>
     <p:spTree>
@@ -4840,18 +9608,14 @@
           <a:p>
             <a:pPr lvl="1"/>
             <a:r>
-              <a:rPr lang="en-US" sz="2000" dirty="0" smtClean="0"/>
+              <a:rPr lang="en-US" sz="2000" b="1" i="1" u="sng" dirty="0" smtClean="0"/>
               <a:t>Image registration</a:t>
             </a:r>
           </a:p>
           <a:p>
             <a:r>
               <a:rPr lang="en-US" sz="2400" dirty="0" smtClean="0"/>
-              <a:t>Issue</a:t>
-            </a:r>
-            <a:r>
-              <a:rPr lang="en-US" sz="2400" dirty="0" smtClean="0"/>
-              <a:t>: </a:t>
+              <a:t>Issue: </a:t>
             </a:r>
             <a:r>
               <a:rPr lang="en-US" sz="2000" dirty="0" smtClean="0"/>
@@ -4869,11 +9633,7 @@
             <a:pPr lvl="1"/>
             <a:r>
               <a:rPr lang="en-US" sz="2000" dirty="0" smtClean="0"/>
-              <a:t>How </a:t>
-            </a:r>
-            <a:r>
-              <a:rPr lang="en-US" sz="2000" dirty="0" smtClean="0"/>
-              <a:t>much variance in position?</a:t>
+              <a:t>How much variance in position?</a:t>
             </a:r>
           </a:p>
           <a:p>
@@ -4892,24 +9652,25 @@
           <a:p>
             <a:r>
               <a:rPr lang="en-US" sz="2400" dirty="0" smtClean="0"/>
-              <a:t>Decision</a:t>
-            </a:r>
-            <a:r>
-              <a:rPr lang="en-US" sz="2400" dirty="0" smtClean="0"/>
-              <a:t>: </a:t>
+              <a:t>Decision: </a:t>
             </a:r>
             <a:endParaRPr lang="en-US" sz="2000" dirty="0" smtClean="0"/>
           </a:p>
           <a:p>
             <a:pPr lvl="1"/>
             <a:r>
-              <a:rPr lang="en-US" sz="2100" dirty="0" smtClean="0"/>
-              <a:t>Rotor wing will or will not perform </a:t>
-            </a:r>
-            <a:r>
-              <a:rPr lang="en-US" sz="2100" dirty="0" smtClean="0"/>
-              <a:t>the mission?</a:t>
-            </a:r>
+              <a:rPr lang="en-US" sz="2100" b="1" i="1" u="sng" dirty="0" smtClean="0"/>
+              <a:t>Will or will not rotor </a:t>
+            </a:r>
+            <a:r>
+              <a:rPr lang="en-US" sz="2100" b="1" i="1" u="sng" dirty="0" smtClean="0"/>
+              <a:t>wing </a:t>
+            </a:r>
+            <a:r>
+              <a:rPr lang="en-US" sz="2100" b="1" i="1" u="sng" dirty="0" smtClean="0"/>
+              <a:t>successfully perform inspection?</a:t>
+            </a:r>
+            <a:endParaRPr lang="en-US" sz="2100" b="1" i="1" u="sng" dirty="0" smtClean="0"/>
           </a:p>
         </p:txBody>
       </p:sp>
@@ -5045,6 +9806,43 @@
           </a:prstGeom>
         </p:spPr>
       </p:pic>
+      <p:sp>
+        <p:nvSpPr>
+          <p:cNvPr id="9" name="Rectangle 8"/>
+          <p:cNvSpPr/>
+          <p:nvPr/>
+        </p:nvSpPr>
+        <p:spPr>
+          <a:xfrm>
+            <a:off x="5841187" y="6419620"/>
+            <a:ext cx="3083357" cy="246221"/>
+          </a:xfrm>
+          <a:prstGeom prst="rect">
+            <a:avLst/>
+          </a:prstGeom>
+        </p:spPr>
+        <p:txBody>
+          <a:bodyPr wrap="square">
+            <a:spAutoFit/>
+          </a:bodyPr>
+          <a:lstStyle/>
+          <a:p>
+            <a:r>
+              <a:rPr lang="en-US" sz="1000" dirty="0" smtClean="0"/>
+              <a:t>Helicopter: http</a:t>
+            </a:r>
+            <a:r>
+              <a:rPr lang="en-US" sz="1000" dirty="0"/>
+              <a:t>://</a:t>
+            </a:r>
+            <a:r>
+              <a:rPr lang="en-US" sz="1000" i="1" dirty="0" smtClean="0"/>
+              <a:t>flickrhivemind.net/Tags/apache,lego</a:t>
+            </a:r>
+            <a:endParaRPr lang="en-US" sz="1000" i="1" dirty="0"/>
+          </a:p>
+        </p:txBody>
+      </p:sp>
     </p:spTree>
     <p:extLst>
       <p:ext uri="{BB962C8B-B14F-4D97-AF65-F5344CB8AC3E}">
@@ -5120,34 +9918,60 @@
           <a:p>
             <a:r>
               <a:rPr lang="en-US" sz="2000" dirty="0" smtClean="0"/>
-              <a:t>Translational errors</a:t>
+              <a:t>Errors</a:t>
             </a:r>
           </a:p>
           <a:p>
             <a:pPr lvl="1"/>
             <a:r>
-              <a:rPr lang="en-US" sz="1800" dirty="0" err="1" smtClean="0"/>
+              <a:rPr lang="en-US" sz="1600" dirty="0" smtClean="0"/>
+              <a:t>Assume only translational </a:t>
+            </a:r>
+            <a:r>
+              <a:rPr lang="en-US" sz="1600" dirty="0" smtClean="0"/>
+              <a:t>errors</a:t>
+            </a:r>
+          </a:p>
+          <a:p>
+            <a:pPr lvl="2"/>
+            <a:r>
+              <a:rPr lang="en-US" sz="1400" dirty="0" err="1" smtClean="0"/>
               <a:t>Δx</a:t>
             </a:r>
             <a:r>
-              <a:rPr lang="en-US" sz="1800" dirty="0"/>
+              <a:rPr lang="en-US" sz="1400" dirty="0"/>
               <a:t> </a:t>
             </a:r>
             <a:r>
-              <a:rPr lang="en-US" sz="1800" dirty="0" smtClean="0"/>
+              <a:rPr lang="en-US" sz="1400" dirty="0" smtClean="0"/>
               <a:t>and </a:t>
             </a:r>
             <a:r>
-              <a:rPr lang="en-US" sz="1800" dirty="0" err="1" smtClean="0"/>
+              <a:rPr lang="en-US" sz="1400" dirty="0" err="1" smtClean="0"/>
               <a:t>Δy</a:t>
             </a:r>
-            <a:endParaRPr lang="en-US" sz="1800" dirty="0" smtClean="0"/>
+            <a:endParaRPr lang="en-US" sz="1400" dirty="0" smtClean="0"/>
+          </a:p>
+          <a:p>
+            <a:pPr lvl="1"/>
+            <a:r>
+              <a:rPr lang="en-US" sz="1600" dirty="0"/>
+              <a:t>Higher order errors</a:t>
+            </a:r>
+          </a:p>
+          <a:p>
+            <a:pPr lvl="2"/>
+            <a:r>
+              <a:rPr lang="en-US" sz="1400" dirty="0"/>
+              <a:t>Not modeled</a:t>
+            </a:r>
           </a:p>
           <a:p>
             <a:r>
               <a:rPr lang="en-US" sz="2000" dirty="0" smtClean="0"/>
-              <a:t>Performance for many trials</a:t>
-            </a:r>
+              <a:t>Asymptotic performance</a:t>
+            </a:r>
+            <a:endParaRPr lang="en-US" sz="2000" dirty="0" smtClean="0"/>
           </a:p>
           <a:p>
             <a:pPr lvl="1"/>
@@ -5231,19 +10055,6 @@
             <a:r>
               <a:rPr lang="en-US" sz="1400" dirty="0" smtClean="0"/>
               <a:t>) &gt; 0</a:t>
-            </a:r>
-          </a:p>
-          <a:p>
-            <a:r>
-              <a:rPr lang="en-US" sz="2000" dirty="0" smtClean="0"/>
-              <a:t>Higher order errors</a:t>
-            </a:r>
-          </a:p>
-          <a:p>
-            <a:pPr lvl="1"/>
-            <a:r>
-              <a:rPr lang="en-US" sz="1800" dirty="0" smtClean="0"/>
-              <a:t>Not modeled</a:t>
             </a:r>
           </a:p>
           <a:p>
@@ -5294,7 +10105,7 @@
         </p:nvCxnSpPr>
         <p:spPr>
           <a:xfrm flipH="1">
-            <a:off x="5582978" y="4250836"/>
+            <a:off x="5691065" y="4435501"/>
             <a:ext cx="687950" cy="582064"/>
           </a:xfrm>
           <a:prstGeom prst="straightConnector1">
@@ -5330,7 +10141,7 @@
         </p:nvSpPr>
         <p:spPr>
           <a:xfrm>
-            <a:off x="6270927" y="4066170"/>
+            <a:off x="6270926" y="4146637"/>
             <a:ext cx="1787669" cy="369332"/>
           </a:xfrm>
           <a:prstGeom prst="rect">
@@ -5366,6 +10177,92 @@
               <a:t>Δy</a:t>
             </a:r>
             <a:endParaRPr lang="en-US" dirty="0"/>
+          </a:p>
+        </p:txBody>
+      </p:sp>
+      <p:sp>
+        <p:nvSpPr>
+          <p:cNvPr id="5" name="Oval 4"/>
+          <p:cNvSpPr/>
+          <p:nvPr/>
+        </p:nvSpPr>
+        <p:spPr>
+          <a:xfrm>
+            <a:off x="4645152" y="4435501"/>
+            <a:ext cx="1389888" cy="1690661"/>
+          </a:xfrm>
+          <a:prstGeom prst="ellipse">
+            <a:avLst/>
+          </a:prstGeom>
+          <a:noFill/>
+          <a:ln w="28575">
+            <a:solidFill>
+              <a:schemeClr val="tx1"/>
+            </a:solidFill>
+          </a:ln>
+        </p:spPr>
+        <p:style>
+          <a:lnRef idx="1">
+            <a:schemeClr val="accent1"/>
+          </a:lnRef>
+          <a:fillRef idx="3">
+            <a:schemeClr val="accent1"/>
+          </a:fillRef>
+          <a:effectRef idx="2">
+            <a:schemeClr val="accent1"/>
+          </a:effectRef>
+          <a:fontRef idx="minor">
+            <a:schemeClr val="lt1"/>
+          </a:fontRef>
+        </p:style>
+        <p:txBody>
+          <a:bodyPr rtlCol="0" anchor="ctr"/>
+          <a:lstStyle/>
+          <a:p>
+            <a:pPr algn="ctr"/>
+            <a:endParaRPr lang="en-US"/>
+          </a:p>
+        </p:txBody>
+      </p:sp>
+      <p:sp>
+        <p:nvSpPr>
+          <p:cNvPr id="6" name="TextBox 5"/>
+          <p:cNvSpPr txBox="1"/>
+          <p:nvPr/>
+        </p:nvSpPr>
+        <p:spPr>
+          <a:xfrm>
+            <a:off x="6357338" y="5998698"/>
+            <a:ext cx="1763624" cy="246221"/>
+          </a:xfrm>
+          <a:prstGeom prst="rect">
+            <a:avLst/>
+          </a:prstGeom>
+          <a:noFill/>
+        </p:spPr>
+        <p:txBody>
+          <a:bodyPr wrap="none" rtlCol="0">
+            <a:spAutoFit/>
+          </a:bodyPr>
+          <a:lstStyle/>
+          <a:p>
+            <a:r>
+              <a:rPr lang="en-US" sz="1000" dirty="0" err="1" smtClean="0"/>
+              <a:t>WikiCommons</a:t>
+            </a:r>
+            <a:r>
+              <a:rPr lang="en-US" sz="1000" dirty="0" smtClean="0"/>
+              <a:t>: </a:t>
+            </a:r>
+            <a:r>
+              <a:rPr lang="en-US" sz="1000" dirty="0" err="1" smtClean="0"/>
+              <a:t>Jazzjohn</a:t>
+            </a:r>
+            <a:r>
+              <a:rPr lang="en-US" sz="1000" dirty="0" smtClean="0"/>
+              <a:t>, 2012</a:t>
+            </a:r>
+            <a:endParaRPr lang="en-US" sz="1000" dirty="0"/>
           </a:p>
         </p:txBody>
       </p:sp>
@@ -5460,8 +10357,8 @@
         </p:nvSpPr>
         <p:spPr>
           <a:xfrm>
-            <a:off x="6526704" y="6191587"/>
-            <a:ext cx="1582509" cy="276999"/>
+            <a:off x="5584532" y="6125750"/>
+            <a:ext cx="2127505" cy="461665"/>
           </a:xfrm>
           <a:prstGeom prst="rect">
             <a:avLst/>
@@ -5475,18 +10372,32 @@
           <a:lstStyle/>
           <a:p>
             <a:r>
-              <a:rPr lang="en-US" sz="1200" dirty="0" err="1" smtClean="0"/>
+              <a:rPr lang="en-US" sz="800" dirty="0" smtClean="0"/>
+              <a:t>PDF: </a:t>
+            </a:r>
+            <a:r>
+              <a:rPr lang="en-US" sz="800" dirty="0" err="1" smtClean="0"/>
               <a:t>WikiCommons</a:t>
             </a:r>
             <a:r>
-              <a:rPr lang="en-US" sz="1200" dirty="0" smtClean="0"/>
+              <a:rPr lang="en-US" sz="800" dirty="0" smtClean="0"/>
               <a:t>: </a:t>
             </a:r>
             <a:r>
-              <a:rPr lang="en-US" sz="1200" dirty="0" err="1" smtClean="0"/>
+              <a:rPr lang="en-US" sz="800" dirty="0" err="1" smtClean="0"/>
               <a:t>Pekaje</a:t>
             </a:r>
-            <a:endParaRPr lang="en-US" sz="1200" dirty="0"/>
+            <a:endParaRPr lang="en-US" sz="800" dirty="0" smtClean="0"/>
+          </a:p>
+          <a:p>
+            <a:r>
+              <a:rPr lang="en-US" sz="800" dirty="0" smtClean="0"/>
+              <a:t>Targets: www.caroline.com/teacher-resources</a:t>
+            </a:r>
+            <a:endParaRPr lang="en-US" sz="800" dirty="0" smtClean="0"/>
+          </a:p>
+          <a:p>
+            <a:endParaRPr lang="en-US" sz="800" dirty="0"/>
           </a:p>
         </p:txBody>
       </p:sp>
@@ -5969,6 +10880,36 @@
           </a:p>
         </p:txBody>
       </p:sp>
+      <p:sp>
+        <p:nvSpPr>
+          <p:cNvPr id="8" name="TextBox 7"/>
+          <p:cNvSpPr txBox="1"/>
+          <p:nvPr/>
+        </p:nvSpPr>
+        <p:spPr>
+          <a:xfrm>
+            <a:off x="5986868" y="5979446"/>
+            <a:ext cx="2127505" cy="215444"/>
+          </a:xfrm>
+          <a:prstGeom prst="rect">
+            <a:avLst/>
+          </a:prstGeom>
+          <a:noFill/>
+        </p:spPr>
+        <p:txBody>
+          <a:bodyPr wrap="none" rtlCol="0">
+            <a:spAutoFit/>
+          </a:bodyPr>
+          <a:lstStyle/>
+          <a:p>
+            <a:r>
+              <a:rPr lang="en-US" sz="800" dirty="0" smtClean="0"/>
+              <a:t>Targets: www.caroline.com/teacher-resources</a:t>
+            </a:r>
+            <a:endParaRPr lang="en-US" sz="800" dirty="0"/>
+          </a:p>
+        </p:txBody>
+      </p:sp>
     </p:spTree>
     <p:extLst>
       <p:ext uri="{BB962C8B-B14F-4D97-AF65-F5344CB8AC3E}">
@@ -6023,14 +10964,26 @@
           <a:p>
             <a:r>
               <a:rPr lang="en-US" sz="2400" dirty="0" smtClean="0"/>
-              <a:t>Robot Rotor Wing in Fukushima: Navigation Errors</a:t>
+              <a:t>Navigation Errors (Image Registration Errors)</a:t>
+            </a:r>
+            <a:r>
+              <a:rPr lang="en-US" sz="2400" dirty="0" smtClean="0"/>
+              <a:t/>
             </a:r>
             <a:br>
               <a:rPr lang="en-US" sz="2400" dirty="0" smtClean="0"/>
             </a:br>
             <a:r>
               <a:rPr lang="en-US" sz="1600" dirty="0" smtClean="0"/>
-              <a:t>(Entering Room 2 through wall openings)</a:t>
+              <a:t>(Entering Room 2 </a:t>
+            </a:r>
+            <a:r>
+              <a:rPr lang="en-US" sz="1600" dirty="0" smtClean="0"/>
+              <a:t>from Room 1 through </a:t>
+            </a:r>
+            <a:r>
+              <a:rPr lang="en-US" sz="1600" dirty="0" smtClean="0"/>
+              <a:t>wall openings)</a:t>
             </a:r>
             <a:endParaRPr lang="en-US" sz="1600" dirty="0"/>
           </a:p>
@@ -6044,7 +10997,7 @@
         </p:nvSpPr>
         <p:spPr>
           <a:xfrm>
-            <a:off x="2604212" y="2128113"/>
+            <a:off x="2838292" y="2554855"/>
             <a:ext cx="841246" cy="212141"/>
           </a:xfrm>
           <a:prstGeom prst="rect">
@@ -6082,7 +11035,7 @@
         </p:nvSpPr>
         <p:spPr>
           <a:xfrm>
-            <a:off x="4769875" y="2128113"/>
+            <a:off x="5003955" y="2554855"/>
             <a:ext cx="796626" cy="212141"/>
           </a:xfrm>
           <a:prstGeom prst="rect">
@@ -6134,7 +11087,7 @@
         </p:blipFill>
         <p:spPr>
           <a:xfrm>
-            <a:off x="3583011" y="1747129"/>
+            <a:off x="3817091" y="2186029"/>
             <a:ext cx="1060706" cy="1339895"/>
           </a:xfrm>
           <a:prstGeom prst="rect">
@@ -6150,7 +11103,7 @@
         </p:nvSpPr>
         <p:spPr>
           <a:xfrm>
-            <a:off x="3482034" y="1636782"/>
+            <a:off x="3716114" y="2075682"/>
             <a:ext cx="1243585" cy="1172266"/>
           </a:xfrm>
           <a:prstGeom prst="ellipse">
@@ -6193,7 +11146,7 @@
         </p:nvSpPr>
         <p:spPr>
           <a:xfrm>
-            <a:off x="3301796" y="3017113"/>
+            <a:off x="3535876" y="3456013"/>
             <a:ext cx="1630446" cy="276999"/>
           </a:xfrm>
           <a:prstGeom prst="rect">
@@ -6223,7 +11176,7 @@
         </p:nvCxnSpPr>
         <p:spPr>
           <a:xfrm flipH="1" flipV="1">
-            <a:off x="4124333" y="1301817"/>
+            <a:off x="4336460" y="2088490"/>
             <a:ext cx="1" cy="231641"/>
           </a:xfrm>
           <a:prstGeom prst="straightConnector1">
@@ -6273,7 +11226,7 @@
         </p:blipFill>
         <p:spPr>
           <a:xfrm>
-            <a:off x="6618606" y="3199068"/>
+            <a:off x="6852686" y="3637968"/>
             <a:ext cx="1060706" cy="1339895"/>
           </a:xfrm>
           <a:prstGeom prst="rect">
@@ -6289,7 +11242,7 @@
         </p:nvSpPr>
         <p:spPr>
           <a:xfrm>
-            <a:off x="6510312" y="3087024"/>
+            <a:off x="6744392" y="3525924"/>
             <a:ext cx="1243585" cy="1172266"/>
           </a:xfrm>
           <a:prstGeom prst="ellipse">
@@ -6332,7 +11285,7 @@
         </p:nvCxnSpPr>
         <p:spPr>
           <a:xfrm flipV="1">
-            <a:off x="7148959" y="2548475"/>
+            <a:off x="7383039" y="2987375"/>
             <a:ext cx="0" cy="333714"/>
           </a:xfrm>
           <a:prstGeom prst="straightConnector1">
@@ -6368,7 +11321,7 @@
         </p:nvSpPr>
         <p:spPr>
           <a:xfrm>
-            <a:off x="6392053" y="4407908"/>
+            <a:off x="6626133" y="4846808"/>
             <a:ext cx="1710981" cy="276999"/>
           </a:xfrm>
           <a:prstGeom prst="rect">
@@ -6416,7 +11369,7 @@
         </p:blipFill>
         <p:spPr>
           <a:xfrm>
-            <a:off x="3550091" y="4044847"/>
+            <a:off x="3784171" y="4483747"/>
             <a:ext cx="1060706" cy="1339895"/>
           </a:xfrm>
           <a:prstGeom prst="rect">
@@ -6432,7 +11385,7 @@
         </p:nvSpPr>
         <p:spPr>
           <a:xfrm>
-            <a:off x="3170127" y="3730752"/>
+            <a:off x="3404207" y="4169652"/>
             <a:ext cx="1811526" cy="1794256"/>
           </a:xfrm>
           <a:prstGeom prst="ellipse">
@@ -6475,7 +11428,7 @@
         </p:nvSpPr>
         <p:spPr>
           <a:xfrm>
-            <a:off x="3339808" y="5525008"/>
+            <a:off x="3573888" y="5963908"/>
             <a:ext cx="1682448" cy="276999"/>
           </a:xfrm>
           <a:prstGeom prst="rect">
@@ -6509,7 +11462,7 @@
         </p:nvCxnSpPr>
         <p:spPr>
           <a:xfrm flipH="1" flipV="1">
-            <a:off x="4086538" y="3438799"/>
+            <a:off x="4320618" y="3877699"/>
             <a:ext cx="1" cy="231641"/>
           </a:xfrm>
           <a:prstGeom prst="straightConnector1">
@@ -6545,7 +11498,7 @@
         </p:nvSpPr>
         <p:spPr>
           <a:xfrm>
-            <a:off x="6867753" y="2140926"/>
+            <a:off x="7101833" y="2554855"/>
             <a:ext cx="1094839" cy="212141"/>
           </a:xfrm>
           <a:prstGeom prst="rect">
@@ -6583,7 +11536,7 @@
         </p:nvSpPr>
         <p:spPr>
           <a:xfrm>
-            <a:off x="306020" y="2140926"/>
+            <a:off x="540100" y="2554855"/>
             <a:ext cx="1018032" cy="212141"/>
           </a:xfrm>
           <a:prstGeom prst="rect">
@@ -6635,7 +11588,7 @@
         </p:blipFill>
         <p:spPr>
           <a:xfrm>
-            <a:off x="631339" y="3215703"/>
+            <a:off x="865419" y="3654603"/>
             <a:ext cx="1060706" cy="1339895"/>
           </a:xfrm>
           <a:prstGeom prst="rect">
@@ -6651,7 +11604,7 @@
         </p:nvCxnSpPr>
         <p:spPr>
           <a:xfrm flipV="1">
-            <a:off x="1143401" y="2548474"/>
+            <a:off x="1377481" y="2987374"/>
             <a:ext cx="0" cy="333715"/>
           </a:xfrm>
           <a:prstGeom prst="straightConnector1">
@@ -6687,7 +11640,7 @@
         </p:nvSpPr>
         <p:spPr>
           <a:xfrm>
-            <a:off x="240185" y="4692222"/>
+            <a:off x="474265" y="5131122"/>
             <a:ext cx="1826782" cy="276999"/>
           </a:xfrm>
           <a:prstGeom prst="rect">
@@ -6725,7 +11678,7 @@
         </p:nvSpPr>
         <p:spPr>
           <a:xfrm>
-            <a:off x="254815" y="2969698"/>
+            <a:off x="488895" y="3408598"/>
             <a:ext cx="1811526" cy="1685949"/>
           </a:xfrm>
           <a:prstGeom prst="ellipse">
@@ -6768,13 +11721,15 @@
         </p:nvSpPr>
         <p:spPr>
           <a:xfrm>
-            <a:off x="2460057" y="1649590"/>
+            <a:off x="2168518" y="1533458"/>
             <a:ext cx="902876" cy="369332"/>
           </a:xfrm>
           <a:prstGeom prst="rect">
             <a:avLst/>
           </a:prstGeom>
-          <a:noFill/>
+          <a:solidFill>
+            <a:srgbClr val="FFFF00"/>
+          </a:solidFill>
         </p:spPr>
         <p:txBody>
           <a:bodyPr wrap="none" rtlCol="0">
@@ -6798,13 +11753,15 @@
         </p:nvSpPr>
         <p:spPr>
           <a:xfrm>
-            <a:off x="2460057" y="2443989"/>
+            <a:off x="2249021" y="3156592"/>
             <a:ext cx="902876" cy="369332"/>
           </a:xfrm>
           <a:prstGeom prst="rect">
             <a:avLst/>
           </a:prstGeom>
-          <a:noFill/>
+          <a:solidFill>
+            <a:srgbClr val="FFFF00"/>
+          </a:solidFill>
         </p:spPr>
         <p:txBody>
           <a:bodyPr wrap="none" rtlCol="0">
@@ -6828,7 +11785,7 @@
         </p:nvSpPr>
         <p:spPr>
           <a:xfrm>
-            <a:off x="6678770" y="5647326"/>
+            <a:off x="6912850" y="6086226"/>
             <a:ext cx="1360627" cy="277977"/>
           </a:xfrm>
           <a:prstGeom prst="rect">
@@ -6883,7 +11840,7 @@
         </p:nvSpPr>
         <p:spPr>
           <a:xfrm>
-            <a:off x="6678769" y="5369363"/>
+            <a:off x="6912849" y="5808263"/>
             <a:ext cx="1360627" cy="277977"/>
           </a:xfrm>
           <a:prstGeom prst="rect">
@@ -6930,6 +11887,440 @@
           </a:p>
         </p:txBody>
       </p:sp>
+      <p:cxnSp>
+        <p:nvCxnSpPr>
+          <p:cNvPr id="9" name="Straight Arrow Connector 8"/>
+          <p:cNvCxnSpPr>
+            <a:stCxn id="4" idx="3"/>
+            <a:endCxn id="32" idx="1"/>
+          </p:cNvCxnSpPr>
+          <p:nvPr/>
+        </p:nvCxnSpPr>
+        <p:spPr>
+          <a:xfrm>
+            <a:off x="5800581" y="2660926"/>
+            <a:ext cx="1301252" cy="0"/>
+          </a:xfrm>
+          <a:prstGeom prst="straightConnector1">
+            <a:avLst/>
+          </a:prstGeom>
+          <a:ln>
+            <a:prstDash val="sysDot"/>
+            <a:headEnd type="arrow" w="med" len="med"/>
+            <a:tailEnd type="arrow" w="med" len="med"/>
+          </a:ln>
+        </p:spPr>
+        <p:style>
+          <a:lnRef idx="2">
+            <a:schemeClr val="accent1"/>
+          </a:lnRef>
+          <a:fillRef idx="0">
+            <a:schemeClr val="accent1"/>
+          </a:fillRef>
+          <a:effectRef idx="1">
+            <a:schemeClr val="accent1"/>
+          </a:effectRef>
+          <a:fontRef idx="minor">
+            <a:schemeClr val="tx1"/>
+          </a:fontRef>
+        </p:style>
+      </p:cxnSp>
+      <p:sp>
+        <p:nvSpPr>
+          <p:cNvPr id="12" name="TextBox 11"/>
+          <p:cNvSpPr txBox="1"/>
+          <p:nvPr/>
+        </p:nvSpPr>
+        <p:spPr>
+          <a:xfrm>
+            <a:off x="8196672" y="2457822"/>
+            <a:ext cx="728083" cy="430887"/>
+          </a:xfrm>
+          <a:prstGeom prst="rect">
+            <a:avLst/>
+          </a:prstGeom>
+          <a:noFill/>
+        </p:spPr>
+        <p:txBody>
+          <a:bodyPr wrap="none" rtlCol="0">
+            <a:spAutoFit/>
+          </a:bodyPr>
+          <a:lstStyle/>
+          <a:p>
+            <a:pPr algn="ctr"/>
+            <a:r>
+              <a:rPr lang="en-US" sz="1100" dirty="0" smtClean="0"/>
+              <a:t>Damaged</a:t>
+            </a:r>
+          </a:p>
+          <a:p>
+            <a:pPr algn="ctr"/>
+            <a:r>
+              <a:rPr lang="en-US" sz="1100" dirty="0" smtClean="0"/>
+              <a:t>Wall</a:t>
+            </a:r>
+            <a:endParaRPr lang="en-US" sz="1100" dirty="0"/>
+          </a:p>
+        </p:txBody>
+      </p:sp>
+      <mc:AlternateContent xmlns:mc="http://schemas.openxmlformats.org/markup-compatibility/2006">
+        <mc:Choice xmlns:a14="http://schemas.microsoft.com/office/drawing/2010/main" Requires="a14">
+          <p:sp>
+            <p:nvSpPr>
+              <p:cNvPr id="13" name="TextBox 12"/>
+              <p:cNvSpPr txBox="1"/>
+              <p:nvPr/>
+            </p:nvSpPr>
+            <p:spPr>
+              <a:xfrm>
+                <a:off x="6238548" y="2477149"/>
+                <a:ext cx="505844" cy="369332"/>
+              </a:xfrm>
+              <a:prstGeom prst="rect">
+                <a:avLst/>
+              </a:prstGeom>
+              <a:solidFill>
+                <a:schemeClr val="bg1"/>
+              </a:solidFill>
+            </p:spPr>
+            <p:txBody>
+              <a:bodyPr wrap="none" rtlCol="0">
+                <a:spAutoFit/>
+              </a:bodyPr>
+              <a:lstStyle/>
+              <a:p>
+                <a14:m>
+                  <m:oMathPara xmlns:m="http://schemas.openxmlformats.org/officeDocument/2006/math">
+                    <m:oMathParaPr>
+                      <m:jc m:val="centerGroup"/>
+                    </m:oMathParaPr>
+                    <m:oMath xmlns:m="http://schemas.openxmlformats.org/officeDocument/2006/math">
+                      <m:r>
+                        <m:rPr>
+                          <m:sty m:val="p"/>
+                        </m:rPr>
+                        <a:rPr lang="el-GR" i="1" smtClean="0">
+                          <a:latin typeface="Cambria Math"/>
+                          <a:ea typeface="Cambria Math"/>
+                        </a:rPr>
+                        <m:t>Δ</m:t>
+                      </m:r>
+                      <m:r>
+                        <a:rPr lang="en-US" b="0" i="1" smtClean="0">
+                          <a:latin typeface="Cambria Math"/>
+                          <a:ea typeface="Cambria Math"/>
+                        </a:rPr>
+                        <m:t>𝑥</m:t>
+                      </m:r>
+                    </m:oMath>
+                  </m:oMathPara>
+                </a14:m>
+                <a:endParaRPr lang="en-US" dirty="0"/>
+              </a:p>
+            </p:txBody>
+          </p:sp>
+        </mc:Choice>
+        <mc:Fallback>
+          <p:sp>
+            <p:nvSpPr>
+              <p:cNvPr id="13" name="TextBox 12"/>
+              <p:cNvSpPr txBox="1">
+                <a:spLocks noRot="1" noChangeAspect="1" noMove="1" noResize="1" noEditPoints="1" noAdjustHandles="1" noChangeArrowheads="1" noChangeShapeType="1" noTextEdit="1"/>
+              </p:cNvSpPr>
+              <p:nvPr/>
+            </p:nvSpPr>
+            <p:spPr>
+              <a:xfrm>
+                <a:off x="6238548" y="2477149"/>
+                <a:ext cx="505844" cy="369332"/>
+              </a:xfrm>
+              <a:prstGeom prst="rect">
+                <a:avLst/>
+              </a:prstGeom>
+              <a:blipFill rotWithShape="1">
+                <a:blip r:embed="rId3"/>
+                <a:stretch>
+                  <a:fillRect/>
+                </a:stretch>
+              </a:blipFill>
+            </p:spPr>
+            <p:txBody>
+              <a:bodyPr/>
+              <a:lstStyle/>
+              <a:p>
+                <a:r>
+                  <a:rPr lang="en-US">
+                    <a:noFill/>
+                  </a:rPr>
+                  <a:t> </a:t>
+                </a:r>
+              </a:p>
+            </p:txBody>
+          </p:sp>
+        </mc:Fallback>
+      </mc:AlternateContent>
+      <p:cxnSp>
+        <p:nvCxnSpPr>
+          <p:cNvPr id="40" name="Straight Arrow Connector 39"/>
+          <p:cNvCxnSpPr/>
+          <p:nvPr/>
+        </p:nvCxnSpPr>
+        <p:spPr>
+          <a:xfrm>
+            <a:off x="1558132" y="2660925"/>
+            <a:ext cx="1301252" cy="0"/>
+          </a:xfrm>
+          <a:prstGeom prst="straightConnector1">
+            <a:avLst/>
+          </a:prstGeom>
+          <a:ln>
+            <a:prstDash val="sysDot"/>
+            <a:headEnd type="arrow" w="med" len="med"/>
+            <a:tailEnd type="arrow" w="med" len="med"/>
+          </a:ln>
+        </p:spPr>
+        <p:style>
+          <a:lnRef idx="2">
+            <a:schemeClr val="accent1"/>
+          </a:lnRef>
+          <a:fillRef idx="0">
+            <a:schemeClr val="accent1"/>
+          </a:fillRef>
+          <a:effectRef idx="1">
+            <a:schemeClr val="accent1"/>
+          </a:effectRef>
+          <a:fontRef idx="minor">
+            <a:schemeClr val="tx1"/>
+          </a:fontRef>
+        </p:style>
+      </p:cxnSp>
+      <mc:AlternateContent xmlns:mc="http://schemas.openxmlformats.org/markup-compatibility/2006">
+        <mc:Choice xmlns:a14="http://schemas.microsoft.com/office/drawing/2010/main" Requires="a14">
+          <p:sp>
+            <p:nvSpPr>
+              <p:cNvPr id="41" name="TextBox 40"/>
+              <p:cNvSpPr txBox="1"/>
+              <p:nvPr/>
+            </p:nvSpPr>
+            <p:spPr>
+              <a:xfrm>
+                <a:off x="1996099" y="2477148"/>
+                <a:ext cx="505844" cy="369332"/>
+              </a:xfrm>
+              <a:prstGeom prst="rect">
+                <a:avLst/>
+              </a:prstGeom>
+              <a:solidFill>
+                <a:schemeClr val="bg1"/>
+              </a:solidFill>
+            </p:spPr>
+            <p:txBody>
+              <a:bodyPr wrap="none" rtlCol="0">
+                <a:spAutoFit/>
+              </a:bodyPr>
+              <a:lstStyle/>
+              <a:p>
+                <a14:m>
+                  <m:oMathPara xmlns:m="http://schemas.openxmlformats.org/officeDocument/2006/math">
+                    <m:oMathParaPr>
+                      <m:jc m:val="centerGroup"/>
+                    </m:oMathParaPr>
+                    <m:oMath xmlns:m="http://schemas.openxmlformats.org/officeDocument/2006/math">
+                      <m:r>
+                        <m:rPr>
+                          <m:sty m:val="p"/>
+                        </m:rPr>
+                        <a:rPr lang="el-GR" i="1" smtClean="0">
+                          <a:latin typeface="Cambria Math"/>
+                          <a:ea typeface="Cambria Math"/>
+                        </a:rPr>
+                        <m:t>Δ</m:t>
+                      </m:r>
+                      <m:r>
+                        <a:rPr lang="en-US" b="0" i="1" smtClean="0">
+                          <a:latin typeface="Cambria Math"/>
+                          <a:ea typeface="Cambria Math"/>
+                        </a:rPr>
+                        <m:t>𝑥</m:t>
+                      </m:r>
+                    </m:oMath>
+                  </m:oMathPara>
+                </a14:m>
+                <a:endParaRPr lang="en-US" dirty="0"/>
+              </a:p>
+            </p:txBody>
+          </p:sp>
+        </mc:Choice>
+        <mc:Fallback>
+          <p:sp>
+            <p:nvSpPr>
+              <p:cNvPr id="41" name="TextBox 40"/>
+              <p:cNvSpPr txBox="1">
+                <a:spLocks noRot="1" noChangeAspect="1" noMove="1" noResize="1" noEditPoints="1" noAdjustHandles="1" noChangeArrowheads="1" noChangeShapeType="1" noTextEdit="1"/>
+              </p:cNvSpPr>
+              <p:nvPr/>
+            </p:nvSpPr>
+            <p:spPr>
+              <a:xfrm>
+                <a:off x="1996099" y="2477148"/>
+                <a:ext cx="505844" cy="369332"/>
+              </a:xfrm>
+              <a:prstGeom prst="rect">
+                <a:avLst/>
+              </a:prstGeom>
+              <a:blipFill rotWithShape="1">
+                <a:blip r:embed="rId4"/>
+                <a:stretch>
+                  <a:fillRect/>
+                </a:stretch>
+              </a:blipFill>
+            </p:spPr>
+            <p:txBody>
+              <a:bodyPr/>
+              <a:lstStyle/>
+              <a:p>
+                <a:r>
+                  <a:rPr lang="en-US">
+                    <a:noFill/>
+                  </a:rPr>
+                  <a:t> </a:t>
+                </a:r>
+              </a:p>
+            </p:txBody>
+          </p:sp>
+        </mc:Fallback>
+      </mc:AlternateContent>
+      <p:cxnSp>
+        <p:nvCxnSpPr>
+          <p:cNvPr id="44" name="Straight Arrow Connector 43"/>
+          <p:cNvCxnSpPr/>
+          <p:nvPr/>
+        </p:nvCxnSpPr>
+        <p:spPr>
+          <a:xfrm>
+            <a:off x="3716114" y="1811492"/>
+            <a:ext cx="1301252" cy="0"/>
+          </a:xfrm>
+          <a:prstGeom prst="straightConnector1">
+            <a:avLst/>
+          </a:prstGeom>
+          <a:ln>
+            <a:prstDash val="sysDot"/>
+            <a:headEnd type="arrow" w="med" len="med"/>
+            <a:tailEnd type="arrow" w="med" len="med"/>
+          </a:ln>
+        </p:spPr>
+        <p:style>
+          <a:lnRef idx="2">
+            <a:schemeClr val="accent1"/>
+          </a:lnRef>
+          <a:fillRef idx="0">
+            <a:schemeClr val="accent1"/>
+          </a:fillRef>
+          <a:effectRef idx="1">
+            <a:schemeClr val="accent1"/>
+          </a:effectRef>
+          <a:fontRef idx="minor">
+            <a:schemeClr val="tx1"/>
+          </a:fontRef>
+        </p:style>
+      </p:cxnSp>
+      <mc:AlternateContent xmlns:mc="http://schemas.openxmlformats.org/markup-compatibility/2006">
+        <mc:Choice xmlns:a14="http://schemas.microsoft.com/office/drawing/2010/main" Requires="a14">
+          <p:sp>
+            <p:nvSpPr>
+              <p:cNvPr id="45" name="TextBox 44"/>
+              <p:cNvSpPr txBox="1"/>
+              <p:nvPr/>
+            </p:nvSpPr>
+            <p:spPr>
+              <a:xfrm>
+                <a:off x="4094522" y="1626826"/>
+                <a:ext cx="505844" cy="369332"/>
+              </a:xfrm>
+              <a:prstGeom prst="rect">
+                <a:avLst/>
+              </a:prstGeom>
+              <a:solidFill>
+                <a:schemeClr val="bg1"/>
+              </a:solidFill>
+            </p:spPr>
+            <p:txBody>
+              <a:bodyPr wrap="none" rtlCol="0">
+                <a:spAutoFit/>
+              </a:bodyPr>
+              <a:lstStyle/>
+              <a:p>
+                <a14:m>
+                  <m:oMathPara xmlns:m="http://schemas.openxmlformats.org/officeDocument/2006/math">
+                    <m:oMathParaPr>
+                      <m:jc m:val="centerGroup"/>
+                    </m:oMathParaPr>
+                    <m:oMath xmlns:m="http://schemas.openxmlformats.org/officeDocument/2006/math">
+                      <m:r>
+                        <m:rPr>
+                          <m:sty m:val="p"/>
+                        </m:rPr>
+                        <a:rPr lang="el-GR" i="1" smtClean="0">
+                          <a:latin typeface="Cambria Math"/>
+                          <a:ea typeface="Cambria Math"/>
+                        </a:rPr>
+                        <m:t>Δ</m:t>
+                      </m:r>
+                      <m:r>
+                        <a:rPr lang="en-US" b="0" i="1" smtClean="0">
+                          <a:latin typeface="Cambria Math"/>
+                          <a:ea typeface="Cambria Math"/>
+                        </a:rPr>
+                        <m:t>𝑥</m:t>
+                      </m:r>
+                    </m:oMath>
+                  </m:oMathPara>
+                </a14:m>
+                <a:endParaRPr lang="en-US" dirty="0"/>
+              </a:p>
+            </p:txBody>
+          </p:sp>
+        </mc:Choice>
+        <mc:Fallback>
+          <p:sp>
+            <p:nvSpPr>
+              <p:cNvPr id="45" name="TextBox 44"/>
+              <p:cNvSpPr txBox="1">
+                <a:spLocks noRot="1" noChangeAspect="1" noMove="1" noResize="1" noEditPoints="1" noAdjustHandles="1" noChangeArrowheads="1" noChangeShapeType="1" noTextEdit="1"/>
+              </p:cNvSpPr>
+              <p:nvPr/>
+            </p:nvSpPr>
+            <p:spPr>
+              <a:xfrm>
+                <a:off x="4094522" y="1626826"/>
+                <a:ext cx="505844" cy="369332"/>
+              </a:xfrm>
+              <a:prstGeom prst="rect">
+                <a:avLst/>
+              </a:prstGeom>
+              <a:blipFill rotWithShape="1">
+                <a:blip r:embed="rId5"/>
+                <a:stretch>
+                  <a:fillRect/>
+                </a:stretch>
+              </a:blipFill>
+            </p:spPr>
+            <p:txBody>
+              <a:bodyPr/>
+              <a:lstStyle/>
+              <a:p>
+                <a:r>
+                  <a:rPr lang="en-US">
+                    <a:noFill/>
+                  </a:rPr>
+                  <a:t> </a:t>
+                </a:r>
+              </a:p>
+            </p:txBody>
+          </p:sp>
+        </mc:Fallback>
+      </mc:AlternateContent>
     </p:spTree>
     <p:extLst>
       <p:ext uri="{BB962C8B-B14F-4D97-AF65-F5344CB8AC3E}">
@@ -6960,6 +12351,50 @@
           <a:chExt cx="0" cy="0"/>
         </a:xfrm>
       </p:grpSpPr>
+      <p:sp>
+        <p:nvSpPr>
+          <p:cNvPr id="3" name="Explosion 1 2"/>
+          <p:cNvSpPr/>
+          <p:nvPr/>
+        </p:nvSpPr>
+        <p:spPr>
+          <a:xfrm>
+            <a:off x="5643918" y="5250333"/>
+            <a:ext cx="914400" cy="914400"/>
+          </a:xfrm>
+          <a:prstGeom prst="irregularSeal1">
+            <a:avLst/>
+          </a:prstGeom>
+          <a:solidFill>
+            <a:srgbClr val="FFFF00"/>
+          </a:solidFill>
+          <a:ln>
+            <a:noFill/>
+          </a:ln>
+        </p:spPr>
+        <p:style>
+          <a:lnRef idx="1">
+            <a:schemeClr val="accent1"/>
+          </a:lnRef>
+          <a:fillRef idx="3">
+            <a:schemeClr val="accent1"/>
+          </a:fillRef>
+          <a:effectRef idx="2">
+            <a:schemeClr val="accent1"/>
+          </a:effectRef>
+          <a:fontRef idx="minor">
+            <a:schemeClr val="lt1"/>
+          </a:fontRef>
+        </p:style>
+        <p:txBody>
+          <a:bodyPr rtlCol="0" anchor="ctr"/>
+          <a:lstStyle/>
+          <a:p>
+            <a:pPr algn="ctr"/>
+            <a:endParaRPr lang="en-US"/>
+          </a:p>
+        </p:txBody>
+      </p:sp>
       <p:sp>
         <p:nvSpPr>
           <p:cNvPr id="2" name="Title 1"/>
@@ -7145,7 +12580,7 @@
           <a:lstStyle/>
           <a:p>
             <a:pPr algn="ctr"/>
-            <a:endParaRPr lang="en-US"/>
+            <a:endParaRPr lang="en-US" dirty="0"/>
           </a:p>
         </p:txBody>
       </p:sp>
@@ -7444,7 +12879,7 @@
           <a:graphicData uri="http://schemas.openxmlformats.org/presentationml/2006/ole">
             <mc:AlternateContent xmlns:mc="http://schemas.openxmlformats.org/markup-compatibility/2006">
               <mc:Choice xmlns:v="urn:schemas-microsoft-com:vml" Requires="v">
-                <p:oleObj spid="_x0000_s2138" name="Equation" r:id="rId4" imgW="469900" imgH="254000" progId="Equation.3">
+                <p:oleObj spid="_x0000_s2158" name="Equation" r:id="rId4" imgW="469900" imgH="254000" progId="Equation.3">
                   <p:embed/>
                 </p:oleObj>
               </mc:Choice>
@@ -7501,7 +12936,7 @@
           <a:graphicData uri="http://schemas.openxmlformats.org/presentationml/2006/ole">
             <mc:AlternateContent xmlns:mc="http://schemas.openxmlformats.org/markup-compatibility/2006">
               <mc:Choice xmlns:v="urn:schemas-microsoft-com:vml" Requires="v">
-                <p:oleObj spid="_x0000_s2139" name="Equation" r:id="rId6" imgW="482600" imgH="254000" progId="Equation.3">
+                <p:oleObj spid="_x0000_s2159" name="Equation" r:id="rId6" imgW="482600" imgH="254000" progId="Equation.3">
                   <p:embed/>
                 </p:oleObj>
               </mc:Choice>
@@ -7558,7 +12993,7 @@
           <a:graphicData uri="http://schemas.openxmlformats.org/presentationml/2006/ole">
             <mc:AlternateContent xmlns:mc="http://schemas.openxmlformats.org/markup-compatibility/2006">
               <mc:Choice xmlns:v="urn:schemas-microsoft-com:vml" Requires="v">
-                <p:oleObj spid="_x0000_s2140" name="Equation" r:id="rId8" imgW="127000" imgH="177800" progId="Equation.3">
+                <p:oleObj spid="_x0000_s2160" name="Equation" r:id="rId8" imgW="127000" imgH="177800" progId="Equation.3">
                   <p:embed/>
                 </p:oleObj>
               </mc:Choice>
@@ -7711,7 +13146,7 @@
           <a:graphicData uri="http://schemas.openxmlformats.org/presentationml/2006/ole">
             <mc:AlternateContent xmlns:mc="http://schemas.openxmlformats.org/markup-compatibility/2006">
               <mc:Choice xmlns:v="urn:schemas-microsoft-com:vml" Requires="v">
-                <p:oleObj spid="_x0000_s2141" name="Equation" r:id="rId10" imgW="2323800" imgH="660240" progId="Equation.3">
+                <p:oleObj spid="_x0000_s2161" name="Equation" r:id="rId10" imgW="2323800" imgH="660240" progId="Equation.3">
                   <p:embed/>
                 </p:oleObj>
               </mc:Choice>
@@ -7756,6 +13191,130 @@
           </a:graphicData>
         </a:graphic>
       </p:graphicFrame>
+      <p:sp>
+        <p:nvSpPr>
+          <p:cNvPr id="4" name="Freeform 3"/>
+          <p:cNvSpPr/>
+          <p:nvPr/>
+        </p:nvSpPr>
+        <p:spPr>
+          <a:xfrm>
+            <a:off x="4037990" y="4808732"/>
+            <a:ext cx="1536192" cy="589886"/>
+          </a:xfrm>
+          <a:custGeom>
+            <a:avLst/>
+            <a:gdLst>
+              <a:gd name="connsiteX0" fmla="*/ 0 w 1536192"/>
+              <a:gd name="connsiteY0" fmla="*/ 363114 h 589886"/>
+              <a:gd name="connsiteX1" fmla="*/ 460858 w 1536192"/>
+              <a:gd name="connsiteY1" fmla="*/ 4670 h 589886"/>
+              <a:gd name="connsiteX2" fmla="*/ 1536192 w 1536192"/>
+              <a:gd name="connsiteY2" fmla="*/ 589886 h 589886"/>
+              <a:gd name="connsiteX3" fmla="*/ 1536192 w 1536192"/>
+              <a:gd name="connsiteY3" fmla="*/ 589886 h 589886"/>
+            </a:gdLst>
+            <a:ahLst/>
+            <a:cxnLst>
+              <a:cxn ang="0">
+                <a:pos x="connsiteX0" y="connsiteY0"/>
+              </a:cxn>
+              <a:cxn ang="0">
+                <a:pos x="connsiteX1" y="connsiteY1"/>
+              </a:cxn>
+              <a:cxn ang="0">
+                <a:pos x="connsiteX2" y="connsiteY2"/>
+              </a:cxn>
+              <a:cxn ang="0">
+                <a:pos x="connsiteX3" y="connsiteY3"/>
+              </a:cxn>
+            </a:cxnLst>
+            <a:rect l="l" t="t" r="r" b="b"/>
+            <a:pathLst>
+              <a:path w="1536192" h="589886">
+                <a:moveTo>
+                  <a:pt x="0" y="363114"/>
+                </a:moveTo>
+                <a:cubicBezTo>
+                  <a:pt x="102413" y="164994"/>
+                  <a:pt x="204826" y="-33125"/>
+                  <a:pt x="460858" y="4670"/>
+                </a:cubicBezTo>
+                <a:cubicBezTo>
+                  <a:pt x="716890" y="42465"/>
+                  <a:pt x="1536192" y="589886"/>
+                  <a:pt x="1536192" y="589886"/>
+                </a:cubicBezTo>
+                <a:lnTo>
+                  <a:pt x="1536192" y="589886"/>
+                </a:lnTo>
+              </a:path>
+            </a:pathLst>
+          </a:custGeom>
+          <a:noFill/>
+          <a:ln w="12700">
+            <a:solidFill>
+              <a:schemeClr val="tx1"/>
+            </a:solidFill>
+            <a:headEnd type="arrow" w="med" len="med"/>
+            <a:tailEnd type="none" w="med" len="med"/>
+          </a:ln>
+        </p:spPr>
+        <p:style>
+          <a:lnRef idx="1">
+            <a:schemeClr val="accent1"/>
+          </a:lnRef>
+          <a:fillRef idx="3">
+            <a:schemeClr val="accent1"/>
+          </a:fillRef>
+          <a:effectRef idx="2">
+            <a:schemeClr val="accent1"/>
+          </a:effectRef>
+          <a:fontRef idx="minor">
+            <a:schemeClr val="lt1"/>
+          </a:fontRef>
+        </p:style>
+        <p:txBody>
+          <a:bodyPr rtlCol="0" anchor="ctr"/>
+          <a:lstStyle/>
+          <a:p>
+            <a:pPr algn="ctr"/>
+            <a:endParaRPr lang="en-US"/>
+          </a:p>
+        </p:txBody>
+      </p:sp>
+      <p:sp>
+        <p:nvSpPr>
+          <p:cNvPr id="6" name="TextBox 5"/>
+          <p:cNvSpPr txBox="1"/>
+          <p:nvPr/>
+        </p:nvSpPr>
+        <p:spPr>
+          <a:xfrm>
+            <a:off x="3728733" y="3813371"/>
+            <a:ext cx="1309013" cy="369332"/>
+          </a:xfrm>
+          <a:prstGeom prst="rect">
+            <a:avLst/>
+          </a:prstGeom>
+          <a:solidFill>
+            <a:schemeClr val="bg1"/>
+          </a:solidFill>
+        </p:spPr>
+        <p:txBody>
+          <a:bodyPr wrap="none" rtlCol="0">
+            <a:spAutoFit/>
+          </a:bodyPr>
+          <a:lstStyle/>
+          <a:p>
+            <a:r>
+              <a:rPr lang="en-US" dirty="0" smtClean="0"/>
+              <a:t>CRLB is Best</a:t>
+            </a:r>
+            <a:endParaRPr lang="en-US" dirty="0"/>
+          </a:p>
+        </p:txBody>
+      </p:sp>
     </p:spTree>
     <p:extLst>
       <p:ext uri="{BB962C8B-B14F-4D97-AF65-F5344CB8AC3E}">
@@ -7803,7 +13362,7 @@
           <a:p>
             <a:r>
               <a:rPr lang="en-US" dirty="0" smtClean="0"/>
-              <a:t>Fisher Information Matrix (FIM)</a:t>
+              <a:t>Modeling Registration Errors</a:t>
             </a:r>
             <a:endParaRPr lang="en-US" dirty="0"/>
           </a:p>
@@ -7818,25 +13377,25 @@
           <p:nvPr>
             <p:extLst>
               <p:ext uri="{D42A27DB-BD31-4B8C-83A1-F6EECF244321}">
-                <p14:modId xmlns:p14="http://schemas.microsoft.com/office/powerpoint/2010/main" val="1206336853"/>
+                <p14:modId xmlns:p14="http://schemas.microsoft.com/office/powerpoint/2010/main" val="479749534"/>
               </p:ext>
             </p:extLst>
           </p:nvPr>
         </p:nvGraphicFramePr>
         <p:xfrm>
-          <a:off x="1171956" y="2227504"/>
-          <a:ext cx="3589338" cy="1149350"/>
+          <a:off x="649288" y="1677988"/>
+          <a:ext cx="3770312" cy="1090612"/>
         </p:xfrm>
         <a:graphic>
           <a:graphicData uri="http://schemas.openxmlformats.org/presentationml/2006/ole">
             <mc:AlternateContent xmlns:mc="http://schemas.openxmlformats.org/markup-compatibility/2006">
               <mc:Choice xmlns:v="urn:schemas-microsoft-com:vml" Requires="v">
-                <p:oleObj spid="_x0000_s4111" name="Equation" r:id="rId3" imgW="2212560" imgH="694800" progId="Equation.3">
+                <p:oleObj spid="_x0000_s4119" name="Equation" r:id="rId3" imgW="2323800" imgH="660240" progId="Equation.3">
                   <p:embed/>
                 </p:oleObj>
               </mc:Choice>
               <mc:Fallback>
-                <p:oleObj name="Equation" r:id="rId3" imgW="2212560" imgH="694800" progId="Equation.3">
+                <p:oleObj name="Equation" r:id="rId3" imgW="2323800" imgH="660240" progId="Equation.3">
                   <p:embed/>
                   <p:pic>
                     <p:nvPicPr>
@@ -7847,13 +13406,7 @@
                       <p:nvPr/>
                     </p:nvPicPr>
                     <p:blipFill>
-                      <a:blip r:embed="rId4">
-                        <a:extLst>
-                          <a:ext uri="{28A0092B-C50C-407E-A947-70E740481C1C}">
-                            <a14:useLocalDpi xmlns:a14="http://schemas.microsoft.com/office/drawing/2010/main" val="0"/>
-                          </a:ext>
-                        </a:extLst>
-                      </a:blip>
+                      <a:blip r:embed="rId4"/>
                       <a:srcRect/>
                       <a:stretch>
                         <a:fillRect/>
@@ -7861,8 +13414,8 @@
                     </p:blipFill>
                     <p:spPr bwMode="auto">
                       <a:xfrm>
-                        <a:off x="1171956" y="2227504"/>
-                        <a:ext cx="3589338" cy="1149350"/>
+                        <a:off x="649288" y="1677988"/>
+                        <a:ext cx="3770312" cy="1090612"/>
                       </a:xfrm>
                       <a:prstGeom prst="rect">
                         <a:avLst/>
@@ -7892,7 +13445,7 @@
         </p:nvSpPr>
         <p:spPr>
           <a:xfrm>
-            <a:off x="1960473" y="2596897"/>
+            <a:off x="1528877" y="2018997"/>
             <a:ext cx="2216507" cy="750698"/>
           </a:xfrm>
           <a:prstGeom prst="ellipse">
@@ -7932,24 +13485,151 @@
       </p:sp>
       <p:sp>
         <p:nvSpPr>
-          <p:cNvPr id="5" name="Freeform 4"/>
+          <p:cNvPr id="8" name="Oval 7"/>
           <p:cNvSpPr/>
           <p:nvPr/>
         </p:nvSpPr>
         <p:spPr>
           <a:xfrm>
-            <a:off x="2558408" y="3262580"/>
-            <a:ext cx="295684" cy="577900"/>
+            <a:off x="2209191" y="2084832"/>
+            <a:ext cx="1214323" cy="265189"/>
+          </a:xfrm>
+          <a:prstGeom prst="ellipse">
+            <a:avLst/>
+          </a:prstGeom>
+          <a:solidFill>
+            <a:srgbClr val="FFFF00">
+              <a:alpha val="38824"/>
+            </a:srgbClr>
+          </a:solidFill>
+          <a:ln>
+            <a:noFill/>
+          </a:ln>
+        </p:spPr>
+        <p:style>
+          <a:lnRef idx="1">
+            <a:schemeClr val="accent1"/>
+          </a:lnRef>
+          <a:fillRef idx="3">
+            <a:schemeClr val="accent1"/>
+          </a:fillRef>
+          <a:effectRef idx="2">
+            <a:schemeClr val="accent1"/>
+          </a:effectRef>
+          <a:fontRef idx="minor">
+            <a:schemeClr val="lt1"/>
+          </a:fontRef>
+        </p:style>
+        <p:txBody>
+          <a:bodyPr rtlCol="0" anchor="ctr"/>
+          <a:lstStyle/>
+          <a:p>
+            <a:pPr algn="ctr"/>
+            <a:endParaRPr lang="en-US"/>
+          </a:p>
+        </p:txBody>
+      </p:sp>
+      <p:sp>
+        <p:nvSpPr>
+          <p:cNvPr id="6" name="TextBox 5"/>
+          <p:cNvSpPr txBox="1"/>
+          <p:nvPr/>
+        </p:nvSpPr>
+        <p:spPr>
+          <a:xfrm>
+            <a:off x="1433780" y="3077914"/>
+            <a:ext cx="3327321" cy="369332"/>
+          </a:xfrm>
+          <a:prstGeom prst="rect">
+            <a:avLst/>
+          </a:prstGeom>
+          <a:noFill/>
+        </p:spPr>
+        <p:txBody>
+          <a:bodyPr wrap="none" rtlCol="0">
+            <a:spAutoFit/>
+          </a:bodyPr>
+          <a:lstStyle/>
+          <a:p>
+            <a:r>
+              <a:rPr lang="en-US" i="1" dirty="0" smtClean="0"/>
+              <a:t>J</a:t>
+            </a:r>
+            <a:r>
+              <a:rPr lang="en-US" dirty="0" smtClean="0"/>
+              <a:t>=Fisher </a:t>
+            </a:r>
+            <a:r>
+              <a:rPr lang="en-US" dirty="0" smtClean="0"/>
+              <a:t>Information </a:t>
+            </a:r>
+            <a:r>
+              <a:rPr lang="en-US" dirty="0" smtClean="0"/>
+              <a:t>Matrix (FIM)</a:t>
+            </a:r>
+            <a:endParaRPr lang="en-US" dirty="0"/>
+          </a:p>
+        </p:txBody>
+      </p:sp>
+      <p:sp>
+        <p:nvSpPr>
+          <p:cNvPr id="7" name="Left Brace 6"/>
+          <p:cNvSpPr/>
+          <p:nvPr/>
+        </p:nvSpPr>
+        <p:spPr>
+          <a:xfrm rot="16200000">
+            <a:off x="2542936" y="1978748"/>
+            <a:ext cx="235939" cy="1876350"/>
+          </a:xfrm>
+          <a:prstGeom prst="leftBrace">
+            <a:avLst/>
+          </a:prstGeom>
+          <a:ln w="9525"/>
+        </p:spPr>
+        <p:style>
+          <a:lnRef idx="2">
+            <a:schemeClr val="accent1"/>
+          </a:lnRef>
+          <a:fillRef idx="0">
+            <a:schemeClr val="accent1"/>
+          </a:fillRef>
+          <a:effectRef idx="1">
+            <a:schemeClr val="accent1"/>
+          </a:effectRef>
+          <a:fontRef idx="minor">
+            <a:schemeClr val="tx1"/>
+          </a:fontRef>
+        </p:style>
+        <p:txBody>
+          <a:bodyPr rtlCol="0" anchor="ctr"/>
+          <a:lstStyle/>
+          <a:p>
+            <a:pPr algn="ctr"/>
+            <a:endParaRPr lang="en-US"/>
+          </a:p>
+        </p:txBody>
+      </p:sp>
+      <p:sp>
+        <p:nvSpPr>
+          <p:cNvPr id="10" name="Freeform 9"/>
+          <p:cNvSpPr/>
+          <p:nvPr/>
+        </p:nvSpPr>
+        <p:spPr>
+          <a:xfrm>
+            <a:off x="3408883" y="2156167"/>
+            <a:ext cx="1126541" cy="299923"/>
           </a:xfrm>
           <a:custGeom>
             <a:avLst/>
             <a:gdLst>
-              <a:gd name="connsiteX0" fmla="*/ 240238 w 591368"/>
-              <a:gd name="connsiteY0" fmla="*/ 0 h 1016812"/>
-              <a:gd name="connsiteX1" fmla="*/ 13467 w 591368"/>
-              <a:gd name="connsiteY1" fmla="*/ 329184 h 1016812"/>
-              <a:gd name="connsiteX2" fmla="*/ 591368 w 591368"/>
-              <a:gd name="connsiteY2" fmla="*/ 1016812 h 1016812"/>
+              <a:gd name="connsiteX0" fmla="*/ 0 w 1126541"/>
+              <a:gd name="connsiteY0" fmla="*/ 46762 h 412522"/>
+              <a:gd name="connsiteX1" fmla="*/ 607162 w 1126541"/>
+              <a:gd name="connsiteY1" fmla="*/ 32132 h 412522"/>
+              <a:gd name="connsiteX2" fmla="*/ 1126541 w 1126541"/>
+              <a:gd name="connsiteY2" fmla="*/ 412522 h 412522"/>
             </a:gdLst>
             <a:ahLst/>
             <a:cxnLst>
@@ -7965,28 +13645,25 @@
             </a:cxnLst>
             <a:rect l="l" t="t" r="r" b="b"/>
             <a:pathLst>
-              <a:path w="591368" h="1016812">
+              <a:path w="1126541" h="412522">
                 <a:moveTo>
-                  <a:pt x="240238" y="0"/>
+                  <a:pt x="0" y="46762"/>
                 </a:moveTo>
                 <a:cubicBezTo>
-                  <a:pt x="97591" y="79857"/>
-                  <a:pt x="-45055" y="159715"/>
-                  <a:pt x="13467" y="329184"/>
+                  <a:pt x="209702" y="8967"/>
+                  <a:pt x="419405" y="-28828"/>
+                  <a:pt x="607162" y="32132"/>
                 </a:cubicBezTo>
                 <a:cubicBezTo>
-                  <a:pt x="71989" y="498653"/>
-                  <a:pt x="331678" y="757732"/>
-                  <a:pt x="591368" y="1016812"/>
+                  <a:pt x="794919" y="93092"/>
+                  <a:pt x="960730" y="252807"/>
+                  <a:pt x="1126541" y="412522"/>
                 </a:cubicBezTo>
               </a:path>
             </a:pathLst>
           </a:custGeom>
           <a:noFill/>
           <a:ln>
-            <a:solidFill>
-              <a:schemeClr val="tx1"/>
-            </a:solidFill>
             <a:headEnd type="arrow" w="med" len="med"/>
             <a:tailEnd type="none" w="med" len="med"/>
           </a:ln>
@@ -8016,14 +13693,14 @@
       </p:sp>
       <p:sp>
         <p:nvSpPr>
-          <p:cNvPr id="6" name="TextBox 5"/>
+          <p:cNvPr id="11" name="TextBox 10"/>
           <p:cNvSpPr txBox="1"/>
           <p:nvPr/>
         </p:nvSpPr>
         <p:spPr>
           <a:xfrm>
-            <a:off x="2282342" y="3840480"/>
-            <a:ext cx="2583528" cy="369332"/>
+            <a:off x="4535424" y="2317754"/>
+            <a:ext cx="4251485" cy="276999"/>
           </a:xfrm>
           <a:prstGeom prst="rect">
             <a:avLst/>
@@ -8037,10 +13714,787 @@
           <a:lstStyle/>
           <a:p>
             <a:r>
+              <a:rPr lang="en-US" sz="1200" dirty="0" smtClean="0"/>
+              <a:t>Log likelihood function as in Maximum Likelihood (ML) Estimation</a:t>
+            </a:r>
+            <a:endParaRPr lang="en-US" sz="1200" dirty="0"/>
+          </a:p>
+        </p:txBody>
+      </p:sp>
+      <mc:AlternateContent xmlns:mc="http://schemas.openxmlformats.org/markup-compatibility/2006">
+        <mc:Choice xmlns:a14="http://schemas.microsoft.com/office/drawing/2010/main" Requires="a14">
+          <p:sp>
+            <p:nvSpPr>
+              <p:cNvPr id="13" name="TextBox 12"/>
+              <p:cNvSpPr txBox="1"/>
+              <p:nvPr/>
+            </p:nvSpPr>
+            <p:spPr>
+              <a:xfrm>
+                <a:off x="2218356" y="4495190"/>
+                <a:ext cx="5850063" cy="532775"/>
+              </a:xfrm>
+              <a:prstGeom prst="rect">
+                <a:avLst/>
+              </a:prstGeom>
+              <a:noFill/>
+            </p:spPr>
+            <p:txBody>
+              <a:bodyPr wrap="none" rtlCol="0">
+                <a:spAutoFit/>
+              </a:bodyPr>
+              <a:lstStyle/>
+              <a:p>
+                <a14:m>
+                  <m:oMath xmlns:m="http://schemas.openxmlformats.org/officeDocument/2006/math">
+                    <m:r>
+                      <a:rPr lang="en-US" b="0" i="1" smtClean="0">
+                        <a:latin typeface="Cambria Math"/>
+                      </a:rPr>
+                      <m:t>𝑀𝑆𝐸</m:t>
+                    </m:r>
+                    <m:d>
+                      <m:dPr>
+                        <m:ctrlPr>
+                          <a:rPr lang="en-US" b="0" i="1" smtClean="0">
+                            <a:latin typeface="Cambria Math"/>
+                          </a:rPr>
+                        </m:ctrlPr>
+                      </m:dPr>
+                      <m:e>
+                        <m:r>
+                          <m:rPr>
+                            <m:sty m:val="p"/>
+                          </m:rPr>
+                          <a:rPr lang="el-GR" b="0" i="1" smtClean="0">
+                            <a:latin typeface="Cambria Math"/>
+                            <a:ea typeface="Cambria Math"/>
+                          </a:rPr>
+                          <m:t>Φ</m:t>
+                        </m:r>
+                      </m:e>
+                    </m:d>
+                    <m:r>
+                      <a:rPr lang="en-US" b="0" i="1" smtClean="0">
+                        <a:latin typeface="Cambria Math"/>
+                        <a:ea typeface="Cambria Math"/>
+                      </a:rPr>
+                      <m:t>=</m:t>
+                    </m:r>
+                    <m:f>
+                      <m:fPr>
+                        <m:ctrlPr>
+                          <a:rPr lang="en-US" b="0" i="1" smtClean="0">
+                            <a:latin typeface="Cambria Math"/>
+                            <a:ea typeface="Cambria Math"/>
+                          </a:rPr>
+                        </m:ctrlPr>
+                      </m:fPr>
+                      <m:num>
+                        <m:r>
+                          <a:rPr lang="en-US" b="0" i="1" smtClean="0">
+                            <a:latin typeface="Cambria Math"/>
+                            <a:ea typeface="Cambria Math"/>
+                          </a:rPr>
+                          <m:t>𝜕</m:t>
+                        </m:r>
+                        <m:r>
+                          <a:rPr lang="en-US" b="0" i="1" smtClean="0">
+                            <a:latin typeface="Cambria Math"/>
+                            <a:ea typeface="Cambria Math"/>
+                          </a:rPr>
+                          <m:t>𝐸</m:t>
+                        </m:r>
+                        <m:r>
+                          <a:rPr lang="en-US" b="0" i="1" smtClean="0">
+                            <a:latin typeface="Cambria Math"/>
+                            <a:ea typeface="Cambria Math"/>
+                          </a:rPr>
+                          <m:t>{</m:t>
+                        </m:r>
+                        <m:acc>
+                          <m:accPr>
+                            <m:chr m:val="̂"/>
+                            <m:ctrlPr>
+                              <a:rPr lang="en-US" b="0" i="1" smtClean="0">
+                                <a:latin typeface="Cambria Math"/>
+                                <a:ea typeface="Cambria Math"/>
+                              </a:rPr>
+                            </m:ctrlPr>
+                          </m:accPr>
+                          <m:e>
+                            <m:r>
+                              <m:rPr>
+                                <m:sty m:val="p"/>
+                              </m:rPr>
+                              <a:rPr lang="el-GR" i="1">
+                                <a:latin typeface="Cambria Math"/>
+                                <a:ea typeface="Cambria Math"/>
+                              </a:rPr>
+                              <m:t>Φ</m:t>
+                            </m:r>
+                          </m:e>
+                        </m:acc>
+                        <m:r>
+                          <a:rPr lang="en-US" b="0" i="1" smtClean="0">
+                            <a:latin typeface="Cambria Math"/>
+                            <a:ea typeface="Cambria Math"/>
+                          </a:rPr>
+                          <m:t>}</m:t>
+                        </m:r>
+                      </m:num>
+                      <m:den>
+                        <m:r>
+                          <a:rPr lang="en-US" b="0" i="1" smtClean="0">
+                            <a:latin typeface="Cambria Math"/>
+                            <a:ea typeface="Cambria Math"/>
+                          </a:rPr>
+                          <m:t>𝜕</m:t>
+                        </m:r>
+                        <m:r>
+                          <m:rPr>
+                            <m:sty m:val="p"/>
+                          </m:rPr>
+                          <a:rPr lang="el-GR" i="1">
+                            <a:latin typeface="Cambria Math"/>
+                            <a:ea typeface="Cambria Math"/>
+                          </a:rPr>
+                          <m:t>Φ</m:t>
+                        </m:r>
+                      </m:den>
+                    </m:f>
+                    <m:sSup>
+                      <m:sSupPr>
+                        <m:ctrlPr>
+                          <a:rPr lang="en-US" b="0" i="1" smtClean="0">
+                            <a:latin typeface="Cambria Math"/>
+                            <a:ea typeface="Cambria Math"/>
+                          </a:rPr>
+                        </m:ctrlPr>
+                      </m:sSupPr>
+                      <m:e>
+                        <m:r>
+                          <a:rPr lang="en-US" b="0" i="1" smtClean="0">
+                            <a:latin typeface="Cambria Math"/>
+                            <a:ea typeface="Cambria Math"/>
+                          </a:rPr>
+                          <m:t>𝐽</m:t>
+                        </m:r>
+                      </m:e>
+                      <m:sup>
+                        <m:r>
+                          <a:rPr lang="en-US" b="0" i="1" smtClean="0">
+                            <a:latin typeface="Cambria Math"/>
+                            <a:ea typeface="Cambria Math"/>
+                          </a:rPr>
+                          <m:t>−1</m:t>
+                        </m:r>
+                      </m:sup>
+                    </m:sSup>
+                    <m:r>
+                      <a:rPr lang="en-US" b="0" i="1" smtClean="0">
+                        <a:latin typeface="Cambria Math"/>
+                        <a:ea typeface="Cambria Math"/>
+                      </a:rPr>
+                      <m:t>(</m:t>
+                    </m:r>
+                    <m:r>
+                      <m:rPr>
+                        <m:sty m:val="p"/>
+                      </m:rPr>
+                      <a:rPr lang="el-GR" i="1">
+                        <a:latin typeface="Cambria Math"/>
+                        <a:ea typeface="Cambria Math"/>
+                      </a:rPr>
+                      <m:t>Φ</m:t>
+                    </m:r>
+                  </m:oMath>
+                </a14:m>
+                <a:r>
+                  <a:rPr lang="en-US" dirty="0" smtClean="0"/>
+                  <a:t>)</a:t>
+                </a:r>
+                <a14:m>
+                  <m:oMath xmlns:m="http://schemas.openxmlformats.org/officeDocument/2006/math">
+                    <m:f>
+                      <m:fPr>
+                        <m:ctrlPr>
+                          <a:rPr lang="en-US" i="1">
+                            <a:latin typeface="Cambria Math"/>
+                            <a:ea typeface="Cambria Math"/>
+                          </a:rPr>
+                        </m:ctrlPr>
+                      </m:fPr>
+                      <m:num>
+                        <m:sSup>
+                          <m:sSupPr>
+                            <m:ctrlPr>
+                              <a:rPr lang="en-US" i="1" smtClean="0">
+                                <a:latin typeface="Cambria Math"/>
+                                <a:ea typeface="Cambria Math"/>
+                              </a:rPr>
+                            </m:ctrlPr>
+                          </m:sSupPr>
+                          <m:e>
+                            <m:r>
+                              <a:rPr lang="en-US" i="1">
+                                <a:latin typeface="Cambria Math"/>
+                                <a:ea typeface="Cambria Math"/>
+                              </a:rPr>
+                              <m:t>𝜕</m:t>
+                            </m:r>
+                            <m:r>
+                              <a:rPr lang="en-US" i="1">
+                                <a:latin typeface="Cambria Math"/>
+                                <a:ea typeface="Cambria Math"/>
+                              </a:rPr>
+                              <m:t>𝐸</m:t>
+                            </m:r>
+                            <m:r>
+                              <a:rPr lang="en-US" i="1">
+                                <a:latin typeface="Cambria Math"/>
+                                <a:ea typeface="Cambria Math"/>
+                              </a:rPr>
+                              <m:t>{</m:t>
+                            </m:r>
+                            <m:acc>
+                              <m:accPr>
+                                <m:chr m:val="̂"/>
+                                <m:ctrlPr>
+                                  <a:rPr lang="en-US" i="1" smtClean="0">
+                                    <a:latin typeface="Cambria Math"/>
+                                    <a:ea typeface="Cambria Math"/>
+                                  </a:rPr>
+                                </m:ctrlPr>
+                              </m:accPr>
+                              <m:e>
+                                <m:r>
+                                  <m:rPr>
+                                    <m:sty m:val="p"/>
+                                  </m:rPr>
+                                  <a:rPr lang="el-GR" i="1">
+                                    <a:latin typeface="Cambria Math"/>
+                                    <a:ea typeface="Cambria Math"/>
+                                  </a:rPr>
+                                  <m:t>Φ</m:t>
+                                </m:r>
+                              </m:e>
+                            </m:acc>
+                            <m:r>
+                              <a:rPr lang="en-US" i="1">
+                                <a:latin typeface="Cambria Math"/>
+                                <a:ea typeface="Cambria Math"/>
+                              </a:rPr>
+                              <m:t>}</m:t>
+                            </m:r>
+                          </m:e>
+                          <m:sup>
+                            <m:r>
+                              <a:rPr lang="en-US" b="0" i="1" smtClean="0">
+                                <a:latin typeface="Cambria Math"/>
+                                <a:ea typeface="Cambria Math"/>
+                              </a:rPr>
+                              <m:t>𝑇</m:t>
+                            </m:r>
+                          </m:sup>
+                        </m:sSup>
+                      </m:num>
+                      <m:den>
+                        <m:r>
+                          <a:rPr lang="en-US" i="1">
+                            <a:latin typeface="Cambria Math"/>
+                            <a:ea typeface="Cambria Math"/>
+                          </a:rPr>
+                          <m:t>𝜕</m:t>
+                        </m:r>
+                        <m:r>
+                          <m:rPr>
+                            <m:sty m:val="p"/>
+                          </m:rPr>
+                          <a:rPr lang="el-GR" i="1">
+                            <a:latin typeface="Cambria Math"/>
+                            <a:ea typeface="Cambria Math"/>
+                          </a:rPr>
+                          <m:t>Φ</m:t>
+                        </m:r>
+                      </m:den>
+                    </m:f>
+                    <m:r>
+                      <a:rPr lang="en-US" b="0" i="1" smtClean="0">
+                        <a:latin typeface="Cambria Math"/>
+                        <a:ea typeface="Cambria Math"/>
+                      </a:rPr>
+                      <m:t>+</m:t>
+                    </m:r>
+                    <m:d>
+                      <m:dPr>
+                        <m:ctrlPr>
+                          <a:rPr lang="en-US" b="0" i="1" smtClean="0">
+                            <a:latin typeface="Cambria Math"/>
+                            <a:ea typeface="Cambria Math"/>
+                          </a:rPr>
+                        </m:ctrlPr>
+                      </m:dPr>
+                      <m:e>
+                        <m:r>
+                          <a:rPr lang="en-US" b="0" i="1" smtClean="0">
+                            <a:latin typeface="Cambria Math"/>
+                            <a:ea typeface="Cambria Math"/>
+                          </a:rPr>
+                          <m:t>𝐸</m:t>
+                        </m:r>
+                        <m:d>
+                          <m:dPr>
+                            <m:begChr m:val="{"/>
+                            <m:endChr m:val="}"/>
+                            <m:ctrlPr>
+                              <a:rPr lang="en-US" b="0" i="1" smtClean="0">
+                                <a:latin typeface="Cambria Math"/>
+                                <a:ea typeface="Cambria Math"/>
+                              </a:rPr>
+                            </m:ctrlPr>
+                          </m:dPr>
+                          <m:e>
+                            <m:acc>
+                              <m:accPr>
+                                <m:chr m:val="̂"/>
+                                <m:ctrlPr>
+                                  <a:rPr lang="en-US" b="0" i="1" smtClean="0">
+                                    <a:latin typeface="Cambria Math"/>
+                                    <a:ea typeface="Cambria Math"/>
+                                  </a:rPr>
+                                </m:ctrlPr>
+                              </m:accPr>
+                              <m:e>
+                                <m:r>
+                                  <m:rPr>
+                                    <m:sty m:val="p"/>
+                                  </m:rPr>
+                                  <a:rPr lang="el-GR" i="1">
+                                    <a:latin typeface="Cambria Math"/>
+                                    <a:ea typeface="Cambria Math"/>
+                                  </a:rPr>
+                                  <m:t>Φ</m:t>
+                                </m:r>
+                              </m:e>
+                            </m:acc>
+                          </m:e>
+                        </m:d>
+                        <m:r>
+                          <a:rPr lang="en-US" b="0" i="1" smtClean="0">
+                            <a:latin typeface="Cambria Math"/>
+                            <a:ea typeface="Cambria Math"/>
+                          </a:rPr>
+                          <m:t>−</m:t>
+                        </m:r>
+                        <m:r>
+                          <m:rPr>
+                            <m:sty m:val="p"/>
+                          </m:rPr>
+                          <a:rPr lang="el-GR" i="1">
+                            <a:latin typeface="Cambria Math"/>
+                            <a:ea typeface="Cambria Math"/>
+                          </a:rPr>
+                          <m:t>Φ</m:t>
+                        </m:r>
+                      </m:e>
+                    </m:d>
+                    <m:sSup>
+                      <m:sSupPr>
+                        <m:ctrlPr>
+                          <a:rPr lang="en-US" b="0" i="1" smtClean="0">
+                            <a:latin typeface="Cambria Math"/>
+                            <a:ea typeface="Cambria Math"/>
+                          </a:rPr>
+                        </m:ctrlPr>
+                      </m:sSupPr>
+                      <m:e>
+                        <m:d>
+                          <m:dPr>
+                            <m:ctrlPr>
+                              <a:rPr lang="en-US" b="0" i="1" smtClean="0">
+                                <a:latin typeface="Cambria Math"/>
+                                <a:ea typeface="Cambria Math"/>
+                              </a:rPr>
+                            </m:ctrlPr>
+                          </m:dPr>
+                          <m:e>
+                            <m:r>
+                              <a:rPr lang="en-US" i="1">
+                                <a:latin typeface="Cambria Math"/>
+                                <a:ea typeface="Cambria Math"/>
+                              </a:rPr>
+                              <m:t>𝐸</m:t>
+                            </m:r>
+                            <m:d>
+                              <m:dPr>
+                                <m:begChr m:val="{"/>
+                                <m:endChr m:val="}"/>
+                                <m:ctrlPr>
+                                  <a:rPr lang="en-US" i="1">
+                                    <a:latin typeface="Cambria Math"/>
+                                    <a:ea typeface="Cambria Math"/>
+                                  </a:rPr>
+                                </m:ctrlPr>
+                              </m:dPr>
+                              <m:e>
+                                <m:acc>
+                                  <m:accPr>
+                                    <m:chr m:val="̂"/>
+                                    <m:ctrlPr>
+                                      <a:rPr lang="en-US" i="1">
+                                        <a:latin typeface="Cambria Math"/>
+                                        <a:ea typeface="Cambria Math"/>
+                                      </a:rPr>
+                                    </m:ctrlPr>
+                                  </m:accPr>
+                                  <m:e>
+                                    <m:r>
+                                      <m:rPr>
+                                        <m:sty m:val="p"/>
+                                      </m:rPr>
+                                      <a:rPr lang="el-GR" i="1">
+                                        <a:latin typeface="Cambria Math"/>
+                                        <a:ea typeface="Cambria Math"/>
+                                      </a:rPr>
+                                      <m:t>Φ</m:t>
+                                    </m:r>
+                                  </m:e>
+                                </m:acc>
+                              </m:e>
+                            </m:d>
+                            <m:r>
+                              <a:rPr lang="en-US" i="1">
+                                <a:latin typeface="Cambria Math"/>
+                                <a:ea typeface="Cambria Math"/>
+                              </a:rPr>
+                              <m:t>−</m:t>
+                            </m:r>
+                            <m:r>
+                              <m:rPr>
+                                <m:sty m:val="p"/>
+                              </m:rPr>
+                              <a:rPr lang="el-GR" i="1">
+                                <a:latin typeface="Cambria Math"/>
+                                <a:ea typeface="Cambria Math"/>
+                              </a:rPr>
+                              <m:t>Φ</m:t>
+                            </m:r>
+                          </m:e>
+                        </m:d>
+                      </m:e>
+                      <m:sup>
+                        <m:r>
+                          <a:rPr lang="en-US" b="0" i="1" smtClean="0">
+                            <a:latin typeface="Cambria Math"/>
+                            <a:ea typeface="Cambria Math"/>
+                          </a:rPr>
+                          <m:t>𝑇</m:t>
+                        </m:r>
+                      </m:sup>
+                    </m:sSup>
+                  </m:oMath>
+                </a14:m>
+                <a:endParaRPr lang="en-US" dirty="0"/>
+              </a:p>
+            </p:txBody>
+          </p:sp>
+        </mc:Choice>
+        <mc:Fallback>
+          <p:sp>
+            <p:nvSpPr>
+              <p:cNvPr id="13" name="TextBox 12"/>
+              <p:cNvSpPr txBox="1">
+                <a:spLocks noRot="1" noChangeAspect="1" noMove="1" noResize="1" noEditPoints="1" noAdjustHandles="1" noChangeArrowheads="1" noChangeShapeType="1" noTextEdit="1"/>
+              </p:cNvSpPr>
+              <p:nvPr/>
+            </p:nvSpPr>
+            <p:spPr>
+              <a:xfrm>
+                <a:off x="2218356" y="4495190"/>
+                <a:ext cx="5850063" cy="532775"/>
+              </a:xfrm>
+              <a:prstGeom prst="rect">
+                <a:avLst/>
+              </a:prstGeom>
+              <a:blipFill rotWithShape="1">
+                <a:blip r:embed="rId5"/>
+                <a:stretch>
+                  <a:fillRect b="-5682"/>
+                </a:stretch>
+              </a:blipFill>
+            </p:spPr>
+            <p:txBody>
+              <a:bodyPr/>
+              <a:lstStyle/>
+              <a:p>
+                <a:r>
+                  <a:rPr lang="en-US">
+                    <a:noFill/>
+                  </a:rPr>
+                  <a:t> </a:t>
+                </a:r>
+              </a:p>
+            </p:txBody>
+          </p:sp>
+        </mc:Fallback>
+      </mc:AlternateContent>
+      <p:sp>
+        <p:nvSpPr>
+          <p:cNvPr id="14" name="Freeform 13"/>
+          <p:cNvSpPr/>
+          <p:nvPr/>
+        </p:nvSpPr>
+        <p:spPr>
+          <a:xfrm>
+            <a:off x="2858423" y="3408883"/>
+            <a:ext cx="1435599" cy="1192378"/>
+          </a:xfrm>
+          <a:custGeom>
+            <a:avLst/>
+            <a:gdLst>
+              <a:gd name="connsiteX0" fmla="*/ 1820 w 1435599"/>
+              <a:gd name="connsiteY0" fmla="*/ 0 h 1192378"/>
+              <a:gd name="connsiteX1" fmla="*/ 184700 w 1435599"/>
+              <a:gd name="connsiteY1" fmla="*/ 453543 h 1192378"/>
+              <a:gd name="connsiteX2" fmla="*/ 1164937 w 1435599"/>
+              <a:gd name="connsiteY2" fmla="*/ 555955 h 1192378"/>
+              <a:gd name="connsiteX3" fmla="*/ 1435599 w 1435599"/>
+              <a:gd name="connsiteY3" fmla="*/ 1192378 h 1192378"/>
+            </a:gdLst>
+            <a:ahLst/>
+            <a:cxnLst>
+              <a:cxn ang="0">
+                <a:pos x="connsiteX0" y="connsiteY0"/>
+              </a:cxn>
+              <a:cxn ang="0">
+                <a:pos x="connsiteX1" y="connsiteY1"/>
+              </a:cxn>
+              <a:cxn ang="0">
+                <a:pos x="connsiteX2" y="connsiteY2"/>
+              </a:cxn>
+              <a:cxn ang="0">
+                <a:pos x="connsiteX3" y="connsiteY3"/>
+              </a:cxn>
+            </a:cxnLst>
+            <a:rect l="l" t="t" r="r" b="b"/>
+            <a:pathLst>
+              <a:path w="1435599" h="1192378">
+                <a:moveTo>
+                  <a:pt x="1820" y="0"/>
+                </a:moveTo>
+                <a:cubicBezTo>
+                  <a:pt x="-3667" y="180442"/>
+                  <a:pt x="-9153" y="360884"/>
+                  <a:pt x="184700" y="453543"/>
+                </a:cubicBezTo>
+                <a:cubicBezTo>
+                  <a:pt x="378553" y="546202"/>
+                  <a:pt x="956454" y="432816"/>
+                  <a:pt x="1164937" y="555955"/>
+                </a:cubicBezTo>
+                <a:cubicBezTo>
+                  <a:pt x="1373420" y="679094"/>
+                  <a:pt x="1404509" y="935736"/>
+                  <a:pt x="1435599" y="1192378"/>
+                </a:cubicBezTo>
+              </a:path>
+            </a:pathLst>
+          </a:custGeom>
+          <a:noFill/>
+          <a:ln>
+            <a:headEnd type="arrow" w="med" len="med"/>
+            <a:tailEnd type="arrow" w="med" len="med"/>
+          </a:ln>
+        </p:spPr>
+        <p:style>
+          <a:lnRef idx="1">
+            <a:schemeClr val="accent1"/>
+          </a:lnRef>
+          <a:fillRef idx="3">
+            <a:schemeClr val="accent1"/>
+          </a:fillRef>
+          <a:effectRef idx="2">
+            <a:schemeClr val="accent1"/>
+          </a:effectRef>
+          <a:fontRef idx="minor">
+            <a:schemeClr val="lt1"/>
+          </a:fontRef>
+        </p:style>
+        <p:txBody>
+          <a:bodyPr rtlCol="0" anchor="ctr"/>
+          <a:lstStyle/>
+          <a:p>
+            <a:pPr algn="ctr"/>
+            <a:endParaRPr lang="en-US"/>
+          </a:p>
+        </p:txBody>
+      </p:sp>
+      <p:sp>
+        <p:nvSpPr>
+          <p:cNvPr id="16" name="Left Brace 15"/>
+          <p:cNvSpPr/>
+          <p:nvPr/>
+        </p:nvSpPr>
+        <p:spPr>
+          <a:xfrm rot="16200000">
+            <a:off x="6633246" y="4009509"/>
+            <a:ext cx="204826" cy="2197846"/>
+          </a:xfrm>
+          <a:prstGeom prst="leftBrace">
+            <a:avLst/>
+          </a:prstGeom>
+          <a:ln w="9525"/>
+        </p:spPr>
+        <p:style>
+          <a:lnRef idx="2">
+            <a:schemeClr val="accent1"/>
+          </a:lnRef>
+          <a:fillRef idx="0">
+            <a:schemeClr val="accent1"/>
+          </a:fillRef>
+          <a:effectRef idx="1">
+            <a:schemeClr val="accent1"/>
+          </a:effectRef>
+          <a:fontRef idx="minor">
+            <a:schemeClr val="tx1"/>
+          </a:fontRef>
+        </p:style>
+        <p:txBody>
+          <a:bodyPr rtlCol="0" anchor="ctr"/>
+          <a:lstStyle/>
+          <a:p>
+            <a:pPr algn="ctr"/>
+            <a:endParaRPr lang="en-US"/>
+          </a:p>
+        </p:txBody>
+      </p:sp>
+      <p:sp>
+        <p:nvSpPr>
+          <p:cNvPr id="17" name="TextBox 16"/>
+          <p:cNvSpPr txBox="1"/>
+          <p:nvPr/>
+        </p:nvSpPr>
+        <p:spPr>
+          <a:xfrm>
+            <a:off x="6473952" y="5362042"/>
+            <a:ext cx="562975" cy="369332"/>
+          </a:xfrm>
+          <a:prstGeom prst="rect">
+            <a:avLst/>
+          </a:prstGeom>
+          <a:noFill/>
+        </p:spPr>
+        <p:txBody>
+          <a:bodyPr wrap="none" rtlCol="0">
+            <a:spAutoFit/>
+          </a:bodyPr>
+          <a:lstStyle/>
+          <a:p>
+            <a:r>
               <a:rPr lang="en-US" dirty="0" smtClean="0"/>
-              <a:t>Fisher Information Matrix</a:t>
+              <a:t>Bias</a:t>
             </a:r>
             <a:endParaRPr lang="en-US" dirty="0"/>
+          </a:p>
+        </p:txBody>
+      </p:sp>
+      <p:sp>
+        <p:nvSpPr>
+          <p:cNvPr id="18" name="Left Brace 17"/>
+          <p:cNvSpPr/>
+          <p:nvPr/>
+        </p:nvSpPr>
+        <p:spPr>
+          <a:xfrm rot="16200000">
+            <a:off x="4181039" y="4350907"/>
+            <a:ext cx="204826" cy="1719875"/>
+          </a:xfrm>
+          <a:prstGeom prst="leftBrace">
+            <a:avLst/>
+          </a:prstGeom>
+          <a:ln w="9525"/>
+        </p:spPr>
+        <p:style>
+          <a:lnRef idx="2">
+            <a:schemeClr val="accent1"/>
+          </a:lnRef>
+          <a:fillRef idx="0">
+            <a:schemeClr val="accent1"/>
+          </a:fillRef>
+          <a:effectRef idx="1">
+            <a:schemeClr val="accent1"/>
+          </a:effectRef>
+          <a:fontRef idx="minor">
+            <a:schemeClr val="tx1"/>
+          </a:fontRef>
+        </p:style>
+        <p:txBody>
+          <a:bodyPr rtlCol="0" anchor="ctr"/>
+          <a:lstStyle/>
+          <a:p>
+            <a:pPr algn="ctr"/>
+            <a:endParaRPr lang="en-US"/>
+          </a:p>
+        </p:txBody>
+      </p:sp>
+      <p:sp>
+        <p:nvSpPr>
+          <p:cNvPr id="19" name="TextBox 18"/>
+          <p:cNvSpPr txBox="1"/>
+          <p:nvPr/>
+        </p:nvSpPr>
+        <p:spPr>
+          <a:xfrm>
+            <a:off x="3799837" y="5464455"/>
+            <a:ext cx="1239526" cy="369332"/>
+          </a:xfrm>
+          <a:prstGeom prst="rect">
+            <a:avLst/>
+          </a:prstGeom>
+          <a:noFill/>
+        </p:spPr>
+        <p:txBody>
+          <a:bodyPr wrap="square" rtlCol="0">
+            <a:spAutoFit/>
+          </a:bodyPr>
+          <a:lstStyle/>
+          <a:p>
+            <a:r>
+              <a:rPr lang="en-US" dirty="0" smtClean="0"/>
+              <a:t>Variance</a:t>
+            </a:r>
+            <a:endParaRPr lang="en-US" dirty="0"/>
+          </a:p>
+        </p:txBody>
+      </p:sp>
+      <p:sp>
+        <p:nvSpPr>
+          <p:cNvPr id="20" name="TextBox 19"/>
+          <p:cNvSpPr txBox="1"/>
+          <p:nvPr/>
+        </p:nvSpPr>
+        <p:spPr>
+          <a:xfrm>
+            <a:off x="2617706" y="6137453"/>
+            <a:ext cx="3284425" cy="276999"/>
+          </a:xfrm>
+          <a:prstGeom prst="rect">
+            <a:avLst/>
+          </a:prstGeom>
+          <a:noFill/>
+        </p:spPr>
+        <p:txBody>
+          <a:bodyPr wrap="none" rtlCol="0">
+            <a:spAutoFit/>
+          </a:bodyPr>
+          <a:lstStyle/>
+          <a:p>
+            <a:r>
+              <a:rPr lang="en-US" sz="1200" dirty="0" smtClean="0"/>
+              <a:t>Mean Square Error: Measure of Registration Error</a:t>
+            </a:r>
+            <a:endParaRPr lang="en-US" sz="1200" dirty="0"/>
           </a:p>
         </p:txBody>
       </p:sp>

--- a/Presentation/CS679Presentation2.pptx
+++ b/Presentation/CS679Presentation2.pptx
@@ -2,7 +2,7 @@
 <file path=ppt/presentation.xml><?xml version="1.0" encoding="utf-8"?>
 <p:presentation xmlns:a="http://schemas.openxmlformats.org/drawingml/2006/main" xmlns:r="http://schemas.openxmlformats.org/officeDocument/2006/relationships" xmlns:p="http://schemas.openxmlformats.org/presentationml/2006/main" saveSubsetFonts="1" autoCompressPictures="0">
   <p:sldMasterIdLst>
-    <p:sldMasterId id="2147483648" r:id="rId1"/>
+    <p:sldMasterId id="2147483660" r:id="rId1"/>
   </p:sldMasterIdLst>
   <p:notesMasterIdLst>
     <p:notesMasterId r:id="rId16"/>
@@ -20,7 +20,7 @@
     <p:sldId id="265" r:id="rId11"/>
     <p:sldId id="263" r:id="rId12"/>
     <p:sldId id="272" r:id="rId13"/>
-    <p:sldId id="273" r:id="rId14"/>
+    <p:sldId id="274" r:id="rId14"/>
     <p:sldId id="261" r:id="rId15"/>
   </p:sldIdLst>
   <p:sldSz cx="9144000" cy="6858000" type="screen4x3"/>
@@ -558,7 +558,7 @@
 </file>
 
 <file path=ppt/slideLayouts/slideLayout1.xml><?xml version="1.0" encoding="utf-8"?>
-<p:sldLayout xmlns:a="http://schemas.openxmlformats.org/drawingml/2006/main" xmlns:r="http://schemas.openxmlformats.org/officeDocument/2006/relationships" xmlns:p="http://schemas.openxmlformats.org/presentationml/2006/main" type="title" preserve="1">
+<p:sldLayout xmlns:a="http://schemas.openxmlformats.org/drawingml/2006/main" xmlns:r="http://schemas.openxmlformats.org/officeDocument/2006/relationships" xmlns:p="http://schemas.openxmlformats.org/presentationml/2006/main" showMasterSp="0" type="title" preserve="1">
   <p:cSld name="Title Slide">
     <p:spTree>
       <p:nvGrpSpPr>
@@ -576,7 +576,7 @@
       </p:grpSpPr>
       <p:sp>
         <p:nvSpPr>
-          <p:cNvPr id="2" name="Title 1"/>
+          <p:cNvPr id="8" name="Title 7"/>
           <p:cNvSpPr>
             <a:spLocks noGrp="1"/>
           </p:cNvSpPr>
@@ -586,25 +586,33 @@
         </p:nvSpPr>
         <p:spPr>
           <a:xfrm>
-            <a:off x="685800" y="2130425"/>
-            <a:ext cx="7772400" cy="1470025"/>
-          </a:xfrm>
-        </p:spPr>
-        <p:txBody>
-          <a:bodyPr/>
-          <a:lstStyle/>
-          <a:p>
-            <a:r>
-              <a:rPr lang="en-US" smtClean="0"/>
+            <a:off x="1219200" y="3886200"/>
+            <a:ext cx="6858000" cy="990600"/>
+          </a:xfrm>
+        </p:spPr>
+        <p:txBody>
+          <a:bodyPr anchor="t" anchorCtr="0"/>
+          <a:lstStyle>
+            <a:lvl1pPr algn="r">
+              <a:defRPr sz="3200">
+                <a:solidFill>
+                  <a:schemeClr val="tx1"/>
+                </a:solidFill>
+              </a:defRPr>
+            </a:lvl1pPr>
+          </a:lstStyle>
+          <a:p>
+            <a:r>
+              <a:rPr kumimoji="0" lang="en-US" smtClean="0"/>
               <a:t>Click to edit Master title style</a:t>
             </a:r>
-            <a:endParaRPr lang="en-US"/>
-          </a:p>
-        </p:txBody>
-      </p:sp>
-      <p:sp>
-        <p:nvSpPr>
-          <p:cNvPr id="3" name="Subtitle 2"/>
+            <a:endParaRPr kumimoji="0" lang="en-US"/>
+          </a:p>
+        </p:txBody>
+      </p:sp>
+      <p:sp>
+        <p:nvSpPr>
+          <p:cNvPr id="9" name="Subtitle 8"/>
           <p:cNvSpPr>
             <a:spLocks noGrp="1"/>
           </p:cNvSpPr>
@@ -614,116 +622,61 @@
         </p:nvSpPr>
         <p:spPr>
           <a:xfrm>
-            <a:off x="1371600" y="3886200"/>
-            <a:ext cx="6400800" cy="1752600"/>
+            <a:off x="1219200" y="5124450"/>
+            <a:ext cx="6858000" cy="533400"/>
           </a:xfrm>
         </p:spPr>
         <p:txBody>
           <a:bodyPr/>
           <a:lstStyle>
-            <a:lvl1pPr marL="0" indent="0" algn="ctr">
+            <a:lvl1pPr marL="0" indent="0" algn="r">
               <a:buNone/>
-              <a:defRPr>
+              <a:defRPr sz="2000">
                 <a:solidFill>
-                  <a:schemeClr val="tx1">
-                    <a:tint val="75000"/>
-                  </a:schemeClr>
+                  <a:schemeClr val="tx2"/>
                 </a:solidFill>
+                <a:latin typeface="+mj-lt"/>
+                <a:ea typeface="+mj-ea"/>
+                <a:cs typeface="+mj-cs"/>
               </a:defRPr>
             </a:lvl1pPr>
             <a:lvl2pPr marL="457200" indent="0" algn="ctr">
               <a:buNone/>
-              <a:defRPr>
-                <a:solidFill>
-                  <a:schemeClr val="tx1">
-                    <a:tint val="75000"/>
-                  </a:schemeClr>
-                </a:solidFill>
-              </a:defRPr>
             </a:lvl2pPr>
             <a:lvl3pPr marL="914400" indent="0" algn="ctr">
               <a:buNone/>
-              <a:defRPr>
-                <a:solidFill>
-                  <a:schemeClr val="tx1">
-                    <a:tint val="75000"/>
-                  </a:schemeClr>
-                </a:solidFill>
-              </a:defRPr>
             </a:lvl3pPr>
             <a:lvl4pPr marL="1371600" indent="0" algn="ctr">
               <a:buNone/>
-              <a:defRPr>
-                <a:solidFill>
-                  <a:schemeClr val="tx1">
-                    <a:tint val="75000"/>
-                  </a:schemeClr>
-                </a:solidFill>
-              </a:defRPr>
             </a:lvl4pPr>
             <a:lvl5pPr marL="1828800" indent="0" algn="ctr">
               <a:buNone/>
-              <a:defRPr>
-                <a:solidFill>
-                  <a:schemeClr val="tx1">
-                    <a:tint val="75000"/>
-                  </a:schemeClr>
-                </a:solidFill>
-              </a:defRPr>
             </a:lvl5pPr>
             <a:lvl6pPr marL="2286000" indent="0" algn="ctr">
               <a:buNone/>
-              <a:defRPr>
-                <a:solidFill>
-                  <a:schemeClr val="tx1">
-                    <a:tint val="75000"/>
-                  </a:schemeClr>
-                </a:solidFill>
-              </a:defRPr>
             </a:lvl6pPr>
             <a:lvl7pPr marL="2743200" indent="0" algn="ctr">
               <a:buNone/>
-              <a:defRPr>
-                <a:solidFill>
-                  <a:schemeClr val="tx1">
-                    <a:tint val="75000"/>
-                  </a:schemeClr>
-                </a:solidFill>
-              </a:defRPr>
             </a:lvl7pPr>
             <a:lvl8pPr marL="3200400" indent="0" algn="ctr">
               <a:buNone/>
-              <a:defRPr>
-                <a:solidFill>
-                  <a:schemeClr val="tx1">
-                    <a:tint val="75000"/>
-                  </a:schemeClr>
-                </a:solidFill>
-              </a:defRPr>
             </a:lvl8pPr>
             <a:lvl9pPr marL="3657600" indent="0" algn="ctr">
               <a:buNone/>
-              <a:defRPr>
-                <a:solidFill>
-                  <a:schemeClr val="tx1">
-                    <a:tint val="75000"/>
-                  </a:schemeClr>
-                </a:solidFill>
-              </a:defRPr>
             </a:lvl9pPr>
           </a:lstStyle>
           <a:p>
             <a:r>
-              <a:rPr lang="en-US" smtClean="0"/>
+              <a:rPr kumimoji="0" lang="en-US" smtClean="0"/>
               <a:t>Click to edit Master subtitle style</a:t>
             </a:r>
-            <a:endParaRPr lang="en-US"/>
-          </a:p>
-        </p:txBody>
-      </p:sp>
-      <p:sp>
-        <p:nvSpPr>
-          <p:cNvPr id="4" name="Date Placeholder 3"/>
+            <a:endParaRPr kumimoji="0" lang="en-US"/>
+          </a:p>
+        </p:txBody>
+      </p:sp>
+      <p:sp>
+        <p:nvSpPr>
+          <p:cNvPr id="28" name="Date Placeholder 27"/>
           <p:cNvSpPr>
             <a:spLocks noGrp="1"/>
           </p:cNvSpPr>
@@ -731,10 +684,19 @@
             <p:ph type="dt" sz="half" idx="10"/>
           </p:nvPr>
         </p:nvSpPr>
-        <p:spPr/>
+        <p:spPr>
+          <a:xfrm>
+            <a:off x="6400800" y="6355080"/>
+            <a:ext cx="2286000" cy="365760"/>
+          </a:xfrm>
+        </p:spPr>
         <p:txBody>
           <a:bodyPr/>
-          <a:lstStyle/>
+          <a:lstStyle>
+            <a:lvl1pPr>
+              <a:defRPr sz="1400"/>
+            </a:lvl1pPr>
+          </a:lstStyle>
           <a:p>
             <a:fld id="{4C8834C2-7B47-694D-87BD-9D1EC16573D1}" type="datetimeFigureOut">
               <a:rPr lang="en-US" smtClean="0"/>
@@ -746,7 +708,7 @@
       </p:sp>
       <p:sp>
         <p:nvSpPr>
-          <p:cNvPr id="5" name="Footer Placeholder 4"/>
+          <p:cNvPr id="17" name="Footer Placeholder 16"/>
           <p:cNvSpPr>
             <a:spLocks noGrp="1"/>
           </p:cNvSpPr>
@@ -754,7 +716,12 @@
             <p:ph type="ftr" sz="quarter" idx="11"/>
           </p:nvPr>
         </p:nvSpPr>
-        <p:spPr/>
+        <p:spPr>
+          <a:xfrm>
+            <a:off x="2898648" y="6355080"/>
+            <a:ext cx="3474720" cy="365760"/>
+          </a:xfrm>
+        </p:spPr>
         <p:txBody>
           <a:bodyPr/>
           <a:lstStyle/>
@@ -765,7 +732,7 @@
       </p:sp>
       <p:sp>
         <p:nvSpPr>
-          <p:cNvPr id="6" name="Slide Number Placeholder 5"/>
+          <p:cNvPr id="29" name="Slide Number Placeholder 28"/>
           <p:cNvSpPr>
             <a:spLocks noGrp="1"/>
           </p:cNvSpPr>
@@ -773,7 +740,12 @@
             <p:ph type="sldNum" sz="quarter" idx="12"/>
           </p:nvPr>
         </p:nvSpPr>
-        <p:spPr/>
+        <p:spPr>
+          <a:xfrm>
+            <a:off x="1216152" y="6355080"/>
+            <a:ext cx="1219200" cy="365760"/>
+          </a:xfrm>
+        </p:spPr>
         <p:txBody>
           <a:bodyPr/>
           <a:lstStyle/>
@@ -786,12 +758,191 @@
           </a:p>
         </p:txBody>
       </p:sp>
+      <p:sp>
+        <p:nvSpPr>
+          <p:cNvPr id="21" name="Rectangle 20"/>
+          <p:cNvSpPr/>
+          <p:nvPr/>
+        </p:nvSpPr>
+        <p:spPr>
+          <a:xfrm>
+            <a:off x="904875" y="3648075"/>
+            <a:ext cx="7315200" cy="1280160"/>
+          </a:xfrm>
+          <a:prstGeom prst="rect">
+            <a:avLst/>
+          </a:prstGeom>
+          <a:noFill/>
+          <a:ln w="6350" cap="rnd" cmpd="sng" algn="ctr">
+            <a:solidFill>
+              <a:schemeClr val="accent1"/>
+            </a:solidFill>
+            <a:prstDash val="solid"/>
+          </a:ln>
+          <a:effectLst/>
+        </p:spPr>
+        <p:style>
+          <a:lnRef idx="3">
+            <a:schemeClr val="lt1"/>
+          </a:lnRef>
+          <a:fillRef idx="1">
+            <a:schemeClr val="accent1"/>
+          </a:fillRef>
+          <a:effectRef idx="1">
+            <a:schemeClr val="accent1"/>
+          </a:effectRef>
+          <a:fontRef idx="minor">
+            <a:schemeClr val="lt1"/>
+          </a:fontRef>
+        </p:style>
+        <p:txBody>
+          <a:bodyPr anchor="ctr"/>
+          <a:lstStyle/>
+          <a:p>
+            <a:pPr algn="ctr" eaLnBrk="1" latinLnBrk="0" hangingPunct="1"/>
+            <a:endParaRPr kumimoji="0" lang="en-US"/>
+          </a:p>
+        </p:txBody>
+      </p:sp>
+      <p:sp>
+        <p:nvSpPr>
+          <p:cNvPr id="33" name="Rectangle 32"/>
+          <p:cNvSpPr/>
+          <p:nvPr/>
+        </p:nvSpPr>
+        <p:spPr>
+          <a:xfrm>
+            <a:off x="914400" y="5048250"/>
+            <a:ext cx="7315200" cy="685800"/>
+          </a:xfrm>
+          <a:prstGeom prst="rect">
+            <a:avLst/>
+          </a:prstGeom>
+          <a:noFill/>
+          <a:ln w="6350" cap="rnd" cmpd="sng" algn="ctr">
+            <a:solidFill>
+              <a:schemeClr val="accent2"/>
+            </a:solidFill>
+            <a:prstDash val="solid"/>
+          </a:ln>
+          <a:effectLst/>
+        </p:spPr>
+        <p:style>
+          <a:lnRef idx="3">
+            <a:schemeClr val="lt1"/>
+          </a:lnRef>
+          <a:fillRef idx="1">
+            <a:schemeClr val="accent1"/>
+          </a:fillRef>
+          <a:effectRef idx="1">
+            <a:schemeClr val="accent1"/>
+          </a:effectRef>
+          <a:fontRef idx="minor">
+            <a:schemeClr val="lt1"/>
+          </a:fontRef>
+        </p:style>
+        <p:txBody>
+          <a:bodyPr anchor="ctr"/>
+          <a:lstStyle/>
+          <a:p>
+            <a:pPr algn="ctr" eaLnBrk="1" latinLnBrk="0" hangingPunct="1"/>
+            <a:endParaRPr kumimoji="0" lang="en-US"/>
+          </a:p>
+        </p:txBody>
+      </p:sp>
+      <p:sp>
+        <p:nvSpPr>
+          <p:cNvPr id="22" name="Rectangle 21"/>
+          <p:cNvSpPr/>
+          <p:nvPr/>
+        </p:nvSpPr>
+        <p:spPr>
+          <a:xfrm>
+            <a:off x="904875" y="3648075"/>
+            <a:ext cx="228600" cy="1280160"/>
+          </a:xfrm>
+          <a:prstGeom prst="rect">
+            <a:avLst/>
+          </a:prstGeom>
+          <a:solidFill>
+            <a:schemeClr val="accent1"/>
+          </a:solidFill>
+          <a:ln w="6350" cap="rnd" cmpd="sng" algn="ctr">
+            <a:noFill/>
+            <a:prstDash val="solid"/>
+          </a:ln>
+          <a:effectLst/>
+        </p:spPr>
+        <p:style>
+          <a:lnRef idx="3">
+            <a:schemeClr val="lt1"/>
+          </a:lnRef>
+          <a:fillRef idx="1">
+            <a:schemeClr val="accent1"/>
+          </a:fillRef>
+          <a:effectRef idx="1">
+            <a:schemeClr val="accent1"/>
+          </a:effectRef>
+          <a:fontRef idx="minor">
+            <a:schemeClr val="lt1"/>
+          </a:fontRef>
+        </p:style>
+        <p:txBody>
+          <a:bodyPr anchor="ctr"/>
+          <a:lstStyle/>
+          <a:p>
+            <a:pPr algn="ctr" eaLnBrk="1" latinLnBrk="0" hangingPunct="1"/>
+            <a:endParaRPr kumimoji="0" lang="en-US"/>
+          </a:p>
+        </p:txBody>
+      </p:sp>
+      <p:sp>
+        <p:nvSpPr>
+          <p:cNvPr id="32" name="Rectangle 31"/>
+          <p:cNvSpPr/>
+          <p:nvPr/>
+        </p:nvSpPr>
+        <p:spPr>
+          <a:xfrm>
+            <a:off x="914400" y="5048250"/>
+            <a:ext cx="228600" cy="685800"/>
+          </a:xfrm>
+          <a:prstGeom prst="rect">
+            <a:avLst/>
+          </a:prstGeom>
+          <a:solidFill>
+            <a:schemeClr val="accent2"/>
+          </a:solidFill>
+          <a:ln w="6350" cap="rnd" cmpd="sng" algn="ctr">
+            <a:noFill/>
+            <a:prstDash val="solid"/>
+          </a:ln>
+          <a:effectLst/>
+        </p:spPr>
+        <p:style>
+          <a:lnRef idx="3">
+            <a:schemeClr val="lt1"/>
+          </a:lnRef>
+          <a:fillRef idx="1">
+            <a:schemeClr val="accent1"/>
+          </a:fillRef>
+          <a:effectRef idx="1">
+            <a:schemeClr val="accent1"/>
+          </a:effectRef>
+          <a:fontRef idx="minor">
+            <a:schemeClr val="lt1"/>
+          </a:fontRef>
+        </p:style>
+        <p:txBody>
+          <a:bodyPr anchor="ctr"/>
+          <a:lstStyle/>
+          <a:p>
+            <a:pPr algn="ctr" eaLnBrk="1" latinLnBrk="0" hangingPunct="1"/>
+            <a:endParaRPr kumimoji="0" lang="en-US"/>
+          </a:p>
+        </p:txBody>
+      </p:sp>
     </p:spTree>
-    <p:extLst>
-      <p:ext uri="{BB962C8B-B14F-4D97-AF65-F5344CB8AC3E}">
-        <p14:creationId xmlns:p14="http://schemas.microsoft.com/office/powerpoint/2010/main" val="467719830"/>
-      </p:ext>
-    </p:extLst>
   </p:cSld>
   <p:clrMapOvr>
     <a:masterClrMapping/>
@@ -832,10 +983,10 @@
           <a:lstStyle/>
           <a:p>
             <a:r>
-              <a:rPr lang="en-US" smtClean="0"/>
+              <a:rPr kumimoji="0" lang="en-US" smtClean="0"/>
               <a:t>Click to edit Master title style</a:t>
             </a:r>
-            <a:endParaRPr lang="en-US"/>
+            <a:endParaRPr kumimoji="0" lang="en-US"/>
           </a:p>
         </p:txBody>
       </p:sp>
@@ -854,40 +1005,40 @@
           <a:bodyPr vert="eaVert"/>
           <a:lstStyle/>
           <a:p>
-            <a:pPr lvl="0"/>
+            <a:pPr lvl="0" eaLnBrk="1" latinLnBrk="0" hangingPunct="1"/>
             <a:r>
               <a:rPr lang="en-US" smtClean="0"/>
               <a:t>Click to edit Master text styles</a:t>
             </a:r>
           </a:p>
           <a:p>
-            <a:pPr lvl="1"/>
+            <a:pPr lvl="1" eaLnBrk="1" latinLnBrk="0" hangingPunct="1"/>
             <a:r>
               <a:rPr lang="en-US" smtClean="0"/>
               <a:t>Second level</a:t>
             </a:r>
           </a:p>
           <a:p>
-            <a:pPr lvl="2"/>
+            <a:pPr lvl="2" eaLnBrk="1" latinLnBrk="0" hangingPunct="1"/>
             <a:r>
               <a:rPr lang="en-US" smtClean="0"/>
               <a:t>Third level</a:t>
             </a:r>
           </a:p>
           <a:p>
-            <a:pPr lvl="3"/>
+            <a:pPr lvl="3" eaLnBrk="1" latinLnBrk="0" hangingPunct="1"/>
             <a:r>
               <a:rPr lang="en-US" smtClean="0"/>
               <a:t>Fourth level</a:t>
             </a:r>
           </a:p>
           <a:p>
-            <a:pPr lvl="4"/>
+            <a:pPr lvl="4" eaLnBrk="1" latinLnBrk="0" hangingPunct="1"/>
             <a:r>
               <a:rPr lang="en-US" smtClean="0"/>
               <a:t>Fifth level</a:t>
             </a:r>
-            <a:endParaRPr lang="en-US"/>
+            <a:endParaRPr kumimoji="0" lang="en-US"/>
           </a:p>
         </p:txBody>
       </p:sp>
@@ -957,11 +1108,6 @@
         </p:txBody>
       </p:sp>
     </p:spTree>
-    <p:extLst>
-      <p:ext uri="{BB962C8B-B14F-4D97-AF65-F5344CB8AC3E}">
-        <p14:creationId xmlns:p14="http://schemas.microsoft.com/office/powerpoint/2010/main" val="3479454953"/>
-      </p:ext>
-    </p:extLst>
   </p:cSld>
   <p:clrMapOvr>
     <a:masterClrMapping/>
@@ -970,7 +1116,7 @@
 </file>
 
 <file path=ppt/slideLayouts/slideLayout11.xml><?xml version="1.0" encoding="utf-8"?>
-<p:sldLayout xmlns:a="http://schemas.openxmlformats.org/drawingml/2006/main" xmlns:r="http://schemas.openxmlformats.org/officeDocument/2006/relationships" xmlns:p="http://schemas.openxmlformats.org/presentationml/2006/main" type="vertTitleAndTx" preserve="1">
+<p:sldLayout xmlns:a="http://schemas.openxmlformats.org/drawingml/2006/main" xmlns:r="http://schemas.openxmlformats.org/officeDocument/2006/relationships" xmlns:p="http://schemas.openxmlformats.org/presentationml/2006/main" showMasterSp="0" type="vertTitleAndTx" preserve="1">
   <p:cSld name="Vertical Title and Text">
     <p:spTree>
       <p:nvGrpSpPr>
@@ -1007,10 +1153,10 @@
           <a:lstStyle/>
           <a:p>
             <a:r>
-              <a:rPr lang="en-US" smtClean="0"/>
+              <a:rPr kumimoji="0" lang="en-US" smtClean="0"/>
               <a:t>Click to edit Master title style</a:t>
             </a:r>
-            <a:endParaRPr lang="en-US"/>
+            <a:endParaRPr kumimoji="0" lang="en-US"/>
           </a:p>
         </p:txBody>
       </p:sp>
@@ -1034,40 +1180,40 @@
           <a:bodyPr vert="eaVert"/>
           <a:lstStyle/>
           <a:p>
-            <a:pPr lvl="0"/>
+            <a:pPr lvl="0" eaLnBrk="1" latinLnBrk="0" hangingPunct="1"/>
             <a:r>
               <a:rPr lang="en-US" smtClean="0"/>
               <a:t>Click to edit Master text styles</a:t>
             </a:r>
           </a:p>
           <a:p>
-            <a:pPr lvl="1"/>
+            <a:pPr lvl="1" eaLnBrk="1" latinLnBrk="0" hangingPunct="1"/>
             <a:r>
               <a:rPr lang="en-US" smtClean="0"/>
               <a:t>Second level</a:t>
             </a:r>
           </a:p>
           <a:p>
-            <a:pPr lvl="2"/>
+            <a:pPr lvl="2" eaLnBrk="1" latinLnBrk="0" hangingPunct="1"/>
             <a:r>
               <a:rPr lang="en-US" smtClean="0"/>
               <a:t>Third level</a:t>
             </a:r>
           </a:p>
           <a:p>
-            <a:pPr lvl="3"/>
+            <a:pPr lvl="3" eaLnBrk="1" latinLnBrk="0" hangingPunct="1"/>
             <a:r>
               <a:rPr lang="en-US" smtClean="0"/>
               <a:t>Fourth level</a:t>
             </a:r>
           </a:p>
           <a:p>
-            <a:pPr lvl="4"/>
+            <a:pPr lvl="4" eaLnBrk="1" latinLnBrk="0" hangingPunct="1"/>
             <a:r>
               <a:rPr lang="en-US" smtClean="0"/>
               <a:t>Fifth level</a:t>
             </a:r>
-            <a:endParaRPr lang="en-US"/>
+            <a:endParaRPr kumimoji="0" lang="en-US"/>
           </a:p>
         </p:txBody>
       </p:sp>
@@ -1136,12 +1282,129 @@
           </a:p>
         </p:txBody>
       </p:sp>
+      <p:sp>
+        <p:nvSpPr>
+          <p:cNvPr id="7" name="Straight Connector 6"/>
+          <p:cNvSpPr>
+            <a:spLocks noChangeShapeType="1"/>
+          </p:cNvSpPr>
+          <p:nvPr/>
+        </p:nvSpPr>
+        <p:spPr bwMode="auto">
+          <a:xfrm>
+            <a:off x="457200" y="6353175"/>
+            <a:ext cx="8229600" cy="0"/>
+          </a:xfrm>
+          <a:prstGeom prst="line">
+            <a:avLst/>
+          </a:prstGeom>
+          <a:noFill/>
+          <a:ln w="9525" cap="flat" cmpd="sng" algn="ctr">
+            <a:solidFill>
+              <a:schemeClr val="accent2"/>
+            </a:solidFill>
+            <a:prstDash val="dash"/>
+            <a:round/>
+            <a:headEnd type="none" w="med" len="med"/>
+            <a:tailEnd type="none" w="med" len="med"/>
+          </a:ln>
+          <a:effectLst/>
+        </p:spPr>
+        <p:txBody>
+          <a:bodyPr vert="horz" wrap="square" lIns="91440" tIns="45720" rIns="91440" bIns="45720" anchor="t" compatLnSpc="1"/>
+          <a:lstStyle/>
+          <a:p>
+            <a:endParaRPr kumimoji="0" lang="en-US"/>
+          </a:p>
+        </p:txBody>
+      </p:sp>
+      <p:sp>
+        <p:nvSpPr>
+          <p:cNvPr id="8" name="Isosceles Triangle 7"/>
+          <p:cNvSpPr>
+            <a:spLocks noChangeAspect="1"/>
+          </p:cNvSpPr>
+          <p:nvPr/>
+        </p:nvSpPr>
+        <p:spPr>
+          <a:xfrm rot="5400000">
+            <a:off x="419100" y="6467475"/>
+            <a:ext cx="190849" cy="120314"/>
+          </a:xfrm>
+          <a:prstGeom prst="triangle">
+            <a:avLst>
+              <a:gd name="adj" fmla="val 50000"/>
+            </a:avLst>
+          </a:prstGeom>
+          <a:solidFill>
+            <a:schemeClr val="accent2"/>
+          </a:solidFill>
+          <a:ln w="25400" cap="rnd" cmpd="sng" algn="ctr">
+            <a:noFill/>
+            <a:prstDash val="solid"/>
+          </a:ln>
+          <a:effectLst/>
+        </p:spPr>
+        <p:style>
+          <a:lnRef idx="3">
+            <a:schemeClr val="lt1"/>
+          </a:lnRef>
+          <a:fillRef idx="1">
+            <a:schemeClr val="accent1"/>
+          </a:fillRef>
+          <a:effectRef idx="1">
+            <a:schemeClr val="accent1"/>
+          </a:effectRef>
+          <a:fontRef idx="minor">
+            <a:schemeClr val="lt1"/>
+          </a:fontRef>
+        </p:style>
+        <p:txBody>
+          <a:bodyPr anchor="ctr"/>
+          <a:lstStyle/>
+          <a:p>
+            <a:pPr algn="ctr" eaLnBrk="1" latinLnBrk="0" hangingPunct="1"/>
+            <a:endParaRPr kumimoji="0" lang="en-US"/>
+          </a:p>
+        </p:txBody>
+      </p:sp>
+      <p:sp>
+        <p:nvSpPr>
+          <p:cNvPr id="9" name="Straight Connector 8"/>
+          <p:cNvSpPr>
+            <a:spLocks noChangeShapeType="1"/>
+          </p:cNvSpPr>
+          <p:nvPr/>
+        </p:nvSpPr>
+        <p:spPr bwMode="auto">
+          <a:xfrm rot="5400000">
+            <a:off x="3629607" y="3201952"/>
+            <a:ext cx="5852160" cy="0"/>
+          </a:xfrm>
+          <a:prstGeom prst="line">
+            <a:avLst/>
+          </a:prstGeom>
+          <a:noFill/>
+          <a:ln w="9525" cap="flat" cmpd="sng" algn="ctr">
+            <a:solidFill>
+              <a:schemeClr val="accent2"/>
+            </a:solidFill>
+            <a:prstDash val="dash"/>
+            <a:round/>
+            <a:headEnd type="none" w="med" len="med"/>
+            <a:tailEnd type="none" w="med" len="med"/>
+          </a:ln>
+          <a:effectLst/>
+        </p:spPr>
+        <p:txBody>
+          <a:bodyPr vert="horz" wrap="square" lIns="91440" tIns="45720" rIns="91440" bIns="45720" anchor="t" compatLnSpc="1"/>
+          <a:lstStyle/>
+          <a:p>
+            <a:endParaRPr kumimoji="0" lang="en-US"/>
+          </a:p>
+        </p:txBody>
+      </p:sp>
     </p:spTree>
-    <p:extLst>
-      <p:ext uri="{BB962C8B-B14F-4D97-AF65-F5344CB8AC3E}">
-        <p14:creationId xmlns:p14="http://schemas.microsoft.com/office/powerpoint/2010/main" val="1504458972"/>
-      </p:ext>
-    </p:extLst>
   </p:cSld>
   <p:clrMapOvr>
     <a:masterClrMapping/>
@@ -1182,62 +1445,10 @@
           <a:lstStyle/>
           <a:p>
             <a:r>
-              <a:rPr lang="en-US" smtClean="0"/>
+              <a:rPr kumimoji="0" lang="en-US" smtClean="0"/>
               <a:t>Click to edit Master title style</a:t>
             </a:r>
-            <a:endParaRPr lang="en-US"/>
-          </a:p>
-        </p:txBody>
-      </p:sp>
-      <p:sp>
-        <p:nvSpPr>
-          <p:cNvPr id="3" name="Content Placeholder 2"/>
-          <p:cNvSpPr>
-            <a:spLocks noGrp="1"/>
-          </p:cNvSpPr>
-          <p:nvPr>
-            <p:ph idx="1"/>
-          </p:nvPr>
-        </p:nvSpPr>
-        <p:spPr/>
-        <p:txBody>
-          <a:bodyPr/>
-          <a:lstStyle/>
-          <a:p>
-            <a:pPr lvl="0"/>
-            <a:r>
-              <a:rPr lang="en-US" smtClean="0"/>
-              <a:t>Click to edit Master text styles</a:t>
-            </a:r>
-          </a:p>
-          <a:p>
-            <a:pPr lvl="1"/>
-            <a:r>
-              <a:rPr lang="en-US" smtClean="0"/>
-              <a:t>Second level</a:t>
-            </a:r>
-          </a:p>
-          <a:p>
-            <a:pPr lvl="2"/>
-            <a:r>
-              <a:rPr lang="en-US" smtClean="0"/>
-              <a:t>Third level</a:t>
-            </a:r>
-          </a:p>
-          <a:p>
-            <a:pPr lvl="3"/>
-            <a:r>
-              <a:rPr lang="en-US" smtClean="0"/>
-              <a:t>Fourth level</a:t>
-            </a:r>
-          </a:p>
-          <a:p>
-            <a:pPr lvl="4"/>
-            <a:r>
-              <a:rPr lang="en-US" smtClean="0"/>
-              <a:t>Fifth level</a:t>
-            </a:r>
-            <a:endParaRPr lang="en-US"/>
+            <a:endParaRPr kumimoji="0" lang="en-US"/>
           </a:p>
         </p:txBody>
       </p:sp>
@@ -1306,12 +1517,64 @@
           </a:p>
         </p:txBody>
       </p:sp>
+      <p:sp>
+        <p:nvSpPr>
+          <p:cNvPr id="8" name="Content Placeholder 7"/>
+          <p:cNvSpPr>
+            <a:spLocks noGrp="1"/>
+          </p:cNvSpPr>
+          <p:nvPr>
+            <p:ph sz="quarter" idx="1"/>
+          </p:nvPr>
+        </p:nvSpPr>
+        <p:spPr>
+          <a:xfrm>
+            <a:off x="457200" y="1219200"/>
+            <a:ext cx="8229600" cy="4937760"/>
+          </a:xfrm>
+        </p:spPr>
+        <p:txBody>
+          <a:bodyPr/>
+          <a:lstStyle/>
+          <a:p>
+            <a:pPr lvl="0" eaLnBrk="1" latinLnBrk="0" hangingPunct="1"/>
+            <a:r>
+              <a:rPr lang="en-US" smtClean="0"/>
+              <a:t>Click to edit Master text styles</a:t>
+            </a:r>
+          </a:p>
+          <a:p>
+            <a:pPr lvl="1" eaLnBrk="1" latinLnBrk="0" hangingPunct="1"/>
+            <a:r>
+              <a:rPr lang="en-US" smtClean="0"/>
+              <a:t>Second level</a:t>
+            </a:r>
+          </a:p>
+          <a:p>
+            <a:pPr lvl="2" eaLnBrk="1" latinLnBrk="0" hangingPunct="1"/>
+            <a:r>
+              <a:rPr lang="en-US" smtClean="0"/>
+              <a:t>Third level</a:t>
+            </a:r>
+          </a:p>
+          <a:p>
+            <a:pPr lvl="3" eaLnBrk="1" latinLnBrk="0" hangingPunct="1"/>
+            <a:r>
+              <a:rPr lang="en-US" smtClean="0"/>
+              <a:t>Fourth level</a:t>
+            </a:r>
+          </a:p>
+          <a:p>
+            <a:pPr lvl="4" eaLnBrk="1" latinLnBrk="0" hangingPunct="1"/>
+            <a:r>
+              <a:rPr lang="en-US" smtClean="0"/>
+              <a:t>Fifth level</a:t>
+            </a:r>
+            <a:endParaRPr kumimoji="0" lang="en-US"/>
+          </a:p>
+        </p:txBody>
+      </p:sp>
     </p:spTree>
-    <p:extLst>
-      <p:ext uri="{BB962C8B-B14F-4D97-AF65-F5344CB8AC3E}">
-        <p14:creationId xmlns:p14="http://schemas.microsoft.com/office/powerpoint/2010/main" val="373460775"/>
-      </p:ext>
-    </p:extLst>
   </p:cSld>
   <p:clrMapOvr>
     <a:masterClrMapping/>
@@ -1320,8 +1583,13 @@
 </file>
 
 <file path=ppt/slideLayouts/slideLayout3.xml><?xml version="1.0" encoding="utf-8"?>
-<p:sldLayout xmlns:a="http://schemas.openxmlformats.org/drawingml/2006/main" xmlns:r="http://schemas.openxmlformats.org/officeDocument/2006/relationships" xmlns:p="http://schemas.openxmlformats.org/presentationml/2006/main" type="secHead" preserve="1">
+<p:sldLayout xmlns:a="http://schemas.openxmlformats.org/drawingml/2006/main" xmlns:r="http://schemas.openxmlformats.org/officeDocument/2006/relationships" xmlns:p="http://schemas.openxmlformats.org/presentationml/2006/main" showMasterSp="0" type="secHead" preserve="1">
   <p:cSld name="Section Header">
+    <p:bg>
+      <p:bgRef idx="1001">
+        <a:schemeClr val="bg2"/>
+      </p:bgRef>
+    </p:bg>
     <p:spTree>
       <p:nvGrpSpPr>
         <p:cNvPr id="1" name=""/>
@@ -1348,23 +1616,24 @@
         </p:nvSpPr>
         <p:spPr>
           <a:xfrm>
-            <a:off x="722313" y="4406900"/>
-            <a:ext cx="7772400" cy="1362075"/>
-          </a:xfrm>
-        </p:spPr>
-        <p:txBody>
-          <a:bodyPr anchor="t"/>
+            <a:off x="1219200" y="2971800"/>
+            <a:ext cx="6858000" cy="1066800"/>
+          </a:xfrm>
+        </p:spPr>
+        <p:txBody>
+          <a:bodyPr anchor="t" anchorCtr="0"/>
           <a:lstStyle>
-            <a:lvl1pPr algn="l">
-              <a:defRPr sz="4000" b="1" cap="all"/>
+            <a:lvl1pPr algn="r">
+              <a:buNone/>
+              <a:defRPr sz="3200" b="0" cap="none" baseline="0"/>
             </a:lvl1pPr>
           </a:lstStyle>
           <a:p>
             <a:r>
-              <a:rPr lang="en-US" smtClean="0"/>
+              <a:rPr kumimoji="0" lang="en-US" smtClean="0"/>
               <a:t>Click to edit Master title style</a:t>
             </a:r>
-            <a:endParaRPr lang="en-US"/>
+            <a:endParaRPr kumimoji="0" lang="en-US"/>
           </a:p>
         </p:txBody>
       </p:sp>
@@ -1380,14 +1649,14 @@
         </p:nvSpPr>
         <p:spPr>
           <a:xfrm>
-            <a:off x="722313" y="2906713"/>
-            <a:ext cx="7772400" cy="1500187"/>
-          </a:xfrm>
-        </p:spPr>
-        <p:txBody>
-          <a:bodyPr anchor="b"/>
+            <a:off x="1295400" y="4267200"/>
+            <a:ext cx="6781800" cy="1143000"/>
+          </a:xfrm>
+        </p:spPr>
+        <p:txBody>
+          <a:bodyPr anchor="t" anchorCtr="0"/>
           <a:lstStyle>
-            <a:lvl1pPr marL="0" indent="0">
+            <a:lvl1pPr marL="0" indent="0" algn="r">
               <a:buNone/>
               <a:defRPr sz="2000">
                 <a:solidFill>
@@ -1397,7 +1666,7 @@
                 </a:solidFill>
               </a:defRPr>
             </a:lvl1pPr>
-            <a:lvl2pPr marL="457200" indent="0">
+            <a:lvl2pPr>
               <a:buNone/>
               <a:defRPr sz="1800">
                 <a:solidFill>
@@ -1407,7 +1676,7 @@
                 </a:solidFill>
               </a:defRPr>
             </a:lvl2pPr>
-            <a:lvl3pPr marL="914400" indent="0">
+            <a:lvl3pPr>
               <a:buNone/>
               <a:defRPr sz="1600">
                 <a:solidFill>
@@ -1417,7 +1686,7 @@
                 </a:solidFill>
               </a:defRPr>
             </a:lvl3pPr>
-            <a:lvl4pPr marL="1371600" indent="0">
+            <a:lvl4pPr>
               <a:buNone/>
               <a:defRPr sz="1400">
                 <a:solidFill>
@@ -1427,7 +1696,7 @@
                 </a:solidFill>
               </a:defRPr>
             </a:lvl4pPr>
-            <a:lvl5pPr marL="1828800" indent="0">
+            <a:lvl5pPr>
               <a:buNone/>
               <a:defRPr sz="1400">
                 <a:solidFill>
@@ -1437,51 +1706,11 @@
                 </a:solidFill>
               </a:defRPr>
             </a:lvl5pPr>
-            <a:lvl6pPr marL="2286000" indent="0">
-              <a:buNone/>
-              <a:defRPr sz="1400">
-                <a:solidFill>
-                  <a:schemeClr val="tx1">
-                    <a:tint val="75000"/>
-                  </a:schemeClr>
-                </a:solidFill>
-              </a:defRPr>
-            </a:lvl6pPr>
-            <a:lvl7pPr marL="2743200" indent="0">
-              <a:buNone/>
-              <a:defRPr sz="1400">
-                <a:solidFill>
-                  <a:schemeClr val="tx1">
-                    <a:tint val="75000"/>
-                  </a:schemeClr>
-                </a:solidFill>
-              </a:defRPr>
-            </a:lvl7pPr>
-            <a:lvl8pPr marL="3200400" indent="0">
-              <a:buNone/>
-              <a:defRPr sz="1400">
-                <a:solidFill>
-                  <a:schemeClr val="tx1">
-                    <a:tint val="75000"/>
-                  </a:schemeClr>
-                </a:solidFill>
-              </a:defRPr>
-            </a:lvl8pPr>
-            <a:lvl9pPr marL="3657600" indent="0">
-              <a:buNone/>
-              <a:defRPr sz="1400">
-                <a:solidFill>
-                  <a:schemeClr val="tx1">
-                    <a:tint val="75000"/>
-                  </a:schemeClr>
-                </a:solidFill>
-              </a:defRPr>
-            </a:lvl9pPr>
           </a:lstStyle>
           <a:p>
-            <a:pPr lvl="0"/>
-            <a:r>
-              <a:rPr lang="en-US" smtClean="0"/>
+            <a:pPr lvl="0" eaLnBrk="1" latinLnBrk="0" hangingPunct="1"/>
+            <a:r>
+              <a:rPr kumimoji="0" lang="en-US" smtClean="0"/>
               <a:t>Click to edit Master text styles</a:t>
             </a:r>
           </a:p>
@@ -1497,7 +1726,12 @@
             <p:ph type="dt" sz="half" idx="10"/>
           </p:nvPr>
         </p:nvSpPr>
-        <p:spPr/>
+        <p:spPr>
+          <a:xfrm>
+            <a:off x="6400800" y="6355080"/>
+            <a:ext cx="2286000" cy="365760"/>
+          </a:xfrm>
+        </p:spPr>
         <p:txBody>
           <a:bodyPr/>
           <a:lstStyle/>
@@ -1520,7 +1754,12 @@
             <p:ph type="ftr" sz="quarter" idx="11"/>
           </p:nvPr>
         </p:nvSpPr>
-        <p:spPr/>
+        <p:spPr>
+          <a:xfrm>
+            <a:off x="2898648" y="6355080"/>
+            <a:ext cx="3474720" cy="365760"/>
+          </a:xfrm>
+        </p:spPr>
         <p:txBody>
           <a:bodyPr/>
           <a:lstStyle/>
@@ -1539,7 +1778,12 @@
             <p:ph type="sldNum" sz="quarter" idx="12"/>
           </p:nvPr>
         </p:nvSpPr>
-        <p:spPr/>
+        <p:spPr>
+          <a:xfrm>
+            <a:off x="1069848" y="6355080"/>
+            <a:ext cx="1520952" cy="365760"/>
+          </a:xfrm>
+        </p:spPr>
         <p:txBody>
           <a:bodyPr/>
           <a:lstStyle/>
@@ -1552,15 +1796,102 @@
           </a:p>
         </p:txBody>
       </p:sp>
+      <p:sp>
+        <p:nvSpPr>
+          <p:cNvPr id="7" name="Rectangle 6"/>
+          <p:cNvSpPr/>
+          <p:nvPr/>
+        </p:nvSpPr>
+        <p:spPr>
+          <a:xfrm>
+            <a:off x="914400" y="2819400"/>
+            <a:ext cx="7315200" cy="1280160"/>
+          </a:xfrm>
+          <a:prstGeom prst="rect">
+            <a:avLst/>
+          </a:prstGeom>
+          <a:noFill/>
+          <a:ln w="6350" cap="rnd" cmpd="sng" algn="ctr">
+            <a:solidFill>
+              <a:schemeClr val="accent1"/>
+            </a:solidFill>
+            <a:prstDash val="solid"/>
+          </a:ln>
+          <a:effectLst/>
+        </p:spPr>
+        <p:style>
+          <a:lnRef idx="3">
+            <a:schemeClr val="lt1"/>
+          </a:lnRef>
+          <a:fillRef idx="1">
+            <a:schemeClr val="accent1"/>
+          </a:fillRef>
+          <a:effectRef idx="1">
+            <a:schemeClr val="accent1"/>
+          </a:effectRef>
+          <a:fontRef idx="minor">
+            <a:schemeClr val="lt1"/>
+          </a:fontRef>
+        </p:style>
+        <p:txBody>
+          <a:bodyPr anchor="ctr"/>
+          <a:lstStyle/>
+          <a:p>
+            <a:pPr algn="ctr" eaLnBrk="1" latinLnBrk="0" hangingPunct="1"/>
+            <a:endParaRPr kumimoji="0" lang="en-US"/>
+          </a:p>
+        </p:txBody>
+      </p:sp>
+      <p:sp>
+        <p:nvSpPr>
+          <p:cNvPr id="8" name="Rectangle 7"/>
+          <p:cNvSpPr/>
+          <p:nvPr/>
+        </p:nvSpPr>
+        <p:spPr>
+          <a:xfrm>
+            <a:off x="914400" y="2819400"/>
+            <a:ext cx="228600" cy="1280160"/>
+          </a:xfrm>
+          <a:prstGeom prst="rect">
+            <a:avLst/>
+          </a:prstGeom>
+          <a:solidFill>
+            <a:schemeClr val="accent1"/>
+          </a:solidFill>
+          <a:ln w="6350" cap="rnd" cmpd="sng" algn="ctr">
+            <a:noFill/>
+            <a:prstDash val="solid"/>
+          </a:ln>
+          <a:effectLst/>
+        </p:spPr>
+        <p:style>
+          <a:lnRef idx="3">
+            <a:schemeClr val="lt1"/>
+          </a:lnRef>
+          <a:fillRef idx="1">
+            <a:schemeClr val="accent1"/>
+          </a:fillRef>
+          <a:effectRef idx="1">
+            <a:schemeClr val="accent1"/>
+          </a:effectRef>
+          <a:fontRef idx="minor">
+            <a:schemeClr val="lt1"/>
+          </a:fontRef>
+        </p:style>
+        <p:txBody>
+          <a:bodyPr anchor="ctr"/>
+          <a:lstStyle/>
+          <a:p>
+            <a:pPr algn="ctr" eaLnBrk="1" latinLnBrk="0" hangingPunct="1"/>
+            <a:endParaRPr kumimoji="0" lang="en-US"/>
+          </a:p>
+        </p:txBody>
+      </p:sp>
     </p:spTree>
-    <p:extLst>
-      <p:ext uri="{BB962C8B-B14F-4D97-AF65-F5344CB8AC3E}">
-        <p14:creationId xmlns:p14="http://schemas.microsoft.com/office/powerpoint/2010/main" val="1805551523"/>
-      </p:ext>
-    </p:extLst>
   </p:cSld>
   <p:clrMapOvr>
-    <a:masterClrMapping/>
+    <a:overrideClrMapping bg1="dk1" tx1="lt1" bg2="dk2" tx2="lt2" accent1="accent1" accent2="accent2" accent3="accent3" accent4="accent4" accent5="accent5" accent6="accent6" hlink="hlink" folHlink="folHlink"/>
   </p:clrMapOvr>
 </p:sldLayout>
 </file>
@@ -1592,186 +1923,21 @@
             <p:ph type="title"/>
           </p:nvPr>
         </p:nvSpPr>
-        <p:spPr/>
+        <p:spPr>
+          <a:xfrm>
+            <a:off x="457200" y="228600"/>
+            <a:ext cx="8229600" cy="914400"/>
+          </a:xfrm>
+        </p:spPr>
         <p:txBody>
           <a:bodyPr/>
           <a:lstStyle/>
           <a:p>
             <a:r>
-              <a:rPr lang="en-US" smtClean="0"/>
+              <a:rPr kumimoji="0" lang="en-US" smtClean="0"/>
               <a:t>Click to edit Master title style</a:t>
             </a:r>
-            <a:endParaRPr lang="en-US"/>
-          </a:p>
-        </p:txBody>
-      </p:sp>
-      <p:sp>
-        <p:nvSpPr>
-          <p:cNvPr id="3" name="Content Placeholder 2"/>
-          <p:cNvSpPr>
-            <a:spLocks noGrp="1"/>
-          </p:cNvSpPr>
-          <p:nvPr>
-            <p:ph sz="half" idx="1"/>
-          </p:nvPr>
-        </p:nvSpPr>
-        <p:spPr>
-          <a:xfrm>
-            <a:off x="457200" y="1600200"/>
-            <a:ext cx="4038600" cy="4525963"/>
-          </a:xfrm>
-        </p:spPr>
-        <p:txBody>
-          <a:bodyPr/>
-          <a:lstStyle>
-            <a:lvl1pPr>
-              <a:defRPr sz="2800"/>
-            </a:lvl1pPr>
-            <a:lvl2pPr>
-              <a:defRPr sz="2400"/>
-            </a:lvl2pPr>
-            <a:lvl3pPr>
-              <a:defRPr sz="2000"/>
-            </a:lvl3pPr>
-            <a:lvl4pPr>
-              <a:defRPr sz="1800"/>
-            </a:lvl4pPr>
-            <a:lvl5pPr>
-              <a:defRPr sz="1800"/>
-            </a:lvl5pPr>
-            <a:lvl6pPr>
-              <a:defRPr sz="1800"/>
-            </a:lvl6pPr>
-            <a:lvl7pPr>
-              <a:defRPr sz="1800"/>
-            </a:lvl7pPr>
-            <a:lvl8pPr>
-              <a:defRPr sz="1800"/>
-            </a:lvl8pPr>
-            <a:lvl9pPr>
-              <a:defRPr sz="1800"/>
-            </a:lvl9pPr>
-          </a:lstStyle>
-          <a:p>
-            <a:pPr lvl="0"/>
-            <a:r>
-              <a:rPr lang="en-US" smtClean="0"/>
-              <a:t>Click to edit Master text styles</a:t>
-            </a:r>
-          </a:p>
-          <a:p>
-            <a:pPr lvl="1"/>
-            <a:r>
-              <a:rPr lang="en-US" smtClean="0"/>
-              <a:t>Second level</a:t>
-            </a:r>
-          </a:p>
-          <a:p>
-            <a:pPr lvl="2"/>
-            <a:r>
-              <a:rPr lang="en-US" smtClean="0"/>
-              <a:t>Third level</a:t>
-            </a:r>
-          </a:p>
-          <a:p>
-            <a:pPr lvl="3"/>
-            <a:r>
-              <a:rPr lang="en-US" smtClean="0"/>
-              <a:t>Fourth level</a:t>
-            </a:r>
-          </a:p>
-          <a:p>
-            <a:pPr lvl="4"/>
-            <a:r>
-              <a:rPr lang="en-US" smtClean="0"/>
-              <a:t>Fifth level</a:t>
-            </a:r>
-            <a:endParaRPr lang="en-US"/>
-          </a:p>
-        </p:txBody>
-      </p:sp>
-      <p:sp>
-        <p:nvSpPr>
-          <p:cNvPr id="4" name="Content Placeholder 3"/>
-          <p:cNvSpPr>
-            <a:spLocks noGrp="1"/>
-          </p:cNvSpPr>
-          <p:nvPr>
-            <p:ph sz="half" idx="2"/>
-          </p:nvPr>
-        </p:nvSpPr>
-        <p:spPr>
-          <a:xfrm>
-            <a:off x="4648200" y="1600200"/>
-            <a:ext cx="4038600" cy="4525963"/>
-          </a:xfrm>
-        </p:spPr>
-        <p:txBody>
-          <a:bodyPr/>
-          <a:lstStyle>
-            <a:lvl1pPr>
-              <a:defRPr sz="2800"/>
-            </a:lvl1pPr>
-            <a:lvl2pPr>
-              <a:defRPr sz="2400"/>
-            </a:lvl2pPr>
-            <a:lvl3pPr>
-              <a:defRPr sz="2000"/>
-            </a:lvl3pPr>
-            <a:lvl4pPr>
-              <a:defRPr sz="1800"/>
-            </a:lvl4pPr>
-            <a:lvl5pPr>
-              <a:defRPr sz="1800"/>
-            </a:lvl5pPr>
-            <a:lvl6pPr>
-              <a:defRPr sz="1800"/>
-            </a:lvl6pPr>
-            <a:lvl7pPr>
-              <a:defRPr sz="1800"/>
-            </a:lvl7pPr>
-            <a:lvl8pPr>
-              <a:defRPr sz="1800"/>
-            </a:lvl8pPr>
-            <a:lvl9pPr>
-              <a:defRPr sz="1800"/>
-            </a:lvl9pPr>
-          </a:lstStyle>
-          <a:p>
-            <a:pPr lvl="0"/>
-            <a:r>
-              <a:rPr lang="en-US" smtClean="0"/>
-              <a:t>Click to edit Master text styles</a:t>
-            </a:r>
-          </a:p>
-          <a:p>
-            <a:pPr lvl="1"/>
-            <a:r>
-              <a:rPr lang="en-US" smtClean="0"/>
-              <a:t>Second level</a:t>
-            </a:r>
-          </a:p>
-          <a:p>
-            <a:pPr lvl="2"/>
-            <a:r>
-              <a:rPr lang="en-US" smtClean="0"/>
-              <a:t>Third level</a:t>
-            </a:r>
-          </a:p>
-          <a:p>
-            <a:pPr lvl="3"/>
-            <a:r>
-              <a:rPr lang="en-US" smtClean="0"/>
-              <a:t>Fourth level</a:t>
-            </a:r>
-          </a:p>
-          <a:p>
-            <a:pPr lvl="4"/>
-            <a:r>
-              <a:rPr lang="en-US" smtClean="0"/>
-              <a:t>Fifth level</a:t>
-            </a:r>
-            <a:endParaRPr lang="en-US"/>
+            <a:endParaRPr kumimoji="0" lang="en-US"/>
           </a:p>
         </p:txBody>
       </p:sp>
@@ -1840,12 +2006,121 @@
           </a:p>
         </p:txBody>
       </p:sp>
+      <p:sp>
+        <p:nvSpPr>
+          <p:cNvPr id="9" name="Content Placeholder 8"/>
+          <p:cNvSpPr>
+            <a:spLocks noGrp="1"/>
+          </p:cNvSpPr>
+          <p:nvPr>
+            <p:ph sz="quarter" idx="1"/>
+          </p:nvPr>
+        </p:nvSpPr>
+        <p:spPr>
+          <a:xfrm>
+            <a:off x="457200" y="1219200"/>
+            <a:ext cx="4041648" cy="4937760"/>
+          </a:xfrm>
+        </p:spPr>
+        <p:txBody>
+          <a:bodyPr/>
+          <a:lstStyle/>
+          <a:p>
+            <a:pPr lvl="0" eaLnBrk="1" latinLnBrk="0" hangingPunct="1"/>
+            <a:r>
+              <a:rPr lang="en-US" smtClean="0"/>
+              <a:t>Click to edit Master text styles</a:t>
+            </a:r>
+          </a:p>
+          <a:p>
+            <a:pPr lvl="1" eaLnBrk="1" latinLnBrk="0" hangingPunct="1"/>
+            <a:r>
+              <a:rPr lang="en-US" smtClean="0"/>
+              <a:t>Second level</a:t>
+            </a:r>
+          </a:p>
+          <a:p>
+            <a:pPr lvl="2" eaLnBrk="1" latinLnBrk="0" hangingPunct="1"/>
+            <a:r>
+              <a:rPr lang="en-US" smtClean="0"/>
+              <a:t>Third level</a:t>
+            </a:r>
+          </a:p>
+          <a:p>
+            <a:pPr lvl="3" eaLnBrk="1" latinLnBrk="0" hangingPunct="1"/>
+            <a:r>
+              <a:rPr lang="en-US" smtClean="0"/>
+              <a:t>Fourth level</a:t>
+            </a:r>
+          </a:p>
+          <a:p>
+            <a:pPr lvl="4" eaLnBrk="1" latinLnBrk="0" hangingPunct="1"/>
+            <a:r>
+              <a:rPr lang="en-US" smtClean="0"/>
+              <a:t>Fifth level</a:t>
+            </a:r>
+            <a:endParaRPr kumimoji="0" lang="en-US"/>
+          </a:p>
+        </p:txBody>
+      </p:sp>
+      <p:sp>
+        <p:nvSpPr>
+          <p:cNvPr id="11" name="Content Placeholder 10"/>
+          <p:cNvSpPr>
+            <a:spLocks noGrp="1"/>
+          </p:cNvSpPr>
+          <p:nvPr>
+            <p:ph sz="quarter" idx="2"/>
+          </p:nvPr>
+        </p:nvSpPr>
+        <p:spPr>
+          <a:xfrm>
+            <a:off x="4632198" y="1216152"/>
+            <a:ext cx="4041648" cy="4937760"/>
+          </a:xfrm>
+        </p:spPr>
+        <p:txBody>
+          <a:bodyPr/>
+          <a:lstStyle/>
+          <a:p>
+            <a:pPr lvl="0" eaLnBrk="1" latinLnBrk="0" hangingPunct="1"/>
+            <a:r>
+              <a:rPr lang="en-US" smtClean="0"/>
+              <a:t>Click to edit Master text styles</a:t>
+            </a:r>
+          </a:p>
+          <a:p>
+            <a:pPr lvl="1" eaLnBrk="1" latinLnBrk="0" hangingPunct="1"/>
+            <a:r>
+              <a:rPr lang="en-US" smtClean="0"/>
+              <a:t>Second level</a:t>
+            </a:r>
+          </a:p>
+          <a:p>
+            <a:pPr lvl="2" eaLnBrk="1" latinLnBrk="0" hangingPunct="1"/>
+            <a:r>
+              <a:rPr lang="en-US" smtClean="0"/>
+              <a:t>Third level</a:t>
+            </a:r>
+          </a:p>
+          <a:p>
+            <a:pPr lvl="3" eaLnBrk="1" latinLnBrk="0" hangingPunct="1"/>
+            <a:r>
+              <a:rPr lang="en-US" smtClean="0"/>
+              <a:t>Fourth level</a:t>
+            </a:r>
+          </a:p>
+          <a:p>
+            <a:pPr lvl="4" eaLnBrk="1" latinLnBrk="0" hangingPunct="1"/>
+            <a:r>
+              <a:rPr lang="en-US" smtClean="0"/>
+              <a:t>Fifth level</a:t>
+            </a:r>
+            <a:endParaRPr kumimoji="0" lang="en-US"/>
+          </a:p>
+        </p:txBody>
+      </p:sp>
     </p:spTree>
-    <p:extLst>
-      <p:ext uri="{BB962C8B-B14F-4D97-AF65-F5344CB8AC3E}">
-        <p14:creationId xmlns:p14="http://schemas.microsoft.com/office/powerpoint/2010/main" val="1733506490"/>
-      </p:ext>
-    </p:extLst>
   </p:cSld>
   <p:clrMapOvr>
     <a:masterClrMapping/>
@@ -1880,9 +2155,14 @@
             <p:ph type="title"/>
           </p:nvPr>
         </p:nvSpPr>
-        <p:spPr/>
-        <p:txBody>
-          <a:bodyPr/>
+        <p:spPr>
+          <a:xfrm>
+            <a:off x="457200" y="228600"/>
+            <a:ext cx="8229600" cy="914400"/>
+          </a:xfrm>
+        </p:spPr>
+        <p:txBody>
+          <a:bodyPr anchor="ctr"/>
           <a:lstStyle>
             <a:lvl1pPr>
               <a:defRPr/>
@@ -1890,10 +2170,10 @@
           </a:lstStyle>
           <a:p>
             <a:r>
-              <a:rPr lang="en-US" smtClean="0"/>
+              <a:rPr kumimoji="0" lang="en-US" smtClean="0"/>
               <a:t>Click to edit Master title style</a:t>
             </a:r>
-            <a:endParaRPr lang="en-US"/>
+            <a:endParaRPr kumimoji="0" lang="en-US"/>
           </a:p>
         </p:txBody>
       </p:sp>
@@ -1909,54 +2189,48 @@
         </p:nvSpPr>
         <p:spPr>
           <a:xfrm>
-            <a:off x="457200" y="1535113"/>
-            <a:ext cx="4040188" cy="639762"/>
-          </a:xfrm>
-        </p:spPr>
-        <p:txBody>
-          <a:bodyPr anchor="b"/>
+            <a:off x="457200" y="1285875"/>
+            <a:ext cx="4040188" cy="685800"/>
+          </a:xfrm>
+          <a:noFill/>
+          <a:ln>
+            <a:noFill/>
+          </a:ln>
+        </p:spPr>
+        <p:txBody>
+          <a:bodyPr lIns="91440" anchor="b" anchorCtr="0">
+            <a:noAutofit/>
+          </a:bodyPr>
           <a:lstStyle>
             <a:lvl1pPr marL="0" indent="0">
               <a:buNone/>
-              <a:defRPr sz="2400" b="1"/>
+              <a:defRPr sz="2400" b="1">
+                <a:solidFill>
+                  <a:schemeClr val="accent2"/>
+                </a:solidFill>
+              </a:defRPr>
             </a:lvl1pPr>
-            <a:lvl2pPr marL="457200" indent="0">
+            <a:lvl2pPr>
               <a:buNone/>
               <a:defRPr sz="2000" b="1"/>
             </a:lvl2pPr>
-            <a:lvl3pPr marL="914400" indent="0">
+            <a:lvl3pPr>
               <a:buNone/>
               <a:defRPr sz="1800" b="1"/>
             </a:lvl3pPr>
-            <a:lvl4pPr marL="1371600" indent="0">
+            <a:lvl4pPr>
               <a:buNone/>
               <a:defRPr sz="1600" b="1"/>
             </a:lvl4pPr>
-            <a:lvl5pPr marL="1828800" indent="0">
+            <a:lvl5pPr>
               <a:buNone/>
               <a:defRPr sz="1600" b="1"/>
             </a:lvl5pPr>
-            <a:lvl6pPr marL="2286000" indent="0">
-              <a:buNone/>
-              <a:defRPr sz="1600" b="1"/>
-            </a:lvl6pPr>
-            <a:lvl7pPr marL="2743200" indent="0">
-              <a:buNone/>
-              <a:defRPr sz="1600" b="1"/>
-            </a:lvl7pPr>
-            <a:lvl8pPr marL="3200400" indent="0">
-              <a:buNone/>
-              <a:defRPr sz="1600" b="1"/>
-            </a:lvl8pPr>
-            <a:lvl9pPr marL="3657600" indent="0">
-              <a:buNone/>
-              <a:defRPr sz="1600" b="1"/>
-            </a:lvl9pPr>
           </a:lstStyle>
           <a:p>
-            <a:pPr lvl="0"/>
-            <a:r>
-              <a:rPr lang="en-US" smtClean="0"/>
+            <a:pPr lvl="0" eaLnBrk="1" latinLnBrk="0" hangingPunct="1"/>
+            <a:r>
+              <a:rPr kumimoji="0" lang="en-US" smtClean="0"/>
               <a:t>Click to edit Master text styles</a:t>
             </a:r>
           </a:p>
@@ -1964,236 +2238,58 @@
       </p:sp>
       <p:sp>
         <p:nvSpPr>
-          <p:cNvPr id="4" name="Content Placeholder 3"/>
+          <p:cNvPr id="4" name="Text Placeholder 3"/>
           <p:cNvSpPr>
             <a:spLocks noGrp="1"/>
           </p:cNvSpPr>
           <p:nvPr>
-            <p:ph sz="half" idx="2"/>
+            <p:ph type="body" sz="half" idx="3"/>
           </p:nvPr>
         </p:nvSpPr>
         <p:spPr>
           <a:xfrm>
-            <a:off x="457200" y="2174875"/>
-            <a:ext cx="4040188" cy="3951288"/>
-          </a:xfrm>
-        </p:spPr>
-        <p:txBody>
-          <a:bodyPr/>
-          <a:lstStyle>
-            <a:lvl1pPr>
-              <a:defRPr sz="2400"/>
-            </a:lvl1pPr>
-            <a:lvl2pPr>
-              <a:defRPr sz="2000"/>
-            </a:lvl2pPr>
-            <a:lvl3pPr>
-              <a:defRPr sz="1800"/>
-            </a:lvl3pPr>
-            <a:lvl4pPr>
-              <a:defRPr sz="1600"/>
-            </a:lvl4pPr>
-            <a:lvl5pPr>
-              <a:defRPr sz="1600"/>
-            </a:lvl5pPr>
-            <a:lvl6pPr>
-              <a:defRPr sz="1600"/>
-            </a:lvl6pPr>
-            <a:lvl7pPr>
-              <a:defRPr sz="1600"/>
-            </a:lvl7pPr>
-            <a:lvl8pPr>
-              <a:defRPr sz="1600"/>
-            </a:lvl8pPr>
-            <a:lvl9pPr>
-              <a:defRPr sz="1600"/>
-            </a:lvl9pPr>
-          </a:lstStyle>
-          <a:p>
-            <a:pPr lvl="0"/>
-            <a:r>
-              <a:rPr lang="en-US" smtClean="0"/>
-              <a:t>Click to edit Master text styles</a:t>
-            </a:r>
-          </a:p>
-          <a:p>
-            <a:pPr lvl="1"/>
-            <a:r>
-              <a:rPr lang="en-US" smtClean="0"/>
-              <a:t>Second level</a:t>
-            </a:r>
-          </a:p>
-          <a:p>
-            <a:pPr lvl="2"/>
-            <a:r>
-              <a:rPr lang="en-US" smtClean="0"/>
-              <a:t>Third level</a:t>
-            </a:r>
-          </a:p>
-          <a:p>
-            <a:pPr lvl="3"/>
-            <a:r>
-              <a:rPr lang="en-US" smtClean="0"/>
-              <a:t>Fourth level</a:t>
-            </a:r>
-          </a:p>
-          <a:p>
-            <a:pPr lvl="4"/>
-            <a:r>
-              <a:rPr lang="en-US" smtClean="0"/>
-              <a:t>Fifth level</a:t>
-            </a:r>
-            <a:endParaRPr lang="en-US"/>
-          </a:p>
-        </p:txBody>
-      </p:sp>
-      <p:sp>
-        <p:nvSpPr>
-          <p:cNvPr id="5" name="Text Placeholder 4"/>
-          <p:cNvSpPr>
-            <a:spLocks noGrp="1"/>
-          </p:cNvSpPr>
-          <p:nvPr>
-            <p:ph type="body" sz="quarter" idx="3"/>
-          </p:nvPr>
-        </p:nvSpPr>
-        <p:spPr>
-          <a:xfrm>
-            <a:off x="4645025" y="1535113"/>
-            <a:ext cx="4041775" cy="639762"/>
-          </a:xfrm>
-        </p:spPr>
-        <p:txBody>
-          <a:bodyPr anchor="b"/>
+            <a:off x="4648200" y="1295400"/>
+            <a:ext cx="4041775" cy="685800"/>
+          </a:xfrm>
+          <a:noFill/>
+          <a:ln>
+            <a:noFill/>
+          </a:ln>
+        </p:spPr>
+        <p:txBody>
+          <a:bodyPr lIns="91440" anchor="b" anchorCtr="0"/>
           <a:lstStyle>
             <a:lvl1pPr marL="0" indent="0">
               <a:buNone/>
-              <a:defRPr sz="2400" b="1"/>
+              <a:defRPr sz="2400" b="1">
+                <a:solidFill>
+                  <a:schemeClr val="accent2"/>
+                </a:solidFill>
+              </a:defRPr>
             </a:lvl1pPr>
-            <a:lvl2pPr marL="457200" indent="0">
+            <a:lvl2pPr>
               <a:buNone/>
               <a:defRPr sz="2000" b="1"/>
             </a:lvl2pPr>
-            <a:lvl3pPr marL="914400" indent="0">
+            <a:lvl3pPr>
               <a:buNone/>
               <a:defRPr sz="1800" b="1"/>
             </a:lvl3pPr>
-            <a:lvl4pPr marL="1371600" indent="0">
+            <a:lvl4pPr>
               <a:buNone/>
               <a:defRPr sz="1600" b="1"/>
             </a:lvl4pPr>
-            <a:lvl5pPr marL="1828800" indent="0">
+            <a:lvl5pPr>
               <a:buNone/>
               <a:defRPr sz="1600" b="1"/>
             </a:lvl5pPr>
-            <a:lvl6pPr marL="2286000" indent="0">
-              <a:buNone/>
-              <a:defRPr sz="1600" b="1"/>
-            </a:lvl6pPr>
-            <a:lvl7pPr marL="2743200" indent="0">
-              <a:buNone/>
-              <a:defRPr sz="1600" b="1"/>
-            </a:lvl7pPr>
-            <a:lvl8pPr marL="3200400" indent="0">
-              <a:buNone/>
-              <a:defRPr sz="1600" b="1"/>
-            </a:lvl8pPr>
-            <a:lvl9pPr marL="3657600" indent="0">
-              <a:buNone/>
-              <a:defRPr sz="1600" b="1"/>
-            </a:lvl9pPr>
           </a:lstStyle>
           <a:p>
-            <a:pPr lvl="0"/>
-            <a:r>
-              <a:rPr lang="en-US" smtClean="0"/>
+            <a:pPr lvl="0" eaLnBrk="1" latinLnBrk="0" hangingPunct="1"/>
+            <a:r>
+              <a:rPr kumimoji="0" lang="en-US" smtClean="0"/>
               <a:t>Click to edit Master text styles</a:t>
             </a:r>
-          </a:p>
-        </p:txBody>
-      </p:sp>
-      <p:sp>
-        <p:nvSpPr>
-          <p:cNvPr id="6" name="Content Placeholder 5"/>
-          <p:cNvSpPr>
-            <a:spLocks noGrp="1"/>
-          </p:cNvSpPr>
-          <p:nvPr>
-            <p:ph sz="quarter" idx="4"/>
-          </p:nvPr>
-        </p:nvSpPr>
-        <p:spPr>
-          <a:xfrm>
-            <a:off x="4645025" y="2174875"/>
-            <a:ext cx="4041775" cy="3951288"/>
-          </a:xfrm>
-        </p:spPr>
-        <p:txBody>
-          <a:bodyPr/>
-          <a:lstStyle>
-            <a:lvl1pPr>
-              <a:defRPr sz="2400"/>
-            </a:lvl1pPr>
-            <a:lvl2pPr>
-              <a:defRPr sz="2000"/>
-            </a:lvl2pPr>
-            <a:lvl3pPr>
-              <a:defRPr sz="1800"/>
-            </a:lvl3pPr>
-            <a:lvl4pPr>
-              <a:defRPr sz="1600"/>
-            </a:lvl4pPr>
-            <a:lvl5pPr>
-              <a:defRPr sz="1600"/>
-            </a:lvl5pPr>
-            <a:lvl6pPr>
-              <a:defRPr sz="1600"/>
-            </a:lvl6pPr>
-            <a:lvl7pPr>
-              <a:defRPr sz="1600"/>
-            </a:lvl7pPr>
-            <a:lvl8pPr>
-              <a:defRPr sz="1600"/>
-            </a:lvl8pPr>
-            <a:lvl9pPr>
-              <a:defRPr sz="1600"/>
-            </a:lvl9pPr>
-          </a:lstStyle>
-          <a:p>
-            <a:pPr lvl="0"/>
-            <a:r>
-              <a:rPr lang="en-US" smtClean="0"/>
-              <a:t>Click to edit Master text styles</a:t>
-            </a:r>
-          </a:p>
-          <a:p>
-            <a:pPr lvl="1"/>
-            <a:r>
-              <a:rPr lang="en-US" smtClean="0"/>
-              <a:t>Second level</a:t>
-            </a:r>
-          </a:p>
-          <a:p>
-            <a:pPr lvl="2"/>
-            <a:r>
-              <a:rPr lang="en-US" smtClean="0"/>
-              <a:t>Third level</a:t>
-            </a:r>
-          </a:p>
-          <a:p>
-            <a:pPr lvl="3"/>
-            <a:r>
-              <a:rPr lang="en-US" smtClean="0"/>
-              <a:t>Fourth level</a:t>
-            </a:r>
-          </a:p>
-          <a:p>
-            <a:pPr lvl="4"/>
-            <a:r>
-              <a:rPr lang="en-US" smtClean="0"/>
-              <a:t>Fifth level</a:t>
-            </a:r>
-            <a:endParaRPr lang="en-US"/>
           </a:p>
         </p:txBody>
       </p:sp>
@@ -2262,12 +2358,121 @@
           </a:p>
         </p:txBody>
       </p:sp>
+      <p:sp>
+        <p:nvSpPr>
+          <p:cNvPr id="11" name="Content Placeholder 10"/>
+          <p:cNvSpPr>
+            <a:spLocks noGrp="1"/>
+          </p:cNvSpPr>
+          <p:nvPr>
+            <p:ph sz="quarter" idx="2"/>
+          </p:nvPr>
+        </p:nvSpPr>
+        <p:spPr>
+          <a:xfrm>
+            <a:off x="457200" y="2133600"/>
+            <a:ext cx="4038600" cy="4038600"/>
+          </a:xfrm>
+        </p:spPr>
+        <p:txBody>
+          <a:bodyPr/>
+          <a:lstStyle/>
+          <a:p>
+            <a:pPr lvl="0" eaLnBrk="1" latinLnBrk="0" hangingPunct="1"/>
+            <a:r>
+              <a:rPr lang="en-US" smtClean="0"/>
+              <a:t>Click to edit Master text styles</a:t>
+            </a:r>
+          </a:p>
+          <a:p>
+            <a:pPr lvl="1" eaLnBrk="1" latinLnBrk="0" hangingPunct="1"/>
+            <a:r>
+              <a:rPr lang="en-US" smtClean="0"/>
+              <a:t>Second level</a:t>
+            </a:r>
+          </a:p>
+          <a:p>
+            <a:pPr lvl="2" eaLnBrk="1" latinLnBrk="0" hangingPunct="1"/>
+            <a:r>
+              <a:rPr lang="en-US" smtClean="0"/>
+              <a:t>Third level</a:t>
+            </a:r>
+          </a:p>
+          <a:p>
+            <a:pPr lvl="3" eaLnBrk="1" latinLnBrk="0" hangingPunct="1"/>
+            <a:r>
+              <a:rPr lang="en-US" smtClean="0"/>
+              <a:t>Fourth level</a:t>
+            </a:r>
+          </a:p>
+          <a:p>
+            <a:pPr lvl="4" eaLnBrk="1" latinLnBrk="0" hangingPunct="1"/>
+            <a:r>
+              <a:rPr lang="en-US" smtClean="0"/>
+              <a:t>Fifth level</a:t>
+            </a:r>
+            <a:endParaRPr kumimoji="0" lang="en-US"/>
+          </a:p>
+        </p:txBody>
+      </p:sp>
+      <p:sp>
+        <p:nvSpPr>
+          <p:cNvPr id="13" name="Content Placeholder 12"/>
+          <p:cNvSpPr>
+            <a:spLocks noGrp="1"/>
+          </p:cNvSpPr>
+          <p:nvPr>
+            <p:ph sz="quarter" idx="4"/>
+          </p:nvPr>
+        </p:nvSpPr>
+        <p:spPr>
+          <a:xfrm>
+            <a:off x="4648200" y="2133600"/>
+            <a:ext cx="4038600" cy="4038600"/>
+          </a:xfrm>
+        </p:spPr>
+        <p:txBody>
+          <a:bodyPr/>
+          <a:lstStyle/>
+          <a:p>
+            <a:pPr lvl="0" eaLnBrk="1" latinLnBrk="0" hangingPunct="1"/>
+            <a:r>
+              <a:rPr lang="en-US" smtClean="0"/>
+              <a:t>Click to edit Master text styles</a:t>
+            </a:r>
+          </a:p>
+          <a:p>
+            <a:pPr lvl="1" eaLnBrk="1" latinLnBrk="0" hangingPunct="1"/>
+            <a:r>
+              <a:rPr lang="en-US" smtClean="0"/>
+              <a:t>Second level</a:t>
+            </a:r>
+          </a:p>
+          <a:p>
+            <a:pPr lvl="2" eaLnBrk="1" latinLnBrk="0" hangingPunct="1"/>
+            <a:r>
+              <a:rPr lang="en-US" smtClean="0"/>
+              <a:t>Third level</a:t>
+            </a:r>
+          </a:p>
+          <a:p>
+            <a:pPr lvl="3" eaLnBrk="1" latinLnBrk="0" hangingPunct="1"/>
+            <a:r>
+              <a:rPr lang="en-US" smtClean="0"/>
+              <a:t>Fourth level</a:t>
+            </a:r>
+          </a:p>
+          <a:p>
+            <a:pPr lvl="4" eaLnBrk="1" latinLnBrk="0" hangingPunct="1"/>
+            <a:r>
+              <a:rPr lang="en-US" smtClean="0"/>
+              <a:t>Fifth level</a:t>
+            </a:r>
+            <a:endParaRPr kumimoji="0" lang="en-US"/>
+          </a:p>
+        </p:txBody>
+      </p:sp>
     </p:spTree>
-    <p:extLst>
-      <p:ext uri="{BB962C8B-B14F-4D97-AF65-F5344CB8AC3E}">
-        <p14:creationId xmlns:p14="http://schemas.microsoft.com/office/powerpoint/2010/main" val="3084649692"/>
-      </p:ext>
-    </p:extLst>
   </p:cSld>
   <p:clrMapOvr>
     <a:masterClrMapping/>
@@ -2302,16 +2507,21 @@
             <p:ph type="title"/>
           </p:nvPr>
         </p:nvSpPr>
-        <p:spPr/>
+        <p:spPr>
+          <a:xfrm>
+            <a:off x="457200" y="228600"/>
+            <a:ext cx="8229600" cy="914400"/>
+          </a:xfrm>
+        </p:spPr>
         <p:txBody>
           <a:bodyPr/>
           <a:lstStyle/>
           <a:p>
             <a:r>
-              <a:rPr lang="en-US" smtClean="0"/>
+              <a:rPr kumimoji="0" lang="en-US" smtClean="0"/>
               <a:t>Click to edit Master title style</a:t>
             </a:r>
-            <a:endParaRPr lang="en-US"/>
+            <a:endParaRPr kumimoji="0" lang="en-US"/>
           </a:p>
         </p:txBody>
       </p:sp>
@@ -2380,12 +2590,57 @@
           </a:p>
         </p:txBody>
       </p:sp>
+      <p:sp>
+        <p:nvSpPr>
+          <p:cNvPr id="6" name="Isosceles Triangle 5"/>
+          <p:cNvSpPr>
+            <a:spLocks noChangeAspect="1"/>
+          </p:cNvSpPr>
+          <p:nvPr/>
+        </p:nvSpPr>
+        <p:spPr>
+          <a:xfrm rot="5400000">
+            <a:off x="419100" y="6467475"/>
+            <a:ext cx="190849" cy="120314"/>
+          </a:xfrm>
+          <a:prstGeom prst="triangle">
+            <a:avLst>
+              <a:gd name="adj" fmla="val 50000"/>
+            </a:avLst>
+          </a:prstGeom>
+          <a:solidFill>
+            <a:schemeClr val="accent2"/>
+          </a:solidFill>
+          <a:ln w="25400" cap="rnd" cmpd="sng" algn="ctr">
+            <a:noFill/>
+            <a:prstDash val="solid"/>
+          </a:ln>
+          <a:effectLst/>
+        </p:spPr>
+        <p:style>
+          <a:lnRef idx="3">
+            <a:schemeClr val="lt1"/>
+          </a:lnRef>
+          <a:fillRef idx="1">
+            <a:schemeClr val="accent1"/>
+          </a:fillRef>
+          <a:effectRef idx="1">
+            <a:schemeClr val="accent1"/>
+          </a:effectRef>
+          <a:fontRef idx="minor">
+            <a:schemeClr val="lt1"/>
+          </a:fontRef>
+        </p:style>
+        <p:txBody>
+          <a:bodyPr anchor="ctr"/>
+          <a:lstStyle/>
+          <a:p>
+            <a:pPr algn="ctr" eaLnBrk="1" latinLnBrk="0" hangingPunct="1"/>
+            <a:endParaRPr kumimoji="0" lang="en-US"/>
+          </a:p>
+        </p:txBody>
+      </p:sp>
     </p:spTree>
-    <p:extLst>
-      <p:ext uri="{BB962C8B-B14F-4D97-AF65-F5344CB8AC3E}">
-        <p14:creationId xmlns:p14="http://schemas.microsoft.com/office/powerpoint/2010/main" val="4272482872"/>
-      </p:ext>
-    </p:extLst>
   </p:cSld>
   <p:clrMapOvr>
     <a:masterClrMapping/>
@@ -2394,7 +2649,7 @@
 </file>
 
 <file path=ppt/slideLayouts/slideLayout7.xml><?xml version="1.0" encoding="utf-8"?>
-<p:sldLayout xmlns:a="http://schemas.openxmlformats.org/drawingml/2006/main" xmlns:r="http://schemas.openxmlformats.org/officeDocument/2006/relationships" xmlns:p="http://schemas.openxmlformats.org/presentationml/2006/main" type="blank" preserve="1">
+<p:sldLayout xmlns:a="http://schemas.openxmlformats.org/drawingml/2006/main" xmlns:r="http://schemas.openxmlformats.org/officeDocument/2006/relationships" xmlns:p="http://schemas.openxmlformats.org/presentationml/2006/main" showMasterSp="0" type="blank" preserve="1">
   <p:cSld name="Blank">
     <p:spTree>
       <p:nvGrpSpPr>
@@ -2475,12 +2730,93 @@
           </a:p>
         </p:txBody>
       </p:sp>
+      <p:sp>
+        <p:nvSpPr>
+          <p:cNvPr id="5" name="Straight Connector 4"/>
+          <p:cNvSpPr>
+            <a:spLocks noChangeShapeType="1"/>
+          </p:cNvSpPr>
+          <p:nvPr/>
+        </p:nvSpPr>
+        <p:spPr bwMode="auto">
+          <a:xfrm>
+            <a:off x="457200" y="6353175"/>
+            <a:ext cx="8229600" cy="0"/>
+          </a:xfrm>
+          <a:prstGeom prst="line">
+            <a:avLst/>
+          </a:prstGeom>
+          <a:noFill/>
+          <a:ln w="9525" cap="flat" cmpd="sng" algn="ctr">
+            <a:solidFill>
+              <a:schemeClr val="accent2"/>
+            </a:solidFill>
+            <a:prstDash val="dash"/>
+            <a:round/>
+            <a:headEnd type="none" w="med" len="med"/>
+            <a:tailEnd type="none" w="med" len="med"/>
+          </a:ln>
+          <a:effectLst/>
+        </p:spPr>
+        <p:txBody>
+          <a:bodyPr vert="horz" wrap="square" lIns="91440" tIns="45720" rIns="91440" bIns="45720" anchor="t" compatLnSpc="1"/>
+          <a:lstStyle/>
+          <a:p>
+            <a:endParaRPr kumimoji="0" lang="en-US"/>
+          </a:p>
+        </p:txBody>
+      </p:sp>
+      <p:sp>
+        <p:nvSpPr>
+          <p:cNvPr id="6" name="Isosceles Triangle 5"/>
+          <p:cNvSpPr>
+            <a:spLocks noChangeAspect="1"/>
+          </p:cNvSpPr>
+          <p:nvPr/>
+        </p:nvSpPr>
+        <p:spPr>
+          <a:xfrm rot="5400000">
+            <a:off x="419100" y="6467475"/>
+            <a:ext cx="190849" cy="120314"/>
+          </a:xfrm>
+          <a:prstGeom prst="triangle">
+            <a:avLst>
+              <a:gd name="adj" fmla="val 50000"/>
+            </a:avLst>
+          </a:prstGeom>
+          <a:solidFill>
+            <a:schemeClr val="accent2"/>
+          </a:solidFill>
+          <a:ln w="25400" cap="rnd" cmpd="sng" algn="ctr">
+            <a:noFill/>
+            <a:prstDash val="solid"/>
+          </a:ln>
+          <a:effectLst/>
+        </p:spPr>
+        <p:style>
+          <a:lnRef idx="3">
+            <a:schemeClr val="lt1"/>
+          </a:lnRef>
+          <a:fillRef idx="1">
+            <a:schemeClr val="accent1"/>
+          </a:fillRef>
+          <a:effectRef idx="1">
+            <a:schemeClr val="accent1"/>
+          </a:effectRef>
+          <a:fontRef idx="minor">
+            <a:schemeClr val="lt1"/>
+          </a:fontRef>
+        </p:style>
+        <p:txBody>
+          <a:bodyPr anchor="ctr"/>
+          <a:lstStyle/>
+          <a:p>
+            <a:pPr algn="ctr" eaLnBrk="1" latinLnBrk="0" hangingPunct="1"/>
+            <a:endParaRPr kumimoji="0" lang="en-US"/>
+          </a:p>
+        </p:txBody>
+      </p:sp>
     </p:spTree>
-    <p:extLst>
-      <p:ext uri="{BB962C8B-B14F-4D97-AF65-F5344CB8AC3E}">
-        <p14:creationId xmlns:p14="http://schemas.microsoft.com/office/powerpoint/2010/main" val="2283492136"/>
-      </p:ext>
-    </p:extLst>
   </p:cSld>
   <p:clrMapOvr>
     <a:masterClrMapping/>
@@ -2489,7 +2825,7 @@
 </file>
 
 <file path=ppt/slideLayouts/slideLayout8.xml><?xml version="1.0" encoding="utf-8"?>
-<p:sldLayout xmlns:a="http://schemas.openxmlformats.org/drawingml/2006/main" xmlns:r="http://schemas.openxmlformats.org/officeDocument/2006/relationships" xmlns:p="http://schemas.openxmlformats.org/presentationml/2006/main" type="objTx" preserve="1">
+<p:sldLayout xmlns:a="http://schemas.openxmlformats.org/drawingml/2006/main" xmlns:r="http://schemas.openxmlformats.org/officeDocument/2006/relationships" xmlns:p="http://schemas.openxmlformats.org/presentationml/2006/main" showMasterSp="0" type="objTx" preserve="1">
   <p:cSld name="Content with Caption">
     <p:spTree>
       <p:nvGrpSpPr>
@@ -2517,171 +2853,90 @@
         </p:nvSpPr>
         <p:spPr>
           <a:xfrm>
-            <a:off x="457200" y="273050"/>
-            <a:ext cx="3008313" cy="1162050"/>
-          </a:xfrm>
-        </p:spPr>
-        <p:txBody>
-          <a:bodyPr anchor="b"/>
+            <a:off x="6324600" y="304800"/>
+            <a:ext cx="2514600" cy="838200"/>
+          </a:xfrm>
+        </p:spPr>
+        <p:txBody>
+          <a:bodyPr anchor="b" anchorCtr="0">
+            <a:noAutofit/>
+          </a:bodyPr>
           <a:lstStyle>
             <a:lvl1pPr algn="l">
-              <a:defRPr sz="2000" b="1"/>
+              <a:buNone/>
+              <a:defRPr sz="2000" b="1">
+                <a:solidFill>
+                  <a:schemeClr val="tx2"/>
+                </a:solidFill>
+                <a:latin typeface="+mn-lt"/>
+                <a:ea typeface="+mn-ea"/>
+                <a:cs typeface="+mn-cs"/>
+              </a:defRPr>
             </a:lvl1pPr>
           </a:lstStyle>
           <a:p>
             <a:r>
-              <a:rPr lang="en-US" smtClean="0"/>
+              <a:rPr kumimoji="0" lang="en-US" smtClean="0"/>
               <a:t>Click to edit Master title style</a:t>
             </a:r>
-            <a:endParaRPr lang="en-US"/>
-          </a:p>
-        </p:txBody>
-      </p:sp>
-      <p:sp>
-        <p:nvSpPr>
-          <p:cNvPr id="3" name="Content Placeholder 2"/>
+            <a:endParaRPr kumimoji="0" lang="en-US"/>
+          </a:p>
+        </p:txBody>
+      </p:sp>
+      <p:sp>
+        <p:nvSpPr>
+          <p:cNvPr id="3" name="Text Placeholder 2"/>
           <p:cNvSpPr>
             <a:spLocks noGrp="1"/>
           </p:cNvSpPr>
           <p:nvPr>
-            <p:ph idx="1"/>
+            <p:ph type="body" idx="2"/>
           </p:nvPr>
         </p:nvSpPr>
         <p:spPr>
           <a:xfrm>
-            <a:off x="3575050" y="273050"/>
-            <a:ext cx="5111750" cy="5853113"/>
-          </a:xfrm>
-        </p:spPr>
-        <p:txBody>
-          <a:bodyPr/>
-          <a:lstStyle>
-            <a:lvl1pPr>
-              <a:defRPr sz="3200"/>
-            </a:lvl1pPr>
-            <a:lvl2pPr>
-              <a:defRPr sz="2800"/>
-            </a:lvl2pPr>
-            <a:lvl3pPr>
-              <a:defRPr sz="2400"/>
-            </a:lvl3pPr>
-            <a:lvl4pPr>
-              <a:defRPr sz="2000"/>
-            </a:lvl4pPr>
-            <a:lvl5pPr>
-              <a:defRPr sz="2000"/>
-            </a:lvl5pPr>
-            <a:lvl6pPr>
-              <a:defRPr sz="2000"/>
-            </a:lvl6pPr>
-            <a:lvl7pPr>
-              <a:defRPr sz="2000"/>
-            </a:lvl7pPr>
-            <a:lvl8pPr>
-              <a:defRPr sz="2000"/>
-            </a:lvl8pPr>
-            <a:lvl9pPr>
-              <a:defRPr sz="2000"/>
-            </a:lvl9pPr>
-          </a:lstStyle>
-          <a:p>
-            <a:pPr lvl="0"/>
-            <a:r>
-              <a:rPr lang="en-US" smtClean="0"/>
-              <a:t>Click to edit Master text styles</a:t>
-            </a:r>
-          </a:p>
-          <a:p>
-            <a:pPr lvl="1"/>
-            <a:r>
-              <a:rPr lang="en-US" smtClean="0"/>
-              <a:t>Second level</a:t>
-            </a:r>
-          </a:p>
-          <a:p>
-            <a:pPr lvl="2"/>
-            <a:r>
-              <a:rPr lang="en-US" smtClean="0"/>
-              <a:t>Third level</a:t>
-            </a:r>
-          </a:p>
-          <a:p>
-            <a:pPr lvl="3"/>
-            <a:r>
-              <a:rPr lang="en-US" smtClean="0"/>
-              <a:t>Fourth level</a:t>
-            </a:r>
-          </a:p>
-          <a:p>
-            <a:pPr lvl="4"/>
-            <a:r>
-              <a:rPr lang="en-US" smtClean="0"/>
-              <a:t>Fifth level</a:t>
-            </a:r>
-            <a:endParaRPr lang="en-US"/>
-          </a:p>
-        </p:txBody>
-      </p:sp>
-      <p:sp>
-        <p:nvSpPr>
-          <p:cNvPr id="4" name="Text Placeholder 3"/>
-          <p:cNvSpPr>
-            <a:spLocks noGrp="1"/>
-          </p:cNvSpPr>
-          <p:nvPr>
-            <p:ph type="body" sz="half" idx="2"/>
-          </p:nvPr>
-        </p:nvSpPr>
-        <p:spPr>
-          <a:xfrm>
-            <a:off x="457200" y="1435100"/>
-            <a:ext cx="3008313" cy="4691063"/>
+            <a:off x="6324600" y="1219200"/>
+            <a:ext cx="2514600" cy="4843463"/>
           </a:xfrm>
         </p:spPr>
         <p:txBody>
           <a:bodyPr/>
           <a:lstStyle>
             <a:lvl1pPr marL="0" indent="0">
+              <a:lnSpc>
+                <a:spcPts val="2200"/>
+              </a:lnSpc>
+              <a:spcAft>
+                <a:spcPts val="1000"/>
+              </a:spcAft>
               <a:buNone/>
-              <a:defRPr sz="1400"/>
+              <a:defRPr sz="1600">
+                <a:solidFill>
+                  <a:schemeClr val="tx2"/>
+                </a:solidFill>
+              </a:defRPr>
             </a:lvl1pPr>
-            <a:lvl2pPr marL="457200" indent="0">
+            <a:lvl2pPr>
               <a:buNone/>
               <a:defRPr sz="1200"/>
             </a:lvl2pPr>
-            <a:lvl3pPr marL="914400" indent="0">
+            <a:lvl3pPr>
               <a:buNone/>
               <a:defRPr sz="1000"/>
             </a:lvl3pPr>
-            <a:lvl4pPr marL="1371600" indent="0">
+            <a:lvl4pPr>
               <a:buNone/>
               <a:defRPr sz="900"/>
             </a:lvl4pPr>
-            <a:lvl5pPr marL="1828800" indent="0">
+            <a:lvl5pPr>
               <a:buNone/>
               <a:defRPr sz="900"/>
             </a:lvl5pPr>
-            <a:lvl6pPr marL="2286000" indent="0">
-              <a:buNone/>
-              <a:defRPr sz="900"/>
-            </a:lvl6pPr>
-            <a:lvl7pPr marL="2743200" indent="0">
-              <a:buNone/>
-              <a:defRPr sz="900"/>
-            </a:lvl7pPr>
-            <a:lvl8pPr marL="3200400" indent="0">
-              <a:buNone/>
-              <a:defRPr sz="900"/>
-            </a:lvl8pPr>
-            <a:lvl9pPr marL="3657600" indent="0">
-              <a:buNone/>
-              <a:defRPr sz="900"/>
-            </a:lvl9pPr>
           </a:lstStyle>
           <a:p>
-            <a:pPr lvl="0"/>
-            <a:r>
-              <a:rPr lang="en-US" smtClean="0"/>
+            <a:pPr lvl="0" eaLnBrk="1" latinLnBrk="0" hangingPunct="1"/>
+            <a:r>
+              <a:rPr kumimoji="0" lang="en-US" smtClean="0"/>
               <a:t>Click to edit Master text styles</a:t>
             </a:r>
           </a:p>
@@ -2752,12 +3007,186 @@
           </a:p>
         </p:txBody>
       </p:sp>
+      <p:sp>
+        <p:nvSpPr>
+          <p:cNvPr id="8" name="Straight Connector 7"/>
+          <p:cNvSpPr>
+            <a:spLocks noChangeShapeType="1"/>
+          </p:cNvSpPr>
+          <p:nvPr/>
+        </p:nvSpPr>
+        <p:spPr bwMode="auto">
+          <a:xfrm>
+            <a:off x="457200" y="6353175"/>
+            <a:ext cx="8229600" cy="0"/>
+          </a:xfrm>
+          <a:prstGeom prst="line">
+            <a:avLst/>
+          </a:prstGeom>
+          <a:noFill/>
+          <a:ln w="9525" cap="flat" cmpd="sng" algn="ctr">
+            <a:solidFill>
+              <a:schemeClr val="accent2"/>
+            </a:solidFill>
+            <a:prstDash val="dash"/>
+            <a:round/>
+            <a:headEnd type="none" w="med" len="med"/>
+            <a:tailEnd type="none" w="med" len="med"/>
+          </a:ln>
+          <a:effectLst/>
+        </p:spPr>
+        <p:txBody>
+          <a:bodyPr vert="horz" wrap="square" lIns="91440" tIns="45720" rIns="91440" bIns="45720" anchor="t" compatLnSpc="1"/>
+          <a:lstStyle/>
+          <a:p>
+            <a:endParaRPr kumimoji="0" lang="en-US"/>
+          </a:p>
+        </p:txBody>
+      </p:sp>
+      <p:sp>
+        <p:nvSpPr>
+          <p:cNvPr id="10" name="Straight Connector 9"/>
+          <p:cNvSpPr>
+            <a:spLocks noChangeShapeType="1"/>
+          </p:cNvSpPr>
+          <p:nvPr/>
+        </p:nvSpPr>
+        <p:spPr bwMode="auto">
+          <a:xfrm rot="5400000">
+            <a:off x="3160645" y="3324225"/>
+            <a:ext cx="6035040" cy="0"/>
+          </a:xfrm>
+          <a:prstGeom prst="line">
+            <a:avLst/>
+          </a:prstGeom>
+          <a:noFill/>
+          <a:ln w="9525" cap="flat" cmpd="sng" algn="ctr">
+            <a:solidFill>
+              <a:schemeClr val="accent2"/>
+            </a:solidFill>
+            <a:prstDash val="dash"/>
+            <a:round/>
+            <a:headEnd type="none" w="med" len="med"/>
+            <a:tailEnd type="none" w="med" len="med"/>
+          </a:ln>
+          <a:effectLst/>
+        </p:spPr>
+        <p:txBody>
+          <a:bodyPr vert="horz" wrap="square" lIns="91440" tIns="45720" rIns="91440" bIns="45720" anchor="t" compatLnSpc="1"/>
+          <a:lstStyle/>
+          <a:p>
+            <a:endParaRPr kumimoji="0" lang="en-US" dirty="0"/>
+          </a:p>
+        </p:txBody>
+      </p:sp>
+      <p:sp>
+        <p:nvSpPr>
+          <p:cNvPr id="9" name="Isosceles Triangle 8"/>
+          <p:cNvSpPr>
+            <a:spLocks noChangeAspect="1"/>
+          </p:cNvSpPr>
+          <p:nvPr/>
+        </p:nvSpPr>
+        <p:spPr>
+          <a:xfrm rot="5400000">
+            <a:off x="419100" y="6467475"/>
+            <a:ext cx="190849" cy="120314"/>
+          </a:xfrm>
+          <a:prstGeom prst="triangle">
+            <a:avLst>
+              <a:gd name="adj" fmla="val 50000"/>
+            </a:avLst>
+          </a:prstGeom>
+          <a:solidFill>
+            <a:schemeClr val="accent2"/>
+          </a:solidFill>
+          <a:ln w="25400" cap="rnd" cmpd="sng" algn="ctr">
+            <a:noFill/>
+            <a:prstDash val="solid"/>
+          </a:ln>
+          <a:effectLst/>
+        </p:spPr>
+        <p:style>
+          <a:lnRef idx="3">
+            <a:schemeClr val="lt1"/>
+          </a:lnRef>
+          <a:fillRef idx="1">
+            <a:schemeClr val="accent1"/>
+          </a:fillRef>
+          <a:effectRef idx="1">
+            <a:schemeClr val="accent1"/>
+          </a:effectRef>
+          <a:fontRef idx="minor">
+            <a:schemeClr val="lt1"/>
+          </a:fontRef>
+        </p:style>
+        <p:txBody>
+          <a:bodyPr anchor="ctr"/>
+          <a:lstStyle/>
+          <a:p>
+            <a:pPr algn="ctr" eaLnBrk="1" latinLnBrk="0" hangingPunct="1"/>
+            <a:endParaRPr kumimoji="0" lang="en-US"/>
+          </a:p>
+        </p:txBody>
+      </p:sp>
+      <p:sp>
+        <p:nvSpPr>
+          <p:cNvPr id="12" name="Content Placeholder 11"/>
+          <p:cNvSpPr>
+            <a:spLocks noGrp="1"/>
+          </p:cNvSpPr>
+          <p:nvPr>
+            <p:ph sz="quarter" idx="1"/>
+          </p:nvPr>
+        </p:nvSpPr>
+        <p:spPr>
+          <a:xfrm>
+            <a:off x="304800" y="304800"/>
+            <a:ext cx="5715000" cy="5715000"/>
+          </a:xfrm>
+        </p:spPr>
+        <p:txBody>
+          <a:bodyPr/>
+          <a:lstStyle/>
+          <a:p>
+            <a:pPr lvl="0" eaLnBrk="1" latinLnBrk="0" hangingPunct="1"/>
+            <a:r>
+              <a:rPr lang="en-US" smtClean="0"/>
+              <a:t>Click to edit Master text styles</a:t>
+            </a:r>
+          </a:p>
+          <a:p>
+            <a:pPr lvl="1" eaLnBrk="1" latinLnBrk="0" hangingPunct="1"/>
+            <a:r>
+              <a:rPr lang="en-US" smtClean="0"/>
+              <a:t>Second level</a:t>
+            </a:r>
+          </a:p>
+          <a:p>
+            <a:pPr lvl="2" eaLnBrk="1" latinLnBrk="0" hangingPunct="1"/>
+            <a:r>
+              <a:rPr lang="en-US" smtClean="0"/>
+              <a:t>Third level</a:t>
+            </a:r>
+          </a:p>
+          <a:p>
+            <a:pPr lvl="3" eaLnBrk="1" latinLnBrk="0" hangingPunct="1"/>
+            <a:r>
+              <a:rPr lang="en-US" smtClean="0"/>
+              <a:t>Fourth level</a:t>
+            </a:r>
+          </a:p>
+          <a:p>
+            <a:pPr lvl="4" eaLnBrk="1" latinLnBrk="0" hangingPunct="1"/>
+            <a:r>
+              <a:rPr lang="en-US" smtClean="0"/>
+              <a:t>Fifth level</a:t>
+            </a:r>
+            <a:endParaRPr kumimoji="0" lang="en-US"/>
+          </a:p>
+        </p:txBody>
+      </p:sp>
     </p:spTree>
-    <p:extLst>
-      <p:ext uri="{BB962C8B-B14F-4D97-AF65-F5344CB8AC3E}">
-        <p14:creationId xmlns:p14="http://schemas.microsoft.com/office/powerpoint/2010/main" val="3220540450"/>
-      </p:ext>
-    </p:extLst>
   </p:cSld>
   <p:clrMapOvr>
     <a:masterClrMapping/>
@@ -2766,8 +3195,13 @@
 </file>
 
 <file path=ppt/slideLayouts/slideLayout9.xml><?xml version="1.0" encoding="utf-8"?>
-<p:sldLayout xmlns:a="http://schemas.openxmlformats.org/drawingml/2006/main" xmlns:r="http://schemas.openxmlformats.org/officeDocument/2006/relationships" xmlns:p="http://schemas.openxmlformats.org/presentationml/2006/main" type="picTx" preserve="1">
+<p:sldLayout xmlns:a="http://schemas.openxmlformats.org/drawingml/2006/main" xmlns:r="http://schemas.openxmlformats.org/officeDocument/2006/relationships" xmlns:p="http://schemas.openxmlformats.org/presentationml/2006/main" showMasterSp="0" type="picTx" preserve="1">
   <p:cSld name="Picture with Caption">
+    <p:bg>
+      <p:bgRef idx="1001">
+        <a:schemeClr val="bg2"/>
+      </p:bgRef>
+    </p:bg>
     <p:spTree>
       <p:nvGrpSpPr>
         <p:cNvPr id="1" name=""/>
@@ -2794,23 +3228,33 @@
         </p:nvSpPr>
         <p:spPr>
           <a:xfrm>
-            <a:off x="1792288" y="4800600"/>
-            <a:ext cx="5486400" cy="566738"/>
-          </a:xfrm>
-        </p:spPr>
-        <p:txBody>
-          <a:bodyPr anchor="b"/>
+            <a:off x="457200" y="500856"/>
+            <a:ext cx="8229600" cy="674688"/>
+          </a:xfrm>
+          <a:ln>
+            <a:solidFill>
+              <a:schemeClr val="accent1"/>
+            </a:solidFill>
+          </a:ln>
+        </p:spPr>
+        <p:txBody>
+          <a:bodyPr lIns="274320" anchor="ctr"/>
           <a:lstStyle>
-            <a:lvl1pPr algn="l">
-              <a:defRPr sz="2000" b="1"/>
+            <a:lvl1pPr algn="r">
+              <a:buNone/>
+              <a:defRPr sz="2000" b="0">
+                <a:solidFill>
+                  <a:schemeClr val="tx1"/>
+                </a:solidFill>
+              </a:defRPr>
             </a:lvl1pPr>
           </a:lstStyle>
           <a:p>
             <a:r>
-              <a:rPr lang="en-US" smtClean="0"/>
+              <a:rPr kumimoji="0" lang="en-US" smtClean="0"/>
               <a:t>Click to edit Master title style</a:t>
             </a:r>
-            <a:endParaRPr lang="en-US"/>
+            <a:endParaRPr kumimoji="0" lang="en-US"/>
           </a:p>
         </p:txBody>
       </p:sp>
@@ -2826,52 +3270,36 @@
         </p:nvSpPr>
         <p:spPr>
           <a:xfrm>
-            <a:off x="1792288" y="612775"/>
-            <a:ext cx="5486400" cy="4114800"/>
-          </a:xfrm>
+            <a:off x="457200" y="1905000"/>
+            <a:ext cx="8229600" cy="4270248"/>
+          </a:xfrm>
+          <a:solidFill>
+            <a:schemeClr val="tx1">
+              <a:shade val="50000"/>
+            </a:schemeClr>
+          </a:solidFill>
+          <a:ln>
+            <a:noFill/>
+          </a:ln>
+          <a:effectLst/>
         </p:spPr>
         <p:txBody>
           <a:bodyPr/>
           <a:lstStyle>
             <a:lvl1pPr marL="0" indent="0">
+              <a:spcBef>
+                <a:spcPts val="600"/>
+              </a:spcBef>
               <a:buNone/>
               <a:defRPr sz="3200"/>
             </a:lvl1pPr>
-            <a:lvl2pPr marL="457200" indent="0">
-              <a:buNone/>
-              <a:defRPr sz="2800"/>
-            </a:lvl2pPr>
-            <a:lvl3pPr marL="914400" indent="0">
-              <a:buNone/>
-              <a:defRPr sz="2400"/>
-            </a:lvl3pPr>
-            <a:lvl4pPr marL="1371600" indent="0">
-              <a:buNone/>
-              <a:defRPr sz="2000"/>
-            </a:lvl4pPr>
-            <a:lvl5pPr marL="1828800" indent="0">
-              <a:buNone/>
-              <a:defRPr sz="2000"/>
-            </a:lvl5pPr>
-            <a:lvl6pPr marL="2286000" indent="0">
-              <a:buNone/>
-              <a:defRPr sz="2000"/>
-            </a:lvl6pPr>
-            <a:lvl7pPr marL="2743200" indent="0">
-              <a:buNone/>
-              <a:defRPr sz="2000"/>
-            </a:lvl7pPr>
-            <a:lvl8pPr marL="3200400" indent="0">
-              <a:buNone/>
-              <a:defRPr sz="2000"/>
-            </a:lvl8pPr>
-            <a:lvl9pPr marL="3657600" indent="0">
-              <a:buNone/>
-              <a:defRPr sz="2000"/>
-            </a:lvl9pPr>
           </a:lstStyle>
           <a:p>
-            <a:endParaRPr lang="en-US"/>
+            <a:r>
+              <a:rPr kumimoji="0" lang="en-US" smtClean="0"/>
+              <a:t>Click icon to add picture</a:t>
+            </a:r>
+            <a:endParaRPr kumimoji="0" lang="en-US" dirty="0"/>
           </a:p>
         </p:txBody>
       </p:sp>
@@ -2887,54 +3315,35 @@
         </p:nvSpPr>
         <p:spPr>
           <a:xfrm>
-            <a:off x="1792288" y="5367338"/>
-            <a:ext cx="5486400" cy="804862"/>
-          </a:xfrm>
-        </p:spPr>
-        <p:txBody>
-          <a:bodyPr/>
+            <a:off x="457200" y="1219200"/>
+            <a:ext cx="8229600" cy="533400"/>
+          </a:xfrm>
+        </p:spPr>
+        <p:txBody>
+          <a:bodyPr anchor="ctr" anchorCtr="0"/>
           <a:lstStyle>
-            <a:lvl1pPr marL="0" indent="0">
+            <a:lvl1pPr marL="0" indent="0" algn="l">
+              <a:buFontTx/>
               <a:buNone/>
               <a:defRPr sz="1400"/>
             </a:lvl1pPr>
-            <a:lvl2pPr marL="457200" indent="0">
-              <a:buNone/>
+            <a:lvl2pPr>
               <a:defRPr sz="1200"/>
             </a:lvl2pPr>
-            <a:lvl3pPr marL="914400" indent="0">
-              <a:buNone/>
+            <a:lvl3pPr>
               <a:defRPr sz="1000"/>
             </a:lvl3pPr>
-            <a:lvl4pPr marL="1371600" indent="0">
-              <a:buNone/>
+            <a:lvl4pPr>
               <a:defRPr sz="900"/>
             </a:lvl4pPr>
-            <a:lvl5pPr marL="1828800" indent="0">
-              <a:buNone/>
+            <a:lvl5pPr>
               <a:defRPr sz="900"/>
             </a:lvl5pPr>
-            <a:lvl6pPr marL="2286000" indent="0">
-              <a:buNone/>
-              <a:defRPr sz="900"/>
-            </a:lvl6pPr>
-            <a:lvl7pPr marL="2743200" indent="0">
-              <a:buNone/>
-              <a:defRPr sz="900"/>
-            </a:lvl7pPr>
-            <a:lvl8pPr marL="3200400" indent="0">
-              <a:buNone/>
-              <a:defRPr sz="900"/>
-            </a:lvl8pPr>
-            <a:lvl9pPr marL="3657600" indent="0">
-              <a:buNone/>
-              <a:defRPr sz="900"/>
-            </a:lvl9pPr>
           </a:lstStyle>
           <a:p>
-            <a:pPr lvl="0"/>
-            <a:r>
-              <a:rPr lang="en-US" smtClean="0"/>
+            <a:pPr lvl="0" eaLnBrk="1" latinLnBrk="0" hangingPunct="1"/>
+            <a:r>
+              <a:rPr kumimoji="0" lang="en-US" smtClean="0"/>
               <a:t>Click to edit Master text styles</a:t>
             </a:r>
           </a:p>
@@ -3005,15 +3414,142 @@
           </a:p>
         </p:txBody>
       </p:sp>
+      <p:sp>
+        <p:nvSpPr>
+          <p:cNvPr id="8" name="Straight Connector 7"/>
+          <p:cNvSpPr>
+            <a:spLocks noChangeShapeType="1"/>
+          </p:cNvSpPr>
+          <p:nvPr/>
+        </p:nvSpPr>
+        <p:spPr bwMode="auto">
+          <a:xfrm>
+            <a:off x="457200" y="6353175"/>
+            <a:ext cx="8229600" cy="0"/>
+          </a:xfrm>
+          <a:prstGeom prst="line">
+            <a:avLst/>
+          </a:prstGeom>
+          <a:noFill/>
+          <a:ln w="9525" cap="flat" cmpd="sng" algn="ctr">
+            <a:solidFill>
+              <a:schemeClr val="accent2"/>
+            </a:solidFill>
+            <a:prstDash val="dash"/>
+            <a:round/>
+            <a:headEnd type="none" w="med" len="med"/>
+            <a:tailEnd type="none" w="med" len="med"/>
+          </a:ln>
+          <a:effectLst/>
+        </p:spPr>
+        <p:txBody>
+          <a:bodyPr vert="horz" wrap="square" lIns="91440" tIns="45720" rIns="91440" bIns="45720" anchor="t" compatLnSpc="1"/>
+          <a:lstStyle/>
+          <a:p>
+            <a:endParaRPr kumimoji="0" lang="en-US"/>
+          </a:p>
+        </p:txBody>
+      </p:sp>
+      <p:sp>
+        <p:nvSpPr>
+          <p:cNvPr id="9" name="Isosceles Triangle 8"/>
+          <p:cNvSpPr>
+            <a:spLocks noChangeAspect="1"/>
+          </p:cNvSpPr>
+          <p:nvPr/>
+        </p:nvSpPr>
+        <p:spPr>
+          <a:xfrm rot="5400000">
+            <a:off x="419100" y="6467475"/>
+            <a:ext cx="190849" cy="120314"/>
+          </a:xfrm>
+          <a:prstGeom prst="triangle">
+            <a:avLst>
+              <a:gd name="adj" fmla="val 50000"/>
+            </a:avLst>
+          </a:prstGeom>
+          <a:solidFill>
+            <a:schemeClr val="accent2"/>
+          </a:solidFill>
+          <a:ln w="25400" cap="rnd" cmpd="sng" algn="ctr">
+            <a:noFill/>
+            <a:prstDash val="solid"/>
+          </a:ln>
+          <a:effectLst/>
+        </p:spPr>
+        <p:style>
+          <a:lnRef idx="3">
+            <a:schemeClr val="lt1"/>
+          </a:lnRef>
+          <a:fillRef idx="1">
+            <a:schemeClr val="accent1"/>
+          </a:fillRef>
+          <a:effectRef idx="1">
+            <a:schemeClr val="accent1"/>
+          </a:effectRef>
+          <a:fontRef idx="minor">
+            <a:schemeClr val="lt1"/>
+          </a:fontRef>
+        </p:style>
+        <p:txBody>
+          <a:bodyPr anchor="ctr"/>
+          <a:lstStyle/>
+          <a:p>
+            <a:pPr algn="ctr" eaLnBrk="1" latinLnBrk="0" hangingPunct="1"/>
+            <a:endParaRPr kumimoji="0" lang="en-US"/>
+          </a:p>
+        </p:txBody>
+      </p:sp>
+      <p:sp>
+        <p:nvSpPr>
+          <p:cNvPr id="10" name="Rectangle 9"/>
+          <p:cNvSpPr/>
+          <p:nvPr/>
+        </p:nvSpPr>
+        <p:spPr>
+          <a:xfrm>
+            <a:off x="457200" y="500856"/>
+            <a:ext cx="182880" cy="685800"/>
+          </a:xfrm>
+          <a:prstGeom prst="rect">
+            <a:avLst/>
+          </a:prstGeom>
+          <a:solidFill>
+            <a:schemeClr val="accent1"/>
+          </a:solidFill>
+          <a:ln w="6350" cap="rnd" cmpd="sng" algn="ctr">
+            <a:noFill/>
+            <a:prstDash val="solid"/>
+          </a:ln>
+          <a:effectLst/>
+        </p:spPr>
+        <p:style>
+          <a:lnRef idx="3">
+            <a:schemeClr val="lt1"/>
+          </a:lnRef>
+          <a:fillRef idx="1">
+            <a:schemeClr val="accent1"/>
+          </a:fillRef>
+          <a:effectRef idx="1">
+            <a:schemeClr val="accent1"/>
+          </a:effectRef>
+          <a:fontRef idx="minor">
+            <a:schemeClr val="lt1"/>
+          </a:fontRef>
+        </p:style>
+        <p:txBody>
+          <a:bodyPr anchor="ctr"/>
+          <a:lstStyle/>
+          <a:p>
+            <a:pPr algn="ctr" eaLnBrk="1" latinLnBrk="0" hangingPunct="1"/>
+            <a:endParaRPr kumimoji="0" lang="en-US"/>
+          </a:p>
+        </p:txBody>
+      </p:sp>
     </p:spTree>
-    <p:extLst>
-      <p:ext uri="{BB962C8B-B14F-4D97-AF65-F5344CB8AC3E}">
-        <p14:creationId xmlns:p14="http://schemas.microsoft.com/office/powerpoint/2010/main" val="3326280356"/>
-      </p:ext>
-    </p:extLst>
   </p:cSld>
   <p:clrMapOvr>
-    <a:masterClrMapping/>
+    <a:overrideClrMapping bg1="dk1" tx1="lt1" bg2="dk2" tx2="lt2" accent1="accent1" accent2="accent2" accent3="accent3" accent4="accent4" accent5="accent5" accent6="accent6" hlink="hlink" folHlink="folHlink"/>
   </p:clrMapOvr>
 </p:sldLayout>
 </file>
@@ -3042,7 +3578,7 @@
       </p:grpSpPr>
       <p:sp>
         <p:nvSpPr>
-          <p:cNvPr id="2" name="Title Placeholder 1"/>
+          <p:cNvPr id="22" name="Title Placeholder 21"/>
           <p:cNvSpPr>
             <a:spLocks noGrp="1"/>
           </p:cNvSpPr>
@@ -3052,30 +3588,30 @@
         </p:nvSpPr>
         <p:spPr>
           <a:xfrm>
-            <a:off x="457200" y="274638"/>
-            <a:ext cx="8229600" cy="1143000"/>
+            <a:off x="457200" y="152400"/>
+            <a:ext cx="8229600" cy="990600"/>
           </a:xfrm>
           <a:prstGeom prst="rect">
             <a:avLst/>
           </a:prstGeom>
         </p:spPr>
         <p:txBody>
-          <a:bodyPr vert="horz" lIns="91440" tIns="45720" rIns="91440" bIns="45720" rtlCol="0" anchor="ctr">
+          <a:bodyPr vert="horz" anchor="b" anchorCtr="0">
             <a:normAutofit/>
           </a:bodyPr>
           <a:lstStyle/>
           <a:p>
             <a:r>
-              <a:rPr lang="en-US" smtClean="0"/>
+              <a:rPr kumimoji="0" lang="en-US" smtClean="0"/>
               <a:t>Click to edit Master title style</a:t>
             </a:r>
-            <a:endParaRPr lang="en-US"/>
-          </a:p>
-        </p:txBody>
-      </p:sp>
-      <p:sp>
-        <p:nvSpPr>
-          <p:cNvPr id="3" name="Text Placeholder 2"/>
+            <a:endParaRPr kumimoji="0" lang="en-US"/>
+          </a:p>
+        </p:txBody>
+      </p:sp>
+      <p:sp>
+        <p:nvSpPr>
+          <p:cNvPr id="13" name="Text Placeholder 12"/>
           <p:cNvSpPr>
             <a:spLocks noGrp="1"/>
           </p:cNvSpPr>
@@ -3085,59 +3621,59 @@
         </p:nvSpPr>
         <p:spPr>
           <a:xfrm>
-            <a:off x="457200" y="1600200"/>
-            <a:ext cx="8229600" cy="4525963"/>
+            <a:off x="457200" y="1219200"/>
+            <a:ext cx="8229600" cy="4910328"/>
           </a:xfrm>
           <a:prstGeom prst="rect">
             <a:avLst/>
           </a:prstGeom>
         </p:spPr>
         <p:txBody>
-          <a:bodyPr vert="horz" lIns="91440" tIns="45720" rIns="91440" bIns="45720" rtlCol="0">
+          <a:bodyPr vert="horz">
             <a:normAutofit/>
           </a:bodyPr>
           <a:lstStyle/>
           <a:p>
-            <a:pPr lvl="0"/>
-            <a:r>
-              <a:rPr lang="en-US" smtClean="0"/>
+            <a:pPr lvl="0" eaLnBrk="1" latinLnBrk="0" hangingPunct="1"/>
+            <a:r>
+              <a:rPr kumimoji="0" lang="en-US" smtClean="0"/>
               <a:t>Click to edit Master text styles</a:t>
             </a:r>
           </a:p>
           <a:p>
-            <a:pPr lvl="1"/>
-            <a:r>
-              <a:rPr lang="en-US" smtClean="0"/>
+            <a:pPr lvl="1" eaLnBrk="1" latinLnBrk="0" hangingPunct="1"/>
+            <a:r>
+              <a:rPr kumimoji="0" lang="en-US" smtClean="0"/>
               <a:t>Second level</a:t>
             </a:r>
           </a:p>
           <a:p>
-            <a:pPr lvl="2"/>
-            <a:r>
-              <a:rPr lang="en-US" smtClean="0"/>
+            <a:pPr lvl="2" eaLnBrk="1" latinLnBrk="0" hangingPunct="1"/>
+            <a:r>
+              <a:rPr kumimoji="0" lang="en-US" smtClean="0"/>
               <a:t>Third level</a:t>
             </a:r>
           </a:p>
           <a:p>
-            <a:pPr lvl="3"/>
-            <a:r>
-              <a:rPr lang="en-US" smtClean="0"/>
+            <a:pPr lvl="3" eaLnBrk="1" latinLnBrk="0" hangingPunct="1"/>
+            <a:r>
+              <a:rPr kumimoji="0" lang="en-US" smtClean="0"/>
               <a:t>Fourth level</a:t>
             </a:r>
           </a:p>
           <a:p>
-            <a:pPr lvl="4"/>
-            <a:r>
-              <a:rPr lang="en-US" smtClean="0"/>
+            <a:pPr lvl="4" eaLnBrk="1" latinLnBrk="0" hangingPunct="1"/>
+            <a:r>
+              <a:rPr kumimoji="0" lang="en-US" smtClean="0"/>
               <a:t>Fifth level</a:t>
             </a:r>
-            <a:endParaRPr lang="en-US"/>
-          </a:p>
-        </p:txBody>
-      </p:sp>
-      <p:sp>
-        <p:nvSpPr>
-          <p:cNvPr id="4" name="Date Placeholder 3"/>
+            <a:endParaRPr kumimoji="0" lang="en-US"/>
+          </a:p>
+        </p:txBody>
+      </p:sp>
+      <p:sp>
+        <p:nvSpPr>
+          <p:cNvPr id="14" name="Date Placeholder 13"/>
           <p:cNvSpPr>
             <a:spLocks noGrp="1"/>
           </p:cNvSpPr>
@@ -3147,22 +3683,20 @@
         </p:nvSpPr>
         <p:spPr>
           <a:xfrm>
-            <a:off x="457200" y="6356350"/>
-            <a:ext cx="2133600" cy="365125"/>
+            <a:off x="6400800" y="6356350"/>
+            <a:ext cx="2289048" cy="365760"/>
           </a:xfrm>
           <a:prstGeom prst="rect">
             <a:avLst/>
           </a:prstGeom>
         </p:spPr>
         <p:txBody>
-          <a:bodyPr vert="horz" lIns="91440" tIns="45720" rIns="91440" bIns="45720" rtlCol="0" anchor="ctr"/>
+          <a:bodyPr vert="horz"/>
           <a:lstStyle>
-            <a:lvl1pPr algn="l">
-              <a:defRPr sz="1200">
+            <a:lvl1pPr algn="l" eaLnBrk="1" latinLnBrk="0" hangingPunct="1">
+              <a:defRPr kumimoji="0" sz="1400">
                 <a:solidFill>
-                  <a:schemeClr val="tx1">
-                    <a:tint val="75000"/>
-                  </a:schemeClr>
+                  <a:schemeClr val="tx2"/>
                 </a:solidFill>
               </a:defRPr>
             </a:lvl1pPr>
@@ -3178,7 +3712,7 @@
       </p:sp>
       <p:sp>
         <p:nvSpPr>
-          <p:cNvPr id="5" name="Footer Placeholder 4"/>
+          <p:cNvPr id="3" name="Footer Placeholder 2"/>
           <p:cNvSpPr>
             <a:spLocks noGrp="1"/>
           </p:cNvSpPr>
@@ -3188,22 +3722,20 @@
         </p:nvSpPr>
         <p:spPr>
           <a:xfrm>
-            <a:off x="3124200" y="6356350"/>
-            <a:ext cx="2895600" cy="365125"/>
+            <a:off x="2898648" y="6356350"/>
+            <a:ext cx="3505200" cy="365760"/>
           </a:xfrm>
           <a:prstGeom prst="rect">
             <a:avLst/>
           </a:prstGeom>
         </p:spPr>
         <p:txBody>
-          <a:bodyPr vert="horz" lIns="91440" tIns="45720" rIns="91440" bIns="45720" rtlCol="0" anchor="ctr"/>
+          <a:bodyPr vert="horz"/>
           <a:lstStyle>
-            <a:lvl1pPr algn="ctr">
-              <a:defRPr sz="1200">
+            <a:lvl1pPr algn="r" eaLnBrk="1" latinLnBrk="0" hangingPunct="1">
+              <a:defRPr kumimoji="0" sz="1400">
                 <a:solidFill>
-                  <a:schemeClr val="tx1">
-                    <a:tint val="75000"/>
-                  </a:schemeClr>
+                  <a:schemeClr val="tx2"/>
                 </a:solidFill>
               </a:defRPr>
             </a:lvl1pPr>
@@ -3215,7 +3747,7 @@
       </p:sp>
       <p:sp>
         <p:nvSpPr>
-          <p:cNvPr id="6" name="Slide Number Placeholder 5"/>
+          <p:cNvPr id="23" name="Slide Number Placeholder 22"/>
           <p:cNvSpPr>
             <a:spLocks noGrp="1"/>
           </p:cNvSpPr>
@@ -3225,22 +3757,20 @@
         </p:nvSpPr>
         <p:spPr>
           <a:xfrm>
-            <a:off x="6553200" y="6356350"/>
-            <a:ext cx="2133600" cy="365125"/>
+            <a:off x="612648" y="6356350"/>
+            <a:ext cx="1981200" cy="365760"/>
           </a:xfrm>
           <a:prstGeom prst="rect">
             <a:avLst/>
           </a:prstGeom>
         </p:spPr>
         <p:txBody>
-          <a:bodyPr vert="horz" lIns="91440" tIns="45720" rIns="91440" bIns="45720" rtlCol="0" anchor="ctr"/>
+          <a:bodyPr vert="horz"/>
           <a:lstStyle>
-            <a:lvl1pPr algn="r">
-              <a:defRPr sz="1200">
+            <a:lvl1pPr algn="l" eaLnBrk="1" latinLnBrk="0" hangingPunct="1">
+              <a:defRPr kumimoji="0" sz="1400">
                 <a:solidFill>
-                  <a:schemeClr val="tx1">
-                    <a:tint val="75000"/>
-                  </a:schemeClr>
+                  <a:schemeClr val="tx2"/>
                 </a:solidFill>
               </a:defRPr>
             </a:lvl1pPr>
@@ -3254,37 +3784,154 @@
           </a:p>
         </p:txBody>
       </p:sp>
+      <p:sp>
+        <p:nvSpPr>
+          <p:cNvPr id="28" name="Straight Connector 27"/>
+          <p:cNvSpPr>
+            <a:spLocks noChangeShapeType="1"/>
+          </p:cNvSpPr>
+          <p:nvPr/>
+        </p:nvSpPr>
+        <p:spPr bwMode="auto">
+          <a:xfrm>
+            <a:off x="457200" y="6353175"/>
+            <a:ext cx="8229600" cy="0"/>
+          </a:xfrm>
+          <a:prstGeom prst="line">
+            <a:avLst/>
+          </a:prstGeom>
+          <a:noFill/>
+          <a:ln w="9525" cap="flat" cmpd="sng" algn="ctr">
+            <a:solidFill>
+              <a:schemeClr val="accent2"/>
+            </a:solidFill>
+            <a:prstDash val="dash"/>
+            <a:round/>
+            <a:headEnd type="none" w="med" len="med"/>
+            <a:tailEnd type="none" w="med" len="med"/>
+          </a:ln>
+          <a:effectLst/>
+        </p:spPr>
+        <p:txBody>
+          <a:bodyPr vert="horz" wrap="square" lIns="91440" tIns="45720" rIns="91440" bIns="45720" anchor="t" compatLnSpc="1"/>
+          <a:lstStyle/>
+          <a:p>
+            <a:endParaRPr kumimoji="0" lang="en-US"/>
+          </a:p>
+        </p:txBody>
+      </p:sp>
+      <p:sp>
+        <p:nvSpPr>
+          <p:cNvPr id="29" name="Straight Connector 28"/>
+          <p:cNvSpPr>
+            <a:spLocks noChangeShapeType="1"/>
+          </p:cNvSpPr>
+          <p:nvPr/>
+        </p:nvSpPr>
+        <p:spPr bwMode="auto">
+          <a:xfrm>
+            <a:off x="457200" y="1143000"/>
+            <a:ext cx="8229600" cy="0"/>
+          </a:xfrm>
+          <a:prstGeom prst="line">
+            <a:avLst/>
+          </a:prstGeom>
+          <a:noFill/>
+          <a:ln w="9525" cap="flat" cmpd="sng" algn="ctr">
+            <a:solidFill>
+              <a:schemeClr val="accent2"/>
+            </a:solidFill>
+            <a:prstDash val="dash"/>
+            <a:round/>
+            <a:headEnd type="none" w="med" len="med"/>
+            <a:tailEnd type="none" w="med" len="med"/>
+          </a:ln>
+          <a:effectLst/>
+        </p:spPr>
+        <p:txBody>
+          <a:bodyPr vert="horz" wrap="square" lIns="91440" tIns="45720" rIns="91440" bIns="45720" anchor="t" compatLnSpc="1"/>
+          <a:lstStyle/>
+          <a:p>
+            <a:endParaRPr kumimoji="0" lang="en-US"/>
+          </a:p>
+        </p:txBody>
+      </p:sp>
+      <p:sp>
+        <p:nvSpPr>
+          <p:cNvPr id="10" name="Isosceles Triangle 9"/>
+          <p:cNvSpPr>
+            <a:spLocks noChangeAspect="1"/>
+          </p:cNvSpPr>
+          <p:nvPr/>
+        </p:nvSpPr>
+        <p:spPr>
+          <a:xfrm rot="5400000">
+            <a:off x="419100" y="6467475"/>
+            <a:ext cx="190849" cy="120314"/>
+          </a:xfrm>
+          <a:prstGeom prst="triangle">
+            <a:avLst>
+              <a:gd name="adj" fmla="val 50000"/>
+            </a:avLst>
+          </a:prstGeom>
+          <a:solidFill>
+            <a:schemeClr val="accent2"/>
+          </a:solidFill>
+          <a:ln w="25400" cap="rnd" cmpd="sng" algn="ctr">
+            <a:noFill/>
+            <a:prstDash val="solid"/>
+          </a:ln>
+          <a:effectLst/>
+        </p:spPr>
+        <p:style>
+          <a:lnRef idx="3">
+            <a:schemeClr val="lt1"/>
+          </a:lnRef>
+          <a:fillRef idx="1">
+            <a:schemeClr val="accent1"/>
+          </a:fillRef>
+          <a:effectRef idx="1">
+            <a:schemeClr val="accent1"/>
+          </a:effectRef>
+          <a:fontRef idx="minor">
+            <a:schemeClr val="lt1"/>
+          </a:fontRef>
+        </p:style>
+        <p:txBody>
+          <a:bodyPr anchor="ctr"/>
+          <a:lstStyle/>
+          <a:p>
+            <a:pPr algn="ctr" eaLnBrk="1" latinLnBrk="0" hangingPunct="1"/>
+            <a:endParaRPr kumimoji="0" lang="en-US"/>
+          </a:p>
+        </p:txBody>
+      </p:sp>
     </p:spTree>
-    <p:extLst>
-      <p:ext uri="{BB962C8B-B14F-4D97-AF65-F5344CB8AC3E}">
-        <p14:creationId xmlns:p14="http://schemas.microsoft.com/office/powerpoint/2010/main" val="1927195695"/>
-      </p:ext>
-    </p:extLst>
   </p:cSld>
   <p:clrMap bg1="lt1" tx1="dk1" bg2="lt2" tx2="dk2" accent1="accent1" accent2="accent2" accent3="accent3" accent4="accent4" accent5="accent5" accent6="accent6" hlink="hlink" folHlink="folHlink"/>
   <p:sldLayoutIdLst>
-    <p:sldLayoutId id="2147483649" r:id="rId1"/>
-    <p:sldLayoutId id="2147483650" r:id="rId2"/>
-    <p:sldLayoutId id="2147483651" r:id="rId3"/>
-    <p:sldLayoutId id="2147483652" r:id="rId4"/>
-    <p:sldLayoutId id="2147483653" r:id="rId5"/>
-    <p:sldLayoutId id="2147483654" r:id="rId6"/>
-    <p:sldLayoutId id="2147483655" r:id="rId7"/>
-    <p:sldLayoutId id="2147483656" r:id="rId8"/>
-    <p:sldLayoutId id="2147483657" r:id="rId9"/>
-    <p:sldLayoutId id="2147483658" r:id="rId10"/>
-    <p:sldLayoutId id="2147483659" r:id="rId11"/>
+    <p:sldLayoutId id="2147483661" r:id="rId1"/>
+    <p:sldLayoutId id="2147483662" r:id="rId2"/>
+    <p:sldLayoutId id="2147483663" r:id="rId3"/>
+    <p:sldLayoutId id="2147483664" r:id="rId4"/>
+    <p:sldLayoutId id="2147483665" r:id="rId5"/>
+    <p:sldLayoutId id="2147483666" r:id="rId6"/>
+    <p:sldLayoutId id="2147483667" r:id="rId7"/>
+    <p:sldLayoutId id="2147483668" r:id="rId8"/>
+    <p:sldLayoutId id="2147483669" r:id="rId9"/>
+    <p:sldLayoutId id="2147483670" r:id="rId10"/>
+    <p:sldLayoutId id="2147483671" r:id="rId11"/>
   </p:sldLayoutIdLst>
   <p:txStyles>
     <p:titleStyle>
-      <a:lvl1pPr algn="ctr" defTabSz="457200" rtl="0" eaLnBrk="1" latinLnBrk="0" hangingPunct="1">
+      <a:lvl1pPr algn="l" rtl="0" eaLnBrk="1" latinLnBrk="0" hangingPunct="1">
         <a:spcBef>
           <a:spcPct val="0"/>
         </a:spcBef>
         <a:buNone/>
-        <a:defRPr sz="4400" kern="1200">
+        <a:defRPr kumimoji="0" sz="3200" kern="1200">
           <a:solidFill>
-            <a:schemeClr val="tx1"/>
+            <a:schemeClr val="tx2"/>
           </a:solidFill>
           <a:latin typeface="+mj-lt"/>
           <a:ea typeface="+mj-ea"/>
@@ -3293,13 +3940,17 @@
       </a:lvl1pPr>
     </p:titleStyle>
     <p:bodyStyle>
-      <a:lvl1pPr marL="342900" indent="-342900" algn="l" defTabSz="457200" rtl="0" eaLnBrk="1" latinLnBrk="0" hangingPunct="1">
+      <a:lvl1pPr marL="274320" indent="-274320" algn="l" rtl="0" eaLnBrk="1" latinLnBrk="0" hangingPunct="1">
         <a:spcBef>
-          <a:spcPct val="20000"/>
+          <a:spcPts val="600"/>
         </a:spcBef>
-        <a:buFont typeface="Arial"/>
-        <a:buChar char="•"/>
-        <a:defRPr sz="3200" kern="1200">
+        <a:buClr>
+          <a:schemeClr val="accent1"/>
+        </a:buClr>
+        <a:buSzPct val="76000"/>
+        <a:buFont typeface="Wingdings 3"/>
+        <a:buChar char=""/>
+        <a:defRPr kumimoji="0" sz="2600" kern="1200">
           <a:solidFill>
             <a:schemeClr val="tx1"/>
           </a:solidFill>
@@ -3308,28 +3959,38 @@
           <a:cs typeface="+mn-cs"/>
         </a:defRPr>
       </a:lvl1pPr>
-      <a:lvl2pPr marL="742950" indent="-285750" algn="l" defTabSz="457200" rtl="0" eaLnBrk="1" latinLnBrk="0" hangingPunct="1">
+      <a:lvl2pPr marL="548640" indent="-274320" algn="l" rtl="0" eaLnBrk="1" latinLnBrk="0" hangingPunct="1">
         <a:spcBef>
-          <a:spcPct val="20000"/>
+          <a:spcPts val="500"/>
         </a:spcBef>
-        <a:buFont typeface="Arial"/>
-        <a:buChar char="–"/>
-        <a:defRPr sz="2800" kern="1200">
+        <a:buClr>
+          <a:schemeClr val="accent2"/>
+        </a:buClr>
+        <a:buSzPct val="76000"/>
+        <a:buFont typeface="Wingdings 3"/>
+        <a:buChar char=""/>
+        <a:defRPr kumimoji="0" sz="2300" kern="1200">
           <a:solidFill>
-            <a:schemeClr val="tx1"/>
+            <a:schemeClr val="tx2"/>
           </a:solidFill>
           <a:latin typeface="+mn-lt"/>
           <a:ea typeface="+mn-ea"/>
           <a:cs typeface="+mn-cs"/>
         </a:defRPr>
       </a:lvl2pPr>
-      <a:lvl3pPr marL="1143000" indent="-228600" algn="l" defTabSz="457200" rtl="0" eaLnBrk="1" latinLnBrk="0" hangingPunct="1">
+      <a:lvl3pPr marL="822960" indent="-228600" algn="l" rtl="0" eaLnBrk="1" latinLnBrk="0" hangingPunct="1">
         <a:spcBef>
-          <a:spcPct val="20000"/>
+          <a:spcPts val="500"/>
         </a:spcBef>
-        <a:buFont typeface="Arial"/>
-        <a:buChar char="•"/>
-        <a:defRPr sz="2400" kern="1200">
+        <a:buClr>
+          <a:schemeClr val="bg1">
+            <a:shade val="50000"/>
+          </a:schemeClr>
+        </a:buClr>
+        <a:buSzPct val="76000"/>
+        <a:buFont typeface="Wingdings 3"/>
+        <a:buChar char=""/>
+        <a:defRPr kumimoji="0" sz="2000" kern="1200">
           <a:solidFill>
             <a:schemeClr val="tx1"/>
           </a:solidFill>
@@ -3338,13 +3999,19 @@
           <a:cs typeface="+mn-cs"/>
         </a:defRPr>
       </a:lvl3pPr>
-      <a:lvl4pPr marL="1600200" indent="-228600" algn="l" defTabSz="457200" rtl="0" eaLnBrk="1" latinLnBrk="0" hangingPunct="1">
+      <a:lvl4pPr marL="1097280" indent="-228600" algn="l" rtl="0" eaLnBrk="1" latinLnBrk="0" hangingPunct="1">
         <a:spcBef>
-          <a:spcPct val="20000"/>
+          <a:spcPts val="400"/>
         </a:spcBef>
-        <a:buFont typeface="Arial"/>
-        <a:buChar char="–"/>
-        <a:defRPr sz="2000" kern="1200">
+        <a:buClr>
+          <a:schemeClr val="accent2">
+            <a:shade val="75000"/>
+          </a:schemeClr>
+        </a:buClr>
+        <a:buSzPct val="70000"/>
+        <a:buFont typeface="Wingdings"/>
+        <a:buChar char=""/>
+        <a:defRPr kumimoji="0" sz="1800" kern="1200">
           <a:solidFill>
             <a:schemeClr val="tx1"/>
           </a:solidFill>
@@ -3353,13 +4020,17 @@
           <a:cs typeface="+mn-cs"/>
         </a:defRPr>
       </a:lvl4pPr>
-      <a:lvl5pPr marL="2057400" indent="-228600" algn="l" defTabSz="457200" rtl="0" eaLnBrk="1" latinLnBrk="0" hangingPunct="1">
+      <a:lvl5pPr marL="1371600" indent="-228600" algn="l" rtl="0" eaLnBrk="1" latinLnBrk="0" hangingPunct="1">
         <a:spcBef>
-          <a:spcPct val="20000"/>
+          <a:spcPts val="300"/>
         </a:spcBef>
-        <a:buFont typeface="Arial"/>
-        <a:buChar char="»"/>
-        <a:defRPr sz="2000" kern="1200">
+        <a:buClr>
+          <a:schemeClr val="accent2"/>
+        </a:buClr>
+        <a:buSzPct val="70000"/>
+        <a:buFont typeface="Wingdings"/>
+        <a:buChar char=""/>
+        <a:defRPr kumimoji="0" sz="1600" kern="1200">
           <a:solidFill>
             <a:schemeClr val="tx1"/>
           </a:solidFill>
@@ -3368,13 +4039,19 @@
           <a:cs typeface="+mn-cs"/>
         </a:defRPr>
       </a:lvl5pPr>
-      <a:lvl6pPr marL="2514600" indent="-228600" algn="l" defTabSz="457200" rtl="0" eaLnBrk="1" latinLnBrk="0" hangingPunct="1">
+      <a:lvl6pPr marL="1645920" indent="-182880" algn="l" rtl="0" eaLnBrk="1" latinLnBrk="0" hangingPunct="1">
         <a:spcBef>
-          <a:spcPct val="20000"/>
+          <a:spcPts val="300"/>
         </a:spcBef>
-        <a:buFont typeface="Arial"/>
-        <a:buChar char="•"/>
-        <a:defRPr sz="2000" kern="1200">
+        <a:buClr>
+          <a:srgbClr val="9FB8CD">
+            <a:shade val="75000"/>
+          </a:srgbClr>
+        </a:buClr>
+        <a:buSzPct val="75000"/>
+        <a:buFont typeface="Wingdings 3"/>
+        <a:buChar char=""/>
+        <a:defRPr kumimoji="0" lang="en-US" sz="1600" kern="1200" smtClean="0">
           <a:solidFill>
             <a:schemeClr val="tx1"/>
           </a:solidFill>
@@ -3383,13 +4060,19 @@
           <a:cs typeface="+mn-cs"/>
         </a:defRPr>
       </a:lvl6pPr>
-      <a:lvl7pPr marL="2971800" indent="-228600" algn="l" defTabSz="457200" rtl="0" eaLnBrk="1" latinLnBrk="0" hangingPunct="1">
+      <a:lvl7pPr marL="1828800" indent="-182880" algn="l" rtl="0" eaLnBrk="1" latinLnBrk="0" hangingPunct="1">
         <a:spcBef>
-          <a:spcPct val="20000"/>
+          <a:spcPts val="300"/>
         </a:spcBef>
-        <a:buFont typeface="Arial"/>
-        <a:buChar char="•"/>
-        <a:defRPr sz="2000" kern="1200">
+        <a:buClr>
+          <a:srgbClr val="727CA3">
+            <a:shade val="75000"/>
+          </a:srgbClr>
+        </a:buClr>
+        <a:buSzPct val="75000"/>
+        <a:buFont typeface="Wingdings 3"/>
+        <a:buChar char=""/>
+        <a:defRPr kumimoji="0" lang="en-US" sz="1400" kern="1200" smtClean="0">
           <a:solidFill>
             <a:schemeClr val="tx1"/>
           </a:solidFill>
@@ -3398,13 +4081,19 @@
           <a:cs typeface="+mn-cs"/>
         </a:defRPr>
       </a:lvl7pPr>
-      <a:lvl8pPr marL="3429000" indent="-228600" algn="l" defTabSz="457200" rtl="0" eaLnBrk="1" latinLnBrk="0" hangingPunct="1">
+      <a:lvl8pPr marL="2011680" indent="-182880" algn="l" rtl="0" eaLnBrk="1" latinLnBrk="0" hangingPunct="1">
         <a:spcBef>
-          <a:spcPct val="20000"/>
+          <a:spcPts val="300"/>
         </a:spcBef>
-        <a:buFont typeface="Arial"/>
-        <a:buChar char="•"/>
-        <a:defRPr sz="2000" kern="1200">
+        <a:buClr>
+          <a:prstClr val="white">
+            <a:shade val="50000"/>
+          </a:prstClr>
+        </a:buClr>
+        <a:buSzPct val="75000"/>
+        <a:buFont typeface="Wingdings 3"/>
+        <a:buChar char=""/>
+        <a:defRPr kumimoji="0" lang="en-US" sz="1400" kern="1200" smtClean="0">
           <a:solidFill>
             <a:schemeClr val="tx1"/>
           </a:solidFill>
@@ -3413,13 +4102,17 @@
           <a:cs typeface="+mn-cs"/>
         </a:defRPr>
       </a:lvl8pPr>
-      <a:lvl9pPr marL="3886200" indent="-228600" algn="l" defTabSz="457200" rtl="0" eaLnBrk="1" latinLnBrk="0" hangingPunct="1">
+      <a:lvl9pPr marL="2194560" indent="-182880" algn="l" rtl="0" eaLnBrk="1" latinLnBrk="0" hangingPunct="1">
         <a:spcBef>
-          <a:spcPct val="20000"/>
+          <a:spcPts val="300"/>
         </a:spcBef>
-        <a:buFont typeface="Arial"/>
-        <a:buChar char="•"/>
-        <a:defRPr sz="2000" kern="1200">
+        <a:buClr>
+          <a:srgbClr val="9FB8CD"/>
+        </a:buClr>
+        <a:buSzPct val="75000"/>
+        <a:buFont typeface="Wingdings 3"/>
+        <a:buChar char=""/>
+        <a:defRPr kumimoji="0" lang="en-US" sz="1200" kern="1200" smtClean="0">
           <a:solidFill>
             <a:schemeClr val="tx1"/>
           </a:solidFill>
@@ -3430,11 +4123,8 @@
       </a:lvl9pPr>
     </p:bodyStyle>
     <p:otherStyle>
-      <a:defPPr>
-        <a:defRPr lang="en-US"/>
-      </a:defPPr>
-      <a:lvl1pPr marL="0" algn="l" defTabSz="457200" rtl="0" eaLnBrk="1" latinLnBrk="0" hangingPunct="1">
-        <a:defRPr sz="1800" kern="1200">
+      <a:lvl1pPr marL="0" algn="l" rtl="0" eaLnBrk="1" latinLnBrk="0" hangingPunct="1">
+        <a:defRPr kumimoji="0" kern="1200">
           <a:solidFill>
             <a:schemeClr val="tx1"/>
           </a:solidFill>
@@ -3443,8 +4133,8 @@
           <a:cs typeface="+mn-cs"/>
         </a:defRPr>
       </a:lvl1pPr>
-      <a:lvl2pPr marL="457200" algn="l" defTabSz="457200" rtl="0" eaLnBrk="1" latinLnBrk="0" hangingPunct="1">
-        <a:defRPr sz="1800" kern="1200">
+      <a:lvl2pPr marL="457200" algn="l" rtl="0" eaLnBrk="1" latinLnBrk="0" hangingPunct="1">
+        <a:defRPr kumimoji="0" kern="1200">
           <a:solidFill>
             <a:schemeClr val="tx1"/>
           </a:solidFill>
@@ -3453,8 +4143,8 @@
           <a:cs typeface="+mn-cs"/>
         </a:defRPr>
       </a:lvl2pPr>
-      <a:lvl3pPr marL="914400" algn="l" defTabSz="457200" rtl="0" eaLnBrk="1" latinLnBrk="0" hangingPunct="1">
-        <a:defRPr sz="1800" kern="1200">
+      <a:lvl3pPr marL="914400" algn="l" rtl="0" eaLnBrk="1" latinLnBrk="0" hangingPunct="1">
+        <a:defRPr kumimoji="0" kern="1200">
           <a:solidFill>
             <a:schemeClr val="tx1"/>
           </a:solidFill>
@@ -3463,8 +4153,8 @@
           <a:cs typeface="+mn-cs"/>
         </a:defRPr>
       </a:lvl3pPr>
-      <a:lvl4pPr marL="1371600" algn="l" defTabSz="457200" rtl="0" eaLnBrk="1" latinLnBrk="0" hangingPunct="1">
-        <a:defRPr sz="1800" kern="1200">
+      <a:lvl4pPr marL="1371600" algn="l" rtl="0" eaLnBrk="1" latinLnBrk="0" hangingPunct="1">
+        <a:defRPr kumimoji="0" kern="1200">
           <a:solidFill>
             <a:schemeClr val="tx1"/>
           </a:solidFill>
@@ -3473,8 +4163,8 @@
           <a:cs typeface="+mn-cs"/>
         </a:defRPr>
       </a:lvl4pPr>
-      <a:lvl5pPr marL="1828800" algn="l" defTabSz="457200" rtl="0" eaLnBrk="1" latinLnBrk="0" hangingPunct="1">
-        <a:defRPr sz="1800" kern="1200">
+      <a:lvl5pPr marL="1828800" algn="l" rtl="0" eaLnBrk="1" latinLnBrk="0" hangingPunct="1">
+        <a:defRPr kumimoji="0" kern="1200">
           <a:solidFill>
             <a:schemeClr val="tx1"/>
           </a:solidFill>
@@ -3483,8 +4173,8 @@
           <a:cs typeface="+mn-cs"/>
         </a:defRPr>
       </a:lvl5pPr>
-      <a:lvl6pPr marL="2286000" algn="l" defTabSz="457200" rtl="0" eaLnBrk="1" latinLnBrk="0" hangingPunct="1">
-        <a:defRPr sz="1800" kern="1200">
+      <a:lvl6pPr marL="2286000" algn="l" rtl="0" eaLnBrk="1" latinLnBrk="0" hangingPunct="1">
+        <a:defRPr kumimoji="0" kern="1200">
           <a:solidFill>
             <a:schemeClr val="tx1"/>
           </a:solidFill>
@@ -3493,8 +4183,8 @@
           <a:cs typeface="+mn-cs"/>
         </a:defRPr>
       </a:lvl6pPr>
-      <a:lvl7pPr marL="2743200" algn="l" defTabSz="457200" rtl="0" eaLnBrk="1" latinLnBrk="0" hangingPunct="1">
-        <a:defRPr sz="1800" kern="1200">
+      <a:lvl7pPr marL="2743200" algn="l" rtl="0" eaLnBrk="1" latinLnBrk="0" hangingPunct="1">
+        <a:defRPr kumimoji="0" kern="1200">
           <a:solidFill>
             <a:schemeClr val="tx1"/>
           </a:solidFill>
@@ -3503,8 +4193,8 @@
           <a:cs typeface="+mn-cs"/>
         </a:defRPr>
       </a:lvl7pPr>
-      <a:lvl8pPr marL="3200400" algn="l" defTabSz="457200" rtl="0" eaLnBrk="1" latinLnBrk="0" hangingPunct="1">
-        <a:defRPr sz="1800" kern="1200">
+      <a:lvl8pPr marL="3200400" algn="l" rtl="0" eaLnBrk="1" latinLnBrk="0" hangingPunct="1">
+        <a:defRPr kumimoji="0" kern="1200">
           <a:solidFill>
             <a:schemeClr val="tx1"/>
           </a:solidFill>
@@ -3513,8 +4203,8 @@
           <a:cs typeface="+mn-cs"/>
         </a:defRPr>
       </a:lvl8pPr>
-      <a:lvl9pPr marL="3657600" algn="l" defTabSz="457200" rtl="0" eaLnBrk="1" latinLnBrk="0" hangingPunct="1">
-        <a:defRPr sz="1800" kern="1200">
+      <a:lvl9pPr marL="3657600" algn="l" rtl="0" eaLnBrk="1" latinLnBrk="0" hangingPunct="1">
+        <a:defRPr kumimoji="0" kern="1200">
           <a:solidFill>
             <a:schemeClr val="tx1"/>
           </a:solidFill>
@@ -3569,14 +4259,18 @@
           <a:p>
             <a:r>
               <a:rPr lang="en-US" sz="3100" dirty="0" smtClean="0"/>
-              <a:t>Fundamental Performance Limits in </a:t>
+              <a:t>Fundamental Performance Limits </a:t>
+            </a:r>
+            <a:r>
+              <a:rPr lang="en-US" sz="3100" dirty="0" smtClean="0"/>
+              <a:t/>
             </a:r>
             <a:br>
               <a:rPr lang="en-US" sz="3100" dirty="0" smtClean="0"/>
             </a:br>
             <a:r>
               <a:rPr lang="en-US" sz="3100" dirty="0" smtClean="0"/>
-              <a:t>Image Registration</a:t>
+              <a:t>in Image Registration</a:t>
             </a:r>
             <a:br>
               <a:rPr lang="en-US" sz="3100" dirty="0" smtClean="0"/>
@@ -3589,47 +4283,54 @@
               <a:rPr lang="en-US" sz="3100" dirty="0" smtClean="0"/>
             </a:br>
             <a:r>
-              <a:rPr lang="en-US" sz="2200" dirty="0" smtClean="0"/>
+              <a:rPr lang="en-US" sz="2000" dirty="0"/>
               <a:t>By Dirk Robinson and </a:t>
             </a:r>
             <a:r>
-              <a:rPr lang="en-US" sz="2200" dirty="0" err="1" smtClean="0"/>
+              <a:rPr lang="en-US" sz="2000" dirty="0" err="1"/>
               <a:t>Peyman</a:t>
             </a:r>
             <a:r>
-              <a:rPr lang="en-US" sz="2200" dirty="0" smtClean="0"/>
+              <a:rPr lang="en-US" sz="2000" dirty="0"/>
               <a:t> </a:t>
             </a:r>
             <a:r>
-              <a:rPr lang="en-US" sz="2200" dirty="0" err="1" smtClean="0"/>
+              <a:rPr lang="en-US" sz="2000" dirty="0" err="1"/>
               <a:t>Milanfar</a:t>
             </a:r>
             <a:r>
-              <a:rPr lang="en-US" sz="2200" dirty="0" smtClean="0"/>
+              <a:rPr lang="en-US" sz="2000" dirty="0"/>
               <a:t/>
             </a:r>
             <a:br>
-              <a:rPr lang="en-US" sz="2200" dirty="0" smtClean="0"/>
+              <a:rPr lang="en-US" sz="2000" dirty="0"/>
             </a:br>
             <a:r>
-              <a:rPr lang="en-US" sz="2200" dirty="0" smtClean="0"/>
+              <a:rPr lang="en-US" sz="2000" dirty="0"/>
               <a:t/>
             </a:r>
             <a:br>
-              <a:rPr lang="en-US" sz="2200" dirty="0" smtClean="0"/>
+              <a:rPr lang="en-US" sz="2000" dirty="0"/>
             </a:br>
             <a:r>
-              <a:rPr lang="en-US" sz="2000" dirty="0" smtClean="0"/>
+              <a:rPr lang="en-US" sz="1800" dirty="0"/>
               <a:t>IEEE Transactions on Image Processing </a:t>
             </a:r>
             <a:br>
-              <a:rPr lang="en-US" sz="2000" dirty="0" smtClean="0"/>
+              <a:rPr lang="en-US" sz="1800" dirty="0"/>
             </a:br>
             <a:r>
-              <a:rPr lang="en-US" sz="2000" dirty="0" smtClean="0"/>
+              <a:rPr lang="en-US" sz="1800" dirty="0"/>
               <a:t>Vol. 13, No. 9, 9/2004</a:t>
             </a:r>
-            <a:endParaRPr lang="en-US" sz="2000" dirty="0"/>
+            <a:r>
+              <a:rPr lang="en-US" sz="1800" dirty="0" smtClean="0"/>
+              <a:t/>
+            </a:r>
+            <a:br>
+              <a:rPr lang="en-US" sz="1800" dirty="0" smtClean="0"/>
+            </a:br>
+            <a:endParaRPr lang="en-US" sz="1200" dirty="0"/>
           </a:p>
         </p:txBody>
       </p:sp>
@@ -3645,23 +4346,25 @@
         </p:nvSpPr>
         <p:spPr/>
         <p:txBody>
-          <a:bodyPr/>
+          <a:bodyPr>
+            <a:normAutofit fontScale="25000" lnSpcReduction="20000"/>
+          </a:bodyPr>
           <a:lstStyle/>
           <a:p>
             <a:endParaRPr lang="en-US" dirty="0" smtClean="0"/>
           </a:p>
           <a:p>
             <a:r>
-              <a:rPr lang="en-US" dirty="0" smtClean="0"/>
+              <a:rPr lang="en-US" sz="3200" dirty="0" smtClean="0"/>
               <a:t>CS679: Pattern Recognition</a:t>
             </a:r>
           </a:p>
           <a:p>
             <a:r>
-              <a:rPr lang="en-US" dirty="0" smtClean="0"/>
+              <a:rPr lang="en-US" sz="3200" dirty="0" smtClean="0"/>
               <a:t>Josh Gleason and Rod Pickens</a:t>
             </a:r>
-            <a:endParaRPr lang="en-US" dirty="0"/>
+            <a:endParaRPr lang="en-US" sz="3200" dirty="0"/>
           </a:p>
         </p:txBody>
       </p:sp>
@@ -3714,11 +4417,7 @@
           <a:p>
             <a:r>
               <a:rPr lang="en-US" sz="2400" dirty="0" smtClean="0"/>
-              <a:t>Registration, ML Estimation, and </a:t>
-            </a:r>
-            <a:r>
-              <a:rPr lang="en-US" sz="2400" dirty="0" smtClean="0"/>
-              <a:t>Objective Function</a:t>
+              <a:t>Registration, ML Estimation, and Objective Function</a:t>
             </a:r>
             <a:endParaRPr lang="en-US" sz="2400" dirty="0"/>
           </a:p>
@@ -3731,23 +4430,23 @@
             <a:graphicFrameLocks noGrp="1" noChangeAspect="1"/>
           </p:cNvGraphicFramePr>
           <p:nvPr>
-            <p:ph idx="1"/>
+            <p:ph sz="quarter" idx="1"/>
             <p:extLst>
               <p:ext uri="{D42A27DB-BD31-4B8C-83A1-F6EECF244321}">
-                <p14:modId xmlns:p14="http://schemas.microsoft.com/office/powerpoint/2010/main" val="1246831131"/>
+                <p14:modId xmlns:p14="http://schemas.microsoft.com/office/powerpoint/2010/main" val="4066606567"/>
               </p:ext>
             </p:extLst>
           </p:nvPr>
         </p:nvGraphicFramePr>
         <p:xfrm>
-          <a:off x="320277" y="3767328"/>
-          <a:ext cx="2657010" cy="308734"/>
+          <a:off x="565150" y="3533058"/>
+          <a:ext cx="2166938" cy="309562"/>
         </p:xfrm>
         <a:graphic>
           <a:graphicData uri="http://schemas.openxmlformats.org/presentationml/2006/ole">
             <mc:AlternateContent xmlns:mc="http://schemas.openxmlformats.org/markup-compatibility/2006">
               <mc:Choice xmlns:v="urn:schemas-microsoft-com:vml" Requires="v">
-                <p:oleObj spid="_x0000_s3157" name="Equation" r:id="rId3" imgW="1689100" imgH="241300" progId="Equation.3">
+                <p:oleObj spid="_x0000_s3177" name="Equation" r:id="rId3" imgW="1689100" imgH="241300" progId="Equation.3">
                   <p:embed/>
                 </p:oleObj>
               </mc:Choice>
@@ -3768,8 +4467,8 @@
                     </p:blipFill>
                     <p:spPr>
                       <a:xfrm>
-                        <a:off x="320277" y="3767328"/>
-                        <a:ext cx="2657010" cy="308734"/>
+                        <a:off x="565150" y="3533058"/>
+                        <a:ext cx="2166938" cy="309562"/>
                       </a:xfrm>
                       <a:prstGeom prst="rect">
                         <a:avLst/>
@@ -3791,20 +4490,20 @@
           <p:nvPr>
             <p:extLst>
               <p:ext uri="{D42A27DB-BD31-4B8C-83A1-F6EECF244321}">
-                <p14:modId xmlns:p14="http://schemas.microsoft.com/office/powerpoint/2010/main" val="3066313473"/>
+                <p14:modId xmlns:p14="http://schemas.microsoft.com/office/powerpoint/2010/main" val="2686641589"/>
               </p:ext>
             </p:extLst>
           </p:nvPr>
         </p:nvGraphicFramePr>
         <p:xfrm>
-          <a:off x="3748580" y="3825850"/>
+          <a:off x="3748580" y="3591770"/>
           <a:ext cx="4627951" cy="301840"/>
         </p:xfrm>
         <a:graphic>
           <a:graphicData uri="http://schemas.openxmlformats.org/presentationml/2006/ole">
             <mc:AlternateContent xmlns:mc="http://schemas.openxmlformats.org/markup-compatibility/2006">
               <mc:Choice xmlns:v="urn:schemas-microsoft-com:vml" Requires="v">
-                <p:oleObj spid="_x0000_s3158" name="Equation" r:id="rId5" imgW="2895600" imgH="241300" progId="Equation.3">
+                <p:oleObj spid="_x0000_s3178" name="Equation" r:id="rId5" imgW="2895600" imgH="241300" progId="Equation.3">
                   <p:embed/>
                 </p:oleObj>
               </mc:Choice>
@@ -3825,7 +4524,7 @@
                     </p:blipFill>
                     <p:spPr>
                       <a:xfrm>
-                        <a:off x="3748580" y="3825850"/>
+                        <a:off x="3748580" y="3591770"/>
                         <a:ext cx="4627951" cy="301840"/>
                       </a:xfrm>
                       <a:prstGeom prst="rect">
@@ -3848,20 +4547,20 @@
           <p:nvPr>
             <p:extLst>
               <p:ext uri="{D42A27DB-BD31-4B8C-83A1-F6EECF244321}">
-                <p14:modId xmlns:p14="http://schemas.microsoft.com/office/powerpoint/2010/main" val="2912439041"/>
+                <p14:modId xmlns:p14="http://schemas.microsoft.com/office/powerpoint/2010/main" val="3267189472"/>
               </p:ext>
             </p:extLst>
           </p:nvPr>
         </p:nvGraphicFramePr>
         <p:xfrm>
-          <a:off x="270656" y="4706817"/>
+          <a:off x="270656" y="4472737"/>
           <a:ext cx="7776064" cy="590088"/>
         </p:xfrm>
         <a:graphic>
           <a:graphicData uri="http://schemas.openxmlformats.org/presentationml/2006/ole">
             <mc:AlternateContent xmlns:mc="http://schemas.openxmlformats.org/markup-compatibility/2006">
               <mc:Choice xmlns:v="urn:schemas-microsoft-com:vml" Requires="v">
-                <p:oleObj spid="_x0000_s3159" name="Equation" r:id="rId7" imgW="4673520" imgH="431640" progId="Equation.3">
+                <p:oleObj spid="_x0000_s3179" name="Equation" r:id="rId7" imgW="4673520" imgH="431640" progId="Equation.3">
                   <p:embed/>
                 </p:oleObj>
               </mc:Choice>
@@ -3882,7 +4581,7 @@
                     </p:blipFill>
                     <p:spPr>
                       <a:xfrm>
-                        <a:off x="270656" y="4706817"/>
+                        <a:off x="270656" y="4472737"/>
                         <a:ext cx="7776064" cy="590088"/>
                       </a:xfrm>
                       <a:prstGeom prst="rect">
@@ -3904,8 +4603,8 @@
         </p:nvSpPr>
         <p:spPr>
           <a:xfrm>
-            <a:off x="270655" y="4337485"/>
-            <a:ext cx="2334856" cy="369332"/>
+            <a:off x="270654" y="4103405"/>
+            <a:ext cx="2461434" cy="369332"/>
           </a:xfrm>
           <a:prstGeom prst="rect">
             <a:avLst/>
@@ -3917,7 +4616,7 @@
           </a:solidFill>
         </p:spPr>
         <p:txBody>
-          <a:bodyPr wrap="none" rtlCol="0">
+          <a:bodyPr wrap="square" rtlCol="0">
             <a:spAutoFit/>
           </a:bodyPr>
           <a:lstStyle/>
@@ -3938,8 +4637,8 @@
         </p:nvSpPr>
         <p:spPr>
           <a:xfrm>
-            <a:off x="7152519" y="5662526"/>
-            <a:ext cx="1600118" cy="830997"/>
+            <a:off x="7152518" y="5428445"/>
+            <a:ext cx="1843774" cy="830997"/>
           </a:xfrm>
           <a:prstGeom prst="rect">
             <a:avLst/>
@@ -3957,48 +4656,62 @@
           <a:lstStyle/>
           <a:p>
             <a:r>
+              <a:rPr lang="en-US" sz="1200" i="1" dirty="0" smtClean="0"/>
+              <a:t>f(</a:t>
+            </a:r>
+            <a:r>
+              <a:rPr lang="en-US" sz="1200" i="1" dirty="0" err="1" smtClean="0"/>
+              <a:t>m,n</a:t>
+            </a:r>
+            <a:r>
+              <a:rPr lang="en-US" sz="1200" i="1" dirty="0" smtClean="0"/>
+              <a:t>) </a:t>
+            </a:r>
+            <a:r>
               <a:rPr lang="en-US" sz="1200" dirty="0" smtClean="0"/>
-              <a:t>f(</a:t>
-            </a:r>
-            <a:r>
-              <a:rPr lang="en-US" sz="1200" dirty="0" err="1" smtClean="0"/>
+              <a:t>= truth </a:t>
+            </a:r>
+            <a:endParaRPr lang="en-US" sz="1200" dirty="0" smtClean="0"/>
+          </a:p>
+          <a:p>
+            <a:r>
+              <a:rPr lang="en-US" sz="1200" i="1" dirty="0"/>
+              <a:t>v</a:t>
+            </a:r>
+            <a:r>
+              <a:rPr lang="en-US" sz="1200" i="1" dirty="0" smtClean="0"/>
+              <a:t>(</a:t>
+            </a:r>
+            <a:r>
+              <a:rPr lang="en-US" sz="1200" i="1" dirty="0" err="1" smtClean="0"/>
               <a:t>m,n</a:t>
             </a:r>
             <a:r>
+              <a:rPr lang="en-US" sz="1200" i="1" dirty="0" smtClean="0"/>
+              <a:t>) </a:t>
+            </a:r>
+            <a:r>
               <a:rPr lang="en-US" sz="1200" dirty="0" smtClean="0"/>
-              <a:t>)=truth </a:t>
-            </a:r>
-          </a:p>
-          <a:p>
-            <a:r>
-              <a:rPr lang="en-US" sz="1200" dirty="0"/>
-              <a:t>v</a:t>
+              <a:t>= shift  </a:t>
+            </a:r>
+            <a:endParaRPr lang="en-US" sz="1200" dirty="0" smtClean="0"/>
+          </a:p>
+          <a:p>
+            <a:r>
+              <a:rPr lang="en-US" sz="1200" i="1" dirty="0" smtClean="0"/>
+              <a:t>ε(</a:t>
+            </a:r>
+            <a:r>
+              <a:rPr lang="en-US" sz="1200" i="1" dirty="0" err="1" smtClean="0"/>
+              <a:t>m,n</a:t>
+            </a:r>
+            <a:r>
+              <a:rPr lang="en-US" sz="1200" i="1" dirty="0" smtClean="0"/>
+              <a:t>) </a:t>
             </a:r>
             <a:r>
               <a:rPr lang="en-US" sz="1200" dirty="0" smtClean="0"/>
-              <a:t>(</a:t>
-            </a:r>
-            <a:r>
-              <a:rPr lang="en-US" sz="1200" dirty="0" err="1" smtClean="0"/>
-              <a:t>m,n</a:t>
-            </a:r>
-            <a:r>
-              <a:rPr lang="en-US" sz="1200" dirty="0" smtClean="0"/>
-              <a:t>)=shift  </a:t>
-            </a:r>
-          </a:p>
-          <a:p>
-            <a:r>
-              <a:rPr lang="en-US" sz="1200" dirty="0" smtClean="0"/>
-              <a:t>ε(</a:t>
-            </a:r>
-            <a:r>
-              <a:rPr lang="en-US" sz="1200" dirty="0" err="1" smtClean="0"/>
-              <a:t>m,n</a:t>
-            </a:r>
-            <a:r>
-              <a:rPr lang="en-US" sz="1200" dirty="0" smtClean="0"/>
-              <a:t>)=Gaussian </a:t>
+              <a:t>= Gaussian </a:t>
             </a:r>
             <a:r>
               <a:rPr lang="en-US" sz="1200" dirty="0" smtClean="0"/>
@@ -4008,7 +4721,7 @@
           <a:p>
             <a:r>
               <a:rPr lang="en-US" sz="1200" dirty="0" smtClean="0"/>
-              <a:t>Image: </a:t>
+              <a:t>Image courtesy </a:t>
             </a:r>
             <a:r>
               <a:rPr lang="en-US" sz="1200" dirty="0" err="1" smtClean="0"/>
@@ -4041,7 +4754,7 @@
         </p:blipFill>
         <p:spPr>
           <a:xfrm>
-            <a:off x="2593028" y="1417638"/>
+            <a:off x="2593028" y="1183558"/>
             <a:ext cx="3607399" cy="1983930"/>
           </a:xfrm>
           <a:prstGeom prst="rect">
@@ -4057,7 +4770,7 @@
         </p:nvCxnSpPr>
         <p:spPr>
           <a:xfrm flipV="1">
-            <a:off x="2274857" y="3223525"/>
+            <a:off x="2274857" y="2989445"/>
             <a:ext cx="428199" cy="467432"/>
           </a:xfrm>
           <a:prstGeom prst="straightConnector1">
@@ -4093,7 +4806,7 @@
         </p:nvCxnSpPr>
         <p:spPr>
           <a:xfrm flipV="1">
-            <a:off x="4837495" y="3209732"/>
+            <a:off x="4837495" y="2975652"/>
             <a:ext cx="370434" cy="467432"/>
           </a:xfrm>
           <a:prstGeom prst="straightConnector1">
@@ -4129,7 +4842,7 @@
         </p:nvSpPr>
         <p:spPr>
           <a:xfrm>
-            <a:off x="270655" y="3307832"/>
+            <a:off x="270655" y="3073752"/>
             <a:ext cx="945323" cy="369332"/>
           </a:xfrm>
           <a:prstGeom prst="rect">
@@ -4163,7 +4876,7 @@
         </p:nvCxnSpPr>
         <p:spPr>
           <a:xfrm>
-            <a:off x="342221" y="4127690"/>
+            <a:off x="342221" y="3893610"/>
             <a:ext cx="2635066" cy="0"/>
           </a:xfrm>
           <a:prstGeom prst="line">
@@ -4198,7 +4911,7 @@
         </p:nvCxnSpPr>
         <p:spPr>
           <a:xfrm>
-            <a:off x="3748580" y="4127690"/>
+            <a:off x="3748580" y="3893610"/>
             <a:ext cx="4627951" cy="0"/>
           </a:xfrm>
           <a:prstGeom prst="line">
@@ -4233,7 +4946,7 @@
         </p:nvCxnSpPr>
         <p:spPr>
           <a:xfrm>
-            <a:off x="2593028" y="5128656"/>
+            <a:off x="2593028" y="4894576"/>
             <a:ext cx="1752201" cy="0"/>
           </a:xfrm>
           <a:prstGeom prst="line">
@@ -4268,7 +4981,7 @@
         </p:nvCxnSpPr>
         <p:spPr>
           <a:xfrm>
-            <a:off x="4834463" y="5128656"/>
+            <a:off x="4834463" y="4894576"/>
             <a:ext cx="2634356" cy="0"/>
           </a:xfrm>
           <a:prstGeom prst="line">
@@ -4303,8 +5016,8 @@
         </p:nvSpPr>
         <p:spPr>
           <a:xfrm>
-            <a:off x="270656" y="5346827"/>
-            <a:ext cx="1947328" cy="369332"/>
+            <a:off x="270655" y="5112747"/>
+            <a:ext cx="2084839" cy="369332"/>
           </a:xfrm>
           <a:prstGeom prst="rect">
             <a:avLst/>
@@ -4316,7 +5029,7 @@
           </a:solidFill>
         </p:spPr>
         <p:txBody>
-          <a:bodyPr wrap="none" rtlCol="0">
+          <a:bodyPr wrap="square" rtlCol="0">
             <a:spAutoFit/>
           </a:bodyPr>
           <a:lstStyle/>
@@ -4338,20 +5051,20 @@
           <p:nvPr>
             <p:extLst>
               <p:ext uri="{D42A27DB-BD31-4B8C-83A1-F6EECF244321}">
-                <p14:modId xmlns:p14="http://schemas.microsoft.com/office/powerpoint/2010/main" val="2373545956"/>
+                <p14:modId xmlns:p14="http://schemas.microsoft.com/office/powerpoint/2010/main" val="3890317256"/>
               </p:ext>
             </p:extLst>
           </p:nvPr>
         </p:nvGraphicFramePr>
         <p:xfrm>
-          <a:off x="2270925" y="5794376"/>
+          <a:off x="2270925" y="5560296"/>
           <a:ext cx="4148607" cy="760043"/>
         </p:xfrm>
         <a:graphic>
           <a:graphicData uri="http://schemas.openxmlformats.org/presentationml/2006/ole">
             <mc:AlternateContent xmlns:mc="http://schemas.openxmlformats.org/markup-compatibility/2006">
               <mc:Choice xmlns:v="urn:schemas-microsoft-com:vml" Requires="v">
-                <p:oleObj spid="_x0000_s3160" name="Equation" r:id="rId10" imgW="2438280" imgH="533160" progId="Equation.3">
+                <p:oleObj spid="_x0000_s3180" name="Equation" r:id="rId10" imgW="2438280" imgH="533160" progId="Equation.3">
                   <p:embed/>
                 </p:oleObj>
               </mc:Choice>
@@ -4375,7 +5088,7 @@
                     </p:blipFill>
                     <p:spPr bwMode="auto">
                       <a:xfrm>
-                        <a:off x="2270925" y="5794376"/>
+                        <a:off x="2270925" y="5560296"/>
                         <a:ext cx="4148607" cy="760043"/>
                       </a:xfrm>
                       <a:prstGeom prst="rect">
@@ -4452,14 +5165,18 @@
             </a:r>
             <a:r>
               <a:rPr lang="en-US" dirty="0" smtClean="0"/>
-              <a:t> = FIM</a:t>
+              <a:t> = </a:t>
+            </a:r>
+            <a:r>
+              <a:rPr lang="en-US" dirty="0" smtClean="0"/>
+              <a:t>FIM (Fisher Information)</a:t>
             </a:r>
             <a:endParaRPr lang="en-US" dirty="0"/>
           </a:p>
         </p:txBody>
       </p:sp>
-      <mc:AlternateContent xmlns:mc="http://schemas.openxmlformats.org/markup-compatibility/2006">
-        <mc:Choice xmlns:a14="http://schemas.microsoft.com/office/drawing/2010/main" Requires="a14">
+      <mc:AlternateContent xmlns:mc="http://schemas.openxmlformats.org/markup-compatibility/2006" xmlns:a14="http://schemas.microsoft.com/office/drawing/2010/main">
+        <mc:Choice Requires="a14">
           <p:sp>
             <p:nvSpPr>
               <p:cNvPr id="3" name="TextBox 2"/>
@@ -4482,6 +5199,7 @@
               </a:bodyPr>
               <a:lstStyle/>
               <a:p>
+                <a:pPr/>
                 <a14:m>
                   <m:oMathPara xmlns:m="http://schemas.openxmlformats.org/officeDocument/2006/math">
                     <m:oMathParaPr>
@@ -4920,7 +5638,7 @@
             </p:txBody>
           </p:sp>
         </mc:Choice>
-        <mc:Fallback>
+        <mc:Fallback xmlns="">
           <p:sp>
             <p:nvSpPr>
               <p:cNvPr id="3" name="TextBox 2"/>
@@ -4959,8 +5677,8 @@
           </p:sp>
         </mc:Fallback>
       </mc:AlternateContent>
-      <mc:AlternateContent xmlns:mc="http://schemas.openxmlformats.org/markup-compatibility/2006">
-        <mc:Choice xmlns:a14="http://schemas.microsoft.com/office/drawing/2010/main" Requires="a14">
+      <mc:AlternateContent xmlns:mc="http://schemas.openxmlformats.org/markup-compatibility/2006" xmlns:a14="http://schemas.microsoft.com/office/drawing/2010/main">
+        <mc:Choice Requires="a14">
           <p:sp>
             <p:nvSpPr>
               <p:cNvPr id="5" name="TextBox 4"/>
@@ -4983,6 +5701,7 @@
               </a:bodyPr>
               <a:lstStyle/>
               <a:p>
+                <a:pPr/>
                 <a14:m>
                   <m:oMathPara xmlns:m="http://schemas.openxmlformats.org/officeDocument/2006/math">
                     <m:oMathParaPr>
@@ -5309,7 +6028,7 @@
             </p:txBody>
           </p:sp>
         </mc:Choice>
-        <mc:Fallback>
+        <mc:Fallback xmlns="">
           <p:sp>
             <p:nvSpPr>
               <p:cNvPr id="5" name="TextBox 4"/>
@@ -5441,8 +6160,8 @@
           </a:p>
         </p:txBody>
       </p:sp>
-      <mc:AlternateContent xmlns:mc="http://schemas.openxmlformats.org/markup-compatibility/2006">
-        <mc:Choice xmlns:a14="http://schemas.microsoft.com/office/drawing/2010/main" Requires="a14">
+      <mc:AlternateContent xmlns:mc="http://schemas.openxmlformats.org/markup-compatibility/2006" xmlns:a14="http://schemas.microsoft.com/office/drawing/2010/main">
+        <mc:Choice Requires="a14">
           <p:sp>
             <p:nvSpPr>
               <p:cNvPr id="11" name="TextBox 10"/>
@@ -5465,6 +6184,7 @@
               </a:bodyPr>
               <a:lstStyle/>
               <a:p>
+                <a:pPr/>
                 <a14:m>
                   <m:oMathPara xmlns:m="http://schemas.openxmlformats.org/officeDocument/2006/math">
                     <m:oMathParaPr>
@@ -5791,7 +6511,7 @@
             </p:txBody>
           </p:sp>
         </mc:Choice>
-        <mc:Fallback>
+        <mc:Fallback xmlns="">
           <p:sp>
             <p:nvSpPr>
               <p:cNvPr id="11" name="TextBox 10"/>
@@ -5830,8 +6550,8 @@
           </p:sp>
         </mc:Fallback>
       </mc:AlternateContent>
-      <mc:AlternateContent xmlns:mc="http://schemas.openxmlformats.org/markup-compatibility/2006">
-        <mc:Choice xmlns:a14="http://schemas.microsoft.com/office/drawing/2010/main" Requires="a14">
+      <mc:AlternateContent xmlns:mc="http://schemas.openxmlformats.org/markup-compatibility/2006" xmlns:a14="http://schemas.microsoft.com/office/drawing/2010/main">
+        <mc:Choice Requires="a14">
           <p:sp>
             <p:nvSpPr>
               <p:cNvPr id="12" name="TextBox 11"/>
@@ -5854,6 +6574,7 @@
               </a:bodyPr>
               <a:lstStyle/>
               <a:p>
+                <a:pPr/>
                 <a14:m>
                   <m:oMathPara xmlns:m="http://schemas.openxmlformats.org/officeDocument/2006/math">
                     <m:oMathParaPr>
@@ -6264,7 +6985,7 @@
             </p:txBody>
           </p:sp>
         </mc:Choice>
-        <mc:Fallback>
+        <mc:Fallback xmlns="">
           <p:sp>
             <p:nvSpPr>
               <p:cNvPr id="12" name="TextBox 11"/>
@@ -6336,8 +7057,8 @@
           </a:fontRef>
         </p:style>
       </p:cxnSp>
-      <mc:AlternateContent xmlns:mc="http://schemas.openxmlformats.org/markup-compatibility/2006">
-        <mc:Choice xmlns:a14="http://schemas.microsoft.com/office/drawing/2010/main" Requires="a14">
+      <mc:AlternateContent xmlns:mc="http://schemas.openxmlformats.org/markup-compatibility/2006" xmlns:a14="http://schemas.microsoft.com/office/drawing/2010/main">
+        <mc:Choice Requires="a14">
           <p:sp>
             <p:nvSpPr>
               <p:cNvPr id="14" name="Rectangle 13"/>
@@ -6633,7 +7354,7 @@
             </p:txBody>
           </p:sp>
         </mc:Choice>
-        <mc:Fallback>
+        <mc:Fallback xmlns="">
           <p:sp>
             <p:nvSpPr>
               <p:cNvPr id="14" name="Rectangle 13"/>
@@ -6672,8 +7393,8 @@
           </p:sp>
         </mc:Fallback>
       </mc:AlternateContent>
-      <mc:AlternateContent xmlns:mc="http://schemas.openxmlformats.org/markup-compatibility/2006">
-        <mc:Choice xmlns:a14="http://schemas.microsoft.com/office/drawing/2010/main" Requires="a14">
+      <mc:AlternateContent xmlns:mc="http://schemas.openxmlformats.org/markup-compatibility/2006" xmlns:a14="http://schemas.microsoft.com/office/drawing/2010/main">
+        <mc:Choice Requires="a14">
           <p:sp>
             <p:nvSpPr>
               <p:cNvPr id="15" name="Rectangle 14"/>
@@ -6969,7 +7690,7 @@
             </p:txBody>
           </p:sp>
         </mc:Choice>
-        <mc:Fallback>
+        <mc:Fallback xmlns="">
           <p:sp>
             <p:nvSpPr>
               <p:cNvPr id="15" name="Rectangle 14"/>
@@ -7008,8 +7729,8 @@
           </p:sp>
         </mc:Fallback>
       </mc:AlternateContent>
-      <mc:AlternateContent xmlns:mc="http://schemas.openxmlformats.org/markup-compatibility/2006">
-        <mc:Choice xmlns:a14="http://schemas.microsoft.com/office/drawing/2010/main" Requires="a14">
+      <mc:AlternateContent xmlns:mc="http://schemas.openxmlformats.org/markup-compatibility/2006" xmlns:a14="http://schemas.microsoft.com/office/drawing/2010/main">
+        <mc:Choice Requires="a14">
           <p:sp>
             <p:nvSpPr>
               <p:cNvPr id="16" name="TextBox 15"/>
@@ -7107,7 +7828,7 @@
             </p:txBody>
           </p:sp>
         </mc:Choice>
-        <mc:Fallback>
+        <mc:Fallback xmlns="">
           <p:sp>
             <p:nvSpPr>
               <p:cNvPr id="16" name="TextBox 15"/>
@@ -7176,6 +7897,39 @@
           <a:chExt cx="0" cy="0"/>
         </a:xfrm>
       </p:grpSpPr>
+      <p:cxnSp>
+        <p:nvCxnSpPr>
+          <p:cNvPr id="21" name="Straight Connector 20"/>
+          <p:cNvCxnSpPr/>
+          <p:nvPr/>
+        </p:nvCxnSpPr>
+        <p:spPr>
+          <a:xfrm>
+            <a:off x="541325" y="2829433"/>
+            <a:ext cx="7798003" cy="0"/>
+          </a:xfrm>
+          <a:prstGeom prst="line">
+            <a:avLst/>
+          </a:prstGeom>
+          <a:ln>
+            <a:prstDash val="sysDash"/>
+          </a:ln>
+        </p:spPr>
+        <p:style>
+          <a:lnRef idx="2">
+            <a:schemeClr val="accent1"/>
+          </a:lnRef>
+          <a:fillRef idx="0">
+            <a:schemeClr val="accent1"/>
+          </a:fillRef>
+          <a:effectRef idx="1">
+            <a:schemeClr val="accent1"/>
+          </a:effectRef>
+          <a:fontRef idx="minor">
+            <a:schemeClr val="tx1"/>
+          </a:fontRef>
+        </p:style>
+      </p:cxnSp>
       <p:sp>
         <p:nvSpPr>
           <p:cNvPr id="2" name="Title 1"/>
@@ -7203,8 +7957,8 @@
           </a:p>
         </p:txBody>
       </p:sp>
-      <mc:AlternateContent xmlns:mc="http://schemas.openxmlformats.org/markup-compatibility/2006">
-        <mc:Choice xmlns:a14="http://schemas.microsoft.com/office/drawing/2010/main" Requires="a14">
+      <mc:AlternateContent xmlns:mc="http://schemas.openxmlformats.org/markup-compatibility/2006" xmlns:a14="http://schemas.microsoft.com/office/drawing/2010/main">
+        <mc:Choice Requires="a14">
           <p:sp>
             <p:nvSpPr>
               <p:cNvPr id="14" name="Rectangle 13"/>
@@ -7500,7 +8254,7 @@
             </p:txBody>
           </p:sp>
         </mc:Choice>
-        <mc:Fallback>
+        <mc:Fallback xmlns="">
           <p:sp>
             <p:nvSpPr>
               <p:cNvPr id="14" name="Rectangle 13"/>
@@ -7539,8 +8293,8 @@
           </p:sp>
         </mc:Fallback>
       </mc:AlternateContent>
-      <mc:AlternateContent xmlns:mc="http://schemas.openxmlformats.org/markup-compatibility/2006">
-        <mc:Choice xmlns:a14="http://schemas.microsoft.com/office/drawing/2010/main" Requires="a14">
+      <mc:AlternateContent xmlns:mc="http://schemas.openxmlformats.org/markup-compatibility/2006" xmlns:a14="http://schemas.microsoft.com/office/drawing/2010/main">
+        <mc:Choice Requires="a14">
           <p:sp>
             <p:nvSpPr>
               <p:cNvPr id="15" name="Rectangle 14"/>
@@ -7836,7 +8590,7 @@
             </p:txBody>
           </p:sp>
         </mc:Choice>
-        <mc:Fallback>
+        <mc:Fallback xmlns="">
           <p:sp>
             <p:nvSpPr>
               <p:cNvPr id="15" name="Rectangle 14"/>
@@ -7914,12 +8668,14 @@
         <p:spPr>
           <a:xfrm>
             <a:off x="848540" y="2652082"/>
-            <a:ext cx="1196161" cy="369332"/>
+            <a:ext cx="1402948" cy="369332"/>
           </a:xfrm>
           <a:prstGeom prst="rect">
             <a:avLst/>
           </a:prstGeom>
-          <a:noFill/>
+          <a:solidFill>
+            <a:schemeClr val="bg1"/>
+          </a:solidFill>
         </p:spPr>
         <p:txBody>
           <a:bodyPr wrap="none" rtlCol="0">
@@ -7929,7 +8685,11 @@
           <a:p>
             <a:r>
               <a:rPr lang="en-US" dirty="0" smtClean="0"/>
-              <a:t>The FIM is </a:t>
+              <a:t>The FIM </a:t>
+            </a:r>
+            <a:r>
+              <a:rPr lang="en-US" dirty="0" smtClean="0"/>
+              <a:t>is  </a:t>
             </a:r>
             <a:endParaRPr lang="en-US" dirty="0"/>
           </a:p>
@@ -7945,7 +8705,7 @@
             </p:nvSpPr>
             <p:spPr>
               <a:xfrm>
-                <a:off x="1567619" y="3229661"/>
+                <a:off x="1571174" y="3118902"/>
                 <a:ext cx="2171941" cy="612796"/>
               </a:xfrm>
               <a:prstGeom prst="rect">
@@ -7959,6 +8719,7 @@
               </a:bodyPr>
               <a:lstStyle/>
               <a:p>
+                <a:pPr/>
                 <a14:m>
                   <m:oMathPara xmlns:m="http://schemas.openxmlformats.org/officeDocument/2006/math">
                     <m:oMathParaPr>
@@ -8200,7 +8961,7 @@
             </p:nvSpPr>
             <p:spPr>
               <a:xfrm>
-                <a:off x="1567619" y="3229661"/>
+                <a:off x="1571174" y="3118902"/>
                 <a:ext cx="2171941" cy="612796"/>
               </a:xfrm>
               <a:prstGeom prst="rect">
@@ -8228,8 +8989,8 @@
           </p:sp>
         </mc:Fallback>
       </mc:AlternateContent>
-      <mc:AlternateContent xmlns:mc="http://schemas.openxmlformats.org/markup-compatibility/2006">
-        <mc:Choice xmlns:a14="http://schemas.microsoft.com/office/drawing/2010/main" Requires="a14">
+      <mc:AlternateContent xmlns:mc="http://schemas.openxmlformats.org/markup-compatibility/2006" xmlns:a14="http://schemas.microsoft.com/office/drawing/2010/main">
+        <mc:Choice Requires="a14">
           <p:sp>
             <p:nvSpPr>
               <p:cNvPr id="7" name="TextBox 6"/>
@@ -8252,6 +9013,7 @@
               </a:bodyPr>
               <a:lstStyle/>
               <a:p>
+                <a:pPr/>
                 <a14:m>
                   <m:oMathPara xmlns:m="http://schemas.openxmlformats.org/officeDocument/2006/math">
                     <m:oMathParaPr>
@@ -8459,7 +9221,7 @@
             </p:txBody>
           </p:sp>
         </mc:Choice>
-        <mc:Fallback>
+        <mc:Fallback xmlns="">
           <p:sp>
             <p:nvSpPr>
               <p:cNvPr id="7" name="TextBox 6"/>
@@ -8498,8 +9260,8 @@
           </p:sp>
         </mc:Fallback>
       </mc:AlternateContent>
-      <mc:AlternateContent xmlns:mc="http://schemas.openxmlformats.org/markup-compatibility/2006">
-        <mc:Choice xmlns:a14="http://schemas.microsoft.com/office/drawing/2010/main" Requires="a14">
+      <mc:AlternateContent xmlns:mc="http://schemas.openxmlformats.org/markup-compatibility/2006" xmlns:a14="http://schemas.microsoft.com/office/drawing/2010/main">
+        <mc:Choice Requires="a14">
           <p:sp>
             <p:nvSpPr>
               <p:cNvPr id="18" name="TextBox 17"/>
@@ -8522,6 +9284,7 @@
               </a:bodyPr>
               <a:lstStyle/>
               <a:p>
+                <a:pPr/>
                 <a14:m>
                   <m:oMathPara xmlns:m="http://schemas.openxmlformats.org/officeDocument/2006/math">
                     <m:oMathParaPr>
@@ -8729,7 +9492,7 @@
             </p:txBody>
           </p:sp>
         </mc:Choice>
-        <mc:Fallback>
+        <mc:Fallback xmlns="">
           <p:sp>
             <p:nvSpPr>
               <p:cNvPr id="18" name="TextBox 17"/>
@@ -8768,8 +9531,8 @@
           </p:sp>
         </mc:Fallback>
       </mc:AlternateContent>
-      <mc:AlternateContent xmlns:mc="http://schemas.openxmlformats.org/markup-compatibility/2006">
-        <mc:Choice xmlns:a14="http://schemas.microsoft.com/office/drawing/2010/main" Requires="a14">
+      <mc:AlternateContent xmlns:mc="http://schemas.openxmlformats.org/markup-compatibility/2006" xmlns:a14="http://schemas.microsoft.com/office/drawing/2010/main">
+        <mc:Choice Requires="a14">
           <p:sp>
             <p:nvSpPr>
               <p:cNvPr id="19" name="TextBox 18"/>
@@ -8792,6 +9555,7 @@
               </a:bodyPr>
               <a:lstStyle/>
               <a:p>
+                <a:pPr/>
                 <a14:m>
                   <m:oMathPara xmlns:m="http://schemas.openxmlformats.org/officeDocument/2006/math">
                     <m:oMathParaPr>
@@ -9114,7 +9878,7 @@
             </p:txBody>
           </p:sp>
         </mc:Choice>
-        <mc:Fallback>
+        <mc:Fallback xmlns="">
           <p:sp>
             <p:nvSpPr>
               <p:cNvPr id="19" name="TextBox 18"/>
@@ -9153,69 +9917,6 @@
           </p:sp>
         </mc:Fallback>
       </mc:AlternateContent>
-      <p:sp>
-        <p:nvSpPr>
-          <p:cNvPr id="20" name="TextBox 19"/>
-          <p:cNvSpPr txBox="1"/>
-          <p:nvPr/>
-        </p:nvSpPr>
-        <p:spPr>
-          <a:xfrm>
-            <a:off x="944079" y="3989630"/>
-            <a:ext cx="819648" cy="369332"/>
-          </a:xfrm>
-          <a:prstGeom prst="rect">
-            <a:avLst/>
-          </a:prstGeom>
-          <a:noFill/>
-        </p:spPr>
-        <p:txBody>
-          <a:bodyPr wrap="none" rtlCol="0">
-            <a:spAutoFit/>
-          </a:bodyPr>
-          <a:lstStyle/>
-          <a:p>
-            <a:r>
-              <a:rPr lang="en-US" dirty="0" smtClean="0"/>
-              <a:t>Where</a:t>
-            </a:r>
-            <a:endParaRPr lang="en-US" dirty="0"/>
-          </a:p>
-        </p:txBody>
-      </p:sp>
-      <p:cxnSp>
-        <p:nvCxnSpPr>
-          <p:cNvPr id="21" name="Straight Connector 20"/>
-          <p:cNvCxnSpPr/>
-          <p:nvPr/>
-        </p:nvCxnSpPr>
-        <p:spPr>
-          <a:xfrm>
-            <a:off x="2128723" y="2829433"/>
-            <a:ext cx="6210605" cy="0"/>
-          </a:xfrm>
-          <a:prstGeom prst="line">
-            <a:avLst/>
-          </a:prstGeom>
-          <a:ln>
-            <a:prstDash val="sysDash"/>
-          </a:ln>
-        </p:spPr>
-        <p:style>
-          <a:lnRef idx="2">
-            <a:schemeClr val="accent1"/>
-          </a:lnRef>
-          <a:fillRef idx="0">
-            <a:schemeClr val="accent1"/>
-          </a:fillRef>
-          <a:effectRef idx="1">
-            <a:schemeClr val="accent1"/>
-          </a:effectRef>
-          <a:fontRef idx="minor">
-            <a:schemeClr val="tx1"/>
-          </a:fontRef>
-        </p:style>
-      </p:cxnSp>
       <p:cxnSp>
         <p:nvCxnSpPr>
           <p:cNvPr id="22" name="Straight Connector 21"/>
@@ -9223,9 +9924,9 @@
           <p:nvPr/>
         </p:nvCxnSpPr>
         <p:spPr>
-          <a:xfrm>
-            <a:off x="2200656" y="4171527"/>
-            <a:ext cx="6210605" cy="0"/>
+          <a:xfrm flipV="1">
+            <a:off x="592531" y="4171527"/>
+            <a:ext cx="7818730" cy="2769"/>
           </a:xfrm>
           <a:prstGeom prst="line">
             <a:avLst/>
@@ -9249,6 +9950,216 @@
           </a:fontRef>
         </p:style>
       </p:cxnSp>
+      <p:sp>
+        <p:nvSpPr>
+          <p:cNvPr id="20" name="TextBox 19"/>
+          <p:cNvSpPr txBox="1"/>
+          <p:nvPr/>
+        </p:nvSpPr>
+        <p:spPr>
+          <a:xfrm>
+            <a:off x="944079" y="3989630"/>
+            <a:ext cx="819648" cy="369332"/>
+          </a:xfrm>
+          <a:prstGeom prst="rect">
+            <a:avLst/>
+          </a:prstGeom>
+          <a:solidFill>
+            <a:schemeClr val="bg1"/>
+          </a:solidFill>
+        </p:spPr>
+        <p:txBody>
+          <a:bodyPr wrap="none" rtlCol="0">
+            <a:spAutoFit/>
+          </a:bodyPr>
+          <a:lstStyle/>
+          <a:p>
+            <a:r>
+              <a:rPr lang="en-US" dirty="0" smtClean="0"/>
+              <a:t>Where</a:t>
+            </a:r>
+            <a:endParaRPr lang="en-US" dirty="0"/>
+          </a:p>
+        </p:txBody>
+      </p:sp>
+      <mc:AlternateContent xmlns:mc="http://schemas.openxmlformats.org/markup-compatibility/2006">
+        <mc:Choice xmlns:a14="http://schemas.microsoft.com/office/drawing/2010/main" Requires="a14">
+          <p:sp>
+            <p:nvSpPr>
+              <p:cNvPr id="23" name="TextBox 22"/>
+              <p:cNvSpPr txBox="1"/>
+              <p:nvPr/>
+            </p:nvSpPr>
+            <p:spPr>
+              <a:xfrm>
+                <a:off x="4695558" y="3240634"/>
+                <a:ext cx="3567451" cy="369332"/>
+              </a:xfrm>
+              <a:prstGeom prst="rect">
+                <a:avLst/>
+              </a:prstGeom>
+              <a:noFill/>
+            </p:spPr>
+            <p:txBody>
+              <a:bodyPr wrap="none" rtlCol="0">
+                <a:spAutoFit/>
+              </a:bodyPr>
+              <a:lstStyle/>
+              <a:p>
+                <a:pPr/>
+                <a14:m>
+                  <m:oMathPara xmlns:m="http://schemas.openxmlformats.org/officeDocument/2006/math">
+                    <m:oMathParaPr>
+                      <m:jc m:val="centerGroup"/>
+                    </m:oMathParaPr>
+                    <m:oMath xmlns:m="http://schemas.openxmlformats.org/officeDocument/2006/math">
+                      <m:r>
+                        <a:rPr lang="en-US" b="0" i="1" smtClean="0">
+                          <a:latin typeface="Cambria Math"/>
+                        </a:rPr>
+                        <m:t>𝑟𝑒𝑐𝑎𝑙𝑙</m:t>
+                      </m:r>
+                      <m:r>
+                        <a:rPr lang="en-US" b="0" i="1" smtClean="0">
+                          <a:latin typeface="Cambria Math"/>
+                        </a:rPr>
+                        <m:t>:</m:t>
+                      </m:r>
+                      <m:r>
+                        <a:rPr lang="en-US" b="0" i="1" smtClean="0">
+                          <a:latin typeface="Cambria Math"/>
+                        </a:rPr>
+                        <m:t>𝑀𝑆𝐸</m:t>
+                      </m:r>
+                      <m:d>
+                        <m:dPr>
+                          <m:ctrlPr>
+                            <a:rPr lang="en-US" b="0" i="1" smtClean="0">
+                              <a:latin typeface="Cambria Math"/>
+                            </a:rPr>
+                          </m:ctrlPr>
+                        </m:dPr>
+                        <m:e>
+                          <m:r>
+                            <a:rPr lang="en-US" b="0" i="1" smtClean="0">
+                              <a:latin typeface="Cambria Math"/>
+                            </a:rPr>
+                            <m:t>𝑣</m:t>
+                          </m:r>
+                        </m:e>
+                      </m:d>
+                      <m:r>
+                        <a:rPr lang="en-US" i="1">
+                          <a:latin typeface="Cambria Math"/>
+                          <a:ea typeface="Cambria Math"/>
+                        </a:rPr>
+                        <m:t>≥</m:t>
+                      </m:r>
+                      <m:sSup>
+                        <m:sSupPr>
+                          <m:ctrlPr>
+                            <a:rPr lang="en-US" i="1" smtClean="0">
+                              <a:latin typeface="Cambria Math"/>
+                              <a:ea typeface="Cambria Math"/>
+                            </a:rPr>
+                          </m:ctrlPr>
+                        </m:sSupPr>
+                        <m:e>
+                          <m:r>
+                            <a:rPr lang="en-US" i="1">
+                              <a:latin typeface="Cambria Math"/>
+                            </a:rPr>
+                            <m:t>𝐽</m:t>
+                          </m:r>
+                          <m:d>
+                            <m:dPr>
+                              <m:ctrlPr>
+                                <a:rPr lang="en-US" i="1">
+                                  <a:latin typeface="Cambria Math"/>
+                                </a:rPr>
+                              </m:ctrlPr>
+                            </m:dPr>
+                            <m:e>
+                              <m:r>
+                                <a:rPr lang="en-US" i="1">
+                                  <a:latin typeface="Cambria Math"/>
+                                </a:rPr>
+                                <m:t>𝑣</m:t>
+                              </m:r>
+                            </m:e>
+                          </m:d>
+                        </m:e>
+                        <m:sup>
+                          <m:r>
+                            <a:rPr lang="en-US" b="0" i="1" smtClean="0">
+                              <a:latin typeface="Cambria Math"/>
+                              <a:ea typeface="Cambria Math"/>
+                            </a:rPr>
+                            <m:t>−1</m:t>
+                          </m:r>
+                        </m:sup>
+                      </m:sSup>
+                      <m:r>
+                        <a:rPr lang="en-US" b="0" i="1" smtClean="0">
+                          <a:latin typeface="Cambria Math"/>
+                          <a:ea typeface="Cambria Math"/>
+                        </a:rPr>
+                        <m:t>=</m:t>
+                      </m:r>
+                      <m:r>
+                        <a:rPr lang="en-US" b="0" i="1" smtClean="0">
+                          <a:latin typeface="Cambria Math"/>
+                          <a:ea typeface="Cambria Math"/>
+                        </a:rPr>
+                        <m:t>𝐶𝑅𝐿𝐵</m:t>
+                      </m:r>
+                    </m:oMath>
+                  </m:oMathPara>
+                </a14:m>
+                <a:endParaRPr lang="en-US" dirty="0"/>
+              </a:p>
+            </p:txBody>
+          </p:sp>
+        </mc:Choice>
+        <mc:Fallback>
+          <p:sp>
+            <p:nvSpPr>
+              <p:cNvPr id="23" name="TextBox 22"/>
+              <p:cNvSpPr txBox="1">
+                <a:spLocks noRot="1" noChangeAspect="1" noMove="1" noResize="1" noEditPoints="1" noAdjustHandles="1" noChangeArrowheads="1" noChangeShapeType="1" noTextEdit="1"/>
+              </p:cNvSpPr>
+              <p:nvPr/>
+            </p:nvSpPr>
+            <p:spPr>
+              <a:xfrm>
+                <a:off x="4695558" y="3240634"/>
+                <a:ext cx="3567451" cy="369332"/>
+              </a:xfrm>
+              <a:prstGeom prst="rect">
+                <a:avLst/>
+              </a:prstGeom>
+              <a:blipFill rotWithShape="1">
+                <a:blip r:embed="rId8"/>
+                <a:stretch>
+                  <a:fillRect b="-11667"/>
+                </a:stretch>
+              </a:blipFill>
+            </p:spPr>
+            <p:txBody>
+              <a:bodyPr/>
+              <a:lstStyle/>
+              <a:p>
+                <a:r>
+                  <a:rPr lang="en-US">
+                    <a:noFill/>
+                  </a:rPr>
+                  <a:t> </a:t>
+                </a:r>
+              </a:p>
+            </p:txBody>
+          </p:sp>
+        </mc:Fallback>
+      </mc:AlternateContent>
     </p:spTree>
     <p:extLst>
       <p:ext uri="{BB962C8B-B14F-4D97-AF65-F5344CB8AC3E}">
@@ -9296,16 +10207,464 @@
           <a:p>
             <a:r>
               <a:rPr lang="en-US" dirty="0" smtClean="0"/>
-              <a:t>Results</a:t>
+              <a:t>Results: Variance and Bias Errors</a:t>
             </a:r>
             <a:endParaRPr lang="en-US" dirty="0"/>
           </a:p>
         </p:txBody>
       </p:sp>
+      <p:pic>
+        <p:nvPicPr>
+          <p:cNvPr id="6146" name="Picture 2"/>
+          <p:cNvPicPr>
+            <a:picLocks noChangeAspect="1" noChangeArrowheads="1"/>
+          </p:cNvPicPr>
+          <p:nvPr/>
+        </p:nvPicPr>
+        <p:blipFill>
+          <a:blip r:embed="rId2">
+            <a:extLst>
+              <a:ext uri="{28A0092B-C50C-407E-A947-70E740481C1C}">
+                <a14:useLocalDpi xmlns:a14="http://schemas.microsoft.com/office/drawing/2010/main" val="0"/>
+              </a:ext>
+            </a:extLst>
+          </a:blip>
+          <a:srcRect/>
+          <a:stretch>
+            <a:fillRect/>
+          </a:stretch>
+        </p:blipFill>
+        <p:spPr bwMode="auto">
+          <a:xfrm>
+            <a:off x="2088490" y="1296618"/>
+            <a:ext cx="6598310" cy="4967267"/>
+          </a:xfrm>
+          <a:prstGeom prst="rect">
+            <a:avLst/>
+          </a:prstGeom>
+          <a:noFill/>
+          <a:ln>
+            <a:noFill/>
+          </a:ln>
+          <a:extLst>
+            <a:ext uri="{909E8E84-426E-40DD-AFC4-6F175D3DCCD1}">
+              <a14:hiddenFill xmlns:a14="http://schemas.microsoft.com/office/drawing/2010/main">
+                <a:solidFill>
+                  <a:schemeClr val="accent1"/>
+                </a:solidFill>
+              </a14:hiddenFill>
+            </a:ext>
+            <a:ext uri="{91240B29-F687-4F45-9708-019B960494DF}">
+              <a14:hiddenLine xmlns:a14="http://schemas.microsoft.com/office/drawing/2010/main" w="9525">
+                <a:solidFill>
+                  <a:schemeClr val="tx1"/>
+                </a:solidFill>
+                <a:miter lim="800000"/>
+                <a:headEnd/>
+                <a:tailEnd/>
+              </a14:hiddenLine>
+            </a:ext>
+          </a:extLst>
+        </p:spPr>
+      </p:pic>
+      <mc:AlternateContent xmlns:mc="http://schemas.openxmlformats.org/markup-compatibility/2006">
+        <mc:Choice xmlns:a14="http://schemas.microsoft.com/office/drawing/2010/main" Requires="a14">
+          <p:sp>
+            <p:nvSpPr>
+              <p:cNvPr id="3" name="TextBox 2"/>
+              <p:cNvSpPr txBox="1"/>
+              <p:nvPr/>
+            </p:nvSpPr>
+            <p:spPr>
+              <a:xfrm>
+                <a:off x="5479085" y="4264762"/>
+                <a:ext cx="2341923" cy="369332"/>
+              </a:xfrm>
+              <a:prstGeom prst="rect">
+                <a:avLst/>
+              </a:prstGeom>
+              <a:solidFill>
+                <a:schemeClr val="accent3">
+                  <a:lumMod val="60000"/>
+                  <a:lumOff val="40000"/>
+                </a:schemeClr>
+              </a:solidFill>
+            </p:spPr>
+            <p:txBody>
+              <a:bodyPr wrap="none" rtlCol="0">
+                <a:spAutoFit/>
+              </a:bodyPr>
+              <a:lstStyle/>
+              <a:p>
+                <a:r>
+                  <a:rPr lang="en-US" dirty="0" smtClean="0"/>
+                  <a:t>CRLB: MSE</a:t>
+                </a:r>
+                <a14:m>
+                  <m:oMath xmlns:m="http://schemas.openxmlformats.org/officeDocument/2006/math">
+                    <m:r>
+                      <a:rPr lang="en-US" i="1" smtClean="0">
+                        <a:latin typeface="Cambria Math"/>
+                        <a:ea typeface="Cambria Math"/>
+                      </a:rPr>
+                      <m:t>≥</m:t>
+                    </m:r>
+                    <m:sSup>
+                      <m:sSupPr>
+                        <m:ctrlPr>
+                          <a:rPr lang="en-US" i="1">
+                            <a:latin typeface="Cambria Math"/>
+                            <a:ea typeface="Cambria Math"/>
+                          </a:rPr>
+                        </m:ctrlPr>
+                      </m:sSupPr>
+                      <m:e>
+                        <m:r>
+                          <a:rPr lang="en-US" i="1">
+                            <a:latin typeface="Cambria Math"/>
+                            <a:ea typeface="Cambria Math"/>
+                          </a:rPr>
+                          <m:t>𝐽</m:t>
+                        </m:r>
+                      </m:e>
+                      <m:sup>
+                        <m:r>
+                          <a:rPr lang="en-US" i="1">
+                            <a:latin typeface="Cambria Math"/>
+                            <a:ea typeface="Cambria Math"/>
+                          </a:rPr>
+                          <m:t>−1</m:t>
+                        </m:r>
+                      </m:sup>
+                    </m:sSup>
+                    <m:r>
+                      <a:rPr lang="en-US" i="1">
+                        <a:latin typeface="Cambria Math"/>
+                        <a:ea typeface="Cambria Math"/>
+                      </a:rPr>
+                      <m:t>(</m:t>
+                    </m:r>
+                    <m:r>
+                      <m:rPr>
+                        <m:sty m:val="p"/>
+                      </m:rPr>
+                      <a:rPr lang="el-GR" i="1">
+                        <a:latin typeface="Cambria Math"/>
+                        <a:ea typeface="Cambria Math"/>
+                      </a:rPr>
+                      <m:t>Φ</m:t>
+                    </m:r>
+                  </m:oMath>
+                </a14:m>
+                <a:r>
+                  <a:rPr lang="en-US" dirty="0"/>
+                  <a:t>)</a:t>
+                </a:r>
+                <a:endParaRPr lang="en-US" dirty="0"/>
+              </a:p>
+            </p:txBody>
+          </p:sp>
+        </mc:Choice>
+        <mc:Fallback>
+          <p:sp>
+            <p:nvSpPr>
+              <p:cNvPr id="3" name="TextBox 2"/>
+              <p:cNvSpPr txBox="1">
+                <a:spLocks noRot="1" noChangeAspect="1" noMove="1" noResize="1" noEditPoints="1" noAdjustHandles="1" noChangeArrowheads="1" noChangeShapeType="1" noTextEdit="1"/>
+              </p:cNvSpPr>
+              <p:nvPr/>
+            </p:nvSpPr>
+            <p:spPr>
+              <a:xfrm>
+                <a:off x="5479085" y="4264762"/>
+                <a:ext cx="2341923" cy="369332"/>
+              </a:xfrm>
+              <a:prstGeom prst="rect">
+                <a:avLst/>
+              </a:prstGeom>
+              <a:blipFill rotWithShape="1">
+                <a:blip r:embed="rId3"/>
+                <a:stretch>
+                  <a:fillRect l="-2344" t="-8333" r="-1302" b="-26667"/>
+                </a:stretch>
+              </a:blipFill>
+            </p:spPr>
+            <p:txBody>
+              <a:bodyPr/>
+              <a:lstStyle/>
+              <a:p>
+                <a:r>
+                  <a:rPr lang="en-US">
+                    <a:noFill/>
+                  </a:rPr>
+                  <a:t> </a:t>
+                </a:r>
+              </a:p>
+            </p:txBody>
+          </p:sp>
+        </mc:Fallback>
+      </mc:AlternateContent>
+      <p:sp>
+        <p:nvSpPr>
+          <p:cNvPr id="6" name="TextBox 5"/>
+          <p:cNvSpPr txBox="1"/>
+          <p:nvPr/>
+        </p:nvSpPr>
+        <p:spPr>
+          <a:xfrm>
+            <a:off x="206875" y="4455524"/>
+            <a:ext cx="2266967" cy="1384995"/>
+          </a:xfrm>
+          <a:prstGeom prst="rect">
+            <a:avLst/>
+          </a:prstGeom>
+          <a:solidFill>
+            <a:schemeClr val="bg1"/>
+          </a:solidFill>
+        </p:spPr>
+        <p:txBody>
+          <a:bodyPr wrap="none" rtlCol="0">
+            <a:spAutoFit/>
+          </a:bodyPr>
+          <a:lstStyle/>
+          <a:p>
+            <a:r>
+              <a:rPr lang="en-US" sz="1200" dirty="0" smtClean="0"/>
+              <a:t>ASD: average square distance</a:t>
+            </a:r>
+          </a:p>
+          <a:p>
+            <a:r>
+              <a:rPr lang="en-US" sz="1200" dirty="0" smtClean="0"/>
+              <a:t>DC: maximum </a:t>
+            </a:r>
+            <a:r>
+              <a:rPr lang="en-US" sz="1200" dirty="0"/>
+              <a:t>d</a:t>
+            </a:r>
+            <a:r>
+              <a:rPr lang="en-US" sz="1200" dirty="0" smtClean="0"/>
+              <a:t>irect correlator</a:t>
+            </a:r>
+          </a:p>
+          <a:p>
+            <a:r>
+              <a:rPr lang="en-US" sz="1200" dirty="0" err="1" smtClean="0"/>
+              <a:t>Pyr</a:t>
+            </a:r>
+            <a:r>
+              <a:rPr lang="en-US" sz="1200" dirty="0" smtClean="0"/>
+              <a:t>: </a:t>
+            </a:r>
+            <a:r>
+              <a:rPr lang="en-US" sz="1200" dirty="0" err="1"/>
+              <a:t>m</a:t>
+            </a:r>
+            <a:r>
+              <a:rPr lang="en-US" sz="1200" dirty="0" err="1" smtClean="0"/>
+              <a:t>ultiscale</a:t>
+            </a:r>
+            <a:r>
+              <a:rPr lang="en-US" sz="1200" dirty="0" smtClean="0"/>
+              <a:t> </a:t>
+            </a:r>
+            <a:r>
+              <a:rPr lang="en-US" sz="1200" dirty="0"/>
+              <a:t>g</a:t>
+            </a:r>
+            <a:r>
+              <a:rPr lang="en-US" sz="1200" dirty="0" smtClean="0"/>
+              <a:t>radient-based</a:t>
+            </a:r>
+          </a:p>
+          <a:p>
+            <a:r>
+              <a:rPr lang="en-US" sz="1200" dirty="0" smtClean="0"/>
+              <a:t>GB: gradient-based method</a:t>
+            </a:r>
+          </a:p>
+          <a:p>
+            <a:r>
+              <a:rPr lang="en-US" sz="1200" dirty="0" err="1" smtClean="0"/>
+              <a:t>Proj</a:t>
+            </a:r>
+            <a:r>
+              <a:rPr lang="en-US" sz="1200" dirty="0" smtClean="0"/>
+              <a:t>-GB: project GB</a:t>
+            </a:r>
+          </a:p>
+          <a:p>
+            <a:r>
+              <a:rPr lang="en-US" sz="1200" dirty="0" err="1" smtClean="0"/>
+              <a:t>Pyr-Proj</a:t>
+            </a:r>
+            <a:r>
+              <a:rPr lang="en-US" sz="1200" dirty="0" smtClean="0"/>
+              <a:t>: Project </a:t>
+            </a:r>
+            <a:r>
+              <a:rPr lang="en-US" sz="1200" dirty="0" err="1" smtClean="0"/>
+              <a:t>Pyr</a:t>
+            </a:r>
+            <a:endParaRPr lang="en-US" sz="1200" dirty="0" smtClean="0"/>
+          </a:p>
+          <a:p>
+            <a:r>
+              <a:rPr lang="en-US" sz="1200" dirty="0" smtClean="0"/>
+              <a:t>Phase: relative phase </a:t>
+            </a:r>
+            <a:endParaRPr lang="en-US" sz="1200" dirty="0"/>
+          </a:p>
+        </p:txBody>
+      </p:sp>
+      <p:cxnSp>
+        <p:nvCxnSpPr>
+          <p:cNvPr id="5" name="Straight Arrow Connector 4"/>
+          <p:cNvCxnSpPr/>
+          <p:nvPr/>
+        </p:nvCxnSpPr>
+        <p:spPr>
+          <a:xfrm flipV="1">
+            <a:off x="6861636" y="1587397"/>
+            <a:ext cx="724205" cy="724205"/>
+          </a:xfrm>
+          <a:prstGeom prst="straightConnector1">
+            <a:avLst/>
+          </a:prstGeom>
+          <a:ln w="19050">
+            <a:solidFill>
+              <a:schemeClr val="tx1"/>
+            </a:solidFill>
+            <a:headEnd type="arrow" w="med" len="med"/>
+            <a:tailEnd type="none" w="med" len="med"/>
+          </a:ln>
+        </p:spPr>
+        <p:style>
+          <a:lnRef idx="1">
+            <a:schemeClr val="accent1"/>
+          </a:lnRef>
+          <a:fillRef idx="0">
+            <a:schemeClr val="accent1"/>
+          </a:fillRef>
+          <a:effectRef idx="0">
+            <a:schemeClr val="accent1"/>
+          </a:effectRef>
+          <a:fontRef idx="minor">
+            <a:schemeClr val="tx1"/>
+          </a:fontRef>
+        </p:style>
+      </p:cxnSp>
+      <p:sp>
+        <p:nvSpPr>
+          <p:cNvPr id="7" name="TextBox 6"/>
+          <p:cNvSpPr txBox="1"/>
+          <p:nvPr/>
+        </p:nvSpPr>
+        <p:spPr>
+          <a:xfrm>
+            <a:off x="6783715" y="1244873"/>
+            <a:ext cx="1717137" cy="307777"/>
+          </a:xfrm>
+          <a:prstGeom prst="rect">
+            <a:avLst/>
+          </a:prstGeom>
+          <a:solidFill>
+            <a:schemeClr val="accent3">
+              <a:lumMod val="60000"/>
+              <a:lumOff val="40000"/>
+            </a:schemeClr>
+          </a:solidFill>
+        </p:spPr>
+        <p:txBody>
+          <a:bodyPr wrap="none" rtlCol="0">
+            <a:spAutoFit/>
+          </a:bodyPr>
+          <a:lstStyle/>
+          <a:p>
+            <a:r>
+              <a:rPr lang="en-US" sz="1400" dirty="0" smtClean="0"/>
+              <a:t>Flat: Estimator bias</a:t>
+            </a:r>
+            <a:endParaRPr lang="en-US" sz="1400" dirty="0"/>
+          </a:p>
+        </p:txBody>
+      </p:sp>
+      <p:sp>
+        <p:nvSpPr>
+          <p:cNvPr id="10" name="TextBox 9"/>
+          <p:cNvSpPr txBox="1"/>
+          <p:nvPr/>
+        </p:nvSpPr>
+        <p:spPr>
+          <a:xfrm>
+            <a:off x="2473842" y="1235730"/>
+            <a:ext cx="2454518" cy="307777"/>
+          </a:xfrm>
+          <a:prstGeom prst="rect">
+            <a:avLst/>
+          </a:prstGeom>
+          <a:solidFill>
+            <a:schemeClr val="accent3">
+              <a:lumMod val="60000"/>
+              <a:lumOff val="40000"/>
+            </a:schemeClr>
+          </a:solidFill>
+        </p:spPr>
+        <p:txBody>
+          <a:bodyPr wrap="none" rtlCol="0">
+            <a:spAutoFit/>
+          </a:bodyPr>
+          <a:lstStyle/>
+          <a:p>
+            <a:r>
+              <a:rPr lang="en-US" sz="1400" dirty="0" smtClean="0"/>
+              <a:t>Sloping: Estimator variance</a:t>
+            </a:r>
+            <a:endParaRPr lang="en-US" sz="1400" dirty="0"/>
+          </a:p>
+        </p:txBody>
+      </p:sp>
+      <p:cxnSp>
+        <p:nvCxnSpPr>
+          <p:cNvPr id="11" name="Straight Arrow Connector 10"/>
+          <p:cNvCxnSpPr/>
+          <p:nvPr/>
+        </p:nvCxnSpPr>
+        <p:spPr>
+          <a:xfrm flipH="1" flipV="1">
+            <a:off x="3642970" y="1587398"/>
+            <a:ext cx="559003" cy="914400"/>
+          </a:xfrm>
+          <a:prstGeom prst="straightConnector1">
+            <a:avLst/>
+          </a:prstGeom>
+          <a:ln w="19050">
+            <a:solidFill>
+              <a:schemeClr val="tx1"/>
+            </a:solidFill>
+            <a:headEnd type="arrow" w="med" len="med"/>
+            <a:tailEnd type="none" w="med" len="med"/>
+          </a:ln>
+        </p:spPr>
+        <p:style>
+          <a:lnRef idx="1">
+            <a:schemeClr val="accent1"/>
+          </a:lnRef>
+          <a:fillRef idx="0">
+            <a:schemeClr val="accent1"/>
+          </a:fillRef>
+          <a:effectRef idx="0">
+            <a:schemeClr val="accent1"/>
+          </a:effectRef>
+          <a:fontRef idx="minor">
+            <a:schemeClr val="tx1"/>
+          </a:fontRef>
+        </p:style>
+      </p:cxnSp>
     </p:spTree>
     <p:extLst>
       <p:ext uri="{BB962C8B-B14F-4D97-AF65-F5344CB8AC3E}">
-        <p14:creationId xmlns:p14="http://schemas.microsoft.com/office/powerpoint/2010/main" val="3465710065"/>
+        <p14:creationId xmlns:p14="http://schemas.microsoft.com/office/powerpoint/2010/main" val="475126783"/>
       </p:ext>
     </p:extLst>
   </p:cSld>
@@ -9415,7 +10774,7 @@
             <a:spLocks noGrp="1"/>
           </p:cNvSpPr>
           <p:nvPr>
-            <p:ph idx="1"/>
+            <p:ph sz="quarter" idx="1"/>
           </p:nvPr>
         </p:nvSpPr>
         <p:spPr/>
@@ -9425,8 +10784,9 @@
           <a:p>
             <a:r>
               <a:rPr lang="en-US" dirty="0" smtClean="0"/>
-              <a:t>Application</a:t>
-            </a:r>
+              <a:t>Example Application of Performance Limits</a:t>
+            </a:r>
+            <a:endParaRPr lang="en-US" dirty="0" smtClean="0"/>
           </a:p>
           <a:p>
             <a:r>
@@ -9509,7 +10869,15 @@
           <a:p>
             <a:r>
               <a:rPr lang="en-US" sz="2800" dirty="0" smtClean="0"/>
-              <a:t>Robotic Rotor Wing to</a:t>
+              <a:t>Robotic </a:t>
+            </a:r>
+            <a:r>
+              <a:rPr lang="en-US" sz="2800" dirty="0" smtClean="0"/>
+              <a:t>Helicopter to</a:t>
+            </a:r>
+            <a:r>
+              <a:rPr lang="en-US" sz="2800" dirty="0" smtClean="0"/>
+              <a:t/>
             </a:r>
             <a:br>
               <a:rPr lang="en-US" sz="2800" dirty="0" smtClean="0"/>
@@ -9529,18 +10897,18 @@
             <a:spLocks noGrp="1"/>
           </p:cNvSpPr>
           <p:nvPr>
-            <p:ph idx="1"/>
+            <p:ph sz="quarter" idx="1"/>
           </p:nvPr>
         </p:nvSpPr>
         <p:spPr>
           <a:xfrm>
-            <a:off x="457200" y="1600200"/>
-            <a:ext cx="4114800" cy="4525963"/>
+            <a:off x="457199" y="1278331"/>
+            <a:ext cx="4290365" cy="4525963"/>
           </a:xfrm>
         </p:spPr>
         <p:txBody>
           <a:bodyPr>
-            <a:normAutofit fontScale="85000" lnSpcReduction="20000"/>
+            <a:normAutofit fontScale="77500" lnSpcReduction="20000"/>
           </a:bodyPr>
           <a:lstStyle/>
           <a:p>
@@ -9553,8 +10921,13 @@
             <a:pPr lvl="1"/>
             <a:r>
               <a:rPr lang="en-US" sz="2000" dirty="0" smtClean="0"/>
-              <a:t>Fly through damaged buildings</a:t>
-            </a:r>
+              <a:t>Fly through damaged </a:t>
+            </a:r>
+            <a:r>
+              <a:rPr lang="en-US" sz="2000" dirty="0" smtClean="0"/>
+              <a:t>buildings</a:t>
+            </a:r>
+            <a:endParaRPr lang="en-US" sz="2000" dirty="0" smtClean="0"/>
           </a:p>
           <a:p>
             <a:r>
@@ -9595,7 +10968,11 @@
             <a:pPr lvl="1"/>
             <a:r>
               <a:rPr lang="en-US" sz="2000" dirty="0" smtClean="0"/>
-              <a:t>Fly through 3D model</a:t>
+              <a:t>Fly through 3D </a:t>
+            </a:r>
+            <a:r>
+              <a:rPr lang="en-US" sz="2000" dirty="0" smtClean="0"/>
+              <a:t>model</a:t>
             </a:r>
             <a:endParaRPr lang="en-US" sz="2400" dirty="0" smtClean="0"/>
           </a:p>
@@ -9609,13 +10986,22 @@
             <a:pPr lvl="1"/>
             <a:r>
               <a:rPr lang="en-US" sz="2000" b="1" i="1" u="sng" dirty="0" smtClean="0"/>
-              <a:t>Image registration</a:t>
-            </a:r>
+              <a:t>Image </a:t>
+            </a:r>
+            <a:r>
+              <a:rPr lang="en-US" sz="2000" b="1" i="1" u="sng" dirty="0" smtClean="0"/>
+              <a:t>registration</a:t>
+            </a:r>
+            <a:endParaRPr lang="en-US" sz="2000" b="1" i="1" u="sng" dirty="0" smtClean="0"/>
           </a:p>
           <a:p>
             <a:r>
               <a:rPr lang="en-US" sz="2400" dirty="0" smtClean="0"/>
-              <a:t>Issue: </a:t>
+              <a:t>Issue</a:t>
+            </a:r>
+            <a:r>
+              <a:rPr lang="en-US" sz="2400" dirty="0" smtClean="0"/>
+              <a:t>: </a:t>
             </a:r>
             <a:r>
               <a:rPr lang="en-US" sz="2000" dirty="0" smtClean="0"/>
@@ -9654,23 +11040,22 @@
               <a:rPr lang="en-US" sz="2400" dirty="0" smtClean="0"/>
               <a:t>Decision: </a:t>
             </a:r>
+            <a:r>
+              <a:rPr lang="en-US" sz="2400" dirty="0" smtClean="0"/>
+              <a:t>Will or will not helicopter</a:t>
+            </a:r>
             <a:endParaRPr lang="en-US" sz="2000" dirty="0" smtClean="0"/>
           </a:p>
           <a:p>
             <a:pPr lvl="1"/>
             <a:r>
               <a:rPr lang="en-US" sz="2100" b="1" i="1" u="sng" dirty="0" smtClean="0"/>
-              <a:t>Will or will not rotor </a:t>
+              <a:t>successfully </a:t>
             </a:r>
             <a:r>
               <a:rPr lang="en-US" sz="2100" b="1" i="1" u="sng" dirty="0" smtClean="0"/>
-              <a:t>wing </a:t>
-            </a:r>
-            <a:r>
-              <a:rPr lang="en-US" sz="2100" b="1" i="1" u="sng" dirty="0" smtClean="0"/>
-              <a:t>successfully perform inspection?</a:t>
-            </a:r>
-            <a:endParaRPr lang="en-US" sz="2100" b="1" i="1" u="sng" dirty="0" smtClean="0"/>
+              <a:t>perform inspection?</a:t>
+            </a:r>
           </a:p>
         </p:txBody>
       </p:sp>
@@ -9903,7 +11288,7 @@
             <a:spLocks noGrp="1"/>
           </p:cNvSpPr>
           <p:nvPr>
-            <p:ph idx="1"/>
+            <p:ph sz="quarter" idx="1"/>
           </p:nvPr>
         </p:nvSpPr>
         <p:spPr>
@@ -9925,11 +11310,7 @@
             <a:pPr lvl="1"/>
             <a:r>
               <a:rPr lang="en-US" sz="1600" dirty="0" smtClean="0"/>
-              <a:t>Assume only translational </a:t>
-            </a:r>
-            <a:r>
-              <a:rPr lang="en-US" sz="1600" dirty="0" smtClean="0"/>
-              <a:t>errors</a:t>
+              <a:t>Assume only translational errors</a:t>
             </a:r>
           </a:p>
           <a:p>
@@ -9971,7 +11352,6 @@
               <a:rPr lang="en-US" sz="2000" dirty="0" smtClean="0"/>
               <a:t>Asymptotic performance</a:t>
             </a:r>
-            <a:endParaRPr lang="en-US" sz="2000" dirty="0" smtClean="0"/>
           </a:p>
           <a:p>
             <a:pPr lvl="1"/>
@@ -10394,7 +11774,6 @@
               <a:rPr lang="en-US" sz="800" dirty="0" smtClean="0"/>
               <a:t>Targets: www.caroline.com/teacher-resources</a:t>
             </a:r>
-            <a:endParaRPr lang="en-US" sz="800" dirty="0" smtClean="0"/>
           </a:p>
           <a:p>
             <a:endParaRPr lang="en-US" sz="800" dirty="0"/>
@@ -10736,7 +12115,7 @@
             <a:spLocks noGrp="1"/>
           </p:cNvSpPr>
           <p:nvPr>
-            <p:ph idx="1"/>
+            <p:ph sz="quarter" idx="1"/>
           </p:nvPr>
         </p:nvSpPr>
         <p:spPr/>
@@ -10748,8 +12127,17 @@
           <a:p>
             <a:r>
               <a:rPr lang="en-US" sz="2800" dirty="0" smtClean="0"/>
-              <a:t>How accurate?</a:t>
-            </a:r>
+              <a:t>How accurate</a:t>
+            </a:r>
+            <a:r>
+              <a:rPr lang="en-US" sz="2800" dirty="0" smtClean="0"/>
+              <a:t>? </a:t>
+            </a:r>
+            <a:r>
+              <a:rPr lang="en-US" sz="2800" b="1" i="1" dirty="0" smtClean="0"/>
+              <a:t>Bias</a:t>
+            </a:r>
+            <a:endParaRPr lang="en-US" sz="2800" b="1" i="1" dirty="0" smtClean="0"/>
           </a:p>
           <a:p>
             <a:pPr lvl="1"/>
@@ -10763,6 +12151,11 @@
               <a:rPr lang="en-US" sz="2800" dirty="0" smtClean="0"/>
               <a:t>How precise?  </a:t>
             </a:r>
+            <a:r>
+              <a:rPr lang="en-US" sz="2800" b="1" i="1" dirty="0" smtClean="0"/>
+              <a:t>Variance</a:t>
+            </a:r>
+            <a:endParaRPr lang="en-US" sz="2800" b="1" i="1" dirty="0" smtClean="0"/>
           </a:p>
           <a:p>
             <a:pPr lvl="1"/>
@@ -10774,8 +12167,17 @@
           <a:p>
             <a:r>
               <a:rPr lang="en-US" sz="2800" dirty="0" smtClean="0"/>
-              <a:t>What is best?</a:t>
-            </a:r>
+              <a:t>What is best</a:t>
+            </a:r>
+            <a:r>
+              <a:rPr lang="en-US" sz="2800" dirty="0" smtClean="0"/>
+              <a:t>? </a:t>
+            </a:r>
+            <a:r>
+              <a:rPr lang="en-US" sz="2800" b="1" i="1" dirty="0" smtClean="0"/>
+              <a:t>Optimal</a:t>
+            </a:r>
+            <a:endParaRPr lang="en-US" sz="2800" b="1" i="1" dirty="0" smtClean="0"/>
           </a:p>
           <a:p>
             <a:pPr lvl="1"/>
@@ -10953,7 +12355,7 @@
         <p:spPr>
           <a:xfrm>
             <a:off x="610819" y="390458"/>
-            <a:ext cx="8229600" cy="1143000"/>
+            <a:ext cx="8229600" cy="714137"/>
           </a:xfrm>
         </p:spPr>
         <p:txBody>
@@ -10964,7 +12366,19 @@
           <a:p>
             <a:r>
               <a:rPr lang="en-US" sz="2400" dirty="0" smtClean="0"/>
-              <a:t>Navigation Errors (Image Registration Errors)</a:t>
+              <a:t>Navigation Errors </a:t>
+            </a:r>
+            <a:r>
+              <a:rPr lang="en-US" sz="2400" dirty="0" smtClean="0"/>
+              <a:t>due to Image </a:t>
+            </a:r>
+            <a:r>
+              <a:rPr lang="en-US" sz="2400" dirty="0" smtClean="0"/>
+              <a:t>Registration </a:t>
+            </a:r>
+            <a:r>
+              <a:rPr lang="en-US" sz="2400" dirty="0" smtClean="0"/>
+              <a:t>Errors</a:t>
             </a:r>
             <a:r>
               <a:rPr lang="en-US" sz="2400" dirty="0" smtClean="0"/>
@@ -10975,15 +12389,7 @@
             </a:br>
             <a:r>
               <a:rPr lang="en-US" sz="1600" dirty="0" smtClean="0"/>
-              <a:t>(Entering Room 2 </a:t>
-            </a:r>
-            <a:r>
-              <a:rPr lang="en-US" sz="1600" dirty="0" smtClean="0"/>
-              <a:t>from Room 1 through </a:t>
-            </a:r>
-            <a:r>
-              <a:rPr lang="en-US" sz="1600" dirty="0" smtClean="0"/>
-              <a:t>wall openings)</a:t>
+              <a:t>(Entering Room 2 from Room 1 through wall openings)</a:t>
             </a:r>
             <a:endParaRPr lang="en-US" sz="1600" dirty="0"/>
           </a:p>
@@ -11176,7 +12582,7 @@
         </p:nvCxnSpPr>
         <p:spPr>
           <a:xfrm flipH="1" flipV="1">
-            <a:off x="4336460" y="2088490"/>
+            <a:off x="4322834" y="1395185"/>
             <a:ext cx="1" cy="231641"/>
           </a:xfrm>
           <a:prstGeom prst="straightConnector1">
@@ -11715,20 +13121,23 @@
       </p:sp>
       <p:sp>
         <p:nvSpPr>
-          <p:cNvPr id="42" name="TextBox 41"/>
+          <p:cNvPr id="43" name="TextBox 42"/>
           <p:cNvSpPr txBox="1"/>
           <p:nvPr/>
         </p:nvSpPr>
         <p:spPr>
           <a:xfrm>
-            <a:off x="2168518" y="1533458"/>
+            <a:off x="2249021" y="3156592"/>
             <a:ext cx="902876" cy="369332"/>
           </a:xfrm>
           <a:prstGeom prst="rect">
             <a:avLst/>
           </a:prstGeom>
           <a:solidFill>
-            <a:srgbClr val="FFFF00"/>
+            <a:schemeClr val="accent1">
+              <a:lumMod val="20000"/>
+              <a:lumOff val="80000"/>
+            </a:schemeClr>
           </a:solidFill>
         </p:spPr>
         <p:txBody>
@@ -11739,38 +13148,6 @@
           <a:p>
             <a:r>
               <a:rPr lang="en-US" dirty="0" smtClean="0"/>
-              <a:t>Room 2</a:t>
-            </a:r>
-            <a:endParaRPr lang="en-US" dirty="0"/>
-          </a:p>
-        </p:txBody>
-      </p:sp>
-      <p:sp>
-        <p:nvSpPr>
-          <p:cNvPr id="43" name="TextBox 42"/>
-          <p:cNvSpPr txBox="1"/>
-          <p:nvPr/>
-        </p:nvSpPr>
-        <p:spPr>
-          <a:xfrm>
-            <a:off x="2249021" y="3156592"/>
-            <a:ext cx="902876" cy="369332"/>
-          </a:xfrm>
-          <a:prstGeom prst="rect">
-            <a:avLst/>
-          </a:prstGeom>
-          <a:solidFill>
-            <a:srgbClr val="FFFF00"/>
-          </a:solidFill>
-        </p:spPr>
-        <p:txBody>
-          <a:bodyPr wrap="none" rtlCol="0">
-            <a:spAutoFit/>
-          </a:bodyPr>
-          <a:lstStyle/>
-          <a:p>
-            <a:r>
-              <a:rPr lang="en-US" dirty="0" smtClean="0"/>
               <a:t>Room 1</a:t>
             </a:r>
             <a:endParaRPr lang="en-US" dirty="0"/>
@@ -11785,8 +13162,8 @@
         </p:nvSpPr>
         <p:spPr>
           <a:xfrm>
-            <a:off x="6912850" y="6086226"/>
-            <a:ext cx="1360627" cy="277977"/>
+            <a:off x="6912850" y="5947231"/>
+            <a:ext cx="1424264" cy="277977"/>
           </a:xfrm>
           <a:prstGeom prst="rect">
             <a:avLst/>
@@ -11822,7 +13199,15 @@
                   <a:schemeClr val="tx1"/>
                 </a:solidFill>
               </a:rPr>
-              <a:t>Collide with Wall</a:t>
+              <a:t>Collides </a:t>
+            </a:r>
+            <a:r>
+              <a:rPr lang="en-US" sz="1200" dirty="0" smtClean="0">
+                <a:solidFill>
+                  <a:schemeClr val="tx1"/>
+                </a:solidFill>
+              </a:rPr>
+              <a:t>with Wall</a:t>
             </a:r>
             <a:endParaRPr lang="en-US" sz="1200" dirty="0">
               <a:solidFill>
@@ -11840,8 +13225,8 @@
         </p:nvSpPr>
         <p:spPr>
           <a:xfrm>
-            <a:off x="6912849" y="5808263"/>
-            <a:ext cx="1360627" cy="277977"/>
+            <a:off x="6912849" y="5669268"/>
+            <a:ext cx="1424265" cy="277977"/>
           </a:xfrm>
           <a:prstGeom prst="rect">
             <a:avLst/>
@@ -11877,7 +13262,15 @@
                   <a:schemeClr val="tx1"/>
                 </a:solidFill>
               </a:rPr>
-              <a:t>Enter Room 2</a:t>
+              <a:t>Enters </a:t>
+            </a:r>
+            <a:r>
+              <a:rPr lang="en-US" sz="1200" dirty="0" smtClean="0">
+                <a:solidFill>
+                  <a:schemeClr val="tx1"/>
+                </a:solidFill>
+              </a:rPr>
+              <a:t>Room 2</a:t>
             </a:r>
             <a:endParaRPr lang="en-US" sz="1200" dirty="0">
               <a:solidFill>
@@ -11963,8 +13356,8 @@
           </a:p>
         </p:txBody>
       </p:sp>
-      <mc:AlternateContent xmlns:mc="http://schemas.openxmlformats.org/markup-compatibility/2006">
-        <mc:Choice xmlns:a14="http://schemas.microsoft.com/office/drawing/2010/main" Requires="a14">
+      <mc:AlternateContent xmlns:mc="http://schemas.openxmlformats.org/markup-compatibility/2006" xmlns:a14="http://schemas.microsoft.com/office/drawing/2010/main">
+        <mc:Choice Requires="a14">
           <p:sp>
             <p:nvSpPr>
               <p:cNvPr id="13" name="TextBox 12"/>
@@ -11989,6 +13382,7 @@
               </a:bodyPr>
               <a:lstStyle/>
               <a:p>
+                <a:pPr/>
                 <a14:m>
                   <m:oMathPara xmlns:m="http://schemas.openxmlformats.org/officeDocument/2006/math">
                     <m:oMathParaPr>
@@ -12020,7 +13414,7 @@
             </p:txBody>
           </p:sp>
         </mc:Choice>
-        <mc:Fallback>
+        <mc:Fallback xmlns="">
           <p:sp>
             <p:nvSpPr>
               <p:cNvPr id="13" name="TextBox 12"/>
@@ -12094,8 +13488,8 @@
           </a:fontRef>
         </p:style>
       </p:cxnSp>
-      <mc:AlternateContent xmlns:mc="http://schemas.openxmlformats.org/markup-compatibility/2006">
-        <mc:Choice xmlns:a14="http://schemas.microsoft.com/office/drawing/2010/main" Requires="a14">
+      <mc:AlternateContent xmlns:mc="http://schemas.openxmlformats.org/markup-compatibility/2006" xmlns:a14="http://schemas.microsoft.com/office/drawing/2010/main">
+        <mc:Choice Requires="a14">
           <p:sp>
             <p:nvSpPr>
               <p:cNvPr id="41" name="TextBox 40"/>
@@ -12120,6 +13514,7 @@
               </a:bodyPr>
               <a:lstStyle/>
               <a:p>
+                <a:pPr/>
                 <a14:m>
                   <m:oMathPara xmlns:m="http://schemas.openxmlformats.org/officeDocument/2006/math">
                     <m:oMathParaPr>
@@ -12151,7 +13546,7 @@
             </p:txBody>
           </p:sp>
         </mc:Choice>
-        <mc:Fallback>
+        <mc:Fallback xmlns="">
           <p:sp>
             <p:nvSpPr>
               <p:cNvPr id="41" name="TextBox 40"/>
@@ -12225,8 +13620,8 @@
           </a:fontRef>
         </p:style>
       </p:cxnSp>
-      <mc:AlternateContent xmlns:mc="http://schemas.openxmlformats.org/markup-compatibility/2006">
-        <mc:Choice xmlns:a14="http://schemas.microsoft.com/office/drawing/2010/main" Requires="a14">
+      <mc:AlternateContent xmlns:mc="http://schemas.openxmlformats.org/markup-compatibility/2006" xmlns:a14="http://schemas.microsoft.com/office/drawing/2010/main">
+        <mc:Choice Requires="a14">
           <p:sp>
             <p:nvSpPr>
               <p:cNvPr id="45" name="TextBox 44"/>
@@ -12251,6 +13646,7 @@
               </a:bodyPr>
               <a:lstStyle/>
               <a:p>
+                <a:pPr/>
                 <a14:m>
                   <m:oMathPara xmlns:m="http://schemas.openxmlformats.org/officeDocument/2006/math">
                     <m:oMathParaPr>
@@ -12282,7 +13678,7 @@
             </p:txBody>
           </p:sp>
         </mc:Choice>
-        <mc:Fallback>
+        <mc:Fallback xmlns="">
           <p:sp>
             <p:nvSpPr>
               <p:cNvPr id="45" name="TextBox 44"/>
@@ -12321,6 +13717,167 @@
           </p:sp>
         </mc:Fallback>
       </mc:AlternateContent>
+      <p:sp>
+        <p:nvSpPr>
+          <p:cNvPr id="36" name="TextBox 35"/>
+          <p:cNvSpPr txBox="1"/>
+          <p:nvPr/>
+        </p:nvSpPr>
+        <p:spPr>
+          <a:xfrm>
+            <a:off x="6612876" y="1273190"/>
+            <a:ext cx="992579" cy="369332"/>
+          </a:xfrm>
+          <a:prstGeom prst="rect">
+            <a:avLst/>
+          </a:prstGeom>
+          <a:solidFill>
+            <a:schemeClr val="accent1">
+              <a:lumMod val="20000"/>
+              <a:lumOff val="80000"/>
+            </a:schemeClr>
+          </a:solidFill>
+        </p:spPr>
+        <p:txBody>
+          <a:bodyPr wrap="none" rtlCol="0">
+            <a:spAutoFit/>
+          </a:bodyPr>
+          <a:lstStyle/>
+          <a:p>
+            <a:r>
+              <a:rPr lang="en-US" dirty="0" smtClean="0"/>
+              <a:t>Room </a:t>
+            </a:r>
+            <a:r>
+              <a:rPr lang="en-US" dirty="0" smtClean="0"/>
+              <a:t>2</a:t>
+            </a:r>
+            <a:endParaRPr lang="en-US" dirty="0"/>
+          </a:p>
+        </p:txBody>
+      </p:sp>
+      <p:sp>
+        <p:nvSpPr>
+          <p:cNvPr id="15" name="Freeform 14"/>
+          <p:cNvSpPr/>
+          <p:nvPr/>
+        </p:nvSpPr>
+        <p:spPr>
+          <a:xfrm>
+            <a:off x="4798771" y="1982419"/>
+            <a:ext cx="1170432" cy="190195"/>
+          </a:xfrm>
+          <a:custGeom>
+            <a:avLst/>
+            <a:gdLst>
+              <a:gd name="connsiteX0" fmla="*/ 0 w 1170432"/>
+              <a:gd name="connsiteY0" fmla="*/ 190195 h 190195"/>
+              <a:gd name="connsiteX1" fmla="*/ 424282 w 1170432"/>
+              <a:gd name="connsiteY1" fmla="*/ 73152 h 190195"/>
+              <a:gd name="connsiteX2" fmla="*/ 1170432 w 1170432"/>
+              <a:gd name="connsiteY2" fmla="*/ 0 h 190195"/>
+            </a:gdLst>
+            <a:ahLst/>
+            <a:cxnLst>
+              <a:cxn ang="0">
+                <a:pos x="connsiteX0" y="connsiteY0"/>
+              </a:cxn>
+              <a:cxn ang="0">
+                <a:pos x="connsiteX1" y="connsiteY1"/>
+              </a:cxn>
+              <a:cxn ang="0">
+                <a:pos x="connsiteX2" y="connsiteY2"/>
+              </a:cxn>
+            </a:cxnLst>
+            <a:rect l="l" t="t" r="r" b="b"/>
+            <a:pathLst>
+              <a:path w="1170432" h="190195">
+                <a:moveTo>
+                  <a:pt x="0" y="190195"/>
+                </a:moveTo>
+                <a:cubicBezTo>
+                  <a:pt x="114605" y="147523"/>
+                  <a:pt x="229210" y="104851"/>
+                  <a:pt x="424282" y="73152"/>
+                </a:cubicBezTo>
+                <a:cubicBezTo>
+                  <a:pt x="619354" y="41453"/>
+                  <a:pt x="894893" y="20726"/>
+                  <a:pt x="1170432" y="0"/>
+                </a:cubicBezTo>
+              </a:path>
+            </a:pathLst>
+          </a:custGeom>
+          <a:noFill/>
+          <a:ln>
+            <a:headEnd type="arrow" w="med" len="med"/>
+            <a:tailEnd type="none" w="med" len="med"/>
+          </a:ln>
+        </p:spPr>
+        <p:style>
+          <a:lnRef idx="2">
+            <a:schemeClr val="accent1">
+              <a:shade val="50000"/>
+            </a:schemeClr>
+          </a:lnRef>
+          <a:fillRef idx="1">
+            <a:schemeClr val="accent1"/>
+          </a:fillRef>
+          <a:effectRef idx="0">
+            <a:schemeClr val="accent1"/>
+          </a:effectRef>
+          <a:fontRef idx="minor">
+            <a:schemeClr val="lt1"/>
+          </a:fontRef>
+        </p:style>
+        <p:txBody>
+          <a:bodyPr rtlCol="0" anchor="ctr"/>
+          <a:lstStyle/>
+          <a:p>
+            <a:pPr algn="ctr"/>
+            <a:endParaRPr lang="en-US"/>
+          </a:p>
+        </p:txBody>
+      </p:sp>
+      <p:sp>
+        <p:nvSpPr>
+          <p:cNvPr id="16" name="TextBox 15"/>
+          <p:cNvSpPr txBox="1"/>
+          <p:nvPr/>
+        </p:nvSpPr>
+        <p:spPr>
+          <a:xfrm>
+            <a:off x="5990911" y="1797753"/>
+            <a:ext cx="2236510" cy="369332"/>
+          </a:xfrm>
+          <a:prstGeom prst="rect">
+            <a:avLst/>
+          </a:prstGeom>
+          <a:solidFill>
+            <a:schemeClr val="accent3">
+              <a:lumMod val="40000"/>
+              <a:lumOff val="60000"/>
+            </a:schemeClr>
+          </a:solidFill>
+        </p:spPr>
+        <p:txBody>
+          <a:bodyPr wrap="none" rtlCol="0">
+            <a:spAutoFit/>
+          </a:bodyPr>
+          <a:lstStyle/>
+          <a:p>
+            <a:r>
+              <a:rPr lang="en-US" dirty="0" err="1" smtClean="0"/>
+              <a:t>Helo</a:t>
+            </a:r>
+            <a:r>
+              <a:rPr lang="en-US" dirty="0" smtClean="0"/>
+              <a:t> enters Room 2</a:t>
+            </a:r>
+            <a:endParaRPr lang="en-US" dirty="0"/>
+          </a:p>
+        </p:txBody>
+      </p:sp>
     </p:spTree>
     <p:extLst>
       <p:ext uri="{BB962C8B-B14F-4D97-AF65-F5344CB8AC3E}">
@@ -12407,22 +13964,27 @@
         </p:nvSpPr>
         <p:spPr/>
         <p:txBody>
-          <a:bodyPr/>
+          <a:bodyPr>
+            <a:normAutofit/>
+          </a:bodyPr>
           <a:lstStyle/>
           <a:p>
             <a:r>
-              <a:rPr lang="en-US" dirty="0" smtClean="0"/>
-              <a:t>Cramer-</a:t>
-            </a:r>
-            <a:r>
-              <a:rPr lang="en-US" dirty="0" err="1" smtClean="0"/>
-              <a:t>Rao</a:t>
-            </a:r>
-            <a:r>
-              <a:rPr lang="en-US" dirty="0" smtClean="0"/>
-              <a:t> Lower Bound (CRLB)</a:t>
-            </a:r>
-            <a:endParaRPr lang="en-US" dirty="0"/>
+              <a:rPr lang="en-US" sz="2400" dirty="0" smtClean="0"/>
+              <a:t>Minimum Variance, Unbiased Estimator: </a:t>
+            </a:r>
+            <a:br>
+              <a:rPr lang="en-US" sz="2400" dirty="0" smtClean="0"/>
+            </a:br>
+            <a:r>
+              <a:rPr lang="en-US" sz="2400" dirty="0" smtClean="0"/>
+              <a:t>Cramer-Rao </a:t>
+            </a:r>
+            <a:r>
+              <a:rPr lang="en-US" sz="2400" dirty="0" smtClean="0"/>
+              <a:t>Lower Bound (CRLB)</a:t>
+            </a:r>
+            <a:endParaRPr lang="en-US" sz="2400" dirty="0"/>
           </a:p>
         </p:txBody>
       </p:sp>
@@ -12879,7 +14441,7 @@
           <a:graphicData uri="http://schemas.openxmlformats.org/presentationml/2006/ole">
             <mc:AlternateContent xmlns:mc="http://schemas.openxmlformats.org/markup-compatibility/2006">
               <mc:Choice xmlns:v="urn:schemas-microsoft-com:vml" Requires="v">
-                <p:oleObj spid="_x0000_s2158" name="Equation" r:id="rId4" imgW="469900" imgH="254000" progId="Equation.3">
+                <p:oleObj spid="_x0000_s2178" name="Equation" r:id="rId4" imgW="469900" imgH="254000" progId="Equation.3">
                   <p:embed/>
                 </p:oleObj>
               </mc:Choice>
@@ -12936,7 +14498,7 @@
           <a:graphicData uri="http://schemas.openxmlformats.org/presentationml/2006/ole">
             <mc:AlternateContent xmlns:mc="http://schemas.openxmlformats.org/markup-compatibility/2006">
               <mc:Choice xmlns:v="urn:schemas-microsoft-com:vml" Requires="v">
-                <p:oleObj spid="_x0000_s2159" name="Equation" r:id="rId6" imgW="482600" imgH="254000" progId="Equation.3">
+                <p:oleObj spid="_x0000_s2179" name="Equation" r:id="rId6" imgW="482600" imgH="254000" progId="Equation.3">
                   <p:embed/>
                 </p:oleObj>
               </mc:Choice>
@@ -12993,7 +14555,7 @@
           <a:graphicData uri="http://schemas.openxmlformats.org/presentationml/2006/ole">
             <mc:AlternateContent xmlns:mc="http://schemas.openxmlformats.org/markup-compatibility/2006">
               <mc:Choice xmlns:v="urn:schemas-microsoft-com:vml" Requires="v">
-                <p:oleObj spid="_x0000_s2160" name="Equation" r:id="rId8" imgW="127000" imgH="177800" progId="Equation.3">
+                <p:oleObj spid="_x0000_s2180" name="Equation" r:id="rId8" imgW="127000" imgH="177800" progId="Equation.3">
                   <p:embed/>
                 </p:oleObj>
               </mc:Choice>
@@ -13146,7 +14708,7 @@
           <a:graphicData uri="http://schemas.openxmlformats.org/presentationml/2006/ole">
             <mc:AlternateContent xmlns:mc="http://schemas.openxmlformats.org/markup-compatibility/2006">
               <mc:Choice xmlns:v="urn:schemas-microsoft-com:vml" Requires="v">
-                <p:oleObj spid="_x0000_s2161" name="Equation" r:id="rId10" imgW="2323800" imgH="660240" progId="Equation.3">
+                <p:oleObj spid="_x0000_s2181" name="Equation" r:id="rId10" imgW="2323800" imgH="660240" progId="Equation.3">
                   <p:embed/>
                 </p:oleObj>
               </mc:Choice>
@@ -13390,7 +14952,7 @@
           <a:graphicData uri="http://schemas.openxmlformats.org/presentationml/2006/ole">
             <mc:AlternateContent xmlns:mc="http://schemas.openxmlformats.org/markup-compatibility/2006">
               <mc:Choice xmlns:v="urn:schemas-microsoft-com:vml" Requires="v">
-                <p:oleObj spid="_x0000_s4119" name="Equation" r:id="rId3" imgW="2323800" imgH="660240" progId="Equation.3">
+                <p:oleObj spid="_x0000_s4124" name="Equation" r:id="rId3" imgW="2323800" imgH="660240" progId="Equation.3">
                   <p:embed/>
                 </p:oleObj>
               </mc:Choice>
@@ -13557,15 +15119,7 @@
             </a:r>
             <a:r>
               <a:rPr lang="en-US" dirty="0" smtClean="0"/>
-              <a:t>=Fisher </a:t>
-            </a:r>
-            <a:r>
-              <a:rPr lang="en-US" dirty="0" smtClean="0"/>
-              <a:t>Information </a:t>
-            </a:r>
-            <a:r>
-              <a:rPr lang="en-US" dirty="0" smtClean="0"/>
-              <a:t>Matrix (FIM)</a:t>
+              <a:t>=Fisher Information Matrix (FIM)</a:t>
             </a:r>
             <a:endParaRPr lang="en-US" dirty="0"/>
           </a:p>
@@ -13721,8 +15275,8 @@
           </a:p>
         </p:txBody>
       </p:sp>
-      <mc:AlternateContent xmlns:mc="http://schemas.openxmlformats.org/markup-compatibility/2006">
-        <mc:Choice xmlns:a14="http://schemas.microsoft.com/office/drawing/2010/main" Requires="a14">
+      <mc:AlternateContent xmlns:mc="http://schemas.openxmlformats.org/markup-compatibility/2006" xmlns:a14="http://schemas.microsoft.com/office/drawing/2010/main">
+        <mc:Choice Requires="a14">
           <p:sp>
             <p:nvSpPr>
               <p:cNvPr id="13" name="TextBox 12"/>
@@ -14200,7 +15754,7 @@
             </p:txBody>
           </p:sp>
         </mc:Choice>
-        <mc:Fallback>
+        <mc:Fallback xmlns="">
           <p:sp>
             <p:nvSpPr>
               <p:cNvPr id="13" name="TextBox 12"/>
@@ -14446,7 +16000,7 @@
         </p:nvSpPr>
         <p:spPr>
           <a:xfrm>
-            <a:off x="3799837" y="5464455"/>
+            <a:off x="3663689" y="5369358"/>
             <a:ext cx="1239526" cy="369332"/>
           </a:xfrm>
           <a:prstGeom prst="rect">
@@ -14476,8 +16030,8 @@
         </p:nvSpPr>
         <p:spPr>
           <a:xfrm>
-            <a:off x="2617706" y="6137453"/>
-            <a:ext cx="3284425" cy="276999"/>
+            <a:off x="457200" y="5998953"/>
+            <a:ext cx="4099199" cy="276999"/>
           </a:xfrm>
           <a:prstGeom prst="rect">
             <a:avLst/>
@@ -14492,7 +16046,11 @@
           <a:p>
             <a:r>
               <a:rPr lang="en-US" sz="1200" dirty="0" smtClean="0"/>
-              <a:t>Mean Square Error: Measure of Registration Error</a:t>
+              <a:t>MSE = Mean </a:t>
+            </a:r>
+            <a:r>
+              <a:rPr lang="en-US" sz="1200" dirty="0" smtClean="0"/>
+              <a:t>Square Error: Measure of Registration Error</a:t>
             </a:r>
             <a:endParaRPr lang="en-US" sz="1200" dirty="0"/>
           </a:p>
@@ -14512,9 +16070,9 @@
 </file>
 
 <file path=ppt/theme/theme1.xml><?xml version="1.0" encoding="utf-8"?>
-<a:theme xmlns:a="http://schemas.openxmlformats.org/drawingml/2006/main" name="Office Theme">
+<a:theme xmlns:a="http://schemas.openxmlformats.org/drawingml/2006/main" name="Origin">
   <a:themeElements>
-    <a:clrScheme name="Office">
+    <a:clrScheme name="Origin">
       <a:dk1>
         <a:sysClr val="windowText" lastClr="000000"/>
       </a:dk1>
@@ -14522,48 +16080,50 @@
         <a:sysClr val="window" lastClr="FFFFFF"/>
       </a:lt1>
       <a:dk2>
-        <a:srgbClr val="1F497D"/>
+        <a:srgbClr val="464653"/>
       </a:dk2>
       <a:lt2>
-        <a:srgbClr val="EEECE1"/>
+        <a:srgbClr val="DDE9EC"/>
       </a:lt2>
       <a:accent1>
-        <a:srgbClr val="4F81BD"/>
+        <a:srgbClr val="727CA3"/>
       </a:accent1>
       <a:accent2>
-        <a:srgbClr val="C0504D"/>
+        <a:srgbClr val="9FB8CD"/>
       </a:accent2>
       <a:accent3>
-        <a:srgbClr val="9BBB59"/>
+        <a:srgbClr val="D2DA7A"/>
       </a:accent3>
       <a:accent4>
-        <a:srgbClr val="8064A2"/>
+        <a:srgbClr val="FADA7A"/>
       </a:accent4>
       <a:accent5>
-        <a:srgbClr val="4BACC6"/>
+        <a:srgbClr val="B88472"/>
       </a:accent5>
       <a:accent6>
-        <a:srgbClr val="F79646"/>
+        <a:srgbClr val="8E736A"/>
       </a:accent6>
       <a:hlink>
-        <a:srgbClr val="0000FF"/>
+        <a:srgbClr val="B292CA"/>
       </a:hlink>
       <a:folHlink>
-        <a:srgbClr val="800080"/>
+        <a:srgbClr val="6B5680"/>
       </a:folHlink>
     </a:clrScheme>
-    <a:fontScheme name="Office">
+    <a:fontScheme name="Origin">
       <a:majorFont>
-        <a:latin typeface="Calibri"/>
+        <a:latin typeface="Bookman Old Style"/>
         <a:ea typeface=""/>
         <a:cs typeface=""/>
-        <a:font script="Jpan" typeface="ＭＳ Ｐゴシック"/>
-        <a:font script="Hang" typeface="맑은 고딕"/>
+        <a:font script="Grek" typeface="Cambria"/>
+        <a:font script="Cyrl" typeface="Cambria"/>
+        <a:font script="Jpan" typeface="HG明朝E"/>
+        <a:font script="Hang" typeface="돋움"/>
         <a:font script="Hans" typeface="宋体"/>
-        <a:font script="Hant" typeface="新細明體"/>
+        <a:font script="Hant" typeface="標楷體"/>
         <a:font script="Arab" typeface="Times New Roman"/>
         <a:font script="Hebr" typeface="Times New Roman"/>
-        <a:font script="Thai" typeface="Angsana New"/>
+        <a:font script="Thai" typeface="Browallia New"/>
         <a:font script="Ethi" typeface="Nyala"/>
         <a:font script="Beng" typeface="Vrinda"/>
         <a:font script="Gujr" typeface="Shruti"/>
@@ -14589,12 +16149,14 @@
         <a:font script="Geor" typeface="Sylfaen"/>
       </a:majorFont>
       <a:minorFont>
-        <a:latin typeface="Calibri"/>
+        <a:latin typeface="Gill Sans MT"/>
         <a:ea typeface=""/>
         <a:cs typeface=""/>
+        <a:font script="Grek" typeface="Calibri"/>
+        <a:font script="Cyrl" typeface="Calibri"/>
         <a:font script="Jpan" typeface="ＭＳ Ｐゴシック"/>
         <a:font script="Hang" typeface="맑은 고딕"/>
-        <a:font script="Hans" typeface="宋体"/>
+        <a:font script="Hans" typeface="华文新魏"/>
         <a:font script="Hant" typeface="新細明體"/>
         <a:font script="Arab" typeface="Arial"/>
         <a:font script="Hebr" typeface="Arial"/>
@@ -14624,7 +16186,7 @@
         <a:font script="Geor" typeface="Sylfaen"/>
       </a:minorFont>
     </a:fontScheme>
-    <a:fmtScheme name="Office">
+    <a:fmtScheme name="Origin">
       <a:fillStyleLst>
         <a:solidFill>
           <a:schemeClr val="phClr"/>
@@ -14633,52 +16195,93 @@
           <a:gsLst>
             <a:gs pos="0">
               <a:schemeClr val="phClr">
-                <a:tint val="50000"/>
-                <a:satMod val="300000"/>
+                <a:tint val="45000"/>
+                <a:satMod val="200000"/>
               </a:schemeClr>
             </a:gs>
-            <a:gs pos="35000">
+            <a:gs pos="30000">
               <a:schemeClr val="phClr">
-                <a:tint val="37000"/>
-                <a:satMod val="300000"/>
+                <a:tint val="61000"/>
+                <a:satMod val="200000"/>
+              </a:schemeClr>
+            </a:gs>
+            <a:gs pos="45000">
+              <a:schemeClr val="phClr">
+                <a:tint val="66000"/>
+                <a:satMod val="200000"/>
+              </a:schemeClr>
+            </a:gs>
+            <a:gs pos="55000">
+              <a:schemeClr val="phClr">
+                <a:tint val="66000"/>
+                <a:satMod val="200000"/>
+              </a:schemeClr>
+            </a:gs>
+            <a:gs pos="73000">
+              <a:schemeClr val="phClr">
+                <a:tint val="61000"/>
+                <a:satMod val="200000"/>
               </a:schemeClr>
             </a:gs>
             <a:gs pos="100000">
               <a:schemeClr val="phClr">
-                <a:tint val="15000"/>
-                <a:satMod val="350000"/>
+                <a:tint val="45000"/>
+                <a:satMod val="200000"/>
               </a:schemeClr>
             </a:gs>
           </a:gsLst>
-          <a:lin ang="16200000" scaled="1"/>
+          <a:lin ang="950000" scaled="1"/>
         </a:gradFill>
         <a:gradFill rotWithShape="1">
           <a:gsLst>
             <a:gs pos="0">
               <a:schemeClr val="phClr">
-                <a:tint val="100000"/>
+                <a:shade val="63000"/>
+              </a:schemeClr>
+            </a:gs>
+            <a:gs pos="30000">
+              <a:schemeClr val="phClr">
+                <a:shade val="90000"/>
+                <a:satMod val="110000"/>
+              </a:schemeClr>
+            </a:gs>
+            <a:gs pos="45000">
+              <a:schemeClr val="phClr">
                 <a:shade val="100000"/>
-                <a:satMod val="130000"/>
+                <a:satMod val="118000"/>
+              </a:schemeClr>
+            </a:gs>
+            <a:gs pos="55000">
+              <a:schemeClr val="phClr">
+                <a:shade val="100000"/>
+                <a:satMod val="118000"/>
+              </a:schemeClr>
+            </a:gs>
+            <a:gs pos="73000">
+              <a:schemeClr val="phClr">
+                <a:shade val="90000"/>
+                <a:satMod val="110000"/>
               </a:schemeClr>
             </a:gs>
             <a:gs pos="100000">
               <a:schemeClr val="phClr">
-                <a:tint val="50000"/>
-                <a:shade val="100000"/>
-                <a:satMod val="350000"/>
+                <a:shade val="63000"/>
               </a:schemeClr>
             </a:gs>
           </a:gsLst>
-          <a:lin ang="16200000" scaled="0"/>
+          <a:lin ang="950000" scaled="1"/>
         </a:gradFill>
       </a:fillStyleLst>
       <a:lnStyleLst>
         <a:ln w="9525" cap="flat" cmpd="sng" algn="ctr">
           <a:solidFill>
-            <a:schemeClr val="phClr">
-              <a:shade val="95000"/>
-              <a:satMod val="105000"/>
-            </a:schemeClr>
+            <a:schemeClr val="phClr"/>
+          </a:solidFill>
+          <a:prstDash val="solid"/>
+        </a:ln>
+        <a:ln w="19050" cap="flat" cmpd="sng" algn="ctr">
+          <a:solidFill>
+            <a:schemeClr val="phClr"/>
           </a:solidFill>
           <a:prstDash val="solid"/>
         </a:ln>
@@ -14688,50 +16291,66 @@
           </a:solidFill>
           <a:prstDash val="solid"/>
         </a:ln>
-        <a:ln w="38100" cap="flat" cmpd="sng" algn="ctr">
-          <a:solidFill>
-            <a:schemeClr val="phClr"/>
-          </a:solidFill>
-          <a:prstDash val="solid"/>
-        </a:ln>
       </a:lnStyleLst>
       <a:effectStyleLst>
         <a:effectStyle>
           <a:effectLst>
-            <a:outerShdw blurRad="40000" dist="20000" dir="5400000" rotWithShape="0">
+            <a:outerShdw blurRad="38100" dist="25400" dir="5400000" rotWithShape="0">
               <a:srgbClr val="000000">
-                <a:alpha val="38000"/>
+                <a:alpha val="40000"/>
               </a:srgbClr>
             </a:outerShdw>
           </a:effectLst>
         </a:effectStyle>
         <a:effectStyle>
           <a:effectLst>
-            <a:outerShdw blurRad="40000" dist="23000" dir="5400000" rotWithShape="0">
+            <a:outerShdw blurRad="50800" dist="43000" dir="5400000" rotWithShape="0">
               <a:srgbClr val="000000">
-                <a:alpha val="35000"/>
-              </a:srgbClr>
-            </a:outerShdw>
-          </a:effectLst>
-        </a:effectStyle>
-        <a:effectStyle>
-          <a:effectLst>
-            <a:outerShdw blurRad="40000" dist="23000" dir="5400000" rotWithShape="0">
-              <a:srgbClr val="000000">
-                <a:alpha val="35000"/>
+                <a:alpha val="40000"/>
               </a:srgbClr>
             </a:outerShdw>
           </a:effectLst>
           <a:scene3d>
-            <a:camera prst="orthographicFront">
+            <a:camera prst="orthographicFront" fov="0">
               <a:rot lat="0" lon="0" rev="0"/>
             </a:camera>
-            <a:lightRig rig="threePt" dir="t">
-              <a:rot lat="0" lon="0" rev="1200000"/>
+            <a:lightRig rig="balanced" dir="t">
+              <a:rot lat="0" lon="0" rev="0"/>
             </a:lightRig>
           </a:scene3d>
-          <a:sp3d>
-            <a:bevelT w="63500" h="25400"/>
+          <a:sp3d prstMaterial="matte">
+            <a:bevelT w="0" h="0"/>
+            <a:contourClr>
+              <a:schemeClr val="phClr">
+                <a:tint val="100000"/>
+                <a:shade val="100000"/>
+                <a:hueMod val="100000"/>
+                <a:satMod val="100000"/>
+              </a:schemeClr>
+            </a:contourClr>
+          </a:sp3d>
+        </a:effectStyle>
+        <a:effectStyle>
+          <a:effectLst>
+            <a:outerShdw blurRad="50800" dist="25400" dir="5400000" rotWithShape="0">
+              <a:srgbClr val="000000">
+                <a:alpha val="50000"/>
+              </a:srgbClr>
+            </a:outerShdw>
+          </a:effectLst>
+          <a:scene3d>
+            <a:camera prst="orthographicFront" fov="0">
+              <a:rot lat="0" lon="0" rev="0"/>
+            </a:camera>
+            <a:lightRig rig="soft" dir="t">
+              <a:rot lat="0" lon="0" rev="2700000"/>
+            </a:lightRig>
+          </a:scene3d>
+          <a:sp3d prstMaterial="matte">
+            <a:bevelT w="50800" h="50800"/>
+            <a:contourClr>
+              <a:schemeClr val="phClr"/>
+            </a:contourClr>
           </a:sp3d>
         </a:effectStyle>
       </a:effectStyleLst>
@@ -14743,90 +16362,43 @@
           <a:gsLst>
             <a:gs pos="0">
               <a:schemeClr val="phClr">
-                <a:tint val="40000"/>
-                <a:satMod val="350000"/>
+                <a:shade val="60000"/>
+                <a:satMod val="300000"/>
               </a:schemeClr>
             </a:gs>
-            <a:gs pos="40000">
+            <a:gs pos="30000">
               <a:schemeClr val="phClr">
-                <a:tint val="45000"/>
-                <a:shade val="99000"/>
-                <a:satMod val="350000"/>
+                <a:shade val="80000"/>
+                <a:satMod val="230000"/>
               </a:schemeClr>
             </a:gs>
             <a:gs pos="100000">
               <a:schemeClr val="phClr">
-                <a:shade val="20000"/>
-                <a:satMod val="255000"/>
+                <a:tint val="97000"/>
+                <a:satMod val="220000"/>
               </a:schemeClr>
             </a:gs>
           </a:gsLst>
-          <a:path path="circle">
-            <a:fillToRect l="50000" t="-80000" r="50000" b="180000"/>
-          </a:path>
+          <a:lin ang="16200000" scaled="1"/>
         </a:gradFill>
-        <a:gradFill rotWithShape="1">
-          <a:gsLst>
-            <a:gs pos="0">
+        <a:blipFill>
+          <a:blip xmlns:r="http://schemas.openxmlformats.org/officeDocument/2006/relationships" r:embed="rId1">
+            <a:duotone>
               <a:schemeClr val="phClr">
-                <a:tint val="80000"/>
-                <a:satMod val="300000"/>
+                <a:shade val="6000"/>
+                <a:satMod val="120000"/>
               </a:schemeClr>
-            </a:gs>
-            <a:gs pos="100000">
               <a:schemeClr val="phClr">
-                <a:shade val="30000"/>
-                <a:satMod val="200000"/>
+                <a:tint val="90000"/>
               </a:schemeClr>
-            </a:gs>
-          </a:gsLst>
-          <a:path path="circle">
-            <a:fillToRect l="50000" t="50000" r="50000" b="50000"/>
-          </a:path>
-        </a:gradFill>
+            </a:duotone>
+          </a:blip>
+          <a:tile tx="0" ty="0" sx="35000" sy="40000" flip="x" algn="tl"/>
+        </a:blipFill>
       </a:bgFillStyleLst>
     </a:fmtScheme>
   </a:themeElements>
-  <a:objectDefaults>
-    <a:spDef>
-      <a:spPr/>
-      <a:bodyPr/>
-      <a:lstStyle/>
-      <a:style>
-        <a:lnRef idx="1">
-          <a:schemeClr val="accent1"/>
-        </a:lnRef>
-        <a:fillRef idx="3">
-          <a:schemeClr val="accent1"/>
-        </a:fillRef>
-        <a:effectRef idx="2">
-          <a:schemeClr val="accent1"/>
-        </a:effectRef>
-        <a:fontRef idx="minor">
-          <a:schemeClr val="lt1"/>
-        </a:fontRef>
-      </a:style>
-    </a:spDef>
-    <a:lnDef>
-      <a:spPr/>
-      <a:bodyPr/>
-      <a:lstStyle/>
-      <a:style>
-        <a:lnRef idx="2">
-          <a:schemeClr val="accent1"/>
-        </a:lnRef>
-        <a:fillRef idx="0">
-          <a:schemeClr val="accent1"/>
-        </a:fillRef>
-        <a:effectRef idx="1">
-          <a:schemeClr val="accent1"/>
-        </a:effectRef>
-        <a:fontRef idx="minor">
-          <a:schemeClr val="tx1"/>
-        </a:fontRef>
-      </a:style>
-    </a:lnDef>
-  </a:objectDefaults>
+  <a:objectDefaults/>
   <a:extraClrSchemeLst/>
 </a:theme>
 </file>

--- a/Presentation/CS679Presentation2.pptx
+++ b/Presentation/CS679Presentation2.pptx
@@ -205,7 +205,7 @@
           <a:p>
             <a:fld id="{47375328-351C-4DED-94A3-E91F3E1B8B68}" type="datetimeFigureOut">
               <a:rPr lang="en-US" smtClean="0"/>
-              <a:t>4/9/2015</a:t>
+              <a:t>4/11/2015</a:t>
             </a:fld>
             <a:endParaRPr lang="en-US"/>
           </a:p>
@@ -700,7 +700,7 @@
           <a:p>
             <a:fld id="{4C8834C2-7B47-694D-87BD-9D1EC16573D1}" type="datetimeFigureOut">
               <a:rPr lang="en-US" smtClean="0"/>
-              <a:t>4/9/2015</a:t>
+              <a:t>4/11/2015</a:t>
             </a:fld>
             <a:endParaRPr lang="en-US"/>
           </a:p>
@@ -1059,7 +1059,7 @@
           <a:p>
             <a:fld id="{4C8834C2-7B47-694D-87BD-9D1EC16573D1}" type="datetimeFigureOut">
               <a:rPr lang="en-US" smtClean="0"/>
-              <a:t>4/9/2015</a:t>
+              <a:t>4/11/2015</a:t>
             </a:fld>
             <a:endParaRPr lang="en-US"/>
           </a:p>
@@ -1234,7 +1234,7 @@
           <a:p>
             <a:fld id="{4C8834C2-7B47-694D-87BD-9D1EC16573D1}" type="datetimeFigureOut">
               <a:rPr lang="en-US" smtClean="0"/>
-              <a:t>4/9/2015</a:t>
+              <a:t>4/11/2015</a:t>
             </a:fld>
             <a:endParaRPr lang="en-US"/>
           </a:p>
@@ -1469,7 +1469,7 @@
           <a:p>
             <a:fld id="{4C8834C2-7B47-694D-87BD-9D1EC16573D1}" type="datetimeFigureOut">
               <a:rPr lang="en-US" smtClean="0"/>
-              <a:t>4/9/2015</a:t>
+              <a:t>4/11/2015</a:t>
             </a:fld>
             <a:endParaRPr lang="en-US"/>
           </a:p>
@@ -1738,7 +1738,7 @@
           <a:p>
             <a:fld id="{4C8834C2-7B47-694D-87BD-9D1EC16573D1}" type="datetimeFigureOut">
               <a:rPr lang="en-US" smtClean="0"/>
-              <a:t>4/9/2015</a:t>
+              <a:t>4/11/2015</a:t>
             </a:fld>
             <a:endParaRPr lang="en-US"/>
           </a:p>
@@ -1958,7 +1958,7 @@
           <a:p>
             <a:fld id="{4C8834C2-7B47-694D-87BD-9D1EC16573D1}" type="datetimeFigureOut">
               <a:rPr lang="en-US" smtClean="0"/>
-              <a:t>4/9/2015</a:t>
+              <a:t>4/11/2015</a:t>
             </a:fld>
             <a:endParaRPr lang="en-US"/>
           </a:p>
@@ -2310,7 +2310,7 @@
           <a:p>
             <a:fld id="{4C8834C2-7B47-694D-87BD-9D1EC16573D1}" type="datetimeFigureOut">
               <a:rPr lang="en-US" smtClean="0"/>
-              <a:t>4/9/2015</a:t>
+              <a:t>4/11/2015</a:t>
             </a:fld>
             <a:endParaRPr lang="en-US"/>
           </a:p>
@@ -2542,7 +2542,7 @@
           <a:p>
             <a:fld id="{4C8834C2-7B47-694D-87BD-9D1EC16573D1}" type="datetimeFigureOut">
               <a:rPr lang="en-US" smtClean="0"/>
-              <a:t>4/9/2015</a:t>
+              <a:t>4/11/2015</a:t>
             </a:fld>
             <a:endParaRPr lang="en-US"/>
           </a:p>
@@ -2682,7 +2682,7 @@
           <a:p>
             <a:fld id="{4C8834C2-7B47-694D-87BD-9D1EC16573D1}" type="datetimeFigureOut">
               <a:rPr lang="en-US" smtClean="0"/>
-              <a:t>4/9/2015</a:t>
+              <a:t>4/11/2015</a:t>
             </a:fld>
             <a:endParaRPr lang="en-US"/>
           </a:p>
@@ -2959,7 +2959,7 @@
           <a:p>
             <a:fld id="{4C8834C2-7B47-694D-87BD-9D1EC16573D1}" type="datetimeFigureOut">
               <a:rPr lang="en-US" smtClean="0"/>
-              <a:t>4/9/2015</a:t>
+              <a:t>4/11/2015</a:t>
             </a:fld>
             <a:endParaRPr lang="en-US"/>
           </a:p>
@@ -3366,7 +3366,7 @@
           <a:p>
             <a:fld id="{4C8834C2-7B47-694D-87BD-9D1EC16573D1}" type="datetimeFigureOut">
               <a:rPr lang="en-US" smtClean="0"/>
-              <a:t>4/9/2015</a:t>
+              <a:t>4/11/2015</a:t>
             </a:fld>
             <a:endParaRPr lang="en-US"/>
           </a:p>
@@ -3704,7 +3704,7 @@
           <a:p>
             <a:fld id="{4C8834C2-7B47-694D-87BD-9D1EC16573D1}" type="datetimeFigureOut">
               <a:rPr lang="en-US" smtClean="0"/>
-              <a:t>4/9/2015</a:t>
+              <a:t>4/11/2015</a:t>
             </a:fld>
             <a:endParaRPr lang="en-US"/>
           </a:p>
@@ -4261,10 +4261,6 @@
               <a:rPr lang="en-US" sz="3100" dirty="0" smtClean="0"/>
               <a:t>Fundamental Performance Limits </a:t>
             </a:r>
-            <a:r>
-              <a:rPr lang="en-US" sz="3100" dirty="0" smtClean="0"/>
-              <a:t/>
-            </a:r>
             <a:br>
               <a:rPr lang="en-US" sz="3100" dirty="0" smtClean="0"/>
             </a:br>
@@ -4433,25 +4429,25 @@
             <p:ph sz="quarter" idx="1"/>
             <p:extLst>
               <p:ext uri="{D42A27DB-BD31-4B8C-83A1-F6EECF244321}">
-                <p14:modId xmlns:p14="http://schemas.microsoft.com/office/powerpoint/2010/main" val="4066606567"/>
+                <p14:modId xmlns:p14="http://schemas.microsoft.com/office/powerpoint/2010/main" val="2425503764"/>
               </p:ext>
             </p:extLst>
           </p:nvPr>
         </p:nvGraphicFramePr>
         <p:xfrm>
-          <a:off x="565150" y="3533058"/>
-          <a:ext cx="2166938" cy="309562"/>
+          <a:off x="565150" y="3554413"/>
+          <a:ext cx="2166938" cy="268287"/>
         </p:xfrm>
         <a:graphic>
           <a:graphicData uri="http://schemas.openxmlformats.org/presentationml/2006/ole">
             <mc:AlternateContent xmlns:mc="http://schemas.openxmlformats.org/markup-compatibility/2006">
               <mc:Choice xmlns:v="urn:schemas-microsoft-com:vml" Requires="v">
-                <p:oleObj spid="_x0000_s3177" name="Equation" r:id="rId3" imgW="1689100" imgH="241300" progId="Equation.3">
+                <p:oleObj spid="_x0000_s3191" name="Equation" r:id="rId3" imgW="1739880" imgH="215640" progId="Equation.3">
                   <p:embed/>
                 </p:oleObj>
               </mc:Choice>
               <mc:Fallback>
-                <p:oleObj name="Equation" r:id="rId3" imgW="1689100" imgH="241300" progId="Equation.3">
+                <p:oleObj name="Equation" r:id="rId3" imgW="1739880" imgH="215640" progId="Equation.3">
                   <p:embed/>
                   <p:pic>
                     <p:nvPicPr>
@@ -4467,12 +4463,17 @@
                     </p:blipFill>
                     <p:spPr>
                       <a:xfrm>
-                        <a:off x="565150" y="3533058"/>
-                        <a:ext cx="2166938" cy="309562"/>
+                        <a:off x="565150" y="3554413"/>
+                        <a:ext cx="2166938" cy="268287"/>
                       </a:xfrm>
                       <a:prstGeom prst="rect">
                         <a:avLst/>
                       </a:prstGeom>
+                      <a:ln w="28575">
+                        <a:solidFill>
+                          <a:srgbClr val="00B050"/>
+                        </a:solidFill>
+                      </a:ln>
                     </p:spPr>
                   </p:pic>
                 </p:oleObj>
@@ -4490,25 +4491,25 @@
           <p:nvPr>
             <p:extLst>
               <p:ext uri="{D42A27DB-BD31-4B8C-83A1-F6EECF244321}">
-                <p14:modId xmlns:p14="http://schemas.microsoft.com/office/powerpoint/2010/main" val="2686641589"/>
+                <p14:modId xmlns:p14="http://schemas.microsoft.com/office/powerpoint/2010/main" val="2197887271"/>
               </p:ext>
             </p:extLst>
           </p:nvPr>
         </p:nvGraphicFramePr>
         <p:xfrm>
-          <a:off x="3748580" y="3591770"/>
-          <a:ext cx="4627951" cy="301840"/>
+          <a:off x="3687763" y="3541713"/>
+          <a:ext cx="4751387" cy="269875"/>
         </p:xfrm>
         <a:graphic>
           <a:graphicData uri="http://schemas.openxmlformats.org/presentationml/2006/ole">
             <mc:AlternateContent xmlns:mc="http://schemas.openxmlformats.org/markup-compatibility/2006">
               <mc:Choice xmlns:v="urn:schemas-microsoft-com:vml" Requires="v">
-                <p:oleObj spid="_x0000_s3178" name="Equation" r:id="rId5" imgW="2895600" imgH="241300" progId="Equation.3">
+                <p:oleObj spid="_x0000_s3192" name="Equation" r:id="rId5" imgW="2971800" imgH="215640" progId="Equation.3">
                   <p:embed/>
                 </p:oleObj>
               </mc:Choice>
               <mc:Fallback>
-                <p:oleObj name="Equation" r:id="rId5" imgW="2895600" imgH="241300" progId="Equation.3">
+                <p:oleObj name="Equation" r:id="rId5" imgW="2971800" imgH="215640" progId="Equation.3">
                   <p:embed/>
                   <p:pic>
                     <p:nvPicPr>
@@ -4524,12 +4525,17 @@
                     </p:blipFill>
                     <p:spPr>
                       <a:xfrm>
-                        <a:off x="3748580" y="3591770"/>
-                        <a:ext cx="4627951" cy="301840"/>
+                        <a:off x="3687763" y="3541713"/>
+                        <a:ext cx="4751387" cy="269875"/>
                       </a:xfrm>
                       <a:prstGeom prst="rect">
                         <a:avLst/>
                       </a:prstGeom>
+                      <a:ln w="28575">
+                        <a:solidFill>
+                          <a:srgbClr val="FF0000"/>
+                        </a:solidFill>
+                      </a:ln>
                     </p:spPr>
                   </p:pic>
                 </p:oleObj>
@@ -4560,7 +4566,7 @@
           <a:graphicData uri="http://schemas.openxmlformats.org/presentationml/2006/ole">
             <mc:AlternateContent xmlns:mc="http://schemas.openxmlformats.org/markup-compatibility/2006">
               <mc:Choice xmlns:v="urn:schemas-microsoft-com:vml" Requires="v">
-                <p:oleObj spid="_x0000_s3179" name="Equation" r:id="rId7" imgW="4673520" imgH="431640" progId="Equation.3">
+                <p:oleObj spid="_x0000_s3193" name="Equation" r:id="rId7" imgW="4673520" imgH="431640" progId="Equation.3">
                   <p:embed/>
                 </p:oleObj>
               </mc:Choice>
@@ -4671,7 +4677,6 @@
               <a:rPr lang="en-US" sz="1200" dirty="0" smtClean="0"/>
               <a:t>= truth </a:t>
             </a:r>
-            <a:endParaRPr lang="en-US" sz="1200" dirty="0" smtClean="0"/>
           </a:p>
           <a:p>
             <a:r>
@@ -4694,7 +4699,6 @@
               <a:rPr lang="en-US" sz="1200" dirty="0" smtClean="0"/>
               <a:t>= shift  </a:t>
             </a:r>
-            <a:endParaRPr lang="en-US" sz="1200" dirty="0" smtClean="0"/>
           </a:p>
           <a:p>
             <a:r>
@@ -4711,11 +4715,7 @@
             </a:r>
             <a:r>
               <a:rPr lang="en-US" sz="1200" dirty="0" smtClean="0"/>
-              <a:t>= Gaussian </a:t>
-            </a:r>
-            <a:r>
-              <a:rPr lang="en-US" sz="1200" dirty="0" smtClean="0"/>
-              <a:t>noise</a:t>
+              <a:t>= Gaussian noise</a:t>
             </a:r>
           </a:p>
           <a:p>
@@ -4870,76 +4870,6 @@
       </p:sp>
       <p:cxnSp>
         <p:nvCxnSpPr>
-          <p:cNvPr id="4" name="Straight Connector 3"/>
-          <p:cNvCxnSpPr/>
-          <p:nvPr/>
-        </p:nvCxnSpPr>
-        <p:spPr>
-          <a:xfrm>
-            <a:off x="342221" y="3893610"/>
-            <a:ext cx="2635066" cy="0"/>
-          </a:xfrm>
-          <a:prstGeom prst="line">
-            <a:avLst/>
-          </a:prstGeom>
-          <a:ln>
-            <a:solidFill>
-              <a:srgbClr val="00B050"/>
-            </a:solidFill>
-          </a:ln>
-        </p:spPr>
-        <p:style>
-          <a:lnRef idx="2">
-            <a:schemeClr val="accent1"/>
-          </a:lnRef>
-          <a:fillRef idx="0">
-            <a:schemeClr val="accent1"/>
-          </a:fillRef>
-          <a:effectRef idx="1">
-            <a:schemeClr val="accent1"/>
-          </a:effectRef>
-          <a:fontRef idx="minor">
-            <a:schemeClr val="tx1"/>
-          </a:fontRef>
-        </p:style>
-      </p:cxnSp>
-      <p:cxnSp>
-        <p:nvCxnSpPr>
-          <p:cNvPr id="15" name="Straight Connector 14"/>
-          <p:cNvCxnSpPr/>
-          <p:nvPr/>
-        </p:nvCxnSpPr>
-        <p:spPr>
-          <a:xfrm>
-            <a:off x="3748580" y="3893610"/>
-            <a:ext cx="4627951" cy="0"/>
-          </a:xfrm>
-          <a:prstGeom prst="line">
-            <a:avLst/>
-          </a:prstGeom>
-          <a:ln>
-            <a:solidFill>
-              <a:srgbClr val="FF0000"/>
-            </a:solidFill>
-          </a:ln>
-        </p:spPr>
-        <p:style>
-          <a:lnRef idx="2">
-            <a:schemeClr val="accent1"/>
-          </a:lnRef>
-          <a:fillRef idx="0">
-            <a:schemeClr val="accent1"/>
-          </a:fillRef>
-          <a:effectRef idx="1">
-            <a:schemeClr val="accent1"/>
-          </a:effectRef>
-          <a:fontRef idx="minor">
-            <a:schemeClr val="tx1"/>
-          </a:fontRef>
-        </p:style>
-      </p:cxnSp>
-      <p:cxnSp>
-        <p:nvCxnSpPr>
           <p:cNvPr id="17" name="Straight Connector 16"/>
           <p:cNvCxnSpPr/>
           <p:nvPr/>
@@ -5064,7 +4994,7 @@
           <a:graphicData uri="http://schemas.openxmlformats.org/presentationml/2006/ole">
             <mc:AlternateContent xmlns:mc="http://schemas.openxmlformats.org/markup-compatibility/2006">
               <mc:Choice xmlns:v="urn:schemas-microsoft-com:vml" Requires="v">
-                <p:oleObj spid="_x0000_s3180" name="Equation" r:id="rId10" imgW="2438280" imgH="533160" progId="Equation.3">
+                <p:oleObj spid="_x0000_s3194" name="Equation" r:id="rId10" imgW="2438280" imgH="533160" progId="Equation.3">
                   <p:embed/>
                 </p:oleObj>
               </mc:Choice>
@@ -5106,6 +5036,343 @@
           </a:graphicData>
         </a:graphic>
       </p:graphicFrame>
+      <p:sp>
+        <p:nvSpPr>
+          <p:cNvPr id="3" name="Rectangle 2"/>
+          <p:cNvSpPr/>
+          <p:nvPr/>
+        </p:nvSpPr>
+        <p:spPr>
+          <a:xfrm>
+            <a:off x="2593028" y="1316736"/>
+            <a:ext cx="1671734" cy="1658916"/>
+          </a:xfrm>
+          <a:prstGeom prst="rect">
+            <a:avLst/>
+          </a:prstGeom>
+          <a:noFill/>
+          <a:ln>
+            <a:solidFill>
+              <a:srgbClr val="00B050"/>
+            </a:solidFill>
+          </a:ln>
+        </p:spPr>
+        <p:style>
+          <a:lnRef idx="2">
+            <a:schemeClr val="accent1">
+              <a:shade val="50000"/>
+            </a:schemeClr>
+          </a:lnRef>
+          <a:fillRef idx="1">
+            <a:schemeClr val="accent1"/>
+          </a:fillRef>
+          <a:effectRef idx="0">
+            <a:schemeClr val="accent1"/>
+          </a:effectRef>
+          <a:fontRef idx="minor">
+            <a:schemeClr val="lt1"/>
+          </a:fontRef>
+        </p:style>
+        <p:txBody>
+          <a:bodyPr rtlCol="0" anchor="ctr"/>
+          <a:lstStyle/>
+          <a:p>
+            <a:pPr algn="ctr"/>
+            <a:endParaRPr lang="en-US"/>
+          </a:p>
+        </p:txBody>
+      </p:sp>
+      <p:sp>
+        <p:nvSpPr>
+          <p:cNvPr id="20" name="Rectangle 19"/>
+          <p:cNvSpPr/>
+          <p:nvPr/>
+        </p:nvSpPr>
+        <p:spPr>
+          <a:xfrm>
+            <a:off x="4632750" y="1316736"/>
+            <a:ext cx="1671734" cy="1658916"/>
+          </a:xfrm>
+          <a:prstGeom prst="rect">
+            <a:avLst/>
+          </a:prstGeom>
+          <a:noFill/>
+          <a:ln>
+            <a:solidFill>
+              <a:srgbClr val="FF0000"/>
+            </a:solidFill>
+          </a:ln>
+        </p:spPr>
+        <p:style>
+          <a:lnRef idx="2">
+            <a:schemeClr val="accent1">
+              <a:shade val="50000"/>
+            </a:schemeClr>
+          </a:lnRef>
+          <a:fillRef idx="1">
+            <a:schemeClr val="accent1"/>
+          </a:fillRef>
+          <a:effectRef idx="0">
+            <a:schemeClr val="accent1"/>
+          </a:effectRef>
+          <a:fontRef idx="minor">
+            <a:schemeClr val="lt1"/>
+          </a:fontRef>
+        </p:style>
+        <p:txBody>
+          <a:bodyPr rtlCol="0" anchor="ctr"/>
+          <a:lstStyle/>
+          <a:p>
+            <a:pPr algn="ctr"/>
+            <a:endParaRPr lang="en-US"/>
+          </a:p>
+        </p:txBody>
+      </p:sp>
+      <p:cxnSp>
+        <p:nvCxnSpPr>
+          <p:cNvPr id="22" name="Straight Connector 21"/>
+          <p:cNvCxnSpPr/>
+          <p:nvPr/>
+        </p:nvCxnSpPr>
+        <p:spPr>
+          <a:xfrm>
+            <a:off x="3869866" y="5895539"/>
+            <a:ext cx="2434618" cy="0"/>
+          </a:xfrm>
+          <a:prstGeom prst="line">
+            <a:avLst/>
+          </a:prstGeom>
+          <a:ln>
+            <a:solidFill>
+              <a:srgbClr val="FF0000"/>
+            </a:solidFill>
+          </a:ln>
+        </p:spPr>
+        <p:style>
+          <a:lnRef idx="2">
+            <a:schemeClr val="accent1"/>
+          </a:lnRef>
+          <a:fillRef idx="0">
+            <a:schemeClr val="accent1"/>
+          </a:fillRef>
+          <a:effectRef idx="1">
+            <a:schemeClr val="accent1"/>
+          </a:effectRef>
+          <a:fontRef idx="minor">
+            <a:schemeClr val="tx1"/>
+          </a:fontRef>
+        </p:style>
+      </p:cxnSp>
+      <p:graphicFrame>
+        <p:nvGraphicFramePr>
+          <p:cNvPr id="11" name="Object 10"/>
+          <p:cNvGraphicFramePr>
+            <a:graphicFrameLocks noChangeAspect="1"/>
+          </p:cNvGraphicFramePr>
+          <p:nvPr>
+            <p:extLst>
+              <p:ext uri="{D42A27DB-BD31-4B8C-83A1-F6EECF244321}">
+                <p14:modId xmlns:p14="http://schemas.microsoft.com/office/powerpoint/2010/main" val="1128657514"/>
+              </p:ext>
+            </p:extLst>
+          </p:nvPr>
+        </p:nvGraphicFramePr>
+        <p:xfrm>
+          <a:off x="3208778" y="5091508"/>
+          <a:ext cx="520700" cy="215900"/>
+        </p:xfrm>
+        <a:graphic>
+          <a:graphicData uri="http://schemas.openxmlformats.org/presentationml/2006/ole">
+            <mc:AlternateContent xmlns:mc="http://schemas.openxmlformats.org/markup-compatibility/2006">
+              <mc:Choice xmlns:v="urn:schemas-microsoft-com:vml" Requires="v">
+                <p:oleObj spid="_x0000_s3195" name="Equation" r:id="rId12" imgW="520560" imgH="215640" progId="Equation.3">
+                  <p:embed/>
+                </p:oleObj>
+              </mc:Choice>
+              <mc:Fallback>
+                <p:oleObj name="Equation" r:id="rId12" imgW="520560" imgH="215640" progId="Equation.3">
+                  <p:embed/>
+                  <p:pic>
+                    <p:nvPicPr>
+                      <p:cNvPr id="0" name=""/>
+                      <p:cNvPicPr/>
+                      <p:nvPr/>
+                    </p:nvPicPr>
+                    <p:blipFill>
+                      <a:blip r:embed="rId13"/>
+                      <a:stretch>
+                        <a:fillRect/>
+                      </a:stretch>
+                    </p:blipFill>
+                    <p:spPr>
+                      <a:xfrm>
+                        <a:off x="3208778" y="5091508"/>
+                        <a:ext cx="520700" cy="215900"/>
+                      </a:xfrm>
+                      <a:prstGeom prst="rect">
+                        <a:avLst/>
+                      </a:prstGeom>
+                      <a:ln>
+                        <a:solidFill>
+                          <a:srgbClr val="00B050"/>
+                        </a:solidFill>
+                      </a:ln>
+                    </p:spPr>
+                  </p:pic>
+                </p:oleObj>
+              </mc:Fallback>
+            </mc:AlternateContent>
+          </a:graphicData>
+        </a:graphic>
+      </p:graphicFrame>
+      <p:graphicFrame>
+        <p:nvGraphicFramePr>
+          <p:cNvPr id="16" name="Object 15"/>
+          <p:cNvGraphicFramePr>
+            <a:graphicFrameLocks noChangeAspect="1"/>
+          </p:cNvGraphicFramePr>
+          <p:nvPr>
+            <p:extLst>
+              <p:ext uri="{D42A27DB-BD31-4B8C-83A1-F6EECF244321}">
+                <p14:modId xmlns:p14="http://schemas.microsoft.com/office/powerpoint/2010/main" val="2509461750"/>
+              </p:ext>
+            </p:extLst>
+          </p:nvPr>
+        </p:nvGraphicFramePr>
+        <p:xfrm>
+          <a:off x="5894457" y="5057777"/>
+          <a:ext cx="533400" cy="215900"/>
+        </p:xfrm>
+        <a:graphic>
+          <a:graphicData uri="http://schemas.openxmlformats.org/presentationml/2006/ole">
+            <mc:AlternateContent xmlns:mc="http://schemas.openxmlformats.org/markup-compatibility/2006">
+              <mc:Choice xmlns:v="urn:schemas-microsoft-com:vml" Requires="v">
+                <p:oleObj spid="_x0000_s3196" name="Equation" r:id="rId14" imgW="533160" imgH="215640" progId="Equation.3">
+                  <p:embed/>
+                </p:oleObj>
+              </mc:Choice>
+              <mc:Fallback>
+                <p:oleObj name="Equation" r:id="rId14" imgW="533160" imgH="215640" progId="Equation.3">
+                  <p:embed/>
+                  <p:pic>
+                    <p:nvPicPr>
+                      <p:cNvPr id="0" name=""/>
+                      <p:cNvPicPr/>
+                      <p:nvPr/>
+                    </p:nvPicPr>
+                    <p:blipFill>
+                      <a:blip r:embed="rId15"/>
+                      <a:stretch>
+                        <a:fillRect/>
+                      </a:stretch>
+                    </p:blipFill>
+                    <p:spPr>
+                      <a:xfrm>
+                        <a:off x="5894457" y="5057777"/>
+                        <a:ext cx="533400" cy="215900"/>
+                      </a:xfrm>
+                      <a:prstGeom prst="rect">
+                        <a:avLst/>
+                      </a:prstGeom>
+                      <a:ln>
+                        <a:solidFill>
+                          <a:srgbClr val="FF0000"/>
+                        </a:solidFill>
+                      </a:ln>
+                    </p:spPr>
+                  </p:pic>
+                </p:oleObj>
+              </mc:Fallback>
+            </mc:AlternateContent>
+          </a:graphicData>
+        </a:graphic>
+      </p:graphicFrame>
+      <p:sp>
+        <p:nvSpPr>
+          <p:cNvPr id="18" name="Left Brace 17"/>
+          <p:cNvSpPr/>
+          <p:nvPr/>
+        </p:nvSpPr>
+        <p:spPr>
+          <a:xfrm rot="16200000">
+            <a:off x="3415699" y="4133294"/>
+            <a:ext cx="106859" cy="1752201"/>
+          </a:xfrm>
+          <a:prstGeom prst="leftBrace">
+            <a:avLst/>
+          </a:prstGeom>
+          <a:ln>
+            <a:solidFill>
+              <a:srgbClr val="00B050"/>
+            </a:solidFill>
+          </a:ln>
+        </p:spPr>
+        <p:style>
+          <a:lnRef idx="1">
+            <a:schemeClr val="accent1"/>
+          </a:lnRef>
+          <a:fillRef idx="0">
+            <a:schemeClr val="accent1"/>
+          </a:fillRef>
+          <a:effectRef idx="0">
+            <a:schemeClr val="accent1"/>
+          </a:effectRef>
+          <a:fontRef idx="minor">
+            <a:schemeClr val="tx1"/>
+          </a:fontRef>
+        </p:style>
+        <p:txBody>
+          <a:bodyPr rtlCol="0" anchor="ctr"/>
+          <a:lstStyle/>
+          <a:p>
+            <a:pPr algn="ctr"/>
+            <a:endParaRPr lang="en-US"/>
+          </a:p>
+        </p:txBody>
+      </p:sp>
+      <p:sp>
+        <p:nvSpPr>
+          <p:cNvPr id="27" name="Left Brace 26"/>
+          <p:cNvSpPr/>
+          <p:nvPr/>
+        </p:nvSpPr>
+        <p:spPr>
+          <a:xfrm rot="16200000">
+            <a:off x="6099727" y="3688685"/>
+            <a:ext cx="106859" cy="2631324"/>
+          </a:xfrm>
+          <a:prstGeom prst="leftBrace">
+            <a:avLst/>
+          </a:prstGeom>
+          <a:ln>
+            <a:solidFill>
+              <a:srgbClr val="FF0000"/>
+            </a:solidFill>
+          </a:ln>
+        </p:spPr>
+        <p:style>
+          <a:lnRef idx="1">
+            <a:schemeClr val="accent1"/>
+          </a:lnRef>
+          <a:fillRef idx="0">
+            <a:schemeClr val="accent1"/>
+          </a:fillRef>
+          <a:effectRef idx="0">
+            <a:schemeClr val="accent1"/>
+          </a:effectRef>
+          <a:fontRef idx="minor">
+            <a:schemeClr val="tx1"/>
+          </a:fontRef>
+        </p:style>
+        <p:txBody>
+          <a:bodyPr rtlCol="0" anchor="ctr"/>
+          <a:lstStyle/>
+          <a:p>
+            <a:pPr algn="ctr"/>
+            <a:endParaRPr lang="en-US"/>
+          </a:p>
+        </p:txBody>
+      </p:sp>
     </p:spTree>
     <p:extLst>
       <p:ext uri="{BB962C8B-B14F-4D97-AF65-F5344CB8AC3E}">
@@ -5165,11 +5432,7 @@
             </a:r>
             <a:r>
               <a:rPr lang="en-US" dirty="0" smtClean="0"/>
-              <a:t> = </a:t>
-            </a:r>
-            <a:r>
-              <a:rPr lang="en-US" dirty="0" smtClean="0"/>
-              <a:t>FIM (Fisher Information)</a:t>
+              <a:t> = FIM (Fisher Information)</a:t>
             </a:r>
             <a:endParaRPr lang="en-US" dirty="0"/>
           </a:p>
@@ -6076,7 +6339,7 @@
         <p:spPr>
           <a:xfrm>
             <a:off x="848540" y="1417638"/>
-            <a:ext cx="2549224" cy="369332"/>
+            <a:ext cx="3429144" cy="369332"/>
           </a:xfrm>
           <a:prstGeom prst="rect">
             <a:avLst/>
@@ -6091,7 +6354,11 @@
           <a:p>
             <a:r>
               <a:rPr lang="en-US" dirty="0" smtClean="0"/>
-              <a:t>Gradient of log likelihood</a:t>
+              <a:t>Second partials of </a:t>
+            </a:r>
+            <a:r>
+              <a:rPr lang="en-US" dirty="0" smtClean="0"/>
+              <a:t>log likelihood</a:t>
             </a:r>
             <a:endParaRPr lang="en-US" dirty="0"/>
           </a:p>
@@ -6139,7 +6406,7 @@
         <p:spPr>
           <a:xfrm>
             <a:off x="848540" y="2999232"/>
-            <a:ext cx="2677400" cy="369332"/>
+            <a:ext cx="3634328" cy="369332"/>
           </a:xfrm>
           <a:prstGeom prst="rect">
             <a:avLst/>
@@ -6154,7 +6421,11 @@
           <a:p>
             <a:r>
               <a:rPr lang="en-US" dirty="0" smtClean="0"/>
-              <a:t>Expected value of gradient</a:t>
+              <a:t>Expected value of </a:t>
+            </a:r>
+            <a:r>
+              <a:rPr lang="en-US" dirty="0" smtClean="0"/>
+              <a:t>second partials</a:t>
             </a:r>
             <a:endParaRPr lang="en-US" dirty="0"/>
           </a:p>
@@ -8685,18 +8956,14 @@
           <a:p>
             <a:r>
               <a:rPr lang="en-US" dirty="0" smtClean="0"/>
-              <a:t>The FIM </a:t>
-            </a:r>
-            <a:r>
-              <a:rPr lang="en-US" dirty="0" smtClean="0"/>
-              <a:t>is  </a:t>
+              <a:t>The FIM is  </a:t>
             </a:r>
             <a:endParaRPr lang="en-US" dirty="0"/>
           </a:p>
         </p:txBody>
       </p:sp>
-      <mc:AlternateContent xmlns:mc="http://schemas.openxmlformats.org/markup-compatibility/2006">
-        <mc:Choice xmlns:a14="http://schemas.microsoft.com/office/drawing/2010/main" Requires="a14">
+      <mc:AlternateContent xmlns:mc="http://schemas.openxmlformats.org/markup-compatibility/2006" xmlns:a14="http://schemas.microsoft.com/office/drawing/2010/main">
+        <mc:Choice Requires="a14">
           <p:sp>
             <p:nvSpPr>
               <p:cNvPr id="4" name="TextBox 3"/>
@@ -8950,7 +9217,7 @@
             </p:txBody>
           </p:sp>
         </mc:Choice>
-        <mc:Fallback>
+        <mc:Fallback xmlns="">
           <p:sp>
             <p:nvSpPr>
               <p:cNvPr id="4" name="TextBox 3"/>
@@ -9992,8 +10259,8 @@
             </p:nvSpPr>
             <p:spPr>
               <a:xfrm>
-                <a:off x="4695558" y="3240634"/>
-                <a:ext cx="3567451" cy="369332"/>
+                <a:off x="4227385" y="3240634"/>
+                <a:ext cx="4765792" cy="369332"/>
               </a:xfrm>
               <a:prstGeom prst="rect">
                 <a:avLst/>
@@ -10113,6 +10380,25 @@
                         </a:rPr>
                         <m:t>𝐶𝑅𝐿𝐵</m:t>
                       </m:r>
+                      <m:r>
+                        <a:rPr lang="en-US" b="0" i="1" smtClean="0">
+                          <a:latin typeface="Cambria Math"/>
+                          <a:ea typeface="Cambria Math"/>
+                        </a:rPr>
+                        <m:t> (</m:t>
+                      </m:r>
+                      <m:r>
+                        <a:rPr lang="en-US" i="1">
+                          <a:latin typeface="Cambria Math"/>
+                        </a:rPr>
+                        <m:t>𝑢𝑛𝑏𝑖𝑎𝑠𝑒𝑑</m:t>
+                      </m:r>
+                      <m:r>
+                        <a:rPr lang="en-US" b="0" i="1" smtClean="0">
+                          <a:latin typeface="Cambria Math"/>
+                        </a:rPr>
+                        <m:t>)</m:t>
+                      </m:r>
                     </m:oMath>
                   </m:oMathPara>
                 </a14:m>
@@ -10132,8 +10418,8 @@
             </p:nvSpPr>
             <p:spPr>
               <a:xfrm>
-                <a:off x="4695558" y="3240634"/>
-                <a:ext cx="3567451" cy="369332"/>
+                <a:off x="4227385" y="3240634"/>
+                <a:ext cx="4765792" cy="369332"/>
               </a:xfrm>
               <a:prstGeom prst="rect">
                 <a:avLst/>
@@ -10141,7 +10427,7 @@
               <a:blipFill rotWithShape="1">
                 <a:blip r:embed="rId8"/>
                 <a:stretch>
-                  <a:fillRect b="-11667"/>
+                  <a:fillRect b="-15000"/>
                 </a:stretch>
               </a:blipFill>
             </p:spPr>
@@ -10267,8 +10553,8 @@
           </a:extLst>
         </p:spPr>
       </p:pic>
-      <mc:AlternateContent xmlns:mc="http://schemas.openxmlformats.org/markup-compatibility/2006">
-        <mc:Choice xmlns:a14="http://schemas.microsoft.com/office/drawing/2010/main" Requires="a14">
+      <mc:AlternateContent xmlns:mc="http://schemas.openxmlformats.org/markup-compatibility/2006" xmlns:a14="http://schemas.microsoft.com/office/drawing/2010/main">
+        <mc:Choice Requires="a14">
           <p:sp>
             <p:nvSpPr>
               <p:cNvPr id="3" name="TextBox 2"/>
@@ -10360,12 +10646,11 @@
                   <a:rPr lang="en-US" dirty="0"/>
                   <a:t>)</a:t>
                 </a:r>
-                <a:endParaRPr lang="en-US" dirty="0"/>
               </a:p>
             </p:txBody>
           </p:sp>
         </mc:Choice>
-        <mc:Fallback>
+        <mc:Fallback xmlns="">
           <p:sp>
             <p:nvSpPr>
               <p:cNvPr id="3" name="TextBox 2"/>
@@ -10786,7 +11071,6 @@
               <a:rPr lang="en-US" dirty="0" smtClean="0"/>
               <a:t>Example Application of Performance Limits</a:t>
             </a:r>
-            <a:endParaRPr lang="en-US" dirty="0" smtClean="0"/>
           </a:p>
           <a:p>
             <a:r>
@@ -10869,15 +11153,7 @@
           <a:p>
             <a:r>
               <a:rPr lang="en-US" sz="2800" dirty="0" smtClean="0"/>
-              <a:t>Robotic </a:t>
-            </a:r>
-            <a:r>
-              <a:rPr lang="en-US" sz="2800" dirty="0" smtClean="0"/>
-              <a:t>Helicopter to</a:t>
-            </a:r>
-            <a:r>
-              <a:rPr lang="en-US" sz="2800" dirty="0" smtClean="0"/>
-              <a:t/>
+              <a:t>Robotic Helicopter to</a:t>
             </a:r>
             <a:br>
               <a:rPr lang="en-US" sz="2800" dirty="0" smtClean="0"/>
@@ -10921,13 +11197,8 @@
             <a:pPr lvl="1"/>
             <a:r>
               <a:rPr lang="en-US" sz="2000" dirty="0" smtClean="0"/>
-              <a:t>Fly through damaged </a:t>
-            </a:r>
-            <a:r>
-              <a:rPr lang="en-US" sz="2000" dirty="0" smtClean="0"/>
-              <a:t>buildings</a:t>
-            </a:r>
-            <a:endParaRPr lang="en-US" sz="2000" dirty="0" smtClean="0"/>
+              <a:t>Fly through damaged buildings</a:t>
+            </a:r>
           </a:p>
           <a:p>
             <a:r>
@@ -10968,11 +11239,7 @@
             <a:pPr lvl="1"/>
             <a:r>
               <a:rPr lang="en-US" sz="2000" dirty="0" smtClean="0"/>
-              <a:t>Fly through 3D </a:t>
-            </a:r>
-            <a:r>
-              <a:rPr lang="en-US" sz="2000" dirty="0" smtClean="0"/>
-              <a:t>model</a:t>
+              <a:t>Fly through 3D model</a:t>
             </a:r>
             <a:endParaRPr lang="en-US" sz="2400" dirty="0" smtClean="0"/>
           </a:p>
@@ -10986,22 +11253,13 @@
             <a:pPr lvl="1"/>
             <a:r>
               <a:rPr lang="en-US" sz="2000" b="1" i="1" u="sng" dirty="0" smtClean="0"/>
-              <a:t>Image </a:t>
-            </a:r>
-            <a:r>
-              <a:rPr lang="en-US" sz="2000" b="1" i="1" u="sng" dirty="0" smtClean="0"/>
-              <a:t>registration</a:t>
-            </a:r>
-            <a:endParaRPr lang="en-US" sz="2000" b="1" i="1" u="sng" dirty="0" smtClean="0"/>
+              <a:t>Image registration</a:t>
+            </a:r>
           </a:p>
           <a:p>
             <a:r>
               <a:rPr lang="en-US" sz="2400" dirty="0" smtClean="0"/>
-              <a:t>Issue</a:t>
-            </a:r>
-            <a:r>
-              <a:rPr lang="en-US" sz="2400" dirty="0" smtClean="0"/>
-              <a:t>: </a:t>
+              <a:t>Issue: </a:t>
             </a:r>
             <a:r>
               <a:rPr lang="en-US" sz="2000" dirty="0" smtClean="0"/>
@@ -11038,11 +11296,7 @@
           <a:p>
             <a:r>
               <a:rPr lang="en-US" sz="2400" dirty="0" smtClean="0"/>
-              <a:t>Decision: </a:t>
-            </a:r>
-            <a:r>
-              <a:rPr lang="en-US" sz="2400" dirty="0" smtClean="0"/>
-              <a:t>Will or will not helicopter</a:t>
+              <a:t>Decision: Will or will not helicopter</a:t>
             </a:r>
             <a:endParaRPr lang="en-US" sz="2000" dirty="0" smtClean="0"/>
           </a:p>
@@ -11050,11 +11304,7 @@
             <a:pPr lvl="1"/>
             <a:r>
               <a:rPr lang="en-US" sz="2100" b="1" i="1" u="sng" dirty="0" smtClean="0"/>
-              <a:t>successfully </a:t>
-            </a:r>
-            <a:r>
-              <a:rPr lang="en-US" sz="2100" b="1" i="1" u="sng" dirty="0" smtClean="0"/>
-              <a:t>perform inspection?</a:t>
+              <a:t>successfully perform inspection?</a:t>
             </a:r>
           </a:p>
         </p:txBody>
@@ -12127,17 +12377,12 @@
           <a:p>
             <a:r>
               <a:rPr lang="en-US" sz="2800" dirty="0" smtClean="0"/>
-              <a:t>How accurate</a:t>
-            </a:r>
-            <a:r>
-              <a:rPr lang="en-US" sz="2800" dirty="0" smtClean="0"/>
-              <a:t>? </a:t>
+              <a:t>How accurate? </a:t>
             </a:r>
             <a:r>
               <a:rPr lang="en-US" sz="2800" b="1" i="1" dirty="0" smtClean="0"/>
               <a:t>Bias</a:t>
             </a:r>
-            <a:endParaRPr lang="en-US" sz="2800" b="1" i="1" dirty="0" smtClean="0"/>
           </a:p>
           <a:p>
             <a:pPr lvl="1"/>
@@ -12155,7 +12400,6 @@
               <a:rPr lang="en-US" sz="2800" b="1" i="1" dirty="0" smtClean="0"/>
               <a:t>Variance</a:t>
             </a:r>
-            <a:endParaRPr lang="en-US" sz="2800" b="1" i="1" dirty="0" smtClean="0"/>
           </a:p>
           <a:p>
             <a:pPr lvl="1"/>
@@ -12167,17 +12411,12 @@
           <a:p>
             <a:r>
               <a:rPr lang="en-US" sz="2800" dirty="0" smtClean="0"/>
-              <a:t>What is best</a:t>
-            </a:r>
-            <a:r>
-              <a:rPr lang="en-US" sz="2800" dirty="0" smtClean="0"/>
-              <a:t>? </a:t>
+              <a:t>What is best? </a:t>
             </a:r>
             <a:r>
               <a:rPr lang="en-US" sz="2800" b="1" i="1" dirty="0" smtClean="0"/>
               <a:t>Optimal</a:t>
             </a:r>
-            <a:endParaRPr lang="en-US" sz="2800" b="1" i="1" dirty="0" smtClean="0"/>
           </a:p>
           <a:p>
             <a:pPr lvl="1"/>
@@ -12366,23 +12605,7 @@
           <a:p>
             <a:r>
               <a:rPr lang="en-US" sz="2400" dirty="0" smtClean="0"/>
-              <a:t>Navigation Errors </a:t>
-            </a:r>
-            <a:r>
-              <a:rPr lang="en-US" sz="2400" dirty="0" smtClean="0"/>
-              <a:t>due to Image </a:t>
-            </a:r>
-            <a:r>
-              <a:rPr lang="en-US" sz="2400" dirty="0" smtClean="0"/>
-              <a:t>Registration </a:t>
-            </a:r>
-            <a:r>
-              <a:rPr lang="en-US" sz="2400" dirty="0" smtClean="0"/>
-              <a:t>Errors</a:t>
-            </a:r>
-            <a:r>
-              <a:rPr lang="en-US" sz="2400" dirty="0" smtClean="0"/>
-              <a:t/>
+              <a:t>Navigation Errors due to Image Registration Errors</a:t>
             </a:r>
             <a:br>
               <a:rPr lang="en-US" sz="2400" dirty="0" smtClean="0"/>
@@ -13199,15 +13422,7 @@
                   <a:schemeClr val="tx1"/>
                 </a:solidFill>
               </a:rPr>
-              <a:t>Collides </a:t>
-            </a:r>
-            <a:r>
-              <a:rPr lang="en-US" sz="1200" dirty="0" smtClean="0">
-                <a:solidFill>
-                  <a:schemeClr val="tx1"/>
-                </a:solidFill>
-              </a:rPr>
-              <a:t>with Wall</a:t>
+              <a:t>Collides with Wall</a:t>
             </a:r>
             <a:endParaRPr lang="en-US" sz="1200" dirty="0">
               <a:solidFill>
@@ -13262,15 +13477,7 @@
                   <a:schemeClr val="tx1"/>
                 </a:solidFill>
               </a:rPr>
-              <a:t>Enters </a:t>
-            </a:r>
-            <a:r>
-              <a:rPr lang="en-US" sz="1200" dirty="0" smtClean="0">
-                <a:solidFill>
-                  <a:schemeClr val="tx1"/>
-                </a:solidFill>
-              </a:rPr>
-              <a:t>Room 2</a:t>
+              <a:t>Enters Room 2</a:t>
             </a:r>
             <a:endParaRPr lang="en-US" sz="1200" dirty="0">
               <a:solidFill>
@@ -13746,11 +13953,7 @@
           <a:p>
             <a:r>
               <a:rPr lang="en-US" dirty="0" smtClean="0"/>
-              <a:t>Room </a:t>
-            </a:r>
-            <a:r>
-              <a:rPr lang="en-US" dirty="0" smtClean="0"/>
-              <a:t>2</a:t>
+              <a:t>Room 2</a:t>
             </a:r>
             <a:endParaRPr lang="en-US" dirty="0"/>
           </a:p>
@@ -13978,11 +14181,7 @@
             </a:br>
             <a:r>
               <a:rPr lang="en-US" sz="2400" dirty="0" smtClean="0"/>
-              <a:t>Cramer-Rao </a:t>
-            </a:r>
-            <a:r>
-              <a:rPr lang="en-US" sz="2400" dirty="0" smtClean="0"/>
-              <a:t>Lower Bound (CRLB)</a:t>
+              <a:t>Cramer-Rao Lower Bound (CRLB)</a:t>
             </a:r>
             <a:endParaRPr lang="en-US" sz="2400" dirty="0"/>
           </a:p>
@@ -14441,7 +14640,7 @@
           <a:graphicData uri="http://schemas.openxmlformats.org/presentationml/2006/ole">
             <mc:AlternateContent xmlns:mc="http://schemas.openxmlformats.org/markup-compatibility/2006">
               <mc:Choice xmlns:v="urn:schemas-microsoft-com:vml" Requires="v">
-                <p:oleObj spid="_x0000_s2178" name="Equation" r:id="rId4" imgW="469900" imgH="254000" progId="Equation.3">
+                <p:oleObj spid="_x0000_s2190" name="Equation" r:id="rId4" imgW="469900" imgH="254000" progId="Equation.3">
                   <p:embed/>
                 </p:oleObj>
               </mc:Choice>
@@ -14498,7 +14697,7 @@
           <a:graphicData uri="http://schemas.openxmlformats.org/presentationml/2006/ole">
             <mc:AlternateContent xmlns:mc="http://schemas.openxmlformats.org/markup-compatibility/2006">
               <mc:Choice xmlns:v="urn:schemas-microsoft-com:vml" Requires="v">
-                <p:oleObj spid="_x0000_s2179" name="Equation" r:id="rId6" imgW="482600" imgH="254000" progId="Equation.3">
+                <p:oleObj spid="_x0000_s2191" name="Equation" r:id="rId6" imgW="482600" imgH="254000" progId="Equation.3">
                   <p:embed/>
                 </p:oleObj>
               </mc:Choice>
@@ -14555,7 +14754,7 @@
           <a:graphicData uri="http://schemas.openxmlformats.org/presentationml/2006/ole">
             <mc:AlternateContent xmlns:mc="http://schemas.openxmlformats.org/markup-compatibility/2006">
               <mc:Choice xmlns:v="urn:schemas-microsoft-com:vml" Requires="v">
-                <p:oleObj spid="_x0000_s2180" name="Equation" r:id="rId8" imgW="127000" imgH="177800" progId="Equation.3">
+                <p:oleObj spid="_x0000_s2192" name="Equation" r:id="rId8" imgW="127000" imgH="177800" progId="Equation.3">
                   <p:embed/>
                 </p:oleObj>
               </mc:Choice>
@@ -14708,7 +14907,7 @@
           <a:graphicData uri="http://schemas.openxmlformats.org/presentationml/2006/ole">
             <mc:AlternateContent xmlns:mc="http://schemas.openxmlformats.org/markup-compatibility/2006">
               <mc:Choice xmlns:v="urn:schemas-microsoft-com:vml" Requires="v">
-                <p:oleObj spid="_x0000_s2181" name="Equation" r:id="rId10" imgW="2323800" imgH="660240" progId="Equation.3">
+                <p:oleObj spid="_x0000_s2193" name="Equation" r:id="rId10" imgW="2323800" imgH="660240" progId="Equation.3">
                   <p:embed/>
                 </p:oleObj>
               </mc:Choice>
@@ -14952,7 +15151,7 @@
           <a:graphicData uri="http://schemas.openxmlformats.org/presentationml/2006/ole">
             <mc:AlternateContent xmlns:mc="http://schemas.openxmlformats.org/markup-compatibility/2006">
               <mc:Choice xmlns:v="urn:schemas-microsoft-com:vml" Requires="v">
-                <p:oleObj spid="_x0000_s4124" name="Equation" r:id="rId3" imgW="2323800" imgH="660240" progId="Equation.3">
+                <p:oleObj spid="_x0000_s4127" name="Equation" r:id="rId3" imgW="2323800" imgH="660240" progId="Equation.3">
                   <p:embed/>
                 </p:oleObj>
               </mc:Choice>
@@ -16046,11 +16245,7 @@
           <a:p>
             <a:r>
               <a:rPr lang="en-US" sz="1200" dirty="0" smtClean="0"/>
-              <a:t>MSE = Mean </a:t>
-            </a:r>
-            <a:r>
-              <a:rPr lang="en-US" sz="1200" dirty="0" smtClean="0"/>
-              <a:t>Square Error: Measure of Registration Error</a:t>
+              <a:t>MSE = Mean Square Error: Measure of Registration Error</a:t>
             </a:r>
             <a:endParaRPr lang="en-US" sz="1200" dirty="0"/>
           </a:p>

--- a/Presentation/CS679Presentation2.pptx
+++ b/Presentation/CS679Presentation2.pptx
@@ -4442,7 +4442,7 @@
           <a:graphicData uri="http://schemas.openxmlformats.org/presentationml/2006/ole">
             <mc:AlternateContent xmlns:mc="http://schemas.openxmlformats.org/markup-compatibility/2006">
               <mc:Choice xmlns:v="urn:schemas-microsoft-com:vml" Requires="v">
-                <p:oleObj spid="_x0000_s3191" name="Equation" r:id="rId3" imgW="1739880" imgH="215640" progId="Equation.3">
+                <p:oleObj spid="_x0000_s3197" name="Equation" r:id="rId3" imgW="1739880" imgH="215640" progId="Equation.3">
                   <p:embed/>
                 </p:oleObj>
               </mc:Choice>
@@ -4504,7 +4504,7 @@
           <a:graphicData uri="http://schemas.openxmlformats.org/presentationml/2006/ole">
             <mc:AlternateContent xmlns:mc="http://schemas.openxmlformats.org/markup-compatibility/2006">
               <mc:Choice xmlns:v="urn:schemas-microsoft-com:vml" Requires="v">
-                <p:oleObj spid="_x0000_s3192" name="Equation" r:id="rId5" imgW="2971800" imgH="215640" progId="Equation.3">
+                <p:oleObj spid="_x0000_s3198" name="Equation" r:id="rId5" imgW="2971800" imgH="215640" progId="Equation.3">
                   <p:embed/>
                 </p:oleObj>
               </mc:Choice>
@@ -4566,7 +4566,7 @@
           <a:graphicData uri="http://schemas.openxmlformats.org/presentationml/2006/ole">
             <mc:AlternateContent xmlns:mc="http://schemas.openxmlformats.org/markup-compatibility/2006">
               <mc:Choice xmlns:v="urn:schemas-microsoft-com:vml" Requires="v">
-                <p:oleObj spid="_x0000_s3193" name="Equation" r:id="rId7" imgW="4673520" imgH="431640" progId="Equation.3">
+                <p:oleObj spid="_x0000_s3199" name="Equation" r:id="rId7" imgW="4673520" imgH="431640" progId="Equation.3">
                   <p:embed/>
                 </p:oleObj>
               </mc:Choice>
@@ -4994,7 +4994,7 @@
           <a:graphicData uri="http://schemas.openxmlformats.org/presentationml/2006/ole">
             <mc:AlternateContent xmlns:mc="http://schemas.openxmlformats.org/markup-compatibility/2006">
               <mc:Choice xmlns:v="urn:schemas-microsoft-com:vml" Requires="v">
-                <p:oleObj spid="_x0000_s3194" name="Equation" r:id="rId10" imgW="2438280" imgH="533160" progId="Equation.3">
+                <p:oleObj spid="_x0000_s3200" name="Equation" r:id="rId10" imgW="2438280" imgH="533160" progId="Equation.3">
                   <p:embed/>
                 </p:oleObj>
               </mc:Choice>
@@ -5185,7 +5185,7 @@
           <a:graphicData uri="http://schemas.openxmlformats.org/presentationml/2006/ole">
             <mc:AlternateContent xmlns:mc="http://schemas.openxmlformats.org/markup-compatibility/2006">
               <mc:Choice xmlns:v="urn:schemas-microsoft-com:vml" Requires="v">
-                <p:oleObj spid="_x0000_s3195" name="Equation" r:id="rId12" imgW="520560" imgH="215640" progId="Equation.3">
+                <p:oleObj spid="_x0000_s3201" name="Equation" r:id="rId12" imgW="520560" imgH="215640" progId="Equation.3">
                   <p:embed/>
                 </p:oleObj>
               </mc:Choice>
@@ -5247,7 +5247,7 @@
           <a:graphicData uri="http://schemas.openxmlformats.org/presentationml/2006/ole">
             <mc:AlternateContent xmlns:mc="http://schemas.openxmlformats.org/markup-compatibility/2006">
               <mc:Choice xmlns:v="urn:schemas-microsoft-com:vml" Requires="v">
-                <p:oleObj spid="_x0000_s3196" name="Equation" r:id="rId14" imgW="533160" imgH="215640" progId="Equation.3">
+                <p:oleObj spid="_x0000_s3202" name="Equation" r:id="rId14" imgW="533160" imgH="215640" progId="Equation.3">
                   <p:embed/>
                 </p:oleObj>
               </mc:Choice>
@@ -6354,11 +6354,7 @@
           <a:p>
             <a:r>
               <a:rPr lang="en-US" dirty="0" smtClean="0"/>
-              <a:t>Second partials of </a:t>
-            </a:r>
-            <a:r>
-              <a:rPr lang="en-US" dirty="0" smtClean="0"/>
-              <a:t>log likelihood</a:t>
+              <a:t>Second partials of log likelihood</a:t>
             </a:r>
             <a:endParaRPr lang="en-US" dirty="0"/>
           </a:p>
@@ -6421,11 +6417,7 @@
           <a:p>
             <a:r>
               <a:rPr lang="en-US" dirty="0" smtClean="0"/>
-              <a:t>Expected value of </a:t>
-            </a:r>
-            <a:r>
-              <a:rPr lang="en-US" dirty="0" smtClean="0"/>
-              <a:t>second partials</a:t>
+              <a:t>Expected value of second partials</a:t>
             </a:r>
             <a:endParaRPr lang="en-US" dirty="0"/>
           </a:p>
@@ -10249,8 +10241,8 @@
           </a:p>
         </p:txBody>
       </p:sp>
-      <mc:AlternateContent xmlns:mc="http://schemas.openxmlformats.org/markup-compatibility/2006">
-        <mc:Choice xmlns:a14="http://schemas.microsoft.com/office/drawing/2010/main" Requires="a14">
+      <mc:AlternateContent xmlns:mc="http://schemas.openxmlformats.org/markup-compatibility/2006" xmlns:a14="http://schemas.microsoft.com/office/drawing/2010/main">
+        <mc:Choice Requires="a14">
           <p:sp>
             <p:nvSpPr>
               <p:cNvPr id="23" name="TextBox 22"/>
@@ -10407,7 +10399,7 @@
             </p:txBody>
           </p:sp>
         </mc:Choice>
-        <mc:Fallback>
+        <mc:Fallback xmlns="">
           <p:sp>
             <p:nvSpPr>
               <p:cNvPr id="23" name="TextBox 22"/>
@@ -14129,7 +14121,12 @@
             <a:srgbClr val="FFFF00"/>
           </a:solidFill>
           <a:ln>
-            <a:noFill/>
+            <a:solidFill>
+              <a:schemeClr val="tx1">
+                <a:lumMod val="65000"/>
+                <a:lumOff val="35000"/>
+              </a:schemeClr>
+            </a:solidFill>
           </a:ln>
         </p:spPr>
         <p:style>
@@ -14640,7 +14637,7 @@
           <a:graphicData uri="http://schemas.openxmlformats.org/presentationml/2006/ole">
             <mc:AlternateContent xmlns:mc="http://schemas.openxmlformats.org/markup-compatibility/2006">
               <mc:Choice xmlns:v="urn:schemas-microsoft-com:vml" Requires="v">
-                <p:oleObj spid="_x0000_s2190" name="Equation" r:id="rId4" imgW="469900" imgH="254000" progId="Equation.3">
+                <p:oleObj spid="_x0000_s2194" name="Equation" r:id="rId4" imgW="469900" imgH="254000" progId="Equation.3">
                   <p:embed/>
                 </p:oleObj>
               </mc:Choice>
@@ -14697,7 +14694,7 @@
           <a:graphicData uri="http://schemas.openxmlformats.org/presentationml/2006/ole">
             <mc:AlternateContent xmlns:mc="http://schemas.openxmlformats.org/markup-compatibility/2006">
               <mc:Choice xmlns:v="urn:schemas-microsoft-com:vml" Requires="v">
-                <p:oleObj spid="_x0000_s2191" name="Equation" r:id="rId6" imgW="482600" imgH="254000" progId="Equation.3">
+                <p:oleObj spid="_x0000_s2195" name="Equation" r:id="rId6" imgW="482600" imgH="254000" progId="Equation.3">
                   <p:embed/>
                 </p:oleObj>
               </mc:Choice>
@@ -14754,7 +14751,7 @@
           <a:graphicData uri="http://schemas.openxmlformats.org/presentationml/2006/ole">
             <mc:AlternateContent xmlns:mc="http://schemas.openxmlformats.org/markup-compatibility/2006">
               <mc:Choice xmlns:v="urn:schemas-microsoft-com:vml" Requires="v">
-                <p:oleObj spid="_x0000_s2192" name="Equation" r:id="rId8" imgW="127000" imgH="177800" progId="Equation.3">
+                <p:oleObj spid="_x0000_s2196" name="Equation" r:id="rId8" imgW="127000" imgH="177800" progId="Equation.3">
                   <p:embed/>
                 </p:oleObj>
               </mc:Choice>
@@ -14907,7 +14904,7 @@
           <a:graphicData uri="http://schemas.openxmlformats.org/presentationml/2006/ole">
             <mc:AlternateContent xmlns:mc="http://schemas.openxmlformats.org/markup-compatibility/2006">
               <mc:Choice xmlns:v="urn:schemas-microsoft-com:vml" Requires="v">
-                <p:oleObj spid="_x0000_s2193" name="Equation" r:id="rId10" imgW="2323800" imgH="660240" progId="Equation.3">
+                <p:oleObj spid="_x0000_s2197" name="Equation" r:id="rId10" imgW="2323800" imgH="660240" progId="Equation.3">
                   <p:embed/>
                 </p:oleObj>
               </mc:Choice>
@@ -15151,7 +15148,7 @@
           <a:graphicData uri="http://schemas.openxmlformats.org/presentationml/2006/ole">
             <mc:AlternateContent xmlns:mc="http://schemas.openxmlformats.org/markup-compatibility/2006">
               <mc:Choice xmlns:v="urn:schemas-microsoft-com:vml" Requires="v">
-                <p:oleObj spid="_x0000_s4127" name="Equation" r:id="rId3" imgW="2323800" imgH="660240" progId="Equation.3">
+                <p:oleObj spid="_x0000_s4128" name="Equation" r:id="rId3" imgW="2323800" imgH="660240" progId="Equation.3">
                   <p:embed/>
                 </p:oleObj>
               </mc:Choice>

--- a/Presentation/CS679Presentation2.pptx
+++ b/Presentation/CS679Presentation2.pptx
@@ -4442,7 +4442,7 @@
           <a:graphicData uri="http://schemas.openxmlformats.org/presentationml/2006/ole">
             <mc:AlternateContent xmlns:mc="http://schemas.openxmlformats.org/markup-compatibility/2006">
               <mc:Choice xmlns:v="urn:schemas-microsoft-com:vml" Requires="v">
-                <p:oleObj spid="_x0000_s3197" name="Equation" r:id="rId3" imgW="1739880" imgH="215640" progId="Equation.3">
+                <p:oleObj spid="_x0000_s3209" name="Equation" r:id="rId3" imgW="1739880" imgH="215640" progId="Equation.3">
                   <p:embed/>
                 </p:oleObj>
               </mc:Choice>
@@ -4504,7 +4504,7 @@
           <a:graphicData uri="http://schemas.openxmlformats.org/presentationml/2006/ole">
             <mc:AlternateContent xmlns:mc="http://schemas.openxmlformats.org/markup-compatibility/2006">
               <mc:Choice xmlns:v="urn:schemas-microsoft-com:vml" Requires="v">
-                <p:oleObj spid="_x0000_s3198" name="Equation" r:id="rId5" imgW="2971800" imgH="215640" progId="Equation.3">
+                <p:oleObj spid="_x0000_s3210" name="Equation" r:id="rId5" imgW="2971800" imgH="215640" progId="Equation.3">
                   <p:embed/>
                 </p:oleObj>
               </mc:Choice>
@@ -4566,7 +4566,7 @@
           <a:graphicData uri="http://schemas.openxmlformats.org/presentationml/2006/ole">
             <mc:AlternateContent xmlns:mc="http://schemas.openxmlformats.org/markup-compatibility/2006">
               <mc:Choice xmlns:v="urn:schemas-microsoft-com:vml" Requires="v">
-                <p:oleObj spid="_x0000_s3199" name="Equation" r:id="rId7" imgW="4673520" imgH="431640" progId="Equation.3">
+                <p:oleObj spid="_x0000_s3211" name="Equation" r:id="rId7" imgW="4673520" imgH="431640" progId="Equation.3">
                   <p:embed/>
                 </p:oleObj>
               </mc:Choice>
@@ -4994,7 +4994,7 @@
           <a:graphicData uri="http://schemas.openxmlformats.org/presentationml/2006/ole">
             <mc:AlternateContent xmlns:mc="http://schemas.openxmlformats.org/markup-compatibility/2006">
               <mc:Choice xmlns:v="urn:schemas-microsoft-com:vml" Requires="v">
-                <p:oleObj spid="_x0000_s3200" name="Equation" r:id="rId10" imgW="2438280" imgH="533160" progId="Equation.3">
+                <p:oleObj spid="_x0000_s3212" name="Equation" r:id="rId10" imgW="2438280" imgH="533160" progId="Equation.3">
                   <p:embed/>
                 </p:oleObj>
               </mc:Choice>
@@ -5185,7 +5185,7 @@
           <a:graphicData uri="http://schemas.openxmlformats.org/presentationml/2006/ole">
             <mc:AlternateContent xmlns:mc="http://schemas.openxmlformats.org/markup-compatibility/2006">
               <mc:Choice xmlns:v="urn:schemas-microsoft-com:vml" Requires="v">
-                <p:oleObj spid="_x0000_s3201" name="Equation" r:id="rId12" imgW="520560" imgH="215640" progId="Equation.3">
+                <p:oleObj spid="_x0000_s3213" name="Equation" r:id="rId12" imgW="520560" imgH="215640" progId="Equation.3">
                   <p:embed/>
                 </p:oleObj>
               </mc:Choice>
@@ -5247,7 +5247,7 @@
           <a:graphicData uri="http://schemas.openxmlformats.org/presentationml/2006/ole">
             <mc:AlternateContent xmlns:mc="http://schemas.openxmlformats.org/markup-compatibility/2006">
               <mc:Choice xmlns:v="urn:schemas-microsoft-com:vml" Requires="v">
-                <p:oleObj spid="_x0000_s3202" name="Equation" r:id="rId14" imgW="533160" imgH="215640" progId="Equation.3">
+                <p:oleObj spid="_x0000_s3214" name="Equation" r:id="rId14" imgW="533160" imgH="215640" progId="Equation.3">
                   <p:embed/>
                 </p:oleObj>
               </mc:Choice>
@@ -10991,6 +10991,257 @@
           </a:p>
         </p:txBody>
       </p:sp>
+      <p:sp>
+        <p:nvSpPr>
+          <p:cNvPr id="3" name="Content Placeholder 2"/>
+          <p:cNvSpPr txBox="1">
+            <a:spLocks/>
+          </p:cNvSpPr>
+          <p:nvPr/>
+        </p:nvSpPr>
+        <p:spPr>
+          <a:xfrm>
+            <a:off x="457200" y="1219200"/>
+            <a:ext cx="8229600" cy="4937760"/>
+          </a:xfrm>
+          <a:prstGeom prst="rect">
+            <a:avLst/>
+          </a:prstGeom>
+        </p:spPr>
+        <p:txBody>
+          <a:bodyPr/>
+          <a:lstStyle>
+            <a:lvl1pPr marL="274320" indent="-274320" algn="l" rtl="0" eaLnBrk="1" latinLnBrk="0" hangingPunct="1">
+              <a:spcBef>
+                <a:spcPts val="600"/>
+              </a:spcBef>
+              <a:buClr>
+                <a:schemeClr val="accent1"/>
+              </a:buClr>
+              <a:buSzPct val="76000"/>
+              <a:buFont typeface="Wingdings 3"/>
+              <a:buChar char=""/>
+              <a:defRPr kumimoji="0" sz="2600" kern="1200">
+                <a:solidFill>
+                  <a:schemeClr val="tx1"/>
+                </a:solidFill>
+                <a:latin typeface="+mn-lt"/>
+                <a:ea typeface="+mn-ea"/>
+                <a:cs typeface="+mn-cs"/>
+              </a:defRPr>
+            </a:lvl1pPr>
+            <a:lvl2pPr marL="548640" indent="-274320" algn="l" rtl="0" eaLnBrk="1" latinLnBrk="0" hangingPunct="1">
+              <a:spcBef>
+                <a:spcPts val="500"/>
+              </a:spcBef>
+              <a:buClr>
+                <a:schemeClr val="accent2"/>
+              </a:buClr>
+              <a:buSzPct val="76000"/>
+              <a:buFont typeface="Wingdings 3"/>
+              <a:buChar char=""/>
+              <a:defRPr kumimoji="0" sz="2300" kern="1200">
+                <a:solidFill>
+                  <a:schemeClr val="tx2"/>
+                </a:solidFill>
+                <a:latin typeface="+mn-lt"/>
+                <a:ea typeface="+mn-ea"/>
+                <a:cs typeface="+mn-cs"/>
+              </a:defRPr>
+            </a:lvl2pPr>
+            <a:lvl3pPr marL="822960" indent="-228600" algn="l" rtl="0" eaLnBrk="1" latinLnBrk="0" hangingPunct="1">
+              <a:spcBef>
+                <a:spcPts val="500"/>
+              </a:spcBef>
+              <a:buClr>
+                <a:schemeClr val="bg1">
+                  <a:shade val="50000"/>
+                </a:schemeClr>
+              </a:buClr>
+              <a:buSzPct val="76000"/>
+              <a:buFont typeface="Wingdings 3"/>
+              <a:buChar char=""/>
+              <a:defRPr kumimoji="0" sz="2000" kern="1200">
+                <a:solidFill>
+                  <a:schemeClr val="tx1"/>
+                </a:solidFill>
+                <a:latin typeface="+mn-lt"/>
+                <a:ea typeface="+mn-ea"/>
+                <a:cs typeface="+mn-cs"/>
+              </a:defRPr>
+            </a:lvl3pPr>
+            <a:lvl4pPr marL="1097280" indent="-228600" algn="l" rtl="0" eaLnBrk="1" latinLnBrk="0" hangingPunct="1">
+              <a:spcBef>
+                <a:spcPts val="400"/>
+              </a:spcBef>
+              <a:buClr>
+                <a:schemeClr val="accent2">
+                  <a:shade val="75000"/>
+                </a:schemeClr>
+              </a:buClr>
+              <a:buSzPct val="70000"/>
+              <a:buFont typeface="Wingdings"/>
+              <a:buChar char=""/>
+              <a:defRPr kumimoji="0" sz="1800" kern="1200">
+                <a:solidFill>
+                  <a:schemeClr val="tx1"/>
+                </a:solidFill>
+                <a:latin typeface="+mn-lt"/>
+                <a:ea typeface="+mn-ea"/>
+                <a:cs typeface="+mn-cs"/>
+              </a:defRPr>
+            </a:lvl4pPr>
+            <a:lvl5pPr marL="1371600" indent="-228600" algn="l" rtl="0" eaLnBrk="1" latinLnBrk="0" hangingPunct="1">
+              <a:spcBef>
+                <a:spcPts val="300"/>
+              </a:spcBef>
+              <a:buClr>
+                <a:schemeClr val="accent2"/>
+              </a:buClr>
+              <a:buSzPct val="70000"/>
+              <a:buFont typeface="Wingdings"/>
+              <a:buChar char=""/>
+              <a:defRPr kumimoji="0" sz="1600" kern="1200">
+                <a:solidFill>
+                  <a:schemeClr val="tx1"/>
+                </a:solidFill>
+                <a:latin typeface="+mn-lt"/>
+                <a:ea typeface="+mn-ea"/>
+                <a:cs typeface="+mn-cs"/>
+              </a:defRPr>
+            </a:lvl5pPr>
+            <a:lvl6pPr marL="1645920" indent="-182880" algn="l" rtl="0" eaLnBrk="1" latinLnBrk="0" hangingPunct="1">
+              <a:spcBef>
+                <a:spcPts val="300"/>
+              </a:spcBef>
+              <a:buClr>
+                <a:srgbClr val="9FB8CD">
+                  <a:shade val="75000"/>
+                </a:srgbClr>
+              </a:buClr>
+              <a:buSzPct val="75000"/>
+              <a:buFont typeface="Wingdings 3"/>
+              <a:buChar char=""/>
+              <a:defRPr kumimoji="0" lang="en-US" sz="1600" kern="1200" smtClean="0">
+                <a:solidFill>
+                  <a:schemeClr val="tx1"/>
+                </a:solidFill>
+                <a:latin typeface="+mn-lt"/>
+                <a:ea typeface="+mn-ea"/>
+                <a:cs typeface="+mn-cs"/>
+              </a:defRPr>
+            </a:lvl6pPr>
+            <a:lvl7pPr marL="1828800" indent="-182880" algn="l" rtl="0" eaLnBrk="1" latinLnBrk="0" hangingPunct="1">
+              <a:spcBef>
+                <a:spcPts val="300"/>
+              </a:spcBef>
+              <a:buClr>
+                <a:srgbClr val="727CA3">
+                  <a:shade val="75000"/>
+                </a:srgbClr>
+              </a:buClr>
+              <a:buSzPct val="75000"/>
+              <a:buFont typeface="Wingdings 3"/>
+              <a:buChar char=""/>
+              <a:defRPr kumimoji="0" lang="en-US" sz="1400" kern="1200" smtClean="0">
+                <a:solidFill>
+                  <a:schemeClr val="tx1"/>
+                </a:solidFill>
+                <a:latin typeface="+mn-lt"/>
+                <a:ea typeface="+mn-ea"/>
+                <a:cs typeface="+mn-cs"/>
+              </a:defRPr>
+            </a:lvl7pPr>
+            <a:lvl8pPr marL="2011680" indent="-182880" algn="l" rtl="0" eaLnBrk="1" latinLnBrk="0" hangingPunct="1">
+              <a:spcBef>
+                <a:spcPts val="300"/>
+              </a:spcBef>
+              <a:buClr>
+                <a:prstClr val="white">
+                  <a:shade val="50000"/>
+                </a:prstClr>
+              </a:buClr>
+              <a:buSzPct val="75000"/>
+              <a:buFont typeface="Wingdings 3"/>
+              <a:buChar char=""/>
+              <a:defRPr kumimoji="0" lang="en-US" sz="1400" kern="1200" smtClean="0">
+                <a:solidFill>
+                  <a:schemeClr val="tx1"/>
+                </a:solidFill>
+                <a:latin typeface="+mn-lt"/>
+                <a:ea typeface="+mn-ea"/>
+                <a:cs typeface="+mn-cs"/>
+              </a:defRPr>
+            </a:lvl8pPr>
+            <a:lvl9pPr marL="2194560" indent="-182880" algn="l" rtl="0" eaLnBrk="1" latinLnBrk="0" hangingPunct="1">
+              <a:spcBef>
+                <a:spcPts val="300"/>
+              </a:spcBef>
+              <a:buClr>
+                <a:srgbClr val="9FB8CD"/>
+              </a:buClr>
+              <a:buSzPct val="75000"/>
+              <a:buFont typeface="Wingdings 3"/>
+              <a:buChar char=""/>
+              <a:defRPr kumimoji="0" lang="en-US" sz="1200" kern="1200" smtClean="0">
+                <a:solidFill>
+                  <a:schemeClr val="tx1"/>
+                </a:solidFill>
+                <a:latin typeface="+mn-lt"/>
+                <a:ea typeface="+mn-ea"/>
+                <a:cs typeface="+mn-cs"/>
+              </a:defRPr>
+            </a:lvl9pPr>
+          </a:lstStyle>
+          <a:p>
+            <a:pPr defTabSz="914400"/>
+            <a:r>
+              <a:rPr lang="en-US" dirty="0" smtClean="0"/>
+              <a:t>Variance </a:t>
+            </a:r>
+            <a:r>
+              <a:rPr lang="en-US" dirty="0"/>
+              <a:t>of </a:t>
+            </a:r>
+            <a:r>
+              <a:rPr lang="en-US" dirty="0" smtClean="0"/>
+              <a:t>an estimator</a:t>
+            </a:r>
+          </a:p>
+          <a:p>
+            <a:pPr defTabSz="914400"/>
+            <a:r>
+              <a:rPr lang="en-US" dirty="0" smtClean="0"/>
+              <a:t>Fisher Information</a:t>
+            </a:r>
+          </a:p>
+          <a:p>
+            <a:pPr defTabSz="914400"/>
+            <a:r>
+              <a:rPr lang="en-US" dirty="0" smtClean="0"/>
+              <a:t>Cramer-Rao lower bound (CRLB)</a:t>
+            </a:r>
+          </a:p>
+          <a:p>
+            <a:pPr lvl="1" defTabSz="914400"/>
+            <a:r>
+              <a:rPr lang="en-US" dirty="0" smtClean="0"/>
+              <a:t>Quantitative measure of estimator performance</a:t>
+            </a:r>
+          </a:p>
+          <a:p>
+            <a:pPr defTabSz="914400"/>
+            <a:r>
+              <a:rPr lang="en-US" dirty="0" smtClean="0"/>
+              <a:t>Application of CRLB to image registration</a:t>
+            </a:r>
+          </a:p>
+          <a:p>
+            <a:pPr defTabSz="914400"/>
+            <a:endParaRPr lang="en-US" dirty="0"/>
+          </a:p>
+        </p:txBody>
+      </p:sp>
     </p:spTree>
     <p:extLst>
       <p:ext uri="{BB962C8B-B14F-4D97-AF65-F5344CB8AC3E}">
@@ -11176,7 +11427,7 @@
         </p:spPr>
         <p:txBody>
           <a:bodyPr>
-            <a:normAutofit fontScale="77500" lnSpcReduction="20000"/>
+            <a:normAutofit fontScale="85000" lnSpcReduction="20000"/>
           </a:bodyPr>
           <a:lstStyle/>
           <a:p>
@@ -14637,7 +14888,7 @@
           <a:graphicData uri="http://schemas.openxmlformats.org/presentationml/2006/ole">
             <mc:AlternateContent xmlns:mc="http://schemas.openxmlformats.org/markup-compatibility/2006">
               <mc:Choice xmlns:v="urn:schemas-microsoft-com:vml" Requires="v">
-                <p:oleObj spid="_x0000_s2194" name="Equation" r:id="rId4" imgW="469900" imgH="254000" progId="Equation.3">
+                <p:oleObj spid="_x0000_s2202" name="Equation" r:id="rId4" imgW="469900" imgH="254000" progId="Equation.3">
                   <p:embed/>
                 </p:oleObj>
               </mc:Choice>
@@ -14694,7 +14945,7 @@
           <a:graphicData uri="http://schemas.openxmlformats.org/presentationml/2006/ole">
             <mc:AlternateContent xmlns:mc="http://schemas.openxmlformats.org/markup-compatibility/2006">
               <mc:Choice xmlns:v="urn:schemas-microsoft-com:vml" Requires="v">
-                <p:oleObj spid="_x0000_s2195" name="Equation" r:id="rId6" imgW="482600" imgH="254000" progId="Equation.3">
+                <p:oleObj spid="_x0000_s2203" name="Equation" r:id="rId6" imgW="482600" imgH="254000" progId="Equation.3">
                   <p:embed/>
                 </p:oleObj>
               </mc:Choice>
@@ -14751,7 +15002,7 @@
           <a:graphicData uri="http://schemas.openxmlformats.org/presentationml/2006/ole">
             <mc:AlternateContent xmlns:mc="http://schemas.openxmlformats.org/markup-compatibility/2006">
               <mc:Choice xmlns:v="urn:schemas-microsoft-com:vml" Requires="v">
-                <p:oleObj spid="_x0000_s2196" name="Equation" r:id="rId8" imgW="127000" imgH="177800" progId="Equation.3">
+                <p:oleObj spid="_x0000_s2204" name="Equation" r:id="rId8" imgW="127000" imgH="177800" progId="Equation.3">
                   <p:embed/>
                 </p:oleObj>
               </mc:Choice>
@@ -14904,7 +15155,7 @@
           <a:graphicData uri="http://schemas.openxmlformats.org/presentationml/2006/ole">
             <mc:AlternateContent xmlns:mc="http://schemas.openxmlformats.org/markup-compatibility/2006">
               <mc:Choice xmlns:v="urn:schemas-microsoft-com:vml" Requires="v">
-                <p:oleObj spid="_x0000_s2197" name="Equation" r:id="rId10" imgW="2323800" imgH="660240" progId="Equation.3">
+                <p:oleObj spid="_x0000_s2205" name="Equation" r:id="rId10" imgW="2323800" imgH="660240" progId="Equation.3">
                   <p:embed/>
                 </p:oleObj>
               </mc:Choice>
@@ -15148,7 +15399,7 @@
           <a:graphicData uri="http://schemas.openxmlformats.org/presentationml/2006/ole">
             <mc:AlternateContent xmlns:mc="http://schemas.openxmlformats.org/markup-compatibility/2006">
               <mc:Choice xmlns:v="urn:schemas-microsoft-com:vml" Requires="v">
-                <p:oleObj spid="_x0000_s4128" name="Equation" r:id="rId3" imgW="2323800" imgH="660240" progId="Equation.3">
+                <p:oleObj spid="_x0000_s4130" name="Equation" r:id="rId3" imgW="2323800" imgH="660240" progId="Equation.3">
                   <p:embed/>
                 </p:oleObj>
               </mc:Choice>

--- a/Presentation/CS679Presentation2.pptx
+++ b/Presentation/CS679Presentation2.pptx
@@ -205,7 +205,7 @@
           <a:p>
             <a:fld id="{47375328-351C-4DED-94A3-E91F3E1B8B68}" type="datetimeFigureOut">
               <a:rPr lang="en-US" smtClean="0"/>
-              <a:t>4/11/2015</a:t>
+              <a:t>4/12/2015</a:t>
             </a:fld>
             <a:endParaRPr lang="en-US"/>
           </a:p>
@@ -996,7 +996,7 @@
           <a:p>
             <a:fld id="{4C8834C2-7B47-694D-87BD-9D1EC16573D1}" type="datetimeFigureOut">
               <a:rPr lang="en-US" smtClean="0"/>
-              <a:t>4/11/2015</a:t>
+              <a:t>4/12/2015</a:t>
             </a:fld>
             <a:endParaRPr lang="en-US"/>
           </a:p>
@@ -1355,7 +1355,7 @@
           <a:p>
             <a:fld id="{4C8834C2-7B47-694D-87BD-9D1EC16573D1}" type="datetimeFigureOut">
               <a:rPr lang="en-US" smtClean="0"/>
-              <a:t>4/11/2015</a:t>
+              <a:t>4/12/2015</a:t>
             </a:fld>
             <a:endParaRPr lang="en-US"/>
           </a:p>
@@ -1530,7 +1530,7 @@
           <a:p>
             <a:fld id="{4C8834C2-7B47-694D-87BD-9D1EC16573D1}" type="datetimeFigureOut">
               <a:rPr lang="en-US" smtClean="0"/>
-              <a:t>4/11/2015</a:t>
+              <a:t>4/12/2015</a:t>
             </a:fld>
             <a:endParaRPr lang="en-US"/>
           </a:p>
@@ -1765,7 +1765,7 @@
           <a:p>
             <a:fld id="{4C8834C2-7B47-694D-87BD-9D1EC16573D1}" type="datetimeFigureOut">
               <a:rPr lang="en-US" smtClean="0"/>
-              <a:t>4/11/2015</a:t>
+              <a:t>4/12/2015</a:t>
             </a:fld>
             <a:endParaRPr lang="en-US"/>
           </a:p>
@@ -2034,7 +2034,7 @@
           <a:p>
             <a:fld id="{4C8834C2-7B47-694D-87BD-9D1EC16573D1}" type="datetimeFigureOut">
               <a:rPr lang="en-US" smtClean="0"/>
-              <a:t>4/11/2015</a:t>
+              <a:t>4/12/2015</a:t>
             </a:fld>
             <a:endParaRPr lang="en-US"/>
           </a:p>
@@ -2254,7 +2254,7 @@
           <a:p>
             <a:fld id="{4C8834C2-7B47-694D-87BD-9D1EC16573D1}" type="datetimeFigureOut">
               <a:rPr lang="en-US" smtClean="0"/>
-              <a:t>4/11/2015</a:t>
+              <a:t>4/12/2015</a:t>
             </a:fld>
             <a:endParaRPr lang="en-US"/>
           </a:p>
@@ -2606,7 +2606,7 @@
           <a:p>
             <a:fld id="{4C8834C2-7B47-694D-87BD-9D1EC16573D1}" type="datetimeFigureOut">
               <a:rPr lang="en-US" smtClean="0"/>
-              <a:t>4/11/2015</a:t>
+              <a:t>4/12/2015</a:t>
             </a:fld>
             <a:endParaRPr lang="en-US"/>
           </a:p>
@@ -2838,7 +2838,7 @@
           <a:p>
             <a:fld id="{4C8834C2-7B47-694D-87BD-9D1EC16573D1}" type="datetimeFigureOut">
               <a:rPr lang="en-US" smtClean="0"/>
-              <a:t>4/11/2015</a:t>
+              <a:t>4/12/2015</a:t>
             </a:fld>
             <a:endParaRPr lang="en-US"/>
           </a:p>
@@ -2978,7 +2978,7 @@
           <a:p>
             <a:fld id="{4C8834C2-7B47-694D-87BD-9D1EC16573D1}" type="datetimeFigureOut">
               <a:rPr lang="en-US" smtClean="0"/>
-              <a:t>4/11/2015</a:t>
+              <a:t>4/12/2015</a:t>
             </a:fld>
             <a:endParaRPr lang="en-US"/>
           </a:p>
@@ -3255,7 +3255,7 @@
           <a:p>
             <a:fld id="{4C8834C2-7B47-694D-87BD-9D1EC16573D1}" type="datetimeFigureOut">
               <a:rPr lang="en-US" smtClean="0"/>
-              <a:t>4/11/2015</a:t>
+              <a:t>4/12/2015</a:t>
             </a:fld>
             <a:endParaRPr lang="en-US"/>
           </a:p>
@@ -3662,7 +3662,7 @@
           <a:p>
             <a:fld id="{4C8834C2-7B47-694D-87BD-9D1EC16573D1}" type="datetimeFigureOut">
               <a:rPr lang="en-US" smtClean="0"/>
-              <a:t>4/11/2015</a:t>
+              <a:t>4/12/2015</a:t>
             </a:fld>
             <a:endParaRPr lang="en-US"/>
           </a:p>
@@ -4000,7 +4000,7 @@
           <a:p>
             <a:fld id="{4C8834C2-7B47-694D-87BD-9D1EC16573D1}" type="datetimeFigureOut">
               <a:rPr lang="en-US" smtClean="0"/>
-              <a:t>4/11/2015</a:t>
+              <a:t>4/12/2015</a:t>
             </a:fld>
             <a:endParaRPr lang="en-US"/>
           </a:p>
@@ -4738,7 +4738,7 @@
           <a:graphicData uri="http://schemas.openxmlformats.org/presentationml/2006/ole">
             <mc:AlternateContent xmlns:mc="http://schemas.openxmlformats.org/markup-compatibility/2006">
               <mc:Choice xmlns:v="urn:schemas-microsoft-com:vml" Requires="v">
-                <p:oleObj spid="_x0000_s3221" name="Equation" r:id="rId4" imgW="1739880" imgH="215640" progId="Equation.3">
+                <p:oleObj spid="_x0000_s3239" name="Equation" r:id="rId4" imgW="1739880" imgH="215640" progId="Equation.3">
                   <p:embed/>
                 </p:oleObj>
               </mc:Choice>
@@ -4800,7 +4800,7 @@
           <a:graphicData uri="http://schemas.openxmlformats.org/presentationml/2006/ole">
             <mc:AlternateContent xmlns:mc="http://schemas.openxmlformats.org/markup-compatibility/2006">
               <mc:Choice xmlns:v="urn:schemas-microsoft-com:vml" Requires="v">
-                <p:oleObj spid="_x0000_s3222" name="Equation" r:id="rId6" imgW="2971800" imgH="215640" progId="Equation.3">
+                <p:oleObj spid="_x0000_s3240" name="Equation" r:id="rId6" imgW="2971800" imgH="215640" progId="Equation.3">
                   <p:embed/>
                 </p:oleObj>
               </mc:Choice>
@@ -4862,7 +4862,7 @@
           <a:graphicData uri="http://schemas.openxmlformats.org/presentationml/2006/ole">
             <mc:AlternateContent xmlns:mc="http://schemas.openxmlformats.org/markup-compatibility/2006">
               <mc:Choice xmlns:v="urn:schemas-microsoft-com:vml" Requires="v">
-                <p:oleObj spid="_x0000_s3223" name="Equation" r:id="rId8" imgW="4673520" imgH="431640" progId="Equation.3">
+                <p:oleObj spid="_x0000_s3241" name="Equation" r:id="rId8" imgW="4673520" imgH="431640" progId="Equation.3">
                   <p:embed/>
                 </p:oleObj>
               </mc:Choice>
@@ -5290,7 +5290,7 @@
           <a:graphicData uri="http://schemas.openxmlformats.org/presentationml/2006/ole">
             <mc:AlternateContent xmlns:mc="http://schemas.openxmlformats.org/markup-compatibility/2006">
               <mc:Choice xmlns:v="urn:schemas-microsoft-com:vml" Requires="v">
-                <p:oleObj spid="_x0000_s3224" name="Equation" r:id="rId11" imgW="2438280" imgH="533160" progId="Equation.3">
+                <p:oleObj spid="_x0000_s3242" name="Equation" r:id="rId11" imgW="2438280" imgH="533160" progId="Equation.3">
                   <p:embed/>
                 </p:oleObj>
               </mc:Choice>
@@ -5347,7 +5347,7 @@
             <a:avLst/>
           </a:prstGeom>
           <a:noFill/>
-          <a:ln>
+          <a:ln w="28575">
             <a:solidFill>
               <a:srgbClr val="00B050"/>
             </a:solidFill>
@@ -5386,14 +5386,14 @@
         </p:nvSpPr>
         <p:spPr>
           <a:xfrm>
-            <a:off x="4632750" y="1316736"/>
-            <a:ext cx="1671734" cy="1658916"/>
+            <a:off x="4705350" y="1316736"/>
+            <a:ext cx="1530771" cy="1658916"/>
           </a:xfrm>
           <a:prstGeom prst="rect">
             <a:avLst/>
           </a:prstGeom>
           <a:noFill/>
-          <a:ln>
+          <a:ln w="28575">
             <a:solidFill>
               <a:srgbClr val="FF0000"/>
             </a:solidFill>
@@ -5481,7 +5481,7 @@
           <a:graphicData uri="http://schemas.openxmlformats.org/presentationml/2006/ole">
             <mc:AlternateContent xmlns:mc="http://schemas.openxmlformats.org/markup-compatibility/2006">
               <mc:Choice xmlns:v="urn:schemas-microsoft-com:vml" Requires="v">
-                <p:oleObj spid="_x0000_s3225" name="Equation" r:id="rId13" imgW="520560" imgH="215640" progId="Equation.3">
+                <p:oleObj spid="_x0000_s3243" name="Equation" r:id="rId13" imgW="520560" imgH="215640" progId="Equation.3">
                   <p:embed/>
                 </p:oleObj>
               </mc:Choice>
@@ -5543,7 +5543,7 @@
           <a:graphicData uri="http://schemas.openxmlformats.org/presentationml/2006/ole">
             <mc:AlternateContent xmlns:mc="http://schemas.openxmlformats.org/markup-compatibility/2006">
               <mc:Choice xmlns:v="urn:schemas-microsoft-com:vml" Requires="v">
-                <p:oleObj spid="_x0000_s3226" name="Equation" r:id="rId15" imgW="533160" imgH="215640" progId="Equation.3">
+                <p:oleObj spid="_x0000_s3244" name="Equation" r:id="rId15" imgW="533160" imgH="215640" progId="Equation.3">
                   <p:embed/>
                 </p:oleObj>
               </mc:Choice>
@@ -6640,7 +6640,11 @@
           <a:prstGeom prst="rect">
             <a:avLst/>
           </a:prstGeom>
-          <a:noFill/>
+          <a:solidFill>
+            <a:schemeClr val="bg1">
+              <a:lumMod val="85000"/>
+            </a:schemeClr>
+          </a:solidFill>
         </p:spPr>
         <p:txBody>
           <a:bodyPr wrap="none" rtlCol="0">
@@ -6703,7 +6707,11 @@
           <a:prstGeom prst="rect">
             <a:avLst/>
           </a:prstGeom>
-          <a:noFill/>
+          <a:solidFill>
+            <a:schemeClr val="bg1">
+              <a:lumMod val="85000"/>
+            </a:schemeClr>
+          </a:solidFill>
         </p:spPr>
         <p:txBody>
           <a:bodyPr wrap="none" rtlCol="0">
@@ -8288,8 +8296,8 @@
           </p:sp>
         </mc:Fallback>
       </mc:AlternateContent>
-      <mc:AlternateContent xmlns:mc="http://schemas.openxmlformats.org/markup-compatibility/2006" xmlns:a14="http://schemas.microsoft.com/office/drawing/2010/main">
-        <mc:Choice Requires="a14">
+      <mc:AlternateContent xmlns:mc="http://schemas.openxmlformats.org/markup-compatibility/2006">
+        <mc:Choice xmlns:a14="http://schemas.microsoft.com/office/drawing/2010/main" Requires="a14">
           <p:sp>
             <p:nvSpPr>
               <p:cNvPr id="16" name="TextBox 15"/>
@@ -8298,16 +8306,20 @@
             </p:nvSpPr>
             <p:spPr>
               <a:xfrm>
-                <a:off x="848540" y="5254234"/>
-                <a:ext cx="2782428" cy="369332"/>
+                <a:off x="848539" y="5254234"/>
+                <a:ext cx="3028135" cy="369332"/>
               </a:xfrm>
               <a:prstGeom prst="rect">
                 <a:avLst/>
               </a:prstGeom>
-              <a:noFill/>
+              <a:solidFill>
+                <a:schemeClr val="bg1">
+                  <a:lumMod val="85000"/>
+                </a:schemeClr>
+              </a:solidFill>
             </p:spPr>
             <p:txBody>
-              <a:bodyPr wrap="none" rtlCol="0">
+              <a:bodyPr wrap="square" rtlCol="0">
                 <a:spAutoFit/>
               </a:bodyPr>
               <a:lstStyle/>
@@ -8387,7 +8399,7 @@
             </p:txBody>
           </p:sp>
         </mc:Choice>
-        <mc:Fallback xmlns="">
+        <mc:Fallback>
           <p:sp>
             <p:nvSpPr>
               <p:cNvPr id="16" name="TextBox 15"/>
@@ -8398,8 +8410,8 @@
             </p:nvSpPr>
             <p:spPr>
               <a:xfrm>
-                <a:off x="848540" y="5254234"/>
-                <a:ext cx="2782428" cy="369332"/>
+                <a:off x="848539" y="5254234"/>
+                <a:ext cx="3028135" cy="369332"/>
               </a:xfrm>
               <a:prstGeom prst="rect">
                 <a:avLst/>
@@ -8407,7 +8419,7 @@
               <a:blipFill rotWithShape="1">
                 <a:blip r:embed="rId8"/>
                 <a:stretch>
-                  <a:fillRect l="-1751" t="-8197" r="-875" b="-24590"/>
+                  <a:fillRect l="-1610" t="-8197" b="-24590"/>
                 </a:stretch>
               </a:blipFill>
             </p:spPr>
@@ -8509,8 +8521,12 @@
               <a:t>The </a:t>
             </a:r>
             <a:r>
+              <a:rPr lang="en-US" i="1" dirty="0" smtClean="0"/>
+              <a:t>Fisher Information Matrix (</a:t>
+            </a:r>
+            <a:r>
               <a:rPr lang="en-US" dirty="0" smtClean="0"/>
-              <a:t>FIM</a:t>
+              <a:t>FIM)</a:t>
             </a:r>
             <a:endParaRPr lang="en-US" dirty="0"/>
           </a:p>
@@ -9196,16 +9212,20 @@
         </p:nvSpPr>
         <p:spPr>
           <a:xfrm>
-            <a:off x="848540" y="1402402"/>
-            <a:ext cx="722634" cy="369332"/>
+            <a:off x="848539" y="1402402"/>
+            <a:ext cx="799285" cy="369332"/>
           </a:xfrm>
           <a:prstGeom prst="rect">
             <a:avLst/>
           </a:prstGeom>
-          <a:noFill/>
+          <a:solidFill>
+            <a:schemeClr val="bg1">
+              <a:lumMod val="85000"/>
+            </a:schemeClr>
+          </a:solidFill>
         </p:spPr>
         <p:txBody>
-          <a:bodyPr wrap="none" rtlCol="0">
+          <a:bodyPr wrap="square" rtlCol="0">
             <a:spAutoFit/>
           </a:bodyPr>
           <a:lstStyle/>
@@ -9233,7 +9253,9 @@
             <a:avLst/>
           </a:prstGeom>
           <a:solidFill>
-            <a:schemeClr val="bg1"/>
+            <a:schemeClr val="bg1">
+              <a:lumMod val="85000"/>
+            </a:schemeClr>
           </a:solidFill>
         </p:spPr>
         <p:txBody>
@@ -10514,17 +10536,19 @@
         <p:spPr>
           <a:xfrm>
             <a:off x="944079" y="3989630"/>
-            <a:ext cx="819648" cy="369332"/>
+            <a:ext cx="913296" cy="369332"/>
           </a:xfrm>
           <a:prstGeom prst="rect">
             <a:avLst/>
           </a:prstGeom>
           <a:solidFill>
-            <a:schemeClr val="bg1"/>
+            <a:schemeClr val="bg1">
+              <a:lumMod val="85000"/>
+            </a:schemeClr>
           </a:solidFill>
         </p:spPr>
         <p:txBody>
-          <a:bodyPr wrap="none" rtlCol="0">
+          <a:bodyPr wrap="square" rtlCol="0">
             <a:spAutoFit/>
           </a:bodyPr>
           <a:lstStyle/>
@@ -11723,7 +11747,7 @@
         </p:spPr>
         <p:txBody>
           <a:bodyPr>
-            <a:normAutofit fontScale="85000" lnSpcReduction="20000"/>
+            <a:normAutofit fontScale="77500" lnSpcReduction="20000"/>
           </a:bodyPr>
           <a:lstStyle/>
           <a:p>
@@ -11886,8 +11910,8 @@
         </p:nvSpPr>
         <p:spPr>
           <a:xfrm>
-            <a:off x="7321022" y="4532366"/>
-            <a:ext cx="1252266" cy="200055"/>
+            <a:off x="7111472" y="4532366"/>
+            <a:ext cx="1446230" cy="200055"/>
           </a:xfrm>
           <a:prstGeom prst="rect">
             <a:avLst/>
@@ -11905,14 +11929,14 @@
           <a:lstStyle/>
           <a:p>
             <a:r>
-              <a:rPr lang="en-US" sz="700" dirty="0" smtClean="0">
+              <a:rPr lang="en-US" sz="700" b="1" dirty="0" smtClean="0">
                 <a:solidFill>
                   <a:schemeClr val="bg1"/>
                 </a:solidFill>
               </a:rPr>
               <a:t>Wiki Commons: Digital Globe</a:t>
             </a:r>
-            <a:endParaRPr lang="en-US" sz="700" dirty="0">
+            <a:endParaRPr lang="en-US" sz="700" b="1" dirty="0">
               <a:solidFill>
                 <a:schemeClr val="bg1"/>
               </a:solidFill>
@@ -11928,7 +11952,7 @@
         </p:nvSpPr>
         <p:spPr>
           <a:xfrm>
-            <a:off x="6642133" y="2300242"/>
+            <a:off x="6575458" y="2300242"/>
             <a:ext cx="1861792" cy="276999"/>
           </a:xfrm>
           <a:prstGeom prst="rect">
@@ -11988,8 +12012,8 @@
         </p:nvSpPr>
         <p:spPr>
           <a:xfrm>
-            <a:off x="5841187" y="6419620"/>
-            <a:ext cx="3083357" cy="246221"/>
+            <a:off x="5420568" y="6039230"/>
+            <a:ext cx="3518606" cy="246221"/>
           </a:xfrm>
           <a:prstGeom prst="rect">
             <a:avLst/>
@@ -12310,8 +12334,8 @@
         </p:nvSpPr>
         <p:spPr>
           <a:xfrm>
-            <a:off x="6270926" y="4146637"/>
-            <a:ext cx="1787669" cy="369332"/>
+            <a:off x="5762496" y="4098006"/>
+            <a:ext cx="2358466" cy="369332"/>
           </a:xfrm>
           <a:prstGeom prst="rect">
             <a:avLst/>
@@ -12344,6 +12368,10 @@
             <a:r>
               <a:rPr lang="en-US" dirty="0" err="1" smtClean="0"/>
               <a:t>Δy</a:t>
+            </a:r>
+            <a:r>
+              <a:rPr lang="en-US" dirty="0" smtClean="0"/>
+              <a:t> &gt; 0</a:t>
             </a:r>
             <a:endParaRPr lang="en-US" dirty="0"/>
           </a:p>
@@ -13143,17 +13171,37 @@
           <a:lstStyle/>
           <a:p>
             <a:r>
-              <a:rPr lang="en-US" sz="2400" dirty="0" smtClean="0"/>
-              <a:t>Navigation Errors due to Image Registration Errors</a:t>
+              <a:rPr lang="en-US" dirty="0" smtClean="0"/>
+              <a:t>Registration Errors Impact Navigation</a:t>
             </a:r>
             <a:br>
-              <a:rPr lang="en-US" sz="2400" dirty="0" smtClean="0"/>
+              <a:rPr lang="en-US" dirty="0" smtClean="0"/>
             </a:br>
             <a:r>
-              <a:rPr lang="en-US" sz="1600" dirty="0" smtClean="0"/>
-              <a:t>(Entering Room 2 from Room 1 through wall openings)</a:t>
-            </a:r>
-            <a:endParaRPr lang="en-US" sz="1600" dirty="0"/>
+              <a:rPr lang="en-US" sz="1800" dirty="0" smtClean="0"/>
+              <a:t>(I</a:t>
+            </a:r>
+            <a:r>
+              <a:rPr lang="en-US" sz="1800" dirty="0" smtClean="0"/>
+              <a:t>mage </a:t>
+            </a:r>
+            <a:r>
+              <a:rPr lang="en-US" sz="1800" dirty="0"/>
+              <a:t>r</a:t>
+            </a:r>
+            <a:r>
+              <a:rPr lang="en-US" sz="1800" dirty="0" smtClean="0"/>
+              <a:t>egistration </a:t>
+            </a:r>
+            <a:r>
+              <a:rPr lang="en-US" sz="1800" dirty="0"/>
+              <a:t>e</a:t>
+            </a:r>
+            <a:r>
+              <a:rPr lang="en-US" sz="1800" dirty="0" smtClean="0"/>
+              <a:t>rrors cause 3D world model errors)</a:t>
+            </a:r>
+            <a:endParaRPr lang="en-US" sz="1200" dirty="0"/>
           </a:p>
         </p:txBody>
       </p:sp>
@@ -13165,7 +13213,7 @@
         </p:nvSpPr>
         <p:spPr>
           <a:xfrm>
-            <a:off x="2838292" y="2554855"/>
+            <a:off x="2838292" y="2847455"/>
             <a:ext cx="841246" cy="212141"/>
           </a:xfrm>
           <a:prstGeom prst="rect">
@@ -13203,7 +13251,7 @@
         </p:nvSpPr>
         <p:spPr>
           <a:xfrm>
-            <a:off x="5003955" y="2554855"/>
+            <a:off x="5003955" y="2847455"/>
             <a:ext cx="796626" cy="212141"/>
           </a:xfrm>
           <a:prstGeom prst="rect">
@@ -13255,7 +13303,7 @@
         </p:blipFill>
         <p:spPr>
           <a:xfrm>
-            <a:off x="3817091" y="2186029"/>
+            <a:off x="3799802" y="1304817"/>
             <a:ext cx="1060706" cy="1339895"/>
           </a:xfrm>
           <a:prstGeom prst="rect">
@@ -13271,7 +13319,7 @@
         </p:nvSpPr>
         <p:spPr>
           <a:xfrm>
-            <a:off x="3716114" y="2075682"/>
+            <a:off x="3698825" y="1213520"/>
             <a:ext cx="1243585" cy="1172266"/>
           </a:xfrm>
           <a:prstGeom prst="ellipse">
@@ -13314,64 +13362,47 @@
         </p:nvSpPr>
         <p:spPr>
           <a:xfrm>
-            <a:off x="3535876" y="3456013"/>
-            <a:ext cx="1630446" cy="276999"/>
+            <a:off x="1809749" y="2045753"/>
+            <a:ext cx="2007221" cy="276999"/>
           </a:xfrm>
           <a:prstGeom prst="rect">
             <a:avLst/>
           </a:prstGeom>
-          <a:noFill/>
+          <a:solidFill>
+            <a:srgbClr val="FFFF00"/>
+          </a:solidFill>
+          <a:ln w="9525">
+            <a:solidFill>
+              <a:schemeClr val="tx1"/>
+            </a:solidFill>
+          </a:ln>
         </p:spPr>
         <p:txBody>
-          <a:bodyPr wrap="none" rtlCol="0">
+          <a:bodyPr wrap="square" rtlCol="0">
             <a:spAutoFit/>
           </a:bodyPr>
           <a:lstStyle/>
           <a:p>
             <a:r>
               <a:rPr lang="en-US" sz="1200" dirty="0" smtClean="0"/>
-              <a:t>Low Bias, Low Variance</a:t>
+              <a:t>Small </a:t>
+            </a:r>
+            <a:r>
+              <a:rPr lang="en-US" sz="1200" dirty="0" smtClean="0"/>
+              <a:t>Bias, </a:t>
+            </a:r>
+            <a:r>
+              <a:rPr lang="en-US" sz="1200" dirty="0" smtClean="0"/>
+              <a:t>Small </a:t>
+            </a:r>
+            <a:r>
+              <a:rPr lang="en-US" sz="1200" dirty="0" smtClean="0"/>
+              <a:t>Variance</a:t>
             </a:r>
             <a:endParaRPr lang="en-US" sz="1200" dirty="0"/>
           </a:p>
         </p:txBody>
       </p:sp>
-      <p:cxnSp>
-        <p:nvCxnSpPr>
-          <p:cNvPr id="14" name="Straight Arrow Connector 13"/>
-          <p:cNvCxnSpPr/>
-          <p:nvPr/>
-        </p:nvCxnSpPr>
-        <p:spPr>
-          <a:xfrm flipH="1" flipV="1">
-            <a:off x="4322834" y="1395185"/>
-            <a:ext cx="1" cy="231641"/>
-          </a:xfrm>
-          <a:prstGeom prst="straightConnector1">
-            <a:avLst/>
-          </a:prstGeom>
-          <a:ln>
-            <a:solidFill>
-              <a:schemeClr val="tx1"/>
-            </a:solidFill>
-            <a:tailEnd type="arrow"/>
-          </a:ln>
-        </p:spPr>
-        <p:style>
-          <a:lnRef idx="2">
-            <a:schemeClr val="accent1"/>
-          </a:lnRef>
-          <a:fillRef idx="0">
-            <a:schemeClr val="accent1"/>
-          </a:fillRef>
-          <a:effectRef idx="1">
-            <a:schemeClr val="accent1"/>
-          </a:effectRef>
-          <a:fontRef idx="minor">
-            <a:schemeClr val="tx1"/>
-          </a:fontRef>
-        </p:style>
-      </p:cxnSp>
       <p:pic>
         <p:nvPicPr>
           <p:cNvPr id="23" name="Picture 22"/>
@@ -13453,8 +13484,8 @@
         </p:nvCxnSpPr>
         <p:spPr>
           <a:xfrm flipV="1">
-            <a:off x="7383039" y="2987375"/>
-            <a:ext cx="0" cy="333714"/>
+            <a:off x="7366184" y="3059596"/>
+            <a:ext cx="0" cy="385478"/>
           </a:xfrm>
           <a:prstGeom prst="straightConnector1">
             <a:avLst/>
@@ -13489,8 +13520,8 @@
         </p:nvSpPr>
         <p:spPr>
           <a:xfrm>
-            <a:off x="6626133" y="4846808"/>
-            <a:ext cx="1710981" cy="276999"/>
+            <a:off x="6349908" y="4846808"/>
+            <a:ext cx="2076018" cy="276999"/>
           </a:xfrm>
           <a:prstGeom prst="rect">
             <a:avLst/>
@@ -13509,7 +13540,19 @@
             </a:r>
             <a:r>
               <a:rPr lang="en-US" sz="1200" dirty="0" smtClean="0"/>
-              <a:t>, Low Variance</a:t>
+              <a:t>, </a:t>
+            </a:r>
+            <a:r>
+              <a:rPr lang="en-US" sz="1200" dirty="0" smtClean="0"/>
+              <a:t>Small</a:t>
+            </a:r>
+            <a:r>
+              <a:rPr lang="en-US" sz="1200" dirty="0" smtClean="0"/>
+              <a:t> </a:t>
+            </a:r>
+            <a:r>
+              <a:rPr lang="en-US" sz="1200" dirty="0" smtClean="0"/>
+              <a:t>Variance</a:t>
             </a:r>
             <a:endParaRPr lang="en-US" sz="1200" dirty="0"/>
           </a:p>
@@ -13537,7 +13580,7 @@
         </p:blipFill>
         <p:spPr>
           <a:xfrm>
-            <a:off x="3784171" y="4483747"/>
+            <a:off x="3816971" y="3717847"/>
             <a:ext cx="1060706" cy="1339895"/>
           </a:xfrm>
           <a:prstGeom prst="rect">
@@ -13553,7 +13596,7 @@
         </p:nvSpPr>
         <p:spPr>
           <a:xfrm>
-            <a:off x="3404207" y="4169652"/>
+            <a:off x="3437007" y="3403752"/>
             <a:ext cx="1811526" cy="1794256"/>
           </a:xfrm>
           <a:prstGeom prst="ellipse">
@@ -13596,8 +13639,8 @@
         </p:nvSpPr>
         <p:spPr>
           <a:xfrm>
-            <a:off x="3573888" y="5963908"/>
-            <a:ext cx="1682448" cy="276999"/>
+            <a:off x="3301888" y="5302783"/>
+            <a:ext cx="2088585" cy="276999"/>
           </a:xfrm>
           <a:prstGeom prst="rect">
             <a:avLst/>
@@ -13612,11 +13655,15 @@
           <a:p>
             <a:r>
               <a:rPr lang="en-US" sz="1200" dirty="0" smtClean="0"/>
-              <a:t>Low Bias, </a:t>
+              <a:t>Small Bias</a:t>
+            </a:r>
+            <a:r>
+              <a:rPr lang="en-US" sz="1200" dirty="0" smtClean="0"/>
+              <a:t>, </a:t>
             </a:r>
             <a:r>
               <a:rPr lang="en-US" sz="1200" b="1" dirty="0" smtClean="0"/>
-              <a:t>High Variance</a:t>
+              <a:t>Large Variance</a:t>
             </a:r>
             <a:endParaRPr lang="en-US" sz="1200" b="1" dirty="0"/>
           </a:p>
@@ -13630,8 +13677,8 @@
         </p:nvCxnSpPr>
         <p:spPr>
           <a:xfrm flipH="1" flipV="1">
-            <a:off x="4320618" y="3877699"/>
-            <a:ext cx="1" cy="231641"/>
+            <a:off x="4330173" y="3136848"/>
+            <a:ext cx="5" cy="214252"/>
           </a:xfrm>
           <a:prstGeom prst="straightConnector1">
             <a:avLst/>
@@ -13666,8 +13713,8 @@
         </p:nvSpPr>
         <p:spPr>
           <a:xfrm>
-            <a:off x="7101833" y="2554855"/>
-            <a:ext cx="1094839" cy="212141"/>
+            <a:off x="7101833" y="2847455"/>
+            <a:ext cx="2042167" cy="196589"/>
           </a:xfrm>
           <a:prstGeom prst="rect">
             <a:avLst/>
@@ -13704,8 +13751,8 @@
         </p:nvSpPr>
         <p:spPr>
           <a:xfrm>
-            <a:off x="540100" y="2554855"/>
-            <a:ext cx="1018032" cy="212141"/>
+            <a:off x="0" y="2847456"/>
+            <a:ext cx="1558132" cy="196588"/>
           </a:xfrm>
           <a:prstGeom prst="rect">
             <a:avLst/>
@@ -13772,8 +13819,8 @@
         </p:nvCxnSpPr>
         <p:spPr>
           <a:xfrm flipV="1">
-            <a:off x="1377481" y="2987374"/>
-            <a:ext cx="0" cy="333715"/>
+            <a:off x="1377481" y="3044043"/>
+            <a:ext cx="0" cy="277047"/>
           </a:xfrm>
           <a:prstGeom prst="straightConnector1">
             <a:avLst/>
@@ -13889,18 +13936,13 @@
         </p:nvSpPr>
         <p:spPr>
           <a:xfrm>
-            <a:off x="2249021" y="3156592"/>
-            <a:ext cx="902876" cy="369332"/>
+            <a:off x="260685" y="1332195"/>
+            <a:ext cx="2270173" cy="276999"/>
           </a:xfrm>
           <a:prstGeom prst="rect">
             <a:avLst/>
           </a:prstGeom>
-          <a:solidFill>
-            <a:schemeClr val="accent1">
-              <a:lumMod val="20000"/>
-              <a:lumOff val="80000"/>
-            </a:schemeClr>
-          </a:solidFill>
+          <a:noFill/>
         </p:spPr>
         <p:txBody>
           <a:bodyPr wrap="none" rtlCol="0">
@@ -13909,120 +13951,10 @@
           <a:lstStyle/>
           <a:p>
             <a:r>
-              <a:rPr lang="en-US" dirty="0" smtClean="0"/>
-              <a:t>Room 1</a:t>
-            </a:r>
-            <a:endParaRPr lang="en-US" dirty="0"/>
-          </a:p>
-        </p:txBody>
-      </p:sp>
-      <p:sp>
-        <p:nvSpPr>
-          <p:cNvPr id="46" name="Rectangle 45"/>
-          <p:cNvSpPr/>
-          <p:nvPr/>
-        </p:nvSpPr>
-        <p:spPr>
-          <a:xfrm>
-            <a:off x="6912850" y="5947231"/>
-            <a:ext cx="1424264" cy="277977"/>
-          </a:xfrm>
-          <a:prstGeom prst="rect">
-            <a:avLst/>
-          </a:prstGeom>
-          <a:solidFill>
-            <a:srgbClr val="FF0000">
-              <a:alpha val="21176"/>
-            </a:srgbClr>
-          </a:solidFill>
-        </p:spPr>
-        <p:style>
-          <a:lnRef idx="1">
-            <a:schemeClr val="accent1"/>
-          </a:lnRef>
-          <a:fillRef idx="3">
-            <a:schemeClr val="accent1"/>
-          </a:fillRef>
-          <a:effectRef idx="2">
-            <a:schemeClr val="accent1"/>
-          </a:effectRef>
-          <a:fontRef idx="minor">
-            <a:schemeClr val="lt1"/>
-          </a:fontRef>
-        </p:style>
-        <p:txBody>
-          <a:bodyPr rtlCol="0" anchor="ctr"/>
-          <a:lstStyle/>
-          <a:p>
-            <a:pPr algn="ctr"/>
-            <a:r>
-              <a:rPr lang="en-US" sz="1200" dirty="0" smtClean="0">
-                <a:solidFill>
-                  <a:schemeClr val="tx1"/>
-                </a:solidFill>
-              </a:rPr>
-              <a:t>Collides with Wall</a:t>
-            </a:r>
-            <a:endParaRPr lang="en-US" sz="1200" dirty="0">
-              <a:solidFill>
-                <a:schemeClr val="tx1"/>
-              </a:solidFill>
-            </a:endParaRPr>
-          </a:p>
-        </p:txBody>
-      </p:sp>
-      <p:sp>
-        <p:nvSpPr>
-          <p:cNvPr id="47" name="Rectangle 46"/>
-          <p:cNvSpPr/>
-          <p:nvPr/>
-        </p:nvSpPr>
-        <p:spPr>
-          <a:xfrm>
-            <a:off x="6912849" y="5669268"/>
-            <a:ext cx="1424265" cy="277977"/>
-          </a:xfrm>
-          <a:prstGeom prst="rect">
-            <a:avLst/>
-          </a:prstGeom>
-          <a:solidFill>
-            <a:srgbClr val="92D050">
-              <a:alpha val="23137"/>
-            </a:srgbClr>
-          </a:solidFill>
-        </p:spPr>
-        <p:style>
-          <a:lnRef idx="1">
-            <a:schemeClr val="accent1"/>
-          </a:lnRef>
-          <a:fillRef idx="3">
-            <a:schemeClr val="accent1"/>
-          </a:fillRef>
-          <a:effectRef idx="2">
-            <a:schemeClr val="accent1"/>
-          </a:effectRef>
-          <a:fontRef idx="minor">
-            <a:schemeClr val="lt1"/>
-          </a:fontRef>
-        </p:style>
-        <p:txBody>
-          <a:bodyPr rtlCol="0" anchor="ctr"/>
-          <a:lstStyle/>
-          <a:p>
-            <a:pPr algn="ctr"/>
-            <a:r>
-              <a:rPr lang="en-US" sz="1200" dirty="0" smtClean="0">
-                <a:solidFill>
-                  <a:schemeClr val="tx1"/>
-                </a:solidFill>
-              </a:rPr>
-              <a:t>Enters Room 2</a:t>
-            </a:r>
-            <a:endParaRPr lang="en-US" sz="1200" dirty="0">
-              <a:solidFill>
-                <a:schemeClr val="tx1"/>
-              </a:solidFill>
-            </a:endParaRPr>
+              <a:rPr lang="en-US" sz="1200" b="1" dirty="0" smtClean="0"/>
+              <a:t>Room 2: Fukushima Reactor</a:t>
+            </a:r>
+            <a:endParaRPr lang="en-US" sz="1200" b="1" dirty="0"/>
           </a:p>
         </p:txBody>
       </p:sp>
@@ -14036,9 +13968,9 @@
           <p:nvPr/>
         </p:nvCxnSpPr>
         <p:spPr>
-          <a:xfrm>
-            <a:off x="5800581" y="2660926"/>
-            <a:ext cx="1301252" cy="0"/>
+          <a:xfrm flipV="1">
+            <a:off x="5800581" y="2945750"/>
+            <a:ext cx="1301252" cy="7776"/>
           </a:xfrm>
           <a:prstGeom prst="straightConnector1">
             <a:avLst/>
@@ -14072,8 +14004,8 @@
         </p:nvSpPr>
         <p:spPr>
           <a:xfrm>
-            <a:off x="8196672" y="2457822"/>
-            <a:ext cx="728083" cy="430887"/>
+            <a:off x="-31958" y="2818833"/>
+            <a:ext cx="1558132" cy="261610"/>
           </a:xfrm>
           <a:prstGeom prst="rect">
             <a:avLst/>
@@ -14081,29 +14013,30 @@
           <a:noFill/>
         </p:spPr>
         <p:txBody>
-          <a:bodyPr wrap="none" rtlCol="0">
+          <a:bodyPr wrap="square" rtlCol="0">
             <a:spAutoFit/>
           </a:bodyPr>
           <a:lstStyle/>
           <a:p>
             <a:pPr algn="ctr"/>
             <a:r>
-              <a:rPr lang="en-US" sz="1100" dirty="0" smtClean="0"/>
-              <a:t>Damaged</a:t>
-            </a:r>
-          </a:p>
-          <a:p>
-            <a:pPr algn="ctr"/>
-            <a:r>
-              <a:rPr lang="en-US" sz="1100" dirty="0" smtClean="0"/>
-              <a:t>Wall</a:t>
-            </a:r>
-            <a:endParaRPr lang="en-US" sz="1100" dirty="0"/>
-          </a:p>
-        </p:txBody>
-      </p:sp>
-      <mc:AlternateContent xmlns:mc="http://schemas.openxmlformats.org/markup-compatibility/2006" xmlns:a14="http://schemas.microsoft.com/office/drawing/2010/main">
-        <mc:Choice Requires="a14">
+              <a:rPr lang="en-US" sz="1100" dirty="0" smtClean="0">
+                <a:solidFill>
+                  <a:schemeClr val="bg1"/>
+                </a:solidFill>
+              </a:rPr>
+              <a:t>Damaged Wall</a:t>
+            </a:r>
+            <a:endParaRPr lang="en-US" sz="1100" dirty="0">
+              <a:solidFill>
+                <a:schemeClr val="bg1"/>
+              </a:solidFill>
+            </a:endParaRPr>
+          </a:p>
+        </p:txBody>
+      </p:sp>
+      <mc:AlternateContent xmlns:mc="http://schemas.openxmlformats.org/markup-compatibility/2006">
+        <mc:Choice xmlns:a14="http://schemas.microsoft.com/office/drawing/2010/main" Requires="a14">
           <p:sp>
             <p:nvSpPr>
               <p:cNvPr id="13" name="TextBox 12"/>
@@ -14112,7 +14045,7 @@
             </p:nvSpPr>
             <p:spPr>
               <a:xfrm>
-                <a:off x="6238548" y="2477149"/>
+                <a:off x="6238548" y="2769749"/>
                 <a:ext cx="505844" cy="369332"/>
               </a:xfrm>
               <a:prstGeom prst="rect">
@@ -14160,7 +14093,7 @@
             </p:txBody>
           </p:sp>
         </mc:Choice>
-        <mc:Fallback xmlns="">
+        <mc:Fallback>
           <p:sp>
             <p:nvSpPr>
               <p:cNvPr id="13" name="TextBox 12"/>
@@ -14171,7 +14104,7 @@
             </p:nvSpPr>
             <p:spPr>
               <a:xfrm>
-                <a:off x="6238548" y="2477149"/>
+                <a:off x="6238548" y="2769749"/>
                 <a:ext cx="505844" cy="369332"/>
               </a:xfrm>
               <a:prstGeom prst="rect">
@@ -14207,7 +14140,7 @@
         </p:nvCxnSpPr>
         <p:spPr>
           <a:xfrm>
-            <a:off x="1558132" y="2660925"/>
+            <a:off x="1558132" y="2953525"/>
             <a:ext cx="1301252" cy="0"/>
           </a:xfrm>
           <a:prstGeom prst="straightConnector1">
@@ -14234,8 +14167,8 @@
           </a:fontRef>
         </p:style>
       </p:cxnSp>
-      <mc:AlternateContent xmlns:mc="http://schemas.openxmlformats.org/markup-compatibility/2006" xmlns:a14="http://schemas.microsoft.com/office/drawing/2010/main">
-        <mc:Choice Requires="a14">
+      <mc:AlternateContent xmlns:mc="http://schemas.openxmlformats.org/markup-compatibility/2006">
+        <mc:Choice xmlns:a14="http://schemas.microsoft.com/office/drawing/2010/main" Requires="a14">
           <p:sp>
             <p:nvSpPr>
               <p:cNvPr id="41" name="TextBox 40"/>
@@ -14244,7 +14177,7 @@
             </p:nvSpPr>
             <p:spPr>
               <a:xfrm>
-                <a:off x="1996099" y="2477148"/>
+                <a:off x="1996099" y="2769748"/>
                 <a:ext cx="505844" cy="369332"/>
               </a:xfrm>
               <a:prstGeom prst="rect">
@@ -14292,7 +14225,7 @@
             </p:txBody>
           </p:sp>
         </mc:Choice>
-        <mc:Fallback xmlns="">
+        <mc:Fallback>
           <p:sp>
             <p:nvSpPr>
               <p:cNvPr id="41" name="TextBox 40"/>
@@ -14303,7 +14236,7 @@
             </p:nvSpPr>
             <p:spPr>
               <a:xfrm>
-                <a:off x="1996099" y="2477148"/>
+                <a:off x="1996099" y="2769748"/>
                 <a:ext cx="505844" cy="369332"/>
               </a:xfrm>
               <a:prstGeom prst="rect">
@@ -14339,7 +14272,7 @@
         </p:nvCxnSpPr>
         <p:spPr>
           <a:xfrm>
-            <a:off x="3716114" y="1811492"/>
+            <a:off x="3679529" y="2945749"/>
             <a:ext cx="1301252" cy="0"/>
           </a:xfrm>
           <a:prstGeom prst="straightConnector1">
@@ -14366,8 +14299,8 @@
           </a:fontRef>
         </p:style>
       </p:cxnSp>
-      <mc:AlternateContent xmlns:mc="http://schemas.openxmlformats.org/markup-compatibility/2006" xmlns:a14="http://schemas.microsoft.com/office/drawing/2010/main">
-        <mc:Choice Requires="a14">
+      <mc:AlternateContent xmlns:mc="http://schemas.openxmlformats.org/markup-compatibility/2006">
+        <mc:Choice xmlns:a14="http://schemas.microsoft.com/office/drawing/2010/main" Requires="a14">
           <p:sp>
             <p:nvSpPr>
               <p:cNvPr id="45" name="TextBox 44"/>
@@ -14376,7 +14309,7 @@
             </p:nvSpPr>
             <p:spPr>
               <a:xfrm>
-                <a:off x="4094522" y="1626826"/>
+                <a:off x="4089848" y="2761083"/>
                 <a:ext cx="505844" cy="369332"/>
               </a:xfrm>
               <a:prstGeom prst="rect">
@@ -14424,7 +14357,7 @@
             </p:txBody>
           </p:sp>
         </mc:Choice>
-        <mc:Fallback xmlns="">
+        <mc:Fallback>
           <p:sp>
             <p:nvSpPr>
               <p:cNvPr id="45" name="TextBox 44"/>
@@ -14435,7 +14368,7 @@
             </p:nvSpPr>
             <p:spPr>
               <a:xfrm>
-                <a:off x="4094522" y="1626826"/>
+                <a:off x="4089848" y="2761083"/>
                 <a:ext cx="505844" cy="369332"/>
               </a:xfrm>
               <a:prstGeom prst="rect">
@@ -14465,24 +14398,28 @@
       </mc:AlternateContent>
       <p:sp>
         <p:nvSpPr>
-          <p:cNvPr id="36" name="TextBox 35"/>
+          <p:cNvPr id="16" name="TextBox 15"/>
           <p:cNvSpPr txBox="1"/>
           <p:nvPr/>
         </p:nvSpPr>
         <p:spPr>
           <a:xfrm>
-            <a:off x="6612876" y="1273190"/>
-            <a:ext cx="992579" cy="369332"/>
+            <a:off x="5574531" y="1584209"/>
+            <a:ext cx="3175869" cy="430887"/>
           </a:xfrm>
           <a:prstGeom prst="rect">
             <a:avLst/>
           </a:prstGeom>
           <a:solidFill>
-            <a:schemeClr val="accent1">
-              <a:lumMod val="20000"/>
-              <a:lumOff val="80000"/>
-            </a:schemeClr>
+            <a:srgbClr val="92D050">
+              <a:alpha val="30196"/>
+            </a:srgbClr>
           </a:solidFill>
+          <a:ln w="12700">
+            <a:solidFill>
+              <a:schemeClr val="tx1"/>
+            </a:solidFill>
+          </a:ln>
         </p:spPr>
         <p:txBody>
           <a:bodyPr wrap="none" rtlCol="0">
@@ -14490,70 +14427,73 @@
           </a:bodyPr>
           <a:lstStyle/>
           <a:p>
-            <a:r>
-              <a:rPr lang="en-US" dirty="0" smtClean="0"/>
-              <a:t>Room 2</a:t>
-            </a:r>
-            <a:endParaRPr lang="en-US" dirty="0"/>
-          </a:p>
-        </p:txBody>
-      </p:sp>
-      <p:sp>
-        <p:nvSpPr>
-          <p:cNvPr id="15" name="Freeform 14"/>
+            <a:pPr algn="ctr"/>
+            <a:r>
+              <a:rPr lang="en-US" sz="1100" dirty="0" smtClean="0"/>
+              <a:t>Enters Room 2: 3D mapping algorithm is a </a:t>
+            </a:r>
+          </a:p>
+          <a:p>
+            <a:pPr algn="ctr"/>
+            <a:r>
+              <a:rPr lang="en-US" sz="1100" dirty="0" smtClean="0"/>
+              <a:t>minimum variance, unbiased estimator (MVUE).</a:t>
+            </a:r>
+            <a:endParaRPr lang="en-US" sz="1100" dirty="0"/>
+          </a:p>
+        </p:txBody>
+      </p:sp>
+      <p:sp>
+        <p:nvSpPr>
+          <p:cNvPr id="51" name="TextBox 50"/>
+          <p:cNvSpPr txBox="1"/>
+          <p:nvPr/>
+        </p:nvSpPr>
+        <p:spPr>
+          <a:xfrm>
+            <a:off x="343463" y="5748019"/>
+            <a:ext cx="2270173" cy="276999"/>
+          </a:xfrm>
+          <a:prstGeom prst="rect">
+            <a:avLst/>
+          </a:prstGeom>
+          <a:noFill/>
+        </p:spPr>
+        <p:txBody>
+          <a:bodyPr wrap="none" rtlCol="0">
+            <a:spAutoFit/>
+          </a:bodyPr>
+          <a:lstStyle/>
+          <a:p>
+            <a:r>
+              <a:rPr lang="en-US" sz="1200" b="1" dirty="0" smtClean="0"/>
+              <a:t>Room 1: Fukushima Reactor</a:t>
+            </a:r>
+            <a:endParaRPr lang="en-US" sz="1200" b="1" dirty="0"/>
+          </a:p>
+        </p:txBody>
+      </p:sp>
+      <p:sp>
+        <p:nvSpPr>
+          <p:cNvPr id="53" name="Rectangle 52"/>
           <p:cNvSpPr/>
           <p:nvPr/>
         </p:nvSpPr>
         <p:spPr>
           <a:xfrm>
-            <a:off x="4798771" y="1982419"/>
-            <a:ext cx="1170432" cy="190195"/>
+            <a:off x="0" y="2847457"/>
+            <a:ext cx="9144000" cy="3505718"/>
           </a:xfrm>
-          <a:custGeom>
+          <a:prstGeom prst="rect">
             <a:avLst/>
-            <a:gdLst>
-              <a:gd name="connsiteX0" fmla="*/ 0 w 1170432"/>
-              <a:gd name="connsiteY0" fmla="*/ 190195 h 190195"/>
-              <a:gd name="connsiteX1" fmla="*/ 424282 w 1170432"/>
-              <a:gd name="connsiteY1" fmla="*/ 73152 h 190195"/>
-              <a:gd name="connsiteX2" fmla="*/ 1170432 w 1170432"/>
-              <a:gd name="connsiteY2" fmla="*/ 0 h 190195"/>
-            </a:gdLst>
-            <a:ahLst/>
-            <a:cxnLst>
-              <a:cxn ang="0">
-                <a:pos x="connsiteX0" y="connsiteY0"/>
-              </a:cxn>
-              <a:cxn ang="0">
-                <a:pos x="connsiteX1" y="connsiteY1"/>
-              </a:cxn>
-              <a:cxn ang="0">
-                <a:pos x="connsiteX2" y="connsiteY2"/>
-              </a:cxn>
-            </a:cxnLst>
-            <a:rect l="l" t="t" r="r" b="b"/>
-            <a:pathLst>
-              <a:path w="1170432" h="190195">
-                <a:moveTo>
-                  <a:pt x="0" y="190195"/>
-                </a:moveTo>
-                <a:cubicBezTo>
-                  <a:pt x="114605" y="147523"/>
-                  <a:pt x="229210" y="104851"/>
-                  <a:pt x="424282" y="73152"/>
-                </a:cubicBezTo>
-                <a:cubicBezTo>
-                  <a:pt x="619354" y="41453"/>
-                  <a:pt x="894893" y="20726"/>
-                  <a:pt x="1170432" y="0"/>
-                </a:cubicBezTo>
-              </a:path>
-            </a:pathLst>
-          </a:custGeom>
-          <a:noFill/>
+          </a:prstGeom>
+          <a:solidFill>
+            <a:srgbClr val="DDDDDD">
+              <a:alpha val="36078"/>
+            </a:srgbClr>
+          </a:solidFill>
           <a:ln>
-            <a:headEnd type="arrow" w="med" len="med"/>
-            <a:tailEnd type="none" w="med" len="med"/>
+            <a:noFill/>
           </a:ln>
         </p:spPr>
         <p:style>
@@ -14583,40 +14523,268 @@
       </p:sp>
       <p:sp>
         <p:nvSpPr>
-          <p:cNvPr id="16" name="TextBox 15"/>
+          <p:cNvPr id="55" name="Right Arrow 54"/>
+          <p:cNvSpPr/>
+          <p:nvPr/>
+        </p:nvSpPr>
+        <p:spPr>
+          <a:xfrm flipH="1">
+            <a:off x="4990564" y="1674785"/>
+            <a:ext cx="555717" cy="242661"/>
+          </a:xfrm>
+          <a:prstGeom prst="rightArrow">
+            <a:avLst/>
+          </a:prstGeom>
+          <a:solidFill>
+            <a:srgbClr val="92D050">
+              <a:alpha val="30196"/>
+            </a:srgbClr>
+          </a:solidFill>
+          <a:ln w="12700">
+            <a:solidFill>
+              <a:schemeClr val="tx1"/>
+            </a:solidFill>
+          </a:ln>
+        </p:spPr>
+        <p:style>
+          <a:lnRef idx="2">
+            <a:schemeClr val="accent1">
+              <a:shade val="50000"/>
+            </a:schemeClr>
+          </a:lnRef>
+          <a:fillRef idx="1">
+            <a:schemeClr val="accent1"/>
+          </a:fillRef>
+          <a:effectRef idx="0">
+            <a:schemeClr val="accent1"/>
+          </a:effectRef>
+          <a:fontRef idx="minor">
+            <a:schemeClr val="lt1"/>
+          </a:fontRef>
+        </p:style>
+        <p:txBody>
+          <a:bodyPr rtlCol="0" anchor="ctr"/>
+          <a:lstStyle/>
+          <a:p>
+            <a:pPr algn="ctr"/>
+            <a:endParaRPr lang="en-US"/>
+          </a:p>
+        </p:txBody>
+      </p:sp>
+      <p:sp>
+        <p:nvSpPr>
+          <p:cNvPr id="57" name="TextBox 56"/>
           <p:cNvSpPr txBox="1"/>
           <p:nvPr/>
         </p:nvSpPr>
         <p:spPr>
           <a:xfrm>
-            <a:off x="5990911" y="1797753"/>
-            <a:ext cx="2236510" cy="369332"/>
+            <a:off x="7208911" y="2809363"/>
+            <a:ext cx="1558132" cy="261610"/>
+          </a:xfrm>
+          <a:prstGeom prst="rect">
+            <a:avLst/>
+          </a:prstGeom>
+          <a:noFill/>
+        </p:spPr>
+        <p:txBody>
+          <a:bodyPr wrap="square" rtlCol="0">
+            <a:spAutoFit/>
+          </a:bodyPr>
+          <a:lstStyle/>
+          <a:p>
+            <a:pPr algn="ctr"/>
+            <a:r>
+              <a:rPr lang="en-US" sz="1100" dirty="0" smtClean="0">
+                <a:solidFill>
+                  <a:schemeClr val="bg1"/>
+                </a:solidFill>
+              </a:rPr>
+              <a:t>Damaged Wall</a:t>
+            </a:r>
+            <a:endParaRPr lang="en-US" sz="1100" dirty="0">
+              <a:solidFill>
+                <a:schemeClr val="bg1"/>
+              </a:solidFill>
+            </a:endParaRPr>
+          </a:p>
+        </p:txBody>
+      </p:sp>
+      <p:cxnSp>
+        <p:nvCxnSpPr>
+          <p:cNvPr id="58" name="Straight Arrow Connector 57"/>
+          <p:cNvCxnSpPr/>
+          <p:nvPr/>
+        </p:nvCxnSpPr>
+        <p:spPr>
+          <a:xfrm flipH="1" flipV="1">
+            <a:off x="4320648" y="2584398"/>
+            <a:ext cx="5" cy="214252"/>
+          </a:xfrm>
+          <a:prstGeom prst="straightConnector1">
+            <a:avLst/>
+          </a:prstGeom>
+          <a:ln>
+            <a:solidFill>
+              <a:schemeClr val="tx1"/>
+            </a:solidFill>
+            <a:tailEnd type="arrow"/>
+          </a:ln>
+        </p:spPr>
+        <p:style>
+          <a:lnRef idx="2">
+            <a:schemeClr val="accent1"/>
+          </a:lnRef>
+          <a:fillRef idx="0">
+            <a:schemeClr val="accent1"/>
+          </a:fillRef>
+          <a:effectRef idx="1">
+            <a:schemeClr val="accent1"/>
+          </a:effectRef>
+          <a:fontRef idx="minor">
+            <a:schemeClr val="tx1"/>
+          </a:fontRef>
+        </p:style>
+      </p:cxnSp>
+      <p:sp>
+        <p:nvSpPr>
+          <p:cNvPr id="46" name="Rectangle 45"/>
+          <p:cNvSpPr/>
+          <p:nvPr/>
+        </p:nvSpPr>
+        <p:spPr>
+          <a:xfrm>
+            <a:off x="6071572" y="5764791"/>
+            <a:ext cx="2678826" cy="277977"/>
           </a:xfrm>
           <a:prstGeom prst="rect">
             <a:avLst/>
           </a:prstGeom>
           <a:solidFill>
-            <a:schemeClr val="accent3">
-              <a:lumMod val="40000"/>
-              <a:lumOff val="60000"/>
-            </a:schemeClr>
+            <a:srgbClr val="FF0000">
+              <a:alpha val="21176"/>
+            </a:srgbClr>
           </a:solidFill>
         </p:spPr>
-        <p:txBody>
-          <a:bodyPr wrap="none" rtlCol="0">
-            <a:spAutoFit/>
-          </a:bodyPr>
+        <p:style>
+          <a:lnRef idx="1">
+            <a:schemeClr val="accent1"/>
+          </a:lnRef>
+          <a:fillRef idx="3">
+            <a:schemeClr val="accent1"/>
+          </a:fillRef>
+          <a:effectRef idx="2">
+            <a:schemeClr val="accent1"/>
+          </a:effectRef>
+          <a:fontRef idx="minor">
+            <a:schemeClr val="lt1"/>
+          </a:fontRef>
+        </p:style>
+        <p:txBody>
+          <a:bodyPr rtlCol="0" anchor="ctr"/>
           <a:lstStyle/>
           <a:p>
-            <a:r>
-              <a:rPr lang="en-US" dirty="0" err="1" smtClean="0"/>
-              <a:t>Helo</a:t>
-            </a:r>
-            <a:r>
-              <a:rPr lang="en-US" dirty="0" smtClean="0"/>
-              <a:t> enters Room 2</a:t>
-            </a:r>
-            <a:endParaRPr lang="en-US" dirty="0"/>
+            <a:pPr algn="ctr"/>
+            <a:r>
+              <a:rPr lang="en-US" sz="1200" dirty="0" smtClean="0">
+                <a:solidFill>
+                  <a:schemeClr val="tx1"/>
+                </a:solidFill>
+              </a:rPr>
+              <a:t>Collides with </a:t>
+            </a:r>
+            <a:r>
+              <a:rPr lang="en-US" sz="1200" dirty="0" smtClean="0">
+                <a:solidFill>
+                  <a:schemeClr val="tx1"/>
+                </a:solidFill>
+              </a:rPr>
+              <a:t>Wall: not MVUE </a:t>
+            </a:r>
+            <a:r>
+              <a:rPr lang="en-US" sz="1200" dirty="0" err="1" smtClean="0">
+                <a:solidFill>
+                  <a:schemeClr val="tx1"/>
+                </a:solidFill>
+              </a:rPr>
+              <a:t>algo</a:t>
+            </a:r>
+            <a:endParaRPr lang="en-US" sz="1200" dirty="0">
+              <a:solidFill>
+                <a:schemeClr val="tx1"/>
+              </a:solidFill>
+            </a:endParaRPr>
+          </a:p>
+        </p:txBody>
+      </p:sp>
+      <p:sp>
+        <p:nvSpPr>
+          <p:cNvPr id="47" name="Rectangle 46"/>
+          <p:cNvSpPr/>
+          <p:nvPr/>
+        </p:nvSpPr>
+        <p:spPr>
+          <a:xfrm>
+            <a:off x="6071572" y="5486828"/>
+            <a:ext cx="2678826" cy="277977"/>
+          </a:xfrm>
+          <a:prstGeom prst="rect">
+            <a:avLst/>
+          </a:prstGeom>
+          <a:solidFill>
+            <a:srgbClr val="92D050">
+              <a:alpha val="23137"/>
+            </a:srgbClr>
+          </a:solidFill>
+        </p:spPr>
+        <p:style>
+          <a:lnRef idx="1">
+            <a:schemeClr val="accent1"/>
+          </a:lnRef>
+          <a:fillRef idx="3">
+            <a:schemeClr val="accent1"/>
+          </a:fillRef>
+          <a:effectRef idx="2">
+            <a:schemeClr val="accent1"/>
+          </a:effectRef>
+          <a:fontRef idx="minor">
+            <a:schemeClr val="lt1"/>
+          </a:fontRef>
+        </p:style>
+        <p:txBody>
+          <a:bodyPr rtlCol="0" anchor="ctr"/>
+          <a:lstStyle/>
+          <a:p>
+            <a:pPr algn="ctr"/>
+            <a:r>
+              <a:rPr lang="en-US" sz="1200" dirty="0" smtClean="0">
+                <a:solidFill>
+                  <a:schemeClr val="tx1"/>
+                </a:solidFill>
+              </a:rPr>
+              <a:t>Enters Room </a:t>
+            </a:r>
+            <a:r>
+              <a:rPr lang="en-US" sz="1200" dirty="0" smtClean="0">
+                <a:solidFill>
+                  <a:schemeClr val="tx1"/>
+                </a:solidFill>
+              </a:rPr>
+              <a:t>2: MVUE </a:t>
+            </a:r>
+            <a:r>
+              <a:rPr lang="en-US" sz="1200" dirty="0" err="1" smtClean="0">
+                <a:solidFill>
+                  <a:schemeClr val="tx1"/>
+                </a:solidFill>
+              </a:rPr>
+              <a:t>algo</a:t>
+            </a:r>
+            <a:endParaRPr lang="en-US" sz="1200" dirty="0">
+              <a:solidFill>
+                <a:schemeClr val="tx1"/>
+              </a:solidFill>
+            </a:endParaRPr>
           </a:p>
         </p:txBody>
       </p:sp>
@@ -14658,7 +14826,7 @@
         </p:nvSpPr>
         <p:spPr>
           <a:xfrm>
-            <a:off x="5643918" y="5250333"/>
+            <a:off x="5710962" y="4690893"/>
             <a:ext cx="914400" cy="914400"/>
           </a:xfrm>
           <a:prstGeom prst="irregularSeal1">
@@ -14669,9 +14837,8 @@
           </a:solidFill>
           <a:ln>
             <a:solidFill>
-              <a:schemeClr val="tx1">
-                <a:lumMod val="65000"/>
-                <a:lumOff val="35000"/>
+              <a:schemeClr val="bg1">
+                <a:lumMod val="50000"/>
               </a:schemeClr>
             </a:solidFill>
           </a:ln>
@@ -15184,7 +15351,7 @@
           <a:graphicData uri="http://schemas.openxmlformats.org/presentationml/2006/ole">
             <mc:AlternateContent xmlns:mc="http://schemas.openxmlformats.org/markup-compatibility/2006">
               <mc:Choice xmlns:v="urn:schemas-microsoft-com:vml" Requires="v">
-                <p:oleObj spid="_x0000_s2210" name="Equation" r:id="rId4" imgW="469900" imgH="254000" progId="Equation.3">
+                <p:oleObj spid="_x0000_s2230" name="Equation" r:id="rId4" imgW="469900" imgH="254000" progId="Equation.3">
                   <p:embed/>
                 </p:oleObj>
               </mc:Choice>
@@ -15241,7 +15408,7 @@
           <a:graphicData uri="http://schemas.openxmlformats.org/presentationml/2006/ole">
             <mc:AlternateContent xmlns:mc="http://schemas.openxmlformats.org/markup-compatibility/2006">
               <mc:Choice xmlns:v="urn:schemas-microsoft-com:vml" Requires="v">
-                <p:oleObj spid="_x0000_s2211" name="Equation" r:id="rId6" imgW="482600" imgH="254000" progId="Equation.3">
+                <p:oleObj spid="_x0000_s2231" name="Equation" r:id="rId6" imgW="482600" imgH="254000" progId="Equation.3">
                   <p:embed/>
                 </p:oleObj>
               </mc:Choice>
@@ -15298,7 +15465,7 @@
           <a:graphicData uri="http://schemas.openxmlformats.org/presentationml/2006/ole">
             <mc:AlternateContent xmlns:mc="http://schemas.openxmlformats.org/markup-compatibility/2006">
               <mc:Choice xmlns:v="urn:schemas-microsoft-com:vml" Requires="v">
-                <p:oleObj spid="_x0000_s2212" name="Equation" r:id="rId8" imgW="127000" imgH="177800" progId="Equation.3">
+                <p:oleObj spid="_x0000_s2232" name="Equation" r:id="rId8" imgW="127000" imgH="177800" progId="Equation.3">
                   <p:embed/>
                 </p:oleObj>
               </mc:Choice>
@@ -15451,7 +15618,7 @@
           <a:graphicData uri="http://schemas.openxmlformats.org/presentationml/2006/ole">
             <mc:AlternateContent xmlns:mc="http://schemas.openxmlformats.org/markup-compatibility/2006">
               <mc:Choice xmlns:v="urn:schemas-microsoft-com:vml" Requires="v">
-                <p:oleObj spid="_x0000_s2213" name="Equation" r:id="rId10" imgW="2323800" imgH="660240" progId="Equation.3">
+                <p:oleObj spid="_x0000_s2233" name="Equation" r:id="rId10" imgW="2323800" imgH="660240" progId="Equation.3">
                   <p:embed/>
                 </p:oleObj>
               </mc:Choice>
@@ -15597,13 +15764,13 @@
         <p:spPr>
           <a:xfrm>
             <a:off x="3728733" y="3813371"/>
-            <a:ext cx="1309013" cy="369332"/>
+            <a:ext cx="2287806" cy="369332"/>
           </a:xfrm>
           <a:prstGeom prst="rect">
             <a:avLst/>
           </a:prstGeom>
           <a:solidFill>
-            <a:schemeClr val="bg1"/>
+            <a:srgbClr val="FFFF00"/>
           </a:solidFill>
         </p:spPr>
         <p:txBody>
@@ -15614,7 +15781,11 @@
           <a:p>
             <a:r>
               <a:rPr lang="en-US" dirty="0" smtClean="0"/>
-              <a:t>CRLB is Best</a:t>
+              <a:t>CRLB is </a:t>
+            </a:r>
+            <a:r>
+              <a:rPr lang="en-US" dirty="0" smtClean="0"/>
+              <a:t>Best MVUE</a:t>
             </a:r>
             <a:endParaRPr lang="en-US" dirty="0"/>
           </a:p>
@@ -15667,7 +15838,11 @@
           <a:p>
             <a:r>
               <a:rPr lang="en-US" dirty="0" smtClean="0"/>
-              <a:t>Modeling Registration Errors</a:t>
+              <a:t>Modeling Registration </a:t>
+            </a:r>
+            <a:r>
+              <a:rPr lang="en-US" dirty="0" smtClean="0"/>
+              <a:t>Errors and CRLB</a:t>
             </a:r>
             <a:endParaRPr lang="en-US" dirty="0"/>
           </a:p>
@@ -15695,7 +15870,7 @@
           <a:graphicData uri="http://schemas.openxmlformats.org/presentationml/2006/ole">
             <mc:AlternateContent xmlns:mc="http://schemas.openxmlformats.org/markup-compatibility/2006">
               <mc:Choice xmlns:v="urn:schemas-microsoft-com:vml" Requires="v">
-                <p:oleObj spid="_x0000_s4132" name="Equation" r:id="rId3" imgW="2323800" imgH="660240" progId="Equation.3">
+                <p:oleObj spid="_x0000_s4136" name="Equation" r:id="rId3" imgW="2323800" imgH="660240" progId="Equation.3">
                   <p:embed/>
                 </p:oleObj>
               </mc:Choice>
@@ -16774,7 +16949,7 @@
         <p:spPr>
           <a:xfrm>
             <a:off x="457200" y="5998953"/>
-            <a:ext cx="4099199" cy="276999"/>
+            <a:ext cx="4576894" cy="276999"/>
           </a:xfrm>
           <a:prstGeom prst="rect">
             <a:avLst/>
@@ -16789,7 +16964,27 @@
           <a:p>
             <a:r>
               <a:rPr lang="en-US" sz="1200" dirty="0" smtClean="0"/>
-              <a:t>MSE = Mean Square Error: Measure of Registration Error</a:t>
+              <a:t>MSE = Mean Square </a:t>
+            </a:r>
+            <a:r>
+              <a:rPr lang="en-US" sz="1200" dirty="0" smtClean="0"/>
+              <a:t>Error used as measure </a:t>
+            </a:r>
+            <a:r>
+              <a:rPr lang="en-US" sz="1200" dirty="0" smtClean="0"/>
+              <a:t>of </a:t>
+            </a:r>
+            <a:r>
+              <a:rPr lang="en-US" sz="1200" dirty="0" smtClean="0"/>
+              <a:t>registration </a:t>
+            </a:r>
+            <a:r>
+              <a:rPr lang="en-US" sz="1200" dirty="0"/>
+              <a:t>e</a:t>
+            </a:r>
+            <a:r>
+              <a:rPr lang="en-US" sz="1200" dirty="0" smtClean="0"/>
+              <a:t>rror</a:t>
             </a:r>
             <a:endParaRPr lang="en-US" sz="1200" dirty="0"/>
           </a:p>

--- a/Presentation/CS679Presentation2.pptx
+++ b/Presentation/CS679Presentation2.pptx
@@ -4738,7 +4738,7 @@
           <a:graphicData uri="http://schemas.openxmlformats.org/presentationml/2006/ole">
             <mc:AlternateContent xmlns:mc="http://schemas.openxmlformats.org/markup-compatibility/2006">
               <mc:Choice xmlns:v="urn:schemas-microsoft-com:vml" Requires="v">
-                <p:oleObj spid="_x0000_s3239" name="Equation" r:id="rId4" imgW="1739880" imgH="215640" progId="Equation.3">
+                <p:oleObj spid="_x0000_s3245" name="Equation" r:id="rId4" imgW="1739880" imgH="215640" progId="Equation.3">
                   <p:embed/>
                 </p:oleObj>
               </mc:Choice>
@@ -4800,7 +4800,7 @@
           <a:graphicData uri="http://schemas.openxmlformats.org/presentationml/2006/ole">
             <mc:AlternateContent xmlns:mc="http://schemas.openxmlformats.org/markup-compatibility/2006">
               <mc:Choice xmlns:v="urn:schemas-microsoft-com:vml" Requires="v">
-                <p:oleObj spid="_x0000_s3240" name="Equation" r:id="rId6" imgW="2971800" imgH="215640" progId="Equation.3">
+                <p:oleObj spid="_x0000_s3246" name="Equation" r:id="rId6" imgW="2971800" imgH="215640" progId="Equation.3">
                   <p:embed/>
                 </p:oleObj>
               </mc:Choice>
@@ -4862,7 +4862,7 @@
           <a:graphicData uri="http://schemas.openxmlformats.org/presentationml/2006/ole">
             <mc:AlternateContent xmlns:mc="http://schemas.openxmlformats.org/markup-compatibility/2006">
               <mc:Choice xmlns:v="urn:schemas-microsoft-com:vml" Requires="v">
-                <p:oleObj spid="_x0000_s3241" name="Equation" r:id="rId8" imgW="4673520" imgH="431640" progId="Equation.3">
+                <p:oleObj spid="_x0000_s3247" name="Equation" r:id="rId8" imgW="4673520" imgH="431640" progId="Equation.3">
                   <p:embed/>
                 </p:oleObj>
               </mc:Choice>
@@ -5290,7 +5290,7 @@
           <a:graphicData uri="http://schemas.openxmlformats.org/presentationml/2006/ole">
             <mc:AlternateContent xmlns:mc="http://schemas.openxmlformats.org/markup-compatibility/2006">
               <mc:Choice xmlns:v="urn:schemas-microsoft-com:vml" Requires="v">
-                <p:oleObj spid="_x0000_s3242" name="Equation" r:id="rId11" imgW="2438280" imgH="533160" progId="Equation.3">
+                <p:oleObj spid="_x0000_s3248" name="Equation" r:id="rId11" imgW="2438280" imgH="533160" progId="Equation.3">
                   <p:embed/>
                 </p:oleObj>
               </mc:Choice>
@@ -5481,7 +5481,7 @@
           <a:graphicData uri="http://schemas.openxmlformats.org/presentationml/2006/ole">
             <mc:AlternateContent xmlns:mc="http://schemas.openxmlformats.org/markup-compatibility/2006">
               <mc:Choice xmlns:v="urn:schemas-microsoft-com:vml" Requires="v">
-                <p:oleObj spid="_x0000_s3243" name="Equation" r:id="rId13" imgW="520560" imgH="215640" progId="Equation.3">
+                <p:oleObj spid="_x0000_s3249" name="Equation" r:id="rId13" imgW="520560" imgH="215640" progId="Equation.3">
                   <p:embed/>
                 </p:oleObj>
               </mc:Choice>
@@ -5543,7 +5543,7 @@
           <a:graphicData uri="http://schemas.openxmlformats.org/presentationml/2006/ole">
             <mc:AlternateContent xmlns:mc="http://schemas.openxmlformats.org/markup-compatibility/2006">
               <mc:Choice xmlns:v="urn:schemas-microsoft-com:vml" Requires="v">
-                <p:oleObj spid="_x0000_s3244" name="Equation" r:id="rId15" imgW="533160" imgH="215640" progId="Equation.3">
+                <p:oleObj spid="_x0000_s3250" name="Equation" r:id="rId15" imgW="533160" imgH="215640" progId="Equation.3">
                   <p:embed/>
                 </p:oleObj>
               </mc:Choice>
@@ -15351,7 +15351,7 @@
           <a:graphicData uri="http://schemas.openxmlformats.org/presentationml/2006/ole">
             <mc:AlternateContent xmlns:mc="http://schemas.openxmlformats.org/markup-compatibility/2006">
               <mc:Choice xmlns:v="urn:schemas-microsoft-com:vml" Requires="v">
-                <p:oleObj spid="_x0000_s2230" name="Equation" r:id="rId4" imgW="469900" imgH="254000" progId="Equation.3">
+                <p:oleObj spid="_x0000_s2234" name="Equation" r:id="rId4" imgW="469900" imgH="254000" progId="Equation.3">
                   <p:embed/>
                 </p:oleObj>
               </mc:Choice>
@@ -15408,7 +15408,7 @@
           <a:graphicData uri="http://schemas.openxmlformats.org/presentationml/2006/ole">
             <mc:AlternateContent xmlns:mc="http://schemas.openxmlformats.org/markup-compatibility/2006">
               <mc:Choice xmlns:v="urn:schemas-microsoft-com:vml" Requires="v">
-                <p:oleObj spid="_x0000_s2231" name="Equation" r:id="rId6" imgW="482600" imgH="254000" progId="Equation.3">
+                <p:oleObj spid="_x0000_s2235" name="Equation" r:id="rId6" imgW="482600" imgH="254000" progId="Equation.3">
                   <p:embed/>
                 </p:oleObj>
               </mc:Choice>
@@ -15465,7 +15465,7 @@
           <a:graphicData uri="http://schemas.openxmlformats.org/presentationml/2006/ole">
             <mc:AlternateContent xmlns:mc="http://schemas.openxmlformats.org/markup-compatibility/2006">
               <mc:Choice xmlns:v="urn:schemas-microsoft-com:vml" Requires="v">
-                <p:oleObj spid="_x0000_s2232" name="Equation" r:id="rId8" imgW="127000" imgH="177800" progId="Equation.3">
+                <p:oleObj spid="_x0000_s2236" name="Equation" r:id="rId8" imgW="127000" imgH="177800" progId="Equation.3">
                   <p:embed/>
                 </p:oleObj>
               </mc:Choice>
@@ -15618,7 +15618,7 @@
           <a:graphicData uri="http://schemas.openxmlformats.org/presentationml/2006/ole">
             <mc:AlternateContent xmlns:mc="http://schemas.openxmlformats.org/markup-compatibility/2006">
               <mc:Choice xmlns:v="urn:schemas-microsoft-com:vml" Requires="v">
-                <p:oleObj spid="_x0000_s2233" name="Equation" r:id="rId10" imgW="2323800" imgH="660240" progId="Equation.3">
+                <p:oleObj spid="_x0000_s2237" name="Equation" r:id="rId10" imgW="2323800" imgH="660240" progId="Equation.3">
                   <p:embed/>
                 </p:oleObj>
               </mc:Choice>
@@ -15870,7 +15870,7 @@
           <a:graphicData uri="http://schemas.openxmlformats.org/presentationml/2006/ole">
             <mc:AlternateContent xmlns:mc="http://schemas.openxmlformats.org/markup-compatibility/2006">
               <mc:Choice xmlns:v="urn:schemas-microsoft-com:vml" Requires="v">
-                <p:oleObj spid="_x0000_s4136" name="Equation" r:id="rId3" imgW="2323800" imgH="660240" progId="Equation.3">
+                <p:oleObj spid="_x0000_s4137" name="Equation" r:id="rId3" imgW="2323800" imgH="660240" progId="Equation.3">
                   <p:embed/>
                 </p:oleObj>
               </mc:Choice>

--- a/Presentation/CS679Presentation2.pptx
+++ b/Presentation/CS679Presentation2.pptx
@@ -5,7 +5,7 @@
     <p:sldMasterId id="2147483660" r:id="rId1"/>
   </p:sldMasterIdLst>
   <p:notesMasterIdLst>
-    <p:notesMasterId r:id="rId16"/>
+    <p:notesMasterId r:id="rId17"/>
   </p:notesMasterIdLst>
   <p:sldIdLst>
     <p:sldId id="256" r:id="rId2"/>
@@ -14,14 +14,15 @@
     <p:sldId id="259" r:id="rId5"/>
     <p:sldId id="262" r:id="rId6"/>
     <p:sldId id="258" r:id="rId7"/>
-    <p:sldId id="271" r:id="rId8"/>
-    <p:sldId id="264" r:id="rId9"/>
-    <p:sldId id="269" r:id="rId10"/>
-    <p:sldId id="265" r:id="rId11"/>
-    <p:sldId id="263" r:id="rId12"/>
-    <p:sldId id="272" r:id="rId13"/>
-    <p:sldId id="274" r:id="rId14"/>
-    <p:sldId id="261" r:id="rId15"/>
+    <p:sldId id="275" r:id="rId8"/>
+    <p:sldId id="271" r:id="rId9"/>
+    <p:sldId id="264" r:id="rId10"/>
+    <p:sldId id="269" r:id="rId11"/>
+    <p:sldId id="265" r:id="rId12"/>
+    <p:sldId id="263" r:id="rId13"/>
+    <p:sldId id="272" r:id="rId14"/>
+    <p:sldId id="274" r:id="rId15"/>
+    <p:sldId id="261" r:id="rId16"/>
   </p:sldIdLst>
   <p:sldSz cx="9144000" cy="6858000" type="screen4x3"/>
   <p:notesSz cx="6858000" cy="9144000"/>
@@ -603,11 +604,11 @@
           <a:p>
             <a:r>
               <a:rPr lang="en-US" dirty="0" smtClean="0"/>
-              <a:t>Because only</a:t>
+              <a:t>Introduce, we want to fly</a:t>
             </a:r>
             <a:r>
               <a:rPr lang="en-US" baseline="0" dirty="0" smtClean="0"/>
-              <a:t> the second term contains unknown parameters v1 and v2, the problem of maximum likelihood is really a minimization of this term. The normalization by f^2 is normalizing by the energy of the cost.</a:t>
+              <a:t> though the building and fly from room to room. Look at various cases of bias and variance.</a:t>
             </a:r>
             <a:endParaRPr lang="en-US" dirty="0"/>
           </a:p>
@@ -630,7 +631,7 @@
           <a:p>
             <a:fld id="{E45D6759-B732-485E-B4A7-CCF490D5EF6C}" type="slidenum">
               <a:rPr lang="en-US" smtClean="0"/>
-              <a:t>10</a:t>
+              <a:t>8</a:t>
             </a:fld>
             <a:endParaRPr lang="en-US"/>
           </a:p>
@@ -639,7 +640,7 @@
     </p:spTree>
     <p:extLst>
       <p:ext uri="{BB962C8B-B14F-4D97-AF65-F5344CB8AC3E}">
-        <p14:creationId xmlns:p14="http://schemas.microsoft.com/office/powerpoint/2010/main" val="3810496413"/>
+        <p14:creationId xmlns:p14="http://schemas.microsoft.com/office/powerpoint/2010/main" val="832670702"/>
       </p:ext>
     </p:extLst>
   </p:cSld>
@@ -695,27 +696,7 @@
           <a:p>
             <a:r>
               <a:rPr lang="en-US" dirty="0" smtClean="0"/>
-              <a:t>Notice the FIM is dependent on the structure</a:t>
-            </a:r>
-            <a:r>
-              <a:rPr lang="en-US" baseline="0" dirty="0" smtClean="0"/>
-              <a:t> of the image. This makes sense because variance on an image which is a smooth gradient will be very large while variance on a corner will be smaller. For those who have taking computer vision, this matrix is very similar to the </a:t>
-            </a:r>
-            <a:r>
-              <a:rPr lang="en-US" baseline="0" dirty="0" err="1" smtClean="0"/>
-              <a:t>harris</a:t>
-            </a:r>
-            <a:r>
-              <a:rPr lang="en-US" baseline="0" dirty="0" smtClean="0"/>
-              <a:t> corner </a:t>
-            </a:r>
-            <a:r>
-              <a:rPr lang="en-US" baseline="0" dirty="0" err="1" smtClean="0"/>
-              <a:t>detor’s</a:t>
-            </a:r>
-            <a:r>
-              <a:rPr lang="en-US" baseline="0" dirty="0" smtClean="0"/>
-              <a:t> structure tensor (second moment matrix) without the windowing.</a:t>
+              <a:t>The CRLB may be completely described by the FIM which is the variance term of the MSE</a:t>
             </a:r>
             <a:endParaRPr lang="en-US" dirty="0"/>
           </a:p>
@@ -738,7 +719,7 @@
           <a:p>
             <a:fld id="{E45D6759-B732-485E-B4A7-CCF490D5EF6C}" type="slidenum">
               <a:rPr lang="en-US" smtClean="0"/>
-              <a:t>12</a:t>
+              <a:t>10</a:t>
             </a:fld>
             <a:endParaRPr lang="en-US"/>
           </a:p>
@@ -747,7 +728,7 @@
     </p:spTree>
     <p:extLst>
       <p:ext uri="{BB962C8B-B14F-4D97-AF65-F5344CB8AC3E}">
-        <p14:creationId xmlns:p14="http://schemas.microsoft.com/office/powerpoint/2010/main" val="2641330464"/>
+        <p14:creationId xmlns:p14="http://schemas.microsoft.com/office/powerpoint/2010/main" val="1824721962"/>
       </p:ext>
     </p:extLst>
   </p:cSld>
@@ -803,17 +784,13 @@
           <a:p>
             <a:r>
               <a:rPr lang="en-US" dirty="0" smtClean="0"/>
-              <a:t>In this slide I will</a:t>
+              <a:t>Because only</a:t>
             </a:r>
             <a:r>
               <a:rPr lang="en-US" baseline="0" dirty="0" smtClean="0"/>
-              <a:t> just reiterate what we have learned and what is important to take away from </a:t>
-            </a:r>
-            <a:r>
-              <a:rPr lang="en-US" baseline="0" smtClean="0"/>
-              <a:t>this presentation.</a:t>
-            </a:r>
-            <a:endParaRPr lang="en-US"/>
+              <a:t> the second term contains unknown parameters v1 and v2, the problem of maximum likelihood is really a minimization of this term. The normalization by f^2 is normalizing by the energy of the cost.</a:t>
+            </a:r>
+            <a:endParaRPr lang="en-US" dirty="0"/>
           </a:p>
         </p:txBody>
       </p:sp>
@@ -834,7 +811,217 @@
           <a:p>
             <a:fld id="{E45D6759-B732-485E-B4A7-CCF490D5EF6C}" type="slidenum">
               <a:rPr lang="en-US" smtClean="0"/>
-              <a:t>14</a:t>
+              <a:t>11</a:t>
+            </a:fld>
+            <a:endParaRPr lang="en-US"/>
+          </a:p>
+        </p:txBody>
+      </p:sp>
+    </p:spTree>
+    <p:extLst>
+      <p:ext uri="{BB962C8B-B14F-4D97-AF65-F5344CB8AC3E}">
+        <p14:creationId xmlns:p14="http://schemas.microsoft.com/office/powerpoint/2010/main" val="3810496413"/>
+      </p:ext>
+    </p:extLst>
+  </p:cSld>
+  <p:clrMapOvr>
+    <a:masterClrMapping/>
+  </p:clrMapOvr>
+</p:notes>
+</file>
+
+<file path=ppt/notesSlides/notesSlide5.xml><?xml version="1.0" encoding="utf-8"?>
+<p:notes xmlns:a="http://schemas.openxmlformats.org/drawingml/2006/main" xmlns:r="http://schemas.openxmlformats.org/officeDocument/2006/relationships" xmlns:p="http://schemas.openxmlformats.org/presentationml/2006/main">
+  <p:cSld>
+    <p:spTree>
+      <p:nvGrpSpPr>
+        <p:cNvPr id="1" name=""/>
+        <p:cNvGrpSpPr/>
+        <p:nvPr/>
+      </p:nvGrpSpPr>
+      <p:grpSpPr>
+        <a:xfrm>
+          <a:off x="0" y="0"/>
+          <a:ext cx="0" cy="0"/>
+          <a:chOff x="0" y="0"/>
+          <a:chExt cx="0" cy="0"/>
+        </a:xfrm>
+      </p:grpSpPr>
+      <p:sp>
+        <p:nvSpPr>
+          <p:cNvPr id="2" name="Slide Image Placeholder 1"/>
+          <p:cNvSpPr>
+            <a:spLocks noGrp="1" noRot="1" noChangeAspect="1"/>
+          </p:cNvSpPr>
+          <p:nvPr>
+            <p:ph type="sldImg"/>
+          </p:nvPr>
+        </p:nvSpPr>
+        <p:spPr/>
+      </p:sp>
+      <p:sp>
+        <p:nvSpPr>
+          <p:cNvPr id="3" name="Notes Placeholder 2"/>
+          <p:cNvSpPr>
+            <a:spLocks noGrp="1"/>
+          </p:cNvSpPr>
+          <p:nvPr>
+            <p:ph type="body" idx="1"/>
+          </p:nvPr>
+        </p:nvSpPr>
+        <p:spPr/>
+        <p:txBody>
+          <a:bodyPr/>
+          <a:lstStyle/>
+          <a:p>
+            <a:r>
+              <a:rPr lang="en-US" dirty="0" smtClean="0"/>
+              <a:t>Notice the FIM is dependent on the structure</a:t>
+            </a:r>
+            <a:r>
+              <a:rPr lang="en-US" baseline="0" dirty="0" smtClean="0"/>
+              <a:t> of the image. This makes sense because variance on an image which is a smooth gradient will be very large while variance on a corner will be smaller. For those who have taking computer vision, this matrix is very similar to the </a:t>
+            </a:r>
+            <a:r>
+              <a:rPr lang="en-US" baseline="0" dirty="0" err="1" smtClean="0"/>
+              <a:t>harris</a:t>
+            </a:r>
+            <a:r>
+              <a:rPr lang="en-US" baseline="0" dirty="0" smtClean="0"/>
+              <a:t> corner </a:t>
+            </a:r>
+            <a:r>
+              <a:rPr lang="en-US" baseline="0" dirty="0" err="1" smtClean="0"/>
+              <a:t>detor’s</a:t>
+            </a:r>
+            <a:r>
+              <a:rPr lang="en-US" baseline="0" dirty="0" smtClean="0"/>
+              <a:t> structure tensor (second moment matrix) without the windowing.</a:t>
+            </a:r>
+            <a:endParaRPr lang="en-US" dirty="0"/>
+          </a:p>
+        </p:txBody>
+      </p:sp>
+      <p:sp>
+        <p:nvSpPr>
+          <p:cNvPr id="4" name="Slide Number Placeholder 3"/>
+          <p:cNvSpPr>
+            <a:spLocks noGrp="1"/>
+          </p:cNvSpPr>
+          <p:nvPr>
+            <p:ph type="sldNum" sz="quarter" idx="10"/>
+          </p:nvPr>
+        </p:nvSpPr>
+        <p:spPr/>
+        <p:txBody>
+          <a:bodyPr/>
+          <a:lstStyle/>
+          <a:p>
+            <a:fld id="{E45D6759-B732-485E-B4A7-CCF490D5EF6C}" type="slidenum">
+              <a:rPr lang="en-US" smtClean="0"/>
+              <a:t>13</a:t>
+            </a:fld>
+            <a:endParaRPr lang="en-US"/>
+          </a:p>
+        </p:txBody>
+      </p:sp>
+    </p:spTree>
+    <p:extLst>
+      <p:ext uri="{BB962C8B-B14F-4D97-AF65-F5344CB8AC3E}">
+        <p14:creationId xmlns:p14="http://schemas.microsoft.com/office/powerpoint/2010/main" val="2641330464"/>
+      </p:ext>
+    </p:extLst>
+  </p:cSld>
+  <p:clrMapOvr>
+    <a:masterClrMapping/>
+  </p:clrMapOvr>
+</p:notes>
+</file>
+
+<file path=ppt/notesSlides/notesSlide6.xml><?xml version="1.0" encoding="utf-8"?>
+<p:notes xmlns:a="http://schemas.openxmlformats.org/drawingml/2006/main" xmlns:r="http://schemas.openxmlformats.org/officeDocument/2006/relationships" xmlns:p="http://schemas.openxmlformats.org/presentationml/2006/main">
+  <p:cSld>
+    <p:spTree>
+      <p:nvGrpSpPr>
+        <p:cNvPr id="1" name=""/>
+        <p:cNvGrpSpPr/>
+        <p:nvPr/>
+      </p:nvGrpSpPr>
+      <p:grpSpPr>
+        <a:xfrm>
+          <a:off x="0" y="0"/>
+          <a:ext cx="0" cy="0"/>
+          <a:chOff x="0" y="0"/>
+          <a:chExt cx="0" cy="0"/>
+        </a:xfrm>
+      </p:grpSpPr>
+      <p:sp>
+        <p:nvSpPr>
+          <p:cNvPr id="2" name="Slide Image Placeholder 1"/>
+          <p:cNvSpPr>
+            <a:spLocks noGrp="1" noRot="1" noChangeAspect="1"/>
+          </p:cNvSpPr>
+          <p:nvPr>
+            <p:ph type="sldImg"/>
+          </p:nvPr>
+        </p:nvSpPr>
+        <p:spPr/>
+      </p:sp>
+      <p:sp>
+        <p:nvSpPr>
+          <p:cNvPr id="3" name="Notes Placeholder 2"/>
+          <p:cNvSpPr>
+            <a:spLocks noGrp="1"/>
+          </p:cNvSpPr>
+          <p:nvPr>
+            <p:ph type="body" idx="1"/>
+          </p:nvPr>
+        </p:nvSpPr>
+        <p:spPr/>
+        <p:txBody>
+          <a:bodyPr/>
+          <a:lstStyle/>
+          <a:p>
+            <a:r>
+              <a:rPr lang="en-US" dirty="0" smtClean="0"/>
+              <a:t>In this slide I will</a:t>
+            </a:r>
+            <a:r>
+              <a:rPr lang="en-US" baseline="0" dirty="0" smtClean="0"/>
+              <a:t> just reiterate what we have learned and what is important to take away from this presentation</a:t>
+            </a:r>
+            <a:r>
+              <a:rPr lang="en-US" baseline="0" dirty="0" smtClean="0"/>
+              <a:t>.</a:t>
+            </a:r>
+          </a:p>
+          <a:p>
+            <a:r>
+              <a:rPr lang="en-US" baseline="0" dirty="0" smtClean="0"/>
+              <a:t>Relate my experience. I’m building a registration estimator and I’m dealing with these issues at work.</a:t>
+            </a:r>
+            <a:endParaRPr lang="en-US" dirty="0"/>
+          </a:p>
+        </p:txBody>
+      </p:sp>
+      <p:sp>
+        <p:nvSpPr>
+          <p:cNvPr id="4" name="Slide Number Placeholder 3"/>
+          <p:cNvSpPr>
+            <a:spLocks noGrp="1"/>
+          </p:cNvSpPr>
+          <p:nvPr>
+            <p:ph type="sldNum" sz="quarter" idx="10"/>
+          </p:nvPr>
+        </p:nvSpPr>
+        <p:spPr/>
+        <p:txBody>
+          <a:bodyPr/>
+          <a:lstStyle/>
+          <a:p>
+            <a:fld id="{E45D6759-B732-485E-B4A7-CCF490D5EF6C}" type="slidenum">
+              <a:rPr lang="en-US" smtClean="0"/>
+              <a:t>15</a:t>
             </a:fld>
             <a:endParaRPr lang="en-US"/>
           </a:p>
@@ -4670,10 +4857,1207 @@
   <p:clrMapOvr>
     <a:masterClrMapping/>
   </p:clrMapOvr>
+  <p:timing>
+    <p:tnLst>
+      <p:par>
+        <p:cTn id="1" dur="indefinite" restart="never" nodeType="tmRoot"/>
+      </p:par>
+    </p:tnLst>
+  </p:timing>
 </p:sld>
 </file>
 
 <file path=ppt/slides/slide10.xml><?xml version="1.0" encoding="utf-8"?>
+<p:sld xmlns:a="http://schemas.openxmlformats.org/drawingml/2006/main" xmlns:r="http://schemas.openxmlformats.org/officeDocument/2006/relationships" xmlns:p="http://schemas.openxmlformats.org/presentationml/2006/main">
+  <p:cSld>
+    <p:spTree>
+      <p:nvGrpSpPr>
+        <p:cNvPr id="1" name=""/>
+        <p:cNvGrpSpPr/>
+        <p:nvPr/>
+      </p:nvGrpSpPr>
+      <p:grpSpPr>
+        <a:xfrm>
+          <a:off x="0" y="0"/>
+          <a:ext cx="0" cy="0"/>
+          <a:chOff x="0" y="0"/>
+          <a:chExt cx="0" cy="0"/>
+        </a:xfrm>
+      </p:grpSpPr>
+      <p:sp>
+        <p:nvSpPr>
+          <p:cNvPr id="2" name="Title 1"/>
+          <p:cNvSpPr>
+            <a:spLocks noGrp="1"/>
+          </p:cNvSpPr>
+          <p:nvPr>
+            <p:ph type="title"/>
+          </p:nvPr>
+        </p:nvSpPr>
+        <p:spPr/>
+        <p:txBody>
+          <a:bodyPr/>
+          <a:lstStyle/>
+          <a:p>
+            <a:r>
+              <a:rPr lang="en-US" dirty="0" smtClean="0"/>
+              <a:t>Modeling Registration Errors and CRLB</a:t>
+            </a:r>
+            <a:endParaRPr lang="en-US" dirty="0"/>
+          </a:p>
+        </p:txBody>
+      </p:sp>
+      <p:graphicFrame>
+        <p:nvGraphicFramePr>
+          <p:cNvPr id="3" name="Object 2"/>
+          <p:cNvGraphicFramePr>
+            <a:graphicFrameLocks noChangeAspect="1"/>
+          </p:cNvGraphicFramePr>
+          <p:nvPr>
+            <p:extLst>
+              <p:ext uri="{D42A27DB-BD31-4B8C-83A1-F6EECF244321}">
+                <p14:modId xmlns:p14="http://schemas.microsoft.com/office/powerpoint/2010/main" val="479749534"/>
+              </p:ext>
+            </p:extLst>
+          </p:nvPr>
+        </p:nvGraphicFramePr>
+        <p:xfrm>
+          <a:off x="649288" y="1677988"/>
+          <a:ext cx="3770312" cy="1090612"/>
+        </p:xfrm>
+        <a:graphic>
+          <a:graphicData uri="http://schemas.openxmlformats.org/presentationml/2006/ole">
+            <mc:AlternateContent xmlns:mc="http://schemas.openxmlformats.org/markup-compatibility/2006">
+              <mc:Choice xmlns:v="urn:schemas-microsoft-com:vml" Requires="v">
+                <p:oleObj spid="_x0000_s4146" name="Equation" r:id="rId4" imgW="2323800" imgH="660240" progId="Equation.3">
+                  <p:embed/>
+                </p:oleObj>
+              </mc:Choice>
+              <mc:Fallback>
+                <p:oleObj name="Equation" r:id="rId4" imgW="2323800" imgH="660240" progId="Equation.3">
+                  <p:embed/>
+                  <p:pic>
+                    <p:nvPicPr>
+                      <p:cNvPr id="0" name="Object 35"/>
+                      <p:cNvPicPr>
+                        <a:picLocks noChangeAspect="1" noChangeArrowheads="1"/>
+                      </p:cNvPicPr>
+                      <p:nvPr/>
+                    </p:nvPicPr>
+                    <p:blipFill>
+                      <a:blip r:embed="rId5"/>
+                      <a:srcRect/>
+                      <a:stretch>
+                        <a:fillRect/>
+                      </a:stretch>
+                    </p:blipFill>
+                    <p:spPr bwMode="auto">
+                      <a:xfrm>
+                        <a:off x="649288" y="1677988"/>
+                        <a:ext cx="3770312" cy="1090612"/>
+                      </a:xfrm>
+                      <a:prstGeom prst="rect">
+                        <a:avLst/>
+                      </a:prstGeom>
+                      <a:solidFill>
+                        <a:schemeClr val="bg1"/>
+                      </a:solidFill>
+                      <a:ln w="9525">
+                        <a:noFill/>
+                        <a:miter lim="800000"/>
+                        <a:headEnd/>
+                        <a:tailEnd/>
+                      </a:ln>
+                    </p:spPr>
+                  </p:pic>
+                </p:oleObj>
+              </mc:Fallback>
+            </mc:AlternateContent>
+          </a:graphicData>
+        </a:graphic>
+      </p:graphicFrame>
+      <p:sp>
+        <p:nvSpPr>
+          <p:cNvPr id="4" name="Oval 3"/>
+          <p:cNvSpPr/>
+          <p:nvPr/>
+        </p:nvSpPr>
+        <p:spPr>
+          <a:xfrm>
+            <a:off x="1528877" y="2018997"/>
+            <a:ext cx="2216507" cy="750698"/>
+          </a:xfrm>
+          <a:prstGeom prst="ellipse">
+            <a:avLst/>
+          </a:prstGeom>
+          <a:solidFill>
+            <a:srgbClr val="DDDDDD">
+              <a:alpha val="23137"/>
+            </a:srgbClr>
+          </a:solidFill>
+          <a:ln>
+            <a:noFill/>
+          </a:ln>
+        </p:spPr>
+        <p:style>
+          <a:lnRef idx="1">
+            <a:schemeClr val="accent1"/>
+          </a:lnRef>
+          <a:fillRef idx="3">
+            <a:schemeClr val="accent1"/>
+          </a:fillRef>
+          <a:effectRef idx="2">
+            <a:schemeClr val="accent1"/>
+          </a:effectRef>
+          <a:fontRef idx="minor">
+            <a:schemeClr val="lt1"/>
+          </a:fontRef>
+        </p:style>
+        <p:txBody>
+          <a:bodyPr rtlCol="0" anchor="ctr"/>
+          <a:lstStyle/>
+          <a:p>
+            <a:pPr algn="ctr"/>
+            <a:endParaRPr lang="en-US"/>
+          </a:p>
+        </p:txBody>
+      </p:sp>
+      <p:sp>
+        <p:nvSpPr>
+          <p:cNvPr id="8" name="Oval 7"/>
+          <p:cNvSpPr/>
+          <p:nvPr/>
+        </p:nvSpPr>
+        <p:spPr>
+          <a:xfrm>
+            <a:off x="2209191" y="2084832"/>
+            <a:ext cx="1214323" cy="265189"/>
+          </a:xfrm>
+          <a:prstGeom prst="ellipse">
+            <a:avLst/>
+          </a:prstGeom>
+          <a:solidFill>
+            <a:srgbClr val="FFFF00">
+              <a:alpha val="38824"/>
+            </a:srgbClr>
+          </a:solidFill>
+          <a:ln>
+            <a:noFill/>
+          </a:ln>
+        </p:spPr>
+        <p:style>
+          <a:lnRef idx="1">
+            <a:schemeClr val="accent1"/>
+          </a:lnRef>
+          <a:fillRef idx="3">
+            <a:schemeClr val="accent1"/>
+          </a:fillRef>
+          <a:effectRef idx="2">
+            <a:schemeClr val="accent1"/>
+          </a:effectRef>
+          <a:fontRef idx="minor">
+            <a:schemeClr val="lt1"/>
+          </a:fontRef>
+        </p:style>
+        <p:txBody>
+          <a:bodyPr rtlCol="0" anchor="ctr"/>
+          <a:lstStyle/>
+          <a:p>
+            <a:pPr algn="ctr"/>
+            <a:endParaRPr lang="en-US"/>
+          </a:p>
+        </p:txBody>
+      </p:sp>
+      <p:sp>
+        <p:nvSpPr>
+          <p:cNvPr id="6" name="TextBox 5"/>
+          <p:cNvSpPr txBox="1"/>
+          <p:nvPr/>
+        </p:nvSpPr>
+        <p:spPr>
+          <a:xfrm>
+            <a:off x="1433780" y="3077914"/>
+            <a:ext cx="3327321" cy="369332"/>
+          </a:xfrm>
+          <a:prstGeom prst="rect">
+            <a:avLst/>
+          </a:prstGeom>
+          <a:noFill/>
+        </p:spPr>
+        <p:txBody>
+          <a:bodyPr wrap="none" rtlCol="0">
+            <a:spAutoFit/>
+          </a:bodyPr>
+          <a:lstStyle/>
+          <a:p>
+            <a:r>
+              <a:rPr lang="en-US" i="1" dirty="0" smtClean="0"/>
+              <a:t>J</a:t>
+            </a:r>
+            <a:r>
+              <a:rPr lang="en-US" dirty="0" smtClean="0"/>
+              <a:t>=Fisher Information Matrix (FIM)</a:t>
+            </a:r>
+            <a:endParaRPr lang="en-US" dirty="0"/>
+          </a:p>
+        </p:txBody>
+      </p:sp>
+      <p:sp>
+        <p:nvSpPr>
+          <p:cNvPr id="7" name="Left Brace 6"/>
+          <p:cNvSpPr/>
+          <p:nvPr/>
+        </p:nvSpPr>
+        <p:spPr>
+          <a:xfrm rot="16200000">
+            <a:off x="2542936" y="1978748"/>
+            <a:ext cx="235939" cy="1876350"/>
+          </a:xfrm>
+          <a:prstGeom prst="leftBrace">
+            <a:avLst/>
+          </a:prstGeom>
+          <a:ln w="9525"/>
+        </p:spPr>
+        <p:style>
+          <a:lnRef idx="2">
+            <a:schemeClr val="accent1"/>
+          </a:lnRef>
+          <a:fillRef idx="0">
+            <a:schemeClr val="accent1"/>
+          </a:fillRef>
+          <a:effectRef idx="1">
+            <a:schemeClr val="accent1"/>
+          </a:effectRef>
+          <a:fontRef idx="minor">
+            <a:schemeClr val="tx1"/>
+          </a:fontRef>
+        </p:style>
+        <p:txBody>
+          <a:bodyPr rtlCol="0" anchor="ctr"/>
+          <a:lstStyle/>
+          <a:p>
+            <a:pPr algn="ctr"/>
+            <a:endParaRPr lang="en-US"/>
+          </a:p>
+        </p:txBody>
+      </p:sp>
+      <p:sp>
+        <p:nvSpPr>
+          <p:cNvPr id="10" name="Freeform 9"/>
+          <p:cNvSpPr/>
+          <p:nvPr/>
+        </p:nvSpPr>
+        <p:spPr>
+          <a:xfrm>
+            <a:off x="3408883" y="2156167"/>
+            <a:ext cx="1126541" cy="299923"/>
+          </a:xfrm>
+          <a:custGeom>
+            <a:avLst/>
+            <a:gdLst>
+              <a:gd name="connsiteX0" fmla="*/ 0 w 1126541"/>
+              <a:gd name="connsiteY0" fmla="*/ 46762 h 412522"/>
+              <a:gd name="connsiteX1" fmla="*/ 607162 w 1126541"/>
+              <a:gd name="connsiteY1" fmla="*/ 32132 h 412522"/>
+              <a:gd name="connsiteX2" fmla="*/ 1126541 w 1126541"/>
+              <a:gd name="connsiteY2" fmla="*/ 412522 h 412522"/>
+            </a:gdLst>
+            <a:ahLst/>
+            <a:cxnLst>
+              <a:cxn ang="0">
+                <a:pos x="connsiteX0" y="connsiteY0"/>
+              </a:cxn>
+              <a:cxn ang="0">
+                <a:pos x="connsiteX1" y="connsiteY1"/>
+              </a:cxn>
+              <a:cxn ang="0">
+                <a:pos x="connsiteX2" y="connsiteY2"/>
+              </a:cxn>
+            </a:cxnLst>
+            <a:rect l="l" t="t" r="r" b="b"/>
+            <a:pathLst>
+              <a:path w="1126541" h="412522">
+                <a:moveTo>
+                  <a:pt x="0" y="46762"/>
+                </a:moveTo>
+                <a:cubicBezTo>
+                  <a:pt x="209702" y="8967"/>
+                  <a:pt x="419405" y="-28828"/>
+                  <a:pt x="607162" y="32132"/>
+                </a:cubicBezTo>
+                <a:cubicBezTo>
+                  <a:pt x="794919" y="93092"/>
+                  <a:pt x="960730" y="252807"/>
+                  <a:pt x="1126541" y="412522"/>
+                </a:cubicBezTo>
+              </a:path>
+            </a:pathLst>
+          </a:custGeom>
+          <a:noFill/>
+          <a:ln>
+            <a:headEnd type="arrow" w="med" len="med"/>
+            <a:tailEnd type="none" w="med" len="med"/>
+          </a:ln>
+        </p:spPr>
+        <p:style>
+          <a:lnRef idx="1">
+            <a:schemeClr val="accent1"/>
+          </a:lnRef>
+          <a:fillRef idx="3">
+            <a:schemeClr val="accent1"/>
+          </a:fillRef>
+          <a:effectRef idx="2">
+            <a:schemeClr val="accent1"/>
+          </a:effectRef>
+          <a:fontRef idx="minor">
+            <a:schemeClr val="lt1"/>
+          </a:fontRef>
+        </p:style>
+        <p:txBody>
+          <a:bodyPr rtlCol="0" anchor="ctr"/>
+          <a:lstStyle/>
+          <a:p>
+            <a:pPr algn="ctr"/>
+            <a:endParaRPr lang="en-US"/>
+          </a:p>
+        </p:txBody>
+      </p:sp>
+      <p:sp>
+        <p:nvSpPr>
+          <p:cNvPr id="11" name="TextBox 10"/>
+          <p:cNvSpPr txBox="1"/>
+          <p:nvPr/>
+        </p:nvSpPr>
+        <p:spPr>
+          <a:xfrm>
+            <a:off x="4535424" y="2317754"/>
+            <a:ext cx="4251485" cy="276999"/>
+          </a:xfrm>
+          <a:prstGeom prst="rect">
+            <a:avLst/>
+          </a:prstGeom>
+          <a:noFill/>
+        </p:spPr>
+        <p:txBody>
+          <a:bodyPr wrap="none" rtlCol="0">
+            <a:spAutoFit/>
+          </a:bodyPr>
+          <a:lstStyle/>
+          <a:p>
+            <a:r>
+              <a:rPr lang="en-US" sz="1200" dirty="0" smtClean="0"/>
+              <a:t>Log likelihood function as in Maximum Likelihood (ML) Estimation</a:t>
+            </a:r>
+            <a:endParaRPr lang="en-US" sz="1200" dirty="0"/>
+          </a:p>
+        </p:txBody>
+      </p:sp>
+      <mc:AlternateContent xmlns:mc="http://schemas.openxmlformats.org/markup-compatibility/2006" xmlns:a14="http://schemas.microsoft.com/office/drawing/2010/main">
+        <mc:Choice Requires="a14">
+          <p:sp>
+            <p:nvSpPr>
+              <p:cNvPr id="13" name="TextBox 12"/>
+              <p:cNvSpPr txBox="1"/>
+              <p:nvPr/>
+            </p:nvSpPr>
+            <p:spPr>
+              <a:xfrm>
+                <a:off x="2218356" y="4495190"/>
+                <a:ext cx="5850063" cy="532775"/>
+              </a:xfrm>
+              <a:prstGeom prst="rect">
+                <a:avLst/>
+              </a:prstGeom>
+              <a:noFill/>
+            </p:spPr>
+            <p:txBody>
+              <a:bodyPr wrap="none" rtlCol="0">
+                <a:spAutoFit/>
+              </a:bodyPr>
+              <a:lstStyle/>
+              <a:p>
+                <a14:m>
+                  <m:oMath xmlns:m="http://schemas.openxmlformats.org/officeDocument/2006/math">
+                    <m:r>
+                      <a:rPr lang="en-US" b="0" i="1" smtClean="0">
+                        <a:latin typeface="Cambria Math"/>
+                      </a:rPr>
+                      <m:t>𝑀𝑆𝐸</m:t>
+                    </m:r>
+                    <m:d>
+                      <m:dPr>
+                        <m:ctrlPr>
+                          <a:rPr lang="en-US" b="0" i="1" smtClean="0">
+                            <a:latin typeface="Cambria Math"/>
+                          </a:rPr>
+                        </m:ctrlPr>
+                      </m:dPr>
+                      <m:e>
+                        <m:r>
+                          <m:rPr>
+                            <m:sty m:val="p"/>
+                          </m:rPr>
+                          <a:rPr lang="el-GR" b="0" i="1" smtClean="0">
+                            <a:latin typeface="Cambria Math"/>
+                            <a:ea typeface="Cambria Math"/>
+                          </a:rPr>
+                          <m:t>Φ</m:t>
+                        </m:r>
+                      </m:e>
+                    </m:d>
+                    <m:r>
+                      <a:rPr lang="en-US" b="0" i="1" smtClean="0">
+                        <a:latin typeface="Cambria Math"/>
+                        <a:ea typeface="Cambria Math"/>
+                      </a:rPr>
+                      <m:t>=</m:t>
+                    </m:r>
+                    <m:f>
+                      <m:fPr>
+                        <m:ctrlPr>
+                          <a:rPr lang="en-US" b="0" i="1" smtClean="0">
+                            <a:latin typeface="Cambria Math"/>
+                            <a:ea typeface="Cambria Math"/>
+                          </a:rPr>
+                        </m:ctrlPr>
+                      </m:fPr>
+                      <m:num>
+                        <m:r>
+                          <a:rPr lang="en-US" b="0" i="1" smtClean="0">
+                            <a:latin typeface="Cambria Math"/>
+                            <a:ea typeface="Cambria Math"/>
+                          </a:rPr>
+                          <m:t>𝜕</m:t>
+                        </m:r>
+                        <m:r>
+                          <a:rPr lang="en-US" b="0" i="1" smtClean="0">
+                            <a:latin typeface="Cambria Math"/>
+                            <a:ea typeface="Cambria Math"/>
+                          </a:rPr>
+                          <m:t>𝐸</m:t>
+                        </m:r>
+                        <m:r>
+                          <a:rPr lang="en-US" b="0" i="1" smtClean="0">
+                            <a:latin typeface="Cambria Math"/>
+                            <a:ea typeface="Cambria Math"/>
+                          </a:rPr>
+                          <m:t>{</m:t>
+                        </m:r>
+                        <m:acc>
+                          <m:accPr>
+                            <m:chr m:val="̂"/>
+                            <m:ctrlPr>
+                              <a:rPr lang="en-US" b="0" i="1" smtClean="0">
+                                <a:latin typeface="Cambria Math"/>
+                                <a:ea typeface="Cambria Math"/>
+                              </a:rPr>
+                            </m:ctrlPr>
+                          </m:accPr>
+                          <m:e>
+                            <m:r>
+                              <m:rPr>
+                                <m:sty m:val="p"/>
+                              </m:rPr>
+                              <a:rPr lang="el-GR" i="1">
+                                <a:latin typeface="Cambria Math"/>
+                                <a:ea typeface="Cambria Math"/>
+                              </a:rPr>
+                              <m:t>Φ</m:t>
+                            </m:r>
+                          </m:e>
+                        </m:acc>
+                        <m:r>
+                          <a:rPr lang="en-US" b="0" i="1" smtClean="0">
+                            <a:latin typeface="Cambria Math"/>
+                            <a:ea typeface="Cambria Math"/>
+                          </a:rPr>
+                          <m:t>}</m:t>
+                        </m:r>
+                      </m:num>
+                      <m:den>
+                        <m:r>
+                          <a:rPr lang="en-US" b="0" i="1" smtClean="0">
+                            <a:latin typeface="Cambria Math"/>
+                            <a:ea typeface="Cambria Math"/>
+                          </a:rPr>
+                          <m:t>𝜕</m:t>
+                        </m:r>
+                        <m:r>
+                          <m:rPr>
+                            <m:sty m:val="p"/>
+                          </m:rPr>
+                          <a:rPr lang="el-GR" i="1">
+                            <a:latin typeface="Cambria Math"/>
+                            <a:ea typeface="Cambria Math"/>
+                          </a:rPr>
+                          <m:t>Φ</m:t>
+                        </m:r>
+                      </m:den>
+                    </m:f>
+                    <m:sSup>
+                      <m:sSupPr>
+                        <m:ctrlPr>
+                          <a:rPr lang="en-US" b="0" i="1" smtClean="0">
+                            <a:latin typeface="Cambria Math"/>
+                            <a:ea typeface="Cambria Math"/>
+                          </a:rPr>
+                        </m:ctrlPr>
+                      </m:sSupPr>
+                      <m:e>
+                        <m:r>
+                          <a:rPr lang="en-US" b="0" i="1" smtClean="0">
+                            <a:latin typeface="Cambria Math"/>
+                            <a:ea typeface="Cambria Math"/>
+                          </a:rPr>
+                          <m:t>𝐽</m:t>
+                        </m:r>
+                      </m:e>
+                      <m:sup>
+                        <m:r>
+                          <a:rPr lang="en-US" b="0" i="1" smtClean="0">
+                            <a:latin typeface="Cambria Math"/>
+                            <a:ea typeface="Cambria Math"/>
+                          </a:rPr>
+                          <m:t>−1</m:t>
+                        </m:r>
+                      </m:sup>
+                    </m:sSup>
+                    <m:r>
+                      <a:rPr lang="en-US" b="0" i="1" smtClean="0">
+                        <a:latin typeface="Cambria Math"/>
+                        <a:ea typeface="Cambria Math"/>
+                      </a:rPr>
+                      <m:t>(</m:t>
+                    </m:r>
+                    <m:r>
+                      <m:rPr>
+                        <m:sty m:val="p"/>
+                      </m:rPr>
+                      <a:rPr lang="el-GR" i="1">
+                        <a:latin typeface="Cambria Math"/>
+                        <a:ea typeface="Cambria Math"/>
+                      </a:rPr>
+                      <m:t>Φ</m:t>
+                    </m:r>
+                  </m:oMath>
+                </a14:m>
+                <a:r>
+                  <a:rPr lang="en-US" dirty="0" smtClean="0"/>
+                  <a:t>)</a:t>
+                </a:r>
+                <a14:m>
+                  <m:oMath xmlns:m="http://schemas.openxmlformats.org/officeDocument/2006/math">
+                    <m:f>
+                      <m:fPr>
+                        <m:ctrlPr>
+                          <a:rPr lang="en-US" i="1">
+                            <a:latin typeface="Cambria Math"/>
+                            <a:ea typeface="Cambria Math"/>
+                          </a:rPr>
+                        </m:ctrlPr>
+                      </m:fPr>
+                      <m:num>
+                        <m:sSup>
+                          <m:sSupPr>
+                            <m:ctrlPr>
+                              <a:rPr lang="en-US" i="1" smtClean="0">
+                                <a:latin typeface="Cambria Math"/>
+                                <a:ea typeface="Cambria Math"/>
+                              </a:rPr>
+                            </m:ctrlPr>
+                          </m:sSupPr>
+                          <m:e>
+                            <m:r>
+                              <a:rPr lang="en-US" i="1">
+                                <a:latin typeface="Cambria Math"/>
+                                <a:ea typeface="Cambria Math"/>
+                              </a:rPr>
+                              <m:t>𝜕</m:t>
+                            </m:r>
+                            <m:r>
+                              <a:rPr lang="en-US" i="1">
+                                <a:latin typeface="Cambria Math"/>
+                                <a:ea typeface="Cambria Math"/>
+                              </a:rPr>
+                              <m:t>𝐸</m:t>
+                            </m:r>
+                            <m:r>
+                              <a:rPr lang="en-US" i="1">
+                                <a:latin typeface="Cambria Math"/>
+                                <a:ea typeface="Cambria Math"/>
+                              </a:rPr>
+                              <m:t>{</m:t>
+                            </m:r>
+                            <m:acc>
+                              <m:accPr>
+                                <m:chr m:val="̂"/>
+                                <m:ctrlPr>
+                                  <a:rPr lang="en-US" i="1" smtClean="0">
+                                    <a:latin typeface="Cambria Math"/>
+                                    <a:ea typeface="Cambria Math"/>
+                                  </a:rPr>
+                                </m:ctrlPr>
+                              </m:accPr>
+                              <m:e>
+                                <m:r>
+                                  <m:rPr>
+                                    <m:sty m:val="p"/>
+                                  </m:rPr>
+                                  <a:rPr lang="el-GR" i="1">
+                                    <a:latin typeface="Cambria Math"/>
+                                    <a:ea typeface="Cambria Math"/>
+                                  </a:rPr>
+                                  <m:t>Φ</m:t>
+                                </m:r>
+                              </m:e>
+                            </m:acc>
+                            <m:r>
+                              <a:rPr lang="en-US" i="1">
+                                <a:latin typeface="Cambria Math"/>
+                                <a:ea typeface="Cambria Math"/>
+                              </a:rPr>
+                              <m:t>}</m:t>
+                            </m:r>
+                          </m:e>
+                          <m:sup>
+                            <m:r>
+                              <a:rPr lang="en-US" b="0" i="1" smtClean="0">
+                                <a:latin typeface="Cambria Math"/>
+                                <a:ea typeface="Cambria Math"/>
+                              </a:rPr>
+                              <m:t>𝑇</m:t>
+                            </m:r>
+                          </m:sup>
+                        </m:sSup>
+                      </m:num>
+                      <m:den>
+                        <m:r>
+                          <a:rPr lang="en-US" i="1">
+                            <a:latin typeface="Cambria Math"/>
+                            <a:ea typeface="Cambria Math"/>
+                          </a:rPr>
+                          <m:t>𝜕</m:t>
+                        </m:r>
+                        <m:r>
+                          <m:rPr>
+                            <m:sty m:val="p"/>
+                          </m:rPr>
+                          <a:rPr lang="el-GR" i="1">
+                            <a:latin typeface="Cambria Math"/>
+                            <a:ea typeface="Cambria Math"/>
+                          </a:rPr>
+                          <m:t>Φ</m:t>
+                        </m:r>
+                      </m:den>
+                    </m:f>
+                    <m:r>
+                      <a:rPr lang="en-US" b="0" i="1" smtClean="0">
+                        <a:latin typeface="Cambria Math"/>
+                        <a:ea typeface="Cambria Math"/>
+                      </a:rPr>
+                      <m:t>+</m:t>
+                    </m:r>
+                    <m:d>
+                      <m:dPr>
+                        <m:ctrlPr>
+                          <a:rPr lang="en-US" b="0" i="1" smtClean="0">
+                            <a:latin typeface="Cambria Math"/>
+                            <a:ea typeface="Cambria Math"/>
+                          </a:rPr>
+                        </m:ctrlPr>
+                      </m:dPr>
+                      <m:e>
+                        <m:r>
+                          <a:rPr lang="en-US" b="0" i="1" smtClean="0">
+                            <a:latin typeface="Cambria Math"/>
+                            <a:ea typeface="Cambria Math"/>
+                          </a:rPr>
+                          <m:t>𝐸</m:t>
+                        </m:r>
+                        <m:d>
+                          <m:dPr>
+                            <m:begChr m:val="{"/>
+                            <m:endChr m:val="}"/>
+                            <m:ctrlPr>
+                              <a:rPr lang="en-US" b="0" i="1" smtClean="0">
+                                <a:latin typeface="Cambria Math"/>
+                                <a:ea typeface="Cambria Math"/>
+                              </a:rPr>
+                            </m:ctrlPr>
+                          </m:dPr>
+                          <m:e>
+                            <m:acc>
+                              <m:accPr>
+                                <m:chr m:val="̂"/>
+                                <m:ctrlPr>
+                                  <a:rPr lang="en-US" b="0" i="1" smtClean="0">
+                                    <a:latin typeface="Cambria Math"/>
+                                    <a:ea typeface="Cambria Math"/>
+                                  </a:rPr>
+                                </m:ctrlPr>
+                              </m:accPr>
+                              <m:e>
+                                <m:r>
+                                  <m:rPr>
+                                    <m:sty m:val="p"/>
+                                  </m:rPr>
+                                  <a:rPr lang="el-GR" i="1">
+                                    <a:latin typeface="Cambria Math"/>
+                                    <a:ea typeface="Cambria Math"/>
+                                  </a:rPr>
+                                  <m:t>Φ</m:t>
+                                </m:r>
+                              </m:e>
+                            </m:acc>
+                          </m:e>
+                        </m:d>
+                        <m:r>
+                          <a:rPr lang="en-US" b="0" i="1" smtClean="0">
+                            <a:latin typeface="Cambria Math"/>
+                            <a:ea typeface="Cambria Math"/>
+                          </a:rPr>
+                          <m:t>−</m:t>
+                        </m:r>
+                        <m:r>
+                          <m:rPr>
+                            <m:sty m:val="p"/>
+                          </m:rPr>
+                          <a:rPr lang="el-GR" i="1">
+                            <a:latin typeface="Cambria Math"/>
+                            <a:ea typeface="Cambria Math"/>
+                          </a:rPr>
+                          <m:t>Φ</m:t>
+                        </m:r>
+                      </m:e>
+                    </m:d>
+                    <m:sSup>
+                      <m:sSupPr>
+                        <m:ctrlPr>
+                          <a:rPr lang="en-US" b="0" i="1" smtClean="0">
+                            <a:latin typeface="Cambria Math"/>
+                            <a:ea typeface="Cambria Math"/>
+                          </a:rPr>
+                        </m:ctrlPr>
+                      </m:sSupPr>
+                      <m:e>
+                        <m:d>
+                          <m:dPr>
+                            <m:ctrlPr>
+                              <a:rPr lang="en-US" b="0" i="1" smtClean="0">
+                                <a:latin typeface="Cambria Math"/>
+                                <a:ea typeface="Cambria Math"/>
+                              </a:rPr>
+                            </m:ctrlPr>
+                          </m:dPr>
+                          <m:e>
+                            <m:r>
+                              <a:rPr lang="en-US" i="1">
+                                <a:latin typeface="Cambria Math"/>
+                                <a:ea typeface="Cambria Math"/>
+                              </a:rPr>
+                              <m:t>𝐸</m:t>
+                            </m:r>
+                            <m:d>
+                              <m:dPr>
+                                <m:begChr m:val="{"/>
+                                <m:endChr m:val="}"/>
+                                <m:ctrlPr>
+                                  <a:rPr lang="en-US" i="1">
+                                    <a:latin typeface="Cambria Math"/>
+                                    <a:ea typeface="Cambria Math"/>
+                                  </a:rPr>
+                                </m:ctrlPr>
+                              </m:dPr>
+                              <m:e>
+                                <m:acc>
+                                  <m:accPr>
+                                    <m:chr m:val="̂"/>
+                                    <m:ctrlPr>
+                                      <a:rPr lang="en-US" i="1">
+                                        <a:latin typeface="Cambria Math"/>
+                                        <a:ea typeface="Cambria Math"/>
+                                      </a:rPr>
+                                    </m:ctrlPr>
+                                  </m:accPr>
+                                  <m:e>
+                                    <m:r>
+                                      <m:rPr>
+                                        <m:sty m:val="p"/>
+                                      </m:rPr>
+                                      <a:rPr lang="el-GR" i="1">
+                                        <a:latin typeface="Cambria Math"/>
+                                        <a:ea typeface="Cambria Math"/>
+                                      </a:rPr>
+                                      <m:t>Φ</m:t>
+                                    </m:r>
+                                  </m:e>
+                                </m:acc>
+                              </m:e>
+                            </m:d>
+                            <m:r>
+                              <a:rPr lang="en-US" i="1">
+                                <a:latin typeface="Cambria Math"/>
+                                <a:ea typeface="Cambria Math"/>
+                              </a:rPr>
+                              <m:t>−</m:t>
+                            </m:r>
+                            <m:r>
+                              <m:rPr>
+                                <m:sty m:val="p"/>
+                              </m:rPr>
+                              <a:rPr lang="el-GR" i="1">
+                                <a:latin typeface="Cambria Math"/>
+                                <a:ea typeface="Cambria Math"/>
+                              </a:rPr>
+                              <m:t>Φ</m:t>
+                            </m:r>
+                          </m:e>
+                        </m:d>
+                      </m:e>
+                      <m:sup>
+                        <m:r>
+                          <a:rPr lang="en-US" b="0" i="1" smtClean="0">
+                            <a:latin typeface="Cambria Math"/>
+                            <a:ea typeface="Cambria Math"/>
+                          </a:rPr>
+                          <m:t>𝑇</m:t>
+                        </m:r>
+                      </m:sup>
+                    </m:sSup>
+                  </m:oMath>
+                </a14:m>
+                <a:endParaRPr lang="en-US" dirty="0"/>
+              </a:p>
+            </p:txBody>
+          </p:sp>
+        </mc:Choice>
+        <mc:Fallback xmlns="">
+          <p:sp>
+            <p:nvSpPr>
+              <p:cNvPr id="13" name="TextBox 12"/>
+              <p:cNvSpPr txBox="1">
+                <a:spLocks noRot="1" noChangeAspect="1" noMove="1" noResize="1" noEditPoints="1" noAdjustHandles="1" noChangeArrowheads="1" noChangeShapeType="1" noTextEdit="1"/>
+              </p:cNvSpPr>
+              <p:nvPr/>
+            </p:nvSpPr>
+            <p:spPr>
+              <a:xfrm>
+                <a:off x="2218356" y="4495190"/>
+                <a:ext cx="5850063" cy="532775"/>
+              </a:xfrm>
+              <a:prstGeom prst="rect">
+                <a:avLst/>
+              </a:prstGeom>
+              <a:blipFill rotWithShape="1">
+                <a:blip r:embed="rId6"/>
+                <a:stretch>
+                  <a:fillRect b="-5682"/>
+                </a:stretch>
+              </a:blipFill>
+            </p:spPr>
+            <p:txBody>
+              <a:bodyPr/>
+              <a:lstStyle/>
+              <a:p>
+                <a:r>
+                  <a:rPr lang="en-US">
+                    <a:noFill/>
+                  </a:rPr>
+                  <a:t> </a:t>
+                </a:r>
+              </a:p>
+            </p:txBody>
+          </p:sp>
+        </mc:Fallback>
+      </mc:AlternateContent>
+      <p:sp>
+        <p:nvSpPr>
+          <p:cNvPr id="14" name="Freeform 13"/>
+          <p:cNvSpPr/>
+          <p:nvPr/>
+        </p:nvSpPr>
+        <p:spPr>
+          <a:xfrm>
+            <a:off x="2858423" y="3408883"/>
+            <a:ext cx="1435599" cy="1192378"/>
+          </a:xfrm>
+          <a:custGeom>
+            <a:avLst/>
+            <a:gdLst>
+              <a:gd name="connsiteX0" fmla="*/ 1820 w 1435599"/>
+              <a:gd name="connsiteY0" fmla="*/ 0 h 1192378"/>
+              <a:gd name="connsiteX1" fmla="*/ 184700 w 1435599"/>
+              <a:gd name="connsiteY1" fmla="*/ 453543 h 1192378"/>
+              <a:gd name="connsiteX2" fmla="*/ 1164937 w 1435599"/>
+              <a:gd name="connsiteY2" fmla="*/ 555955 h 1192378"/>
+              <a:gd name="connsiteX3" fmla="*/ 1435599 w 1435599"/>
+              <a:gd name="connsiteY3" fmla="*/ 1192378 h 1192378"/>
+            </a:gdLst>
+            <a:ahLst/>
+            <a:cxnLst>
+              <a:cxn ang="0">
+                <a:pos x="connsiteX0" y="connsiteY0"/>
+              </a:cxn>
+              <a:cxn ang="0">
+                <a:pos x="connsiteX1" y="connsiteY1"/>
+              </a:cxn>
+              <a:cxn ang="0">
+                <a:pos x="connsiteX2" y="connsiteY2"/>
+              </a:cxn>
+              <a:cxn ang="0">
+                <a:pos x="connsiteX3" y="connsiteY3"/>
+              </a:cxn>
+            </a:cxnLst>
+            <a:rect l="l" t="t" r="r" b="b"/>
+            <a:pathLst>
+              <a:path w="1435599" h="1192378">
+                <a:moveTo>
+                  <a:pt x="1820" y="0"/>
+                </a:moveTo>
+                <a:cubicBezTo>
+                  <a:pt x="-3667" y="180442"/>
+                  <a:pt x="-9153" y="360884"/>
+                  <a:pt x="184700" y="453543"/>
+                </a:cubicBezTo>
+                <a:cubicBezTo>
+                  <a:pt x="378553" y="546202"/>
+                  <a:pt x="956454" y="432816"/>
+                  <a:pt x="1164937" y="555955"/>
+                </a:cubicBezTo>
+                <a:cubicBezTo>
+                  <a:pt x="1373420" y="679094"/>
+                  <a:pt x="1404509" y="935736"/>
+                  <a:pt x="1435599" y="1192378"/>
+                </a:cubicBezTo>
+              </a:path>
+            </a:pathLst>
+          </a:custGeom>
+          <a:noFill/>
+          <a:ln>
+            <a:headEnd type="arrow" w="med" len="med"/>
+            <a:tailEnd type="arrow" w="med" len="med"/>
+          </a:ln>
+        </p:spPr>
+        <p:style>
+          <a:lnRef idx="1">
+            <a:schemeClr val="accent1"/>
+          </a:lnRef>
+          <a:fillRef idx="3">
+            <a:schemeClr val="accent1"/>
+          </a:fillRef>
+          <a:effectRef idx="2">
+            <a:schemeClr val="accent1"/>
+          </a:effectRef>
+          <a:fontRef idx="minor">
+            <a:schemeClr val="lt1"/>
+          </a:fontRef>
+        </p:style>
+        <p:txBody>
+          <a:bodyPr rtlCol="0" anchor="ctr"/>
+          <a:lstStyle/>
+          <a:p>
+            <a:pPr algn="ctr"/>
+            <a:endParaRPr lang="en-US"/>
+          </a:p>
+        </p:txBody>
+      </p:sp>
+      <p:sp>
+        <p:nvSpPr>
+          <p:cNvPr id="16" name="Left Brace 15"/>
+          <p:cNvSpPr/>
+          <p:nvPr/>
+        </p:nvSpPr>
+        <p:spPr>
+          <a:xfrm rot="16200000">
+            <a:off x="6633246" y="4008328"/>
+            <a:ext cx="204826" cy="2197846"/>
+          </a:xfrm>
+          <a:prstGeom prst="leftBrace">
+            <a:avLst/>
+          </a:prstGeom>
+          <a:ln w="9525"/>
+        </p:spPr>
+        <p:style>
+          <a:lnRef idx="2">
+            <a:schemeClr val="accent1"/>
+          </a:lnRef>
+          <a:fillRef idx="0">
+            <a:schemeClr val="accent1"/>
+          </a:fillRef>
+          <a:effectRef idx="1">
+            <a:schemeClr val="accent1"/>
+          </a:effectRef>
+          <a:fontRef idx="minor">
+            <a:schemeClr val="tx1"/>
+          </a:fontRef>
+        </p:style>
+        <p:txBody>
+          <a:bodyPr rtlCol="0" anchor="ctr"/>
+          <a:lstStyle/>
+          <a:p>
+            <a:pPr algn="ctr"/>
+            <a:endParaRPr lang="en-US"/>
+          </a:p>
+        </p:txBody>
+      </p:sp>
+      <p:sp>
+        <p:nvSpPr>
+          <p:cNvPr id="17" name="TextBox 16"/>
+          <p:cNvSpPr txBox="1"/>
+          <p:nvPr/>
+        </p:nvSpPr>
+        <p:spPr>
+          <a:xfrm>
+            <a:off x="6473952" y="5360937"/>
+            <a:ext cx="562975" cy="369332"/>
+          </a:xfrm>
+          <a:prstGeom prst="rect">
+            <a:avLst/>
+          </a:prstGeom>
+          <a:noFill/>
+        </p:spPr>
+        <p:txBody>
+          <a:bodyPr wrap="none" rtlCol="0">
+            <a:spAutoFit/>
+          </a:bodyPr>
+          <a:lstStyle/>
+          <a:p>
+            <a:r>
+              <a:rPr lang="en-US" dirty="0" smtClean="0"/>
+              <a:t>Bias</a:t>
+            </a:r>
+            <a:endParaRPr lang="en-US" dirty="0"/>
+          </a:p>
+        </p:txBody>
+      </p:sp>
+      <p:sp>
+        <p:nvSpPr>
+          <p:cNvPr id="18" name="Left Brace 17"/>
+          <p:cNvSpPr/>
+          <p:nvPr/>
+        </p:nvSpPr>
+        <p:spPr>
+          <a:xfrm rot="16200000">
+            <a:off x="4181039" y="4247313"/>
+            <a:ext cx="204826" cy="1719875"/>
+          </a:xfrm>
+          <a:prstGeom prst="leftBrace">
+            <a:avLst/>
+          </a:prstGeom>
+          <a:ln w="9525"/>
+        </p:spPr>
+        <p:style>
+          <a:lnRef idx="2">
+            <a:schemeClr val="accent1"/>
+          </a:lnRef>
+          <a:fillRef idx="0">
+            <a:schemeClr val="accent1"/>
+          </a:fillRef>
+          <a:effectRef idx="1">
+            <a:schemeClr val="accent1"/>
+          </a:effectRef>
+          <a:fontRef idx="minor">
+            <a:schemeClr val="tx1"/>
+          </a:fontRef>
+        </p:style>
+        <p:txBody>
+          <a:bodyPr rtlCol="0" anchor="ctr"/>
+          <a:lstStyle/>
+          <a:p>
+            <a:pPr algn="ctr"/>
+            <a:endParaRPr lang="en-US"/>
+          </a:p>
+        </p:txBody>
+      </p:sp>
+      <p:sp>
+        <p:nvSpPr>
+          <p:cNvPr id="19" name="TextBox 18"/>
+          <p:cNvSpPr txBox="1"/>
+          <p:nvPr/>
+        </p:nvSpPr>
+        <p:spPr>
+          <a:xfrm>
+            <a:off x="3663689" y="5360937"/>
+            <a:ext cx="1239526" cy="369332"/>
+          </a:xfrm>
+          <a:prstGeom prst="rect">
+            <a:avLst/>
+          </a:prstGeom>
+          <a:noFill/>
+        </p:spPr>
+        <p:txBody>
+          <a:bodyPr wrap="square" rtlCol="0">
+            <a:spAutoFit/>
+          </a:bodyPr>
+          <a:lstStyle/>
+          <a:p>
+            <a:r>
+              <a:rPr lang="en-US" dirty="0" smtClean="0"/>
+              <a:t>Variance</a:t>
+            </a:r>
+            <a:endParaRPr lang="en-US" dirty="0"/>
+          </a:p>
+        </p:txBody>
+      </p:sp>
+      <p:sp>
+        <p:nvSpPr>
+          <p:cNvPr id="20" name="TextBox 19"/>
+          <p:cNvSpPr txBox="1"/>
+          <p:nvPr/>
+        </p:nvSpPr>
+        <p:spPr>
+          <a:xfrm>
+            <a:off x="457200" y="5998953"/>
+            <a:ext cx="4576894" cy="276999"/>
+          </a:xfrm>
+          <a:prstGeom prst="rect">
+            <a:avLst/>
+          </a:prstGeom>
+          <a:noFill/>
+        </p:spPr>
+        <p:txBody>
+          <a:bodyPr wrap="none" rtlCol="0">
+            <a:spAutoFit/>
+          </a:bodyPr>
+          <a:lstStyle/>
+          <a:p>
+            <a:r>
+              <a:rPr lang="en-US" sz="1200" dirty="0" smtClean="0"/>
+              <a:t>MSE = Mean Square Error used as measure of registration </a:t>
+            </a:r>
+            <a:r>
+              <a:rPr lang="en-US" sz="1200" dirty="0"/>
+              <a:t>e</a:t>
+            </a:r>
+            <a:r>
+              <a:rPr lang="en-US" sz="1200" dirty="0" smtClean="0"/>
+              <a:t>rror</a:t>
+            </a:r>
+            <a:endParaRPr lang="en-US" sz="1200" dirty="0"/>
+          </a:p>
+        </p:txBody>
+      </p:sp>
+    </p:spTree>
+    <p:extLst>
+      <p:ext uri="{BB962C8B-B14F-4D97-AF65-F5344CB8AC3E}">
+        <p14:creationId xmlns:p14="http://schemas.microsoft.com/office/powerpoint/2010/main" val="1134279953"/>
+      </p:ext>
+    </p:extLst>
+  </p:cSld>
+  <p:clrMapOvr>
+    <a:masterClrMapping/>
+  </p:clrMapOvr>
+  <p:timing>
+    <p:tnLst>
+      <p:par>
+        <p:cTn id="1" dur="indefinite" restart="never" nodeType="tmRoot"/>
+      </p:par>
+    </p:tnLst>
+  </p:timing>
+</p:sld>
+</file>
+
+<file path=ppt/slides/slide11.xml><?xml version="1.0" encoding="utf-8"?>
 <p:sld xmlns:a="http://schemas.openxmlformats.org/drawingml/2006/main" xmlns:r="http://schemas.openxmlformats.org/officeDocument/2006/relationships" xmlns:p="http://schemas.openxmlformats.org/presentationml/2006/main">
   <p:cSld>
     <p:spTree>
@@ -4738,7 +6122,7 @@
           <a:graphicData uri="http://schemas.openxmlformats.org/presentationml/2006/ole">
             <mc:AlternateContent xmlns:mc="http://schemas.openxmlformats.org/markup-compatibility/2006">
               <mc:Choice xmlns:v="urn:schemas-microsoft-com:vml" Requires="v">
-                <p:oleObj spid="_x0000_s3245" name="Equation" r:id="rId4" imgW="1739880" imgH="215640" progId="Equation.3">
+                <p:oleObj spid="_x0000_s3311" name="Equation" r:id="rId4" imgW="1739880" imgH="215640" progId="Equation.3">
                   <p:embed/>
                 </p:oleObj>
               </mc:Choice>
@@ -4787,25 +6171,25 @@
           <p:nvPr>
             <p:extLst>
               <p:ext uri="{D42A27DB-BD31-4B8C-83A1-F6EECF244321}">
-                <p14:modId xmlns:p14="http://schemas.microsoft.com/office/powerpoint/2010/main" val="2197887271"/>
+                <p14:modId xmlns:p14="http://schemas.microsoft.com/office/powerpoint/2010/main" val="1388801827"/>
               </p:ext>
             </p:extLst>
           </p:nvPr>
         </p:nvGraphicFramePr>
         <p:xfrm>
-          <a:off x="3687763" y="3541713"/>
-          <a:ext cx="4751387" cy="269875"/>
+          <a:off x="4244975" y="3541713"/>
+          <a:ext cx="3635375" cy="269875"/>
         </p:xfrm>
         <a:graphic>
           <a:graphicData uri="http://schemas.openxmlformats.org/presentationml/2006/ole">
             <mc:AlternateContent xmlns:mc="http://schemas.openxmlformats.org/markup-compatibility/2006">
               <mc:Choice xmlns:v="urn:schemas-microsoft-com:vml" Requires="v">
-                <p:oleObj spid="_x0000_s3246" name="Equation" r:id="rId6" imgW="2971800" imgH="215640" progId="Equation.3">
+                <p:oleObj spid="_x0000_s3312" name="Equation" r:id="rId6" imgW="2273040" imgH="215640" progId="Equation.3">
                   <p:embed/>
                 </p:oleObj>
               </mc:Choice>
               <mc:Fallback>
-                <p:oleObj name="Equation" r:id="rId6" imgW="2971800" imgH="215640" progId="Equation.3">
+                <p:oleObj name="Equation" r:id="rId6" imgW="2273040" imgH="215640" progId="Equation.3">
                   <p:embed/>
                   <p:pic>
                     <p:nvPicPr>
@@ -4821,8 +6205,8 @@
                     </p:blipFill>
                     <p:spPr>
                       <a:xfrm>
-                        <a:off x="3687763" y="3541713"/>
-                        <a:ext cx="4751387" cy="269875"/>
+                        <a:off x="4244975" y="3541713"/>
+                        <a:ext cx="3635375" cy="269875"/>
                       </a:xfrm>
                       <a:prstGeom prst="rect">
                         <a:avLst/>
@@ -4849,7 +6233,7 @@
           <p:nvPr>
             <p:extLst>
               <p:ext uri="{D42A27DB-BD31-4B8C-83A1-F6EECF244321}">
-                <p14:modId xmlns:p14="http://schemas.microsoft.com/office/powerpoint/2010/main" val="3267189472"/>
+                <p14:modId xmlns:p14="http://schemas.microsoft.com/office/powerpoint/2010/main" val="1671392755"/>
               </p:ext>
             </p:extLst>
           </p:nvPr>
@@ -4862,7 +6246,7 @@
           <a:graphicData uri="http://schemas.openxmlformats.org/presentationml/2006/ole">
             <mc:AlternateContent xmlns:mc="http://schemas.openxmlformats.org/markup-compatibility/2006">
               <mc:Choice xmlns:v="urn:schemas-microsoft-com:vml" Requires="v">
-                <p:oleObj spid="_x0000_s3247" name="Equation" r:id="rId8" imgW="4673520" imgH="431640" progId="Equation.3">
+                <p:oleObj spid="_x0000_s3313" name="Equation" r:id="rId8" imgW="4673520" imgH="431640" progId="Equation.3">
                   <p:embed/>
                 </p:oleObj>
               </mc:Choice>
@@ -4976,20 +6360,12 @@
           </a:p>
           <a:p>
             <a:r>
-              <a:rPr lang="en-US" sz="1200" i="1" dirty="0"/>
-              <a:t>v</a:t>
-            </a:r>
-            <a:r>
               <a:rPr lang="en-US" sz="1200" i="1" dirty="0" smtClean="0"/>
-              <a:t>(</a:t>
-            </a:r>
-            <a:r>
-              <a:rPr lang="en-US" sz="1200" i="1" dirty="0" err="1" smtClean="0"/>
-              <a:t>m,n</a:t>
+              <a:t>        v</a:t>
             </a:r>
             <a:r>
               <a:rPr lang="en-US" sz="1200" i="1" dirty="0" smtClean="0"/>
-              <a:t>) </a:t>
+              <a:t> </a:t>
             </a:r>
             <a:r>
               <a:rPr lang="en-US" sz="1200" dirty="0" smtClean="0"/>
@@ -5277,7 +6653,7 @@
           <p:nvPr>
             <p:extLst>
               <p:ext uri="{D42A27DB-BD31-4B8C-83A1-F6EECF244321}">
-                <p14:modId xmlns:p14="http://schemas.microsoft.com/office/powerpoint/2010/main" val="3890317256"/>
+                <p14:modId xmlns:p14="http://schemas.microsoft.com/office/powerpoint/2010/main" val="776948589"/>
               </p:ext>
             </p:extLst>
           </p:nvPr>
@@ -5290,7 +6666,7 @@
           <a:graphicData uri="http://schemas.openxmlformats.org/presentationml/2006/ole">
             <mc:AlternateContent xmlns:mc="http://schemas.openxmlformats.org/markup-compatibility/2006">
               <mc:Choice xmlns:v="urn:schemas-microsoft-com:vml" Requires="v">
-                <p:oleObj spid="_x0000_s3248" name="Equation" r:id="rId11" imgW="2438280" imgH="533160" progId="Equation.3">
+                <p:oleObj spid="_x0000_s3314" name="Equation" r:id="rId11" imgW="2438280" imgH="533160" progId="Equation.3">
                   <p:embed/>
                 </p:oleObj>
               </mc:Choice>
@@ -5481,7 +6857,7 @@
           <a:graphicData uri="http://schemas.openxmlformats.org/presentationml/2006/ole">
             <mc:AlternateContent xmlns:mc="http://schemas.openxmlformats.org/markup-compatibility/2006">
               <mc:Choice xmlns:v="urn:schemas-microsoft-com:vml" Requires="v">
-                <p:oleObj spid="_x0000_s3249" name="Equation" r:id="rId13" imgW="520560" imgH="215640" progId="Equation.3">
+                <p:oleObj spid="_x0000_s3315" name="Equation" r:id="rId13" imgW="520560" imgH="215640" progId="Equation.3">
                   <p:embed/>
                 </p:oleObj>
               </mc:Choice>
@@ -5543,7 +6919,7 @@
           <a:graphicData uri="http://schemas.openxmlformats.org/presentationml/2006/ole">
             <mc:AlternateContent xmlns:mc="http://schemas.openxmlformats.org/markup-compatibility/2006">
               <mc:Choice xmlns:v="urn:schemas-microsoft-com:vml" Requires="v">
-                <p:oleObj spid="_x0000_s3250" name="Equation" r:id="rId15" imgW="533160" imgH="215640" progId="Equation.3">
+                <p:oleObj spid="_x0000_s3316" name="Equation" r:id="rId15" imgW="533160" imgH="215640" progId="Equation.3">
                   <p:embed/>
                 </p:oleObj>
               </mc:Choice>
@@ -5679,10 +7055,17 @@
   <p:clrMapOvr>
     <a:masterClrMapping/>
   </p:clrMapOvr>
+  <p:timing>
+    <p:tnLst>
+      <p:par>
+        <p:cTn id="1" dur="indefinite" restart="never" nodeType="tmRoot"/>
+      </p:par>
+    </p:tnLst>
+  </p:timing>
 </p:sld>
 </file>
 
-<file path=ppt/slides/slide11.xml><?xml version="1.0" encoding="utf-8"?>
+<file path=ppt/slides/slide12.xml><?xml version="1.0" encoding="utf-8"?>
 <p:sld xmlns:a="http://schemas.openxmlformats.org/drawingml/2006/main" xmlns:r="http://schemas.openxmlformats.org/officeDocument/2006/relationships" xmlns:p="http://schemas.openxmlformats.org/presentationml/2006/main">
   <p:cSld>
     <p:spTree>
@@ -5715,8 +7098,12 @@
           <a:lstStyle/>
           <a:p>
             <a:r>
+              <a:rPr lang="en-US" dirty="0" smtClean="0"/>
+              <a:t>Deriving</a:t>
+            </a:r>
+            <a:r>
               <a:rPr lang="en-US" i="1" dirty="0" smtClean="0"/>
-              <a:t>Deriving J(</a:t>
+              <a:t> J(</a:t>
             </a:r>
             <a:r>
               <a:rPr lang="el-GR" i="1" dirty="0" smtClean="0"/>
@@ -8296,8 +9683,8 @@
           </p:sp>
         </mc:Fallback>
       </mc:AlternateContent>
-      <mc:AlternateContent xmlns:mc="http://schemas.openxmlformats.org/markup-compatibility/2006">
-        <mc:Choice xmlns:a14="http://schemas.microsoft.com/office/drawing/2010/main" Requires="a14">
+      <mc:AlternateContent xmlns:mc="http://schemas.openxmlformats.org/markup-compatibility/2006" xmlns:a14="http://schemas.microsoft.com/office/drawing/2010/main">
+        <mc:Choice Requires="a14">
           <p:sp>
             <p:nvSpPr>
               <p:cNvPr id="16" name="TextBox 15"/>
@@ -8399,7 +9786,7 @@
             </p:txBody>
           </p:sp>
         </mc:Choice>
-        <mc:Fallback>
+        <mc:Fallback xmlns="">
           <p:sp>
             <p:nvSpPr>
               <p:cNvPr id="16" name="TextBox 15"/>
@@ -8451,7 +9838,7 @@
 </p:sld>
 </file>
 
-<file path=ppt/slides/slide12.xml><?xml version="1.0" encoding="utf-8"?>
+<file path=ppt/slides/slide13.xml><?xml version="1.0" encoding="utf-8"?>
 <p:sld xmlns:a="http://schemas.openxmlformats.org/drawingml/2006/main" xmlns:r="http://schemas.openxmlformats.org/officeDocument/2006/relationships" xmlns:p="http://schemas.openxmlformats.org/presentationml/2006/main">
   <p:cSld>
     <p:spTree>
@@ -8517,12 +9904,12 @@
           <a:lstStyle/>
           <a:p>
             <a:r>
+              <a:rPr lang="en-US" dirty="0" smtClean="0"/>
+              <a:t>The Fisher Information Matrix</a:t>
+            </a:r>
+            <a:r>
               <a:rPr lang="en-US" i="1" dirty="0" smtClean="0"/>
-              <a:t>The </a:t>
-            </a:r>
-            <a:r>
-              <a:rPr lang="en-US" i="1" dirty="0" smtClean="0"/>
-              <a:t>Fisher Information Matrix (</a:t>
+              <a:t> (</a:t>
             </a:r>
             <a:r>
               <a:rPr lang="en-US" dirty="0" smtClean="0"/>
@@ -10771,7 +12158,7 @@
 </p:sld>
 </file>
 
-<file path=ppt/slides/slide13.xml><?xml version="1.0" encoding="utf-8"?>
+<file path=ppt/slides/slide14.xml><?xml version="1.0" encoding="utf-8"?>
 <p:sld xmlns:a="http://schemas.openxmlformats.org/drawingml/2006/main" xmlns:r="http://schemas.openxmlformats.org/officeDocument/2006/relationships" xmlns:p="http://schemas.openxmlformats.org/presentationml/2006/main">
   <p:cSld>
     <p:spTree>
@@ -10805,7 +12192,7 @@
           <a:p>
             <a:r>
               <a:rPr lang="en-US" dirty="0" smtClean="0"/>
-              <a:t>Results: Variance and Bias Errors</a:t>
+              <a:t>Results: Registration Error Analysis</a:t>
             </a:r>
             <a:endParaRPr lang="en-US" dirty="0"/>
           </a:p>
@@ -11271,7 +12658,7 @@
 </p:sld>
 </file>
 
-<file path=ppt/slides/slide14.xml><?xml version="1.0" encoding="utf-8"?>
+<file path=ppt/slides/slide15.xml><?xml version="1.0" encoding="utf-8"?>
 <p:sld xmlns:a="http://schemas.openxmlformats.org/drawingml/2006/main" xmlns:r="http://schemas.openxmlformats.org/officeDocument/2006/relationships" xmlns:p="http://schemas.openxmlformats.org/presentationml/2006/main">
   <p:cSld>
     <p:spTree>
@@ -11520,8 +12907,8 @@
               <a:t>Variance </a:t>
             </a:r>
             <a:r>
-              <a:rPr lang="en-US" dirty="0"/>
-              <a:t>of </a:t>
+              <a:rPr lang="en-US" dirty="0" smtClean="0"/>
+              <a:t>&amp; Bias of </a:t>
             </a:r>
             <a:r>
               <a:rPr lang="en-US" dirty="0" smtClean="0"/>
@@ -11677,6 +13064,13 @@
   <p:clrMapOvr>
     <a:masterClrMapping/>
   </p:clrMapOvr>
+  <p:timing>
+    <p:tnLst>
+      <p:par>
+        <p:cTn id="1" dur="indefinite" restart="never" nodeType="tmRoot"/>
+      </p:par>
+    </p:tnLst>
+  </p:timing>
 </p:sld>
 </file>
 
@@ -12041,6 +13435,35 @@
           </a:p>
         </p:txBody>
       </p:sp>
+      <p:sp>
+        <p:nvSpPr>
+          <p:cNvPr id="10" name="Rectangle 9"/>
+          <p:cNvSpPr/>
+          <p:nvPr/>
+        </p:nvSpPr>
+        <p:spPr>
+          <a:xfrm>
+            <a:off x="467568" y="6039230"/>
+            <a:ext cx="3518606" cy="246221"/>
+          </a:xfrm>
+          <a:prstGeom prst="rect">
+            <a:avLst/>
+          </a:prstGeom>
+        </p:spPr>
+        <p:txBody>
+          <a:bodyPr wrap="square">
+            <a:spAutoFit/>
+          </a:bodyPr>
+          <a:lstStyle/>
+          <a:p>
+            <a:r>
+              <a:rPr lang="en-US" sz="1000" dirty="0" smtClean="0"/>
+              <a:t>SLAM: Simultaneous Localization and Mapping</a:t>
+            </a:r>
+            <a:endParaRPr lang="en-US" sz="1000" i="1" dirty="0"/>
+          </a:p>
+        </p:txBody>
+      </p:sp>
     </p:spTree>
     <p:extLst>
       <p:ext uri="{BB962C8B-B14F-4D97-AF65-F5344CB8AC3E}">
@@ -12051,6 +13474,13 @@
   <p:clrMapOvr>
     <a:masterClrMapping/>
   </p:clrMapOvr>
+  <p:timing>
+    <p:tnLst>
+      <p:par>
+        <p:cTn id="1" dur="indefinite" restart="never" nodeType="tmRoot"/>
+      </p:par>
+    </p:tnLst>
+  </p:timing>
 </p:sld>
 </file>
 
@@ -12088,7 +13518,11 @@
           <a:p>
             <a:r>
               <a:rPr lang="en-US" dirty="0" smtClean="0"/>
-              <a:t>Registration Errors</a:t>
+              <a:t>Image Registration </a:t>
+            </a:r>
+            <a:r>
+              <a:rPr lang="en-US" dirty="0" smtClean="0"/>
+              <a:t>Errors</a:t>
             </a:r>
             <a:endParaRPr lang="en-US" dirty="0"/>
           </a:p>
@@ -12473,6 +13907,13 @@
   <p:clrMapOvr>
     <a:masterClrMapping/>
   </p:clrMapOvr>
+  <p:timing>
+    <p:tnLst>
+      <p:par>
+        <p:cTn id="1" dur="indefinite" restart="never" nodeType="tmRoot"/>
+      </p:par>
+    </p:tnLst>
+  </p:timing>
 </p:sld>
 </file>
 
@@ -12554,7 +13995,7 @@
         </p:nvSpPr>
         <p:spPr>
           <a:xfrm>
-            <a:off x="5584532" y="6125750"/>
+            <a:off x="5584532" y="6059075"/>
             <a:ext cx="2127505" cy="461665"/>
           </a:xfrm>
           <a:prstGeom prst="rect">
@@ -12605,7 +14046,7 @@
           </p:cNvPicPr>
           <p:nvPr/>
         </p:nvPicPr>
-        <p:blipFill>
+        <p:blipFill rotWithShape="1">
           <a:blip r:embed="rId3">
             <a:extLst>
               <a:ext uri="{28A0092B-C50C-407E-A947-70E740481C1C}">
@@ -12613,14 +14054,13 @@
               </a:ext>
             </a:extLst>
           </a:blip>
-          <a:stretch>
-            <a:fillRect/>
-          </a:stretch>
+          <a:srcRect l="21053" t="10919"/>
+          <a:stretch/>
         </p:blipFill>
         <p:spPr>
           <a:xfrm>
-            <a:off x="4393741" y="2434089"/>
-            <a:ext cx="4609202" cy="2481878"/>
+            <a:off x="5116469" y="2705099"/>
+            <a:ext cx="3638824" cy="2210867"/>
           </a:xfrm>
           <a:prstGeom prst="rect">
             <a:avLst/>
@@ -12820,7 +14260,7 @@
         </p:nvSpPr>
         <p:spPr>
           <a:xfrm>
-            <a:off x="6775299" y="3148440"/>
+            <a:off x="6527649" y="3148440"/>
             <a:ext cx="588623" cy="307777"/>
           </a:xfrm>
           <a:prstGeom prst="rect">
@@ -12850,7 +14290,7 @@
         </p:nvSpPr>
         <p:spPr>
           <a:xfrm>
-            <a:off x="7239246" y="4835374"/>
+            <a:off x="6991596" y="4835374"/>
             <a:ext cx="930776" cy="307777"/>
           </a:xfrm>
           <a:prstGeom prst="rect">
@@ -12869,6 +14309,110 @@
               <a:t>(Variance)</a:t>
             </a:r>
             <a:endParaRPr lang="en-US" sz="1400" dirty="0"/>
+          </a:p>
+        </p:txBody>
+      </p:sp>
+      <p:sp>
+        <p:nvSpPr>
+          <p:cNvPr id="3" name="TextBox 2"/>
+          <p:cNvSpPr txBox="1"/>
+          <p:nvPr/>
+        </p:nvSpPr>
+        <p:spPr>
+          <a:xfrm>
+            <a:off x="4191754" y="2779108"/>
+            <a:ext cx="1000915" cy="523220"/>
+          </a:xfrm>
+          <a:prstGeom prst="rect">
+            <a:avLst/>
+          </a:prstGeom>
+          <a:noFill/>
+        </p:spPr>
+        <p:txBody>
+          <a:bodyPr wrap="none" rtlCol="0">
+            <a:spAutoFit/>
+          </a:bodyPr>
+          <a:lstStyle/>
+          <a:p>
+            <a:r>
+              <a:rPr lang="en-US" sz="1400" dirty="0" smtClean="0"/>
+              <a:t>Likelihood</a:t>
+            </a:r>
+          </a:p>
+          <a:p>
+            <a:pPr algn="r"/>
+            <a:r>
+              <a:rPr lang="en-US" sz="1400" dirty="0" smtClean="0"/>
+              <a:t>Function</a:t>
+            </a:r>
+            <a:endParaRPr lang="en-US" sz="1400" dirty="0"/>
+          </a:p>
+        </p:txBody>
+      </p:sp>
+      <p:sp>
+        <p:nvSpPr>
+          <p:cNvPr id="13" name="TextBox 12"/>
+          <p:cNvSpPr txBox="1"/>
+          <p:nvPr/>
+        </p:nvSpPr>
+        <p:spPr>
+          <a:xfrm>
+            <a:off x="8114826" y="4504086"/>
+            <a:ext cx="1019831" cy="523220"/>
+          </a:xfrm>
+          <a:prstGeom prst="rect">
+            <a:avLst/>
+          </a:prstGeom>
+          <a:solidFill>
+            <a:schemeClr val="bg1"/>
+          </a:solidFill>
+        </p:spPr>
+        <p:txBody>
+          <a:bodyPr wrap="none" rtlCol="0">
+            <a:spAutoFit/>
+          </a:bodyPr>
+          <a:lstStyle/>
+          <a:p>
+            <a:r>
+              <a:rPr lang="en-US" sz="1400" dirty="0" smtClean="0"/>
+              <a:t>Parameter</a:t>
+            </a:r>
+          </a:p>
+          <a:p>
+            <a:r>
+              <a:rPr lang="en-US" sz="1400" dirty="0" smtClean="0"/>
+              <a:t>Value</a:t>
+            </a:r>
+          </a:p>
+        </p:txBody>
+      </p:sp>
+      <p:sp>
+        <p:nvSpPr>
+          <p:cNvPr id="4" name="TextBox 3"/>
+          <p:cNvSpPr txBox="1"/>
+          <p:nvPr/>
+        </p:nvSpPr>
+        <p:spPr>
+          <a:xfrm>
+            <a:off x="5842740" y="4401570"/>
+            <a:ext cx="656334" cy="338554"/>
+          </a:xfrm>
+          <a:prstGeom prst="rect">
+            <a:avLst/>
+          </a:prstGeom>
+          <a:noFill/>
+        </p:spPr>
+        <p:txBody>
+          <a:bodyPr wrap="none" rtlCol="0">
+            <a:spAutoFit/>
+          </a:bodyPr>
+          <a:lstStyle/>
+          <a:p>
+            <a:r>
+              <a:rPr lang="en-US" sz="1600" dirty="0" smtClean="0"/>
+              <a:t>Truth</a:t>
+            </a:r>
+            <a:endParaRPr lang="en-US" sz="1600" dirty="0"/>
           </a:p>
         </p:txBody>
       </p:sp>
@@ -12882,6 +14426,13 @@
   <p:clrMapOvr>
     <a:masterClrMapping/>
   </p:clrMapOvr>
+  <p:timing>
+    <p:tnLst>
+      <p:par>
+        <p:cTn id="1" dur="indefinite" restart="never" nodeType="tmRoot"/>
+      </p:par>
+    </p:tnLst>
+  </p:timing>
 </p:sld>
 </file>
 
@@ -13128,6 +14679,13 @@
   <p:clrMapOvr>
     <a:masterClrMapping/>
   </p:clrMapOvr>
+  <p:timing>
+    <p:tnLst>
+      <p:par>
+        <p:cTn id="1" dur="indefinite" restart="never" nodeType="tmRoot"/>
+      </p:par>
+    </p:tnLst>
+  </p:timing>
 </p:sld>
 </file>
 
@@ -13158,6 +14716,1414 @@
             <p:ph type="title"/>
           </p:nvPr>
         </p:nvSpPr>
+        <p:spPr/>
+        <p:txBody>
+          <a:bodyPr/>
+          <a:lstStyle/>
+          <a:p>
+            <a:r>
+              <a:rPr lang="en-US" dirty="0" smtClean="0"/>
+              <a:t>Registration Errors Impact Navigation</a:t>
+            </a:r>
+            <a:endParaRPr lang="en-US" dirty="0"/>
+          </a:p>
+        </p:txBody>
+      </p:sp>
+      <mc:AlternateContent xmlns:mc="http://schemas.openxmlformats.org/markup-compatibility/2006">
+        <mc:Choice xmlns:a14="http://schemas.microsoft.com/office/drawing/2010/main" Requires="a14">
+          <p:sp>
+            <p:nvSpPr>
+              <p:cNvPr id="17" name="TextBox 16"/>
+              <p:cNvSpPr txBox="1"/>
+              <p:nvPr/>
+            </p:nvSpPr>
+            <p:spPr>
+              <a:xfrm>
+                <a:off x="1833562" y="4667250"/>
+                <a:ext cx="5938838" cy="1214371"/>
+              </a:xfrm>
+              <a:prstGeom prst="rect">
+                <a:avLst/>
+              </a:prstGeom>
+              <a:noFill/>
+            </p:spPr>
+            <p:txBody>
+              <a:bodyPr wrap="square" rtlCol="0">
+                <a:spAutoFit/>
+              </a:bodyPr>
+              <a:lstStyle/>
+              <a:p>
+                <a14:m>
+                  <m:oMathPara xmlns:m="http://schemas.openxmlformats.org/officeDocument/2006/math">
+                    <m:oMathParaPr>
+                      <m:jc m:val="centerGroup"/>
+                    </m:oMathParaPr>
+                    <m:oMath xmlns:m="http://schemas.openxmlformats.org/officeDocument/2006/math">
+                      <m:sSub>
+                        <m:sSubPr>
+                          <m:ctrlPr>
+                            <a:rPr lang="en-US" sz="2200" b="0" i="1" smtClean="0">
+                              <a:latin typeface="Cambria Math"/>
+                            </a:rPr>
+                          </m:ctrlPr>
+                        </m:sSubPr>
+                        <m:e>
+                          <m:d>
+                            <m:dPr>
+                              <m:begChr m:val="["/>
+                              <m:endChr m:val="]"/>
+                              <m:ctrlPr>
+                                <a:rPr lang="en-US" sz="2200" b="0" i="1" smtClean="0">
+                                  <a:latin typeface="Cambria Math"/>
+                                </a:rPr>
+                              </m:ctrlPr>
+                            </m:dPr>
+                            <m:e>
+                              <m:m>
+                                <m:mPr>
+                                  <m:mcs>
+                                    <m:mc>
+                                      <m:mcPr>
+                                        <m:count m:val="1"/>
+                                        <m:mcJc m:val="center"/>
+                                      </m:mcPr>
+                                    </m:mc>
+                                  </m:mcs>
+                                  <m:ctrlPr>
+                                    <a:rPr lang="en-US" sz="2200" i="1" smtClean="0">
+                                      <a:latin typeface="Cambria Math"/>
+                                    </a:rPr>
+                                  </m:ctrlPr>
+                                </m:mPr>
+                                <m:mr>
+                                  <m:e>
+                                    <m:r>
+                                      <m:rPr>
+                                        <m:brk m:alnAt="7"/>
+                                      </m:rPr>
+                                      <a:rPr lang="en-US" sz="2200" b="0" i="1" smtClean="0">
+                                        <a:latin typeface="Cambria Math"/>
+                                      </a:rPr>
+                                      <m:t>𝑥</m:t>
+                                    </m:r>
+                                  </m:e>
+                                </m:mr>
+                                <m:mr>
+                                  <m:e>
+                                    <m:r>
+                                      <a:rPr lang="en-US" sz="2200" b="0" i="1" smtClean="0">
+                                        <a:latin typeface="Cambria Math"/>
+                                      </a:rPr>
+                                      <m:t>𝑦</m:t>
+                                    </m:r>
+                                  </m:e>
+                                </m:mr>
+                                <m:mr>
+                                  <m:e>
+                                    <m:r>
+                                      <a:rPr lang="en-US" sz="2200" b="0" i="1" smtClean="0">
+                                        <a:latin typeface="Cambria Math"/>
+                                      </a:rPr>
+                                      <m:t>𝑧</m:t>
+                                    </m:r>
+                                  </m:e>
+                                </m:mr>
+                              </m:m>
+                            </m:e>
+                          </m:d>
+                        </m:e>
+                        <m:sub>
+                          <m:r>
+                            <a:rPr lang="en-US" sz="2200" b="0" i="1" smtClean="0">
+                              <a:latin typeface="Cambria Math"/>
+                            </a:rPr>
+                            <m:t>𝑝</m:t>
+                          </m:r>
+                        </m:sub>
+                      </m:sSub>
+                      <m:r>
+                        <a:rPr lang="en-US" sz="2200" b="0" i="1" smtClean="0">
+                          <a:latin typeface="Cambria Math"/>
+                        </a:rPr>
+                        <m:t>=</m:t>
+                      </m:r>
+                      <m:sSub>
+                        <m:sSubPr>
+                          <m:ctrlPr>
+                            <a:rPr lang="en-US" sz="2200" b="0" i="1" smtClean="0">
+                              <a:latin typeface="Cambria Math"/>
+                            </a:rPr>
+                          </m:ctrlPr>
+                        </m:sSubPr>
+                        <m:e>
+                          <m:d>
+                            <m:dPr>
+                              <m:begChr m:val="["/>
+                              <m:endChr m:val="]"/>
+                              <m:ctrlPr>
+                                <a:rPr lang="en-US" sz="2200" b="0" i="1" smtClean="0">
+                                  <a:latin typeface="Cambria Math"/>
+                                </a:rPr>
+                              </m:ctrlPr>
+                            </m:dPr>
+                            <m:e>
+                              <m:m>
+                                <m:mPr>
+                                  <m:mcs>
+                                    <m:mc>
+                                      <m:mcPr>
+                                        <m:count m:val="1"/>
+                                        <m:mcJc m:val="center"/>
+                                      </m:mcPr>
+                                    </m:mc>
+                                  </m:mcs>
+                                  <m:ctrlPr>
+                                    <a:rPr lang="en-US" sz="2200" b="0" i="1" smtClean="0">
+                                      <a:latin typeface="Cambria Math"/>
+                                    </a:rPr>
+                                  </m:ctrlPr>
+                                </m:mPr>
+                                <m:mr>
+                                  <m:e>
+                                    <m:r>
+                                      <m:rPr>
+                                        <m:brk m:alnAt="7"/>
+                                      </m:rPr>
+                                      <a:rPr lang="en-US" sz="2200" b="0" i="1" smtClean="0">
+                                        <a:latin typeface="Cambria Math"/>
+                                      </a:rPr>
+                                      <m:t>𝑥</m:t>
+                                    </m:r>
+                                  </m:e>
+                                </m:mr>
+                                <m:mr>
+                                  <m:e>
+                                    <m:r>
+                                      <a:rPr lang="en-US" sz="2200" b="0" i="1" smtClean="0">
+                                        <a:latin typeface="Cambria Math"/>
+                                      </a:rPr>
+                                      <m:t>𝑦</m:t>
+                                    </m:r>
+                                  </m:e>
+                                </m:mr>
+                                <m:mr>
+                                  <m:e>
+                                    <m:r>
+                                      <a:rPr lang="en-US" sz="2200" b="0" i="1" smtClean="0">
+                                        <a:latin typeface="Cambria Math"/>
+                                      </a:rPr>
+                                      <m:t>𝑧</m:t>
+                                    </m:r>
+                                  </m:e>
+                                </m:mr>
+                              </m:m>
+                            </m:e>
+                          </m:d>
+                        </m:e>
+                        <m:sub>
+                          <m:r>
+                            <a:rPr lang="en-US" sz="2200" b="0" i="1" smtClean="0">
+                              <a:latin typeface="Cambria Math"/>
+                            </a:rPr>
+                            <m:t>𝑡𝑟𝑢𝑒</m:t>
+                          </m:r>
+                        </m:sub>
+                      </m:sSub>
+                      <m:r>
+                        <a:rPr lang="en-US" sz="2200" b="0" i="1" smtClean="0">
+                          <a:latin typeface="Cambria Math"/>
+                        </a:rPr>
+                        <m:t>+</m:t>
+                      </m:r>
+                      <m:sSub>
+                        <m:sSubPr>
+                          <m:ctrlPr>
+                            <a:rPr lang="en-US" sz="2200" b="0" i="1" smtClean="0">
+                              <a:latin typeface="Cambria Math"/>
+                            </a:rPr>
+                          </m:ctrlPr>
+                        </m:sSubPr>
+                        <m:e>
+                          <m:d>
+                            <m:dPr>
+                              <m:begChr m:val="["/>
+                              <m:endChr m:val="]"/>
+                              <m:ctrlPr>
+                                <a:rPr lang="en-US" sz="2200" b="0" i="1" smtClean="0">
+                                  <a:latin typeface="Cambria Math"/>
+                                </a:rPr>
+                              </m:ctrlPr>
+                            </m:dPr>
+                            <m:e>
+                              <m:m>
+                                <m:mPr>
+                                  <m:mcs>
+                                    <m:mc>
+                                      <m:mcPr>
+                                        <m:count m:val="1"/>
+                                        <m:mcJc m:val="center"/>
+                                      </m:mcPr>
+                                    </m:mc>
+                                  </m:mcs>
+                                  <m:ctrlPr>
+                                    <a:rPr lang="en-US" sz="2200" b="0" i="1" smtClean="0">
+                                      <a:latin typeface="Cambria Math"/>
+                                    </a:rPr>
+                                  </m:ctrlPr>
+                                </m:mPr>
+                                <m:mr>
+                                  <m:e>
+                                    <m:sSub>
+                                      <m:sSubPr>
+                                        <m:ctrlPr>
+                                          <a:rPr lang="en-US" sz="2200" b="0" i="1" smtClean="0">
+                                            <a:latin typeface="Cambria Math"/>
+                                          </a:rPr>
+                                        </m:ctrlPr>
+                                      </m:sSubPr>
+                                      <m:e>
+                                        <m:r>
+                                          <m:rPr>
+                                            <m:brk m:alnAt="7"/>
+                                          </m:rPr>
+                                          <a:rPr lang="en-US" sz="2200" b="0" i="1" smtClean="0">
+                                            <a:latin typeface="Cambria Math"/>
+                                          </a:rPr>
+                                          <m:t>𝑏</m:t>
+                                        </m:r>
+                                      </m:e>
+                                      <m:sub>
+                                        <m:r>
+                                          <m:rPr>
+                                            <m:brk m:alnAt="7"/>
+                                          </m:rPr>
+                                          <a:rPr lang="en-US" sz="2200" b="0" i="1" smtClean="0">
+                                            <a:latin typeface="Cambria Math"/>
+                                          </a:rPr>
+                                          <m:t>𝑥</m:t>
+                                        </m:r>
+                                      </m:sub>
+                                    </m:sSub>
+                                  </m:e>
+                                </m:mr>
+                                <m:mr>
+                                  <m:e>
+                                    <m:sSub>
+                                      <m:sSubPr>
+                                        <m:ctrlPr>
+                                          <a:rPr lang="en-US" sz="2200" b="0" i="1" smtClean="0">
+                                            <a:latin typeface="Cambria Math"/>
+                                          </a:rPr>
+                                        </m:ctrlPr>
+                                      </m:sSubPr>
+                                      <m:e>
+                                        <m:r>
+                                          <a:rPr lang="en-US" sz="2200" b="0" i="1" smtClean="0">
+                                            <a:latin typeface="Cambria Math"/>
+                                          </a:rPr>
+                                          <m:t>𝑏</m:t>
+                                        </m:r>
+                                      </m:e>
+                                      <m:sub>
+                                        <m:r>
+                                          <a:rPr lang="en-US" sz="2200" b="0" i="1" smtClean="0">
+                                            <a:latin typeface="Cambria Math"/>
+                                          </a:rPr>
+                                          <m:t>𝑦</m:t>
+                                        </m:r>
+                                      </m:sub>
+                                    </m:sSub>
+                                  </m:e>
+                                </m:mr>
+                                <m:mr>
+                                  <m:e>
+                                    <m:sSub>
+                                      <m:sSubPr>
+                                        <m:ctrlPr>
+                                          <a:rPr lang="en-US" sz="2200" b="0" i="1" smtClean="0">
+                                            <a:latin typeface="Cambria Math"/>
+                                          </a:rPr>
+                                        </m:ctrlPr>
+                                      </m:sSubPr>
+                                      <m:e>
+                                        <m:r>
+                                          <a:rPr lang="en-US" sz="2200" b="0" i="1" smtClean="0">
+                                            <a:latin typeface="Cambria Math"/>
+                                          </a:rPr>
+                                          <m:t>𝑏</m:t>
+                                        </m:r>
+                                      </m:e>
+                                      <m:sub>
+                                        <m:r>
+                                          <a:rPr lang="en-US" sz="2200" b="0" i="1" smtClean="0">
+                                            <a:latin typeface="Cambria Math"/>
+                                          </a:rPr>
+                                          <m:t>𝑧</m:t>
+                                        </m:r>
+                                      </m:sub>
+                                    </m:sSub>
+                                  </m:e>
+                                </m:mr>
+                              </m:m>
+                            </m:e>
+                          </m:d>
+                        </m:e>
+                        <m:sub>
+                          <m:r>
+                            <a:rPr lang="en-US" sz="2200" b="0" i="1" smtClean="0">
+                              <a:latin typeface="Cambria Math"/>
+                            </a:rPr>
+                            <m:t>𝑏𝑖𝑎𝑠</m:t>
+                          </m:r>
+                        </m:sub>
+                      </m:sSub>
+                      <m:r>
+                        <a:rPr lang="en-US" sz="2200" b="0" i="1" smtClean="0">
+                          <a:latin typeface="Cambria Math"/>
+                        </a:rPr>
+                        <m:t>+</m:t>
+                      </m:r>
+                      <m:sSub>
+                        <m:sSubPr>
+                          <m:ctrlPr>
+                            <a:rPr lang="en-US" sz="2200" b="0" i="1" smtClean="0">
+                              <a:latin typeface="Cambria Math"/>
+                            </a:rPr>
+                          </m:ctrlPr>
+                        </m:sSubPr>
+                        <m:e>
+                          <m:d>
+                            <m:dPr>
+                              <m:begChr m:val="["/>
+                              <m:endChr m:val="]"/>
+                              <m:ctrlPr>
+                                <a:rPr lang="en-US" sz="2200" b="0" i="1" smtClean="0">
+                                  <a:latin typeface="Cambria Math"/>
+                                </a:rPr>
+                              </m:ctrlPr>
+                            </m:dPr>
+                            <m:e>
+                              <m:m>
+                                <m:mPr>
+                                  <m:mcs>
+                                    <m:mc>
+                                      <m:mcPr>
+                                        <m:count m:val="1"/>
+                                        <m:mcJc m:val="center"/>
+                                      </m:mcPr>
+                                    </m:mc>
+                                  </m:mcs>
+                                  <m:ctrlPr>
+                                    <a:rPr lang="en-US" sz="2200" b="0" i="1" smtClean="0">
+                                      <a:latin typeface="Cambria Math"/>
+                                    </a:rPr>
+                                  </m:ctrlPr>
+                                </m:mPr>
+                                <m:mr>
+                                  <m:e>
+                                    <m:sSub>
+                                      <m:sSubPr>
+                                        <m:ctrlPr>
+                                          <a:rPr lang="en-US" sz="2200" b="0" i="1" smtClean="0">
+                                            <a:latin typeface="Cambria Math"/>
+                                          </a:rPr>
+                                        </m:ctrlPr>
+                                      </m:sSubPr>
+                                      <m:e>
+                                        <m:r>
+                                          <m:rPr>
+                                            <m:brk m:alnAt="7"/>
+                                          </m:rPr>
+                                          <a:rPr lang="en-US" sz="2200" b="0" i="1" smtClean="0">
+                                            <a:latin typeface="Cambria Math"/>
+                                          </a:rPr>
+                                          <m:t>𝑛</m:t>
+                                        </m:r>
+                                      </m:e>
+                                      <m:sub>
+                                        <m:r>
+                                          <m:rPr>
+                                            <m:brk m:alnAt="7"/>
+                                          </m:rPr>
+                                          <a:rPr lang="en-US" sz="2200" b="0" i="1" smtClean="0">
+                                            <a:latin typeface="Cambria Math"/>
+                                          </a:rPr>
+                                          <m:t>𝑥</m:t>
+                                        </m:r>
+                                      </m:sub>
+                                    </m:sSub>
+                                  </m:e>
+                                </m:mr>
+                                <m:mr>
+                                  <m:e>
+                                    <m:sSub>
+                                      <m:sSubPr>
+                                        <m:ctrlPr>
+                                          <a:rPr lang="en-US" sz="2200" b="0" i="1" smtClean="0">
+                                            <a:latin typeface="Cambria Math"/>
+                                          </a:rPr>
+                                        </m:ctrlPr>
+                                      </m:sSubPr>
+                                      <m:e>
+                                        <m:r>
+                                          <a:rPr lang="en-US" sz="2200" b="0" i="1" smtClean="0">
+                                            <a:latin typeface="Cambria Math"/>
+                                          </a:rPr>
+                                          <m:t>𝑛</m:t>
+                                        </m:r>
+                                      </m:e>
+                                      <m:sub>
+                                        <m:r>
+                                          <a:rPr lang="en-US" sz="2200" b="0" i="1" smtClean="0">
+                                            <a:latin typeface="Cambria Math"/>
+                                          </a:rPr>
+                                          <m:t>𝑦</m:t>
+                                        </m:r>
+                                      </m:sub>
+                                    </m:sSub>
+                                  </m:e>
+                                </m:mr>
+                                <m:mr>
+                                  <m:e>
+                                    <m:sSub>
+                                      <m:sSubPr>
+                                        <m:ctrlPr>
+                                          <a:rPr lang="en-US" sz="2200" b="0" i="1" smtClean="0">
+                                            <a:latin typeface="Cambria Math"/>
+                                          </a:rPr>
+                                        </m:ctrlPr>
+                                      </m:sSubPr>
+                                      <m:e>
+                                        <m:r>
+                                          <a:rPr lang="en-US" sz="2200" b="0" i="1" smtClean="0">
+                                            <a:latin typeface="Cambria Math"/>
+                                          </a:rPr>
+                                          <m:t>𝑛</m:t>
+                                        </m:r>
+                                      </m:e>
+                                      <m:sub>
+                                        <m:r>
+                                          <a:rPr lang="en-US" sz="2200" b="0" i="1" smtClean="0">
+                                            <a:latin typeface="Cambria Math"/>
+                                          </a:rPr>
+                                          <m:t>𝑧</m:t>
+                                        </m:r>
+                                      </m:sub>
+                                    </m:sSub>
+                                  </m:e>
+                                </m:mr>
+                              </m:m>
+                            </m:e>
+                          </m:d>
+                        </m:e>
+                        <m:sub>
+                          <m:r>
+                            <a:rPr lang="en-US" sz="2200" b="0" i="1" smtClean="0">
+                              <a:latin typeface="Cambria Math"/>
+                            </a:rPr>
+                            <m:t>𝑛𝑜𝑖𝑠𝑒</m:t>
+                          </m:r>
+                        </m:sub>
+                      </m:sSub>
+                    </m:oMath>
+                  </m:oMathPara>
+                </a14:m>
+                <a:endParaRPr lang="en-US" sz="2200" dirty="0"/>
+              </a:p>
+            </p:txBody>
+          </p:sp>
+        </mc:Choice>
+        <mc:Fallback>
+          <p:sp>
+            <p:nvSpPr>
+              <p:cNvPr id="17" name="TextBox 16"/>
+              <p:cNvSpPr txBox="1">
+                <a:spLocks noRot="1" noChangeAspect="1" noMove="1" noResize="1" noEditPoints="1" noAdjustHandles="1" noChangeArrowheads="1" noChangeShapeType="1" noTextEdit="1"/>
+              </p:cNvSpPr>
+              <p:nvPr/>
+            </p:nvSpPr>
+            <p:spPr>
+              <a:xfrm>
+                <a:off x="1833562" y="4667250"/>
+                <a:ext cx="5938838" cy="1214371"/>
+              </a:xfrm>
+              <a:prstGeom prst="rect">
+                <a:avLst/>
+              </a:prstGeom>
+              <a:blipFill rotWithShape="1">
+                <a:blip r:embed="rId2"/>
+                <a:stretch>
+                  <a:fillRect/>
+                </a:stretch>
+              </a:blipFill>
+            </p:spPr>
+            <p:txBody>
+              <a:bodyPr/>
+              <a:lstStyle/>
+              <a:p>
+                <a:r>
+                  <a:rPr lang="en-US">
+                    <a:noFill/>
+                  </a:rPr>
+                  <a:t> </a:t>
+                </a:r>
+              </a:p>
+            </p:txBody>
+          </p:sp>
+        </mc:Fallback>
+      </mc:AlternateContent>
+      <p:grpSp>
+        <p:nvGrpSpPr>
+          <p:cNvPr id="26" name="Group 25"/>
+          <p:cNvGrpSpPr/>
+          <p:nvPr/>
+        </p:nvGrpSpPr>
+        <p:grpSpPr>
+          <a:xfrm>
+            <a:off x="616262" y="1700212"/>
+            <a:ext cx="7840037" cy="1514475"/>
+            <a:chOff x="457200" y="1724025"/>
+            <a:chExt cx="7840037" cy="1514475"/>
+          </a:xfrm>
+        </p:grpSpPr>
+        <p:sp>
+          <p:nvSpPr>
+            <p:cNvPr id="3" name="Rectangle 2"/>
+            <p:cNvSpPr/>
+            <p:nvPr/>
+          </p:nvSpPr>
+          <p:spPr>
+            <a:xfrm>
+              <a:off x="2667000" y="2095500"/>
+              <a:ext cx="1295400" cy="781050"/>
+            </a:xfrm>
+            <a:prstGeom prst="rect">
+              <a:avLst/>
+            </a:prstGeom>
+            <a:ln>
+              <a:solidFill>
+                <a:schemeClr val="tx1"/>
+              </a:solidFill>
+            </a:ln>
+          </p:spPr>
+          <p:style>
+            <a:lnRef idx="2">
+              <a:schemeClr val="dk1"/>
+            </a:lnRef>
+            <a:fillRef idx="1">
+              <a:schemeClr val="lt1"/>
+            </a:fillRef>
+            <a:effectRef idx="0">
+              <a:schemeClr val="dk1"/>
+            </a:effectRef>
+            <a:fontRef idx="minor">
+              <a:schemeClr val="dk1"/>
+            </a:fontRef>
+          </p:style>
+          <p:txBody>
+            <a:bodyPr rtlCol="0" anchor="ctr"/>
+            <a:lstStyle/>
+            <a:p>
+              <a:pPr algn="ctr"/>
+              <a:r>
+                <a:rPr lang="en-US" dirty="0" smtClean="0"/>
+                <a:t>Stereo Vision</a:t>
+              </a:r>
+              <a:endParaRPr lang="en-US" dirty="0"/>
+            </a:p>
+          </p:txBody>
+        </p:sp>
+        <p:sp>
+          <p:nvSpPr>
+            <p:cNvPr id="4" name="Rectangle 3"/>
+            <p:cNvSpPr/>
+            <p:nvPr/>
+          </p:nvSpPr>
+          <p:spPr>
+            <a:xfrm>
+              <a:off x="5943600" y="2095500"/>
+              <a:ext cx="1295400" cy="781050"/>
+            </a:xfrm>
+            <a:prstGeom prst="rect">
+              <a:avLst/>
+            </a:prstGeom>
+            <a:ln>
+              <a:solidFill>
+                <a:schemeClr val="tx1"/>
+              </a:solidFill>
+            </a:ln>
+          </p:spPr>
+          <p:style>
+            <a:lnRef idx="2">
+              <a:schemeClr val="dk1"/>
+            </a:lnRef>
+            <a:fillRef idx="1">
+              <a:schemeClr val="lt1"/>
+            </a:fillRef>
+            <a:effectRef idx="0">
+              <a:schemeClr val="dk1"/>
+            </a:effectRef>
+            <a:fontRef idx="minor">
+              <a:schemeClr val="dk1"/>
+            </a:fontRef>
+          </p:style>
+          <p:txBody>
+            <a:bodyPr rtlCol="0" anchor="ctr"/>
+            <a:lstStyle/>
+            <a:p>
+              <a:pPr algn="ctr"/>
+              <a:r>
+                <a:rPr lang="en-US" dirty="0" smtClean="0"/>
+                <a:t>Navigation</a:t>
+              </a:r>
+              <a:endParaRPr lang="en-US" dirty="0"/>
+            </a:p>
+          </p:txBody>
+        </p:sp>
+        <p:sp>
+          <p:nvSpPr>
+            <p:cNvPr id="5" name="Rectangle 4"/>
+            <p:cNvSpPr/>
+            <p:nvPr/>
+          </p:nvSpPr>
+          <p:spPr>
+            <a:xfrm>
+              <a:off x="4314825" y="2095500"/>
+              <a:ext cx="1295400" cy="781050"/>
+            </a:xfrm>
+            <a:prstGeom prst="rect">
+              <a:avLst/>
+            </a:prstGeom>
+            <a:ln>
+              <a:solidFill>
+                <a:schemeClr val="tx1"/>
+              </a:solidFill>
+            </a:ln>
+          </p:spPr>
+          <p:style>
+            <a:lnRef idx="2">
+              <a:schemeClr val="dk1"/>
+            </a:lnRef>
+            <a:fillRef idx="1">
+              <a:schemeClr val="lt1"/>
+            </a:fillRef>
+            <a:effectRef idx="0">
+              <a:schemeClr val="dk1"/>
+            </a:effectRef>
+            <a:fontRef idx="minor">
+              <a:schemeClr val="dk1"/>
+            </a:fontRef>
+          </p:style>
+          <p:txBody>
+            <a:bodyPr rtlCol="0" anchor="ctr"/>
+            <a:lstStyle/>
+            <a:p>
+              <a:pPr algn="ctr"/>
+              <a:r>
+                <a:rPr lang="en-US" dirty="0" smtClean="0"/>
+                <a:t>3D Model</a:t>
+              </a:r>
+              <a:endParaRPr lang="en-US" dirty="0"/>
+            </a:p>
+          </p:txBody>
+        </p:sp>
+        <p:sp>
+          <p:nvSpPr>
+            <p:cNvPr id="6" name="Parallelogram 5"/>
+            <p:cNvSpPr/>
+            <p:nvPr/>
+          </p:nvSpPr>
+          <p:spPr>
+            <a:xfrm>
+              <a:off x="457200" y="1724025"/>
+              <a:ext cx="1514475" cy="628650"/>
+            </a:xfrm>
+            <a:prstGeom prst="parallelogram">
+              <a:avLst/>
+            </a:prstGeom>
+            <a:ln>
+              <a:solidFill>
+                <a:schemeClr val="tx1"/>
+              </a:solidFill>
+            </a:ln>
+          </p:spPr>
+          <p:style>
+            <a:lnRef idx="2">
+              <a:schemeClr val="dk1"/>
+            </a:lnRef>
+            <a:fillRef idx="1">
+              <a:schemeClr val="lt1"/>
+            </a:fillRef>
+            <a:effectRef idx="0">
+              <a:schemeClr val="dk1"/>
+            </a:effectRef>
+            <a:fontRef idx="minor">
+              <a:schemeClr val="dk1"/>
+            </a:fontRef>
+          </p:style>
+          <p:txBody>
+            <a:bodyPr rtlCol="0" anchor="ctr"/>
+            <a:lstStyle/>
+            <a:p>
+              <a:pPr algn="ctr"/>
+              <a:r>
+                <a:rPr lang="en-US" dirty="0" smtClean="0"/>
+                <a:t>Image 1</a:t>
+              </a:r>
+              <a:endParaRPr lang="en-US" dirty="0"/>
+            </a:p>
+          </p:txBody>
+        </p:sp>
+        <p:sp>
+          <p:nvSpPr>
+            <p:cNvPr id="7" name="Parallelogram 6"/>
+            <p:cNvSpPr/>
+            <p:nvPr/>
+          </p:nvSpPr>
+          <p:spPr>
+            <a:xfrm>
+              <a:off x="457200" y="2609850"/>
+              <a:ext cx="1514475" cy="628650"/>
+            </a:xfrm>
+            <a:prstGeom prst="parallelogram">
+              <a:avLst/>
+            </a:prstGeom>
+            <a:ln>
+              <a:solidFill>
+                <a:schemeClr val="tx1"/>
+              </a:solidFill>
+            </a:ln>
+          </p:spPr>
+          <p:style>
+            <a:lnRef idx="2">
+              <a:schemeClr val="dk1"/>
+            </a:lnRef>
+            <a:fillRef idx="1">
+              <a:schemeClr val="lt1"/>
+            </a:fillRef>
+            <a:effectRef idx="0">
+              <a:schemeClr val="dk1"/>
+            </a:effectRef>
+            <a:fontRef idx="minor">
+              <a:schemeClr val="dk1"/>
+            </a:fontRef>
+          </p:style>
+          <p:txBody>
+            <a:bodyPr rtlCol="0" anchor="ctr"/>
+            <a:lstStyle/>
+            <a:p>
+              <a:pPr algn="ctr"/>
+              <a:r>
+                <a:rPr lang="en-US" dirty="0" smtClean="0"/>
+                <a:t>Image 2</a:t>
+              </a:r>
+              <a:endParaRPr lang="en-US" dirty="0"/>
+            </a:p>
+          </p:txBody>
+        </p:sp>
+        <p:cxnSp>
+          <p:nvCxnSpPr>
+            <p:cNvPr id="9" name="Elbow Connector 8"/>
+            <p:cNvCxnSpPr>
+              <a:stCxn id="6" idx="2"/>
+            </p:cNvCxnSpPr>
+            <p:nvPr/>
+          </p:nvCxnSpPr>
+          <p:spPr>
+            <a:xfrm>
+              <a:off x="1893094" y="2038350"/>
+              <a:ext cx="773906" cy="314325"/>
+            </a:xfrm>
+            <a:prstGeom prst="bentConnector3">
+              <a:avLst/>
+            </a:prstGeom>
+            <a:ln w="19050">
+              <a:solidFill>
+                <a:schemeClr val="tx1"/>
+              </a:solidFill>
+              <a:tailEnd type="arrow"/>
+            </a:ln>
+          </p:spPr>
+          <p:style>
+            <a:lnRef idx="1">
+              <a:schemeClr val="accent1"/>
+            </a:lnRef>
+            <a:fillRef idx="0">
+              <a:schemeClr val="accent1"/>
+            </a:fillRef>
+            <a:effectRef idx="0">
+              <a:schemeClr val="accent1"/>
+            </a:effectRef>
+            <a:fontRef idx="minor">
+              <a:schemeClr val="tx1"/>
+            </a:fontRef>
+          </p:style>
+        </p:cxnSp>
+        <p:cxnSp>
+          <p:nvCxnSpPr>
+            <p:cNvPr id="11" name="Elbow Connector 10"/>
+            <p:cNvCxnSpPr>
+              <a:stCxn id="7" idx="2"/>
+            </p:cNvCxnSpPr>
+            <p:nvPr/>
+          </p:nvCxnSpPr>
+          <p:spPr>
+            <a:xfrm flipV="1">
+              <a:off x="1893094" y="2609850"/>
+              <a:ext cx="773906" cy="314325"/>
+            </a:xfrm>
+            <a:prstGeom prst="bentConnector3">
+              <a:avLst/>
+            </a:prstGeom>
+            <a:ln w="19050">
+              <a:solidFill>
+                <a:schemeClr val="tx1"/>
+              </a:solidFill>
+              <a:tailEnd type="arrow"/>
+            </a:ln>
+          </p:spPr>
+          <p:style>
+            <a:lnRef idx="1">
+              <a:schemeClr val="accent1"/>
+            </a:lnRef>
+            <a:fillRef idx="0">
+              <a:schemeClr val="accent1"/>
+            </a:fillRef>
+            <a:effectRef idx="0">
+              <a:schemeClr val="accent1"/>
+            </a:effectRef>
+            <a:fontRef idx="minor">
+              <a:schemeClr val="tx1"/>
+            </a:fontRef>
+          </p:style>
+        </p:cxnSp>
+        <p:cxnSp>
+          <p:nvCxnSpPr>
+            <p:cNvPr id="13" name="Straight Arrow Connector 12"/>
+            <p:cNvCxnSpPr>
+              <a:stCxn id="3" idx="3"/>
+              <a:endCxn id="5" idx="1"/>
+            </p:cNvCxnSpPr>
+            <p:nvPr/>
+          </p:nvCxnSpPr>
+          <p:spPr>
+            <a:xfrm>
+              <a:off x="3962400" y="2486025"/>
+              <a:ext cx="352425" cy="0"/>
+            </a:xfrm>
+            <a:prstGeom prst="straightConnector1">
+              <a:avLst/>
+            </a:prstGeom>
+            <a:ln w="19050">
+              <a:solidFill>
+                <a:schemeClr val="tx1"/>
+              </a:solidFill>
+              <a:tailEnd type="arrow"/>
+            </a:ln>
+          </p:spPr>
+          <p:style>
+            <a:lnRef idx="1">
+              <a:schemeClr val="accent1"/>
+            </a:lnRef>
+            <a:fillRef idx="0">
+              <a:schemeClr val="accent1"/>
+            </a:fillRef>
+            <a:effectRef idx="0">
+              <a:schemeClr val="accent1"/>
+            </a:effectRef>
+            <a:fontRef idx="minor">
+              <a:schemeClr val="tx1"/>
+            </a:fontRef>
+          </p:style>
+        </p:cxnSp>
+        <p:cxnSp>
+          <p:nvCxnSpPr>
+            <p:cNvPr id="15" name="Straight Arrow Connector 14"/>
+            <p:cNvCxnSpPr>
+              <a:stCxn id="5" idx="3"/>
+              <a:endCxn id="4" idx="1"/>
+            </p:cNvCxnSpPr>
+            <p:nvPr/>
+          </p:nvCxnSpPr>
+          <p:spPr>
+            <a:xfrm>
+              <a:off x="5610225" y="2486025"/>
+              <a:ext cx="333375" cy="0"/>
+            </a:xfrm>
+            <a:prstGeom prst="straightConnector1">
+              <a:avLst/>
+            </a:prstGeom>
+            <a:ln w="19050">
+              <a:solidFill>
+                <a:schemeClr val="tx1"/>
+              </a:solidFill>
+              <a:tailEnd type="arrow"/>
+            </a:ln>
+          </p:spPr>
+          <p:style>
+            <a:lnRef idx="1">
+              <a:schemeClr val="accent1"/>
+            </a:lnRef>
+            <a:fillRef idx="0">
+              <a:schemeClr val="accent1"/>
+            </a:fillRef>
+            <a:effectRef idx="0">
+              <a:schemeClr val="accent1"/>
+            </a:effectRef>
+            <a:fontRef idx="minor">
+              <a:schemeClr val="tx1"/>
+            </a:fontRef>
+          </p:style>
+        </p:cxnSp>
+        <p:cxnSp>
+          <p:nvCxnSpPr>
+            <p:cNvPr id="19" name="Straight Arrow Connector 18"/>
+            <p:cNvCxnSpPr>
+              <a:stCxn id="4" idx="3"/>
+            </p:cNvCxnSpPr>
+            <p:nvPr/>
+          </p:nvCxnSpPr>
+          <p:spPr>
+            <a:xfrm>
+              <a:off x="7239000" y="2486025"/>
+              <a:ext cx="381000" cy="0"/>
+            </a:xfrm>
+            <a:prstGeom prst="straightConnector1">
+              <a:avLst/>
+            </a:prstGeom>
+            <a:ln w="19050">
+              <a:solidFill>
+                <a:schemeClr val="tx1"/>
+              </a:solidFill>
+              <a:tailEnd type="arrow"/>
+            </a:ln>
+          </p:spPr>
+          <p:style>
+            <a:lnRef idx="1">
+              <a:schemeClr val="accent1"/>
+            </a:lnRef>
+            <a:fillRef idx="0">
+              <a:schemeClr val="accent1"/>
+            </a:fillRef>
+            <a:effectRef idx="0">
+              <a:schemeClr val="accent1"/>
+            </a:effectRef>
+            <a:fontRef idx="minor">
+              <a:schemeClr val="tx1"/>
+            </a:fontRef>
+          </p:style>
+        </p:cxnSp>
+        <mc:AlternateContent xmlns:mc="http://schemas.openxmlformats.org/markup-compatibility/2006">
+          <mc:Choice xmlns:a14="http://schemas.microsoft.com/office/drawing/2010/main" Requires="a14">
+            <p:sp>
+              <p:nvSpPr>
+                <p:cNvPr id="20" name="Rectangle 19"/>
+                <p:cNvSpPr/>
+                <p:nvPr/>
+              </p:nvSpPr>
+              <p:spPr>
+                <a:xfrm>
+                  <a:off x="7620000" y="2047875"/>
+                  <a:ext cx="677237" cy="845103"/>
+                </a:xfrm>
+                <a:prstGeom prst="rect">
+                  <a:avLst/>
+                </a:prstGeom>
+              </p:spPr>
+              <p:txBody>
+                <a:bodyPr wrap="none">
+                  <a:spAutoFit/>
+                </a:bodyPr>
+                <a:lstStyle/>
+                <a:p>
+                  <a14:m>
+                    <m:oMathPara xmlns:m="http://schemas.openxmlformats.org/officeDocument/2006/math">
+                      <m:oMathParaPr>
+                        <m:jc m:val="centerGroup"/>
+                      </m:oMathParaPr>
+                      <m:oMath xmlns:m="http://schemas.openxmlformats.org/officeDocument/2006/math">
+                        <m:sSub>
+                          <m:sSubPr>
+                            <m:ctrlPr>
+                              <a:rPr lang="en-US" i="1">
+                                <a:latin typeface="Cambria Math"/>
+                              </a:rPr>
+                            </m:ctrlPr>
+                          </m:sSubPr>
+                          <m:e>
+                            <m:d>
+                              <m:dPr>
+                                <m:begChr m:val="["/>
+                                <m:endChr m:val="]"/>
+                                <m:ctrlPr>
+                                  <a:rPr lang="en-US" i="1">
+                                    <a:latin typeface="Cambria Math"/>
+                                  </a:rPr>
+                                </m:ctrlPr>
+                              </m:dPr>
+                              <m:e>
+                                <m:m>
+                                  <m:mPr>
+                                    <m:mcs>
+                                      <m:mc>
+                                        <m:mcPr>
+                                          <m:count m:val="1"/>
+                                          <m:mcJc m:val="center"/>
+                                        </m:mcPr>
+                                      </m:mc>
+                                    </m:mcs>
+                                    <m:ctrlPr>
+                                      <a:rPr lang="en-US" i="1">
+                                        <a:latin typeface="Cambria Math"/>
+                                      </a:rPr>
+                                    </m:ctrlPr>
+                                  </m:mPr>
+                                  <m:mr>
+                                    <m:e>
+                                      <m:r>
+                                        <m:rPr>
+                                          <m:brk m:alnAt="7"/>
+                                        </m:rPr>
+                                        <a:rPr lang="en-US" i="1">
+                                          <a:latin typeface="Cambria Math"/>
+                                        </a:rPr>
+                                        <m:t>𝑥</m:t>
+                                      </m:r>
+                                    </m:e>
+                                  </m:mr>
+                                  <m:mr>
+                                    <m:e>
+                                      <m:r>
+                                        <a:rPr lang="en-US" i="1">
+                                          <a:latin typeface="Cambria Math"/>
+                                        </a:rPr>
+                                        <m:t>𝑦</m:t>
+                                      </m:r>
+                                    </m:e>
+                                  </m:mr>
+                                  <m:mr>
+                                    <m:e>
+                                      <m:r>
+                                        <a:rPr lang="en-US" i="1">
+                                          <a:latin typeface="Cambria Math"/>
+                                        </a:rPr>
+                                        <m:t>𝑧</m:t>
+                                      </m:r>
+                                    </m:e>
+                                  </m:mr>
+                                </m:m>
+                              </m:e>
+                            </m:d>
+                          </m:e>
+                          <m:sub>
+                            <m:r>
+                              <a:rPr lang="en-US" i="1">
+                                <a:latin typeface="Cambria Math"/>
+                              </a:rPr>
+                              <m:t>𝑝</m:t>
+                            </m:r>
+                          </m:sub>
+                        </m:sSub>
+                      </m:oMath>
+                    </m:oMathPara>
+                  </a14:m>
+                  <a:endParaRPr lang="en-US" dirty="0"/>
+                </a:p>
+              </p:txBody>
+            </p:sp>
+          </mc:Choice>
+          <mc:Fallback>
+            <p:sp>
+              <p:nvSpPr>
+                <p:cNvPr id="20" name="Rectangle 19"/>
+                <p:cNvSpPr>
+                  <a:spLocks noRot="1" noChangeAspect="1" noMove="1" noResize="1" noEditPoints="1" noAdjustHandles="1" noChangeArrowheads="1" noChangeShapeType="1" noTextEdit="1"/>
+                </p:cNvSpPr>
+                <p:nvPr/>
+              </p:nvSpPr>
+              <p:spPr>
+                <a:xfrm>
+                  <a:off x="7620000" y="2047875"/>
+                  <a:ext cx="677237" cy="845103"/>
+                </a:xfrm>
+                <a:prstGeom prst="rect">
+                  <a:avLst/>
+                </a:prstGeom>
+                <a:blipFill rotWithShape="1">
+                  <a:blip r:embed="rId3"/>
+                  <a:stretch>
+                    <a:fillRect/>
+                  </a:stretch>
+                </a:blipFill>
+              </p:spPr>
+              <p:txBody>
+                <a:bodyPr/>
+                <a:lstStyle/>
+                <a:p>
+                  <a:r>
+                    <a:rPr lang="en-US">
+                      <a:noFill/>
+                    </a:rPr>
+                    <a:t> </a:t>
+                  </a:r>
+                </a:p>
+              </p:txBody>
+            </p:sp>
+          </mc:Fallback>
+        </mc:AlternateContent>
+      </p:grpSp>
+      <p:sp>
+        <p:nvSpPr>
+          <p:cNvPr id="25" name="Freeform 24"/>
+          <p:cNvSpPr/>
+          <p:nvPr/>
+        </p:nvSpPr>
+        <p:spPr>
+          <a:xfrm>
+            <a:off x="2914650" y="3048000"/>
+            <a:ext cx="5076825" cy="1619250"/>
+          </a:xfrm>
+          <a:custGeom>
+            <a:avLst/>
+            <a:gdLst>
+              <a:gd name="connsiteX0" fmla="*/ 3181350 w 3181350"/>
+              <a:gd name="connsiteY0" fmla="*/ 0 h 1409700"/>
+              <a:gd name="connsiteX1" fmla="*/ 2609850 w 3181350"/>
+              <a:gd name="connsiteY1" fmla="*/ 676275 h 1409700"/>
+              <a:gd name="connsiteX2" fmla="*/ 571500 w 3181350"/>
+              <a:gd name="connsiteY2" fmla="*/ 981075 h 1409700"/>
+              <a:gd name="connsiteX3" fmla="*/ 0 w 3181350"/>
+              <a:gd name="connsiteY3" fmla="*/ 1409700 h 1409700"/>
+            </a:gdLst>
+            <a:ahLst/>
+            <a:cxnLst>
+              <a:cxn ang="0">
+                <a:pos x="connsiteX0" y="connsiteY0"/>
+              </a:cxn>
+              <a:cxn ang="0">
+                <a:pos x="connsiteX1" y="connsiteY1"/>
+              </a:cxn>
+              <a:cxn ang="0">
+                <a:pos x="connsiteX2" y="connsiteY2"/>
+              </a:cxn>
+              <a:cxn ang="0">
+                <a:pos x="connsiteX3" y="connsiteY3"/>
+              </a:cxn>
+            </a:cxnLst>
+            <a:rect l="l" t="t" r="r" b="b"/>
+            <a:pathLst>
+              <a:path w="3181350" h="1409700">
+                <a:moveTo>
+                  <a:pt x="3181350" y="0"/>
+                </a:moveTo>
+                <a:cubicBezTo>
+                  <a:pt x="3113087" y="256381"/>
+                  <a:pt x="3044825" y="512763"/>
+                  <a:pt x="2609850" y="676275"/>
+                </a:cubicBezTo>
+                <a:cubicBezTo>
+                  <a:pt x="2174875" y="839787"/>
+                  <a:pt x="1006475" y="858838"/>
+                  <a:pt x="571500" y="981075"/>
+                </a:cubicBezTo>
+                <a:cubicBezTo>
+                  <a:pt x="136525" y="1103312"/>
+                  <a:pt x="68262" y="1256506"/>
+                  <a:pt x="0" y="1409700"/>
+                </a:cubicBezTo>
+              </a:path>
+            </a:pathLst>
+          </a:custGeom>
+          <a:noFill/>
+          <a:ln>
+            <a:solidFill>
+              <a:schemeClr val="tx1"/>
+            </a:solidFill>
+            <a:headEnd type="none" w="med" len="med"/>
+            <a:tailEnd type="arrow" w="med" len="med"/>
+          </a:ln>
+        </p:spPr>
+        <p:style>
+          <a:lnRef idx="2">
+            <a:schemeClr val="accent1">
+              <a:shade val="50000"/>
+            </a:schemeClr>
+          </a:lnRef>
+          <a:fillRef idx="1">
+            <a:schemeClr val="accent1"/>
+          </a:fillRef>
+          <a:effectRef idx="0">
+            <a:schemeClr val="accent1"/>
+          </a:effectRef>
+          <a:fontRef idx="minor">
+            <a:schemeClr val="lt1"/>
+          </a:fontRef>
+        </p:style>
+        <p:txBody>
+          <a:bodyPr rtlCol="0" anchor="ctr"/>
+          <a:lstStyle/>
+          <a:p>
+            <a:pPr algn="ctr"/>
+            <a:endParaRPr lang="en-US"/>
+          </a:p>
+        </p:txBody>
+      </p:sp>
+      <p:pic>
+        <p:nvPicPr>
+          <p:cNvPr id="27" name="Picture 26"/>
+          <p:cNvPicPr>
+            <a:picLocks noChangeAspect="1"/>
+          </p:cNvPicPr>
+          <p:nvPr/>
+        </p:nvPicPr>
+        <p:blipFill>
+          <a:blip r:embed="rId4">
+            <a:extLst>
+              <a:ext uri="{28A0092B-C50C-407E-A947-70E740481C1C}">
+                <a14:useLocalDpi xmlns:a14="http://schemas.microsoft.com/office/drawing/2010/main" val="0"/>
+              </a:ext>
+            </a:extLst>
+          </a:blip>
+          <a:stretch>
+            <a:fillRect/>
+          </a:stretch>
+        </p:blipFill>
+        <p:spPr>
+          <a:xfrm>
+            <a:off x="1362259" y="4629150"/>
+            <a:ext cx="1060706" cy="1339895"/>
+          </a:xfrm>
+          <a:prstGeom prst="rect">
+            <a:avLst/>
+          </a:prstGeom>
+        </p:spPr>
+      </p:pic>
+      <p:sp>
+        <p:nvSpPr>
+          <p:cNvPr id="28" name="Freeform 27"/>
+          <p:cNvSpPr/>
+          <p:nvPr/>
+        </p:nvSpPr>
+        <p:spPr>
+          <a:xfrm>
+            <a:off x="1990725" y="4390616"/>
+            <a:ext cx="790575" cy="257584"/>
+          </a:xfrm>
+          <a:custGeom>
+            <a:avLst/>
+            <a:gdLst>
+              <a:gd name="connsiteX0" fmla="*/ 790575 w 790575"/>
+              <a:gd name="connsiteY0" fmla="*/ 257584 h 257584"/>
+              <a:gd name="connsiteX1" fmla="*/ 381000 w 790575"/>
+              <a:gd name="connsiteY1" fmla="*/ 409 h 257584"/>
+              <a:gd name="connsiteX2" fmla="*/ 0 w 790575"/>
+              <a:gd name="connsiteY2" fmla="*/ 209959 h 257584"/>
+            </a:gdLst>
+            <a:ahLst/>
+            <a:cxnLst>
+              <a:cxn ang="0">
+                <a:pos x="connsiteX0" y="connsiteY0"/>
+              </a:cxn>
+              <a:cxn ang="0">
+                <a:pos x="connsiteX1" y="connsiteY1"/>
+              </a:cxn>
+              <a:cxn ang="0">
+                <a:pos x="connsiteX2" y="connsiteY2"/>
+              </a:cxn>
+            </a:cxnLst>
+            <a:rect l="l" t="t" r="r" b="b"/>
+            <a:pathLst>
+              <a:path w="790575" h="257584">
+                <a:moveTo>
+                  <a:pt x="790575" y="257584"/>
+                </a:moveTo>
+                <a:cubicBezTo>
+                  <a:pt x="651668" y="132965"/>
+                  <a:pt x="512762" y="8346"/>
+                  <a:pt x="381000" y="409"/>
+                </a:cubicBezTo>
+                <a:cubicBezTo>
+                  <a:pt x="249237" y="-7529"/>
+                  <a:pt x="124618" y="101215"/>
+                  <a:pt x="0" y="209959"/>
+                </a:cubicBezTo>
+              </a:path>
+            </a:pathLst>
+          </a:custGeom>
+          <a:noFill/>
+          <a:ln>
+            <a:solidFill>
+              <a:schemeClr val="tx1"/>
+            </a:solidFill>
+            <a:headEnd type="none" w="med" len="med"/>
+            <a:tailEnd type="arrow" w="med" len="med"/>
+          </a:ln>
+        </p:spPr>
+        <p:style>
+          <a:lnRef idx="2">
+            <a:schemeClr val="accent1">
+              <a:shade val="50000"/>
+            </a:schemeClr>
+          </a:lnRef>
+          <a:fillRef idx="1">
+            <a:schemeClr val="accent1"/>
+          </a:fillRef>
+          <a:effectRef idx="0">
+            <a:schemeClr val="accent1"/>
+          </a:effectRef>
+          <a:fontRef idx="minor">
+            <a:schemeClr val="lt1"/>
+          </a:fontRef>
+        </p:style>
+        <p:txBody>
+          <a:bodyPr rtlCol="0" anchor="ctr"/>
+          <a:lstStyle/>
+          <a:p>
+            <a:pPr algn="ctr"/>
+            <a:endParaRPr lang="en-US"/>
+          </a:p>
+        </p:txBody>
+      </p:sp>
+    </p:spTree>
+    <p:extLst>
+      <p:ext uri="{BB962C8B-B14F-4D97-AF65-F5344CB8AC3E}">
+        <p14:creationId xmlns:p14="http://schemas.microsoft.com/office/powerpoint/2010/main" val="4123900448"/>
+      </p:ext>
+    </p:extLst>
+  </p:cSld>
+  <p:clrMapOvr>
+    <a:masterClrMapping/>
+  </p:clrMapOvr>
+</p:sld>
+</file>
+
+<file path=ppt/slides/slide8.xml><?xml version="1.0" encoding="utf-8"?>
+<p:sld xmlns:a="http://schemas.openxmlformats.org/drawingml/2006/main" xmlns:r="http://schemas.openxmlformats.org/officeDocument/2006/relationships" xmlns:p="http://schemas.openxmlformats.org/presentationml/2006/main">
+  <p:cSld>
+    <p:spTree>
+      <p:nvGrpSpPr>
+        <p:cNvPr id="1" name=""/>
+        <p:cNvGrpSpPr/>
+        <p:nvPr/>
+      </p:nvGrpSpPr>
+      <p:grpSpPr>
+        <a:xfrm>
+          <a:off x="0" y="0"/>
+          <a:ext cx="0" cy="0"/>
+          <a:chOff x="0" y="0"/>
+          <a:chExt cx="0" cy="0"/>
+        </a:xfrm>
+      </p:grpSpPr>
+      <p:sp>
+        <p:nvSpPr>
+          <p:cNvPr id="2" name="Title 1"/>
+          <p:cNvSpPr>
+            <a:spLocks noGrp="1"/>
+          </p:cNvSpPr>
+          <p:nvPr>
+            <p:ph type="title"/>
+          </p:nvPr>
+        </p:nvSpPr>
         <p:spPr>
           <a:xfrm>
             <a:off x="610819" y="390458"/>
@@ -13179,11 +16145,7 @@
             </a:br>
             <a:r>
               <a:rPr lang="en-US" sz="1800" dirty="0" smtClean="0"/>
-              <a:t>(I</a:t>
-            </a:r>
-            <a:r>
-              <a:rPr lang="en-US" sz="1800" dirty="0" smtClean="0"/>
-              <a:t>mage </a:t>
+              <a:t>(Image </a:t>
             </a:r>
             <a:r>
               <a:rPr lang="en-US" sz="1800" dirty="0"/>
@@ -13290,7 +16252,7 @@
           <p:nvPr/>
         </p:nvPicPr>
         <p:blipFill>
-          <a:blip r:embed="rId2">
+          <a:blip r:embed="rId3">
             <a:extLst>
               <a:ext uri="{28A0092B-C50C-407E-A947-70E740481C1C}">
                 <a14:useLocalDpi xmlns:a14="http://schemas.microsoft.com/office/drawing/2010/main" val="0"/>
@@ -13385,19 +16347,7 @@
           <a:p>
             <a:r>
               <a:rPr lang="en-US" sz="1200" dirty="0" smtClean="0"/>
-              <a:t>Small </a:t>
-            </a:r>
-            <a:r>
-              <a:rPr lang="en-US" sz="1200" dirty="0" smtClean="0"/>
-              <a:t>Bias, </a:t>
-            </a:r>
-            <a:r>
-              <a:rPr lang="en-US" sz="1200" dirty="0" smtClean="0"/>
-              <a:t>Small </a:t>
-            </a:r>
-            <a:r>
-              <a:rPr lang="en-US" sz="1200" dirty="0" smtClean="0"/>
-              <a:t>Variance</a:t>
+              <a:t>Small Bias, Small Variance</a:t>
             </a:r>
             <a:endParaRPr lang="en-US" sz="1200" dirty="0"/>
           </a:p>
@@ -13412,7 +16362,7 @@
           <p:nvPr/>
         </p:nvPicPr>
         <p:blipFill>
-          <a:blip r:embed="rId2">
+          <a:blip r:embed="rId3">
             <a:extLst>
               <a:ext uri="{28A0092B-C50C-407E-A947-70E740481C1C}">
                 <a14:useLocalDpi xmlns:a14="http://schemas.microsoft.com/office/drawing/2010/main" val="0"/>
@@ -13540,19 +16490,7 @@
             </a:r>
             <a:r>
               <a:rPr lang="en-US" sz="1200" dirty="0" smtClean="0"/>
-              <a:t>, </a:t>
-            </a:r>
-            <a:r>
-              <a:rPr lang="en-US" sz="1200" dirty="0" smtClean="0"/>
-              <a:t>Small</a:t>
-            </a:r>
-            <a:r>
-              <a:rPr lang="en-US" sz="1200" dirty="0" smtClean="0"/>
-              <a:t> </a:t>
-            </a:r>
-            <a:r>
-              <a:rPr lang="en-US" sz="1200" dirty="0" smtClean="0"/>
-              <a:t>Variance</a:t>
+              <a:t>, Small Variance</a:t>
             </a:r>
             <a:endParaRPr lang="en-US" sz="1200" dirty="0"/>
           </a:p>
@@ -13567,7 +16505,7 @@
           <p:nvPr/>
         </p:nvPicPr>
         <p:blipFill>
-          <a:blip r:embed="rId2">
+          <a:blip r:embed="rId3">
             <a:extLst>
               <a:ext uri="{28A0092B-C50C-407E-A947-70E740481C1C}">
                 <a14:useLocalDpi xmlns:a14="http://schemas.microsoft.com/office/drawing/2010/main" val="0"/>
@@ -13655,11 +16593,7 @@
           <a:p>
             <a:r>
               <a:rPr lang="en-US" sz="1200" dirty="0" smtClean="0"/>
-              <a:t>Small Bias</a:t>
-            </a:r>
-            <a:r>
-              <a:rPr lang="en-US" sz="1200" dirty="0" smtClean="0"/>
-              <a:t>, </a:t>
+              <a:t>Small Bias, </a:t>
             </a:r>
             <a:r>
               <a:rPr lang="en-US" sz="1200" b="1" dirty="0" smtClean="0"/>
@@ -13790,7 +16724,7 @@
           <p:nvPr/>
         </p:nvPicPr>
         <p:blipFill>
-          <a:blip r:embed="rId2">
+          <a:blip r:embed="rId3">
             <a:extLst>
               <a:ext uri="{28A0092B-C50C-407E-A947-70E740481C1C}">
                 <a14:useLocalDpi xmlns:a14="http://schemas.microsoft.com/office/drawing/2010/main" val="0"/>
@@ -14035,8 +16969,8 @@
           </a:p>
         </p:txBody>
       </p:sp>
-      <mc:AlternateContent xmlns:mc="http://schemas.openxmlformats.org/markup-compatibility/2006">
-        <mc:Choice xmlns:a14="http://schemas.microsoft.com/office/drawing/2010/main" Requires="a14">
+      <mc:AlternateContent xmlns:mc="http://schemas.openxmlformats.org/markup-compatibility/2006" xmlns:a14="http://schemas.microsoft.com/office/drawing/2010/main">
+        <mc:Choice Requires="a14">
           <p:sp>
             <p:nvSpPr>
               <p:cNvPr id="13" name="TextBox 12"/>
@@ -14093,7 +17027,7 @@
             </p:txBody>
           </p:sp>
         </mc:Choice>
-        <mc:Fallback>
+        <mc:Fallback xmlns="">
           <p:sp>
             <p:nvSpPr>
               <p:cNvPr id="13" name="TextBox 12"/>
@@ -14111,7 +17045,7 @@
                 <a:avLst/>
               </a:prstGeom>
               <a:blipFill rotWithShape="1">
-                <a:blip r:embed="rId3"/>
+                <a:blip r:embed="rId4"/>
                 <a:stretch>
                   <a:fillRect/>
                 </a:stretch>
@@ -14167,8 +17101,8 @@
           </a:fontRef>
         </p:style>
       </p:cxnSp>
-      <mc:AlternateContent xmlns:mc="http://schemas.openxmlformats.org/markup-compatibility/2006">
-        <mc:Choice xmlns:a14="http://schemas.microsoft.com/office/drawing/2010/main" Requires="a14">
+      <mc:AlternateContent xmlns:mc="http://schemas.openxmlformats.org/markup-compatibility/2006" xmlns:a14="http://schemas.microsoft.com/office/drawing/2010/main">
+        <mc:Choice Requires="a14">
           <p:sp>
             <p:nvSpPr>
               <p:cNvPr id="41" name="TextBox 40"/>
@@ -14225,7 +17159,7 @@
             </p:txBody>
           </p:sp>
         </mc:Choice>
-        <mc:Fallback>
+        <mc:Fallback xmlns="">
           <p:sp>
             <p:nvSpPr>
               <p:cNvPr id="41" name="TextBox 40"/>
@@ -14243,7 +17177,7 @@
                 <a:avLst/>
               </a:prstGeom>
               <a:blipFill rotWithShape="1">
-                <a:blip r:embed="rId4"/>
+                <a:blip r:embed="rId5"/>
                 <a:stretch>
                   <a:fillRect/>
                 </a:stretch>
@@ -14299,8 +17233,8 @@
           </a:fontRef>
         </p:style>
       </p:cxnSp>
-      <mc:AlternateContent xmlns:mc="http://schemas.openxmlformats.org/markup-compatibility/2006">
-        <mc:Choice xmlns:a14="http://schemas.microsoft.com/office/drawing/2010/main" Requires="a14">
+      <mc:AlternateContent xmlns:mc="http://schemas.openxmlformats.org/markup-compatibility/2006" xmlns:a14="http://schemas.microsoft.com/office/drawing/2010/main">
+        <mc:Choice Requires="a14">
           <p:sp>
             <p:nvSpPr>
               <p:cNvPr id="45" name="TextBox 44"/>
@@ -14357,7 +17291,7 @@
             </p:txBody>
           </p:sp>
         </mc:Choice>
-        <mc:Fallback>
+        <mc:Fallback xmlns="">
           <p:sp>
             <p:nvSpPr>
               <p:cNvPr id="45" name="TextBox 44"/>
@@ -14375,7 +17309,7 @@
                 <a:avLst/>
               </a:prstGeom>
               <a:blipFill rotWithShape="1">
-                <a:blip r:embed="rId5"/>
+                <a:blip r:embed="rId6"/>
                 <a:stretch>
                   <a:fillRect/>
                 </a:stretch>
@@ -14691,15 +17625,7 @@
                   <a:schemeClr val="tx1"/>
                 </a:solidFill>
               </a:rPr>
-              <a:t>Collides with </a:t>
-            </a:r>
-            <a:r>
-              <a:rPr lang="en-US" sz="1200" dirty="0" smtClean="0">
-                <a:solidFill>
-                  <a:schemeClr val="tx1"/>
-                </a:solidFill>
-              </a:rPr>
-              <a:t>Wall: not MVUE </a:t>
+              <a:t>Collides with Wall: not MVUE </a:t>
             </a:r>
             <a:r>
               <a:rPr lang="en-US" sz="1200" dirty="0" err="1" smtClean="0">
@@ -14762,15 +17688,7 @@
                   <a:schemeClr val="tx1"/>
                 </a:solidFill>
               </a:rPr>
-              <a:t>Enters Room </a:t>
-            </a:r>
-            <a:r>
-              <a:rPr lang="en-US" sz="1200" dirty="0" smtClean="0">
-                <a:solidFill>
-                  <a:schemeClr val="tx1"/>
-                </a:solidFill>
-              </a:rPr>
-              <a:t>2: MVUE </a:t>
+              <a:t>Enters Room 2: MVUE </a:t>
             </a:r>
             <a:r>
               <a:rPr lang="en-US" sz="1200" dirty="0" err="1" smtClean="0">
@@ -14798,10 +17716,17 @@
   <p:clrMapOvr>
     <a:masterClrMapping/>
   </p:clrMapOvr>
+  <p:timing>
+    <p:tnLst>
+      <p:par>
+        <p:cTn id="1" dur="indefinite" restart="never" nodeType="tmRoot"/>
+      </p:par>
+    </p:tnLst>
+  </p:timing>
 </p:sld>
 </file>
 
-<file path=ppt/slides/slide8.xml><?xml version="1.0" encoding="utf-8"?>
+<file path=ppt/slides/slide9.xml><?xml version="1.0" encoding="utf-8"?>
 <p:sld xmlns:a="http://schemas.openxmlformats.org/drawingml/2006/main" xmlns:r="http://schemas.openxmlformats.org/officeDocument/2006/relationships" xmlns:p="http://schemas.openxmlformats.org/presentationml/2006/main">
   <p:cSld>
     <p:spTree>
@@ -15351,7 +18276,7 @@
           <a:graphicData uri="http://schemas.openxmlformats.org/presentationml/2006/ole">
             <mc:AlternateContent xmlns:mc="http://schemas.openxmlformats.org/markup-compatibility/2006">
               <mc:Choice xmlns:v="urn:schemas-microsoft-com:vml" Requires="v">
-                <p:oleObj spid="_x0000_s2234" name="Equation" r:id="rId4" imgW="469900" imgH="254000" progId="Equation.3">
+                <p:oleObj spid="_x0000_s2266" name="Equation" r:id="rId4" imgW="469900" imgH="254000" progId="Equation.3">
                   <p:embed/>
                 </p:oleObj>
               </mc:Choice>
@@ -15408,7 +18333,7 @@
           <a:graphicData uri="http://schemas.openxmlformats.org/presentationml/2006/ole">
             <mc:AlternateContent xmlns:mc="http://schemas.openxmlformats.org/markup-compatibility/2006">
               <mc:Choice xmlns:v="urn:schemas-microsoft-com:vml" Requires="v">
-                <p:oleObj spid="_x0000_s2235" name="Equation" r:id="rId6" imgW="482600" imgH="254000" progId="Equation.3">
+                <p:oleObj spid="_x0000_s2267" name="Equation" r:id="rId6" imgW="482600" imgH="254000" progId="Equation.3">
                   <p:embed/>
                 </p:oleObj>
               </mc:Choice>
@@ -15465,7 +18390,7 @@
           <a:graphicData uri="http://schemas.openxmlformats.org/presentationml/2006/ole">
             <mc:AlternateContent xmlns:mc="http://schemas.openxmlformats.org/markup-compatibility/2006">
               <mc:Choice xmlns:v="urn:schemas-microsoft-com:vml" Requires="v">
-                <p:oleObj spid="_x0000_s2236" name="Equation" r:id="rId8" imgW="127000" imgH="177800" progId="Equation.3">
+                <p:oleObj spid="_x0000_s2268" name="Equation" r:id="rId8" imgW="127000" imgH="177800" progId="Equation.3">
                   <p:embed/>
                 </p:oleObj>
               </mc:Choice>
@@ -15618,7 +18543,7 @@
           <a:graphicData uri="http://schemas.openxmlformats.org/presentationml/2006/ole">
             <mc:AlternateContent xmlns:mc="http://schemas.openxmlformats.org/markup-compatibility/2006">
               <mc:Choice xmlns:v="urn:schemas-microsoft-com:vml" Requires="v">
-                <p:oleObj spid="_x0000_s2237" name="Equation" r:id="rId10" imgW="2323800" imgH="660240" progId="Equation.3">
+                <p:oleObj spid="_x0000_s2269" name="Equation" r:id="rId10" imgW="2323800" imgH="660240" progId="Equation.3">
                   <p:embed/>
                 </p:oleObj>
               </mc:Choice>
@@ -15781,11 +18706,7 @@
           <a:p>
             <a:r>
               <a:rPr lang="en-US" dirty="0" smtClean="0"/>
-              <a:t>CRLB is </a:t>
-            </a:r>
-            <a:r>
-              <a:rPr lang="en-US" dirty="0" smtClean="0"/>
-              <a:t>Best MVUE</a:t>
+              <a:t>CRLB is Best MVUE</a:t>
             </a:r>
             <a:endParaRPr lang="en-US" dirty="0"/>
           </a:p>
@@ -15801,1205 +18722,13 @@
   <p:clrMapOvr>
     <a:masterClrMapping/>
   </p:clrMapOvr>
-</p:sld>
-</file>
-
-<file path=ppt/slides/slide9.xml><?xml version="1.0" encoding="utf-8"?>
-<p:sld xmlns:a="http://schemas.openxmlformats.org/drawingml/2006/main" xmlns:r="http://schemas.openxmlformats.org/officeDocument/2006/relationships" xmlns:p="http://schemas.openxmlformats.org/presentationml/2006/main">
-  <p:cSld>
-    <p:spTree>
-      <p:nvGrpSpPr>
-        <p:cNvPr id="1" name=""/>
-        <p:cNvGrpSpPr/>
-        <p:nvPr/>
-      </p:nvGrpSpPr>
-      <p:grpSpPr>
-        <a:xfrm>
-          <a:off x="0" y="0"/>
-          <a:ext cx="0" cy="0"/>
-          <a:chOff x="0" y="0"/>
-          <a:chExt cx="0" cy="0"/>
-        </a:xfrm>
-      </p:grpSpPr>
-      <p:sp>
-        <p:nvSpPr>
-          <p:cNvPr id="2" name="Title 1"/>
-          <p:cNvSpPr>
-            <a:spLocks noGrp="1"/>
-          </p:cNvSpPr>
-          <p:nvPr>
-            <p:ph type="title"/>
-          </p:nvPr>
-        </p:nvSpPr>
-        <p:spPr/>
-        <p:txBody>
-          <a:bodyPr/>
-          <a:lstStyle/>
-          <a:p>
-            <a:r>
-              <a:rPr lang="en-US" dirty="0" smtClean="0"/>
-              <a:t>Modeling Registration </a:t>
-            </a:r>
-            <a:r>
-              <a:rPr lang="en-US" dirty="0" smtClean="0"/>
-              <a:t>Errors and CRLB</a:t>
-            </a:r>
-            <a:endParaRPr lang="en-US" dirty="0"/>
-          </a:p>
-        </p:txBody>
-      </p:sp>
-      <p:graphicFrame>
-        <p:nvGraphicFramePr>
-          <p:cNvPr id="3" name="Object 2"/>
-          <p:cNvGraphicFramePr>
-            <a:graphicFrameLocks noChangeAspect="1"/>
-          </p:cNvGraphicFramePr>
-          <p:nvPr>
-            <p:extLst>
-              <p:ext uri="{D42A27DB-BD31-4B8C-83A1-F6EECF244321}">
-                <p14:modId xmlns:p14="http://schemas.microsoft.com/office/powerpoint/2010/main" val="479749534"/>
-              </p:ext>
-            </p:extLst>
-          </p:nvPr>
-        </p:nvGraphicFramePr>
-        <p:xfrm>
-          <a:off x="649288" y="1677988"/>
-          <a:ext cx="3770312" cy="1090612"/>
-        </p:xfrm>
-        <a:graphic>
-          <a:graphicData uri="http://schemas.openxmlformats.org/presentationml/2006/ole">
-            <mc:AlternateContent xmlns:mc="http://schemas.openxmlformats.org/markup-compatibility/2006">
-              <mc:Choice xmlns:v="urn:schemas-microsoft-com:vml" Requires="v">
-                <p:oleObj spid="_x0000_s4137" name="Equation" r:id="rId3" imgW="2323800" imgH="660240" progId="Equation.3">
-                  <p:embed/>
-                </p:oleObj>
-              </mc:Choice>
-              <mc:Fallback>
-                <p:oleObj name="Equation" r:id="rId3" imgW="2323800" imgH="660240" progId="Equation.3">
-                  <p:embed/>
-                  <p:pic>
-                    <p:nvPicPr>
-                      <p:cNvPr id="0" name="Object 35"/>
-                      <p:cNvPicPr>
-                        <a:picLocks noChangeAspect="1" noChangeArrowheads="1"/>
-                      </p:cNvPicPr>
-                      <p:nvPr/>
-                    </p:nvPicPr>
-                    <p:blipFill>
-                      <a:blip r:embed="rId4"/>
-                      <a:srcRect/>
-                      <a:stretch>
-                        <a:fillRect/>
-                      </a:stretch>
-                    </p:blipFill>
-                    <p:spPr bwMode="auto">
-                      <a:xfrm>
-                        <a:off x="649288" y="1677988"/>
-                        <a:ext cx="3770312" cy="1090612"/>
-                      </a:xfrm>
-                      <a:prstGeom prst="rect">
-                        <a:avLst/>
-                      </a:prstGeom>
-                      <a:solidFill>
-                        <a:schemeClr val="bg1"/>
-                      </a:solidFill>
-                      <a:ln w="9525">
-                        <a:noFill/>
-                        <a:miter lim="800000"/>
-                        <a:headEnd/>
-                        <a:tailEnd/>
-                      </a:ln>
-                    </p:spPr>
-                  </p:pic>
-                </p:oleObj>
-              </mc:Fallback>
-            </mc:AlternateContent>
-          </a:graphicData>
-        </a:graphic>
-      </p:graphicFrame>
-      <p:sp>
-        <p:nvSpPr>
-          <p:cNvPr id="4" name="Oval 3"/>
-          <p:cNvSpPr/>
-          <p:nvPr/>
-        </p:nvSpPr>
-        <p:spPr>
-          <a:xfrm>
-            <a:off x="1528877" y="2018997"/>
-            <a:ext cx="2216507" cy="750698"/>
-          </a:xfrm>
-          <a:prstGeom prst="ellipse">
-            <a:avLst/>
-          </a:prstGeom>
-          <a:solidFill>
-            <a:srgbClr val="DDDDDD">
-              <a:alpha val="23137"/>
-            </a:srgbClr>
-          </a:solidFill>
-          <a:ln>
-            <a:noFill/>
-          </a:ln>
-        </p:spPr>
-        <p:style>
-          <a:lnRef idx="1">
-            <a:schemeClr val="accent1"/>
-          </a:lnRef>
-          <a:fillRef idx="3">
-            <a:schemeClr val="accent1"/>
-          </a:fillRef>
-          <a:effectRef idx="2">
-            <a:schemeClr val="accent1"/>
-          </a:effectRef>
-          <a:fontRef idx="minor">
-            <a:schemeClr val="lt1"/>
-          </a:fontRef>
-        </p:style>
-        <p:txBody>
-          <a:bodyPr rtlCol="0" anchor="ctr"/>
-          <a:lstStyle/>
-          <a:p>
-            <a:pPr algn="ctr"/>
-            <a:endParaRPr lang="en-US"/>
-          </a:p>
-        </p:txBody>
-      </p:sp>
-      <p:sp>
-        <p:nvSpPr>
-          <p:cNvPr id="8" name="Oval 7"/>
-          <p:cNvSpPr/>
-          <p:nvPr/>
-        </p:nvSpPr>
-        <p:spPr>
-          <a:xfrm>
-            <a:off x="2209191" y="2084832"/>
-            <a:ext cx="1214323" cy="265189"/>
-          </a:xfrm>
-          <a:prstGeom prst="ellipse">
-            <a:avLst/>
-          </a:prstGeom>
-          <a:solidFill>
-            <a:srgbClr val="FFFF00">
-              <a:alpha val="38824"/>
-            </a:srgbClr>
-          </a:solidFill>
-          <a:ln>
-            <a:noFill/>
-          </a:ln>
-        </p:spPr>
-        <p:style>
-          <a:lnRef idx="1">
-            <a:schemeClr val="accent1"/>
-          </a:lnRef>
-          <a:fillRef idx="3">
-            <a:schemeClr val="accent1"/>
-          </a:fillRef>
-          <a:effectRef idx="2">
-            <a:schemeClr val="accent1"/>
-          </a:effectRef>
-          <a:fontRef idx="minor">
-            <a:schemeClr val="lt1"/>
-          </a:fontRef>
-        </p:style>
-        <p:txBody>
-          <a:bodyPr rtlCol="0" anchor="ctr"/>
-          <a:lstStyle/>
-          <a:p>
-            <a:pPr algn="ctr"/>
-            <a:endParaRPr lang="en-US"/>
-          </a:p>
-        </p:txBody>
-      </p:sp>
-      <p:sp>
-        <p:nvSpPr>
-          <p:cNvPr id="6" name="TextBox 5"/>
-          <p:cNvSpPr txBox="1"/>
-          <p:nvPr/>
-        </p:nvSpPr>
-        <p:spPr>
-          <a:xfrm>
-            <a:off x="1433780" y="3077914"/>
-            <a:ext cx="3327321" cy="369332"/>
-          </a:xfrm>
-          <a:prstGeom prst="rect">
-            <a:avLst/>
-          </a:prstGeom>
-          <a:noFill/>
-        </p:spPr>
-        <p:txBody>
-          <a:bodyPr wrap="none" rtlCol="0">
-            <a:spAutoFit/>
-          </a:bodyPr>
-          <a:lstStyle/>
-          <a:p>
-            <a:r>
-              <a:rPr lang="en-US" i="1" dirty="0" smtClean="0"/>
-              <a:t>J</a:t>
-            </a:r>
-            <a:r>
-              <a:rPr lang="en-US" dirty="0" smtClean="0"/>
-              <a:t>=Fisher Information Matrix (FIM)</a:t>
-            </a:r>
-            <a:endParaRPr lang="en-US" dirty="0"/>
-          </a:p>
-        </p:txBody>
-      </p:sp>
-      <p:sp>
-        <p:nvSpPr>
-          <p:cNvPr id="7" name="Left Brace 6"/>
-          <p:cNvSpPr/>
-          <p:nvPr/>
-        </p:nvSpPr>
-        <p:spPr>
-          <a:xfrm rot="16200000">
-            <a:off x="2542936" y="1978748"/>
-            <a:ext cx="235939" cy="1876350"/>
-          </a:xfrm>
-          <a:prstGeom prst="leftBrace">
-            <a:avLst/>
-          </a:prstGeom>
-          <a:ln w="9525"/>
-        </p:spPr>
-        <p:style>
-          <a:lnRef idx="2">
-            <a:schemeClr val="accent1"/>
-          </a:lnRef>
-          <a:fillRef idx="0">
-            <a:schemeClr val="accent1"/>
-          </a:fillRef>
-          <a:effectRef idx="1">
-            <a:schemeClr val="accent1"/>
-          </a:effectRef>
-          <a:fontRef idx="minor">
-            <a:schemeClr val="tx1"/>
-          </a:fontRef>
-        </p:style>
-        <p:txBody>
-          <a:bodyPr rtlCol="0" anchor="ctr"/>
-          <a:lstStyle/>
-          <a:p>
-            <a:pPr algn="ctr"/>
-            <a:endParaRPr lang="en-US"/>
-          </a:p>
-        </p:txBody>
-      </p:sp>
-      <p:sp>
-        <p:nvSpPr>
-          <p:cNvPr id="10" name="Freeform 9"/>
-          <p:cNvSpPr/>
-          <p:nvPr/>
-        </p:nvSpPr>
-        <p:spPr>
-          <a:xfrm>
-            <a:off x="3408883" y="2156167"/>
-            <a:ext cx="1126541" cy="299923"/>
-          </a:xfrm>
-          <a:custGeom>
-            <a:avLst/>
-            <a:gdLst>
-              <a:gd name="connsiteX0" fmla="*/ 0 w 1126541"/>
-              <a:gd name="connsiteY0" fmla="*/ 46762 h 412522"/>
-              <a:gd name="connsiteX1" fmla="*/ 607162 w 1126541"/>
-              <a:gd name="connsiteY1" fmla="*/ 32132 h 412522"/>
-              <a:gd name="connsiteX2" fmla="*/ 1126541 w 1126541"/>
-              <a:gd name="connsiteY2" fmla="*/ 412522 h 412522"/>
-            </a:gdLst>
-            <a:ahLst/>
-            <a:cxnLst>
-              <a:cxn ang="0">
-                <a:pos x="connsiteX0" y="connsiteY0"/>
-              </a:cxn>
-              <a:cxn ang="0">
-                <a:pos x="connsiteX1" y="connsiteY1"/>
-              </a:cxn>
-              <a:cxn ang="0">
-                <a:pos x="connsiteX2" y="connsiteY2"/>
-              </a:cxn>
-            </a:cxnLst>
-            <a:rect l="l" t="t" r="r" b="b"/>
-            <a:pathLst>
-              <a:path w="1126541" h="412522">
-                <a:moveTo>
-                  <a:pt x="0" y="46762"/>
-                </a:moveTo>
-                <a:cubicBezTo>
-                  <a:pt x="209702" y="8967"/>
-                  <a:pt x="419405" y="-28828"/>
-                  <a:pt x="607162" y="32132"/>
-                </a:cubicBezTo>
-                <a:cubicBezTo>
-                  <a:pt x="794919" y="93092"/>
-                  <a:pt x="960730" y="252807"/>
-                  <a:pt x="1126541" y="412522"/>
-                </a:cubicBezTo>
-              </a:path>
-            </a:pathLst>
-          </a:custGeom>
-          <a:noFill/>
-          <a:ln>
-            <a:headEnd type="arrow" w="med" len="med"/>
-            <a:tailEnd type="none" w="med" len="med"/>
-          </a:ln>
-        </p:spPr>
-        <p:style>
-          <a:lnRef idx="1">
-            <a:schemeClr val="accent1"/>
-          </a:lnRef>
-          <a:fillRef idx="3">
-            <a:schemeClr val="accent1"/>
-          </a:fillRef>
-          <a:effectRef idx="2">
-            <a:schemeClr val="accent1"/>
-          </a:effectRef>
-          <a:fontRef idx="minor">
-            <a:schemeClr val="lt1"/>
-          </a:fontRef>
-        </p:style>
-        <p:txBody>
-          <a:bodyPr rtlCol="0" anchor="ctr"/>
-          <a:lstStyle/>
-          <a:p>
-            <a:pPr algn="ctr"/>
-            <a:endParaRPr lang="en-US"/>
-          </a:p>
-        </p:txBody>
-      </p:sp>
-      <p:sp>
-        <p:nvSpPr>
-          <p:cNvPr id="11" name="TextBox 10"/>
-          <p:cNvSpPr txBox="1"/>
-          <p:nvPr/>
-        </p:nvSpPr>
-        <p:spPr>
-          <a:xfrm>
-            <a:off x="4535424" y="2317754"/>
-            <a:ext cx="4251485" cy="276999"/>
-          </a:xfrm>
-          <a:prstGeom prst="rect">
-            <a:avLst/>
-          </a:prstGeom>
-          <a:noFill/>
-        </p:spPr>
-        <p:txBody>
-          <a:bodyPr wrap="none" rtlCol="0">
-            <a:spAutoFit/>
-          </a:bodyPr>
-          <a:lstStyle/>
-          <a:p>
-            <a:r>
-              <a:rPr lang="en-US" sz="1200" dirty="0" smtClean="0"/>
-              <a:t>Log likelihood function as in Maximum Likelihood (ML) Estimation</a:t>
-            </a:r>
-            <a:endParaRPr lang="en-US" sz="1200" dirty="0"/>
-          </a:p>
-        </p:txBody>
-      </p:sp>
-      <mc:AlternateContent xmlns:mc="http://schemas.openxmlformats.org/markup-compatibility/2006" xmlns:a14="http://schemas.microsoft.com/office/drawing/2010/main">
-        <mc:Choice Requires="a14">
-          <p:sp>
-            <p:nvSpPr>
-              <p:cNvPr id="13" name="TextBox 12"/>
-              <p:cNvSpPr txBox="1"/>
-              <p:nvPr/>
-            </p:nvSpPr>
-            <p:spPr>
-              <a:xfrm>
-                <a:off x="2218356" y="4495190"/>
-                <a:ext cx="5850063" cy="532775"/>
-              </a:xfrm>
-              <a:prstGeom prst="rect">
-                <a:avLst/>
-              </a:prstGeom>
-              <a:noFill/>
-            </p:spPr>
-            <p:txBody>
-              <a:bodyPr wrap="none" rtlCol="0">
-                <a:spAutoFit/>
-              </a:bodyPr>
-              <a:lstStyle/>
-              <a:p>
-                <a14:m>
-                  <m:oMath xmlns:m="http://schemas.openxmlformats.org/officeDocument/2006/math">
-                    <m:r>
-                      <a:rPr lang="en-US" b="0" i="1" smtClean="0">
-                        <a:latin typeface="Cambria Math"/>
-                      </a:rPr>
-                      <m:t>𝑀𝑆𝐸</m:t>
-                    </m:r>
-                    <m:d>
-                      <m:dPr>
-                        <m:ctrlPr>
-                          <a:rPr lang="en-US" b="0" i="1" smtClean="0">
-                            <a:latin typeface="Cambria Math"/>
-                          </a:rPr>
-                        </m:ctrlPr>
-                      </m:dPr>
-                      <m:e>
-                        <m:r>
-                          <m:rPr>
-                            <m:sty m:val="p"/>
-                          </m:rPr>
-                          <a:rPr lang="el-GR" b="0" i="1" smtClean="0">
-                            <a:latin typeface="Cambria Math"/>
-                            <a:ea typeface="Cambria Math"/>
-                          </a:rPr>
-                          <m:t>Φ</m:t>
-                        </m:r>
-                      </m:e>
-                    </m:d>
-                    <m:r>
-                      <a:rPr lang="en-US" b="0" i="1" smtClean="0">
-                        <a:latin typeface="Cambria Math"/>
-                        <a:ea typeface="Cambria Math"/>
-                      </a:rPr>
-                      <m:t>=</m:t>
-                    </m:r>
-                    <m:f>
-                      <m:fPr>
-                        <m:ctrlPr>
-                          <a:rPr lang="en-US" b="0" i="1" smtClean="0">
-                            <a:latin typeface="Cambria Math"/>
-                            <a:ea typeface="Cambria Math"/>
-                          </a:rPr>
-                        </m:ctrlPr>
-                      </m:fPr>
-                      <m:num>
-                        <m:r>
-                          <a:rPr lang="en-US" b="0" i="1" smtClean="0">
-                            <a:latin typeface="Cambria Math"/>
-                            <a:ea typeface="Cambria Math"/>
-                          </a:rPr>
-                          <m:t>𝜕</m:t>
-                        </m:r>
-                        <m:r>
-                          <a:rPr lang="en-US" b="0" i="1" smtClean="0">
-                            <a:latin typeface="Cambria Math"/>
-                            <a:ea typeface="Cambria Math"/>
-                          </a:rPr>
-                          <m:t>𝐸</m:t>
-                        </m:r>
-                        <m:r>
-                          <a:rPr lang="en-US" b="0" i="1" smtClean="0">
-                            <a:latin typeface="Cambria Math"/>
-                            <a:ea typeface="Cambria Math"/>
-                          </a:rPr>
-                          <m:t>{</m:t>
-                        </m:r>
-                        <m:acc>
-                          <m:accPr>
-                            <m:chr m:val="̂"/>
-                            <m:ctrlPr>
-                              <a:rPr lang="en-US" b="0" i="1" smtClean="0">
-                                <a:latin typeface="Cambria Math"/>
-                                <a:ea typeface="Cambria Math"/>
-                              </a:rPr>
-                            </m:ctrlPr>
-                          </m:accPr>
-                          <m:e>
-                            <m:r>
-                              <m:rPr>
-                                <m:sty m:val="p"/>
-                              </m:rPr>
-                              <a:rPr lang="el-GR" i="1">
-                                <a:latin typeface="Cambria Math"/>
-                                <a:ea typeface="Cambria Math"/>
-                              </a:rPr>
-                              <m:t>Φ</m:t>
-                            </m:r>
-                          </m:e>
-                        </m:acc>
-                        <m:r>
-                          <a:rPr lang="en-US" b="0" i="1" smtClean="0">
-                            <a:latin typeface="Cambria Math"/>
-                            <a:ea typeface="Cambria Math"/>
-                          </a:rPr>
-                          <m:t>}</m:t>
-                        </m:r>
-                      </m:num>
-                      <m:den>
-                        <m:r>
-                          <a:rPr lang="en-US" b="0" i="1" smtClean="0">
-                            <a:latin typeface="Cambria Math"/>
-                            <a:ea typeface="Cambria Math"/>
-                          </a:rPr>
-                          <m:t>𝜕</m:t>
-                        </m:r>
-                        <m:r>
-                          <m:rPr>
-                            <m:sty m:val="p"/>
-                          </m:rPr>
-                          <a:rPr lang="el-GR" i="1">
-                            <a:latin typeface="Cambria Math"/>
-                            <a:ea typeface="Cambria Math"/>
-                          </a:rPr>
-                          <m:t>Φ</m:t>
-                        </m:r>
-                      </m:den>
-                    </m:f>
-                    <m:sSup>
-                      <m:sSupPr>
-                        <m:ctrlPr>
-                          <a:rPr lang="en-US" b="0" i="1" smtClean="0">
-                            <a:latin typeface="Cambria Math"/>
-                            <a:ea typeface="Cambria Math"/>
-                          </a:rPr>
-                        </m:ctrlPr>
-                      </m:sSupPr>
-                      <m:e>
-                        <m:r>
-                          <a:rPr lang="en-US" b="0" i="1" smtClean="0">
-                            <a:latin typeface="Cambria Math"/>
-                            <a:ea typeface="Cambria Math"/>
-                          </a:rPr>
-                          <m:t>𝐽</m:t>
-                        </m:r>
-                      </m:e>
-                      <m:sup>
-                        <m:r>
-                          <a:rPr lang="en-US" b="0" i="1" smtClean="0">
-                            <a:latin typeface="Cambria Math"/>
-                            <a:ea typeface="Cambria Math"/>
-                          </a:rPr>
-                          <m:t>−1</m:t>
-                        </m:r>
-                      </m:sup>
-                    </m:sSup>
-                    <m:r>
-                      <a:rPr lang="en-US" b="0" i="1" smtClean="0">
-                        <a:latin typeface="Cambria Math"/>
-                        <a:ea typeface="Cambria Math"/>
-                      </a:rPr>
-                      <m:t>(</m:t>
-                    </m:r>
-                    <m:r>
-                      <m:rPr>
-                        <m:sty m:val="p"/>
-                      </m:rPr>
-                      <a:rPr lang="el-GR" i="1">
-                        <a:latin typeface="Cambria Math"/>
-                        <a:ea typeface="Cambria Math"/>
-                      </a:rPr>
-                      <m:t>Φ</m:t>
-                    </m:r>
-                  </m:oMath>
-                </a14:m>
-                <a:r>
-                  <a:rPr lang="en-US" dirty="0" smtClean="0"/>
-                  <a:t>)</a:t>
-                </a:r>
-                <a14:m>
-                  <m:oMath xmlns:m="http://schemas.openxmlformats.org/officeDocument/2006/math">
-                    <m:f>
-                      <m:fPr>
-                        <m:ctrlPr>
-                          <a:rPr lang="en-US" i="1">
-                            <a:latin typeface="Cambria Math"/>
-                            <a:ea typeface="Cambria Math"/>
-                          </a:rPr>
-                        </m:ctrlPr>
-                      </m:fPr>
-                      <m:num>
-                        <m:sSup>
-                          <m:sSupPr>
-                            <m:ctrlPr>
-                              <a:rPr lang="en-US" i="1" smtClean="0">
-                                <a:latin typeface="Cambria Math"/>
-                                <a:ea typeface="Cambria Math"/>
-                              </a:rPr>
-                            </m:ctrlPr>
-                          </m:sSupPr>
-                          <m:e>
-                            <m:r>
-                              <a:rPr lang="en-US" i="1">
-                                <a:latin typeface="Cambria Math"/>
-                                <a:ea typeface="Cambria Math"/>
-                              </a:rPr>
-                              <m:t>𝜕</m:t>
-                            </m:r>
-                            <m:r>
-                              <a:rPr lang="en-US" i="1">
-                                <a:latin typeface="Cambria Math"/>
-                                <a:ea typeface="Cambria Math"/>
-                              </a:rPr>
-                              <m:t>𝐸</m:t>
-                            </m:r>
-                            <m:r>
-                              <a:rPr lang="en-US" i="1">
-                                <a:latin typeface="Cambria Math"/>
-                                <a:ea typeface="Cambria Math"/>
-                              </a:rPr>
-                              <m:t>{</m:t>
-                            </m:r>
-                            <m:acc>
-                              <m:accPr>
-                                <m:chr m:val="̂"/>
-                                <m:ctrlPr>
-                                  <a:rPr lang="en-US" i="1" smtClean="0">
-                                    <a:latin typeface="Cambria Math"/>
-                                    <a:ea typeface="Cambria Math"/>
-                                  </a:rPr>
-                                </m:ctrlPr>
-                              </m:accPr>
-                              <m:e>
-                                <m:r>
-                                  <m:rPr>
-                                    <m:sty m:val="p"/>
-                                  </m:rPr>
-                                  <a:rPr lang="el-GR" i="1">
-                                    <a:latin typeface="Cambria Math"/>
-                                    <a:ea typeface="Cambria Math"/>
-                                  </a:rPr>
-                                  <m:t>Φ</m:t>
-                                </m:r>
-                              </m:e>
-                            </m:acc>
-                            <m:r>
-                              <a:rPr lang="en-US" i="1">
-                                <a:latin typeface="Cambria Math"/>
-                                <a:ea typeface="Cambria Math"/>
-                              </a:rPr>
-                              <m:t>}</m:t>
-                            </m:r>
-                          </m:e>
-                          <m:sup>
-                            <m:r>
-                              <a:rPr lang="en-US" b="0" i="1" smtClean="0">
-                                <a:latin typeface="Cambria Math"/>
-                                <a:ea typeface="Cambria Math"/>
-                              </a:rPr>
-                              <m:t>𝑇</m:t>
-                            </m:r>
-                          </m:sup>
-                        </m:sSup>
-                      </m:num>
-                      <m:den>
-                        <m:r>
-                          <a:rPr lang="en-US" i="1">
-                            <a:latin typeface="Cambria Math"/>
-                            <a:ea typeface="Cambria Math"/>
-                          </a:rPr>
-                          <m:t>𝜕</m:t>
-                        </m:r>
-                        <m:r>
-                          <m:rPr>
-                            <m:sty m:val="p"/>
-                          </m:rPr>
-                          <a:rPr lang="el-GR" i="1">
-                            <a:latin typeface="Cambria Math"/>
-                            <a:ea typeface="Cambria Math"/>
-                          </a:rPr>
-                          <m:t>Φ</m:t>
-                        </m:r>
-                      </m:den>
-                    </m:f>
-                    <m:r>
-                      <a:rPr lang="en-US" b="0" i="1" smtClean="0">
-                        <a:latin typeface="Cambria Math"/>
-                        <a:ea typeface="Cambria Math"/>
-                      </a:rPr>
-                      <m:t>+</m:t>
-                    </m:r>
-                    <m:d>
-                      <m:dPr>
-                        <m:ctrlPr>
-                          <a:rPr lang="en-US" b="0" i="1" smtClean="0">
-                            <a:latin typeface="Cambria Math"/>
-                            <a:ea typeface="Cambria Math"/>
-                          </a:rPr>
-                        </m:ctrlPr>
-                      </m:dPr>
-                      <m:e>
-                        <m:r>
-                          <a:rPr lang="en-US" b="0" i="1" smtClean="0">
-                            <a:latin typeface="Cambria Math"/>
-                            <a:ea typeface="Cambria Math"/>
-                          </a:rPr>
-                          <m:t>𝐸</m:t>
-                        </m:r>
-                        <m:d>
-                          <m:dPr>
-                            <m:begChr m:val="{"/>
-                            <m:endChr m:val="}"/>
-                            <m:ctrlPr>
-                              <a:rPr lang="en-US" b="0" i="1" smtClean="0">
-                                <a:latin typeface="Cambria Math"/>
-                                <a:ea typeface="Cambria Math"/>
-                              </a:rPr>
-                            </m:ctrlPr>
-                          </m:dPr>
-                          <m:e>
-                            <m:acc>
-                              <m:accPr>
-                                <m:chr m:val="̂"/>
-                                <m:ctrlPr>
-                                  <a:rPr lang="en-US" b="0" i="1" smtClean="0">
-                                    <a:latin typeface="Cambria Math"/>
-                                    <a:ea typeface="Cambria Math"/>
-                                  </a:rPr>
-                                </m:ctrlPr>
-                              </m:accPr>
-                              <m:e>
-                                <m:r>
-                                  <m:rPr>
-                                    <m:sty m:val="p"/>
-                                  </m:rPr>
-                                  <a:rPr lang="el-GR" i="1">
-                                    <a:latin typeface="Cambria Math"/>
-                                    <a:ea typeface="Cambria Math"/>
-                                  </a:rPr>
-                                  <m:t>Φ</m:t>
-                                </m:r>
-                              </m:e>
-                            </m:acc>
-                          </m:e>
-                        </m:d>
-                        <m:r>
-                          <a:rPr lang="en-US" b="0" i="1" smtClean="0">
-                            <a:latin typeface="Cambria Math"/>
-                            <a:ea typeface="Cambria Math"/>
-                          </a:rPr>
-                          <m:t>−</m:t>
-                        </m:r>
-                        <m:r>
-                          <m:rPr>
-                            <m:sty m:val="p"/>
-                          </m:rPr>
-                          <a:rPr lang="el-GR" i="1">
-                            <a:latin typeface="Cambria Math"/>
-                            <a:ea typeface="Cambria Math"/>
-                          </a:rPr>
-                          <m:t>Φ</m:t>
-                        </m:r>
-                      </m:e>
-                    </m:d>
-                    <m:sSup>
-                      <m:sSupPr>
-                        <m:ctrlPr>
-                          <a:rPr lang="en-US" b="0" i="1" smtClean="0">
-                            <a:latin typeface="Cambria Math"/>
-                            <a:ea typeface="Cambria Math"/>
-                          </a:rPr>
-                        </m:ctrlPr>
-                      </m:sSupPr>
-                      <m:e>
-                        <m:d>
-                          <m:dPr>
-                            <m:ctrlPr>
-                              <a:rPr lang="en-US" b="0" i="1" smtClean="0">
-                                <a:latin typeface="Cambria Math"/>
-                                <a:ea typeface="Cambria Math"/>
-                              </a:rPr>
-                            </m:ctrlPr>
-                          </m:dPr>
-                          <m:e>
-                            <m:r>
-                              <a:rPr lang="en-US" i="1">
-                                <a:latin typeface="Cambria Math"/>
-                                <a:ea typeface="Cambria Math"/>
-                              </a:rPr>
-                              <m:t>𝐸</m:t>
-                            </m:r>
-                            <m:d>
-                              <m:dPr>
-                                <m:begChr m:val="{"/>
-                                <m:endChr m:val="}"/>
-                                <m:ctrlPr>
-                                  <a:rPr lang="en-US" i="1">
-                                    <a:latin typeface="Cambria Math"/>
-                                    <a:ea typeface="Cambria Math"/>
-                                  </a:rPr>
-                                </m:ctrlPr>
-                              </m:dPr>
-                              <m:e>
-                                <m:acc>
-                                  <m:accPr>
-                                    <m:chr m:val="̂"/>
-                                    <m:ctrlPr>
-                                      <a:rPr lang="en-US" i="1">
-                                        <a:latin typeface="Cambria Math"/>
-                                        <a:ea typeface="Cambria Math"/>
-                                      </a:rPr>
-                                    </m:ctrlPr>
-                                  </m:accPr>
-                                  <m:e>
-                                    <m:r>
-                                      <m:rPr>
-                                        <m:sty m:val="p"/>
-                                      </m:rPr>
-                                      <a:rPr lang="el-GR" i="1">
-                                        <a:latin typeface="Cambria Math"/>
-                                        <a:ea typeface="Cambria Math"/>
-                                      </a:rPr>
-                                      <m:t>Φ</m:t>
-                                    </m:r>
-                                  </m:e>
-                                </m:acc>
-                              </m:e>
-                            </m:d>
-                            <m:r>
-                              <a:rPr lang="en-US" i="1">
-                                <a:latin typeface="Cambria Math"/>
-                                <a:ea typeface="Cambria Math"/>
-                              </a:rPr>
-                              <m:t>−</m:t>
-                            </m:r>
-                            <m:r>
-                              <m:rPr>
-                                <m:sty m:val="p"/>
-                              </m:rPr>
-                              <a:rPr lang="el-GR" i="1">
-                                <a:latin typeface="Cambria Math"/>
-                                <a:ea typeface="Cambria Math"/>
-                              </a:rPr>
-                              <m:t>Φ</m:t>
-                            </m:r>
-                          </m:e>
-                        </m:d>
-                      </m:e>
-                      <m:sup>
-                        <m:r>
-                          <a:rPr lang="en-US" b="0" i="1" smtClean="0">
-                            <a:latin typeface="Cambria Math"/>
-                            <a:ea typeface="Cambria Math"/>
-                          </a:rPr>
-                          <m:t>𝑇</m:t>
-                        </m:r>
-                      </m:sup>
-                    </m:sSup>
-                  </m:oMath>
-                </a14:m>
-                <a:endParaRPr lang="en-US" dirty="0"/>
-              </a:p>
-            </p:txBody>
-          </p:sp>
-        </mc:Choice>
-        <mc:Fallback xmlns="">
-          <p:sp>
-            <p:nvSpPr>
-              <p:cNvPr id="13" name="TextBox 12"/>
-              <p:cNvSpPr txBox="1">
-                <a:spLocks noRot="1" noChangeAspect="1" noMove="1" noResize="1" noEditPoints="1" noAdjustHandles="1" noChangeArrowheads="1" noChangeShapeType="1" noTextEdit="1"/>
-              </p:cNvSpPr>
-              <p:nvPr/>
-            </p:nvSpPr>
-            <p:spPr>
-              <a:xfrm>
-                <a:off x="2218356" y="4495190"/>
-                <a:ext cx="5850063" cy="532775"/>
-              </a:xfrm>
-              <a:prstGeom prst="rect">
-                <a:avLst/>
-              </a:prstGeom>
-              <a:blipFill rotWithShape="1">
-                <a:blip r:embed="rId5"/>
-                <a:stretch>
-                  <a:fillRect b="-5682"/>
-                </a:stretch>
-              </a:blipFill>
-            </p:spPr>
-            <p:txBody>
-              <a:bodyPr/>
-              <a:lstStyle/>
-              <a:p>
-                <a:r>
-                  <a:rPr lang="en-US">
-                    <a:noFill/>
-                  </a:rPr>
-                  <a:t> </a:t>
-                </a:r>
-              </a:p>
-            </p:txBody>
-          </p:sp>
-        </mc:Fallback>
-      </mc:AlternateContent>
-      <p:sp>
-        <p:nvSpPr>
-          <p:cNvPr id="14" name="Freeform 13"/>
-          <p:cNvSpPr/>
-          <p:nvPr/>
-        </p:nvSpPr>
-        <p:spPr>
-          <a:xfrm>
-            <a:off x="2858423" y="3408883"/>
-            <a:ext cx="1435599" cy="1192378"/>
-          </a:xfrm>
-          <a:custGeom>
-            <a:avLst/>
-            <a:gdLst>
-              <a:gd name="connsiteX0" fmla="*/ 1820 w 1435599"/>
-              <a:gd name="connsiteY0" fmla="*/ 0 h 1192378"/>
-              <a:gd name="connsiteX1" fmla="*/ 184700 w 1435599"/>
-              <a:gd name="connsiteY1" fmla="*/ 453543 h 1192378"/>
-              <a:gd name="connsiteX2" fmla="*/ 1164937 w 1435599"/>
-              <a:gd name="connsiteY2" fmla="*/ 555955 h 1192378"/>
-              <a:gd name="connsiteX3" fmla="*/ 1435599 w 1435599"/>
-              <a:gd name="connsiteY3" fmla="*/ 1192378 h 1192378"/>
-            </a:gdLst>
-            <a:ahLst/>
-            <a:cxnLst>
-              <a:cxn ang="0">
-                <a:pos x="connsiteX0" y="connsiteY0"/>
-              </a:cxn>
-              <a:cxn ang="0">
-                <a:pos x="connsiteX1" y="connsiteY1"/>
-              </a:cxn>
-              <a:cxn ang="0">
-                <a:pos x="connsiteX2" y="connsiteY2"/>
-              </a:cxn>
-              <a:cxn ang="0">
-                <a:pos x="connsiteX3" y="connsiteY3"/>
-              </a:cxn>
-            </a:cxnLst>
-            <a:rect l="l" t="t" r="r" b="b"/>
-            <a:pathLst>
-              <a:path w="1435599" h="1192378">
-                <a:moveTo>
-                  <a:pt x="1820" y="0"/>
-                </a:moveTo>
-                <a:cubicBezTo>
-                  <a:pt x="-3667" y="180442"/>
-                  <a:pt x="-9153" y="360884"/>
-                  <a:pt x="184700" y="453543"/>
-                </a:cubicBezTo>
-                <a:cubicBezTo>
-                  <a:pt x="378553" y="546202"/>
-                  <a:pt x="956454" y="432816"/>
-                  <a:pt x="1164937" y="555955"/>
-                </a:cubicBezTo>
-                <a:cubicBezTo>
-                  <a:pt x="1373420" y="679094"/>
-                  <a:pt x="1404509" y="935736"/>
-                  <a:pt x="1435599" y="1192378"/>
-                </a:cubicBezTo>
-              </a:path>
-            </a:pathLst>
-          </a:custGeom>
-          <a:noFill/>
-          <a:ln>
-            <a:headEnd type="arrow" w="med" len="med"/>
-            <a:tailEnd type="arrow" w="med" len="med"/>
-          </a:ln>
-        </p:spPr>
-        <p:style>
-          <a:lnRef idx="1">
-            <a:schemeClr val="accent1"/>
-          </a:lnRef>
-          <a:fillRef idx="3">
-            <a:schemeClr val="accent1"/>
-          </a:fillRef>
-          <a:effectRef idx="2">
-            <a:schemeClr val="accent1"/>
-          </a:effectRef>
-          <a:fontRef idx="minor">
-            <a:schemeClr val="lt1"/>
-          </a:fontRef>
-        </p:style>
-        <p:txBody>
-          <a:bodyPr rtlCol="0" anchor="ctr"/>
-          <a:lstStyle/>
-          <a:p>
-            <a:pPr algn="ctr"/>
-            <a:endParaRPr lang="en-US"/>
-          </a:p>
-        </p:txBody>
-      </p:sp>
-      <p:sp>
-        <p:nvSpPr>
-          <p:cNvPr id="16" name="Left Brace 15"/>
-          <p:cNvSpPr/>
-          <p:nvPr/>
-        </p:nvSpPr>
-        <p:spPr>
-          <a:xfrm rot="16200000">
-            <a:off x="6633246" y="4009509"/>
-            <a:ext cx="204826" cy="2197846"/>
-          </a:xfrm>
-          <a:prstGeom prst="leftBrace">
-            <a:avLst/>
-          </a:prstGeom>
-          <a:ln w="9525"/>
-        </p:spPr>
-        <p:style>
-          <a:lnRef idx="2">
-            <a:schemeClr val="accent1"/>
-          </a:lnRef>
-          <a:fillRef idx="0">
-            <a:schemeClr val="accent1"/>
-          </a:fillRef>
-          <a:effectRef idx="1">
-            <a:schemeClr val="accent1"/>
-          </a:effectRef>
-          <a:fontRef idx="minor">
-            <a:schemeClr val="tx1"/>
-          </a:fontRef>
-        </p:style>
-        <p:txBody>
-          <a:bodyPr rtlCol="0" anchor="ctr"/>
-          <a:lstStyle/>
-          <a:p>
-            <a:pPr algn="ctr"/>
-            <a:endParaRPr lang="en-US"/>
-          </a:p>
-        </p:txBody>
-      </p:sp>
-      <p:sp>
-        <p:nvSpPr>
-          <p:cNvPr id="17" name="TextBox 16"/>
-          <p:cNvSpPr txBox="1"/>
-          <p:nvPr/>
-        </p:nvSpPr>
-        <p:spPr>
-          <a:xfrm>
-            <a:off x="6473952" y="5362042"/>
-            <a:ext cx="562975" cy="369332"/>
-          </a:xfrm>
-          <a:prstGeom prst="rect">
-            <a:avLst/>
-          </a:prstGeom>
-          <a:noFill/>
-        </p:spPr>
-        <p:txBody>
-          <a:bodyPr wrap="none" rtlCol="0">
-            <a:spAutoFit/>
-          </a:bodyPr>
-          <a:lstStyle/>
-          <a:p>
-            <a:r>
-              <a:rPr lang="en-US" dirty="0" smtClean="0"/>
-              <a:t>Bias</a:t>
-            </a:r>
-            <a:endParaRPr lang="en-US" dirty="0"/>
-          </a:p>
-        </p:txBody>
-      </p:sp>
-      <p:sp>
-        <p:nvSpPr>
-          <p:cNvPr id="18" name="Left Brace 17"/>
-          <p:cNvSpPr/>
-          <p:nvPr/>
-        </p:nvSpPr>
-        <p:spPr>
-          <a:xfrm rot="16200000">
-            <a:off x="4181039" y="4350907"/>
-            <a:ext cx="204826" cy="1719875"/>
-          </a:xfrm>
-          <a:prstGeom prst="leftBrace">
-            <a:avLst/>
-          </a:prstGeom>
-          <a:ln w="9525"/>
-        </p:spPr>
-        <p:style>
-          <a:lnRef idx="2">
-            <a:schemeClr val="accent1"/>
-          </a:lnRef>
-          <a:fillRef idx="0">
-            <a:schemeClr val="accent1"/>
-          </a:fillRef>
-          <a:effectRef idx="1">
-            <a:schemeClr val="accent1"/>
-          </a:effectRef>
-          <a:fontRef idx="minor">
-            <a:schemeClr val="tx1"/>
-          </a:fontRef>
-        </p:style>
-        <p:txBody>
-          <a:bodyPr rtlCol="0" anchor="ctr"/>
-          <a:lstStyle/>
-          <a:p>
-            <a:pPr algn="ctr"/>
-            <a:endParaRPr lang="en-US"/>
-          </a:p>
-        </p:txBody>
-      </p:sp>
-      <p:sp>
-        <p:nvSpPr>
-          <p:cNvPr id="19" name="TextBox 18"/>
-          <p:cNvSpPr txBox="1"/>
-          <p:nvPr/>
-        </p:nvSpPr>
-        <p:spPr>
-          <a:xfrm>
-            <a:off x="3663689" y="5369358"/>
-            <a:ext cx="1239526" cy="369332"/>
-          </a:xfrm>
-          <a:prstGeom prst="rect">
-            <a:avLst/>
-          </a:prstGeom>
-          <a:noFill/>
-        </p:spPr>
-        <p:txBody>
-          <a:bodyPr wrap="square" rtlCol="0">
-            <a:spAutoFit/>
-          </a:bodyPr>
-          <a:lstStyle/>
-          <a:p>
-            <a:r>
-              <a:rPr lang="en-US" dirty="0" smtClean="0"/>
-              <a:t>Variance</a:t>
-            </a:r>
-            <a:endParaRPr lang="en-US" dirty="0"/>
-          </a:p>
-        </p:txBody>
-      </p:sp>
-      <p:sp>
-        <p:nvSpPr>
-          <p:cNvPr id="20" name="TextBox 19"/>
-          <p:cNvSpPr txBox="1"/>
-          <p:nvPr/>
-        </p:nvSpPr>
-        <p:spPr>
-          <a:xfrm>
-            <a:off x="457200" y="5998953"/>
-            <a:ext cx="4576894" cy="276999"/>
-          </a:xfrm>
-          <a:prstGeom prst="rect">
-            <a:avLst/>
-          </a:prstGeom>
-          <a:noFill/>
-        </p:spPr>
-        <p:txBody>
-          <a:bodyPr wrap="none" rtlCol="0">
-            <a:spAutoFit/>
-          </a:bodyPr>
-          <a:lstStyle/>
-          <a:p>
-            <a:r>
-              <a:rPr lang="en-US" sz="1200" dirty="0" smtClean="0"/>
-              <a:t>MSE = Mean Square </a:t>
-            </a:r>
-            <a:r>
-              <a:rPr lang="en-US" sz="1200" dirty="0" smtClean="0"/>
-              <a:t>Error used as measure </a:t>
-            </a:r>
-            <a:r>
-              <a:rPr lang="en-US" sz="1200" dirty="0" smtClean="0"/>
-              <a:t>of </a:t>
-            </a:r>
-            <a:r>
-              <a:rPr lang="en-US" sz="1200" dirty="0" smtClean="0"/>
-              <a:t>registration </a:t>
-            </a:r>
-            <a:r>
-              <a:rPr lang="en-US" sz="1200" dirty="0"/>
-              <a:t>e</a:t>
-            </a:r>
-            <a:r>
-              <a:rPr lang="en-US" sz="1200" dirty="0" smtClean="0"/>
-              <a:t>rror</a:t>
-            </a:r>
-            <a:endParaRPr lang="en-US" sz="1200" dirty="0"/>
-          </a:p>
-        </p:txBody>
-      </p:sp>
-    </p:spTree>
-    <p:extLst>
-      <p:ext uri="{BB962C8B-B14F-4D97-AF65-F5344CB8AC3E}">
-        <p14:creationId xmlns:p14="http://schemas.microsoft.com/office/powerpoint/2010/main" val="1134279953"/>
-      </p:ext>
-    </p:extLst>
-  </p:cSld>
-  <p:clrMapOvr>
-    <a:masterClrMapping/>
-  </p:clrMapOvr>
+  <p:timing>
+    <p:tnLst>
+      <p:par>
+        <p:cTn id="1" dur="indefinite" restart="never" nodeType="tmRoot"/>
+      </p:par>
+    </p:tnLst>
+  </p:timing>
 </p:sld>
 </file>
 
